--- a/Report & PPT/Project Work/Ppt/Callify Synopsis.pptx
+++ b/Report & PPT/Project Work/Ppt/Callify Synopsis.pptx
@@ -9,31 +9,32 @@
     <p:sldMasterId id="2147483699" r:id="rId5"/>
   </p:sldMasterIdLst>
   <p:notesMasterIdLst>
-    <p:notesMasterId r:id="rId25"/>
+    <p:notesMasterId r:id="rId26"/>
   </p:notesMasterIdLst>
   <p:handoutMasterIdLst>
-    <p:handoutMasterId r:id="rId26"/>
+    <p:handoutMasterId r:id="rId27"/>
   </p:handoutMasterIdLst>
   <p:sldIdLst>
     <p:sldId id="257" r:id="rId6"/>
     <p:sldId id="281" r:id="rId7"/>
     <p:sldId id="282" r:id="rId8"/>
     <p:sldId id="283" r:id="rId9"/>
-    <p:sldId id="284" r:id="rId10"/>
-    <p:sldId id="285" r:id="rId11"/>
-    <p:sldId id="286" r:id="rId12"/>
-    <p:sldId id="291" r:id="rId13"/>
-    <p:sldId id="292" r:id="rId14"/>
-    <p:sldId id="293" r:id="rId15"/>
-    <p:sldId id="294" r:id="rId16"/>
-    <p:sldId id="295" r:id="rId17"/>
-    <p:sldId id="296" r:id="rId18"/>
-    <p:sldId id="297" r:id="rId19"/>
-    <p:sldId id="298" r:id="rId20"/>
-    <p:sldId id="287" r:id="rId21"/>
-    <p:sldId id="290" r:id="rId22"/>
-    <p:sldId id="288" r:id="rId23"/>
-    <p:sldId id="289" r:id="rId24"/>
+    <p:sldId id="299" r:id="rId10"/>
+    <p:sldId id="284" r:id="rId11"/>
+    <p:sldId id="285" r:id="rId12"/>
+    <p:sldId id="286" r:id="rId13"/>
+    <p:sldId id="291" r:id="rId14"/>
+    <p:sldId id="292" r:id="rId15"/>
+    <p:sldId id="293" r:id="rId16"/>
+    <p:sldId id="294" r:id="rId17"/>
+    <p:sldId id="295" r:id="rId18"/>
+    <p:sldId id="296" r:id="rId19"/>
+    <p:sldId id="297" r:id="rId20"/>
+    <p:sldId id="298" r:id="rId21"/>
+    <p:sldId id="287" r:id="rId22"/>
+    <p:sldId id="290" r:id="rId23"/>
+    <p:sldId id="288" r:id="rId24"/>
+    <p:sldId id="289" r:id="rId25"/>
   </p:sldIdLst>
   <p:sldSz cx="12192000" cy="6858000"/>
   <p:notesSz cx="6858000" cy="9144000"/>
@@ -872,7 +873,7 @@
     </p:spTree>
     <p:extLst>
       <p:ext uri="{BB962C8B-B14F-4D97-AF65-F5344CB8AC3E}">
-        <p14:creationId xmlns:p14="http://schemas.microsoft.com/office/powerpoint/2010/main" val="187069949"/>
+        <p14:creationId xmlns:p14="http://schemas.microsoft.com/office/powerpoint/2010/main" val="1750939175"/>
       </p:ext>
     </p:extLst>
   </p:cSld>
@@ -962,7 +963,7 @@
     </p:spTree>
     <p:extLst>
       <p:ext uri="{BB962C8B-B14F-4D97-AF65-F5344CB8AC3E}">
-        <p14:creationId xmlns:p14="http://schemas.microsoft.com/office/powerpoint/2010/main" val="1825597563"/>
+        <p14:creationId xmlns:p14="http://schemas.microsoft.com/office/powerpoint/2010/main" val="187069949"/>
       </p:ext>
     </p:extLst>
   </p:cSld>
@@ -1052,7 +1053,7 @@
     </p:spTree>
     <p:extLst>
       <p:ext uri="{BB962C8B-B14F-4D97-AF65-F5344CB8AC3E}">
-        <p14:creationId xmlns:p14="http://schemas.microsoft.com/office/powerpoint/2010/main" val="3899158755"/>
+        <p14:creationId xmlns:p14="http://schemas.microsoft.com/office/powerpoint/2010/main" val="1825597563"/>
       </p:ext>
     </p:extLst>
   </p:cSld>
@@ -1142,7 +1143,7 @@
     </p:spTree>
     <p:extLst>
       <p:ext uri="{BB962C8B-B14F-4D97-AF65-F5344CB8AC3E}">
-        <p14:creationId xmlns:p14="http://schemas.microsoft.com/office/powerpoint/2010/main" val="2793012072"/>
+        <p14:creationId xmlns:p14="http://schemas.microsoft.com/office/powerpoint/2010/main" val="3899158755"/>
       </p:ext>
     </p:extLst>
   </p:cSld>
@@ -1232,7 +1233,7 @@
     </p:spTree>
     <p:extLst>
       <p:ext uri="{BB962C8B-B14F-4D97-AF65-F5344CB8AC3E}">
-        <p14:creationId xmlns:p14="http://schemas.microsoft.com/office/powerpoint/2010/main" val="1554245200"/>
+        <p14:creationId xmlns:p14="http://schemas.microsoft.com/office/powerpoint/2010/main" val="2793012072"/>
       </p:ext>
     </p:extLst>
   </p:cSld>
@@ -1322,7 +1323,7 @@
     </p:spTree>
     <p:extLst>
       <p:ext uri="{BB962C8B-B14F-4D97-AF65-F5344CB8AC3E}">
-        <p14:creationId xmlns:p14="http://schemas.microsoft.com/office/powerpoint/2010/main" val="3214208214"/>
+        <p14:creationId xmlns:p14="http://schemas.microsoft.com/office/powerpoint/2010/main" val="1554245200"/>
       </p:ext>
     </p:extLst>
   </p:cSld>
@@ -1412,7 +1413,7 @@
     </p:spTree>
     <p:extLst>
       <p:ext uri="{BB962C8B-B14F-4D97-AF65-F5344CB8AC3E}">
-        <p14:creationId xmlns:p14="http://schemas.microsoft.com/office/powerpoint/2010/main" val="360630582"/>
+        <p14:creationId xmlns:p14="http://schemas.microsoft.com/office/powerpoint/2010/main" val="3214208214"/>
       </p:ext>
     </p:extLst>
   </p:cSld>
@@ -1502,7 +1503,7 @@
     </p:spTree>
     <p:extLst>
       <p:ext uri="{BB962C8B-B14F-4D97-AF65-F5344CB8AC3E}">
-        <p14:creationId xmlns:p14="http://schemas.microsoft.com/office/powerpoint/2010/main" val="1104650847"/>
+        <p14:creationId xmlns:p14="http://schemas.microsoft.com/office/powerpoint/2010/main" val="360630582"/>
       </p:ext>
     </p:extLst>
   </p:cSld>
@@ -1592,7 +1593,7 @@
     </p:spTree>
     <p:extLst>
       <p:ext uri="{BB962C8B-B14F-4D97-AF65-F5344CB8AC3E}">
-        <p14:creationId xmlns:p14="http://schemas.microsoft.com/office/powerpoint/2010/main" val="727244176"/>
+        <p14:creationId xmlns:p14="http://schemas.microsoft.com/office/powerpoint/2010/main" val="1104650847"/>
       </p:ext>
     </p:extLst>
   </p:cSld>
@@ -1682,7 +1683,7 @@
     </p:spTree>
     <p:extLst>
       <p:ext uri="{BB962C8B-B14F-4D97-AF65-F5344CB8AC3E}">
-        <p14:creationId xmlns:p14="http://schemas.microsoft.com/office/powerpoint/2010/main" val="2271837029"/>
+        <p14:creationId xmlns:p14="http://schemas.microsoft.com/office/powerpoint/2010/main" val="727244176"/>
       </p:ext>
     </p:extLst>
   </p:cSld>
@@ -1773,6 +1774,96 @@
     <p:extLst>
       <p:ext uri="{BB962C8B-B14F-4D97-AF65-F5344CB8AC3E}">
         <p14:creationId xmlns:p14="http://schemas.microsoft.com/office/powerpoint/2010/main" val="1208718921"/>
+      </p:ext>
+    </p:extLst>
+  </p:cSld>
+  <p:clrMapOvr>
+    <a:masterClrMapping/>
+  </p:clrMapOvr>
+</p:notes>
+</file>
+
+<file path=ppt/notesSlides/notesSlide20.xml><?xml version="1.0" encoding="utf-8"?>
+<p:notes xmlns:a="http://schemas.openxmlformats.org/drawingml/2006/main" xmlns:r="http://schemas.openxmlformats.org/officeDocument/2006/relationships" xmlns:p="http://schemas.openxmlformats.org/presentationml/2006/main">
+  <p:cSld>
+    <p:spTree>
+      <p:nvGrpSpPr>
+        <p:cNvPr id="1" name=""/>
+        <p:cNvGrpSpPr/>
+        <p:nvPr/>
+      </p:nvGrpSpPr>
+      <p:grpSpPr>
+        <a:xfrm>
+          <a:off x="0" y="0"/>
+          <a:ext cx="0" cy="0"/>
+          <a:chOff x="0" y="0"/>
+          <a:chExt cx="0" cy="0"/>
+        </a:xfrm>
+      </p:grpSpPr>
+      <p:sp>
+        <p:nvSpPr>
+          <p:cNvPr id="2" name="Slide Image Placeholder 1"/>
+          <p:cNvSpPr>
+            <a:spLocks noGrp="1" noRot="1" noChangeAspect="1"/>
+          </p:cNvSpPr>
+          <p:nvPr>
+            <p:ph type="sldImg"/>
+          </p:nvPr>
+        </p:nvSpPr>
+        <p:spPr>
+          <a:xfrm>
+            <a:off x="685800" y="1143000"/>
+            <a:ext cx="5486400" cy="3086100"/>
+          </a:xfrm>
+        </p:spPr>
+      </p:sp>
+      <p:sp>
+        <p:nvSpPr>
+          <p:cNvPr id="3" name="Notes Placeholder 2"/>
+          <p:cNvSpPr>
+            <a:spLocks noGrp="1"/>
+          </p:cNvSpPr>
+          <p:nvPr>
+            <p:ph type="body" idx="1"/>
+          </p:nvPr>
+        </p:nvSpPr>
+        <p:spPr/>
+        <p:txBody>
+          <a:bodyPr/>
+          <a:lstStyle/>
+          <a:p>
+            <a:endParaRPr lang="en-IN" dirty="0"/>
+          </a:p>
+        </p:txBody>
+      </p:sp>
+      <p:sp>
+        <p:nvSpPr>
+          <p:cNvPr id="4" name="Slide Number Placeholder 3"/>
+          <p:cNvSpPr>
+            <a:spLocks noGrp="1"/>
+          </p:cNvSpPr>
+          <p:nvPr>
+            <p:ph type="sldNum" sz="quarter" idx="10"/>
+          </p:nvPr>
+        </p:nvSpPr>
+        <p:spPr/>
+        <p:txBody>
+          <a:bodyPr/>
+          <a:lstStyle/>
+          <a:p>
+            <a:fld id="{7782813F-5D25-4BB6-888C-4601F85758C5}" type="slidenum">
+              <a:rPr lang="en-IN" smtClean="0"/>
+              <a:pPr/>
+              <a:t>20</a:t>
+            </a:fld>
+            <a:endParaRPr lang="en-IN"/>
+          </a:p>
+        </p:txBody>
+      </p:sp>
+    </p:spTree>
+    <p:extLst>
+      <p:ext uri="{BB962C8B-B14F-4D97-AF65-F5344CB8AC3E}">
+        <p14:creationId xmlns:p14="http://schemas.microsoft.com/office/powerpoint/2010/main" val="2271837029"/>
       </p:ext>
     </p:extLst>
   </p:cSld>
@@ -2042,7 +2133,7 @@
     </p:spTree>
     <p:extLst>
       <p:ext uri="{BB962C8B-B14F-4D97-AF65-F5344CB8AC3E}">
-        <p14:creationId xmlns:p14="http://schemas.microsoft.com/office/powerpoint/2010/main" val="3568337871"/>
+        <p14:creationId xmlns:p14="http://schemas.microsoft.com/office/powerpoint/2010/main" val="4245959580"/>
       </p:ext>
     </p:extLst>
   </p:cSld>
@@ -2132,7 +2223,7 @@
     </p:spTree>
     <p:extLst>
       <p:ext uri="{BB962C8B-B14F-4D97-AF65-F5344CB8AC3E}">
-        <p14:creationId xmlns:p14="http://schemas.microsoft.com/office/powerpoint/2010/main" val="4175307956"/>
+        <p14:creationId xmlns:p14="http://schemas.microsoft.com/office/powerpoint/2010/main" val="3568337871"/>
       </p:ext>
     </p:extLst>
   </p:cSld>
@@ -2222,7 +2313,7 @@
     </p:spTree>
     <p:extLst>
       <p:ext uri="{BB962C8B-B14F-4D97-AF65-F5344CB8AC3E}">
-        <p14:creationId xmlns:p14="http://schemas.microsoft.com/office/powerpoint/2010/main" val="2218171724"/>
+        <p14:creationId xmlns:p14="http://schemas.microsoft.com/office/powerpoint/2010/main" val="4175307956"/>
       </p:ext>
     </p:extLst>
   </p:cSld>
@@ -2312,7 +2403,7 @@
     </p:spTree>
     <p:extLst>
       <p:ext uri="{BB962C8B-B14F-4D97-AF65-F5344CB8AC3E}">
-        <p14:creationId xmlns:p14="http://schemas.microsoft.com/office/powerpoint/2010/main" val="2129072402"/>
+        <p14:creationId xmlns:p14="http://schemas.microsoft.com/office/powerpoint/2010/main" val="2218171724"/>
       </p:ext>
     </p:extLst>
   </p:cSld>
@@ -2402,7 +2493,7 @@
     </p:spTree>
     <p:extLst>
       <p:ext uri="{BB962C8B-B14F-4D97-AF65-F5344CB8AC3E}">
-        <p14:creationId xmlns:p14="http://schemas.microsoft.com/office/powerpoint/2010/main" val="1750939175"/>
+        <p14:creationId xmlns:p14="http://schemas.microsoft.com/office/powerpoint/2010/main" val="2129072402"/>
       </p:ext>
     </p:extLst>
   </p:cSld>
@@ -19498,8 +19589,8 @@
         </p:nvSpPr>
         <p:spPr bwMode="auto">
           <a:xfrm>
-            <a:off x="2743201" y="1951615"/>
-            <a:ext cx="7162800" cy="3715184"/>
+            <a:off x="2743201" y="1741301"/>
+            <a:ext cx="7162800" cy="4135812"/>
           </a:xfrm>
           <a:prstGeom prst="rect">
             <a:avLst/>
@@ -19547,41 +19638,50 @@
           </a:bodyPr>
           <a:lstStyle/>
           <a:p>
-            <a:pPr marL="0" marR="0">
+            <a:pPr marL="0" marR="0" lvl="0" indent="0" algn="just" defTabSz="914400" rtl="0" eaLnBrk="0" fontAlgn="base" latinLnBrk="0" hangingPunct="0">
               <a:lnSpc>
-                <a:spcPct val="107000"/>
+                <a:spcPct val="200000"/>
               </a:lnSpc>
               <a:spcBef>
-                <a:spcPts val="0"/>
+                <a:spcPct val="0"/>
               </a:spcBef>
               <a:spcAft>
-                <a:spcPts val="800"/>
+                <a:spcPct val="0"/>
               </a:spcAft>
+              <a:buClrTx/>
+              <a:buSzTx/>
+              <a:buFontTx/>
+              <a:buChar char="•"/>
+              <a:tabLst/>
             </a:pPr>
             <a:r>
-              <a:rPr lang="en-US" sz="1600" b="1" kern="100" dirty="0" err="1">
+              <a:rPr kumimoji="0" lang="en-US" altLang="en-US" sz="1600" b="1" i="0" u="none" strike="noStrike" cap="none" normalizeH="0" baseline="0" dirty="0">
+                <a:ln>
+                  <a:noFill/>
+                </a:ln>
+                <a:solidFill>
+                  <a:schemeClr val="tx1"/>
+                </a:solidFill>
                 <a:effectLst/>
-                <a:latin typeface="Arial" panose="020B0604020202020204" pitchFamily="34" charset="0"/>
-                <a:ea typeface="Calibri" panose="020F0502020204030204" pitchFamily="34" charset="0"/>
-                <a:cs typeface="Arial" panose="020B0604020202020204" pitchFamily="34" charset="0"/>
+                <a:latin typeface="Times New Roman" panose="02020603050405020304" pitchFamily="18" charset="0"/>
+                <a:cs typeface="Times New Roman" panose="02020603050405020304" pitchFamily="18" charset="0"/>
               </a:rPr>
-              <a:t>GetStream</a:t>
-            </a:r>
-            <a:r>
-              <a:rPr lang="en-US" sz="1600" b="1" kern="100" dirty="0">
+              <a:t>Clerk(Authentication)</a:t>
+            </a:r>
+            <a:r>
+              <a:rPr kumimoji="0" lang="en-US" altLang="en-US" sz="1600" b="0" i="0" u="none" strike="noStrike" cap="none" normalizeH="0" baseline="0" dirty="0">
+                <a:ln>
+                  <a:noFill/>
+                </a:ln>
+                <a:solidFill>
+                  <a:schemeClr val="tx1"/>
+                </a:solidFill>
                 <a:effectLst/>
-                <a:latin typeface="Arial" panose="020B0604020202020204" pitchFamily="34" charset="0"/>
-                <a:ea typeface="Calibri" panose="020F0502020204030204" pitchFamily="34" charset="0"/>
-                <a:cs typeface="Arial" panose="020B0604020202020204" pitchFamily="34" charset="0"/>
+                <a:latin typeface="Times New Roman" panose="02020603050405020304" pitchFamily="18" charset="0"/>
+                <a:cs typeface="Times New Roman" panose="02020603050405020304" pitchFamily="18" charset="0"/>
               </a:rPr>
-              <a:t> (Real-time Messaging &amp; Video Streaming)</a:t>
-            </a:r>
-            <a:endParaRPr lang="en-US" sz="1600" kern="100" dirty="0">
-              <a:effectLst/>
-              <a:latin typeface="Arial" panose="020B0604020202020204" pitchFamily="34" charset="0"/>
-              <a:ea typeface="Calibri" panose="020F0502020204030204" pitchFamily="34" charset="0"/>
-              <a:cs typeface="Arial" panose="020B0604020202020204" pitchFamily="34" charset="0"/>
-            </a:endParaRPr>
+              <a:t>:</a:t>
+            </a:r>
           </a:p>
           <a:p>
             <a:pPr marL="342900" marR="0" lvl="0" indent="-342900">
@@ -19604,20 +19704,20 @@
             <a:r>
               <a:rPr lang="en-US" sz="1600" b="1" kern="100" dirty="0">
                 <a:effectLst/>
-                <a:latin typeface="Arial" panose="020B0604020202020204" pitchFamily="34" charset="0"/>
+                <a:latin typeface="Times New Roman" panose="02020603050405020304" pitchFamily="18" charset="0"/>
                 <a:ea typeface="Calibri" panose="020F0502020204030204" pitchFamily="34" charset="0"/>
-                <a:cs typeface="Arial" panose="020B0604020202020204" pitchFamily="34" charset="0"/>
+                <a:cs typeface="Times New Roman" panose="02020603050405020304" pitchFamily="18" charset="0"/>
               </a:rPr>
-              <a:t>Real-time Messaging</a:t>
+              <a:t>User Authentication</a:t>
             </a:r>
             <a:r>
               <a:rPr lang="en-US" sz="1600" kern="100" dirty="0">
                 <a:effectLst/>
-                <a:latin typeface="Arial" panose="020B0604020202020204" pitchFamily="34" charset="0"/>
+                <a:latin typeface="Times New Roman" panose="02020603050405020304" pitchFamily="18" charset="0"/>
                 <a:ea typeface="Calibri" panose="020F0502020204030204" pitchFamily="34" charset="0"/>
-                <a:cs typeface="Arial" panose="020B0604020202020204" pitchFamily="34" charset="0"/>
+                <a:cs typeface="Times New Roman" panose="02020603050405020304" pitchFamily="18" charset="0"/>
               </a:rPr>
-              <a:t>: Provides real-time messaging APIs, enabling text chat features during video conferences.</a:t>
+              <a:t>: Provides pre-built, easy-to-integrate authentication components (signup, login, password recovery), reducing development time.</a:t>
             </a:r>
           </a:p>
           <a:p>
@@ -19641,20 +19741,20 @@
             <a:r>
               <a:rPr lang="en-US" sz="1600" b="1" kern="100" dirty="0">
                 <a:effectLst/>
-                <a:latin typeface="Arial" panose="020B0604020202020204" pitchFamily="34" charset="0"/>
+                <a:latin typeface="Times New Roman" panose="02020603050405020304" pitchFamily="18" charset="0"/>
                 <a:ea typeface="Calibri" panose="020F0502020204030204" pitchFamily="34" charset="0"/>
-                <a:cs typeface="Arial" panose="020B0604020202020204" pitchFamily="34" charset="0"/>
+                <a:cs typeface="Times New Roman" panose="02020603050405020304" pitchFamily="18" charset="0"/>
               </a:rPr>
-              <a:t>Video Streaming</a:t>
+              <a:t>Security</a:t>
             </a:r>
             <a:r>
               <a:rPr lang="en-US" sz="1600" kern="100" dirty="0">
                 <a:effectLst/>
-                <a:latin typeface="Arial" panose="020B0604020202020204" pitchFamily="34" charset="0"/>
+                <a:latin typeface="Times New Roman" panose="02020603050405020304" pitchFamily="18" charset="0"/>
                 <a:ea typeface="Calibri" panose="020F0502020204030204" pitchFamily="34" charset="0"/>
-                <a:cs typeface="Arial" panose="020B0604020202020204" pitchFamily="34" charset="0"/>
+                <a:cs typeface="Times New Roman" panose="02020603050405020304" pitchFamily="18" charset="0"/>
               </a:rPr>
-              <a:t>: Supports live video streaming, allowing for high-quality video calls.</a:t>
+              <a:t>: Offers built-in security features like OAuth and 2FA, essential for a video conferencing app where data protection is crucial.</a:t>
             </a:r>
           </a:p>
           <a:p>
@@ -19678,20 +19778,20 @@
             <a:r>
               <a:rPr lang="en-US" sz="1600" b="1" kern="100" dirty="0">
                 <a:effectLst/>
-                <a:latin typeface="Arial" panose="020B0604020202020204" pitchFamily="34" charset="0"/>
+                <a:latin typeface="Times New Roman" panose="02020603050405020304" pitchFamily="18" charset="0"/>
                 <a:ea typeface="Calibri" panose="020F0502020204030204" pitchFamily="34" charset="0"/>
-                <a:cs typeface="Arial" panose="020B0604020202020204" pitchFamily="34" charset="0"/>
+                <a:cs typeface="Times New Roman" panose="02020603050405020304" pitchFamily="18" charset="0"/>
               </a:rPr>
-              <a:t>Scalability</a:t>
+              <a:t>User Management</a:t>
             </a:r>
             <a:r>
               <a:rPr lang="en-US" sz="1600" kern="100" dirty="0">
                 <a:effectLst/>
-                <a:latin typeface="Arial" panose="020B0604020202020204" pitchFamily="34" charset="0"/>
+                <a:latin typeface="Times New Roman" panose="02020603050405020304" pitchFamily="18" charset="0"/>
                 <a:ea typeface="Calibri" panose="020F0502020204030204" pitchFamily="34" charset="0"/>
-                <a:cs typeface="Arial" panose="020B0604020202020204" pitchFamily="34" charset="0"/>
+                <a:cs typeface="Times New Roman" panose="02020603050405020304" pitchFamily="18" charset="0"/>
               </a:rPr>
-              <a:t>: Built to scale efficiently, ensuring low-latency video streaming for a growing number of users.</a:t>
+              <a:t>: Comes with pre-built interfaces for user management, including sign-in/sign-up forms, improving development speed and user experience.</a:t>
             </a:r>
           </a:p>
           <a:p>
@@ -19715,38 +19815,20 @@
             <a:r>
               <a:rPr lang="en-US" sz="1600" b="1" kern="100" dirty="0">
                 <a:effectLst/>
-                <a:latin typeface="Arial" panose="020B0604020202020204" pitchFamily="34" charset="0"/>
+                <a:latin typeface="Times New Roman" panose="02020603050405020304" pitchFamily="18" charset="0"/>
                 <a:ea typeface="Calibri" panose="020F0502020204030204" pitchFamily="34" charset="0"/>
-                <a:cs typeface="Arial" panose="020B0604020202020204" pitchFamily="34" charset="0"/>
+                <a:cs typeface="Times New Roman" panose="02020603050405020304" pitchFamily="18" charset="0"/>
               </a:rPr>
-              <a:t>WebRTC Integration</a:t>
+              <a:t>Session Management</a:t>
             </a:r>
             <a:r>
               <a:rPr lang="en-US" sz="1600" kern="100" dirty="0">
                 <a:effectLst/>
-                <a:latin typeface="Arial" panose="020B0604020202020204" pitchFamily="34" charset="0"/>
+                <a:latin typeface="Times New Roman" panose="02020603050405020304" pitchFamily="18" charset="0"/>
                 <a:ea typeface="Calibri" panose="020F0502020204030204" pitchFamily="34" charset="0"/>
-                <a:cs typeface="Arial" panose="020B0604020202020204" pitchFamily="34" charset="0"/>
+                <a:cs typeface="Times New Roman" panose="02020603050405020304" pitchFamily="18" charset="0"/>
               </a:rPr>
-              <a:t>: </a:t>
-            </a:r>
-            <a:r>
-              <a:rPr lang="en-US" sz="1600" kern="100" dirty="0" err="1">
-                <a:effectLst/>
-                <a:latin typeface="Arial" panose="020B0604020202020204" pitchFamily="34" charset="0"/>
-                <a:ea typeface="Calibri" panose="020F0502020204030204" pitchFamily="34" charset="0"/>
-                <a:cs typeface="Arial" panose="020B0604020202020204" pitchFamily="34" charset="0"/>
-              </a:rPr>
-              <a:t>GetStream</a:t>
-            </a:r>
-            <a:r>
-              <a:rPr lang="en-US" sz="1600" kern="100" dirty="0">
-                <a:effectLst/>
-                <a:latin typeface="Arial" panose="020B0604020202020204" pitchFamily="34" charset="0"/>
-                <a:ea typeface="Calibri" panose="020F0502020204030204" pitchFamily="34" charset="0"/>
-                <a:cs typeface="Arial" panose="020B0604020202020204" pitchFamily="34" charset="0"/>
-              </a:rPr>
-              <a:t> integrates WebRTC for peer-to-peer video streaming, ensuring a stable and fast connection.</a:t>
+              <a:t>: Supports automatic session handling, ensuring authenticated users can join/host meetings securely.</a:t>
             </a:r>
           </a:p>
           <a:p>
@@ -19774,8 +19856,8 @@
                 <a:schemeClr val="tx1"/>
               </a:solidFill>
               <a:effectLst/>
-              <a:latin typeface="Arial" panose="020B0604020202020204" pitchFamily="34" charset="0"/>
-              <a:cs typeface="Arial" panose="020B0604020202020204" pitchFamily="34" charset="0"/>
+              <a:latin typeface="Times New Roman" panose="02020603050405020304" pitchFamily="18" charset="0"/>
+              <a:cs typeface="Times New Roman" panose="02020603050405020304" pitchFamily="18" charset="0"/>
             </a:endParaRPr>
           </a:p>
           <a:p>
@@ -19795,7 +19877,7 @@
               <a:buNone/>
               <a:tabLst/>
             </a:pPr>
-            <a:endParaRPr kumimoji="0" lang="en-US" altLang="en-US" sz="1600" b="0" i="0" u="none" strike="noStrike" cap="none" normalizeH="0" baseline="0" dirty="0">
+            <a:endParaRPr kumimoji="0" lang="en-US" altLang="en-US" sz="1800" b="0" i="0" u="none" strike="noStrike" cap="none" normalizeH="0" baseline="0" dirty="0">
               <a:ln>
                 <a:noFill/>
               </a:ln>
@@ -19803,8 +19885,8 @@
                 <a:schemeClr val="tx1"/>
               </a:solidFill>
               <a:effectLst/>
-              <a:latin typeface="Arial" panose="020B0604020202020204" pitchFamily="34" charset="0"/>
-              <a:cs typeface="Arial" panose="020B0604020202020204" pitchFamily="34" charset="0"/>
+              <a:latin typeface="Times New Roman" panose="02020603050405020304" pitchFamily="18" charset="0"/>
+              <a:cs typeface="Times New Roman" panose="02020603050405020304" pitchFamily="18" charset="0"/>
             </a:endParaRPr>
           </a:p>
         </p:txBody>
@@ -19814,7 +19896,7 @@
           <p:cNvPr id="7" name="Picture 6">
             <a:extLst>
               <a:ext uri="{FF2B5EF4-FFF2-40B4-BE49-F238E27FC236}">
-                <a16:creationId xmlns:a16="http://schemas.microsoft.com/office/drawing/2014/main" id="{D7F03A61-8769-66D0-6691-9F3B38D161D8}"/>
+                <a16:creationId xmlns:a16="http://schemas.microsoft.com/office/drawing/2014/main" id="{E6EE5D7E-AB8F-CDB2-34C1-5CB6FD5BD56C}"/>
               </a:ext>
             </a:extLst>
           </p:cNvPr>
@@ -19848,7 +19930,7 @@
     </p:spTree>
     <p:extLst>
       <p:ext uri="{BB962C8B-B14F-4D97-AF65-F5344CB8AC3E}">
-        <p14:creationId xmlns:p14="http://schemas.microsoft.com/office/powerpoint/2010/main" val="1810895470"/>
+        <p14:creationId xmlns:p14="http://schemas.microsoft.com/office/powerpoint/2010/main" val="3994280801"/>
       </p:ext>
     </p:extLst>
   </p:cSld>
@@ -20164,8 +20246,8 @@
         </p:nvSpPr>
         <p:spPr bwMode="auto">
           <a:xfrm>
-            <a:off x="2743201" y="2118360"/>
-            <a:ext cx="7162800" cy="3381695"/>
+            <a:off x="2743201" y="1951615"/>
+            <a:ext cx="7162800" cy="3715184"/>
           </a:xfrm>
           <a:prstGeom prst="rect">
             <a:avLst/>
@@ -20225,19 +20307,28 @@
               </a:spcAft>
             </a:pPr>
             <a:r>
+              <a:rPr lang="en-US" sz="1600" b="1" kern="100" dirty="0" err="1">
+                <a:effectLst/>
+                <a:latin typeface="Times New Roman" panose="02020603050405020304" pitchFamily="18" charset="0"/>
+                <a:ea typeface="Calibri" panose="020F0502020204030204" pitchFamily="34" charset="0"/>
+                <a:cs typeface="Times New Roman" panose="02020603050405020304" pitchFamily="18" charset="0"/>
+              </a:rPr>
+              <a:t>GetStream</a:t>
+            </a:r>
+            <a:r>
               <a:rPr lang="en-US" sz="1600" b="1" kern="100" dirty="0">
                 <a:effectLst/>
-                <a:latin typeface="Arial" panose="020B0604020202020204" pitchFamily="34" charset="0"/>
+                <a:latin typeface="Times New Roman" panose="02020603050405020304" pitchFamily="18" charset="0"/>
                 <a:ea typeface="Calibri" panose="020F0502020204030204" pitchFamily="34" charset="0"/>
-                <a:cs typeface="Arial" panose="020B0604020202020204" pitchFamily="34" charset="0"/>
+                <a:cs typeface="Times New Roman" panose="02020603050405020304" pitchFamily="18" charset="0"/>
               </a:rPr>
-              <a:t>Tailwind CSS</a:t>
+              <a:t> (Real-time Messaging &amp; Video Streaming)</a:t>
             </a:r>
             <a:endParaRPr lang="en-US" sz="1600" kern="100" dirty="0">
               <a:effectLst/>
-              <a:latin typeface="Arial" panose="020B0604020202020204" pitchFamily="34" charset="0"/>
+              <a:latin typeface="Times New Roman" panose="02020603050405020304" pitchFamily="18" charset="0"/>
               <a:ea typeface="Calibri" panose="020F0502020204030204" pitchFamily="34" charset="0"/>
-              <a:cs typeface="Arial" panose="020B0604020202020204" pitchFamily="34" charset="0"/>
+              <a:cs typeface="Times New Roman" panose="02020603050405020304" pitchFamily="18" charset="0"/>
             </a:endParaRPr>
           </a:p>
           <a:p>
@@ -20261,20 +20352,20 @@
             <a:r>
               <a:rPr lang="en-US" sz="1600" b="1" kern="100" dirty="0">
                 <a:effectLst/>
-                <a:latin typeface="Arial" panose="020B0604020202020204" pitchFamily="34" charset="0"/>
+                <a:latin typeface="Times New Roman" panose="02020603050405020304" pitchFamily="18" charset="0"/>
                 <a:ea typeface="Calibri" panose="020F0502020204030204" pitchFamily="34" charset="0"/>
-                <a:cs typeface="Arial" panose="020B0604020202020204" pitchFamily="34" charset="0"/>
+                <a:cs typeface="Times New Roman" panose="02020603050405020304" pitchFamily="18" charset="0"/>
               </a:rPr>
-              <a:t>Responsive UI</a:t>
+              <a:t>Real-time Messaging</a:t>
             </a:r>
             <a:r>
               <a:rPr lang="en-US" sz="1600" kern="100" dirty="0">
                 <a:effectLst/>
-                <a:latin typeface="Arial" panose="020B0604020202020204" pitchFamily="34" charset="0"/>
+                <a:latin typeface="Times New Roman" panose="02020603050405020304" pitchFamily="18" charset="0"/>
                 <a:ea typeface="Calibri" panose="020F0502020204030204" pitchFamily="34" charset="0"/>
-                <a:cs typeface="Arial" panose="020B0604020202020204" pitchFamily="34" charset="0"/>
+                <a:cs typeface="Times New Roman" panose="02020603050405020304" pitchFamily="18" charset="0"/>
               </a:rPr>
-              <a:t>: Tailwind's utility-first approach allows for quick, responsive designs that work well across devices (desktops, tablets, mobiles).</a:t>
+              <a:t>: Provides real-time messaging APIs, enabling text chat features during video conferences.</a:t>
             </a:r>
           </a:p>
           <a:p>
@@ -20298,20 +20389,20 @@
             <a:r>
               <a:rPr lang="en-US" sz="1600" b="1" kern="100" dirty="0">
                 <a:effectLst/>
-                <a:latin typeface="Arial" panose="020B0604020202020204" pitchFamily="34" charset="0"/>
+                <a:latin typeface="Times New Roman" panose="02020603050405020304" pitchFamily="18" charset="0"/>
                 <a:ea typeface="Calibri" panose="020F0502020204030204" pitchFamily="34" charset="0"/>
-                <a:cs typeface="Arial" panose="020B0604020202020204" pitchFamily="34" charset="0"/>
+                <a:cs typeface="Times New Roman" panose="02020603050405020304" pitchFamily="18" charset="0"/>
               </a:rPr>
-              <a:t>Customization</a:t>
+              <a:t>Video Streaming</a:t>
             </a:r>
             <a:r>
               <a:rPr lang="en-US" sz="1600" kern="100" dirty="0">
                 <a:effectLst/>
-                <a:latin typeface="Arial" panose="020B0604020202020204" pitchFamily="34" charset="0"/>
+                <a:latin typeface="Times New Roman" panose="02020603050405020304" pitchFamily="18" charset="0"/>
                 <a:ea typeface="Calibri" panose="020F0502020204030204" pitchFamily="34" charset="0"/>
-                <a:cs typeface="Arial" panose="020B0604020202020204" pitchFamily="34" charset="0"/>
+                <a:cs typeface="Times New Roman" panose="02020603050405020304" pitchFamily="18" charset="0"/>
               </a:rPr>
-              <a:t>: Allows easy customization of the UI to fit the brand, ensuring a unique user experience.</a:t>
+              <a:t>: Supports live video streaming, allowing for high-quality video calls.</a:t>
             </a:r>
           </a:p>
           <a:p>
@@ -20335,20 +20426,20 @@
             <a:r>
               <a:rPr lang="en-US" sz="1600" b="1" kern="100" dirty="0">
                 <a:effectLst/>
-                <a:latin typeface="Arial" panose="020B0604020202020204" pitchFamily="34" charset="0"/>
+                <a:latin typeface="Times New Roman" panose="02020603050405020304" pitchFamily="18" charset="0"/>
                 <a:ea typeface="Calibri" panose="020F0502020204030204" pitchFamily="34" charset="0"/>
-                <a:cs typeface="Arial" panose="020B0604020202020204" pitchFamily="34" charset="0"/>
+                <a:cs typeface="Times New Roman" panose="02020603050405020304" pitchFamily="18" charset="0"/>
               </a:rPr>
-              <a:t>Development Speed</a:t>
+              <a:t>Scalability</a:t>
             </a:r>
             <a:r>
               <a:rPr lang="en-US" sz="1600" kern="100" dirty="0">
                 <a:effectLst/>
-                <a:latin typeface="Arial" panose="020B0604020202020204" pitchFamily="34" charset="0"/>
+                <a:latin typeface="Times New Roman" panose="02020603050405020304" pitchFamily="18" charset="0"/>
                 <a:ea typeface="Calibri" panose="020F0502020204030204" pitchFamily="34" charset="0"/>
-                <a:cs typeface="Arial" panose="020B0604020202020204" pitchFamily="34" charset="0"/>
+                <a:cs typeface="Times New Roman" panose="02020603050405020304" pitchFamily="18" charset="0"/>
               </a:rPr>
-              <a:t>: Using pre-built utility classes, developers can create fully responsive designs faster than with traditional CSS or other frameworks.</a:t>
+              <a:t>: Built to scale efficiently, ensuring low-latency video streaming for a growing number of users.</a:t>
             </a:r>
           </a:p>
           <a:p>
@@ -20372,30 +20463,106 @@
             <a:r>
               <a:rPr lang="en-US" sz="1600" b="1" kern="100" dirty="0">
                 <a:effectLst/>
-                <a:latin typeface="Arial" panose="020B0604020202020204" pitchFamily="34" charset="0"/>
+                <a:latin typeface="Times New Roman" panose="02020603050405020304" pitchFamily="18" charset="0"/>
                 <a:ea typeface="Calibri" panose="020F0502020204030204" pitchFamily="34" charset="0"/>
-                <a:cs typeface="Arial" panose="020B0604020202020204" pitchFamily="34" charset="0"/>
+                <a:cs typeface="Times New Roman" panose="02020603050405020304" pitchFamily="18" charset="0"/>
               </a:rPr>
-              <a:t>Theming</a:t>
+              <a:t>WebRTC Integration</a:t>
             </a:r>
             <a:r>
               <a:rPr lang="en-US" sz="1600" kern="100" dirty="0">
                 <a:effectLst/>
-                <a:latin typeface="Arial" panose="020B0604020202020204" pitchFamily="34" charset="0"/>
+                <a:latin typeface="Times New Roman" panose="02020603050405020304" pitchFamily="18" charset="0"/>
                 <a:ea typeface="Calibri" panose="020F0502020204030204" pitchFamily="34" charset="0"/>
-                <a:cs typeface="Arial" panose="020B0604020202020204" pitchFamily="34" charset="0"/>
+                <a:cs typeface="Times New Roman" panose="02020603050405020304" pitchFamily="18" charset="0"/>
               </a:rPr>
-              <a:t>: Can implement custom themes effortlessly, enabling dark and light modes for the app.</a:t>
-            </a:r>
+              <a:t>: </a:t>
+            </a:r>
+            <a:r>
+              <a:rPr lang="en-US" sz="1600" kern="100" dirty="0" err="1">
+                <a:effectLst/>
+                <a:latin typeface="Times New Roman" panose="02020603050405020304" pitchFamily="18" charset="0"/>
+                <a:ea typeface="Calibri" panose="020F0502020204030204" pitchFamily="34" charset="0"/>
+                <a:cs typeface="Times New Roman" panose="02020603050405020304" pitchFamily="18" charset="0"/>
+              </a:rPr>
+              <a:t>GetStream</a:t>
+            </a:r>
+            <a:r>
+              <a:rPr lang="en-US" sz="1600" kern="100" dirty="0">
+                <a:effectLst/>
+                <a:latin typeface="Times New Roman" panose="02020603050405020304" pitchFamily="18" charset="0"/>
+                <a:ea typeface="Calibri" panose="020F0502020204030204" pitchFamily="34" charset="0"/>
+                <a:cs typeface="Times New Roman" panose="02020603050405020304" pitchFamily="18" charset="0"/>
+              </a:rPr>
+              <a:t> integrates WebRTC for peer-to-peer video streaming, ensuring a stable and fast connection.</a:t>
+            </a:r>
+          </a:p>
+          <a:p>
+            <a:pPr marL="0" marR="0" lvl="0" indent="0" algn="just" defTabSz="914400" rtl="0" eaLnBrk="0" fontAlgn="base" latinLnBrk="0" hangingPunct="0">
+              <a:lnSpc>
+                <a:spcPct val="200000"/>
+              </a:lnSpc>
+              <a:spcBef>
+                <a:spcPct val="0"/>
+              </a:spcBef>
+              <a:spcAft>
+                <a:spcPct val="0"/>
+              </a:spcAft>
+              <a:buClrTx/>
+              <a:buSzTx/>
+              <a:buFontTx/>
+              <a:buChar char="•"/>
+              <a:tabLst/>
+            </a:pPr>
+            <a:endParaRPr kumimoji="0" lang="en-US" altLang="en-US" sz="1600" b="0" i="0" u="none" strike="noStrike" cap="none" normalizeH="0" baseline="0" dirty="0">
+              <a:ln>
+                <a:noFill/>
+              </a:ln>
+              <a:solidFill>
+                <a:schemeClr val="tx1"/>
+              </a:solidFill>
+              <a:effectLst/>
+              <a:latin typeface="Times New Roman" panose="02020603050405020304" pitchFamily="18" charset="0"/>
+              <a:cs typeface="Times New Roman" panose="02020603050405020304" pitchFamily="18" charset="0"/>
+            </a:endParaRPr>
+          </a:p>
+          <a:p>
+            <a:pPr marL="0" marR="0" lvl="0" indent="0" algn="l" defTabSz="914400" rtl="0" eaLnBrk="0" fontAlgn="base" latinLnBrk="0" hangingPunct="0">
+              <a:lnSpc>
+                <a:spcPct val="100000"/>
+              </a:lnSpc>
+              <a:spcBef>
+                <a:spcPct val="0"/>
+              </a:spcBef>
+              <a:spcAft>
+                <a:spcPct val="0"/>
+              </a:spcAft>
+              <a:buClrTx/>
+              <a:buSzTx/>
+              <a:buFontTx/>
+              <a:buNone/>
+              <a:tabLst/>
+            </a:pPr>
+            <a:endParaRPr kumimoji="0" lang="en-US" altLang="en-US" sz="1600" b="0" i="0" u="none" strike="noStrike" cap="none" normalizeH="0" baseline="0" dirty="0">
+              <a:ln>
+                <a:noFill/>
+              </a:ln>
+              <a:solidFill>
+                <a:schemeClr val="tx1"/>
+              </a:solidFill>
+              <a:effectLst/>
+              <a:latin typeface="Times New Roman" panose="02020603050405020304" pitchFamily="18" charset="0"/>
+              <a:cs typeface="Times New Roman" panose="02020603050405020304" pitchFamily="18" charset="0"/>
+            </a:endParaRPr>
           </a:p>
         </p:txBody>
       </p:sp>
       <p:pic>
         <p:nvPicPr>
-          <p:cNvPr id="2" name="Picture 1">
+          <p:cNvPr id="7" name="Picture 6">
             <a:extLst>
               <a:ext uri="{FF2B5EF4-FFF2-40B4-BE49-F238E27FC236}">
-                <a16:creationId xmlns:a16="http://schemas.microsoft.com/office/drawing/2014/main" id="{7CFAA964-78AC-0313-0002-52C2E9699F36}"/>
+                <a16:creationId xmlns:a16="http://schemas.microsoft.com/office/drawing/2014/main" id="{D7F03A61-8769-66D0-6691-9F3B38D161D8}"/>
               </a:ext>
             </a:extLst>
           </p:cNvPr>
@@ -20429,7 +20596,7 @@
     </p:spTree>
     <p:extLst>
       <p:ext uri="{BB962C8B-B14F-4D97-AF65-F5344CB8AC3E}">
-        <p14:creationId xmlns:p14="http://schemas.microsoft.com/office/powerpoint/2010/main" val="2295043177"/>
+        <p14:creationId xmlns:p14="http://schemas.microsoft.com/office/powerpoint/2010/main" val="1810895470"/>
       </p:ext>
     </p:extLst>
   </p:cSld>
@@ -20727,12 +20894,256 @@
           </a:p>
         </p:txBody>
       </p:sp>
+      <p:sp>
+        <p:nvSpPr>
+          <p:cNvPr id="6" name="Rectangle 1">
+            <a:extLst>
+              <a:ext uri="{FF2B5EF4-FFF2-40B4-BE49-F238E27FC236}">
+                <a16:creationId xmlns:a16="http://schemas.microsoft.com/office/drawing/2014/main" id="{3B5BDC73-0131-8760-F68C-9A13E1CC1973}"/>
+              </a:ext>
+            </a:extLst>
+          </p:cNvPr>
+          <p:cNvSpPr>
+            <a:spLocks noGrp="1" noChangeArrowheads="1"/>
+          </p:cNvSpPr>
+          <p:nvPr>
+            <p:ph idx="1"/>
+          </p:nvPr>
+        </p:nvSpPr>
+        <p:spPr bwMode="auto">
+          <a:xfrm>
+            <a:off x="2743201" y="2381124"/>
+            <a:ext cx="7162800" cy="2856167"/>
+          </a:xfrm>
+          <a:prstGeom prst="rect">
+            <a:avLst/>
+          </a:prstGeom>
+          <a:noFill/>
+          <a:ln>
+            <a:noFill/>
+          </a:ln>
+          <a:effectLst/>
+          <a:extLst>
+            <a:ext uri="{909E8E84-426E-40DD-AFC4-6F175D3DCCD1}">
+              <a14:hiddenFill xmlns:a14="http://schemas.microsoft.com/office/drawing/2010/main">
+                <a:solidFill>
+                  <a:schemeClr val="accent1"/>
+                </a:solidFill>
+              </a14:hiddenFill>
+            </a:ext>
+            <a:ext uri="{91240B29-F687-4F45-9708-019B960494DF}">
+              <a14:hiddenLine xmlns:a14="http://schemas.microsoft.com/office/drawing/2010/main" w="9525">
+                <a:solidFill>
+                  <a:schemeClr val="tx1"/>
+                </a:solidFill>
+                <a:miter lim="800000"/>
+                <a:headEnd/>
+                <a:tailEnd/>
+              </a14:hiddenLine>
+            </a:ext>
+            <a:ext uri="{AF507438-7753-43E0-B8FC-AC1667EBCBE1}">
+              <a14:hiddenEffects xmlns:a14="http://schemas.microsoft.com/office/drawing/2010/main">
+                <a:effectLst>
+                  <a:outerShdw dist="35921" dir="2700000" algn="ctr" rotWithShape="0">
+                    <a:schemeClr val="bg2"/>
+                  </a:outerShdw>
+                </a:effectLst>
+              </a14:hiddenEffects>
+            </a:ext>
+          </a:extLst>
+        </p:spPr>
+        <p:txBody>
+          <a:bodyPr vert="horz" wrap="square" lIns="91440" tIns="45720" rIns="91440" bIns="45720" numCol="1" anchor="ctr" anchorCtr="0" compatLnSpc="1">
+            <a:prstTxWarp prst="textNoShape">
+              <a:avLst/>
+            </a:prstTxWarp>
+            <a:spAutoFit/>
+          </a:bodyPr>
+          <a:lstStyle/>
+          <a:p>
+            <a:pPr marL="0" marR="0">
+              <a:lnSpc>
+                <a:spcPct val="107000"/>
+              </a:lnSpc>
+              <a:spcBef>
+                <a:spcPts val="0"/>
+              </a:spcBef>
+              <a:spcAft>
+                <a:spcPts val="800"/>
+              </a:spcAft>
+            </a:pPr>
+            <a:r>
+              <a:rPr lang="en-US" sz="1600" b="1" kern="100" dirty="0">
+                <a:effectLst/>
+                <a:latin typeface="Times New Roman" panose="02020603050405020304" pitchFamily="18" charset="0"/>
+                <a:ea typeface="Calibri" panose="020F0502020204030204" pitchFamily="34" charset="0"/>
+                <a:cs typeface="Times New Roman" panose="02020603050405020304" pitchFamily="18" charset="0"/>
+              </a:rPr>
+              <a:t>Tailwind CSS</a:t>
+            </a:r>
+            <a:endParaRPr lang="en-US" sz="1600" kern="100" dirty="0">
+              <a:effectLst/>
+              <a:latin typeface="Times New Roman" panose="02020603050405020304" pitchFamily="18" charset="0"/>
+              <a:ea typeface="Calibri" panose="020F0502020204030204" pitchFamily="34" charset="0"/>
+              <a:cs typeface="Times New Roman" panose="02020603050405020304" pitchFamily="18" charset="0"/>
+            </a:endParaRPr>
+          </a:p>
+          <a:p>
+            <a:pPr marL="342900" marR="0" lvl="0" indent="-342900">
+              <a:lnSpc>
+                <a:spcPct val="107000"/>
+              </a:lnSpc>
+              <a:spcBef>
+                <a:spcPts val="0"/>
+              </a:spcBef>
+              <a:spcAft>
+                <a:spcPts val="800"/>
+              </a:spcAft>
+              <a:buSzPts val="1000"/>
+              <a:buFont typeface="Symbol" panose="05050102010706020507" pitchFamily="18" charset="2"/>
+              <a:buChar char=""/>
+              <a:tabLst>
+                <a:tab pos="457200" algn="l"/>
+              </a:tabLst>
+            </a:pPr>
+            <a:r>
+              <a:rPr lang="en-US" sz="1600" b="1" kern="100" dirty="0">
+                <a:effectLst/>
+                <a:latin typeface="Times New Roman" panose="02020603050405020304" pitchFamily="18" charset="0"/>
+                <a:ea typeface="Calibri" panose="020F0502020204030204" pitchFamily="34" charset="0"/>
+                <a:cs typeface="Times New Roman" panose="02020603050405020304" pitchFamily="18" charset="0"/>
+              </a:rPr>
+              <a:t>Responsive UI</a:t>
+            </a:r>
+            <a:r>
+              <a:rPr lang="en-US" sz="1600" kern="100" dirty="0">
+                <a:effectLst/>
+                <a:latin typeface="Times New Roman" panose="02020603050405020304" pitchFamily="18" charset="0"/>
+                <a:ea typeface="Calibri" panose="020F0502020204030204" pitchFamily="34" charset="0"/>
+                <a:cs typeface="Times New Roman" panose="02020603050405020304" pitchFamily="18" charset="0"/>
+              </a:rPr>
+              <a:t>: Tailwind's utility-first approach allows for quick, responsive designs that work well across devices (desktops, tablets, mobiles).</a:t>
+            </a:r>
+          </a:p>
+          <a:p>
+            <a:pPr marL="342900" marR="0" lvl="0" indent="-342900">
+              <a:lnSpc>
+                <a:spcPct val="107000"/>
+              </a:lnSpc>
+              <a:spcBef>
+                <a:spcPts val="0"/>
+              </a:spcBef>
+              <a:spcAft>
+                <a:spcPts val="800"/>
+              </a:spcAft>
+              <a:buSzPts val="1000"/>
+              <a:buFont typeface="Symbol" panose="05050102010706020507" pitchFamily="18" charset="2"/>
+              <a:buChar char=""/>
+              <a:tabLst>
+                <a:tab pos="457200" algn="l"/>
+              </a:tabLst>
+            </a:pPr>
+            <a:r>
+              <a:rPr lang="en-US" sz="1600" b="1" kern="100" dirty="0">
+                <a:effectLst/>
+                <a:latin typeface="Times New Roman" panose="02020603050405020304" pitchFamily="18" charset="0"/>
+                <a:ea typeface="Calibri" panose="020F0502020204030204" pitchFamily="34" charset="0"/>
+                <a:cs typeface="Times New Roman" panose="02020603050405020304" pitchFamily="18" charset="0"/>
+              </a:rPr>
+              <a:t>Customization</a:t>
+            </a:r>
+            <a:r>
+              <a:rPr lang="en-US" sz="1600" kern="100" dirty="0">
+                <a:effectLst/>
+                <a:latin typeface="Times New Roman" panose="02020603050405020304" pitchFamily="18" charset="0"/>
+                <a:ea typeface="Calibri" panose="020F0502020204030204" pitchFamily="34" charset="0"/>
+                <a:cs typeface="Times New Roman" panose="02020603050405020304" pitchFamily="18" charset="0"/>
+              </a:rPr>
+              <a:t>: Allows easy customization of the UI to fit the brand, ensuring a unique user experience.</a:t>
+            </a:r>
+          </a:p>
+          <a:p>
+            <a:pPr marL="342900" marR="0" lvl="0" indent="-342900">
+              <a:lnSpc>
+                <a:spcPct val="107000"/>
+              </a:lnSpc>
+              <a:spcBef>
+                <a:spcPts val="0"/>
+              </a:spcBef>
+              <a:spcAft>
+                <a:spcPts val="800"/>
+              </a:spcAft>
+              <a:buSzPts val="1000"/>
+              <a:buFont typeface="Symbol" panose="05050102010706020507" pitchFamily="18" charset="2"/>
+              <a:buChar char=""/>
+              <a:tabLst>
+                <a:tab pos="457200" algn="l"/>
+              </a:tabLst>
+            </a:pPr>
+            <a:r>
+              <a:rPr lang="en-US" sz="1600" b="1" kern="100" dirty="0">
+                <a:effectLst/>
+                <a:latin typeface="Times New Roman" panose="02020603050405020304" pitchFamily="18" charset="0"/>
+                <a:ea typeface="Calibri" panose="020F0502020204030204" pitchFamily="34" charset="0"/>
+                <a:cs typeface="Times New Roman" panose="02020603050405020304" pitchFamily="18" charset="0"/>
+              </a:rPr>
+              <a:t>Development Speed</a:t>
+            </a:r>
+            <a:r>
+              <a:rPr lang="en-US" sz="1600" kern="100" dirty="0">
+                <a:effectLst/>
+                <a:latin typeface="Times New Roman" panose="02020603050405020304" pitchFamily="18" charset="0"/>
+                <a:ea typeface="Calibri" panose="020F0502020204030204" pitchFamily="34" charset="0"/>
+                <a:cs typeface="Times New Roman" panose="02020603050405020304" pitchFamily="18" charset="0"/>
+              </a:rPr>
+              <a:t>: Using pre-built utility classes, developers can create fully responsive designs faster than with traditional CSS or other frameworks.</a:t>
+            </a:r>
+          </a:p>
+          <a:p>
+            <a:pPr marL="342900" marR="0" lvl="0" indent="-342900">
+              <a:lnSpc>
+                <a:spcPct val="107000"/>
+              </a:lnSpc>
+              <a:spcBef>
+                <a:spcPts val="0"/>
+              </a:spcBef>
+              <a:spcAft>
+                <a:spcPts val="800"/>
+              </a:spcAft>
+              <a:buSzPts val="1000"/>
+              <a:buFont typeface="Symbol" panose="05050102010706020507" pitchFamily="18" charset="2"/>
+              <a:buChar char=""/>
+              <a:tabLst>
+                <a:tab pos="457200" algn="l"/>
+              </a:tabLst>
+            </a:pPr>
+            <a:r>
+              <a:rPr lang="en-US" sz="1600" b="1" kern="100" dirty="0">
+                <a:effectLst/>
+                <a:latin typeface="Times New Roman" panose="02020603050405020304" pitchFamily="18" charset="0"/>
+                <a:ea typeface="Calibri" panose="020F0502020204030204" pitchFamily="34" charset="0"/>
+                <a:cs typeface="Times New Roman" panose="02020603050405020304" pitchFamily="18" charset="0"/>
+              </a:rPr>
+              <a:t>Theming</a:t>
+            </a:r>
+            <a:r>
+              <a:rPr lang="en-US" sz="1600" kern="100" dirty="0">
+                <a:effectLst/>
+                <a:latin typeface="Times New Roman" panose="02020603050405020304" pitchFamily="18" charset="0"/>
+                <a:ea typeface="Calibri" panose="020F0502020204030204" pitchFamily="34" charset="0"/>
+                <a:cs typeface="Times New Roman" panose="02020603050405020304" pitchFamily="18" charset="0"/>
+              </a:rPr>
+              <a:t>: Can implement custom themes effortlessly, enabling dark and light modes for the app.</a:t>
+            </a:r>
+          </a:p>
+        </p:txBody>
+      </p:sp>
       <p:pic>
         <p:nvPicPr>
-          <p:cNvPr id="11" name="Picture 10">
+          <p:cNvPr id="2" name="Picture 1">
             <a:extLst>
               <a:ext uri="{FF2B5EF4-FFF2-40B4-BE49-F238E27FC236}">
-                <a16:creationId xmlns:a16="http://schemas.microsoft.com/office/drawing/2014/main" id="{14F88B31-FB1A-3CB6-65B6-8F4A04886A95}"/>
+                <a16:creationId xmlns:a16="http://schemas.microsoft.com/office/drawing/2014/main" id="{7CFAA964-78AC-0313-0002-52C2E9699F36}"/>
               </a:ext>
             </a:extLst>
           </p:cNvPr>
@@ -20755,24 +21166,18 @@
         </p:blipFill>
         <p:spPr>
           <a:xfrm>
-            <a:off x="2743200" y="1371600"/>
-            <a:ext cx="6553200" cy="4771747"/>
+            <a:off x="7315200" y="6060077"/>
+            <a:ext cx="4876800" cy="797921"/>
           </a:xfrm>
           <a:prstGeom prst="rect">
             <a:avLst/>
           </a:prstGeom>
-          <a:ln>
-            <a:noFill/>
-          </a:ln>
-          <a:effectLst>
-            <a:softEdge rad="112500"/>
-          </a:effectLst>
         </p:spPr>
       </p:pic>
     </p:spTree>
     <p:extLst>
       <p:ext uri="{BB962C8B-B14F-4D97-AF65-F5344CB8AC3E}">
-        <p14:creationId xmlns:p14="http://schemas.microsoft.com/office/powerpoint/2010/main" val="3883790760"/>
+        <p14:creationId xmlns:p14="http://schemas.microsoft.com/office/powerpoint/2010/main" val="2295043177"/>
       </p:ext>
     </p:extLst>
   </p:cSld>
@@ -21072,10 +21477,10 @@
       </p:sp>
       <p:pic>
         <p:nvPicPr>
-          <p:cNvPr id="6" name="Picture 5">
+          <p:cNvPr id="11" name="Picture 10">
             <a:extLst>
               <a:ext uri="{FF2B5EF4-FFF2-40B4-BE49-F238E27FC236}">
-                <a16:creationId xmlns:a16="http://schemas.microsoft.com/office/drawing/2014/main" id="{94C5DAD5-EAE9-AE4E-33F7-1959AAC823D4}"/>
+                <a16:creationId xmlns:a16="http://schemas.microsoft.com/office/drawing/2014/main" id="{14F88B31-FB1A-3CB6-65B6-8F4A04886A95}"/>
               </a:ext>
             </a:extLst>
           </p:cNvPr>
@@ -21098,8 +21503,8 @@
         </p:blipFill>
         <p:spPr>
           <a:xfrm>
-            <a:off x="2743200" y="2218552"/>
-            <a:ext cx="6631297" cy="2850231"/>
+            <a:off x="2743200" y="1371600"/>
+            <a:ext cx="6553200" cy="4771747"/>
           </a:xfrm>
           <a:prstGeom prst="rect">
             <a:avLst/>
@@ -21112,10 +21517,46 @@
           </a:effectLst>
         </p:spPr>
       </p:pic>
+      <p:pic>
+        <p:nvPicPr>
+          <p:cNvPr id="6" name="Picture 5">
+            <a:extLst>
+              <a:ext uri="{FF2B5EF4-FFF2-40B4-BE49-F238E27FC236}">
+                <a16:creationId xmlns:a16="http://schemas.microsoft.com/office/drawing/2014/main" id="{E3F3A567-56A5-4598-4FE0-49D5F2660E1B}"/>
+              </a:ext>
+            </a:extLst>
+          </p:cNvPr>
+          <p:cNvPicPr>
+            <a:picLocks noChangeAspect="1"/>
+          </p:cNvPicPr>
+          <p:nvPr/>
+        </p:nvPicPr>
+        <p:blipFill>
+          <a:blip r:embed="rId5">
+            <a:extLst>
+              <a:ext uri="{28A0092B-C50C-407E-A947-70E740481C1C}">
+                <a14:useLocalDpi xmlns:a14="http://schemas.microsoft.com/office/drawing/2010/main" val="0"/>
+              </a:ext>
+            </a:extLst>
+          </a:blip>
+          <a:stretch>
+            <a:fillRect/>
+          </a:stretch>
+        </p:blipFill>
+        <p:spPr>
+          <a:xfrm>
+            <a:off x="7315200" y="6060077"/>
+            <a:ext cx="4876800" cy="797921"/>
+          </a:xfrm>
+          <a:prstGeom prst="rect">
+            <a:avLst/>
+          </a:prstGeom>
+        </p:spPr>
+      </p:pic>
     </p:spTree>
     <p:extLst>
       <p:ext uri="{BB962C8B-B14F-4D97-AF65-F5344CB8AC3E}">
-        <p14:creationId xmlns:p14="http://schemas.microsoft.com/office/powerpoint/2010/main" val="308460111"/>
+        <p14:creationId xmlns:p14="http://schemas.microsoft.com/office/powerpoint/2010/main" val="3883790760"/>
       </p:ext>
     </p:extLst>
   </p:cSld>
@@ -21408,6 +21849,385 @@
                 <a:latin typeface="Times New Roman" panose="02020603050405020304" pitchFamily="18" charset="0"/>
                 <a:cs typeface="Times New Roman" panose="02020603050405020304" pitchFamily="18" charset="0"/>
               </a:rPr>
+              <a:t>Technology Used</a:t>
+            </a:r>
+          </a:p>
+        </p:txBody>
+      </p:sp>
+      <p:pic>
+        <p:nvPicPr>
+          <p:cNvPr id="6" name="Picture 5">
+            <a:extLst>
+              <a:ext uri="{FF2B5EF4-FFF2-40B4-BE49-F238E27FC236}">
+                <a16:creationId xmlns:a16="http://schemas.microsoft.com/office/drawing/2014/main" id="{94C5DAD5-EAE9-AE4E-33F7-1959AAC823D4}"/>
+              </a:ext>
+            </a:extLst>
+          </p:cNvPr>
+          <p:cNvPicPr>
+            <a:picLocks noChangeAspect="1"/>
+          </p:cNvPicPr>
+          <p:nvPr/>
+        </p:nvPicPr>
+        <p:blipFill>
+          <a:blip r:embed="rId4">
+            <a:extLst>
+              <a:ext uri="{28A0092B-C50C-407E-A947-70E740481C1C}">
+                <a14:useLocalDpi xmlns:a14="http://schemas.microsoft.com/office/drawing/2010/main" val="0"/>
+              </a:ext>
+            </a:extLst>
+          </a:blip>
+          <a:stretch>
+            <a:fillRect/>
+          </a:stretch>
+        </p:blipFill>
+        <p:spPr>
+          <a:xfrm>
+            <a:off x="2743200" y="2218552"/>
+            <a:ext cx="6631297" cy="2850231"/>
+          </a:xfrm>
+          <a:prstGeom prst="rect">
+            <a:avLst/>
+          </a:prstGeom>
+          <a:ln>
+            <a:noFill/>
+          </a:ln>
+          <a:effectLst>
+            <a:softEdge rad="112500"/>
+          </a:effectLst>
+        </p:spPr>
+      </p:pic>
+      <p:pic>
+        <p:nvPicPr>
+          <p:cNvPr id="7" name="Picture 6">
+            <a:extLst>
+              <a:ext uri="{FF2B5EF4-FFF2-40B4-BE49-F238E27FC236}">
+                <a16:creationId xmlns:a16="http://schemas.microsoft.com/office/drawing/2014/main" id="{CF4F5854-1956-CCBD-DA98-87322AD6A19F}"/>
+              </a:ext>
+            </a:extLst>
+          </p:cNvPr>
+          <p:cNvPicPr>
+            <a:picLocks noChangeAspect="1"/>
+          </p:cNvPicPr>
+          <p:nvPr/>
+        </p:nvPicPr>
+        <p:blipFill>
+          <a:blip r:embed="rId5">
+            <a:extLst>
+              <a:ext uri="{28A0092B-C50C-407E-A947-70E740481C1C}">
+                <a14:useLocalDpi xmlns:a14="http://schemas.microsoft.com/office/drawing/2010/main" val="0"/>
+              </a:ext>
+            </a:extLst>
+          </a:blip>
+          <a:stretch>
+            <a:fillRect/>
+          </a:stretch>
+        </p:blipFill>
+        <p:spPr>
+          <a:xfrm>
+            <a:off x="7315200" y="6060077"/>
+            <a:ext cx="4876800" cy="797921"/>
+          </a:xfrm>
+          <a:prstGeom prst="rect">
+            <a:avLst/>
+          </a:prstGeom>
+        </p:spPr>
+      </p:pic>
+    </p:spTree>
+    <p:extLst>
+      <p:ext uri="{BB962C8B-B14F-4D97-AF65-F5344CB8AC3E}">
+        <p14:creationId xmlns:p14="http://schemas.microsoft.com/office/powerpoint/2010/main" val="308460111"/>
+      </p:ext>
+    </p:extLst>
+  </p:cSld>
+  <p:clrMapOvr>
+    <a:masterClrMapping/>
+  </p:clrMapOvr>
+</p:sld>
+</file>
+
+<file path=ppt/slides/slide15.xml><?xml version="1.0" encoding="utf-8"?>
+<p:sld xmlns:a="http://schemas.openxmlformats.org/drawingml/2006/main" xmlns:r="http://schemas.openxmlformats.org/officeDocument/2006/relationships" xmlns:p="http://schemas.openxmlformats.org/presentationml/2006/main">
+  <p:cSld>
+    <p:spTree>
+      <p:nvGrpSpPr>
+        <p:cNvPr id="1" name=""/>
+        <p:cNvGrpSpPr/>
+        <p:nvPr/>
+      </p:nvGrpSpPr>
+      <p:grpSpPr>
+        <a:xfrm>
+          <a:off x="0" y="0"/>
+          <a:ext cx="0" cy="0"/>
+          <a:chOff x="0" y="0"/>
+          <a:chExt cx="0" cy="0"/>
+        </a:xfrm>
+      </p:grpSpPr>
+      <p:sp>
+        <p:nvSpPr>
+          <p:cNvPr id="5" name="Rectangle"/>
+          <p:cNvSpPr/>
+          <p:nvPr/>
+        </p:nvSpPr>
+        <p:spPr>
+          <a:xfrm flipH="1">
+            <a:off x="-24000" y="-2"/>
+            <a:ext cx="2469463" cy="6858000"/>
+          </a:xfrm>
+          <a:prstGeom prst="rect">
+            <a:avLst/>
+          </a:prstGeom>
+          <a:solidFill>
+            <a:srgbClr val="F28E01"/>
+          </a:solidFill>
+          <a:ln w="12700">
+            <a:miter lim="400000"/>
+          </a:ln>
+        </p:spPr>
+        <p:txBody>
+          <a:bodyPr lIns="50800" tIns="50800" rIns="50800" bIns="50800" anchor="ctr"/>
+          <a:lstStyle/>
+          <a:p>
+            <a:pPr defTabSz="1130300">
+              <a:defRPr sz="3200">
+                <a:solidFill>
+                  <a:srgbClr val="FFFFFF"/>
+                </a:solidFill>
+                <a:latin typeface="Graphik"/>
+                <a:ea typeface="Graphik"/>
+                <a:cs typeface="Graphik"/>
+                <a:sym typeface="Graphik"/>
+              </a:defRPr>
+            </a:pPr>
+            <a:endParaRPr sz="3200" baseline="-25000"/>
+          </a:p>
+        </p:txBody>
+      </p:sp>
+      <p:sp>
+        <p:nvSpPr>
+          <p:cNvPr id="8" name="Rectangle"/>
+          <p:cNvSpPr/>
+          <p:nvPr/>
+        </p:nvSpPr>
+        <p:spPr>
+          <a:xfrm flipH="1">
+            <a:off x="11496000" y="1"/>
+            <a:ext cx="257907" cy="6858000"/>
+          </a:xfrm>
+          <a:prstGeom prst="rect">
+            <a:avLst/>
+          </a:prstGeom>
+          <a:solidFill>
+            <a:srgbClr val="F28E01"/>
+          </a:solidFill>
+          <a:ln w="12700">
+            <a:miter lim="400000"/>
+          </a:ln>
+        </p:spPr>
+        <p:txBody>
+          <a:bodyPr lIns="50800" tIns="50800" rIns="50800" bIns="50800" anchor="ctr"/>
+          <a:lstStyle/>
+          <a:p>
+            <a:pPr defTabSz="1130300">
+              <a:defRPr sz="3300">
+                <a:solidFill>
+                  <a:srgbClr val="FFFFFF"/>
+                </a:solidFill>
+                <a:latin typeface="Graphik"/>
+                <a:ea typeface="Graphik"/>
+                <a:cs typeface="Graphik"/>
+                <a:sym typeface="Graphik"/>
+              </a:defRPr>
+            </a:pPr>
+            <a:endParaRPr sz="3300"/>
+          </a:p>
+        </p:txBody>
+      </p:sp>
+      <p:grpSp>
+        <p:nvGrpSpPr>
+          <p:cNvPr id="3" name="Group 19"/>
+          <p:cNvGrpSpPr/>
+          <p:nvPr/>
+        </p:nvGrpSpPr>
+        <p:grpSpPr>
+          <a:xfrm>
+            <a:off x="122050" y="1474470"/>
+            <a:ext cx="2209165" cy="3067050"/>
+            <a:chOff x="230" y="2322"/>
+            <a:chExt cx="3479" cy="4830"/>
+          </a:xfrm>
+        </p:grpSpPr>
+        <p:sp>
+          <p:nvSpPr>
+            <p:cNvPr id="21" name="Rectangle"/>
+            <p:cNvSpPr/>
+            <p:nvPr/>
+          </p:nvSpPr>
+          <p:spPr>
+            <a:xfrm flipH="1">
+              <a:off x="1099" y="2322"/>
+              <a:ext cx="2611" cy="2465"/>
+            </a:xfrm>
+            <a:prstGeom prst="rect">
+              <a:avLst/>
+            </a:prstGeom>
+            <a:solidFill>
+              <a:schemeClr val="bg1"/>
+            </a:solidFill>
+            <a:ln w="12700">
+              <a:miter lim="400000"/>
+            </a:ln>
+          </p:spPr>
+          <p:txBody>
+            <a:bodyPr lIns="50800" tIns="50800" rIns="50800" bIns="50800" anchor="ctr"/>
+            <a:lstStyle/>
+            <a:p>
+              <a:pPr defTabSz="1130300">
+                <a:defRPr sz="3200">
+                  <a:solidFill>
+                    <a:srgbClr val="FFFFFF"/>
+                  </a:solidFill>
+                  <a:latin typeface="Graphik"/>
+                  <a:ea typeface="Graphik"/>
+                  <a:cs typeface="Graphik"/>
+                  <a:sym typeface="Graphik"/>
+                </a:defRPr>
+              </a:pPr>
+              <a:endParaRPr sz="3200" baseline="-25000"/>
+            </a:p>
+          </p:txBody>
+        </p:sp>
+        <p:sp>
+          <p:nvSpPr>
+            <p:cNvPr id="22" name="Rectangle"/>
+            <p:cNvSpPr/>
+            <p:nvPr/>
+          </p:nvSpPr>
+          <p:spPr>
+            <a:xfrm flipH="1">
+              <a:off x="230" y="2624"/>
+              <a:ext cx="3192" cy="4529"/>
+            </a:xfrm>
+            <a:prstGeom prst="rect">
+              <a:avLst/>
+            </a:prstGeom>
+            <a:solidFill>
+              <a:srgbClr val="585858"/>
+            </a:solidFill>
+            <a:ln w="12700">
+              <a:miter lim="400000"/>
+            </a:ln>
+          </p:spPr>
+          <p:txBody>
+            <a:bodyPr lIns="50800" tIns="50800" rIns="50800" bIns="50800" anchor="ctr"/>
+            <a:lstStyle/>
+            <a:p>
+              <a:pPr defTabSz="1130300">
+                <a:defRPr sz="3200">
+                  <a:solidFill>
+                    <a:srgbClr val="FFFFFF"/>
+                  </a:solidFill>
+                  <a:latin typeface="Graphik"/>
+                  <a:ea typeface="Graphik"/>
+                  <a:cs typeface="Graphik"/>
+                  <a:sym typeface="Graphik"/>
+                </a:defRPr>
+              </a:pPr>
+              <a:endParaRPr sz="3200" baseline="-25000" dirty="0"/>
+            </a:p>
+          </p:txBody>
+        </p:sp>
+        <p:pic>
+          <p:nvPicPr>
+            <p:cNvPr id="23" name="Image" descr="Image"/>
+            <p:cNvPicPr>
+              <a:picLocks noChangeAspect="1"/>
+            </p:cNvPicPr>
+            <p:nvPr/>
+          </p:nvPicPr>
+          <p:blipFill>
+            <a:blip r:embed="rId3" cstate="print"/>
+            <a:stretch>
+              <a:fillRect/>
+            </a:stretch>
+          </p:blipFill>
+          <p:spPr>
+            <a:xfrm>
+              <a:off x="987" y="3715"/>
+              <a:ext cx="1683" cy="1805"/>
+            </a:xfrm>
+            <a:prstGeom prst="rect">
+              <a:avLst/>
+            </a:prstGeom>
+            <a:ln w="12700">
+              <a:miter lim="400000"/>
+              <a:headEnd/>
+              <a:tailEnd/>
+            </a:ln>
+          </p:spPr>
+        </p:pic>
+      </p:grpSp>
+      <p:sp>
+        <p:nvSpPr>
+          <p:cNvPr id="4" name="TextBox 3"/>
+          <p:cNvSpPr txBox="1"/>
+          <p:nvPr/>
+        </p:nvSpPr>
+        <p:spPr>
+          <a:xfrm>
+            <a:off x="336000" y="3643668"/>
+            <a:ext cx="1800000" cy="369332"/>
+          </a:xfrm>
+          <a:prstGeom prst="rect">
+            <a:avLst/>
+          </a:prstGeom>
+          <a:noFill/>
+        </p:spPr>
+        <p:txBody>
+          <a:bodyPr wrap="square" rtlCol="0">
+            <a:spAutoFit/>
+          </a:bodyPr>
+          <a:lstStyle/>
+          <a:p>
+            <a:r>
+              <a:rPr lang="en-US" dirty="0"/>
+              <a:t>    </a:t>
+            </a:r>
+            <a:r>
+              <a:rPr lang="en-US" dirty="0">
+                <a:solidFill>
+                  <a:schemeClr val="bg1"/>
+                </a:solidFill>
+              </a:rPr>
+              <a:t>Dept of CSE</a:t>
+            </a:r>
+          </a:p>
+        </p:txBody>
+      </p:sp>
+      <p:sp>
+        <p:nvSpPr>
+          <p:cNvPr id="14" name="Title 1"/>
+          <p:cNvSpPr>
+            <a:spLocks noGrp="1"/>
+          </p:cNvSpPr>
+          <p:nvPr>
+            <p:ph type="title"/>
+          </p:nvPr>
+        </p:nvSpPr>
+        <p:spPr>
+          <a:xfrm>
+            <a:off x="2743200" y="381000"/>
+            <a:ext cx="8229600" cy="1143000"/>
+          </a:xfrm>
+        </p:spPr>
+        <p:txBody>
+          <a:bodyPr/>
+          <a:lstStyle/>
+          <a:p>
+            <a:r>
+              <a:rPr lang="en-IN" dirty="0">
+                <a:latin typeface="Times New Roman" panose="02020603050405020304" pitchFamily="18" charset="0"/>
+                <a:cs typeface="Times New Roman" panose="02020603050405020304" pitchFamily="18" charset="0"/>
+              </a:rPr>
               <a:t>Data Flow Diagram</a:t>
             </a:r>
           </a:p>
@@ -21468,7 +22288,7 @@
 </p:sld>
 </file>
 
-<file path=ppt/slides/slide15.xml><?xml version="1.0" encoding="utf-8"?>
+<file path=ppt/slides/slide16.xml><?xml version="1.0" encoding="utf-8"?>
 <p:sld xmlns:a="http://schemas.openxmlformats.org/drawingml/2006/main" xmlns:r="http://schemas.openxmlformats.org/officeDocument/2006/relationships" xmlns:p="http://schemas.openxmlformats.org/presentationml/2006/main">
   <p:cSld>
     <p:spTree>
@@ -21943,7 +22763,7 @@
 </p:sld>
 </file>
 
-<file path=ppt/slides/slide16.xml><?xml version="1.0" encoding="utf-8"?>
+<file path=ppt/slides/slide17.xml><?xml version="1.0" encoding="utf-8"?>
 <p:sld xmlns:a="http://schemas.openxmlformats.org/drawingml/2006/main" xmlns:r="http://schemas.openxmlformats.org/officeDocument/2006/relationships" xmlns:p="http://schemas.openxmlformats.org/presentationml/2006/main">
   <p:cSld>
     <p:spTree>
@@ -22586,7 +23406,7 @@
 </p:sld>
 </file>
 
-<file path=ppt/slides/slide17.xml><?xml version="1.0" encoding="utf-8"?>
+<file path=ppt/slides/slide18.xml><?xml version="1.0" encoding="utf-8"?>
 <p:sld xmlns:a="http://schemas.openxmlformats.org/drawingml/2006/main" xmlns:r="http://schemas.openxmlformats.org/officeDocument/2006/relationships" xmlns:p="http://schemas.openxmlformats.org/presentationml/2006/main">
   <p:cSld>
     <p:spTree>
@@ -23273,7 +24093,7 @@
 </p:sld>
 </file>
 
-<file path=ppt/slides/slide18.xml><?xml version="1.0" encoding="utf-8"?>
+<file path=ppt/slides/slide19.xml><?xml version="1.0" encoding="utf-8"?>
 <p:sld xmlns:a="http://schemas.openxmlformats.org/drawingml/2006/main" xmlns:r="http://schemas.openxmlformats.org/officeDocument/2006/relationships" xmlns:p="http://schemas.openxmlformats.org/presentationml/2006/main">
   <p:cSld>
     <p:spTree>
@@ -24529,7 +25349,7 @@
 </p:sld>
 </file>
 
-<file path=ppt/slides/slide19.xml><?xml version="1.0" encoding="utf-8"?>
+<file path=ppt/slides/slide2.xml><?xml version="1.0" encoding="utf-8"?>
 <p:sld xmlns:a="http://schemas.openxmlformats.org/drawingml/2006/main" xmlns:r="http://schemas.openxmlformats.org/officeDocument/2006/relationships" xmlns:p="http://schemas.openxmlformats.org/presentationml/2006/main">
   <p:cSld>
     <p:spTree>
@@ -24789,13 +25609,7 @@
       </p:sp>
       <p:sp>
         <p:nvSpPr>
-          <p:cNvPr id="7" name="Title 6">
-            <a:extLst>
-              <a:ext uri="{FF2B5EF4-FFF2-40B4-BE49-F238E27FC236}">
-                <a16:creationId xmlns:a16="http://schemas.microsoft.com/office/drawing/2014/main" id="{BAE3B82A-826A-0304-CCFE-B1B91ED37478}"/>
-              </a:ext>
-            </a:extLst>
-          </p:cNvPr>
+          <p:cNvPr id="14" name="Title 1"/>
           <p:cNvSpPr>
             <a:spLocks noGrp="1"/>
           </p:cNvSpPr>
@@ -24805,166 +25619,54 @@
         </p:nvSpPr>
         <p:spPr>
           <a:xfrm>
-            <a:off x="2743200" y="365125"/>
-            <a:ext cx="8610599" cy="1325563"/>
+            <a:off x="2743200" y="381000"/>
+            <a:ext cx="8229600" cy="1143000"/>
           </a:xfrm>
         </p:spPr>
         <p:txBody>
           <a:bodyPr/>
           <a:lstStyle/>
           <a:p>
+            <a:r>
+              <a:rPr lang="en-IN" dirty="0" err="1">
+                <a:latin typeface="Times New Roman" panose="02020603050405020304" pitchFamily="18" charset="0"/>
+                <a:cs typeface="Times New Roman" panose="02020603050405020304" pitchFamily="18" charset="0"/>
+              </a:rPr>
+              <a:t>Callify</a:t>
+            </a:r>
             <a:r>
               <a:rPr lang="en-IN" dirty="0">
                 <a:latin typeface="Times New Roman" panose="02020603050405020304" pitchFamily="18" charset="0"/>
                 <a:cs typeface="Times New Roman" panose="02020603050405020304" pitchFamily="18" charset="0"/>
               </a:rPr>
-              <a:t>References</a:t>
-            </a:r>
-          </a:p>
-        </p:txBody>
-      </p:sp>
-      <p:sp>
-        <p:nvSpPr>
-          <p:cNvPr id="9" name="Rectangle 2">
-            <a:extLst>
-              <a:ext uri="{FF2B5EF4-FFF2-40B4-BE49-F238E27FC236}">
-                <a16:creationId xmlns:a16="http://schemas.microsoft.com/office/drawing/2014/main" id="{15827682-201B-CCF1-BDF5-633F903F3688}"/>
-              </a:ext>
-            </a:extLst>
-          </p:cNvPr>
-          <p:cNvSpPr>
-            <a:spLocks noGrp="1" noChangeArrowheads="1"/>
+              <a:t> video conferencing</a:t>
+            </a:r>
+          </a:p>
+        </p:txBody>
+      </p:sp>
+      <p:sp>
+        <p:nvSpPr>
+          <p:cNvPr id="15" name="Content Placeholder 2"/>
+          <p:cNvSpPr>
+            <a:spLocks noGrp="1"/>
           </p:cNvSpPr>
           <p:nvPr>
             <p:ph idx="1"/>
           </p:nvPr>
         </p:nvSpPr>
-        <p:spPr bwMode="auto">
+        <p:spPr>
           <a:xfrm>
-            <a:off x="2743200" y="2194985"/>
-            <a:ext cx="6172200" cy="3228448"/>
+            <a:off x="2743200" y="1706563"/>
+            <a:ext cx="8229600" cy="4205064"/>
           </a:xfrm>
-          <a:prstGeom prst="rect">
-            <a:avLst/>
-          </a:prstGeom>
-          <a:noFill/>
-          <a:ln>
-            <a:noFill/>
-          </a:ln>
-          <a:effectLst/>
-          <a:extLst>
-            <a:ext uri="{909E8E84-426E-40DD-AFC4-6F175D3DCCD1}">
-              <a14:hiddenFill xmlns:a14="http://schemas.microsoft.com/office/drawing/2010/main">
-                <a:solidFill>
-                  <a:schemeClr val="accent1"/>
-                </a:solidFill>
-              </a14:hiddenFill>
-            </a:ext>
-            <a:ext uri="{91240B29-F687-4F45-9708-019B960494DF}">
-              <a14:hiddenLine xmlns:a14="http://schemas.microsoft.com/office/drawing/2010/main" w="9525">
-                <a:solidFill>
-                  <a:schemeClr val="tx1"/>
-                </a:solidFill>
-                <a:miter lim="800000"/>
-                <a:headEnd/>
-                <a:tailEnd/>
-              </a14:hiddenLine>
-            </a:ext>
-            <a:ext uri="{AF507438-7753-43E0-B8FC-AC1667EBCBE1}">
-              <a14:hiddenEffects xmlns:a14="http://schemas.microsoft.com/office/drawing/2010/main">
-                <a:effectLst>
-                  <a:outerShdw dist="35921" dir="2700000" algn="ctr" rotWithShape="0">
-                    <a:schemeClr val="bg2"/>
-                  </a:outerShdw>
-                </a:effectLst>
-              </a14:hiddenEffects>
-            </a:ext>
-          </a:extLst>
         </p:spPr>
         <p:txBody>
-          <a:bodyPr vert="horz" wrap="square" lIns="91440" tIns="45720" rIns="91440" bIns="45720" numCol="1" anchor="ctr" anchorCtr="0" compatLnSpc="1">
-            <a:prstTxWarp prst="textNoShape">
-              <a:avLst/>
-            </a:prstTxWarp>
-            <a:spAutoFit/>
+          <a:bodyPr>
+            <a:normAutofit fontScale="70000" lnSpcReduction="20000"/>
           </a:bodyPr>
           <a:lstStyle/>
           <a:p>
-            <a:pPr>
-              <a:lnSpc>
-                <a:spcPct val="200000"/>
-              </a:lnSpc>
-              <a:buFont typeface="Arial" panose="020B0604020202020204" pitchFamily="34" charset="0"/>
-              <a:buChar char="•"/>
-            </a:pPr>
-            <a:r>
-              <a:rPr lang="en-US" sz="1600" dirty="0">
-                <a:latin typeface="Times New Roman" panose="02020603050405020304" pitchFamily="18" charset="0"/>
-                <a:cs typeface="Times New Roman" panose="02020603050405020304" pitchFamily="18" charset="0"/>
-              </a:rPr>
-              <a:t>Cite sources such </a:t>
-            </a:r>
-            <a:r>
-              <a:rPr lang="en-US" sz="1600" dirty="0" err="1">
-                <a:latin typeface="Times New Roman" panose="02020603050405020304" pitchFamily="18" charset="0"/>
-                <a:cs typeface="Times New Roman" panose="02020603050405020304" pitchFamily="18" charset="0"/>
-              </a:rPr>
-              <a:t>as:Yuan</a:t>
-            </a:r>
-            <a:r>
-              <a:rPr lang="en-US" sz="1600" dirty="0">
-                <a:latin typeface="Times New Roman" panose="02020603050405020304" pitchFamily="18" charset="0"/>
-                <a:cs typeface="Times New Roman" panose="02020603050405020304" pitchFamily="18" charset="0"/>
-              </a:rPr>
-              <a:t>, E. (2011). Zoom Video Communications. </a:t>
-            </a:r>
-            <a:r>
-              <a:rPr lang="en-US" sz="1600" dirty="0">
-                <a:latin typeface="Times New Roman" panose="02020603050405020304" pitchFamily="18" charset="0"/>
-                <a:cs typeface="Times New Roman" panose="02020603050405020304" pitchFamily="18" charset="0"/>
-                <a:hlinkClick r:id="rId4"/>
-              </a:rPr>
-              <a:t>Zoom.us</a:t>
-            </a:r>
-            <a:endParaRPr lang="en-US" sz="1600" dirty="0">
-              <a:latin typeface="Times New Roman" panose="02020603050405020304" pitchFamily="18" charset="0"/>
-              <a:cs typeface="Times New Roman" panose="02020603050405020304" pitchFamily="18" charset="0"/>
-            </a:endParaRPr>
-          </a:p>
-          <a:p>
-            <a:pPr>
-              <a:lnSpc>
-                <a:spcPct val="200000"/>
-              </a:lnSpc>
-              <a:buFont typeface="Arial" panose="020B0604020202020204" pitchFamily="34" charset="0"/>
-              <a:buChar char="•"/>
-            </a:pPr>
-            <a:r>
-              <a:rPr lang="en-US" sz="1600" dirty="0">
-                <a:latin typeface="Times New Roman" panose="02020603050405020304" pitchFamily="18" charset="0"/>
-                <a:cs typeface="Times New Roman" panose="02020603050405020304" pitchFamily="18" charset="0"/>
-              </a:rPr>
-              <a:t>Research articles and case studies on video conferencing tools.</a:t>
-            </a:r>
-          </a:p>
-          <a:p>
-            <a:pPr>
-              <a:lnSpc>
-                <a:spcPct val="200000"/>
-              </a:lnSpc>
-              <a:buFont typeface="Arial" panose="020B0604020202020204" pitchFamily="34" charset="0"/>
-              <a:buChar char="•"/>
-            </a:pPr>
-            <a:r>
-              <a:rPr lang="en-US" sz="1600" dirty="0">
-                <a:latin typeface="Times New Roman" panose="02020603050405020304" pitchFamily="18" charset="0"/>
-                <a:cs typeface="Times New Roman" panose="02020603050405020304" pitchFamily="18" charset="0"/>
-              </a:rPr>
-              <a:t>Articles comparing Zoom with platforms like Google Meet and Microsoft Teams.</a:t>
-            </a:r>
-          </a:p>
-          <a:p>
-            <a:pPr marL="0" marR="0" lvl="0" indent="0" defTabSz="914400" rtl="0" eaLnBrk="0" fontAlgn="base" latinLnBrk="0" hangingPunct="0">
+            <a:pPr marR="0" lvl="0" algn="just" defTabSz="914400" rtl="0" eaLnBrk="0" fontAlgn="base" latinLnBrk="0" hangingPunct="0">
               <a:lnSpc>
                 <a:spcPct val="200000"/>
               </a:lnSpc>
@@ -24976,27 +25678,140 @@
               </a:spcAft>
               <a:buClrTx/>
               <a:buSzTx/>
-              <a:buNone/>
+              <a:buFont typeface="Wingdings" panose="05000000000000000000" pitchFamily="2" charset="2"/>
+              <a:buChar char="§"/>
               <a:tabLst/>
             </a:pPr>
-            <a:endParaRPr kumimoji="0" lang="en-US" altLang="en-US" sz="1600" b="0" i="0" u="none" strike="noStrike" cap="none" normalizeH="0" baseline="0" dirty="0">
-              <a:ln>
-                <a:noFill/>
-              </a:ln>
-              <a:solidFill>
-                <a:schemeClr val="tx1"/>
-              </a:solidFill>
-              <a:effectLst/>
-              <a:latin typeface="Times New Roman" panose="02020603050405020304" pitchFamily="18" charset="0"/>
-              <a:cs typeface="Times New Roman" panose="02020603050405020304" pitchFamily="18" charset="0"/>
-            </a:endParaRPr>
+            <a:r>
+              <a:rPr lang="en-US" altLang="en-US" dirty="0" err="1">
+                <a:latin typeface="Times New Roman" panose="02020603050405020304" pitchFamily="18" charset="0"/>
+                <a:cs typeface="Times New Roman" panose="02020603050405020304" pitchFamily="18" charset="0"/>
+              </a:rPr>
+              <a:t>Callify</a:t>
+            </a:r>
+            <a:r>
+              <a:rPr kumimoji="0" lang="en-US" altLang="en-US" sz="2800" b="0" i="0" u="none" strike="noStrike" cap="none" normalizeH="0" baseline="0" dirty="0">
+                <a:ln>
+                  <a:noFill/>
+                </a:ln>
+                <a:solidFill>
+                  <a:schemeClr val="tx1"/>
+                </a:solidFill>
+                <a:effectLst/>
+                <a:latin typeface="Times New Roman" panose="02020603050405020304" pitchFamily="18" charset="0"/>
+                <a:cs typeface="Times New Roman" panose="02020603050405020304" pitchFamily="18" charset="0"/>
+              </a:rPr>
+              <a:t> is a cloud-based video conferencing service that allows users to virtually meet, collaborate, and     communicate from anywhere.</a:t>
+            </a:r>
+          </a:p>
+          <a:p>
+            <a:pPr marR="0" lvl="0" algn="just" defTabSz="914400" rtl="0" eaLnBrk="0" fontAlgn="base" latinLnBrk="0" hangingPunct="0">
+              <a:lnSpc>
+                <a:spcPct val="200000"/>
+              </a:lnSpc>
+              <a:spcBef>
+                <a:spcPct val="0"/>
+              </a:spcBef>
+              <a:spcAft>
+                <a:spcPct val="0"/>
+              </a:spcAft>
+              <a:buClrTx/>
+              <a:buSzTx/>
+              <a:buFont typeface="Wingdings" panose="05000000000000000000" pitchFamily="2" charset="2"/>
+              <a:buChar char="§"/>
+              <a:tabLst/>
+            </a:pPr>
+            <a:r>
+              <a:rPr kumimoji="0" lang="en-US" altLang="en-US" sz="2800" b="0" i="0" u="none" strike="noStrike" cap="none" normalizeH="0" baseline="0" dirty="0">
+                <a:ln>
+                  <a:noFill/>
+                </a:ln>
+                <a:solidFill>
+                  <a:schemeClr val="tx1"/>
+                </a:solidFill>
+                <a:effectLst/>
+                <a:latin typeface="Times New Roman" panose="02020603050405020304" pitchFamily="18" charset="0"/>
+                <a:cs typeface="Times New Roman" panose="02020603050405020304" pitchFamily="18" charset="0"/>
+              </a:rPr>
+              <a:t>It gained widespread popularity during the COVID-19 pandemic as a leading tool for remote communication.</a:t>
+            </a:r>
+          </a:p>
+          <a:p>
+            <a:pPr marR="0" lvl="0" algn="just" defTabSz="914400" rtl="0" eaLnBrk="0" fontAlgn="base" latinLnBrk="0" hangingPunct="0">
+              <a:lnSpc>
+                <a:spcPct val="200000"/>
+              </a:lnSpc>
+              <a:spcBef>
+                <a:spcPct val="0"/>
+              </a:spcBef>
+              <a:spcAft>
+                <a:spcPct val="0"/>
+              </a:spcAft>
+              <a:buClrTx/>
+              <a:buSzTx/>
+              <a:buFont typeface="Wingdings" panose="05000000000000000000" pitchFamily="2" charset="2"/>
+              <a:buChar char="§"/>
+              <a:tabLst/>
+            </a:pPr>
+            <a:r>
+              <a:rPr kumimoji="0" lang="en-US" altLang="en-US" sz="2800" b="0" i="0" u="none" strike="noStrike" cap="none" normalizeH="0" baseline="0" dirty="0">
+                <a:ln>
+                  <a:noFill/>
+                </a:ln>
+                <a:solidFill>
+                  <a:schemeClr val="tx1"/>
+                </a:solidFill>
+                <a:effectLst/>
+                <a:latin typeface="Times New Roman" panose="02020603050405020304" pitchFamily="18" charset="0"/>
+                <a:cs typeface="Times New Roman" panose="02020603050405020304" pitchFamily="18" charset="0"/>
+              </a:rPr>
+              <a:t>Offers features like video calls, webinars, screen sharing, and meeting recording.</a:t>
+            </a:r>
+          </a:p>
+          <a:p>
+            <a:pPr marR="0" lvl="0" algn="just" defTabSz="914400" rtl="0" eaLnBrk="0" fontAlgn="base" latinLnBrk="0" hangingPunct="0">
+              <a:lnSpc>
+                <a:spcPct val="200000"/>
+              </a:lnSpc>
+              <a:spcBef>
+                <a:spcPct val="0"/>
+              </a:spcBef>
+              <a:spcAft>
+                <a:spcPct val="0"/>
+              </a:spcAft>
+              <a:buClrTx/>
+              <a:buSzTx/>
+              <a:buFont typeface="Wingdings" panose="05000000000000000000" pitchFamily="2" charset="2"/>
+              <a:buChar char="§"/>
+              <a:tabLst/>
+            </a:pPr>
+            <a:r>
+              <a:rPr kumimoji="0" lang="en-US" altLang="en-US" sz="2800" b="0" i="0" u="none" strike="noStrike" cap="none" normalizeH="0" baseline="0" dirty="0">
+                <a:ln>
+                  <a:noFill/>
+                </a:ln>
+                <a:solidFill>
+                  <a:schemeClr val="tx1"/>
+                </a:solidFill>
+                <a:effectLst/>
+                <a:latin typeface="Times New Roman" panose="02020603050405020304" pitchFamily="18" charset="0"/>
+                <a:cs typeface="Times New Roman" panose="02020603050405020304" pitchFamily="18" charset="0"/>
+              </a:rPr>
+              <a:t>Essential for remote work, education, and virtual events.</a:t>
+            </a:r>
+          </a:p>
+          <a:p>
+            <a:pPr>
+              <a:buNone/>
+            </a:pPr>
+            <a:endParaRPr lang="en-IN" dirty="0"/>
           </a:p>
         </p:txBody>
       </p:sp>
     </p:spTree>
     <p:extLst>
       <p:ext uri="{BB962C8B-B14F-4D97-AF65-F5344CB8AC3E}">
-        <p14:creationId xmlns:p14="http://schemas.microsoft.com/office/powerpoint/2010/main" val="516697121"/>
+        <p14:creationId xmlns:p14="http://schemas.microsoft.com/office/powerpoint/2010/main" val="2290303760"/>
       </p:ext>
     </p:extLst>
   </p:cSld>
@@ -25006,7 +25821,7 @@
 </p:sld>
 </file>
 
-<file path=ppt/slides/slide2.xml><?xml version="1.0" encoding="utf-8"?>
+<file path=ppt/slides/slide20.xml><?xml version="1.0" encoding="utf-8"?>
 <p:sld xmlns:a="http://schemas.openxmlformats.org/drawingml/2006/main" xmlns:r="http://schemas.openxmlformats.org/officeDocument/2006/relationships" xmlns:p="http://schemas.openxmlformats.org/presentationml/2006/main">
   <p:cSld>
     <p:spTree>
@@ -25266,7 +26081,13 @@
       </p:sp>
       <p:sp>
         <p:nvSpPr>
-          <p:cNvPr id="14" name="Title 1"/>
+          <p:cNvPr id="7" name="Title 6">
+            <a:extLst>
+              <a:ext uri="{FF2B5EF4-FFF2-40B4-BE49-F238E27FC236}">
+                <a16:creationId xmlns:a16="http://schemas.microsoft.com/office/drawing/2014/main" id="{BAE3B82A-826A-0304-CCFE-B1B91ED37478}"/>
+              </a:ext>
+            </a:extLst>
+          </p:cNvPr>
           <p:cNvSpPr>
             <a:spLocks noGrp="1"/>
           </p:cNvSpPr>
@@ -25276,8 +26097,8 @@
         </p:nvSpPr>
         <p:spPr>
           <a:xfrm>
-            <a:off x="2743200" y="381000"/>
-            <a:ext cx="8229600" cy="1143000"/>
+            <a:off x="2743200" y="365125"/>
+            <a:ext cx="8610599" cy="1325563"/>
           </a:xfrm>
         </p:spPr>
         <p:txBody>
@@ -25285,45 +26106,171 @@
           <a:lstStyle/>
           <a:p>
             <a:r>
-              <a:rPr lang="en-IN" dirty="0" err="1">
+              <a:rPr lang="en-IN" dirty="0">
+                <a:latin typeface="Times New Roman" panose="02020603050405020304" pitchFamily="18" charset="0"/>
+                <a:cs typeface="Times New Roman" panose="02020603050405020304" pitchFamily="18" charset="0"/>
+              </a:rPr>
+              <a:t>References</a:t>
+            </a:r>
+          </a:p>
+        </p:txBody>
+      </p:sp>
+      <p:sp>
+        <p:nvSpPr>
+          <p:cNvPr id="9" name="Rectangle 2">
+            <a:extLst>
+              <a:ext uri="{FF2B5EF4-FFF2-40B4-BE49-F238E27FC236}">
+                <a16:creationId xmlns:a16="http://schemas.microsoft.com/office/drawing/2014/main" id="{15827682-201B-CCF1-BDF5-633F903F3688}"/>
+              </a:ext>
+            </a:extLst>
+          </p:cNvPr>
+          <p:cNvSpPr>
+            <a:spLocks noGrp="1" noChangeArrowheads="1"/>
+          </p:cNvSpPr>
+          <p:nvPr>
+            <p:ph idx="1"/>
+          </p:nvPr>
+        </p:nvSpPr>
+        <p:spPr bwMode="auto">
+          <a:xfrm>
+            <a:off x="2743200" y="2194985"/>
+            <a:ext cx="6172200" cy="3228448"/>
+          </a:xfrm>
+          <a:prstGeom prst="rect">
+            <a:avLst/>
+          </a:prstGeom>
+          <a:noFill/>
+          <a:ln>
+            <a:noFill/>
+          </a:ln>
+          <a:effectLst/>
+          <a:extLst>
+            <a:ext uri="{909E8E84-426E-40DD-AFC4-6F175D3DCCD1}">
+              <a14:hiddenFill xmlns:a14="http://schemas.microsoft.com/office/drawing/2010/main">
+                <a:solidFill>
+                  <a:schemeClr val="accent1"/>
+                </a:solidFill>
+              </a14:hiddenFill>
+            </a:ext>
+            <a:ext uri="{91240B29-F687-4F45-9708-019B960494DF}">
+              <a14:hiddenLine xmlns:a14="http://schemas.microsoft.com/office/drawing/2010/main" w="9525">
+                <a:solidFill>
+                  <a:schemeClr val="tx1"/>
+                </a:solidFill>
+                <a:miter lim="800000"/>
+                <a:headEnd/>
+                <a:tailEnd/>
+              </a14:hiddenLine>
+            </a:ext>
+            <a:ext uri="{AF507438-7753-43E0-B8FC-AC1667EBCBE1}">
+              <a14:hiddenEffects xmlns:a14="http://schemas.microsoft.com/office/drawing/2010/main">
+                <a:effectLst>
+                  <a:outerShdw dist="35921" dir="2700000" algn="ctr" rotWithShape="0">
+                    <a:schemeClr val="bg2"/>
+                  </a:outerShdw>
+                </a:effectLst>
+              </a14:hiddenEffects>
+            </a:ext>
+          </a:extLst>
+        </p:spPr>
+        <p:txBody>
+          <a:bodyPr vert="horz" wrap="square" lIns="91440" tIns="45720" rIns="91440" bIns="45720" numCol="1" anchor="ctr" anchorCtr="0" compatLnSpc="1">
+            <a:prstTxWarp prst="textNoShape">
+              <a:avLst/>
+            </a:prstTxWarp>
+            <a:spAutoFit/>
+          </a:bodyPr>
+          <a:lstStyle/>
+          <a:p>
+            <a:pPr>
+              <a:lnSpc>
+                <a:spcPct val="200000"/>
+              </a:lnSpc>
+              <a:buFont typeface="Arial" panose="020B0604020202020204" pitchFamily="34" charset="0"/>
+              <a:buChar char="•"/>
+            </a:pPr>
+            <a:r>
+              <a:rPr lang="en-US" sz="1600" dirty="0">
+                <a:latin typeface="Times New Roman" panose="02020603050405020304" pitchFamily="18" charset="0"/>
+                <a:cs typeface="Times New Roman" panose="02020603050405020304" pitchFamily="18" charset="0"/>
+              </a:rPr>
+              <a:t>Cite sources such </a:t>
+            </a:r>
+            <a:r>
+              <a:rPr lang="en-US" sz="1600" dirty="0" err="1">
+                <a:latin typeface="Times New Roman" panose="02020603050405020304" pitchFamily="18" charset="0"/>
+                <a:cs typeface="Times New Roman" panose="02020603050405020304" pitchFamily="18" charset="0"/>
+              </a:rPr>
+              <a:t>as:Yuan</a:t>
+            </a:r>
+            <a:r>
+              <a:rPr lang="en-US" sz="1600" dirty="0">
+                <a:latin typeface="Times New Roman" panose="02020603050405020304" pitchFamily="18" charset="0"/>
+                <a:cs typeface="Times New Roman" panose="02020603050405020304" pitchFamily="18" charset="0"/>
+              </a:rPr>
+              <a:t>, E. (2011). Zoom Video Communications. </a:t>
+            </a:r>
+            <a:r>
+              <a:rPr lang="en-US" sz="1600" dirty="0">
+                <a:latin typeface="Times New Roman" panose="02020603050405020304" pitchFamily="18" charset="0"/>
+                <a:cs typeface="Times New Roman" panose="02020603050405020304" pitchFamily="18" charset="0"/>
+                <a:hlinkClick r:id="rId4"/>
+              </a:rPr>
+              <a:t>Zoom.us</a:t>
+            </a:r>
+            <a:endParaRPr lang="en-US" sz="1600" dirty="0">
+              <a:latin typeface="Times New Roman" panose="02020603050405020304" pitchFamily="18" charset="0"/>
+              <a:cs typeface="Times New Roman" panose="02020603050405020304" pitchFamily="18" charset="0"/>
+            </a:endParaRPr>
+          </a:p>
+          <a:p>
+            <a:pPr>
+              <a:lnSpc>
+                <a:spcPct val="200000"/>
+              </a:lnSpc>
+              <a:buFont typeface="Arial" panose="020B0604020202020204" pitchFamily="34" charset="0"/>
+              <a:buChar char="•"/>
+            </a:pPr>
+            <a:r>
+              <a:rPr lang="en-US" sz="1600" dirty="0">
+                <a:latin typeface="Times New Roman" panose="02020603050405020304" pitchFamily="18" charset="0"/>
+                <a:cs typeface="Times New Roman" panose="02020603050405020304" pitchFamily="18" charset="0"/>
+              </a:rPr>
+              <a:t>Research articles and case studies on video conferencing tools.</a:t>
+            </a:r>
+          </a:p>
+          <a:p>
+            <a:pPr>
+              <a:lnSpc>
+                <a:spcPct val="200000"/>
+              </a:lnSpc>
+              <a:buFont typeface="Arial" panose="020B0604020202020204" pitchFamily="34" charset="0"/>
+              <a:buChar char="•"/>
+            </a:pPr>
+            <a:r>
+              <a:rPr lang="en-US" sz="1600" dirty="0">
+                <a:latin typeface="Times New Roman" panose="02020603050405020304" pitchFamily="18" charset="0"/>
+                <a:cs typeface="Times New Roman" panose="02020603050405020304" pitchFamily="18" charset="0"/>
+              </a:rPr>
+              <a:t>Articles comparing </a:t>
+            </a:r>
+            <a:r>
+              <a:rPr lang="en-US" sz="1600" dirty="0" err="1">
                 <a:latin typeface="Times New Roman" panose="02020603050405020304" pitchFamily="18" charset="0"/>
                 <a:cs typeface="Times New Roman" panose="02020603050405020304" pitchFamily="18" charset="0"/>
               </a:rPr>
               <a:t>Callify</a:t>
             </a:r>
             <a:r>
-              <a:rPr lang="en-IN" dirty="0">
+              <a:rPr lang="en-US" sz="1600" dirty="0">
                 <a:latin typeface="Times New Roman" panose="02020603050405020304" pitchFamily="18" charset="0"/>
                 <a:cs typeface="Times New Roman" panose="02020603050405020304" pitchFamily="18" charset="0"/>
               </a:rPr>
-              <a:t> video conferencing</a:t>
-            </a:r>
-          </a:p>
-        </p:txBody>
-      </p:sp>
-      <p:sp>
-        <p:nvSpPr>
-          <p:cNvPr id="15" name="Content Placeholder 2"/>
-          <p:cNvSpPr>
-            <a:spLocks noGrp="1"/>
-          </p:cNvSpPr>
-          <p:nvPr>
-            <p:ph idx="1"/>
-          </p:nvPr>
-        </p:nvSpPr>
-        <p:spPr>
-          <a:xfrm>
-            <a:off x="2743200" y="1706563"/>
-            <a:ext cx="8229600" cy="4205064"/>
-          </a:xfrm>
-        </p:spPr>
-        <p:txBody>
-          <a:bodyPr>
-            <a:normAutofit fontScale="70000" lnSpcReduction="20000"/>
-          </a:bodyPr>
-          <a:lstStyle/>
-          <a:p>
-            <a:pPr marR="0" lvl="0" algn="just" defTabSz="914400" rtl="0" eaLnBrk="0" fontAlgn="base" latinLnBrk="0" hangingPunct="0">
+              <a:t> with platforms like Google Meet and Microsoft Teams.</a:t>
+            </a:r>
+          </a:p>
+          <a:p>
+            <a:pPr marL="0" marR="0" lvl="0" indent="0" defTabSz="914400" rtl="0" eaLnBrk="0" fontAlgn="base" latinLnBrk="0" hangingPunct="0">
               <a:lnSpc>
                 <a:spcPct val="200000"/>
               </a:lnSpc>
@@ -25335,140 +26282,27 @@
               </a:spcAft>
               <a:buClrTx/>
               <a:buSzTx/>
-              <a:buFont typeface="Wingdings" panose="05000000000000000000" pitchFamily="2" charset="2"/>
-              <a:buChar char="§"/>
+              <a:buNone/>
               <a:tabLst/>
             </a:pPr>
-            <a:r>
-              <a:rPr lang="en-US" altLang="en-US" dirty="0" err="1">
-                <a:latin typeface="Times New Roman" panose="02020603050405020304" pitchFamily="18" charset="0"/>
-                <a:cs typeface="Times New Roman" panose="02020603050405020304" pitchFamily="18" charset="0"/>
-              </a:rPr>
-              <a:t>Callify</a:t>
-            </a:r>
-            <a:r>
-              <a:rPr kumimoji="0" lang="en-US" altLang="en-US" sz="2800" b="0" i="0" u="none" strike="noStrike" cap="none" normalizeH="0" baseline="0" dirty="0">
-                <a:ln>
-                  <a:noFill/>
-                </a:ln>
-                <a:solidFill>
-                  <a:schemeClr val="tx1"/>
-                </a:solidFill>
-                <a:effectLst/>
-                <a:latin typeface="Times New Roman" panose="02020603050405020304" pitchFamily="18" charset="0"/>
-                <a:cs typeface="Times New Roman" panose="02020603050405020304" pitchFamily="18" charset="0"/>
-              </a:rPr>
-              <a:t> is a cloud-based video conferencing service that allows users to virtually meet, collaborate, and     communicate from anywhere.</a:t>
-            </a:r>
-          </a:p>
-          <a:p>
-            <a:pPr marR="0" lvl="0" algn="just" defTabSz="914400" rtl="0" eaLnBrk="0" fontAlgn="base" latinLnBrk="0" hangingPunct="0">
-              <a:lnSpc>
-                <a:spcPct val="200000"/>
-              </a:lnSpc>
-              <a:spcBef>
-                <a:spcPct val="0"/>
-              </a:spcBef>
-              <a:spcAft>
-                <a:spcPct val="0"/>
-              </a:spcAft>
-              <a:buClrTx/>
-              <a:buSzTx/>
-              <a:buFont typeface="Wingdings" panose="05000000000000000000" pitchFamily="2" charset="2"/>
-              <a:buChar char="§"/>
-              <a:tabLst/>
-            </a:pPr>
-            <a:r>
-              <a:rPr kumimoji="0" lang="en-US" altLang="en-US" sz="2800" b="0" i="0" u="none" strike="noStrike" cap="none" normalizeH="0" baseline="0" dirty="0">
-                <a:ln>
-                  <a:noFill/>
-                </a:ln>
-                <a:solidFill>
-                  <a:schemeClr val="tx1"/>
-                </a:solidFill>
-                <a:effectLst/>
-                <a:latin typeface="Times New Roman" panose="02020603050405020304" pitchFamily="18" charset="0"/>
-                <a:cs typeface="Times New Roman" panose="02020603050405020304" pitchFamily="18" charset="0"/>
-              </a:rPr>
-              <a:t>It gained widespread popularity during the COVID-19 pandemic as a leading tool for remote communication.</a:t>
-            </a:r>
-          </a:p>
-          <a:p>
-            <a:pPr marR="0" lvl="0" algn="just" defTabSz="914400" rtl="0" eaLnBrk="0" fontAlgn="base" latinLnBrk="0" hangingPunct="0">
-              <a:lnSpc>
-                <a:spcPct val="200000"/>
-              </a:lnSpc>
-              <a:spcBef>
-                <a:spcPct val="0"/>
-              </a:spcBef>
-              <a:spcAft>
-                <a:spcPct val="0"/>
-              </a:spcAft>
-              <a:buClrTx/>
-              <a:buSzTx/>
-              <a:buFont typeface="Wingdings" panose="05000000000000000000" pitchFamily="2" charset="2"/>
-              <a:buChar char="§"/>
-              <a:tabLst/>
-            </a:pPr>
-            <a:r>
-              <a:rPr kumimoji="0" lang="en-US" altLang="en-US" sz="2800" b="0" i="0" u="none" strike="noStrike" cap="none" normalizeH="0" baseline="0" dirty="0">
-                <a:ln>
-                  <a:noFill/>
-                </a:ln>
-                <a:solidFill>
-                  <a:schemeClr val="tx1"/>
-                </a:solidFill>
-                <a:effectLst/>
-                <a:latin typeface="Times New Roman" panose="02020603050405020304" pitchFamily="18" charset="0"/>
-                <a:cs typeface="Times New Roman" panose="02020603050405020304" pitchFamily="18" charset="0"/>
-              </a:rPr>
-              <a:t>Offers features like video calls, webinars, screen sharing, and meeting recording.</a:t>
-            </a:r>
-          </a:p>
-          <a:p>
-            <a:pPr marR="0" lvl="0" algn="just" defTabSz="914400" rtl="0" eaLnBrk="0" fontAlgn="base" latinLnBrk="0" hangingPunct="0">
-              <a:lnSpc>
-                <a:spcPct val="200000"/>
-              </a:lnSpc>
-              <a:spcBef>
-                <a:spcPct val="0"/>
-              </a:spcBef>
-              <a:spcAft>
-                <a:spcPct val="0"/>
-              </a:spcAft>
-              <a:buClrTx/>
-              <a:buSzTx/>
-              <a:buFont typeface="Wingdings" panose="05000000000000000000" pitchFamily="2" charset="2"/>
-              <a:buChar char="§"/>
-              <a:tabLst/>
-            </a:pPr>
-            <a:r>
-              <a:rPr kumimoji="0" lang="en-US" altLang="en-US" sz="2800" b="0" i="0" u="none" strike="noStrike" cap="none" normalizeH="0" baseline="0" dirty="0">
-                <a:ln>
-                  <a:noFill/>
-                </a:ln>
-                <a:solidFill>
-                  <a:schemeClr val="tx1"/>
-                </a:solidFill>
-                <a:effectLst/>
-                <a:latin typeface="Times New Roman" panose="02020603050405020304" pitchFamily="18" charset="0"/>
-                <a:cs typeface="Times New Roman" panose="02020603050405020304" pitchFamily="18" charset="0"/>
-              </a:rPr>
-              <a:t>Essential for remote work, education, and virtual events.</a:t>
-            </a:r>
-          </a:p>
-          <a:p>
-            <a:pPr>
-              <a:buNone/>
-            </a:pPr>
-            <a:endParaRPr lang="en-IN" dirty="0"/>
+            <a:endParaRPr kumimoji="0" lang="en-US" altLang="en-US" sz="1600" b="0" i="0" u="none" strike="noStrike" cap="none" normalizeH="0" baseline="0" dirty="0">
+              <a:ln>
+                <a:noFill/>
+              </a:ln>
+              <a:solidFill>
+                <a:schemeClr val="tx1"/>
+              </a:solidFill>
+              <a:effectLst/>
+              <a:latin typeface="Times New Roman" panose="02020603050405020304" pitchFamily="18" charset="0"/>
+              <a:cs typeface="Times New Roman" panose="02020603050405020304" pitchFamily="18" charset="0"/>
+            </a:endParaRPr>
           </a:p>
         </p:txBody>
       </p:sp>
     </p:spTree>
     <p:extLst>
       <p:ext uri="{BB962C8B-B14F-4D97-AF65-F5344CB8AC3E}">
-        <p14:creationId xmlns:p14="http://schemas.microsoft.com/office/powerpoint/2010/main" val="2290303760"/>
+        <p14:creationId xmlns:p14="http://schemas.microsoft.com/office/powerpoint/2010/main" val="516697121"/>
       </p:ext>
     </p:extLst>
   </p:cSld>
@@ -25796,6 +26630,15 @@
             <a:off x="4081923" y="1706563"/>
             <a:ext cx="5552154" cy="4205287"/>
           </a:xfrm>
+          <a:prstGeom prst="rect">
+            <a:avLst/>
+          </a:prstGeom>
+          <a:ln>
+            <a:noFill/>
+          </a:ln>
+          <a:effectLst>
+            <a:softEdge rad="112500"/>
+          </a:effectLst>
         </p:spPr>
       </p:pic>
     </p:spTree>
@@ -26129,6 +26972,15 @@
             <a:off x="2743200" y="2957243"/>
             <a:ext cx="8229600" cy="1703926"/>
           </a:xfrm>
+          <a:prstGeom prst="rect">
+            <a:avLst/>
+          </a:prstGeom>
+          <a:ln>
+            <a:noFill/>
+          </a:ln>
+          <a:effectLst>
+            <a:softEdge rad="112500"/>
+          </a:effectLst>
         </p:spPr>
       </p:pic>
     </p:spTree>
@@ -26423,426 +27275,122 @@
           <a:lstStyle/>
           <a:p>
             <a:r>
-              <a:rPr lang="en-IN" dirty="0">
+              <a:rPr lang="en-IN" dirty="0"/>
+              <a:t>Literature Survey</a:t>
+            </a:r>
+          </a:p>
+        </p:txBody>
+      </p:sp>
+      <p:sp>
+        <p:nvSpPr>
+          <p:cNvPr id="7" name="Content Placeholder 6">
+            <a:extLst>
+              <a:ext uri="{FF2B5EF4-FFF2-40B4-BE49-F238E27FC236}">
+                <a16:creationId xmlns:a16="http://schemas.microsoft.com/office/drawing/2014/main" id="{9BC6AE6B-596A-2CC5-4CFB-2151B4FAC48D}"/>
+              </a:ext>
+            </a:extLst>
+          </p:cNvPr>
+          <p:cNvSpPr>
+            <a:spLocks noGrp="1"/>
+          </p:cNvSpPr>
+          <p:nvPr>
+            <p:ph idx="1"/>
+          </p:nvPr>
+        </p:nvSpPr>
+        <p:spPr>
+          <a:xfrm>
+            <a:off x="2743200" y="1825625"/>
+            <a:ext cx="8610600" cy="4351338"/>
+          </a:xfrm>
+        </p:spPr>
+        <p:txBody>
+          <a:bodyPr>
+            <a:normAutofit/>
+          </a:bodyPr>
+          <a:lstStyle/>
+          <a:p>
+            <a:r>
+              <a:rPr lang="en-US" sz="1600" dirty="0">
                 <a:latin typeface="Times New Roman" panose="02020603050405020304" pitchFamily="18" charset="0"/>
                 <a:cs typeface="Times New Roman" panose="02020603050405020304" pitchFamily="18" charset="0"/>
               </a:rPr>
-              <a:t>Problem statement and Objectives</a:t>
-            </a:r>
-          </a:p>
-        </p:txBody>
-      </p:sp>
-      <p:sp>
-        <p:nvSpPr>
-          <p:cNvPr id="2" name="Content Placeholder 1">
-            <a:extLst>
-              <a:ext uri="{FF2B5EF4-FFF2-40B4-BE49-F238E27FC236}">
-                <a16:creationId xmlns:a16="http://schemas.microsoft.com/office/drawing/2014/main" id="{2DCC8543-BDA0-B04E-085A-FF53A89F9B0C}"/>
-              </a:ext>
-            </a:extLst>
-          </p:cNvPr>
-          <p:cNvSpPr>
-            <a:spLocks noGrp="1" noChangeArrowheads="1"/>
-          </p:cNvSpPr>
-          <p:nvPr>
-            <p:ph idx="1"/>
-          </p:nvPr>
-        </p:nvSpPr>
-        <p:spPr bwMode="auto">
-          <a:xfrm>
-            <a:off x="2743199" y="1900991"/>
-            <a:ext cx="8456307" cy="3816429"/>
-          </a:xfrm>
-          <a:prstGeom prst="rect">
-            <a:avLst/>
-          </a:prstGeom>
-          <a:noFill/>
-          <a:ln>
-            <a:noFill/>
-          </a:ln>
-          <a:effectLst/>
-          <a:extLst>
-            <a:ext uri="{909E8E84-426E-40DD-AFC4-6F175D3DCCD1}">
-              <a14:hiddenFill xmlns:a14="http://schemas.microsoft.com/office/drawing/2010/main">
-                <a:solidFill>
-                  <a:schemeClr val="accent1"/>
-                </a:solidFill>
-              </a14:hiddenFill>
-            </a:ext>
-            <a:ext uri="{91240B29-F687-4F45-9708-019B960494DF}">
-              <a14:hiddenLine xmlns:a14="http://schemas.microsoft.com/office/drawing/2010/main" w="9525">
-                <a:solidFill>
-                  <a:schemeClr val="tx1"/>
-                </a:solidFill>
-                <a:miter lim="800000"/>
-                <a:headEnd/>
-                <a:tailEnd/>
-              </a14:hiddenLine>
-            </a:ext>
-            <a:ext uri="{AF507438-7753-43E0-B8FC-AC1667EBCBE1}">
-              <a14:hiddenEffects xmlns:a14="http://schemas.microsoft.com/office/drawing/2010/main">
-                <a:effectLst>
-                  <a:outerShdw dist="35921" dir="2700000" algn="ctr" rotWithShape="0">
-                    <a:schemeClr val="bg2"/>
-                  </a:outerShdw>
-                </a:effectLst>
-              </a14:hiddenEffects>
-            </a:ext>
-          </a:extLst>
-        </p:spPr>
-        <p:txBody>
-          <a:bodyPr vert="horz" wrap="square" lIns="91440" tIns="45720" rIns="91440" bIns="45720" numCol="1" anchor="ctr" anchorCtr="0" compatLnSpc="1">
-            <a:prstTxWarp prst="textNoShape">
-              <a:avLst/>
-            </a:prstTxWarp>
-            <a:spAutoFit/>
-          </a:bodyPr>
-          <a:lstStyle/>
-          <a:p>
-            <a:pPr marL="0" marR="0" lvl="0" indent="0" algn="l" defTabSz="914400" rtl="0" eaLnBrk="0" fontAlgn="base" latinLnBrk="0" hangingPunct="0">
-              <a:lnSpc>
-                <a:spcPct val="200000"/>
-              </a:lnSpc>
-              <a:spcBef>
-                <a:spcPct val="0"/>
-              </a:spcBef>
-              <a:spcAft>
-                <a:spcPct val="0"/>
-              </a:spcAft>
-              <a:buClrTx/>
-              <a:buSzTx/>
-              <a:buFontTx/>
-              <a:buChar char="•"/>
-              <a:tabLst/>
-            </a:pPr>
-            <a:r>
-              <a:rPr kumimoji="0" lang="en-US" altLang="en-US" sz="1600" b="1" i="0" u="none" strike="noStrike" cap="none" normalizeH="0" baseline="0" dirty="0">
-                <a:ln>
-                  <a:noFill/>
-                </a:ln>
-                <a:solidFill>
-                  <a:schemeClr val="tx1"/>
-                </a:solidFill>
-                <a:effectLst/>
+              <a:t>Finding IEEE </a:t>
+            </a:r>
+            <a:r>
+              <a:rPr lang="en-US" sz="1600" dirty="0" err="1">
                 <a:latin typeface="Times New Roman" panose="02020603050405020304" pitchFamily="18" charset="0"/>
                 <a:cs typeface="Times New Roman" panose="02020603050405020304" pitchFamily="18" charset="0"/>
               </a:rPr>
-              <a:t>Problem Statement</a:t>
-            </a:r>
-            <a:r>
-              <a:rPr kumimoji="0" lang="en-US" altLang="en-US" sz="1600" b="0" i="0" u="none" strike="noStrike" cap="none" normalizeH="0" baseline="0" dirty="0">
-                <a:ln>
-                  <a:noFill/>
-                </a:ln>
-                <a:solidFill>
-                  <a:schemeClr val="tx1"/>
-                </a:solidFill>
-                <a:effectLst/>
+              <a:t>PapersAccess</a:t>
+            </a:r>
+            <a:r>
+              <a:rPr lang="en-US" sz="1600" dirty="0">
                 <a:latin typeface="Times New Roman" panose="02020603050405020304" pitchFamily="18" charset="0"/>
                 <a:cs typeface="Times New Roman" panose="02020603050405020304" pitchFamily="18" charset="0"/>
               </a:rPr>
-              <a:t>: </a:t>
-            </a:r>
-          </a:p>
-          <a:p>
-            <a:pPr marL="0" marR="0" lvl="0" indent="0" algn="l" defTabSz="914400" rtl="0" eaLnBrk="0" fontAlgn="base" latinLnBrk="0" hangingPunct="0">
-              <a:lnSpc>
-                <a:spcPct val="200000"/>
-              </a:lnSpc>
-              <a:spcBef>
-                <a:spcPct val="0"/>
-              </a:spcBef>
-              <a:spcAft>
-                <a:spcPct val="0"/>
-              </a:spcAft>
-              <a:buClrTx/>
-              <a:buSzTx/>
-              <a:buFontTx/>
-              <a:buChar char="•"/>
-              <a:tabLst/>
+              <a:t> IEEE Xplore: </a:t>
+            </a:r>
+          </a:p>
+          <a:p>
+            <a:pPr marL="0" indent="0">
+              <a:buNone/>
             </a:pPr>
-            <a:r>
-              <a:rPr kumimoji="0" lang="en-US" altLang="en-US" sz="1600" b="0" i="0" u="none" strike="noStrike" cap="none" normalizeH="0" baseline="0" dirty="0">
-                <a:ln>
-                  <a:noFill/>
-                </a:ln>
-                <a:solidFill>
-                  <a:schemeClr val="tx1"/>
-                </a:solidFill>
-                <a:effectLst/>
+            <a:endParaRPr lang="en-US" sz="1600" dirty="0">
+              <a:latin typeface="Times New Roman" panose="02020603050405020304" pitchFamily="18" charset="0"/>
+              <a:cs typeface="Times New Roman" panose="02020603050405020304" pitchFamily="18" charset="0"/>
+            </a:endParaRPr>
+          </a:p>
+          <a:p>
+            <a:r>
+              <a:rPr lang="en-US" sz="1600" dirty="0">
                 <a:latin typeface="Times New Roman" panose="02020603050405020304" pitchFamily="18" charset="0"/>
                 <a:cs typeface="Times New Roman" panose="02020603050405020304" pitchFamily="18" charset="0"/>
               </a:rPr>
-              <a:t>With the increase in remote work and virtual communication, there is a need for a reliable, secure, and easy-to-use video conferencing platform that supports large-scale meetings and events.</a:t>
-            </a:r>
-          </a:p>
-          <a:p>
-            <a:pPr marL="0" marR="0" lvl="0" indent="0" algn="l" defTabSz="914400" rtl="0" eaLnBrk="0" fontAlgn="base" latinLnBrk="0" hangingPunct="0">
-              <a:lnSpc>
-                <a:spcPct val="200000"/>
-              </a:lnSpc>
-              <a:spcBef>
-                <a:spcPct val="0"/>
-              </a:spcBef>
-              <a:spcAft>
-                <a:spcPct val="0"/>
-              </a:spcAft>
-              <a:buClrTx/>
-              <a:buSzTx/>
-              <a:buFontTx/>
-              <a:buChar char="•"/>
-              <a:tabLst/>
+              <a:t>Visit the [IEEE Xplore] website and use the search function to find papers.</a:t>
+            </a:r>
+          </a:p>
+          <a:p>
+            <a:pPr marL="0" indent="0">
+              <a:buNone/>
             </a:pPr>
-            <a:r>
-              <a:rPr kumimoji="0" lang="en-US" altLang="en-US" sz="1600" b="1" i="0" u="none" strike="noStrike" cap="none" normalizeH="0" baseline="0" dirty="0">
-                <a:ln>
-                  <a:noFill/>
-                </a:ln>
-                <a:solidFill>
-                  <a:schemeClr val="tx1"/>
-                </a:solidFill>
-                <a:effectLst/>
+            <a:endParaRPr lang="en-US" sz="1600" dirty="0">
+              <a:latin typeface="Times New Roman" panose="02020603050405020304" pitchFamily="18" charset="0"/>
+              <a:cs typeface="Times New Roman" panose="02020603050405020304" pitchFamily="18" charset="0"/>
+            </a:endParaRPr>
+          </a:p>
+          <a:p>
+            <a:r>
+              <a:rPr lang="en-US" sz="1600" dirty="0">
                 <a:latin typeface="Times New Roman" panose="02020603050405020304" pitchFamily="18" charset="0"/>
                 <a:cs typeface="Times New Roman" panose="02020603050405020304" pitchFamily="18" charset="0"/>
               </a:rPr>
-              <a:t>Objectives</a:t>
-            </a:r>
-            <a:r>
-              <a:rPr kumimoji="0" lang="en-US" altLang="en-US" sz="1600" b="0" i="0" u="none" strike="noStrike" cap="none" normalizeH="0" baseline="0" dirty="0">
-                <a:ln>
-                  <a:noFill/>
-                </a:ln>
-                <a:solidFill>
-                  <a:schemeClr val="tx1"/>
-                </a:solidFill>
-                <a:effectLst/>
+              <a:t>Use Advanced Search: Utilize advanced search options to filter results by year (2021) and relevant keywords.</a:t>
+            </a:r>
+          </a:p>
+          <a:p>
+            <a:pPr marL="0" indent="0">
+              <a:buNone/>
+            </a:pPr>
+            <a:endParaRPr lang="en-US" sz="1600" dirty="0">
+              <a:latin typeface="Times New Roman" panose="02020603050405020304" pitchFamily="18" charset="0"/>
+              <a:cs typeface="Times New Roman" panose="02020603050405020304" pitchFamily="18" charset="0"/>
+            </a:endParaRPr>
+          </a:p>
+          <a:p>
+            <a:r>
+              <a:rPr lang="en-US" sz="1600" dirty="0">
                 <a:latin typeface="Times New Roman" panose="02020603050405020304" pitchFamily="18" charset="0"/>
                 <a:cs typeface="Times New Roman" panose="02020603050405020304" pitchFamily="18" charset="0"/>
               </a:rPr>
-              <a:t>:</a:t>
-            </a:r>
-          </a:p>
-          <a:p>
-            <a:pPr marL="0" marR="0" lvl="0" indent="0" algn="l" defTabSz="914400" rtl="0" eaLnBrk="0" fontAlgn="base" latinLnBrk="0" hangingPunct="0">
-              <a:lnSpc>
-                <a:spcPct val="200000"/>
-              </a:lnSpc>
-              <a:spcBef>
-                <a:spcPct val="0"/>
-              </a:spcBef>
-              <a:spcAft>
-                <a:spcPct val="0"/>
-              </a:spcAft>
-              <a:buClrTx/>
-              <a:buSzTx/>
-              <a:buFontTx/>
-              <a:buChar char="•"/>
-              <a:tabLst/>
-            </a:pPr>
-            <a:r>
-              <a:rPr kumimoji="0" lang="en-US" altLang="en-US" sz="1600" b="0" i="0" u="none" strike="noStrike" cap="none" normalizeH="0" baseline="0" dirty="0">
-                <a:ln>
-                  <a:noFill/>
-                </a:ln>
-                <a:solidFill>
-                  <a:schemeClr val="tx1"/>
-                </a:solidFill>
-                <a:effectLst/>
-                <a:latin typeface="Times New Roman" panose="02020603050405020304" pitchFamily="18" charset="0"/>
-                <a:cs typeface="Times New Roman" panose="02020603050405020304" pitchFamily="18" charset="0"/>
-              </a:rPr>
-              <a:t>To analyze how </a:t>
-            </a:r>
-            <a:r>
-              <a:rPr lang="en-US" altLang="en-US" sz="1600" dirty="0" err="1">
-                <a:latin typeface="Times New Roman" panose="02020603050405020304" pitchFamily="18" charset="0"/>
-                <a:cs typeface="Times New Roman" panose="02020603050405020304" pitchFamily="18" charset="0"/>
-              </a:rPr>
-              <a:t>Callify</a:t>
-            </a:r>
-            <a:r>
-              <a:rPr kumimoji="0" lang="en-US" altLang="en-US" sz="1600" b="0" i="0" u="none" strike="noStrike" cap="none" normalizeH="0" baseline="0" dirty="0">
-                <a:ln>
-                  <a:noFill/>
-                </a:ln>
-                <a:solidFill>
-                  <a:schemeClr val="tx1"/>
-                </a:solidFill>
-                <a:effectLst/>
-                <a:latin typeface="Times New Roman" panose="02020603050405020304" pitchFamily="18" charset="0"/>
-                <a:cs typeface="Times New Roman" panose="02020603050405020304" pitchFamily="18" charset="0"/>
-              </a:rPr>
-              <a:t> meets the growing demand for remote communication.</a:t>
-            </a:r>
-          </a:p>
-          <a:p>
-            <a:pPr marL="0" marR="0" lvl="0" indent="0" algn="l" defTabSz="914400" rtl="0" eaLnBrk="0" fontAlgn="base" latinLnBrk="0" hangingPunct="0">
-              <a:lnSpc>
-                <a:spcPct val="200000"/>
-              </a:lnSpc>
-              <a:spcBef>
-                <a:spcPct val="0"/>
-              </a:spcBef>
-              <a:spcAft>
-                <a:spcPct val="0"/>
-              </a:spcAft>
-              <a:buClrTx/>
-              <a:buSzTx/>
-              <a:buFontTx/>
-              <a:buChar char="•"/>
-              <a:tabLst/>
-            </a:pPr>
-            <a:r>
-              <a:rPr kumimoji="0" lang="en-US" altLang="en-US" sz="1600" b="0" i="0" u="none" strike="noStrike" cap="none" normalizeH="0" baseline="0" dirty="0">
-                <a:ln>
-                  <a:noFill/>
-                </a:ln>
-                <a:solidFill>
-                  <a:schemeClr val="tx1"/>
-                </a:solidFill>
-                <a:effectLst/>
-                <a:latin typeface="Times New Roman" panose="02020603050405020304" pitchFamily="18" charset="0"/>
-                <a:cs typeface="Times New Roman" panose="02020603050405020304" pitchFamily="18" charset="0"/>
-              </a:rPr>
-              <a:t>To assess </a:t>
-            </a:r>
-            <a:r>
-              <a:rPr lang="en-US" altLang="en-US" sz="1600" dirty="0" err="1">
-                <a:latin typeface="Times New Roman" panose="02020603050405020304" pitchFamily="18" charset="0"/>
-                <a:cs typeface="Times New Roman" panose="02020603050405020304" pitchFamily="18" charset="0"/>
-              </a:rPr>
-              <a:t>Callify</a:t>
-            </a:r>
-            <a:r>
-              <a:rPr kumimoji="0" lang="en-US" altLang="en-US" sz="1600" b="0" i="0" u="none" strike="noStrike" cap="none" normalizeH="0" baseline="0" dirty="0" err="1">
-                <a:ln>
-                  <a:noFill/>
-                </a:ln>
-                <a:solidFill>
-                  <a:schemeClr val="tx1"/>
-                </a:solidFill>
-                <a:effectLst/>
-                <a:latin typeface="Times New Roman" panose="02020603050405020304" pitchFamily="18" charset="0"/>
-                <a:cs typeface="Times New Roman" panose="02020603050405020304" pitchFamily="18" charset="0"/>
-              </a:rPr>
-              <a:t>'s</a:t>
-            </a:r>
-            <a:r>
-              <a:rPr kumimoji="0" lang="en-US" altLang="en-US" sz="1600" b="0" i="0" u="none" strike="noStrike" cap="none" normalizeH="0" baseline="0" dirty="0">
-                <a:ln>
-                  <a:noFill/>
-                </a:ln>
-                <a:solidFill>
-                  <a:schemeClr val="tx1"/>
-                </a:solidFill>
-                <a:effectLst/>
-                <a:latin typeface="Times New Roman" panose="02020603050405020304" pitchFamily="18" charset="0"/>
-                <a:cs typeface="Times New Roman" panose="02020603050405020304" pitchFamily="18" charset="0"/>
-              </a:rPr>
-              <a:t> ability to handle large-scale meetings with ease and security.</a:t>
-            </a:r>
-          </a:p>
-          <a:p>
-            <a:pPr marL="0" marR="0" lvl="0" indent="0" algn="l" defTabSz="914400" rtl="0" eaLnBrk="0" fontAlgn="base" latinLnBrk="0" hangingPunct="0">
-              <a:lnSpc>
-                <a:spcPct val="200000"/>
-              </a:lnSpc>
-              <a:spcBef>
-                <a:spcPct val="0"/>
-              </a:spcBef>
-              <a:spcAft>
-                <a:spcPct val="0"/>
-              </a:spcAft>
-              <a:buClrTx/>
-              <a:buSzTx/>
-              <a:buFontTx/>
-              <a:buChar char="•"/>
-              <a:tabLst/>
-            </a:pPr>
-            <a:r>
-              <a:rPr kumimoji="0" lang="en-US" altLang="en-US" sz="1600" b="0" i="0" u="none" strike="noStrike" cap="none" normalizeH="0" baseline="0" dirty="0">
-                <a:ln>
-                  <a:noFill/>
-                </a:ln>
-                <a:solidFill>
-                  <a:schemeClr val="tx1"/>
-                </a:solidFill>
-                <a:effectLst/>
-                <a:latin typeface="Times New Roman" panose="02020603050405020304" pitchFamily="18" charset="0"/>
-                <a:cs typeface="Times New Roman" panose="02020603050405020304" pitchFamily="18" charset="0"/>
-              </a:rPr>
-              <a:t>To explore </a:t>
-            </a:r>
-            <a:r>
-              <a:rPr lang="en-US" altLang="en-US" sz="1600" dirty="0" err="1">
-                <a:latin typeface="Times New Roman" panose="02020603050405020304" pitchFamily="18" charset="0"/>
-                <a:cs typeface="Times New Roman" panose="02020603050405020304" pitchFamily="18" charset="0"/>
-              </a:rPr>
-              <a:t>Callify</a:t>
-            </a:r>
-            <a:r>
-              <a:rPr kumimoji="0" lang="en-US" altLang="en-US" sz="1600" b="0" i="0" u="none" strike="noStrike" cap="none" normalizeH="0" baseline="0" dirty="0" err="1">
-                <a:ln>
-                  <a:noFill/>
-                </a:ln>
-                <a:solidFill>
-                  <a:schemeClr val="tx1"/>
-                </a:solidFill>
-                <a:effectLst/>
-                <a:latin typeface="Times New Roman" panose="02020603050405020304" pitchFamily="18" charset="0"/>
-                <a:cs typeface="Times New Roman" panose="02020603050405020304" pitchFamily="18" charset="0"/>
-              </a:rPr>
-              <a:t>'s</a:t>
-            </a:r>
-            <a:r>
-              <a:rPr kumimoji="0" lang="en-US" altLang="en-US" sz="1600" b="0" i="0" u="none" strike="noStrike" cap="none" normalizeH="0" baseline="0" dirty="0">
-                <a:ln>
-                  <a:noFill/>
-                </a:ln>
-                <a:solidFill>
-                  <a:schemeClr val="tx1"/>
-                </a:solidFill>
-                <a:effectLst/>
-                <a:latin typeface="Times New Roman" panose="02020603050405020304" pitchFamily="18" charset="0"/>
-                <a:cs typeface="Times New Roman" panose="02020603050405020304" pitchFamily="18" charset="0"/>
-              </a:rPr>
-              <a:t> impact on work culture and communication efficiency.</a:t>
-            </a:r>
-          </a:p>
-          <a:p>
-            <a:pPr marL="0" marR="0" lvl="0" indent="0" algn="l" defTabSz="914400" rtl="0" eaLnBrk="0" fontAlgn="base" latinLnBrk="0" hangingPunct="0">
-              <a:lnSpc>
-                <a:spcPct val="100000"/>
-              </a:lnSpc>
-              <a:spcBef>
-                <a:spcPct val="0"/>
-              </a:spcBef>
-              <a:spcAft>
-                <a:spcPct val="0"/>
-              </a:spcAft>
-              <a:buClrTx/>
-              <a:buSzTx/>
-              <a:buFontTx/>
-              <a:buNone/>
-              <a:tabLst/>
-            </a:pPr>
-            <a:endParaRPr kumimoji="0" lang="en-US" altLang="en-US" sz="1800" b="0" i="0" u="none" strike="noStrike" cap="none" normalizeH="0" baseline="0" dirty="0">
-              <a:ln>
-                <a:noFill/>
-              </a:ln>
-              <a:solidFill>
-                <a:schemeClr val="tx1"/>
-              </a:solidFill>
-              <a:effectLst/>
-              <a:latin typeface="Arial" panose="020B0604020202020204" pitchFamily="34" charset="0"/>
-            </a:endParaRPr>
+              <a:t>Review Abstracts: Read abstracts to determine the relevance of each paper to your survey.</a:t>
+            </a:r>
           </a:p>
         </p:txBody>
       </p:sp>
     </p:spTree>
     <p:extLst>
       <p:ext uri="{BB962C8B-B14F-4D97-AF65-F5344CB8AC3E}">
-        <p14:creationId xmlns:p14="http://schemas.microsoft.com/office/powerpoint/2010/main" val="1259670758"/>
+        <p14:creationId xmlns:p14="http://schemas.microsoft.com/office/powerpoint/2010/main" val="3904852954"/>
       </p:ext>
     </p:extLst>
   </p:cSld>
@@ -27135,7 +27683,7 @@
                 <a:latin typeface="Times New Roman" panose="02020603050405020304" pitchFamily="18" charset="0"/>
                 <a:cs typeface="Times New Roman" panose="02020603050405020304" pitchFamily="18" charset="0"/>
               </a:rPr>
-              <a:t>Proposed Methodology</a:t>
+              <a:t>Problem statement and Objectives</a:t>
             </a:r>
           </a:p>
         </p:txBody>
@@ -27158,8 +27706,8 @@
         </p:nvSpPr>
         <p:spPr bwMode="auto">
           <a:xfrm>
-            <a:off x="2743199" y="1644511"/>
-            <a:ext cx="8456307" cy="4329390"/>
+            <a:off x="2743199" y="1900991"/>
+            <a:ext cx="8456307" cy="3816429"/>
           </a:xfrm>
           <a:prstGeom prst="rect">
             <a:avLst/>
@@ -27207,22 +27755,123 @@
           </a:bodyPr>
           <a:lstStyle/>
           <a:p>
-            <a:pPr>
+            <a:pPr marL="0" marR="0" lvl="0" indent="0" algn="l" defTabSz="914400" rtl="0" eaLnBrk="0" fontAlgn="base" latinLnBrk="0" hangingPunct="0">
               <a:lnSpc>
                 <a:spcPct val="200000"/>
               </a:lnSpc>
-              <a:buFont typeface="Arial" panose="020B0604020202020204" pitchFamily="34" charset="0"/>
+              <a:spcBef>
+                <a:spcPct val="0"/>
+              </a:spcBef>
+              <a:spcAft>
+                <a:spcPct val="0"/>
+              </a:spcAft>
+              <a:buClrTx/>
+              <a:buSzTx/>
+              <a:buFontTx/>
               <a:buChar char="•"/>
+              <a:tabLst/>
             </a:pPr>
             <a:r>
-              <a:rPr lang="en-US" sz="1600" b="1" dirty="0">
+              <a:rPr kumimoji="0" lang="en-US" altLang="en-US" sz="1600" b="1" i="0" u="none" strike="noStrike" cap="none" normalizeH="0" baseline="0" dirty="0">
+                <a:ln>
+                  <a:noFill/>
+                </a:ln>
+                <a:solidFill>
+                  <a:schemeClr val="tx1"/>
+                </a:solidFill>
+                <a:effectLst/>
                 <a:latin typeface="Times New Roman" panose="02020603050405020304" pitchFamily="18" charset="0"/>
                 <a:cs typeface="Times New Roman" panose="02020603050405020304" pitchFamily="18" charset="0"/>
               </a:rPr>
-              <a:t>Proposed Approach</a:t>
-            </a:r>
-            <a:r>
-              <a:rPr lang="en-US" sz="1600" dirty="0">
+              <a:t>Problem Statement</a:t>
+            </a:r>
+            <a:r>
+              <a:rPr kumimoji="0" lang="en-US" altLang="en-US" sz="1600" b="0" i="0" u="none" strike="noStrike" cap="none" normalizeH="0" baseline="0" dirty="0">
+                <a:ln>
+                  <a:noFill/>
+                </a:ln>
+                <a:solidFill>
+                  <a:schemeClr val="tx1"/>
+                </a:solidFill>
+                <a:effectLst/>
+                <a:latin typeface="Times New Roman" panose="02020603050405020304" pitchFamily="18" charset="0"/>
+                <a:cs typeface="Times New Roman" panose="02020603050405020304" pitchFamily="18" charset="0"/>
+              </a:rPr>
+              <a:t>: </a:t>
+            </a:r>
+          </a:p>
+          <a:p>
+            <a:pPr marL="0" marR="0" lvl="0" indent="0" algn="l" defTabSz="914400" rtl="0" eaLnBrk="0" fontAlgn="base" latinLnBrk="0" hangingPunct="0">
+              <a:lnSpc>
+                <a:spcPct val="200000"/>
+              </a:lnSpc>
+              <a:spcBef>
+                <a:spcPct val="0"/>
+              </a:spcBef>
+              <a:spcAft>
+                <a:spcPct val="0"/>
+              </a:spcAft>
+              <a:buClrTx/>
+              <a:buSzTx/>
+              <a:buFontTx/>
+              <a:buChar char="•"/>
+              <a:tabLst/>
+            </a:pPr>
+            <a:r>
+              <a:rPr kumimoji="0" lang="en-US" altLang="en-US" sz="1600" b="0" i="0" u="none" strike="noStrike" cap="none" normalizeH="0" baseline="0" dirty="0">
+                <a:ln>
+                  <a:noFill/>
+                </a:ln>
+                <a:solidFill>
+                  <a:schemeClr val="tx1"/>
+                </a:solidFill>
+                <a:effectLst/>
+                <a:latin typeface="Times New Roman" panose="02020603050405020304" pitchFamily="18" charset="0"/>
+                <a:cs typeface="Times New Roman" panose="02020603050405020304" pitchFamily="18" charset="0"/>
+              </a:rPr>
+              <a:t>With the increase in remote work and virtual communication, there is a need for a reliable, secure, and easy-to-use video conferencing platform that supports large-scale meetings and events.</a:t>
+            </a:r>
+          </a:p>
+          <a:p>
+            <a:pPr marL="0" marR="0" lvl="0" indent="0" algn="l" defTabSz="914400" rtl="0" eaLnBrk="0" fontAlgn="base" latinLnBrk="0" hangingPunct="0">
+              <a:lnSpc>
+                <a:spcPct val="200000"/>
+              </a:lnSpc>
+              <a:spcBef>
+                <a:spcPct val="0"/>
+              </a:spcBef>
+              <a:spcAft>
+                <a:spcPct val="0"/>
+              </a:spcAft>
+              <a:buClrTx/>
+              <a:buSzTx/>
+              <a:buFontTx/>
+              <a:buChar char="•"/>
+              <a:tabLst/>
+            </a:pPr>
+            <a:r>
+              <a:rPr kumimoji="0" lang="en-US" altLang="en-US" sz="1600" b="1" i="0" u="none" strike="noStrike" cap="none" normalizeH="0" baseline="0" dirty="0">
+                <a:ln>
+                  <a:noFill/>
+                </a:ln>
+                <a:solidFill>
+                  <a:schemeClr val="tx1"/>
+                </a:solidFill>
+                <a:effectLst/>
+                <a:latin typeface="Times New Roman" panose="02020603050405020304" pitchFamily="18" charset="0"/>
+                <a:cs typeface="Times New Roman" panose="02020603050405020304" pitchFamily="18" charset="0"/>
+              </a:rPr>
+              <a:t>Objectives</a:t>
+            </a:r>
+            <a:r>
+              <a:rPr kumimoji="0" lang="en-US" altLang="en-US" sz="1600" b="0" i="0" u="none" strike="noStrike" cap="none" normalizeH="0" baseline="0" dirty="0">
+                <a:ln>
+                  <a:noFill/>
+                </a:ln>
+                <a:solidFill>
+                  <a:schemeClr val="tx1"/>
+                </a:solidFill>
+                <a:effectLst/>
                 <a:latin typeface="Times New Roman" panose="02020603050405020304" pitchFamily="18" charset="0"/>
                 <a:cs typeface="Times New Roman" panose="02020603050405020304" pitchFamily="18" charset="0"/>
               </a:rPr>
@@ -27230,123 +27879,190 @@
             </a:r>
           </a:p>
           <a:p>
-            <a:pPr>
+            <a:pPr marL="0" marR="0" lvl="0" indent="0" algn="l" defTabSz="914400" rtl="0" eaLnBrk="0" fontAlgn="base" latinLnBrk="0" hangingPunct="0">
               <a:lnSpc>
                 <a:spcPct val="200000"/>
               </a:lnSpc>
-              <a:buFont typeface="Arial" panose="020B0604020202020204" pitchFamily="34" charset="0"/>
+              <a:spcBef>
+                <a:spcPct val="0"/>
+              </a:spcBef>
+              <a:spcAft>
+                <a:spcPct val="0"/>
+              </a:spcAft>
+              <a:buClrTx/>
+              <a:buSzTx/>
+              <a:buFontTx/>
               <a:buChar char="•"/>
+              <a:tabLst/>
             </a:pPr>
             <a:r>
-              <a:rPr lang="en-US" sz="1600" dirty="0">
+              <a:rPr kumimoji="0" lang="en-US" altLang="en-US" sz="1600" b="0" i="0" u="none" strike="noStrike" cap="none" normalizeH="0" baseline="0" dirty="0">
+                <a:ln>
+                  <a:noFill/>
+                </a:ln>
+                <a:solidFill>
+                  <a:schemeClr val="tx1"/>
+                </a:solidFill>
+                <a:effectLst/>
                 <a:latin typeface="Times New Roman" panose="02020603050405020304" pitchFamily="18" charset="0"/>
                 <a:cs typeface="Times New Roman" panose="02020603050405020304" pitchFamily="18" charset="0"/>
               </a:rPr>
-              <a:t>Research and review existing literature on video conferencing tools, with a focus on </a:t>
-            </a:r>
-            <a:r>
-              <a:rPr lang="en-US" sz="1600" dirty="0" err="1">
+              <a:t>To analyze how </a:t>
+            </a:r>
+            <a:r>
+              <a:rPr lang="en-US" altLang="en-US" sz="1600" dirty="0" err="1">
                 <a:latin typeface="Times New Roman" panose="02020603050405020304" pitchFamily="18" charset="0"/>
                 <a:cs typeface="Times New Roman" panose="02020603050405020304" pitchFamily="18" charset="0"/>
               </a:rPr>
               <a:t>Callify</a:t>
             </a:r>
             <a:r>
-              <a:rPr lang="en-US" sz="1600" dirty="0">
+              <a:rPr kumimoji="0" lang="en-US" altLang="en-US" sz="1600" b="0" i="0" u="none" strike="noStrike" cap="none" normalizeH="0" baseline="0" dirty="0">
+                <a:ln>
+                  <a:noFill/>
+                </a:ln>
+                <a:solidFill>
+                  <a:schemeClr val="tx1"/>
+                </a:solidFill>
+                <a:effectLst/>
                 <a:latin typeface="Times New Roman" panose="02020603050405020304" pitchFamily="18" charset="0"/>
                 <a:cs typeface="Times New Roman" panose="02020603050405020304" pitchFamily="18" charset="0"/>
               </a:rPr>
-              <a:t>.</a:t>
-            </a:r>
-          </a:p>
-          <a:p>
-            <a:pPr>
+              <a:t> meets the growing demand for remote communication.</a:t>
+            </a:r>
+          </a:p>
+          <a:p>
+            <a:pPr marL="0" marR="0" lvl="0" indent="0" algn="l" defTabSz="914400" rtl="0" eaLnBrk="0" fontAlgn="base" latinLnBrk="0" hangingPunct="0">
               <a:lnSpc>
                 <a:spcPct val="200000"/>
               </a:lnSpc>
-              <a:buFont typeface="Arial" panose="020B0604020202020204" pitchFamily="34" charset="0"/>
+              <a:spcBef>
+                <a:spcPct val="0"/>
+              </a:spcBef>
+              <a:spcAft>
+                <a:spcPct val="0"/>
+              </a:spcAft>
+              <a:buClrTx/>
+              <a:buSzTx/>
+              <a:buFontTx/>
               <a:buChar char="•"/>
+              <a:tabLst/>
             </a:pPr>
             <a:r>
-              <a:rPr lang="en-US" sz="1600" dirty="0">
+              <a:rPr kumimoji="0" lang="en-US" altLang="en-US" sz="1600" b="0" i="0" u="none" strike="noStrike" cap="none" normalizeH="0" baseline="0" dirty="0">
+                <a:ln>
+                  <a:noFill/>
+                </a:ln>
+                <a:solidFill>
+                  <a:schemeClr val="tx1"/>
+                </a:solidFill>
+                <a:effectLst/>
                 <a:latin typeface="Times New Roman" panose="02020603050405020304" pitchFamily="18" charset="0"/>
                 <a:cs typeface="Times New Roman" panose="02020603050405020304" pitchFamily="18" charset="0"/>
               </a:rPr>
-              <a:t>Conduct a comparative analysis of </a:t>
-            </a:r>
-            <a:r>
-              <a:rPr lang="en-US" sz="1600" dirty="0" err="1">
+              <a:t>To assess </a:t>
+            </a:r>
+            <a:r>
+              <a:rPr lang="en-US" altLang="en-US" sz="1600" dirty="0" err="1">
                 <a:latin typeface="Times New Roman" panose="02020603050405020304" pitchFamily="18" charset="0"/>
                 <a:cs typeface="Times New Roman" panose="02020603050405020304" pitchFamily="18" charset="0"/>
               </a:rPr>
               <a:t>Callify</a:t>
             </a:r>
             <a:r>
-              <a:rPr lang="en-US" sz="1600" dirty="0">
+              <a:rPr kumimoji="0" lang="en-US" altLang="en-US" sz="1600" b="0" i="0" u="none" strike="noStrike" cap="none" normalizeH="0" baseline="0" dirty="0" err="1">
+                <a:ln>
+                  <a:noFill/>
+                </a:ln>
+                <a:solidFill>
+                  <a:schemeClr val="tx1"/>
+                </a:solidFill>
+                <a:effectLst/>
                 <a:latin typeface="Times New Roman" panose="02020603050405020304" pitchFamily="18" charset="0"/>
                 <a:cs typeface="Times New Roman" panose="02020603050405020304" pitchFamily="18" charset="0"/>
               </a:rPr>
-              <a:t> with other platforms based on user experience, features, and security.</a:t>
-            </a:r>
-          </a:p>
-          <a:p>
-            <a:pPr>
+              <a:t>'s</a:t>
+            </a:r>
+            <a:r>
+              <a:rPr kumimoji="0" lang="en-US" altLang="en-US" sz="1600" b="0" i="0" u="none" strike="noStrike" cap="none" normalizeH="0" baseline="0" dirty="0">
+                <a:ln>
+                  <a:noFill/>
+                </a:ln>
+                <a:solidFill>
+                  <a:schemeClr val="tx1"/>
+                </a:solidFill>
+                <a:effectLst/>
+                <a:latin typeface="Times New Roman" panose="02020603050405020304" pitchFamily="18" charset="0"/>
+                <a:cs typeface="Times New Roman" panose="02020603050405020304" pitchFamily="18" charset="0"/>
+              </a:rPr>
+              <a:t> ability to handle large-scale meetings with ease and security.</a:t>
+            </a:r>
+          </a:p>
+          <a:p>
+            <a:pPr marL="0" marR="0" lvl="0" indent="0" algn="l" defTabSz="914400" rtl="0" eaLnBrk="0" fontAlgn="base" latinLnBrk="0" hangingPunct="0">
               <a:lnSpc>
                 <a:spcPct val="200000"/>
               </a:lnSpc>
-              <a:buFont typeface="Arial" panose="020B0604020202020204" pitchFamily="34" charset="0"/>
+              <a:spcBef>
+                <a:spcPct val="0"/>
+              </a:spcBef>
+              <a:spcAft>
+                <a:spcPct val="0"/>
+              </a:spcAft>
+              <a:buClrTx/>
+              <a:buSzTx/>
+              <a:buFontTx/>
               <a:buChar char="•"/>
+              <a:tabLst/>
             </a:pPr>
             <a:r>
-              <a:rPr lang="en-US" sz="1600" dirty="0">
+              <a:rPr kumimoji="0" lang="en-US" altLang="en-US" sz="1600" b="0" i="0" u="none" strike="noStrike" cap="none" normalizeH="0" baseline="0" dirty="0">
+                <a:ln>
+                  <a:noFill/>
+                </a:ln>
+                <a:solidFill>
+                  <a:schemeClr val="tx1"/>
+                </a:solidFill>
+                <a:effectLst/>
                 <a:latin typeface="Times New Roman" panose="02020603050405020304" pitchFamily="18" charset="0"/>
                 <a:cs typeface="Times New Roman" panose="02020603050405020304" pitchFamily="18" charset="0"/>
               </a:rPr>
-              <a:t>Gather feedback from </a:t>
-            </a:r>
-            <a:r>
-              <a:rPr lang="en-US" sz="1600" dirty="0" err="1">
+              <a:t>To explore </a:t>
+            </a:r>
+            <a:r>
+              <a:rPr lang="en-US" altLang="en-US" sz="1600" dirty="0" err="1">
                 <a:latin typeface="Times New Roman" panose="02020603050405020304" pitchFamily="18" charset="0"/>
                 <a:cs typeface="Times New Roman" panose="02020603050405020304" pitchFamily="18" charset="0"/>
               </a:rPr>
               <a:t>Callify</a:t>
             </a:r>
             <a:r>
-              <a:rPr lang="en-US" sz="1600" dirty="0">
+              <a:rPr kumimoji="0" lang="en-US" altLang="en-US" sz="1600" b="0" i="0" u="none" strike="noStrike" cap="none" normalizeH="0" baseline="0" dirty="0" err="1">
+                <a:ln>
+                  <a:noFill/>
+                </a:ln>
+                <a:solidFill>
+                  <a:schemeClr val="tx1"/>
+                </a:solidFill>
+                <a:effectLst/>
                 <a:latin typeface="Times New Roman" panose="02020603050405020304" pitchFamily="18" charset="0"/>
                 <a:cs typeface="Times New Roman" panose="02020603050405020304" pitchFamily="18" charset="0"/>
               </a:rPr>
-              <a:t> users on usability, performance, and overall satisfaction.</a:t>
-            </a:r>
-          </a:p>
-          <a:p>
-            <a:pPr>
-              <a:lnSpc>
-                <a:spcPct val="200000"/>
-              </a:lnSpc>
-              <a:buFont typeface="Arial" panose="020B0604020202020204" pitchFamily="34" charset="0"/>
-              <a:buChar char="•"/>
-            </a:pPr>
-            <a:r>
-              <a:rPr lang="en-US" sz="1600" dirty="0">
+              <a:t>'s</a:t>
+            </a:r>
+            <a:r>
+              <a:rPr kumimoji="0" lang="en-US" altLang="en-US" sz="1600" b="0" i="0" u="none" strike="noStrike" cap="none" normalizeH="0" baseline="0" dirty="0">
+                <a:ln>
+                  <a:noFill/>
+                </a:ln>
+                <a:solidFill>
+                  <a:schemeClr val="tx1"/>
+                </a:solidFill>
+                <a:effectLst/>
                 <a:latin typeface="Times New Roman" panose="02020603050405020304" pitchFamily="18" charset="0"/>
                 <a:cs typeface="Times New Roman" panose="02020603050405020304" pitchFamily="18" charset="0"/>
               </a:rPr>
-              <a:t>Analyze data to understand how </a:t>
-            </a:r>
-            <a:r>
-              <a:rPr lang="en-US" sz="1600" dirty="0" err="1">
-                <a:latin typeface="Times New Roman" panose="02020603050405020304" pitchFamily="18" charset="0"/>
-                <a:cs typeface="Times New Roman" panose="02020603050405020304" pitchFamily="18" charset="0"/>
-              </a:rPr>
-              <a:t>Callify</a:t>
-            </a:r>
-            <a:r>
-              <a:rPr lang="en-US" sz="1600" dirty="0">
-                <a:latin typeface="Times New Roman" panose="02020603050405020304" pitchFamily="18" charset="0"/>
-                <a:cs typeface="Times New Roman" panose="02020603050405020304" pitchFamily="18" charset="0"/>
-              </a:rPr>
-              <a:t> is meeting communication needs in various sectors (education, corporate, healthcare).</a:t>
+              <a:t> impact on work culture and communication efficiency.</a:t>
             </a:r>
           </a:p>
           <a:p>
@@ -27382,7 +28098,7 @@
     </p:spTree>
     <p:extLst>
       <p:ext uri="{BB962C8B-B14F-4D97-AF65-F5344CB8AC3E}">
-        <p14:creationId xmlns:p14="http://schemas.microsoft.com/office/powerpoint/2010/main" val="1258685628"/>
+        <p14:creationId xmlns:p14="http://schemas.microsoft.com/office/powerpoint/2010/main" val="1259670758"/>
       </p:ext>
     </p:extLst>
   </p:cSld>
@@ -27675,17 +28391,17 @@
                 <a:latin typeface="Times New Roman" panose="02020603050405020304" pitchFamily="18" charset="0"/>
                 <a:cs typeface="Times New Roman" panose="02020603050405020304" pitchFamily="18" charset="0"/>
               </a:rPr>
-              <a:t>Deliverables and Impact</a:t>
-            </a:r>
-          </a:p>
-        </p:txBody>
-      </p:sp>
-      <p:sp>
-        <p:nvSpPr>
-          <p:cNvPr id="6" name="Rectangle 1">
+              <a:t>Proposed Methodology</a:t>
+            </a:r>
+          </a:p>
+        </p:txBody>
+      </p:sp>
+      <p:sp>
+        <p:nvSpPr>
+          <p:cNvPr id="2" name="Content Placeholder 1">
             <a:extLst>
               <a:ext uri="{FF2B5EF4-FFF2-40B4-BE49-F238E27FC236}">
-                <a16:creationId xmlns:a16="http://schemas.microsoft.com/office/drawing/2014/main" id="{3B5BDC73-0131-8760-F68C-9A13E1CC1973}"/>
+                <a16:creationId xmlns:a16="http://schemas.microsoft.com/office/drawing/2014/main" id="{2DCC8543-BDA0-B04E-085A-FF53A89F9B0C}"/>
               </a:ext>
             </a:extLst>
           </p:cNvPr>
@@ -27698,8 +28414,8 @@
         </p:nvSpPr>
         <p:spPr bwMode="auto">
           <a:xfrm>
-            <a:off x="2743201" y="1162329"/>
-            <a:ext cx="7162800" cy="5293757"/>
+            <a:off x="2743199" y="1644511"/>
+            <a:ext cx="8456307" cy="4329390"/>
           </a:xfrm>
           <a:prstGeom prst="rect">
             <a:avLst/>
@@ -27747,45 +28463,22 @@
           </a:bodyPr>
           <a:lstStyle/>
           <a:p>
-            <a:pPr marL="0" marR="0" lvl="0" indent="0" algn="just" defTabSz="914400" rtl="0" eaLnBrk="0" fontAlgn="base" latinLnBrk="0" hangingPunct="0">
+            <a:pPr>
               <a:lnSpc>
                 <a:spcPct val="200000"/>
               </a:lnSpc>
-              <a:spcBef>
-                <a:spcPct val="0"/>
-              </a:spcBef>
-              <a:spcAft>
-                <a:spcPct val="0"/>
-              </a:spcAft>
-              <a:buClrTx/>
-              <a:buSzTx/>
-              <a:buFontTx/>
+              <a:buFont typeface="Arial" panose="020B0604020202020204" pitchFamily="34" charset="0"/>
               <a:buChar char="•"/>
-              <a:tabLst/>
             </a:pPr>
             <a:r>
-              <a:rPr kumimoji="0" lang="en-US" altLang="en-US" sz="1600" b="1" i="0" u="none" strike="noStrike" cap="none" normalizeH="0" baseline="0" dirty="0">
-                <a:ln>
-                  <a:noFill/>
-                </a:ln>
-                <a:solidFill>
-                  <a:schemeClr val="tx1"/>
-                </a:solidFill>
-                <a:effectLst/>
+              <a:rPr lang="en-US" sz="1600" b="1" dirty="0">
                 <a:latin typeface="Times New Roman" panose="02020603050405020304" pitchFamily="18" charset="0"/>
                 <a:cs typeface="Times New Roman" panose="02020603050405020304" pitchFamily="18" charset="0"/>
               </a:rPr>
-              <a:t>Deliverables</a:t>
-            </a:r>
-            <a:r>
-              <a:rPr kumimoji="0" lang="en-US" altLang="en-US" sz="1600" b="0" i="0" u="none" strike="noStrike" cap="none" normalizeH="0" baseline="0" dirty="0">
-                <a:ln>
-                  <a:noFill/>
-                </a:ln>
-                <a:solidFill>
-                  <a:schemeClr val="tx1"/>
-                </a:solidFill>
-                <a:effectLst/>
+              <a:t>Proposed Approach</a:t>
+            </a:r>
+            <a:r>
+              <a:rPr lang="en-US" sz="1600" dirty="0">
                 <a:latin typeface="Times New Roman" panose="02020603050405020304" pitchFamily="18" charset="0"/>
                 <a:cs typeface="Times New Roman" panose="02020603050405020304" pitchFamily="18" charset="0"/>
               </a:rPr>
@@ -27793,342 +28486,123 @@
             </a:r>
           </a:p>
           <a:p>
-            <a:pPr marL="0" marR="0" lvl="0" indent="0" algn="just" defTabSz="914400" rtl="0" eaLnBrk="0" fontAlgn="base" latinLnBrk="0" hangingPunct="0">
+            <a:pPr>
               <a:lnSpc>
                 <a:spcPct val="200000"/>
               </a:lnSpc>
-              <a:spcBef>
-                <a:spcPct val="0"/>
-              </a:spcBef>
-              <a:spcAft>
-                <a:spcPct val="0"/>
-              </a:spcAft>
-              <a:buClrTx/>
-              <a:buSzTx/>
-              <a:buFontTx/>
+              <a:buFont typeface="Arial" panose="020B0604020202020204" pitchFamily="34" charset="0"/>
               <a:buChar char="•"/>
-              <a:tabLst/>
             </a:pPr>
             <a:r>
-              <a:rPr kumimoji="0" lang="en-US" altLang="en-US" sz="1600" b="0" i="0" u="none" strike="noStrike" cap="none" normalizeH="0" baseline="0" dirty="0">
-                <a:ln>
-                  <a:noFill/>
-                </a:ln>
-                <a:solidFill>
-                  <a:schemeClr val="tx1"/>
-                </a:solidFill>
-                <a:effectLst/>
+              <a:rPr lang="en-US" sz="1600" dirty="0">
                 <a:latin typeface="Times New Roman" panose="02020603050405020304" pitchFamily="18" charset="0"/>
                 <a:cs typeface="Times New Roman" panose="02020603050405020304" pitchFamily="18" charset="0"/>
               </a:rPr>
-              <a:t>Comprehensive report on </a:t>
-            </a:r>
-            <a:r>
-              <a:rPr lang="en-US" altLang="en-US" sz="1600" dirty="0" err="1">
+              <a:t>Research and review existing literature on video conferencing tools, with a focus on </a:t>
+            </a:r>
+            <a:r>
+              <a:rPr lang="en-US" sz="1600" dirty="0" err="1">
                 <a:latin typeface="Times New Roman" panose="02020603050405020304" pitchFamily="18" charset="0"/>
                 <a:cs typeface="Times New Roman" panose="02020603050405020304" pitchFamily="18" charset="0"/>
               </a:rPr>
               <a:t>Callify</a:t>
             </a:r>
             <a:r>
-              <a:rPr kumimoji="0" lang="en-US" altLang="en-US" sz="1600" b="0" i="0" u="none" strike="noStrike" cap="none" normalizeH="0" baseline="0" dirty="0" err="1">
-                <a:ln>
-                  <a:noFill/>
-                </a:ln>
-                <a:solidFill>
-                  <a:schemeClr val="tx1"/>
-                </a:solidFill>
-                <a:effectLst/>
+              <a:rPr lang="en-US" sz="1600" dirty="0">
                 <a:latin typeface="Times New Roman" panose="02020603050405020304" pitchFamily="18" charset="0"/>
                 <a:cs typeface="Times New Roman" panose="02020603050405020304" pitchFamily="18" charset="0"/>
               </a:rPr>
-              <a:t>’s</a:t>
-            </a:r>
-            <a:r>
-              <a:rPr kumimoji="0" lang="en-US" altLang="en-US" sz="1600" b="0" i="0" u="none" strike="noStrike" cap="none" normalizeH="0" baseline="0" dirty="0">
-                <a:ln>
-                  <a:noFill/>
-                </a:ln>
-                <a:solidFill>
-                  <a:schemeClr val="tx1"/>
-                </a:solidFill>
-                <a:effectLst/>
+              <a:t>.</a:t>
+            </a:r>
+          </a:p>
+          <a:p>
+            <a:pPr>
+              <a:lnSpc>
+                <a:spcPct val="200000"/>
+              </a:lnSpc>
+              <a:buFont typeface="Arial" panose="020B0604020202020204" pitchFamily="34" charset="0"/>
+              <a:buChar char="•"/>
+            </a:pPr>
+            <a:r>
+              <a:rPr lang="en-US" sz="1600" dirty="0">
                 <a:latin typeface="Times New Roman" panose="02020603050405020304" pitchFamily="18" charset="0"/>
                 <a:cs typeface="Times New Roman" panose="02020603050405020304" pitchFamily="18" charset="0"/>
               </a:rPr>
-              <a:t> features, user experience, and technical capabilities.</a:t>
-            </a:r>
-          </a:p>
-          <a:p>
-            <a:pPr marL="0" marR="0" lvl="0" indent="0" algn="just" defTabSz="914400" rtl="0" eaLnBrk="0" fontAlgn="base" latinLnBrk="0" hangingPunct="0">
-              <a:lnSpc>
-                <a:spcPct val="200000"/>
-              </a:lnSpc>
-              <a:spcBef>
-                <a:spcPct val="0"/>
-              </a:spcBef>
-              <a:spcAft>
-                <a:spcPct val="0"/>
-              </a:spcAft>
-              <a:buClrTx/>
-              <a:buSzTx/>
-              <a:buFontTx/>
-              <a:buChar char="•"/>
-              <a:tabLst/>
-            </a:pPr>
-            <a:r>
-              <a:rPr kumimoji="0" lang="en-US" altLang="en-US" sz="1600" b="0" i="0" u="none" strike="noStrike" cap="none" normalizeH="0" baseline="0" dirty="0">
-                <a:ln>
-                  <a:noFill/>
-                </a:ln>
-                <a:solidFill>
-                  <a:schemeClr val="tx1"/>
-                </a:solidFill>
-                <a:effectLst/>
-                <a:latin typeface="Times New Roman" panose="02020603050405020304" pitchFamily="18" charset="0"/>
-                <a:cs typeface="Times New Roman" panose="02020603050405020304" pitchFamily="18" charset="0"/>
-              </a:rPr>
-              <a:t>Comparative analysis report of </a:t>
-            </a:r>
-            <a:r>
-              <a:rPr lang="en-US" altLang="en-US" sz="1600" dirty="0" err="1">
+              <a:t>Conduct a comparative analysis of </a:t>
+            </a:r>
+            <a:r>
+              <a:rPr lang="en-US" sz="1600" dirty="0" err="1">
                 <a:latin typeface="Times New Roman" panose="02020603050405020304" pitchFamily="18" charset="0"/>
                 <a:cs typeface="Times New Roman" panose="02020603050405020304" pitchFamily="18" charset="0"/>
               </a:rPr>
               <a:t>Callify</a:t>
             </a:r>
             <a:r>
-              <a:rPr kumimoji="0" lang="en-US" altLang="en-US" sz="1600" b="0" i="0" u="none" strike="noStrike" cap="none" normalizeH="0" baseline="0" dirty="0">
-                <a:ln>
-                  <a:noFill/>
-                </a:ln>
-                <a:solidFill>
-                  <a:schemeClr val="tx1"/>
-                </a:solidFill>
-                <a:effectLst/>
+              <a:rPr lang="en-US" sz="1600" dirty="0">
                 <a:latin typeface="Times New Roman" panose="02020603050405020304" pitchFamily="18" charset="0"/>
                 <a:cs typeface="Times New Roman" panose="02020603050405020304" pitchFamily="18" charset="0"/>
               </a:rPr>
-              <a:t> versus other video conferencing tools.</a:t>
-            </a:r>
-          </a:p>
-          <a:p>
-            <a:pPr marL="0" marR="0" lvl="0" indent="0" algn="just" defTabSz="914400" rtl="0" eaLnBrk="0" fontAlgn="base" latinLnBrk="0" hangingPunct="0">
+              <a:t> with other platforms based on user experience, features, and security.</a:t>
+            </a:r>
+          </a:p>
+          <a:p>
+            <a:pPr>
               <a:lnSpc>
                 <a:spcPct val="200000"/>
               </a:lnSpc>
-              <a:spcBef>
-                <a:spcPct val="0"/>
-              </a:spcBef>
-              <a:spcAft>
-                <a:spcPct val="0"/>
-              </a:spcAft>
-              <a:buClrTx/>
-              <a:buSzTx/>
-              <a:buFontTx/>
+              <a:buFont typeface="Arial" panose="020B0604020202020204" pitchFamily="34" charset="0"/>
               <a:buChar char="•"/>
-              <a:tabLst/>
             </a:pPr>
             <a:r>
-              <a:rPr kumimoji="0" lang="en-US" altLang="en-US" sz="1600" b="0" i="0" u="none" strike="noStrike" cap="none" normalizeH="0" baseline="0" dirty="0">
-                <a:ln>
-                  <a:noFill/>
-                </a:ln>
-                <a:solidFill>
-                  <a:schemeClr val="tx1"/>
-                </a:solidFill>
-                <a:effectLst/>
+              <a:rPr lang="en-US" sz="1600" dirty="0">
                 <a:latin typeface="Times New Roman" panose="02020603050405020304" pitchFamily="18" charset="0"/>
                 <a:cs typeface="Times New Roman" panose="02020603050405020304" pitchFamily="18" charset="0"/>
               </a:rPr>
-              <a:t>Case studies highlighting the impact of </a:t>
-            </a:r>
-            <a:r>
-              <a:rPr lang="en-US" altLang="en-US" sz="1600" dirty="0" err="1">
+              <a:t>Gather feedback from </a:t>
+            </a:r>
+            <a:r>
+              <a:rPr lang="en-US" sz="1600" dirty="0" err="1">
                 <a:latin typeface="Times New Roman" panose="02020603050405020304" pitchFamily="18" charset="0"/>
                 <a:cs typeface="Times New Roman" panose="02020603050405020304" pitchFamily="18" charset="0"/>
               </a:rPr>
               <a:t>Callify</a:t>
             </a:r>
             <a:r>
-              <a:rPr kumimoji="0" lang="en-US" altLang="en-US" sz="1600" b="0" i="0" u="none" strike="noStrike" cap="none" normalizeH="0" baseline="0" dirty="0">
-                <a:ln>
-                  <a:noFill/>
-                </a:ln>
-                <a:solidFill>
-                  <a:schemeClr val="tx1"/>
-                </a:solidFill>
-                <a:effectLst/>
+              <a:rPr lang="en-US" sz="1600" dirty="0">
                 <a:latin typeface="Times New Roman" panose="02020603050405020304" pitchFamily="18" charset="0"/>
                 <a:cs typeface="Times New Roman" panose="02020603050405020304" pitchFamily="18" charset="0"/>
               </a:rPr>
-              <a:t> on remote work and education.</a:t>
-            </a:r>
-          </a:p>
-          <a:p>
-            <a:pPr marL="0" marR="0" lvl="0" indent="0" algn="just" defTabSz="914400" rtl="0" eaLnBrk="0" fontAlgn="base" latinLnBrk="0" hangingPunct="0">
+              <a:t> users on usability, performance, and overall satisfaction.</a:t>
+            </a:r>
+          </a:p>
+          <a:p>
+            <a:pPr>
               <a:lnSpc>
                 <a:spcPct val="200000"/>
               </a:lnSpc>
-              <a:spcBef>
-                <a:spcPct val="0"/>
-              </a:spcBef>
-              <a:spcAft>
-                <a:spcPct val="0"/>
-              </a:spcAft>
-              <a:buClrTx/>
-              <a:buSzTx/>
-              <a:buFontTx/>
+              <a:buFont typeface="Arial" panose="020B0604020202020204" pitchFamily="34" charset="0"/>
               <a:buChar char="•"/>
-              <a:tabLst/>
             </a:pPr>
             <a:r>
-              <a:rPr kumimoji="0" lang="en-US" altLang="en-US" sz="1600" b="1" i="0" u="none" strike="noStrike" cap="none" normalizeH="0" baseline="0" dirty="0">
-                <a:ln>
-                  <a:noFill/>
-                </a:ln>
-                <a:solidFill>
-                  <a:schemeClr val="tx1"/>
-                </a:solidFill>
-                <a:effectLst/>
+              <a:rPr lang="en-US" sz="1600" dirty="0">
                 <a:latin typeface="Times New Roman" panose="02020603050405020304" pitchFamily="18" charset="0"/>
                 <a:cs typeface="Times New Roman" panose="02020603050405020304" pitchFamily="18" charset="0"/>
               </a:rPr>
-              <a:t>Impact</a:t>
-            </a:r>
-            <a:r>
-              <a:rPr kumimoji="0" lang="en-US" altLang="en-US" sz="1600" b="0" i="0" u="none" strike="noStrike" cap="none" normalizeH="0" baseline="0" dirty="0">
-                <a:ln>
-                  <a:noFill/>
-                </a:ln>
-                <a:solidFill>
-                  <a:schemeClr val="tx1"/>
-                </a:solidFill>
-                <a:effectLst/>
-                <a:latin typeface="Times New Roman" panose="02020603050405020304" pitchFamily="18" charset="0"/>
-                <a:cs typeface="Times New Roman" panose="02020603050405020304" pitchFamily="18" charset="0"/>
-              </a:rPr>
-              <a:t>:</a:t>
-            </a:r>
-          </a:p>
-          <a:p>
-            <a:pPr marL="0" marR="0" lvl="0" indent="0" algn="just" defTabSz="914400" rtl="0" eaLnBrk="0" fontAlgn="base" latinLnBrk="0" hangingPunct="0">
-              <a:lnSpc>
-                <a:spcPct val="200000"/>
-              </a:lnSpc>
-              <a:spcBef>
-                <a:spcPct val="0"/>
-              </a:spcBef>
-              <a:spcAft>
-                <a:spcPct val="0"/>
-              </a:spcAft>
-              <a:buClrTx/>
-              <a:buSzTx/>
-              <a:buFontTx/>
-              <a:buChar char="•"/>
-              <a:tabLst/>
-            </a:pPr>
-            <a:r>
-              <a:rPr kumimoji="0" lang="en-US" altLang="en-US" sz="1600" b="0" i="0" u="none" strike="noStrike" cap="none" normalizeH="0" baseline="0" dirty="0">
-                <a:ln>
-                  <a:noFill/>
-                </a:ln>
-                <a:solidFill>
-                  <a:schemeClr val="tx1"/>
-                </a:solidFill>
-                <a:effectLst/>
-                <a:latin typeface="Times New Roman" panose="02020603050405020304" pitchFamily="18" charset="0"/>
-                <a:cs typeface="Times New Roman" panose="02020603050405020304" pitchFamily="18" charset="0"/>
-              </a:rPr>
-              <a:t>Better understanding of </a:t>
-            </a:r>
-            <a:r>
-              <a:rPr lang="en-US" altLang="en-US" sz="1600" dirty="0" err="1">
+              <a:t>Analyze data to understand how </a:t>
+            </a:r>
+            <a:r>
+              <a:rPr lang="en-US" sz="1600" dirty="0" err="1">
                 <a:latin typeface="Times New Roman" panose="02020603050405020304" pitchFamily="18" charset="0"/>
                 <a:cs typeface="Times New Roman" panose="02020603050405020304" pitchFamily="18" charset="0"/>
               </a:rPr>
               <a:t>Callify</a:t>
             </a:r>
             <a:r>
-              <a:rPr kumimoji="0" lang="en-US" altLang="en-US" sz="1600" b="0" i="0" u="none" strike="noStrike" cap="none" normalizeH="0" baseline="0" dirty="0" err="1">
-                <a:ln>
-                  <a:noFill/>
-                </a:ln>
-                <a:solidFill>
-                  <a:schemeClr val="tx1"/>
-                </a:solidFill>
-                <a:effectLst/>
+              <a:rPr lang="en-US" sz="1600" dirty="0">
                 <a:latin typeface="Times New Roman" panose="02020603050405020304" pitchFamily="18" charset="0"/>
                 <a:cs typeface="Times New Roman" panose="02020603050405020304" pitchFamily="18" charset="0"/>
               </a:rPr>
-              <a:t>’s</a:t>
-            </a:r>
-            <a:r>
-              <a:rPr kumimoji="0" lang="en-US" altLang="en-US" sz="1600" b="0" i="0" u="none" strike="noStrike" cap="none" normalizeH="0" baseline="0" dirty="0">
-                <a:ln>
-                  <a:noFill/>
-                </a:ln>
-                <a:solidFill>
-                  <a:schemeClr val="tx1"/>
-                </a:solidFill>
-                <a:effectLst/>
-                <a:latin typeface="Times New Roman" panose="02020603050405020304" pitchFamily="18" charset="0"/>
-                <a:cs typeface="Times New Roman" panose="02020603050405020304" pitchFamily="18" charset="0"/>
-              </a:rPr>
-              <a:t> role in shaping future communication technologies.</a:t>
-            </a:r>
-          </a:p>
-          <a:p>
-            <a:pPr marL="0" marR="0" lvl="0" indent="0" algn="just" defTabSz="914400" rtl="0" eaLnBrk="0" fontAlgn="base" latinLnBrk="0" hangingPunct="0">
-              <a:lnSpc>
-                <a:spcPct val="200000"/>
-              </a:lnSpc>
-              <a:spcBef>
-                <a:spcPct val="0"/>
-              </a:spcBef>
-              <a:spcAft>
-                <a:spcPct val="0"/>
-              </a:spcAft>
-              <a:buClrTx/>
-              <a:buSzTx/>
-              <a:buFontTx/>
-              <a:buChar char="•"/>
-              <a:tabLst/>
-            </a:pPr>
-            <a:r>
-              <a:rPr kumimoji="0" lang="en-US" altLang="en-US" sz="1600" b="0" i="0" u="none" strike="noStrike" cap="none" normalizeH="0" baseline="0" dirty="0">
-                <a:ln>
-                  <a:noFill/>
-                </a:ln>
-                <a:solidFill>
-                  <a:schemeClr val="tx1"/>
-                </a:solidFill>
-                <a:effectLst/>
-                <a:latin typeface="Times New Roman" panose="02020603050405020304" pitchFamily="18" charset="0"/>
-                <a:cs typeface="Times New Roman" panose="02020603050405020304" pitchFamily="18" charset="0"/>
-              </a:rPr>
-              <a:t>Insights into how </a:t>
-            </a:r>
-            <a:r>
-              <a:rPr lang="en-US" altLang="en-US" sz="1600" dirty="0" err="1">
-                <a:latin typeface="Times New Roman" panose="02020603050405020304" pitchFamily="18" charset="0"/>
-                <a:cs typeface="Times New Roman" panose="02020603050405020304" pitchFamily="18" charset="0"/>
-              </a:rPr>
-              <a:t>Callify</a:t>
-            </a:r>
-            <a:r>
-              <a:rPr kumimoji="0" lang="en-US" altLang="en-US" sz="1600" b="0" i="0" u="none" strike="noStrike" cap="none" normalizeH="0" baseline="0" dirty="0">
-                <a:ln>
-                  <a:noFill/>
-                </a:ln>
-                <a:solidFill>
-                  <a:schemeClr val="tx1"/>
-                </a:solidFill>
-                <a:effectLst/>
-                <a:latin typeface="Times New Roman" panose="02020603050405020304" pitchFamily="18" charset="0"/>
-                <a:cs typeface="Times New Roman" panose="02020603050405020304" pitchFamily="18" charset="0"/>
-              </a:rPr>
-              <a:t> has revolutionized video conferencing for large-scale meetings and virtual collaborations.</a:t>
+              <a:t> is meeting communication needs in various sectors (education, corporate, healthcare).</a:t>
             </a:r>
           </a:p>
           <a:p>
@@ -28164,7 +28638,7 @@
     </p:spTree>
     <p:extLst>
       <p:ext uri="{BB962C8B-B14F-4D97-AF65-F5344CB8AC3E}">
-        <p14:creationId xmlns:p14="http://schemas.microsoft.com/office/powerpoint/2010/main" val="657644709"/>
+        <p14:creationId xmlns:p14="http://schemas.microsoft.com/office/powerpoint/2010/main" val="1258685628"/>
       </p:ext>
     </p:extLst>
   </p:cSld>
@@ -28457,7 +28931,7 @@
                 <a:latin typeface="Times New Roman" panose="02020603050405020304" pitchFamily="18" charset="0"/>
                 <a:cs typeface="Times New Roman" panose="02020603050405020304" pitchFamily="18" charset="0"/>
               </a:rPr>
-              <a:t>Technology Used</a:t>
+              <a:t>Deliverables and Impact</a:t>
             </a:r>
           </a:p>
         </p:txBody>
@@ -28480,8 +28954,8 @@
         </p:nvSpPr>
         <p:spPr bwMode="auto">
           <a:xfrm>
-            <a:off x="2743201" y="1558271"/>
-            <a:ext cx="7162800" cy="4501873"/>
+            <a:off x="2743201" y="1162329"/>
+            <a:ext cx="7162800" cy="5293757"/>
           </a:xfrm>
           <a:prstGeom prst="rect">
             <a:avLst/>
@@ -28546,18 +29020,18 @@
               <a:tabLst/>
             </a:pPr>
             <a:r>
-              <a:rPr lang="en-US" altLang="en-US" sz="1600" b="1" dirty="0">
-                <a:latin typeface="Arial" panose="020B0604020202020204" pitchFamily="34" charset="0"/>
-                <a:cs typeface="Arial" panose="020B0604020202020204" pitchFamily="34" charset="0"/>
+              <a:rPr kumimoji="0" lang="en-US" altLang="en-US" sz="1600" b="1" i="0" u="none" strike="noStrike" cap="none" normalizeH="0" baseline="0" dirty="0">
+                <a:ln>
+                  <a:noFill/>
+                </a:ln>
+                <a:solidFill>
+                  <a:schemeClr val="tx1"/>
+                </a:solidFill>
+                <a:effectLst/>
+                <a:latin typeface="Times New Roman" panose="02020603050405020304" pitchFamily="18" charset="0"/>
+                <a:cs typeface="Times New Roman" panose="02020603050405020304" pitchFamily="18" charset="0"/>
               </a:rPr>
-              <a:t>Next </a:t>
-            </a:r>
-            <a:r>
-              <a:rPr lang="en-US" altLang="en-US" sz="1600" b="1" dirty="0" err="1">
-                <a:latin typeface="Arial" panose="020B0604020202020204" pitchFamily="34" charset="0"/>
-                <a:cs typeface="Arial" panose="020B0604020202020204" pitchFamily="34" charset="0"/>
-              </a:rPr>
-              <a:t>Js</a:t>
+              <a:t>Deliverables</a:t>
             </a:r>
             <a:r>
               <a:rPr kumimoji="0" lang="en-US" altLang="en-US" sz="1600" b="0" i="0" u="none" strike="noStrike" cap="none" normalizeH="0" baseline="0" dirty="0">
@@ -28568,195 +29042,10 @@
                   <a:schemeClr val="tx1"/>
                 </a:solidFill>
                 <a:effectLst/>
-                <a:latin typeface="Arial" panose="020B0604020202020204" pitchFamily="34" charset="0"/>
-                <a:cs typeface="Arial" panose="020B0604020202020204" pitchFamily="34" charset="0"/>
+                <a:latin typeface="Times New Roman" panose="02020603050405020304" pitchFamily="18" charset="0"/>
+                <a:cs typeface="Times New Roman" panose="02020603050405020304" pitchFamily="18" charset="0"/>
               </a:rPr>
               <a:t>:</a:t>
-            </a:r>
-          </a:p>
-          <a:p>
-            <a:pPr marL="342900" marR="0" lvl="0" indent="-342900">
-              <a:lnSpc>
-                <a:spcPct val="107000"/>
-              </a:lnSpc>
-              <a:spcBef>
-                <a:spcPts val="0"/>
-              </a:spcBef>
-              <a:spcAft>
-                <a:spcPts val="800"/>
-              </a:spcAft>
-              <a:buSzPts val="1000"/>
-              <a:buFont typeface="Symbol" panose="05050102010706020507" pitchFamily="18" charset="2"/>
-              <a:buChar char=""/>
-              <a:tabLst>
-                <a:tab pos="457200" algn="l"/>
-              </a:tabLst>
-            </a:pPr>
-            <a:r>
-              <a:rPr lang="en-US" sz="1600" b="1" kern="100" dirty="0">
-                <a:effectLst/>
-                <a:latin typeface="Arial" panose="020B0604020202020204" pitchFamily="34" charset="0"/>
-                <a:ea typeface="Calibri" panose="020F0502020204030204" pitchFamily="34" charset="0"/>
-                <a:cs typeface="Arial" panose="020B0604020202020204" pitchFamily="34" charset="0"/>
-              </a:rPr>
-              <a:t>Server-Side Rendering (SSR)</a:t>
-            </a:r>
-            <a:r>
-              <a:rPr lang="en-US" sz="1600" kern="100" dirty="0">
-                <a:effectLst/>
-                <a:latin typeface="Arial" panose="020B0604020202020204" pitchFamily="34" charset="0"/>
-                <a:ea typeface="Calibri" panose="020F0502020204030204" pitchFamily="34" charset="0"/>
-                <a:cs typeface="Arial" panose="020B0604020202020204" pitchFamily="34" charset="0"/>
-              </a:rPr>
-              <a:t>: Allows for better performance and SEO, crucial for real-time video conferencing where loading times are critical.</a:t>
-            </a:r>
-          </a:p>
-          <a:p>
-            <a:pPr marL="342900" marR="0" lvl="0" indent="-342900">
-              <a:lnSpc>
-                <a:spcPct val="107000"/>
-              </a:lnSpc>
-              <a:spcBef>
-                <a:spcPts val="0"/>
-              </a:spcBef>
-              <a:spcAft>
-                <a:spcPts val="800"/>
-              </a:spcAft>
-              <a:buSzPts val="1000"/>
-              <a:buFont typeface="Symbol" panose="05050102010706020507" pitchFamily="18" charset="2"/>
-              <a:buChar char=""/>
-              <a:tabLst>
-                <a:tab pos="457200" algn="l"/>
-              </a:tabLst>
-            </a:pPr>
-            <a:r>
-              <a:rPr lang="en-US" sz="1600" b="1" kern="100" dirty="0">
-                <a:effectLst/>
-                <a:latin typeface="Arial" panose="020B0604020202020204" pitchFamily="34" charset="0"/>
-                <a:ea typeface="Calibri" panose="020F0502020204030204" pitchFamily="34" charset="0"/>
-                <a:cs typeface="Arial" panose="020B0604020202020204" pitchFamily="34" charset="0"/>
-              </a:rPr>
-              <a:t>Static Site Generation (SSG)</a:t>
-            </a:r>
-            <a:r>
-              <a:rPr lang="en-US" sz="1600" kern="100" dirty="0">
-                <a:effectLst/>
-                <a:latin typeface="Arial" panose="020B0604020202020204" pitchFamily="34" charset="0"/>
-                <a:ea typeface="Calibri" panose="020F0502020204030204" pitchFamily="34" charset="0"/>
-                <a:cs typeface="Arial" panose="020B0604020202020204" pitchFamily="34" charset="0"/>
-              </a:rPr>
-              <a:t>: Provides static HTML at build time, ideal for reducing load on servers.</a:t>
-            </a:r>
-          </a:p>
-          <a:p>
-            <a:pPr marL="342900" marR="0" lvl="0" indent="-342900">
-              <a:lnSpc>
-                <a:spcPct val="107000"/>
-              </a:lnSpc>
-              <a:spcBef>
-                <a:spcPts val="0"/>
-              </a:spcBef>
-              <a:spcAft>
-                <a:spcPts val="800"/>
-              </a:spcAft>
-              <a:buSzPts val="1000"/>
-              <a:buFont typeface="Symbol" panose="05050102010706020507" pitchFamily="18" charset="2"/>
-              <a:buChar char=""/>
-              <a:tabLst>
-                <a:tab pos="457200" algn="l"/>
-              </a:tabLst>
-            </a:pPr>
-            <a:r>
-              <a:rPr lang="en-US" sz="1600" b="1" kern="100" dirty="0">
-                <a:effectLst/>
-                <a:latin typeface="Arial" panose="020B0604020202020204" pitchFamily="34" charset="0"/>
-                <a:ea typeface="Calibri" panose="020F0502020204030204" pitchFamily="34" charset="0"/>
-                <a:cs typeface="Arial" panose="020B0604020202020204" pitchFamily="34" charset="0"/>
-              </a:rPr>
-              <a:t>API Routes</a:t>
-            </a:r>
-            <a:r>
-              <a:rPr lang="en-US" sz="1600" kern="100" dirty="0">
-                <a:effectLst/>
-                <a:latin typeface="Arial" panose="020B0604020202020204" pitchFamily="34" charset="0"/>
-                <a:ea typeface="Calibri" panose="020F0502020204030204" pitchFamily="34" charset="0"/>
-                <a:cs typeface="Arial" panose="020B0604020202020204" pitchFamily="34" charset="0"/>
-              </a:rPr>
-              <a:t>: Enables building custom backends for managing meetings, participants, and live streams.</a:t>
-            </a:r>
-          </a:p>
-          <a:p>
-            <a:pPr marL="342900" marR="0" lvl="0" indent="-342900">
-              <a:lnSpc>
-                <a:spcPct val="107000"/>
-              </a:lnSpc>
-              <a:spcBef>
-                <a:spcPts val="0"/>
-              </a:spcBef>
-              <a:spcAft>
-                <a:spcPts val="800"/>
-              </a:spcAft>
-              <a:buSzPts val="1000"/>
-              <a:buFont typeface="Symbol" panose="05050102010706020507" pitchFamily="18" charset="2"/>
-              <a:buChar char=""/>
-              <a:tabLst>
-                <a:tab pos="457200" algn="l"/>
-              </a:tabLst>
-            </a:pPr>
-            <a:r>
-              <a:rPr lang="en-US" sz="1600" b="1" kern="100" dirty="0">
-                <a:effectLst/>
-                <a:latin typeface="Arial" panose="020B0604020202020204" pitchFamily="34" charset="0"/>
-                <a:ea typeface="Calibri" panose="020F0502020204030204" pitchFamily="34" charset="0"/>
-                <a:cs typeface="Arial" panose="020B0604020202020204" pitchFamily="34" charset="0"/>
-              </a:rPr>
-              <a:t>Routing</a:t>
-            </a:r>
-            <a:r>
-              <a:rPr lang="en-US" sz="1600" kern="100" dirty="0">
-                <a:effectLst/>
-                <a:latin typeface="Arial" panose="020B0604020202020204" pitchFamily="34" charset="0"/>
-                <a:ea typeface="Calibri" panose="020F0502020204030204" pitchFamily="34" charset="0"/>
-                <a:cs typeface="Arial" panose="020B0604020202020204" pitchFamily="34" charset="0"/>
-              </a:rPr>
-              <a:t>: Next.js simplifies routing with file-based routing, making navigation within the app seamless.</a:t>
-            </a:r>
-          </a:p>
-          <a:p>
-            <a:pPr marL="342900" marR="0" lvl="0" indent="-342900">
-              <a:lnSpc>
-                <a:spcPct val="107000"/>
-              </a:lnSpc>
-              <a:spcBef>
-                <a:spcPts val="0"/>
-              </a:spcBef>
-              <a:spcAft>
-                <a:spcPts val="800"/>
-              </a:spcAft>
-              <a:buSzPts val="1000"/>
-              <a:buFont typeface="Symbol" panose="05050102010706020507" pitchFamily="18" charset="2"/>
-              <a:buChar char=""/>
-              <a:tabLst>
-                <a:tab pos="457200" algn="l"/>
-              </a:tabLst>
-            </a:pPr>
-            <a:r>
-              <a:rPr lang="en-US" sz="1600" b="1" kern="100" dirty="0">
-                <a:effectLst/>
-                <a:latin typeface="Arial" panose="020B0604020202020204" pitchFamily="34" charset="0"/>
-                <a:ea typeface="Calibri" panose="020F0502020204030204" pitchFamily="34" charset="0"/>
-                <a:cs typeface="Arial" panose="020B0604020202020204" pitchFamily="34" charset="0"/>
-              </a:rPr>
-              <a:t>Scalability</a:t>
-            </a:r>
-            <a:r>
-              <a:rPr lang="en-US" sz="1600" kern="100" dirty="0">
-                <a:effectLst/>
-                <a:latin typeface="Arial" panose="020B0604020202020204" pitchFamily="34" charset="0"/>
-                <a:ea typeface="Calibri" panose="020F0502020204030204" pitchFamily="34" charset="0"/>
-                <a:cs typeface="Arial" panose="020B0604020202020204" pitchFamily="34" charset="0"/>
-              </a:rPr>
-              <a:t>: Next.js can handle growing demands due to its SSR and API routes, enabling the handling of many concurrent video streams.</a:t>
             </a:r>
           </a:p>
           <a:p>
@@ -28776,17 +29065,327 @@
               <a:buChar char="•"/>
               <a:tabLst/>
             </a:pPr>
-            <a:endParaRPr kumimoji="0" lang="en-US" altLang="en-US" sz="1600" b="0" i="0" u="none" strike="noStrike" cap="none" normalizeH="0" baseline="0" dirty="0">
-              <a:ln>
-                <a:noFill/>
-              </a:ln>
-              <a:solidFill>
-                <a:schemeClr val="tx1"/>
-              </a:solidFill>
-              <a:effectLst/>
-              <a:latin typeface="Times New Roman" panose="02020603050405020304" pitchFamily="18" charset="0"/>
-              <a:cs typeface="Times New Roman" panose="02020603050405020304" pitchFamily="18" charset="0"/>
-            </a:endParaRPr>
+            <a:r>
+              <a:rPr kumimoji="0" lang="en-US" altLang="en-US" sz="1600" b="0" i="0" u="none" strike="noStrike" cap="none" normalizeH="0" baseline="0" dirty="0">
+                <a:ln>
+                  <a:noFill/>
+                </a:ln>
+                <a:solidFill>
+                  <a:schemeClr val="tx1"/>
+                </a:solidFill>
+                <a:effectLst/>
+                <a:latin typeface="Times New Roman" panose="02020603050405020304" pitchFamily="18" charset="0"/>
+                <a:cs typeface="Times New Roman" panose="02020603050405020304" pitchFamily="18" charset="0"/>
+              </a:rPr>
+              <a:t>Comprehensive report on </a:t>
+            </a:r>
+            <a:r>
+              <a:rPr lang="en-US" altLang="en-US" sz="1600" dirty="0" err="1">
+                <a:latin typeface="Times New Roman" panose="02020603050405020304" pitchFamily="18" charset="0"/>
+                <a:cs typeface="Times New Roman" panose="02020603050405020304" pitchFamily="18" charset="0"/>
+              </a:rPr>
+              <a:t>Callify</a:t>
+            </a:r>
+            <a:r>
+              <a:rPr kumimoji="0" lang="en-US" altLang="en-US" sz="1600" b="0" i="0" u="none" strike="noStrike" cap="none" normalizeH="0" baseline="0" dirty="0" err="1">
+                <a:ln>
+                  <a:noFill/>
+                </a:ln>
+                <a:solidFill>
+                  <a:schemeClr val="tx1"/>
+                </a:solidFill>
+                <a:effectLst/>
+                <a:latin typeface="Times New Roman" panose="02020603050405020304" pitchFamily="18" charset="0"/>
+                <a:cs typeface="Times New Roman" panose="02020603050405020304" pitchFamily="18" charset="0"/>
+              </a:rPr>
+              <a:t>’s</a:t>
+            </a:r>
+            <a:r>
+              <a:rPr kumimoji="0" lang="en-US" altLang="en-US" sz="1600" b="0" i="0" u="none" strike="noStrike" cap="none" normalizeH="0" baseline="0" dirty="0">
+                <a:ln>
+                  <a:noFill/>
+                </a:ln>
+                <a:solidFill>
+                  <a:schemeClr val="tx1"/>
+                </a:solidFill>
+                <a:effectLst/>
+                <a:latin typeface="Times New Roman" panose="02020603050405020304" pitchFamily="18" charset="0"/>
+                <a:cs typeface="Times New Roman" panose="02020603050405020304" pitchFamily="18" charset="0"/>
+              </a:rPr>
+              <a:t> features, user experience, and technical capabilities.</a:t>
+            </a:r>
+          </a:p>
+          <a:p>
+            <a:pPr marL="0" marR="0" lvl="0" indent="0" algn="just" defTabSz="914400" rtl="0" eaLnBrk="0" fontAlgn="base" latinLnBrk="0" hangingPunct="0">
+              <a:lnSpc>
+                <a:spcPct val="200000"/>
+              </a:lnSpc>
+              <a:spcBef>
+                <a:spcPct val="0"/>
+              </a:spcBef>
+              <a:spcAft>
+                <a:spcPct val="0"/>
+              </a:spcAft>
+              <a:buClrTx/>
+              <a:buSzTx/>
+              <a:buFontTx/>
+              <a:buChar char="•"/>
+              <a:tabLst/>
+            </a:pPr>
+            <a:r>
+              <a:rPr kumimoji="0" lang="en-US" altLang="en-US" sz="1600" b="0" i="0" u="none" strike="noStrike" cap="none" normalizeH="0" baseline="0" dirty="0">
+                <a:ln>
+                  <a:noFill/>
+                </a:ln>
+                <a:solidFill>
+                  <a:schemeClr val="tx1"/>
+                </a:solidFill>
+                <a:effectLst/>
+                <a:latin typeface="Times New Roman" panose="02020603050405020304" pitchFamily="18" charset="0"/>
+                <a:cs typeface="Times New Roman" panose="02020603050405020304" pitchFamily="18" charset="0"/>
+              </a:rPr>
+              <a:t>Comparative analysis report of </a:t>
+            </a:r>
+            <a:r>
+              <a:rPr lang="en-US" altLang="en-US" sz="1600" dirty="0" err="1">
+                <a:latin typeface="Times New Roman" panose="02020603050405020304" pitchFamily="18" charset="0"/>
+                <a:cs typeface="Times New Roman" panose="02020603050405020304" pitchFamily="18" charset="0"/>
+              </a:rPr>
+              <a:t>Callify</a:t>
+            </a:r>
+            <a:r>
+              <a:rPr kumimoji="0" lang="en-US" altLang="en-US" sz="1600" b="0" i="0" u="none" strike="noStrike" cap="none" normalizeH="0" baseline="0" dirty="0">
+                <a:ln>
+                  <a:noFill/>
+                </a:ln>
+                <a:solidFill>
+                  <a:schemeClr val="tx1"/>
+                </a:solidFill>
+                <a:effectLst/>
+                <a:latin typeface="Times New Roman" panose="02020603050405020304" pitchFamily="18" charset="0"/>
+                <a:cs typeface="Times New Roman" panose="02020603050405020304" pitchFamily="18" charset="0"/>
+              </a:rPr>
+              <a:t> versus other video conferencing tools.</a:t>
+            </a:r>
+          </a:p>
+          <a:p>
+            <a:pPr marL="0" marR="0" lvl="0" indent="0" algn="just" defTabSz="914400" rtl="0" eaLnBrk="0" fontAlgn="base" latinLnBrk="0" hangingPunct="0">
+              <a:lnSpc>
+                <a:spcPct val="200000"/>
+              </a:lnSpc>
+              <a:spcBef>
+                <a:spcPct val="0"/>
+              </a:spcBef>
+              <a:spcAft>
+                <a:spcPct val="0"/>
+              </a:spcAft>
+              <a:buClrTx/>
+              <a:buSzTx/>
+              <a:buFontTx/>
+              <a:buChar char="•"/>
+              <a:tabLst/>
+            </a:pPr>
+            <a:r>
+              <a:rPr kumimoji="0" lang="en-US" altLang="en-US" sz="1600" b="0" i="0" u="none" strike="noStrike" cap="none" normalizeH="0" baseline="0" dirty="0">
+                <a:ln>
+                  <a:noFill/>
+                </a:ln>
+                <a:solidFill>
+                  <a:schemeClr val="tx1"/>
+                </a:solidFill>
+                <a:effectLst/>
+                <a:latin typeface="Times New Roman" panose="02020603050405020304" pitchFamily="18" charset="0"/>
+                <a:cs typeface="Times New Roman" panose="02020603050405020304" pitchFamily="18" charset="0"/>
+              </a:rPr>
+              <a:t>Case studies highlighting the impact of </a:t>
+            </a:r>
+            <a:r>
+              <a:rPr lang="en-US" altLang="en-US" sz="1600" dirty="0" err="1">
+                <a:latin typeface="Times New Roman" panose="02020603050405020304" pitchFamily="18" charset="0"/>
+                <a:cs typeface="Times New Roman" panose="02020603050405020304" pitchFamily="18" charset="0"/>
+              </a:rPr>
+              <a:t>Callify</a:t>
+            </a:r>
+            <a:r>
+              <a:rPr kumimoji="0" lang="en-US" altLang="en-US" sz="1600" b="0" i="0" u="none" strike="noStrike" cap="none" normalizeH="0" baseline="0" dirty="0">
+                <a:ln>
+                  <a:noFill/>
+                </a:ln>
+                <a:solidFill>
+                  <a:schemeClr val="tx1"/>
+                </a:solidFill>
+                <a:effectLst/>
+                <a:latin typeface="Times New Roman" panose="02020603050405020304" pitchFamily="18" charset="0"/>
+                <a:cs typeface="Times New Roman" panose="02020603050405020304" pitchFamily="18" charset="0"/>
+              </a:rPr>
+              <a:t> on remote work and education.</a:t>
+            </a:r>
+          </a:p>
+          <a:p>
+            <a:pPr marL="0" marR="0" lvl="0" indent="0" algn="just" defTabSz="914400" rtl="0" eaLnBrk="0" fontAlgn="base" latinLnBrk="0" hangingPunct="0">
+              <a:lnSpc>
+                <a:spcPct val="200000"/>
+              </a:lnSpc>
+              <a:spcBef>
+                <a:spcPct val="0"/>
+              </a:spcBef>
+              <a:spcAft>
+                <a:spcPct val="0"/>
+              </a:spcAft>
+              <a:buClrTx/>
+              <a:buSzTx/>
+              <a:buFontTx/>
+              <a:buChar char="•"/>
+              <a:tabLst/>
+            </a:pPr>
+            <a:r>
+              <a:rPr kumimoji="0" lang="en-US" altLang="en-US" sz="1600" b="1" i="0" u="none" strike="noStrike" cap="none" normalizeH="0" baseline="0" dirty="0">
+                <a:ln>
+                  <a:noFill/>
+                </a:ln>
+                <a:solidFill>
+                  <a:schemeClr val="tx1"/>
+                </a:solidFill>
+                <a:effectLst/>
+                <a:latin typeface="Times New Roman" panose="02020603050405020304" pitchFamily="18" charset="0"/>
+                <a:cs typeface="Times New Roman" panose="02020603050405020304" pitchFamily="18" charset="0"/>
+              </a:rPr>
+              <a:t>Impact</a:t>
+            </a:r>
+            <a:r>
+              <a:rPr kumimoji="0" lang="en-US" altLang="en-US" sz="1600" b="0" i="0" u="none" strike="noStrike" cap="none" normalizeH="0" baseline="0" dirty="0">
+                <a:ln>
+                  <a:noFill/>
+                </a:ln>
+                <a:solidFill>
+                  <a:schemeClr val="tx1"/>
+                </a:solidFill>
+                <a:effectLst/>
+                <a:latin typeface="Times New Roman" panose="02020603050405020304" pitchFamily="18" charset="0"/>
+                <a:cs typeface="Times New Roman" panose="02020603050405020304" pitchFamily="18" charset="0"/>
+              </a:rPr>
+              <a:t>:</a:t>
+            </a:r>
+          </a:p>
+          <a:p>
+            <a:pPr marL="0" marR="0" lvl="0" indent="0" algn="just" defTabSz="914400" rtl="0" eaLnBrk="0" fontAlgn="base" latinLnBrk="0" hangingPunct="0">
+              <a:lnSpc>
+                <a:spcPct val="200000"/>
+              </a:lnSpc>
+              <a:spcBef>
+                <a:spcPct val="0"/>
+              </a:spcBef>
+              <a:spcAft>
+                <a:spcPct val="0"/>
+              </a:spcAft>
+              <a:buClrTx/>
+              <a:buSzTx/>
+              <a:buFontTx/>
+              <a:buChar char="•"/>
+              <a:tabLst/>
+            </a:pPr>
+            <a:r>
+              <a:rPr kumimoji="0" lang="en-US" altLang="en-US" sz="1600" b="0" i="0" u="none" strike="noStrike" cap="none" normalizeH="0" baseline="0" dirty="0">
+                <a:ln>
+                  <a:noFill/>
+                </a:ln>
+                <a:solidFill>
+                  <a:schemeClr val="tx1"/>
+                </a:solidFill>
+                <a:effectLst/>
+                <a:latin typeface="Times New Roman" panose="02020603050405020304" pitchFamily="18" charset="0"/>
+                <a:cs typeface="Times New Roman" panose="02020603050405020304" pitchFamily="18" charset="0"/>
+              </a:rPr>
+              <a:t>Better understanding of </a:t>
+            </a:r>
+            <a:r>
+              <a:rPr lang="en-US" altLang="en-US" sz="1600" dirty="0" err="1">
+                <a:latin typeface="Times New Roman" panose="02020603050405020304" pitchFamily="18" charset="0"/>
+                <a:cs typeface="Times New Roman" panose="02020603050405020304" pitchFamily="18" charset="0"/>
+              </a:rPr>
+              <a:t>Callify</a:t>
+            </a:r>
+            <a:r>
+              <a:rPr kumimoji="0" lang="en-US" altLang="en-US" sz="1600" b="0" i="0" u="none" strike="noStrike" cap="none" normalizeH="0" baseline="0" dirty="0" err="1">
+                <a:ln>
+                  <a:noFill/>
+                </a:ln>
+                <a:solidFill>
+                  <a:schemeClr val="tx1"/>
+                </a:solidFill>
+                <a:effectLst/>
+                <a:latin typeface="Times New Roman" panose="02020603050405020304" pitchFamily="18" charset="0"/>
+                <a:cs typeface="Times New Roman" panose="02020603050405020304" pitchFamily="18" charset="0"/>
+              </a:rPr>
+              <a:t>’s</a:t>
+            </a:r>
+            <a:r>
+              <a:rPr kumimoji="0" lang="en-US" altLang="en-US" sz="1600" b="0" i="0" u="none" strike="noStrike" cap="none" normalizeH="0" baseline="0" dirty="0">
+                <a:ln>
+                  <a:noFill/>
+                </a:ln>
+                <a:solidFill>
+                  <a:schemeClr val="tx1"/>
+                </a:solidFill>
+                <a:effectLst/>
+                <a:latin typeface="Times New Roman" panose="02020603050405020304" pitchFamily="18" charset="0"/>
+                <a:cs typeface="Times New Roman" panose="02020603050405020304" pitchFamily="18" charset="0"/>
+              </a:rPr>
+              <a:t> role in shaping future communication technologies.</a:t>
+            </a:r>
+          </a:p>
+          <a:p>
+            <a:pPr marL="0" marR="0" lvl="0" indent="0" algn="just" defTabSz="914400" rtl="0" eaLnBrk="0" fontAlgn="base" latinLnBrk="0" hangingPunct="0">
+              <a:lnSpc>
+                <a:spcPct val="200000"/>
+              </a:lnSpc>
+              <a:spcBef>
+                <a:spcPct val="0"/>
+              </a:spcBef>
+              <a:spcAft>
+                <a:spcPct val="0"/>
+              </a:spcAft>
+              <a:buClrTx/>
+              <a:buSzTx/>
+              <a:buFontTx/>
+              <a:buChar char="•"/>
+              <a:tabLst/>
+            </a:pPr>
+            <a:r>
+              <a:rPr kumimoji="0" lang="en-US" altLang="en-US" sz="1600" b="0" i="0" u="none" strike="noStrike" cap="none" normalizeH="0" baseline="0" dirty="0">
+                <a:ln>
+                  <a:noFill/>
+                </a:ln>
+                <a:solidFill>
+                  <a:schemeClr val="tx1"/>
+                </a:solidFill>
+                <a:effectLst/>
+                <a:latin typeface="Times New Roman" panose="02020603050405020304" pitchFamily="18" charset="0"/>
+                <a:cs typeface="Times New Roman" panose="02020603050405020304" pitchFamily="18" charset="0"/>
+              </a:rPr>
+              <a:t>Insights into how </a:t>
+            </a:r>
+            <a:r>
+              <a:rPr lang="en-US" altLang="en-US" sz="1600" dirty="0" err="1">
+                <a:latin typeface="Times New Roman" panose="02020603050405020304" pitchFamily="18" charset="0"/>
+                <a:cs typeface="Times New Roman" panose="02020603050405020304" pitchFamily="18" charset="0"/>
+              </a:rPr>
+              <a:t>Callify</a:t>
+            </a:r>
+            <a:r>
+              <a:rPr kumimoji="0" lang="en-US" altLang="en-US" sz="1600" b="0" i="0" u="none" strike="noStrike" cap="none" normalizeH="0" baseline="0" dirty="0">
+                <a:ln>
+                  <a:noFill/>
+                </a:ln>
+                <a:solidFill>
+                  <a:schemeClr val="tx1"/>
+                </a:solidFill>
+                <a:effectLst/>
+                <a:latin typeface="Times New Roman" panose="02020603050405020304" pitchFamily="18" charset="0"/>
+                <a:cs typeface="Times New Roman" panose="02020603050405020304" pitchFamily="18" charset="0"/>
+              </a:rPr>
+              <a:t> has revolutionized video conferencing for large-scale meetings and virtual collaborations.</a:t>
+            </a:r>
           </a:p>
           <a:p>
             <a:pPr marL="0" marR="0" lvl="0" indent="0" algn="l" defTabSz="914400" rtl="0" eaLnBrk="0" fontAlgn="base" latinLnBrk="0" hangingPunct="0">
@@ -28818,46 +29417,10 @@
           </a:p>
         </p:txBody>
       </p:sp>
-      <p:pic>
-        <p:nvPicPr>
-          <p:cNvPr id="9" name="Picture 8">
-            <a:extLst>
-              <a:ext uri="{FF2B5EF4-FFF2-40B4-BE49-F238E27FC236}">
-                <a16:creationId xmlns:a16="http://schemas.microsoft.com/office/drawing/2014/main" id="{BBEE8132-C428-BA7F-1C26-3424B77AF01B}"/>
-              </a:ext>
-            </a:extLst>
-          </p:cNvPr>
-          <p:cNvPicPr>
-            <a:picLocks noChangeAspect="1"/>
-          </p:cNvPicPr>
-          <p:nvPr/>
-        </p:nvPicPr>
-        <p:blipFill>
-          <a:blip r:embed="rId4">
-            <a:extLst>
-              <a:ext uri="{28A0092B-C50C-407E-A947-70E740481C1C}">
-                <a14:useLocalDpi xmlns:a14="http://schemas.microsoft.com/office/drawing/2010/main" val="0"/>
-              </a:ext>
-            </a:extLst>
-          </a:blip>
-          <a:stretch>
-            <a:fillRect/>
-          </a:stretch>
-        </p:blipFill>
-        <p:spPr>
-          <a:xfrm>
-            <a:off x="7315200" y="6060077"/>
-            <a:ext cx="4876800" cy="797921"/>
-          </a:xfrm>
-          <a:prstGeom prst="rect">
-            <a:avLst/>
-          </a:prstGeom>
-        </p:spPr>
-      </p:pic>
     </p:spTree>
     <p:extLst>
       <p:ext uri="{BB962C8B-B14F-4D97-AF65-F5344CB8AC3E}">
-        <p14:creationId xmlns:p14="http://schemas.microsoft.com/office/powerpoint/2010/main" val="145086881"/>
+        <p14:creationId xmlns:p14="http://schemas.microsoft.com/office/powerpoint/2010/main" val="657644709"/>
       </p:ext>
     </p:extLst>
   </p:cSld>
@@ -29173,8 +29736,8 @@
         </p:nvSpPr>
         <p:spPr bwMode="auto">
           <a:xfrm>
-            <a:off x="2743201" y="1609567"/>
-            <a:ext cx="7162800" cy="4399281"/>
+            <a:off x="2743201" y="1558271"/>
+            <a:ext cx="7162800" cy="4501873"/>
           </a:xfrm>
           <a:prstGeom prst="rect">
             <a:avLst/>
@@ -29239,18 +29802,18 @@
               <a:tabLst/>
             </a:pPr>
             <a:r>
-              <a:rPr kumimoji="0" lang="en-US" altLang="en-US" sz="1600" b="1" i="0" u="none" strike="noStrike" cap="none" normalizeH="0" baseline="0" dirty="0">
-                <a:ln>
-                  <a:noFill/>
-                </a:ln>
-                <a:solidFill>
-                  <a:schemeClr val="tx1"/>
-                </a:solidFill>
-                <a:effectLst/>
-                <a:latin typeface="Arial" panose="020B0604020202020204" pitchFamily="34" charset="0"/>
-                <a:cs typeface="Arial" panose="020B0604020202020204" pitchFamily="34" charset="0"/>
+              <a:rPr lang="en-US" altLang="en-US" sz="1600" b="1" dirty="0">
+                <a:latin typeface="Times New Roman" panose="02020603050405020304" pitchFamily="18" charset="0"/>
+                <a:cs typeface="Times New Roman" panose="02020603050405020304" pitchFamily="18" charset="0"/>
               </a:rPr>
-              <a:t>Clerk(Authentication)</a:t>
+              <a:t>Next </a:t>
+            </a:r>
+            <a:r>
+              <a:rPr lang="en-US" altLang="en-US" sz="1600" b="1" dirty="0" err="1">
+                <a:latin typeface="Times New Roman" panose="02020603050405020304" pitchFamily="18" charset="0"/>
+                <a:cs typeface="Times New Roman" panose="02020603050405020304" pitchFamily="18" charset="0"/>
+              </a:rPr>
+              <a:t>Js</a:t>
             </a:r>
             <a:r>
               <a:rPr kumimoji="0" lang="en-US" altLang="en-US" sz="1600" b="0" i="0" u="none" strike="noStrike" cap="none" normalizeH="0" baseline="0" dirty="0">
@@ -29261,8 +29824,8 @@
                   <a:schemeClr val="tx1"/>
                 </a:solidFill>
                 <a:effectLst/>
-                <a:latin typeface="Arial" panose="020B0604020202020204" pitchFamily="34" charset="0"/>
-                <a:cs typeface="Arial" panose="020B0604020202020204" pitchFamily="34" charset="0"/>
+                <a:latin typeface="Times New Roman" panose="02020603050405020304" pitchFamily="18" charset="0"/>
+                <a:cs typeface="Times New Roman" panose="02020603050405020304" pitchFamily="18" charset="0"/>
               </a:rPr>
               <a:t>:</a:t>
             </a:r>
@@ -29288,20 +29851,20 @@
             <a:r>
               <a:rPr lang="en-US" sz="1600" b="1" kern="100" dirty="0">
                 <a:effectLst/>
-                <a:latin typeface="Arial" panose="020B0604020202020204" pitchFamily="34" charset="0"/>
+                <a:latin typeface="Times New Roman" panose="02020603050405020304" pitchFamily="18" charset="0"/>
                 <a:ea typeface="Calibri" panose="020F0502020204030204" pitchFamily="34" charset="0"/>
-                <a:cs typeface="Arial" panose="020B0604020202020204" pitchFamily="34" charset="0"/>
+                <a:cs typeface="Times New Roman" panose="02020603050405020304" pitchFamily="18" charset="0"/>
               </a:rPr>
-              <a:t>User Authentication</a:t>
+              <a:t>Server-Side Rendering (SSR)</a:t>
             </a:r>
             <a:r>
               <a:rPr lang="en-US" sz="1600" kern="100" dirty="0">
                 <a:effectLst/>
-                <a:latin typeface="Arial" panose="020B0604020202020204" pitchFamily="34" charset="0"/>
+                <a:latin typeface="Times New Roman" panose="02020603050405020304" pitchFamily="18" charset="0"/>
                 <a:ea typeface="Calibri" panose="020F0502020204030204" pitchFamily="34" charset="0"/>
-                <a:cs typeface="Arial" panose="020B0604020202020204" pitchFamily="34" charset="0"/>
+                <a:cs typeface="Times New Roman" panose="02020603050405020304" pitchFamily="18" charset="0"/>
               </a:rPr>
-              <a:t>: Provides pre-built, easy-to-integrate authentication components (signup, login, password recovery), reducing development time.</a:t>
+              <a:t>: Allows for better performance and SEO, crucial for real-time video conferencing where loading times are critical.</a:t>
             </a:r>
           </a:p>
           <a:p>
@@ -29325,20 +29888,20 @@
             <a:r>
               <a:rPr lang="en-US" sz="1600" b="1" kern="100" dirty="0">
                 <a:effectLst/>
-                <a:latin typeface="Arial" panose="020B0604020202020204" pitchFamily="34" charset="0"/>
+                <a:latin typeface="Times New Roman" panose="02020603050405020304" pitchFamily="18" charset="0"/>
                 <a:ea typeface="Calibri" panose="020F0502020204030204" pitchFamily="34" charset="0"/>
-                <a:cs typeface="Arial" panose="020B0604020202020204" pitchFamily="34" charset="0"/>
+                <a:cs typeface="Times New Roman" panose="02020603050405020304" pitchFamily="18" charset="0"/>
               </a:rPr>
-              <a:t>Security</a:t>
+              <a:t>Static Site Generation (SSG)</a:t>
             </a:r>
             <a:r>
               <a:rPr lang="en-US" sz="1600" kern="100" dirty="0">
                 <a:effectLst/>
-                <a:latin typeface="Arial" panose="020B0604020202020204" pitchFamily="34" charset="0"/>
+                <a:latin typeface="Times New Roman" panose="02020603050405020304" pitchFamily="18" charset="0"/>
                 <a:ea typeface="Calibri" panose="020F0502020204030204" pitchFamily="34" charset="0"/>
-                <a:cs typeface="Arial" panose="020B0604020202020204" pitchFamily="34" charset="0"/>
+                <a:cs typeface="Times New Roman" panose="02020603050405020304" pitchFamily="18" charset="0"/>
               </a:rPr>
-              <a:t>: Offers built-in security features like OAuth and 2FA, essential for a video conferencing app where data protection is crucial.</a:t>
+              <a:t>: Provides static HTML at build time, ideal for reducing load on servers.</a:t>
             </a:r>
           </a:p>
           <a:p>
@@ -29362,20 +29925,20 @@
             <a:r>
               <a:rPr lang="en-US" sz="1600" b="1" kern="100" dirty="0">
                 <a:effectLst/>
-                <a:latin typeface="Arial" panose="020B0604020202020204" pitchFamily="34" charset="0"/>
+                <a:latin typeface="Times New Roman" panose="02020603050405020304" pitchFamily="18" charset="0"/>
                 <a:ea typeface="Calibri" panose="020F0502020204030204" pitchFamily="34" charset="0"/>
-                <a:cs typeface="Arial" panose="020B0604020202020204" pitchFamily="34" charset="0"/>
+                <a:cs typeface="Times New Roman" panose="02020603050405020304" pitchFamily="18" charset="0"/>
               </a:rPr>
-              <a:t>User Management</a:t>
+              <a:t>API Routes</a:t>
             </a:r>
             <a:r>
               <a:rPr lang="en-US" sz="1600" kern="100" dirty="0">
                 <a:effectLst/>
-                <a:latin typeface="Arial" panose="020B0604020202020204" pitchFamily="34" charset="0"/>
+                <a:latin typeface="Times New Roman" panose="02020603050405020304" pitchFamily="18" charset="0"/>
                 <a:ea typeface="Calibri" panose="020F0502020204030204" pitchFamily="34" charset="0"/>
-                <a:cs typeface="Arial" panose="020B0604020202020204" pitchFamily="34" charset="0"/>
+                <a:cs typeface="Times New Roman" panose="02020603050405020304" pitchFamily="18" charset="0"/>
               </a:rPr>
-              <a:t>: Comes with pre-built interfaces for user management, including sign-in/sign-up forms, improving development speed and user experience.</a:t>
+              <a:t>: Enables building custom backends for managing meetings, participants, and live streams.</a:t>
             </a:r>
           </a:p>
           <a:p>
@@ -29399,20 +29962,57 @@
             <a:r>
               <a:rPr lang="en-US" sz="1600" b="1" kern="100" dirty="0">
                 <a:effectLst/>
-                <a:latin typeface="Arial" panose="020B0604020202020204" pitchFamily="34" charset="0"/>
+                <a:latin typeface="Times New Roman" panose="02020603050405020304" pitchFamily="18" charset="0"/>
                 <a:ea typeface="Calibri" panose="020F0502020204030204" pitchFamily="34" charset="0"/>
-                <a:cs typeface="Arial" panose="020B0604020202020204" pitchFamily="34" charset="0"/>
+                <a:cs typeface="Times New Roman" panose="02020603050405020304" pitchFamily="18" charset="0"/>
               </a:rPr>
-              <a:t>Session Management</a:t>
+              <a:t>Routing</a:t>
             </a:r>
             <a:r>
               <a:rPr lang="en-US" sz="1600" kern="100" dirty="0">
                 <a:effectLst/>
-                <a:latin typeface="Arial" panose="020B0604020202020204" pitchFamily="34" charset="0"/>
+                <a:latin typeface="Times New Roman" panose="02020603050405020304" pitchFamily="18" charset="0"/>
                 <a:ea typeface="Calibri" panose="020F0502020204030204" pitchFamily="34" charset="0"/>
-                <a:cs typeface="Arial" panose="020B0604020202020204" pitchFamily="34" charset="0"/>
+                <a:cs typeface="Times New Roman" panose="02020603050405020304" pitchFamily="18" charset="0"/>
               </a:rPr>
-              <a:t>: Supports automatic session handling, ensuring authenticated users can join/host meetings securely.</a:t>
+              <a:t>: Next.js simplifies routing with file-based routing, making navigation within the app seamless.</a:t>
+            </a:r>
+          </a:p>
+          <a:p>
+            <a:pPr marL="342900" marR="0" lvl="0" indent="-342900">
+              <a:lnSpc>
+                <a:spcPct val="107000"/>
+              </a:lnSpc>
+              <a:spcBef>
+                <a:spcPts val="0"/>
+              </a:spcBef>
+              <a:spcAft>
+                <a:spcPts val="800"/>
+              </a:spcAft>
+              <a:buSzPts val="1000"/>
+              <a:buFont typeface="Symbol" panose="05050102010706020507" pitchFamily="18" charset="2"/>
+              <a:buChar char=""/>
+              <a:tabLst>
+                <a:tab pos="457200" algn="l"/>
+              </a:tabLst>
+            </a:pPr>
+            <a:r>
+              <a:rPr lang="en-US" sz="1600" b="1" kern="100" dirty="0">
+                <a:effectLst/>
+                <a:latin typeface="Times New Roman" panose="02020603050405020304" pitchFamily="18" charset="0"/>
+                <a:ea typeface="Calibri" panose="020F0502020204030204" pitchFamily="34" charset="0"/>
+                <a:cs typeface="Times New Roman" panose="02020603050405020304" pitchFamily="18" charset="0"/>
+              </a:rPr>
+              <a:t>Scalability</a:t>
+            </a:r>
+            <a:r>
+              <a:rPr lang="en-US" sz="1600" kern="100" dirty="0">
+                <a:effectLst/>
+                <a:latin typeface="Times New Roman" panose="02020603050405020304" pitchFamily="18" charset="0"/>
+                <a:ea typeface="Calibri" panose="020F0502020204030204" pitchFamily="34" charset="0"/>
+                <a:cs typeface="Times New Roman" panose="02020603050405020304" pitchFamily="18" charset="0"/>
+              </a:rPr>
+              <a:t>: Next.js can handle growing demands due to its SSR and API routes, enabling the handling of many concurrent video streams.</a:t>
             </a:r>
           </a:p>
           <a:p>
@@ -29440,8 +30040,8 @@
                 <a:schemeClr val="tx1"/>
               </a:solidFill>
               <a:effectLst/>
-              <a:latin typeface="Arial" panose="020B0604020202020204" pitchFamily="34" charset="0"/>
-              <a:cs typeface="Arial" panose="020B0604020202020204" pitchFamily="34" charset="0"/>
+              <a:latin typeface="Times New Roman" panose="02020603050405020304" pitchFamily="18" charset="0"/>
+              <a:cs typeface="Times New Roman" panose="02020603050405020304" pitchFamily="18" charset="0"/>
             </a:endParaRPr>
           </a:p>
           <a:p>
@@ -29469,18 +30069,18 @@
                 <a:schemeClr val="tx1"/>
               </a:solidFill>
               <a:effectLst/>
-              <a:latin typeface="Arial" panose="020B0604020202020204" pitchFamily="34" charset="0"/>
-              <a:cs typeface="Arial" panose="020B0604020202020204" pitchFamily="34" charset="0"/>
+              <a:latin typeface="Times New Roman" panose="02020603050405020304" pitchFamily="18" charset="0"/>
+              <a:cs typeface="Times New Roman" panose="02020603050405020304" pitchFamily="18" charset="0"/>
             </a:endParaRPr>
           </a:p>
         </p:txBody>
       </p:sp>
       <p:pic>
         <p:nvPicPr>
-          <p:cNvPr id="7" name="Picture 6">
+          <p:cNvPr id="9" name="Picture 8">
             <a:extLst>
               <a:ext uri="{FF2B5EF4-FFF2-40B4-BE49-F238E27FC236}">
-                <a16:creationId xmlns:a16="http://schemas.microsoft.com/office/drawing/2014/main" id="{E6EE5D7E-AB8F-CDB2-34C1-5CB6FD5BD56C}"/>
+                <a16:creationId xmlns:a16="http://schemas.microsoft.com/office/drawing/2014/main" id="{BBEE8132-C428-BA7F-1C26-3424B77AF01B}"/>
               </a:ext>
             </a:extLst>
           </p:cNvPr>
@@ -29514,7 +30114,7 @@
     </p:spTree>
     <p:extLst>
       <p:ext uri="{BB962C8B-B14F-4D97-AF65-F5344CB8AC3E}">
-        <p14:creationId xmlns:p14="http://schemas.microsoft.com/office/powerpoint/2010/main" val="3994280801"/>
+        <p14:creationId xmlns:p14="http://schemas.microsoft.com/office/powerpoint/2010/main" val="145086881"/>
       </p:ext>
     </p:extLst>
   </p:cSld>

--- a/Report & PPT/Project Work/Ppt/Callify Synopsis.pptx
+++ b/Report & PPT/Project Work/Ppt/Callify Synopsis.pptx
@@ -9,32 +9,31 @@
     <p:sldMasterId id="2147483699" r:id="rId5"/>
   </p:sldMasterIdLst>
   <p:notesMasterIdLst>
-    <p:notesMasterId r:id="rId26"/>
+    <p:notesMasterId r:id="rId25"/>
   </p:notesMasterIdLst>
   <p:handoutMasterIdLst>
-    <p:handoutMasterId r:id="rId27"/>
+    <p:handoutMasterId r:id="rId26"/>
   </p:handoutMasterIdLst>
   <p:sldIdLst>
     <p:sldId id="257" r:id="rId6"/>
     <p:sldId id="281" r:id="rId7"/>
     <p:sldId id="282" r:id="rId8"/>
     <p:sldId id="283" r:id="rId9"/>
-    <p:sldId id="299" r:id="rId10"/>
-    <p:sldId id="284" r:id="rId11"/>
-    <p:sldId id="285" r:id="rId12"/>
-    <p:sldId id="286" r:id="rId13"/>
-    <p:sldId id="291" r:id="rId14"/>
-    <p:sldId id="292" r:id="rId15"/>
-    <p:sldId id="293" r:id="rId16"/>
-    <p:sldId id="294" r:id="rId17"/>
-    <p:sldId id="295" r:id="rId18"/>
-    <p:sldId id="296" r:id="rId19"/>
-    <p:sldId id="297" r:id="rId20"/>
-    <p:sldId id="298" r:id="rId21"/>
-    <p:sldId id="287" r:id="rId22"/>
-    <p:sldId id="290" r:id="rId23"/>
-    <p:sldId id="288" r:id="rId24"/>
-    <p:sldId id="289" r:id="rId25"/>
+    <p:sldId id="284" r:id="rId10"/>
+    <p:sldId id="285" r:id="rId11"/>
+    <p:sldId id="286" r:id="rId12"/>
+    <p:sldId id="291" r:id="rId13"/>
+    <p:sldId id="292" r:id="rId14"/>
+    <p:sldId id="293" r:id="rId15"/>
+    <p:sldId id="294" r:id="rId16"/>
+    <p:sldId id="295" r:id="rId17"/>
+    <p:sldId id="296" r:id="rId18"/>
+    <p:sldId id="297" r:id="rId19"/>
+    <p:sldId id="298" r:id="rId20"/>
+    <p:sldId id="287" r:id="rId21"/>
+    <p:sldId id="290" r:id="rId22"/>
+    <p:sldId id="288" r:id="rId23"/>
+    <p:sldId id="289" r:id="rId24"/>
   </p:sldIdLst>
   <p:sldSz cx="12192000" cy="6858000"/>
   <p:notesSz cx="6858000" cy="9144000"/>
@@ -251,7 +250,7 @@
                 <a:latin typeface="Futura Cyrillic Book" panose="020B0502020204020303" charset="0"/>
               </a:rPr>
               <a:pPr/>
-              <a:t>07-Oct-24</a:t>
+              <a:t>15-Oct-24</a:t>
             </a:fld>
             <a:endParaRPr lang="en-US">
               <a:latin typeface="Futura Cyrillic Book" panose="020B0502020204020303" charset="0"/>
@@ -430,7 +429,7 @@
             <a:fld id="{0ECD8AD1-49EC-45F2-A2FF-1FE3195688C5}" type="datetimeFigureOut">
               <a:rPr lang="en-IN" smtClean="0"/>
               <a:pPr/>
-              <a:t>07-10-2024</a:t>
+              <a:t>15-10-2024</a:t>
             </a:fld>
             <a:endParaRPr lang="en-IN"/>
           </a:p>
@@ -873,7 +872,7 @@
     </p:spTree>
     <p:extLst>
       <p:ext uri="{BB962C8B-B14F-4D97-AF65-F5344CB8AC3E}">
-        <p14:creationId xmlns:p14="http://schemas.microsoft.com/office/powerpoint/2010/main" val="1750939175"/>
+        <p14:creationId xmlns:p14="http://schemas.microsoft.com/office/powerpoint/2010/main" val="187069949"/>
       </p:ext>
     </p:extLst>
   </p:cSld>
@@ -963,7 +962,7 @@
     </p:spTree>
     <p:extLst>
       <p:ext uri="{BB962C8B-B14F-4D97-AF65-F5344CB8AC3E}">
-        <p14:creationId xmlns:p14="http://schemas.microsoft.com/office/powerpoint/2010/main" val="187069949"/>
+        <p14:creationId xmlns:p14="http://schemas.microsoft.com/office/powerpoint/2010/main" val="1825597563"/>
       </p:ext>
     </p:extLst>
   </p:cSld>
@@ -1053,7 +1052,7 @@
     </p:spTree>
     <p:extLst>
       <p:ext uri="{BB962C8B-B14F-4D97-AF65-F5344CB8AC3E}">
-        <p14:creationId xmlns:p14="http://schemas.microsoft.com/office/powerpoint/2010/main" val="1825597563"/>
+        <p14:creationId xmlns:p14="http://schemas.microsoft.com/office/powerpoint/2010/main" val="3899158755"/>
       </p:ext>
     </p:extLst>
   </p:cSld>
@@ -1143,7 +1142,7 @@
     </p:spTree>
     <p:extLst>
       <p:ext uri="{BB962C8B-B14F-4D97-AF65-F5344CB8AC3E}">
-        <p14:creationId xmlns:p14="http://schemas.microsoft.com/office/powerpoint/2010/main" val="3899158755"/>
+        <p14:creationId xmlns:p14="http://schemas.microsoft.com/office/powerpoint/2010/main" val="2793012072"/>
       </p:ext>
     </p:extLst>
   </p:cSld>
@@ -1233,7 +1232,7 @@
     </p:spTree>
     <p:extLst>
       <p:ext uri="{BB962C8B-B14F-4D97-AF65-F5344CB8AC3E}">
-        <p14:creationId xmlns:p14="http://schemas.microsoft.com/office/powerpoint/2010/main" val="2793012072"/>
+        <p14:creationId xmlns:p14="http://schemas.microsoft.com/office/powerpoint/2010/main" val="1554245200"/>
       </p:ext>
     </p:extLst>
   </p:cSld>
@@ -1323,7 +1322,7 @@
     </p:spTree>
     <p:extLst>
       <p:ext uri="{BB962C8B-B14F-4D97-AF65-F5344CB8AC3E}">
-        <p14:creationId xmlns:p14="http://schemas.microsoft.com/office/powerpoint/2010/main" val="1554245200"/>
+        <p14:creationId xmlns:p14="http://schemas.microsoft.com/office/powerpoint/2010/main" val="3214208214"/>
       </p:ext>
     </p:extLst>
   </p:cSld>
@@ -1413,7 +1412,7 @@
     </p:spTree>
     <p:extLst>
       <p:ext uri="{BB962C8B-B14F-4D97-AF65-F5344CB8AC3E}">
-        <p14:creationId xmlns:p14="http://schemas.microsoft.com/office/powerpoint/2010/main" val="3214208214"/>
+        <p14:creationId xmlns:p14="http://schemas.microsoft.com/office/powerpoint/2010/main" val="360630582"/>
       </p:ext>
     </p:extLst>
   </p:cSld>
@@ -1503,7 +1502,7 @@
     </p:spTree>
     <p:extLst>
       <p:ext uri="{BB962C8B-B14F-4D97-AF65-F5344CB8AC3E}">
-        <p14:creationId xmlns:p14="http://schemas.microsoft.com/office/powerpoint/2010/main" val="360630582"/>
+        <p14:creationId xmlns:p14="http://schemas.microsoft.com/office/powerpoint/2010/main" val="1104650847"/>
       </p:ext>
     </p:extLst>
   </p:cSld>
@@ -1593,7 +1592,7 @@
     </p:spTree>
     <p:extLst>
       <p:ext uri="{BB962C8B-B14F-4D97-AF65-F5344CB8AC3E}">
-        <p14:creationId xmlns:p14="http://schemas.microsoft.com/office/powerpoint/2010/main" val="1104650847"/>
+        <p14:creationId xmlns:p14="http://schemas.microsoft.com/office/powerpoint/2010/main" val="727244176"/>
       </p:ext>
     </p:extLst>
   </p:cSld>
@@ -1683,7 +1682,7 @@
     </p:spTree>
     <p:extLst>
       <p:ext uri="{BB962C8B-B14F-4D97-AF65-F5344CB8AC3E}">
-        <p14:creationId xmlns:p14="http://schemas.microsoft.com/office/powerpoint/2010/main" val="727244176"/>
+        <p14:creationId xmlns:p14="http://schemas.microsoft.com/office/powerpoint/2010/main" val="2271837029"/>
       </p:ext>
     </p:extLst>
   </p:cSld>
@@ -1774,96 +1773,6 @@
     <p:extLst>
       <p:ext uri="{BB962C8B-B14F-4D97-AF65-F5344CB8AC3E}">
         <p14:creationId xmlns:p14="http://schemas.microsoft.com/office/powerpoint/2010/main" val="1208718921"/>
-      </p:ext>
-    </p:extLst>
-  </p:cSld>
-  <p:clrMapOvr>
-    <a:masterClrMapping/>
-  </p:clrMapOvr>
-</p:notes>
-</file>
-
-<file path=ppt/notesSlides/notesSlide20.xml><?xml version="1.0" encoding="utf-8"?>
-<p:notes xmlns:a="http://schemas.openxmlformats.org/drawingml/2006/main" xmlns:r="http://schemas.openxmlformats.org/officeDocument/2006/relationships" xmlns:p="http://schemas.openxmlformats.org/presentationml/2006/main">
-  <p:cSld>
-    <p:spTree>
-      <p:nvGrpSpPr>
-        <p:cNvPr id="1" name=""/>
-        <p:cNvGrpSpPr/>
-        <p:nvPr/>
-      </p:nvGrpSpPr>
-      <p:grpSpPr>
-        <a:xfrm>
-          <a:off x="0" y="0"/>
-          <a:ext cx="0" cy="0"/>
-          <a:chOff x="0" y="0"/>
-          <a:chExt cx="0" cy="0"/>
-        </a:xfrm>
-      </p:grpSpPr>
-      <p:sp>
-        <p:nvSpPr>
-          <p:cNvPr id="2" name="Slide Image Placeholder 1"/>
-          <p:cNvSpPr>
-            <a:spLocks noGrp="1" noRot="1" noChangeAspect="1"/>
-          </p:cNvSpPr>
-          <p:nvPr>
-            <p:ph type="sldImg"/>
-          </p:nvPr>
-        </p:nvSpPr>
-        <p:spPr>
-          <a:xfrm>
-            <a:off x="685800" y="1143000"/>
-            <a:ext cx="5486400" cy="3086100"/>
-          </a:xfrm>
-        </p:spPr>
-      </p:sp>
-      <p:sp>
-        <p:nvSpPr>
-          <p:cNvPr id="3" name="Notes Placeholder 2"/>
-          <p:cNvSpPr>
-            <a:spLocks noGrp="1"/>
-          </p:cNvSpPr>
-          <p:nvPr>
-            <p:ph type="body" idx="1"/>
-          </p:nvPr>
-        </p:nvSpPr>
-        <p:spPr/>
-        <p:txBody>
-          <a:bodyPr/>
-          <a:lstStyle/>
-          <a:p>
-            <a:endParaRPr lang="en-IN" dirty="0"/>
-          </a:p>
-        </p:txBody>
-      </p:sp>
-      <p:sp>
-        <p:nvSpPr>
-          <p:cNvPr id="4" name="Slide Number Placeholder 3"/>
-          <p:cNvSpPr>
-            <a:spLocks noGrp="1"/>
-          </p:cNvSpPr>
-          <p:nvPr>
-            <p:ph type="sldNum" sz="quarter" idx="10"/>
-          </p:nvPr>
-        </p:nvSpPr>
-        <p:spPr/>
-        <p:txBody>
-          <a:bodyPr/>
-          <a:lstStyle/>
-          <a:p>
-            <a:fld id="{7782813F-5D25-4BB6-888C-4601F85758C5}" type="slidenum">
-              <a:rPr lang="en-IN" smtClean="0"/>
-              <a:pPr/>
-              <a:t>20</a:t>
-            </a:fld>
-            <a:endParaRPr lang="en-IN"/>
-          </a:p>
-        </p:txBody>
-      </p:sp>
-    </p:spTree>
-    <p:extLst>
-      <p:ext uri="{BB962C8B-B14F-4D97-AF65-F5344CB8AC3E}">
-        <p14:creationId xmlns:p14="http://schemas.microsoft.com/office/powerpoint/2010/main" val="2271837029"/>
       </p:ext>
     </p:extLst>
   </p:cSld>
@@ -2133,7 +2042,7 @@
     </p:spTree>
     <p:extLst>
       <p:ext uri="{BB962C8B-B14F-4D97-AF65-F5344CB8AC3E}">
-        <p14:creationId xmlns:p14="http://schemas.microsoft.com/office/powerpoint/2010/main" val="4245959580"/>
+        <p14:creationId xmlns:p14="http://schemas.microsoft.com/office/powerpoint/2010/main" val="3568337871"/>
       </p:ext>
     </p:extLst>
   </p:cSld>
@@ -2223,7 +2132,7 @@
     </p:spTree>
     <p:extLst>
       <p:ext uri="{BB962C8B-B14F-4D97-AF65-F5344CB8AC3E}">
-        <p14:creationId xmlns:p14="http://schemas.microsoft.com/office/powerpoint/2010/main" val="3568337871"/>
+        <p14:creationId xmlns:p14="http://schemas.microsoft.com/office/powerpoint/2010/main" val="4175307956"/>
       </p:ext>
     </p:extLst>
   </p:cSld>
@@ -2313,7 +2222,7 @@
     </p:spTree>
     <p:extLst>
       <p:ext uri="{BB962C8B-B14F-4D97-AF65-F5344CB8AC3E}">
-        <p14:creationId xmlns:p14="http://schemas.microsoft.com/office/powerpoint/2010/main" val="4175307956"/>
+        <p14:creationId xmlns:p14="http://schemas.microsoft.com/office/powerpoint/2010/main" val="2218171724"/>
       </p:ext>
     </p:extLst>
   </p:cSld>
@@ -2403,7 +2312,7 @@
     </p:spTree>
     <p:extLst>
       <p:ext uri="{BB962C8B-B14F-4D97-AF65-F5344CB8AC3E}">
-        <p14:creationId xmlns:p14="http://schemas.microsoft.com/office/powerpoint/2010/main" val="2218171724"/>
+        <p14:creationId xmlns:p14="http://schemas.microsoft.com/office/powerpoint/2010/main" val="2129072402"/>
       </p:ext>
     </p:extLst>
   </p:cSld>
@@ -2493,7 +2402,7 @@
     </p:spTree>
     <p:extLst>
       <p:ext uri="{BB962C8B-B14F-4D97-AF65-F5344CB8AC3E}">
-        <p14:creationId xmlns:p14="http://schemas.microsoft.com/office/powerpoint/2010/main" val="2129072402"/>
+        <p14:creationId xmlns:p14="http://schemas.microsoft.com/office/powerpoint/2010/main" val="1750939175"/>
       </p:ext>
     </p:extLst>
   </p:cSld>
@@ -2633,7 +2542,7 @@
             <a:fld id="{4EF95999-A99C-46D6-BFDA-AEFA180EA74F}" type="datetimeFigureOut">
               <a:rPr lang="en-US" smtClean="0"/>
               <a:pPr/>
-              <a:t>07-Oct-24</a:t>
+              <a:t>15-Oct-24</a:t>
             </a:fld>
             <a:endParaRPr lang="en-US"/>
           </a:p>
@@ -2798,7 +2707,7 @@
             <a:fld id="{4EF95999-A99C-46D6-BFDA-AEFA180EA74F}" type="datetimeFigureOut">
               <a:rPr lang="en-US" smtClean="0"/>
               <a:pPr/>
-              <a:t>07-Oct-24</a:t>
+              <a:t>15-Oct-24</a:t>
             </a:fld>
             <a:endParaRPr lang="en-US"/>
           </a:p>
@@ -2973,7 +2882,7 @@
             <a:fld id="{4EF95999-A99C-46D6-BFDA-AEFA180EA74F}" type="datetimeFigureOut">
               <a:rPr lang="en-US" smtClean="0"/>
               <a:pPr/>
-              <a:t>07-Oct-24</a:t>
+              <a:t>15-Oct-24</a:t>
             </a:fld>
             <a:endParaRPr lang="en-US"/>
           </a:p>
@@ -3144,7 +3053,7 @@
             <a:fld id="{EC281ACE-890E-4B55-88CA-A440D73ED3A3}" type="datetimeFigureOut">
               <a:rPr lang="en-US" smtClean="0"/>
               <a:pPr/>
-              <a:t>07-Oct-24</a:t>
+              <a:t>15-Oct-24</a:t>
             </a:fld>
             <a:endParaRPr lang="en-US"/>
           </a:p>
@@ -3362,7 +3271,7 @@
             <a:fld id="{36B80835-DEB3-4275-B379-2566D87801AD}" type="datetimeFigureOut">
               <a:rPr lang="en-US" smtClean="0"/>
               <a:pPr/>
-              <a:t>07-Oct-24</a:t>
+              <a:t>15-Oct-24</a:t>
             </a:fld>
             <a:endParaRPr lang="en-US"/>
           </a:p>
@@ -3527,7 +3436,7 @@
             <a:fld id="{36B80835-DEB3-4275-B379-2566D87801AD}" type="datetimeFigureOut">
               <a:rPr lang="en-US" smtClean="0"/>
               <a:pPr/>
-              <a:t>07-Oct-24</a:t>
+              <a:t>15-Oct-24</a:t>
             </a:fld>
             <a:endParaRPr lang="en-US"/>
           </a:p>
@@ -3769,7 +3678,7 @@
             <a:fld id="{36B80835-DEB3-4275-B379-2566D87801AD}" type="datetimeFigureOut">
               <a:rPr lang="en-US" smtClean="0"/>
               <a:pPr/>
-              <a:t>07-Oct-24</a:t>
+              <a:t>15-Oct-24</a:t>
             </a:fld>
             <a:endParaRPr lang="en-US"/>
           </a:p>
@@ -3995,7 +3904,7 @@
             <a:fld id="{36B80835-DEB3-4275-B379-2566D87801AD}" type="datetimeFigureOut">
               <a:rPr lang="en-US" smtClean="0"/>
               <a:pPr/>
-              <a:t>07-Oct-24</a:t>
+              <a:t>15-Oct-24</a:t>
             </a:fld>
             <a:endParaRPr lang="en-US"/>
           </a:p>
@@ -4356,7 +4265,7 @@
             <a:fld id="{36B80835-DEB3-4275-B379-2566D87801AD}" type="datetimeFigureOut">
               <a:rPr lang="en-US" smtClean="0"/>
               <a:pPr/>
-              <a:t>07-Oct-24</a:t>
+              <a:t>15-Oct-24</a:t>
             </a:fld>
             <a:endParaRPr lang="en-US"/>
           </a:p>
@@ -4470,7 +4379,7 @@
             <a:fld id="{36B80835-DEB3-4275-B379-2566D87801AD}" type="datetimeFigureOut">
               <a:rPr lang="en-US" smtClean="0"/>
               <a:pPr/>
-              <a:t>07-Oct-24</a:t>
+              <a:t>15-Oct-24</a:t>
             </a:fld>
             <a:endParaRPr lang="en-US"/>
           </a:p>
@@ -4562,7 +4471,7 @@
             <a:fld id="{36B80835-DEB3-4275-B379-2566D87801AD}" type="datetimeFigureOut">
               <a:rPr lang="en-US" smtClean="0"/>
               <a:pPr/>
-              <a:t>07-Oct-24</a:t>
+              <a:t>15-Oct-24</a:t>
             </a:fld>
             <a:endParaRPr lang="en-US"/>
           </a:p>
@@ -4727,7 +4636,7 @@
             <a:fld id="{4EF95999-A99C-46D6-BFDA-AEFA180EA74F}" type="datetimeFigureOut">
               <a:rPr lang="en-US" smtClean="0"/>
               <a:pPr/>
-              <a:t>07-Oct-24</a:t>
+              <a:t>15-Oct-24</a:t>
             </a:fld>
             <a:endParaRPr lang="en-US"/>
           </a:p>
@@ -4999,7 +4908,7 @@
             <a:fld id="{36B80835-DEB3-4275-B379-2566D87801AD}" type="datetimeFigureOut">
               <a:rPr lang="en-US" smtClean="0"/>
               <a:pPr/>
-              <a:t>07-Oct-24</a:t>
+              <a:t>15-Oct-24</a:t>
             </a:fld>
             <a:endParaRPr lang="en-US"/>
           </a:p>
@@ -5248,7 +5157,7 @@
             <a:fld id="{36B80835-DEB3-4275-B379-2566D87801AD}" type="datetimeFigureOut">
               <a:rPr lang="en-US" smtClean="0"/>
               <a:pPr/>
-              <a:t>07-Oct-24</a:t>
+              <a:t>15-Oct-24</a:t>
             </a:fld>
             <a:endParaRPr lang="en-US"/>
           </a:p>
@@ -5413,7 +5322,7 @@
             <a:fld id="{36B80835-DEB3-4275-B379-2566D87801AD}" type="datetimeFigureOut">
               <a:rPr lang="en-US" smtClean="0"/>
               <a:pPr/>
-              <a:t>07-Oct-24</a:t>
+              <a:t>15-Oct-24</a:t>
             </a:fld>
             <a:endParaRPr lang="en-US"/>
           </a:p>
@@ -5588,7 +5497,7 @@
             <a:fld id="{36B80835-DEB3-4275-B379-2566D87801AD}" type="datetimeFigureOut">
               <a:rPr lang="en-US" smtClean="0"/>
               <a:pPr/>
-              <a:t>07-Oct-24</a:t>
+              <a:t>15-Oct-24</a:t>
             </a:fld>
             <a:endParaRPr lang="en-US"/>
           </a:p>
@@ -5775,7 +5684,7 @@
             <a:fld id="{4EF95999-A99C-46D6-BFDA-AEFA180EA74F}" type="datetimeFigureOut">
               <a:rPr lang="en-US" smtClean="0"/>
               <a:pPr/>
-              <a:t>07-Oct-24</a:t>
+              <a:t>15-Oct-24</a:t>
             </a:fld>
             <a:endParaRPr lang="en-US"/>
           </a:p>
@@ -5940,7 +5849,7 @@
             <a:fld id="{4EF95999-A99C-46D6-BFDA-AEFA180EA74F}" type="datetimeFigureOut">
               <a:rPr lang="en-US" smtClean="0"/>
               <a:pPr/>
-              <a:t>07-Oct-24</a:t>
+              <a:t>15-Oct-24</a:t>
             </a:fld>
             <a:endParaRPr lang="en-US"/>
           </a:p>
@@ -6182,7 +6091,7 @@
             <a:fld id="{4EF95999-A99C-46D6-BFDA-AEFA180EA74F}" type="datetimeFigureOut">
               <a:rPr lang="en-US" smtClean="0"/>
               <a:pPr/>
-              <a:t>07-Oct-24</a:t>
+              <a:t>15-Oct-24</a:t>
             </a:fld>
             <a:endParaRPr lang="en-US"/>
           </a:p>
@@ -6408,7 +6317,7 @@
             <a:fld id="{4EF95999-A99C-46D6-BFDA-AEFA180EA74F}" type="datetimeFigureOut">
               <a:rPr lang="en-US" smtClean="0"/>
               <a:pPr/>
-              <a:t>07-Oct-24</a:t>
+              <a:t>15-Oct-24</a:t>
             </a:fld>
             <a:endParaRPr lang="en-US"/>
           </a:p>
@@ -6769,7 +6678,7 @@
             <a:fld id="{4EF95999-A99C-46D6-BFDA-AEFA180EA74F}" type="datetimeFigureOut">
               <a:rPr lang="en-US" smtClean="0"/>
               <a:pPr/>
-              <a:t>07-Oct-24</a:t>
+              <a:t>15-Oct-24</a:t>
             </a:fld>
             <a:endParaRPr lang="en-US"/>
           </a:p>
@@ -6883,7 +6792,7 @@
             <a:fld id="{4EF95999-A99C-46D6-BFDA-AEFA180EA74F}" type="datetimeFigureOut">
               <a:rPr lang="en-US" smtClean="0"/>
               <a:pPr/>
-              <a:t>07-Oct-24</a:t>
+              <a:t>15-Oct-24</a:t>
             </a:fld>
             <a:endParaRPr lang="en-US"/>
           </a:p>
@@ -7125,7 +7034,7 @@
             <a:fld id="{4EF95999-A99C-46D6-BFDA-AEFA180EA74F}" type="datetimeFigureOut">
               <a:rPr lang="en-US" smtClean="0"/>
               <a:pPr/>
-              <a:t>07-Oct-24</a:t>
+              <a:t>15-Oct-24</a:t>
             </a:fld>
             <a:endParaRPr lang="en-US"/>
           </a:p>
@@ -7217,7 +7126,7 @@
             <a:fld id="{4EF95999-A99C-46D6-BFDA-AEFA180EA74F}" type="datetimeFigureOut">
               <a:rPr lang="en-US" smtClean="0"/>
               <a:pPr/>
-              <a:t>07-Oct-24</a:t>
+              <a:t>15-Oct-24</a:t>
             </a:fld>
             <a:endParaRPr lang="en-US"/>
           </a:p>
@@ -7489,7 +7398,7 @@
             <a:fld id="{4EF95999-A99C-46D6-BFDA-AEFA180EA74F}" type="datetimeFigureOut">
               <a:rPr lang="en-US" smtClean="0"/>
               <a:pPr/>
-              <a:t>07-Oct-24</a:t>
+              <a:t>15-Oct-24</a:t>
             </a:fld>
             <a:endParaRPr lang="en-US"/>
           </a:p>
@@ -7738,7 +7647,7 @@
             <a:fld id="{4EF95999-A99C-46D6-BFDA-AEFA180EA74F}" type="datetimeFigureOut">
               <a:rPr lang="en-US" smtClean="0"/>
               <a:pPr/>
-              <a:t>07-Oct-24</a:t>
+              <a:t>15-Oct-24</a:t>
             </a:fld>
             <a:endParaRPr lang="en-US"/>
           </a:p>
@@ -7903,7 +7812,7 @@
             <a:fld id="{4EF95999-A99C-46D6-BFDA-AEFA180EA74F}" type="datetimeFigureOut">
               <a:rPr lang="en-US" smtClean="0"/>
               <a:pPr/>
-              <a:t>07-Oct-24</a:t>
+              <a:t>15-Oct-24</a:t>
             </a:fld>
             <a:endParaRPr lang="en-US"/>
           </a:p>
@@ -8078,7 +7987,7 @@
             <a:fld id="{4EF95999-A99C-46D6-BFDA-AEFA180EA74F}" type="datetimeFigureOut">
               <a:rPr lang="en-US" smtClean="0"/>
               <a:pPr/>
-              <a:t>07-Oct-24</a:t>
+              <a:t>15-Oct-24</a:t>
             </a:fld>
             <a:endParaRPr lang="en-US"/>
           </a:p>
@@ -8249,7 +8158,7 @@
             <a:fld id="{EC281ACE-890E-4B55-88CA-A440D73ED3A3}" type="datetimeFigureOut">
               <a:rPr lang="en-US" smtClean="0"/>
               <a:pPr/>
-              <a:t>07-Oct-24</a:t>
+              <a:t>15-Oct-24</a:t>
             </a:fld>
             <a:endParaRPr lang="en-US"/>
           </a:p>
@@ -8469,7 +8378,7 @@
             <a:fld id="{4EF95999-A99C-46D6-BFDA-AEFA180EA74F}" type="datetimeFigureOut">
               <a:rPr lang="en-US" smtClean="0"/>
               <a:pPr/>
-              <a:t>07-Oct-24</a:t>
+              <a:t>15-Oct-24</a:t>
             </a:fld>
             <a:endParaRPr lang="en-US"/>
           </a:p>
@@ -8641,7 +8550,7 @@
             <a:fld id="{4EF95999-A99C-46D6-BFDA-AEFA180EA74F}" type="datetimeFigureOut">
               <a:rPr lang="en-US" smtClean="0"/>
               <a:pPr/>
-              <a:t>07-Oct-24</a:t>
+              <a:t>15-Oct-24</a:t>
             </a:fld>
             <a:endParaRPr lang="en-US"/>
           </a:p>
@@ -8773,7 +8682,7 @@
             <a:fld id="{4EF95999-A99C-46D6-BFDA-AEFA180EA74F}" type="datetimeFigureOut">
               <a:rPr lang="en-US" smtClean="0"/>
               <a:pPr/>
-              <a:t>07-Oct-24</a:t>
+              <a:t>15-Oct-24</a:t>
             </a:fld>
             <a:endParaRPr lang="en-US"/>
           </a:p>
@@ -9033,7 +8942,7 @@
             <a:fld id="{4EF95999-A99C-46D6-BFDA-AEFA180EA74F}" type="datetimeFigureOut">
               <a:rPr lang="en-US" smtClean="0"/>
               <a:pPr/>
-              <a:t>07-Oct-24</a:t>
+              <a:t>15-Oct-24</a:t>
             </a:fld>
             <a:endParaRPr lang="en-US"/>
           </a:p>
@@ -9264,7 +9173,7 @@
             <a:fld id="{4EF95999-A99C-46D6-BFDA-AEFA180EA74F}" type="datetimeFigureOut">
               <a:rPr lang="en-US" smtClean="0"/>
               <a:pPr/>
-              <a:t>07-Oct-24</a:t>
+              <a:t>15-Oct-24</a:t>
             </a:fld>
             <a:endParaRPr lang="en-US"/>
           </a:p>
@@ -9493,7 +9402,7 @@
             <a:fld id="{4EF95999-A99C-46D6-BFDA-AEFA180EA74F}" type="datetimeFigureOut">
               <a:rPr lang="en-US" smtClean="0"/>
               <a:pPr/>
-              <a:t>07-Oct-24</a:t>
+              <a:t>15-Oct-24</a:t>
             </a:fld>
             <a:endParaRPr lang="en-US"/>
           </a:p>
@@ -9862,7 +9771,7 @@
             <a:fld id="{4EF95999-A99C-46D6-BFDA-AEFA180EA74F}" type="datetimeFigureOut">
               <a:rPr lang="en-US" smtClean="0"/>
               <a:pPr/>
-              <a:t>07-Oct-24</a:t>
+              <a:t>15-Oct-24</a:t>
             </a:fld>
             <a:endParaRPr lang="en-US"/>
           </a:p>
@@ -9982,7 +9891,7 @@
             <a:fld id="{4EF95999-A99C-46D6-BFDA-AEFA180EA74F}" type="datetimeFigureOut">
               <a:rPr lang="en-US" smtClean="0"/>
               <a:pPr/>
-              <a:t>07-Oct-24</a:t>
+              <a:t>15-Oct-24</a:t>
             </a:fld>
             <a:endParaRPr lang="en-US"/>
           </a:p>
@@ -10079,7 +9988,7 @@
             <a:fld id="{4EF95999-A99C-46D6-BFDA-AEFA180EA74F}" type="datetimeFigureOut">
               <a:rPr lang="en-US" smtClean="0"/>
               <a:pPr/>
-              <a:t>07-Oct-24</a:t>
+              <a:t>15-Oct-24</a:t>
             </a:fld>
             <a:endParaRPr lang="en-US"/>
           </a:p>
@@ -10358,7 +10267,7 @@
             <a:fld id="{4EF95999-A99C-46D6-BFDA-AEFA180EA74F}" type="datetimeFigureOut">
               <a:rPr lang="en-US" smtClean="0"/>
               <a:pPr/>
-              <a:t>07-Oct-24</a:t>
+              <a:t>15-Oct-24</a:t>
             </a:fld>
             <a:endParaRPr lang="en-US"/>
           </a:p>
@@ -10617,7 +10526,7 @@
             <a:fld id="{4EF95999-A99C-46D6-BFDA-AEFA180EA74F}" type="datetimeFigureOut">
               <a:rPr lang="en-US" smtClean="0"/>
               <a:pPr/>
-              <a:t>07-Oct-24</a:t>
+              <a:t>15-Oct-24</a:t>
             </a:fld>
             <a:endParaRPr lang="en-US"/>
           </a:p>
@@ -10789,7 +10698,7 @@
             <a:fld id="{4EF95999-A99C-46D6-BFDA-AEFA180EA74F}" type="datetimeFigureOut">
               <a:rPr lang="en-US" smtClean="0"/>
               <a:pPr/>
-              <a:t>07-Oct-24</a:t>
+              <a:t>15-Oct-24</a:t>
             </a:fld>
             <a:endParaRPr lang="en-US"/>
           </a:p>
@@ -10971,7 +10880,7 @@
             <a:fld id="{4EF95999-A99C-46D6-BFDA-AEFA180EA74F}" type="datetimeFigureOut">
               <a:rPr lang="en-US" smtClean="0"/>
               <a:pPr/>
-              <a:t>07-Oct-24</a:t>
+              <a:t>15-Oct-24</a:t>
             </a:fld>
             <a:endParaRPr lang="en-US"/>
           </a:p>
@@ -11182,7 +11091,7 @@
           <a:p>
             <a:fld id="{3744D9F7-2A27-4B90-AB19-1B9621DD8A20}" type="datetimeFigureOut">
               <a:rPr lang="en-IN" smtClean="0"/>
-              <a:t>07-10-2024</a:t>
+              <a:t>15-10-2024</a:t>
             </a:fld>
             <a:endParaRPr lang="en-IN"/>
           </a:p>
@@ -11382,7 +11291,7 @@
           <a:p>
             <a:fld id="{3744D9F7-2A27-4B90-AB19-1B9621DD8A20}" type="datetimeFigureOut">
               <a:rPr lang="en-IN" smtClean="0"/>
-              <a:t>07-10-2024</a:t>
+              <a:t>15-10-2024</a:t>
             </a:fld>
             <a:endParaRPr lang="en-IN"/>
           </a:p>
@@ -11759,7 +11668,7 @@
             <a:fld id="{4EF95999-A99C-46D6-BFDA-AEFA180EA74F}" type="datetimeFigureOut">
               <a:rPr lang="en-US" smtClean="0"/>
               <a:pPr/>
-              <a:t>07-Oct-24</a:t>
+              <a:t>15-Oct-24</a:t>
             </a:fld>
             <a:endParaRPr lang="en-US"/>
           </a:p>
@@ -12019,7 +11928,7 @@
           <a:p>
             <a:fld id="{3744D9F7-2A27-4B90-AB19-1B9621DD8A20}" type="datetimeFigureOut">
               <a:rPr lang="en-IN" smtClean="0"/>
-              <a:t>07-10-2024</a:t>
+              <a:t>15-10-2024</a:t>
             </a:fld>
             <a:endParaRPr lang="en-IN"/>
           </a:p>
@@ -12287,7 +12196,7 @@
           <a:p>
             <a:fld id="{3744D9F7-2A27-4B90-AB19-1B9621DD8A20}" type="datetimeFigureOut">
               <a:rPr lang="en-IN" smtClean="0"/>
-              <a:t>07-10-2024</a:t>
+              <a:t>15-10-2024</a:t>
             </a:fld>
             <a:endParaRPr lang="en-IN"/>
           </a:p>
@@ -12702,7 +12611,7 @@
           <a:p>
             <a:fld id="{3744D9F7-2A27-4B90-AB19-1B9621DD8A20}" type="datetimeFigureOut">
               <a:rPr lang="en-IN" smtClean="0"/>
-              <a:t>07-10-2024</a:t>
+              <a:t>15-10-2024</a:t>
             </a:fld>
             <a:endParaRPr lang="en-IN"/>
           </a:p>
@@ -12844,7 +12753,7 @@
           <a:p>
             <a:fld id="{3744D9F7-2A27-4B90-AB19-1B9621DD8A20}" type="datetimeFigureOut">
               <a:rPr lang="en-IN" smtClean="0"/>
-              <a:t>07-10-2024</a:t>
+              <a:t>15-10-2024</a:t>
             </a:fld>
             <a:endParaRPr lang="en-IN"/>
           </a:p>
@@ -12957,7 +12866,7 @@
           <a:p>
             <a:fld id="{3744D9F7-2A27-4B90-AB19-1B9621DD8A20}" type="datetimeFigureOut">
               <a:rPr lang="en-IN" smtClean="0"/>
-              <a:t>07-10-2024</a:t>
+              <a:t>15-10-2024</a:t>
             </a:fld>
             <a:endParaRPr lang="en-IN"/>
           </a:p>
@@ -13270,7 +13179,7 @@
           <a:p>
             <a:fld id="{3744D9F7-2A27-4B90-AB19-1B9621DD8A20}" type="datetimeFigureOut">
               <a:rPr lang="en-IN" smtClean="0"/>
-              <a:t>07-10-2024</a:t>
+              <a:t>15-10-2024</a:t>
             </a:fld>
             <a:endParaRPr lang="en-IN"/>
           </a:p>
@@ -13559,7 +13468,7 @@
           <a:p>
             <a:fld id="{3744D9F7-2A27-4B90-AB19-1B9621DD8A20}" type="datetimeFigureOut">
               <a:rPr lang="en-IN" smtClean="0"/>
-              <a:t>07-10-2024</a:t>
+              <a:t>15-10-2024</a:t>
             </a:fld>
             <a:endParaRPr lang="en-IN"/>
           </a:p>
@@ -13759,7 +13668,7 @@
           <a:p>
             <a:fld id="{3744D9F7-2A27-4B90-AB19-1B9621DD8A20}" type="datetimeFigureOut">
               <a:rPr lang="en-IN" smtClean="0"/>
-              <a:t>07-10-2024</a:t>
+              <a:t>15-10-2024</a:t>
             </a:fld>
             <a:endParaRPr lang="en-IN"/>
           </a:p>
@@ -13969,7 +13878,7 @@
           <a:p>
             <a:fld id="{3744D9F7-2A27-4B90-AB19-1B9621DD8A20}" type="datetimeFigureOut">
               <a:rPr lang="en-IN" smtClean="0"/>
-              <a:t>07-10-2024</a:t>
+              <a:t>15-10-2024</a:t>
             </a:fld>
             <a:endParaRPr lang="en-IN"/>
           </a:p>
@@ -14099,7 +14008,7 @@
             <a:fld id="{4EF95999-A99C-46D6-BFDA-AEFA180EA74F}" type="datetimeFigureOut">
               <a:rPr lang="en-US" smtClean="0"/>
               <a:pPr/>
-              <a:t>07-Oct-24</a:t>
+              <a:t>15-Oct-24</a:t>
             </a:fld>
             <a:endParaRPr lang="en-US"/>
           </a:p>
@@ -14191,7 +14100,7 @@
             <a:fld id="{4EF95999-A99C-46D6-BFDA-AEFA180EA74F}" type="datetimeFigureOut">
               <a:rPr lang="en-US" smtClean="0"/>
               <a:pPr/>
-              <a:t>07-Oct-24</a:t>
+              <a:t>15-Oct-24</a:t>
             </a:fld>
             <a:endParaRPr lang="en-US"/>
           </a:p>
@@ -14463,7 +14372,7 @@
             <a:fld id="{4EF95999-A99C-46D6-BFDA-AEFA180EA74F}" type="datetimeFigureOut">
               <a:rPr lang="en-US" smtClean="0"/>
               <a:pPr/>
-              <a:t>07-Oct-24</a:t>
+              <a:t>15-Oct-24</a:t>
             </a:fld>
             <a:endParaRPr lang="en-US"/>
           </a:p>
@@ -14712,7 +14621,7 @@
             <a:fld id="{4EF95999-A99C-46D6-BFDA-AEFA180EA74F}" type="datetimeFigureOut">
               <a:rPr lang="en-US" smtClean="0"/>
               <a:pPr/>
-              <a:t>07-Oct-24</a:t>
+              <a:t>15-Oct-24</a:t>
             </a:fld>
             <a:endParaRPr lang="en-US"/>
           </a:p>
@@ -14921,7 +14830,7 @@
             <a:fld id="{4EF95999-A99C-46D6-BFDA-AEFA180EA74F}" type="datetimeFigureOut">
               <a:rPr lang="en-US" smtClean="0"/>
               <a:pPr/>
-              <a:t>07-Oct-24</a:t>
+              <a:t>15-Oct-24</a:t>
             </a:fld>
             <a:endParaRPr lang="en-US"/>
           </a:p>
@@ -15460,7 +15369,7 @@
             <a:fld id="{36B80835-DEB3-4275-B379-2566D87801AD}" type="datetimeFigureOut">
               <a:rPr lang="en-US" smtClean="0"/>
               <a:pPr/>
-              <a:t>07-Oct-24</a:t>
+              <a:t>15-Oct-24</a:t>
             </a:fld>
             <a:endParaRPr lang="en-US"/>
           </a:p>
@@ -15998,7 +15907,7 @@
             <a:fld id="{4EF95999-A99C-46D6-BFDA-AEFA180EA74F}" type="datetimeFigureOut">
               <a:rPr lang="en-US" smtClean="0"/>
               <a:pPr/>
-              <a:t>07-Oct-24</a:t>
+              <a:t>15-Oct-24</a:t>
             </a:fld>
             <a:endParaRPr lang="en-US"/>
           </a:p>
@@ -16538,7 +16447,7 @@
             <a:fld id="{4EF95999-A99C-46D6-BFDA-AEFA180EA74F}" type="datetimeFigureOut">
               <a:rPr lang="en-US" smtClean="0"/>
               <a:pPr/>
-              <a:t>07-Oct-24</a:t>
+              <a:t>15-Oct-24</a:t>
             </a:fld>
             <a:endParaRPr lang="en-US"/>
           </a:p>
@@ -17098,7 +17007,7 @@
           <a:p>
             <a:fld id="{3744D9F7-2A27-4B90-AB19-1B9621DD8A20}" type="datetimeFigureOut">
               <a:rPr lang="en-IN" smtClean="0"/>
-              <a:t>07-10-2024</a:t>
+              <a:t>15-10-2024</a:t>
             </a:fld>
             <a:endParaRPr lang="en-IN"/>
           </a:p>
@@ -19589,8 +19498,8 @@
         </p:nvSpPr>
         <p:spPr bwMode="auto">
           <a:xfrm>
-            <a:off x="2743201" y="1741301"/>
-            <a:ext cx="7162800" cy="4135812"/>
+            <a:off x="2743201" y="1951615"/>
+            <a:ext cx="7162800" cy="3715184"/>
           </a:xfrm>
           <a:prstGeom prst="rect">
             <a:avLst/>
@@ -19638,50 +19547,41 @@
           </a:bodyPr>
           <a:lstStyle/>
           <a:p>
-            <a:pPr marL="0" marR="0" lvl="0" indent="0" algn="just" defTabSz="914400" rtl="0" eaLnBrk="0" fontAlgn="base" latinLnBrk="0" hangingPunct="0">
+            <a:pPr marL="0" marR="0">
               <a:lnSpc>
-                <a:spcPct val="200000"/>
+                <a:spcPct val="107000"/>
               </a:lnSpc>
               <a:spcBef>
-                <a:spcPct val="0"/>
+                <a:spcPts val="0"/>
               </a:spcBef>
               <a:spcAft>
-                <a:spcPct val="0"/>
+                <a:spcPts val="800"/>
               </a:spcAft>
-              <a:buClrTx/>
-              <a:buSzTx/>
-              <a:buFontTx/>
-              <a:buChar char="•"/>
-              <a:tabLst/>
             </a:pPr>
             <a:r>
-              <a:rPr kumimoji="0" lang="en-US" altLang="en-US" sz="1600" b="1" i="0" u="none" strike="noStrike" cap="none" normalizeH="0" baseline="0" dirty="0">
-                <a:ln>
-                  <a:noFill/>
-                </a:ln>
-                <a:solidFill>
-                  <a:schemeClr val="tx1"/>
-                </a:solidFill>
+              <a:rPr lang="en-US" sz="1600" b="1" kern="100" dirty="0" err="1">
                 <a:effectLst/>
                 <a:latin typeface="Times New Roman" panose="02020603050405020304" pitchFamily="18" charset="0"/>
+                <a:ea typeface="Calibri" panose="020F0502020204030204" pitchFamily="34" charset="0"/>
                 <a:cs typeface="Times New Roman" panose="02020603050405020304" pitchFamily="18" charset="0"/>
               </a:rPr>
-              <a:t>Clerk(Authentication)</a:t>
-            </a:r>
-            <a:r>
-              <a:rPr kumimoji="0" lang="en-US" altLang="en-US" sz="1600" b="0" i="0" u="none" strike="noStrike" cap="none" normalizeH="0" baseline="0" dirty="0">
-                <a:ln>
-                  <a:noFill/>
-                </a:ln>
-                <a:solidFill>
-                  <a:schemeClr val="tx1"/>
-                </a:solidFill>
+              <a:t>GetStream</a:t>
+            </a:r>
+            <a:r>
+              <a:rPr lang="en-US" sz="1600" b="1" kern="100" dirty="0">
                 <a:effectLst/>
                 <a:latin typeface="Times New Roman" panose="02020603050405020304" pitchFamily="18" charset="0"/>
+                <a:ea typeface="Calibri" panose="020F0502020204030204" pitchFamily="34" charset="0"/>
                 <a:cs typeface="Times New Roman" panose="02020603050405020304" pitchFamily="18" charset="0"/>
               </a:rPr>
-              <a:t>:</a:t>
-            </a:r>
+              <a:t> (Real-time Messaging &amp; Video Streaming)</a:t>
+            </a:r>
+            <a:endParaRPr lang="en-US" sz="1600" kern="100" dirty="0">
+              <a:effectLst/>
+              <a:latin typeface="Times New Roman" panose="02020603050405020304" pitchFamily="18" charset="0"/>
+              <a:ea typeface="Calibri" panose="020F0502020204030204" pitchFamily="34" charset="0"/>
+              <a:cs typeface="Times New Roman" panose="02020603050405020304" pitchFamily="18" charset="0"/>
+            </a:endParaRPr>
           </a:p>
           <a:p>
             <a:pPr marL="342900" marR="0" lvl="0" indent="-342900">
@@ -19708,7 +19608,7 @@
                 <a:ea typeface="Calibri" panose="020F0502020204030204" pitchFamily="34" charset="0"/>
                 <a:cs typeface="Times New Roman" panose="02020603050405020304" pitchFamily="18" charset="0"/>
               </a:rPr>
-              <a:t>User Authentication</a:t>
+              <a:t>Real-time Messaging</a:t>
             </a:r>
             <a:r>
               <a:rPr lang="en-US" sz="1600" kern="100" dirty="0">
@@ -19717,7 +19617,7 @@
                 <a:ea typeface="Calibri" panose="020F0502020204030204" pitchFamily="34" charset="0"/>
                 <a:cs typeface="Times New Roman" panose="02020603050405020304" pitchFamily="18" charset="0"/>
               </a:rPr>
-              <a:t>: Provides pre-built, easy-to-integrate authentication components (signup, login, password recovery), reducing development time.</a:t>
+              <a:t>: Provides real-time messaging APIs, enabling text chat features during video conferences.</a:t>
             </a:r>
           </a:p>
           <a:p>
@@ -19745,7 +19645,7 @@
                 <a:ea typeface="Calibri" panose="020F0502020204030204" pitchFamily="34" charset="0"/>
                 <a:cs typeface="Times New Roman" panose="02020603050405020304" pitchFamily="18" charset="0"/>
               </a:rPr>
-              <a:t>Security</a:t>
+              <a:t>Video Streaming</a:t>
             </a:r>
             <a:r>
               <a:rPr lang="en-US" sz="1600" kern="100" dirty="0">
@@ -19754,7 +19654,7 @@
                 <a:ea typeface="Calibri" panose="020F0502020204030204" pitchFamily="34" charset="0"/>
                 <a:cs typeface="Times New Roman" panose="02020603050405020304" pitchFamily="18" charset="0"/>
               </a:rPr>
-              <a:t>: Offers built-in security features like OAuth and 2FA, essential for a video conferencing app where data protection is crucial.</a:t>
+              <a:t>: Supports live video streaming, allowing for high-quality video calls.</a:t>
             </a:r>
           </a:p>
           <a:p>
@@ -19782,7 +19682,7 @@
                 <a:ea typeface="Calibri" panose="020F0502020204030204" pitchFamily="34" charset="0"/>
                 <a:cs typeface="Times New Roman" panose="02020603050405020304" pitchFamily="18" charset="0"/>
               </a:rPr>
-              <a:t>User Management</a:t>
+              <a:t>Scalability</a:t>
             </a:r>
             <a:r>
               <a:rPr lang="en-US" sz="1600" kern="100" dirty="0">
@@ -19791,7 +19691,7 @@
                 <a:ea typeface="Calibri" panose="020F0502020204030204" pitchFamily="34" charset="0"/>
                 <a:cs typeface="Times New Roman" panose="02020603050405020304" pitchFamily="18" charset="0"/>
               </a:rPr>
-              <a:t>: Comes with pre-built interfaces for user management, including sign-in/sign-up forms, improving development speed and user experience.</a:t>
+              <a:t>: Built to scale efficiently, ensuring low-latency video streaming for a growing number of users.</a:t>
             </a:r>
           </a:p>
           <a:p>
@@ -19819,7 +19719,7 @@
                 <a:ea typeface="Calibri" panose="020F0502020204030204" pitchFamily="34" charset="0"/>
                 <a:cs typeface="Times New Roman" panose="02020603050405020304" pitchFamily="18" charset="0"/>
               </a:rPr>
-              <a:t>Session Management</a:t>
+              <a:t>WebRTC Integration</a:t>
             </a:r>
             <a:r>
               <a:rPr lang="en-US" sz="1600" kern="100" dirty="0">
@@ -19828,7 +19728,25 @@
                 <a:ea typeface="Calibri" panose="020F0502020204030204" pitchFamily="34" charset="0"/>
                 <a:cs typeface="Times New Roman" panose="02020603050405020304" pitchFamily="18" charset="0"/>
               </a:rPr>
-              <a:t>: Supports automatic session handling, ensuring authenticated users can join/host meetings securely.</a:t>
+              <a:t>: </a:t>
+            </a:r>
+            <a:r>
+              <a:rPr lang="en-US" sz="1600" kern="100" dirty="0" err="1">
+                <a:effectLst/>
+                <a:latin typeface="Times New Roman" panose="02020603050405020304" pitchFamily="18" charset="0"/>
+                <a:ea typeface="Calibri" panose="020F0502020204030204" pitchFamily="34" charset="0"/>
+                <a:cs typeface="Times New Roman" panose="02020603050405020304" pitchFamily="18" charset="0"/>
+              </a:rPr>
+              <a:t>GetStream</a:t>
+            </a:r>
+            <a:r>
+              <a:rPr lang="en-US" sz="1600" kern="100" dirty="0">
+                <a:effectLst/>
+                <a:latin typeface="Times New Roman" panose="02020603050405020304" pitchFamily="18" charset="0"/>
+                <a:ea typeface="Calibri" panose="020F0502020204030204" pitchFamily="34" charset="0"/>
+                <a:cs typeface="Times New Roman" panose="02020603050405020304" pitchFamily="18" charset="0"/>
+              </a:rPr>
+              <a:t> integrates WebRTC for peer-to-peer video streaming, ensuring a stable and fast connection.</a:t>
             </a:r>
           </a:p>
           <a:p>
@@ -19877,7 +19795,7 @@
               <a:buNone/>
               <a:tabLst/>
             </a:pPr>
-            <a:endParaRPr kumimoji="0" lang="en-US" altLang="en-US" sz="1800" b="0" i="0" u="none" strike="noStrike" cap="none" normalizeH="0" baseline="0" dirty="0">
+            <a:endParaRPr kumimoji="0" lang="en-US" altLang="en-US" sz="1600" b="0" i="0" u="none" strike="noStrike" cap="none" normalizeH="0" baseline="0" dirty="0">
               <a:ln>
                 <a:noFill/>
               </a:ln>
@@ -19896,7 +19814,7 @@
           <p:cNvPr id="7" name="Picture 6">
             <a:extLst>
               <a:ext uri="{FF2B5EF4-FFF2-40B4-BE49-F238E27FC236}">
-                <a16:creationId xmlns:a16="http://schemas.microsoft.com/office/drawing/2014/main" id="{E6EE5D7E-AB8F-CDB2-34C1-5CB6FD5BD56C}"/>
+                <a16:creationId xmlns:a16="http://schemas.microsoft.com/office/drawing/2014/main" id="{D7F03A61-8769-66D0-6691-9F3B38D161D8}"/>
               </a:ext>
             </a:extLst>
           </p:cNvPr>
@@ -19930,7 +19848,7 @@
     </p:spTree>
     <p:extLst>
       <p:ext uri="{BB962C8B-B14F-4D97-AF65-F5344CB8AC3E}">
-        <p14:creationId xmlns:p14="http://schemas.microsoft.com/office/powerpoint/2010/main" val="3994280801"/>
+        <p14:creationId xmlns:p14="http://schemas.microsoft.com/office/powerpoint/2010/main" val="1810895470"/>
       </p:ext>
     </p:extLst>
   </p:cSld>
@@ -20246,8 +20164,8 @@
         </p:nvSpPr>
         <p:spPr bwMode="auto">
           <a:xfrm>
-            <a:off x="2743201" y="1951615"/>
-            <a:ext cx="7162800" cy="3715184"/>
+            <a:off x="2743201" y="2381124"/>
+            <a:ext cx="7162800" cy="2856167"/>
           </a:xfrm>
           <a:prstGeom prst="rect">
             <a:avLst/>
@@ -20307,22 +20225,13 @@
               </a:spcAft>
             </a:pPr>
             <a:r>
-              <a:rPr lang="en-US" sz="1600" b="1" kern="100" dirty="0" err="1">
-                <a:effectLst/>
-                <a:latin typeface="Times New Roman" panose="02020603050405020304" pitchFamily="18" charset="0"/>
-                <a:ea typeface="Calibri" panose="020F0502020204030204" pitchFamily="34" charset="0"/>
-                <a:cs typeface="Times New Roman" panose="02020603050405020304" pitchFamily="18" charset="0"/>
-              </a:rPr>
-              <a:t>GetStream</a:t>
-            </a:r>
-            <a:r>
               <a:rPr lang="en-US" sz="1600" b="1" kern="100" dirty="0">
                 <a:effectLst/>
                 <a:latin typeface="Times New Roman" panose="02020603050405020304" pitchFamily="18" charset="0"/>
                 <a:ea typeface="Calibri" panose="020F0502020204030204" pitchFamily="34" charset="0"/>
                 <a:cs typeface="Times New Roman" panose="02020603050405020304" pitchFamily="18" charset="0"/>
               </a:rPr>
-              <a:t> (Real-time Messaging &amp; Video Streaming)</a:t>
+              <a:t>Tailwind CSS</a:t>
             </a:r>
             <a:endParaRPr lang="en-US" sz="1600" kern="100" dirty="0">
               <a:effectLst/>
@@ -20356,7 +20265,7 @@
                 <a:ea typeface="Calibri" panose="020F0502020204030204" pitchFamily="34" charset="0"/>
                 <a:cs typeface="Times New Roman" panose="02020603050405020304" pitchFamily="18" charset="0"/>
               </a:rPr>
-              <a:t>Real-time Messaging</a:t>
+              <a:t>Responsive UI</a:t>
             </a:r>
             <a:r>
               <a:rPr lang="en-US" sz="1600" kern="100" dirty="0">
@@ -20365,7 +20274,7 @@
                 <a:ea typeface="Calibri" panose="020F0502020204030204" pitchFamily="34" charset="0"/>
                 <a:cs typeface="Times New Roman" panose="02020603050405020304" pitchFamily="18" charset="0"/>
               </a:rPr>
-              <a:t>: Provides real-time messaging APIs, enabling text chat features during video conferences.</a:t>
+              <a:t>: Tailwind's utility-first approach allows for quick, responsive designs that work well across devices (desktops, tablets, mobiles).</a:t>
             </a:r>
           </a:p>
           <a:p>
@@ -20393,7 +20302,7 @@
                 <a:ea typeface="Calibri" panose="020F0502020204030204" pitchFamily="34" charset="0"/>
                 <a:cs typeface="Times New Roman" panose="02020603050405020304" pitchFamily="18" charset="0"/>
               </a:rPr>
-              <a:t>Video Streaming</a:t>
+              <a:t>Customization</a:t>
             </a:r>
             <a:r>
               <a:rPr lang="en-US" sz="1600" kern="100" dirty="0">
@@ -20402,7 +20311,7 @@
                 <a:ea typeface="Calibri" panose="020F0502020204030204" pitchFamily="34" charset="0"/>
                 <a:cs typeface="Times New Roman" panose="02020603050405020304" pitchFamily="18" charset="0"/>
               </a:rPr>
-              <a:t>: Supports live video streaming, allowing for high-quality video calls.</a:t>
+              <a:t>: Allows easy customization of the UI to fit the brand, ensuring a unique user experience.</a:t>
             </a:r>
           </a:p>
           <a:p>
@@ -20430,7 +20339,7 @@
                 <a:ea typeface="Calibri" panose="020F0502020204030204" pitchFamily="34" charset="0"/>
                 <a:cs typeface="Times New Roman" panose="02020603050405020304" pitchFamily="18" charset="0"/>
               </a:rPr>
-              <a:t>Scalability</a:t>
+              <a:t>Development Speed</a:t>
             </a:r>
             <a:r>
               <a:rPr lang="en-US" sz="1600" kern="100" dirty="0">
@@ -20439,7 +20348,7 @@
                 <a:ea typeface="Calibri" panose="020F0502020204030204" pitchFamily="34" charset="0"/>
                 <a:cs typeface="Times New Roman" panose="02020603050405020304" pitchFamily="18" charset="0"/>
               </a:rPr>
-              <a:t>: Built to scale efficiently, ensuring low-latency video streaming for a growing number of users.</a:t>
+              <a:t>: Using pre-built utility classes, developers can create fully responsive designs faster than with traditional CSS or other frameworks.</a:t>
             </a:r>
           </a:p>
           <a:p>
@@ -20467,7 +20376,7 @@
                 <a:ea typeface="Calibri" panose="020F0502020204030204" pitchFamily="34" charset="0"/>
                 <a:cs typeface="Times New Roman" panose="02020603050405020304" pitchFamily="18" charset="0"/>
               </a:rPr>
-              <a:t>WebRTC Integration</a:t>
+              <a:t>Theming</a:t>
             </a:r>
             <a:r>
               <a:rPr lang="en-US" sz="1600" kern="100" dirty="0">
@@ -20476,93 +20385,17 @@
                 <a:ea typeface="Calibri" panose="020F0502020204030204" pitchFamily="34" charset="0"/>
                 <a:cs typeface="Times New Roman" panose="02020603050405020304" pitchFamily="18" charset="0"/>
               </a:rPr>
-              <a:t>: </a:t>
-            </a:r>
-            <a:r>
-              <a:rPr lang="en-US" sz="1600" kern="100" dirty="0" err="1">
-                <a:effectLst/>
-                <a:latin typeface="Times New Roman" panose="02020603050405020304" pitchFamily="18" charset="0"/>
-                <a:ea typeface="Calibri" panose="020F0502020204030204" pitchFamily="34" charset="0"/>
-                <a:cs typeface="Times New Roman" panose="02020603050405020304" pitchFamily="18" charset="0"/>
-              </a:rPr>
-              <a:t>GetStream</a:t>
-            </a:r>
-            <a:r>
-              <a:rPr lang="en-US" sz="1600" kern="100" dirty="0">
-                <a:effectLst/>
-                <a:latin typeface="Times New Roman" panose="02020603050405020304" pitchFamily="18" charset="0"/>
-                <a:ea typeface="Calibri" panose="020F0502020204030204" pitchFamily="34" charset="0"/>
-                <a:cs typeface="Times New Roman" panose="02020603050405020304" pitchFamily="18" charset="0"/>
-              </a:rPr>
-              <a:t> integrates WebRTC for peer-to-peer video streaming, ensuring a stable and fast connection.</a:t>
-            </a:r>
-          </a:p>
-          <a:p>
-            <a:pPr marL="0" marR="0" lvl="0" indent="0" algn="just" defTabSz="914400" rtl="0" eaLnBrk="0" fontAlgn="base" latinLnBrk="0" hangingPunct="0">
-              <a:lnSpc>
-                <a:spcPct val="200000"/>
-              </a:lnSpc>
-              <a:spcBef>
-                <a:spcPct val="0"/>
-              </a:spcBef>
-              <a:spcAft>
-                <a:spcPct val="0"/>
-              </a:spcAft>
-              <a:buClrTx/>
-              <a:buSzTx/>
-              <a:buFontTx/>
-              <a:buChar char="•"/>
-              <a:tabLst/>
-            </a:pPr>
-            <a:endParaRPr kumimoji="0" lang="en-US" altLang="en-US" sz="1600" b="0" i="0" u="none" strike="noStrike" cap="none" normalizeH="0" baseline="0" dirty="0">
-              <a:ln>
-                <a:noFill/>
-              </a:ln>
-              <a:solidFill>
-                <a:schemeClr val="tx1"/>
-              </a:solidFill>
-              <a:effectLst/>
-              <a:latin typeface="Times New Roman" panose="02020603050405020304" pitchFamily="18" charset="0"/>
-              <a:cs typeface="Times New Roman" panose="02020603050405020304" pitchFamily="18" charset="0"/>
-            </a:endParaRPr>
-          </a:p>
-          <a:p>
-            <a:pPr marL="0" marR="0" lvl="0" indent="0" algn="l" defTabSz="914400" rtl="0" eaLnBrk="0" fontAlgn="base" latinLnBrk="0" hangingPunct="0">
-              <a:lnSpc>
-                <a:spcPct val="100000"/>
-              </a:lnSpc>
-              <a:spcBef>
-                <a:spcPct val="0"/>
-              </a:spcBef>
-              <a:spcAft>
-                <a:spcPct val="0"/>
-              </a:spcAft>
-              <a:buClrTx/>
-              <a:buSzTx/>
-              <a:buFontTx/>
-              <a:buNone/>
-              <a:tabLst/>
-            </a:pPr>
-            <a:endParaRPr kumimoji="0" lang="en-US" altLang="en-US" sz="1600" b="0" i="0" u="none" strike="noStrike" cap="none" normalizeH="0" baseline="0" dirty="0">
-              <a:ln>
-                <a:noFill/>
-              </a:ln>
-              <a:solidFill>
-                <a:schemeClr val="tx1"/>
-              </a:solidFill>
-              <a:effectLst/>
-              <a:latin typeface="Times New Roman" panose="02020603050405020304" pitchFamily="18" charset="0"/>
-              <a:cs typeface="Times New Roman" panose="02020603050405020304" pitchFamily="18" charset="0"/>
-            </a:endParaRPr>
+              <a:t>: Can implement custom themes effortlessly, enabling dark and light modes for the app.</a:t>
+            </a:r>
           </a:p>
         </p:txBody>
       </p:sp>
       <p:pic>
         <p:nvPicPr>
-          <p:cNvPr id="7" name="Picture 6">
+          <p:cNvPr id="2" name="Picture 1">
             <a:extLst>
               <a:ext uri="{FF2B5EF4-FFF2-40B4-BE49-F238E27FC236}">
-                <a16:creationId xmlns:a16="http://schemas.microsoft.com/office/drawing/2014/main" id="{D7F03A61-8769-66D0-6691-9F3B38D161D8}"/>
+                <a16:creationId xmlns:a16="http://schemas.microsoft.com/office/drawing/2014/main" id="{7CFAA964-78AC-0313-0002-52C2E9699F36}"/>
               </a:ext>
             </a:extLst>
           </p:cNvPr>
@@ -20596,7 +20429,7 @@
     </p:spTree>
     <p:extLst>
       <p:ext uri="{BB962C8B-B14F-4D97-AF65-F5344CB8AC3E}">
-        <p14:creationId xmlns:p14="http://schemas.microsoft.com/office/powerpoint/2010/main" val="1810895470"/>
+        <p14:creationId xmlns:p14="http://schemas.microsoft.com/office/powerpoint/2010/main" val="2295043177"/>
       </p:ext>
     </p:extLst>
   </p:cSld>
@@ -20894,256 +20727,12 @@
           </a:p>
         </p:txBody>
       </p:sp>
-      <p:sp>
-        <p:nvSpPr>
-          <p:cNvPr id="6" name="Rectangle 1">
+      <p:pic>
+        <p:nvPicPr>
+          <p:cNvPr id="11" name="Picture 10">
             <a:extLst>
               <a:ext uri="{FF2B5EF4-FFF2-40B4-BE49-F238E27FC236}">
-                <a16:creationId xmlns:a16="http://schemas.microsoft.com/office/drawing/2014/main" id="{3B5BDC73-0131-8760-F68C-9A13E1CC1973}"/>
-              </a:ext>
-            </a:extLst>
-          </p:cNvPr>
-          <p:cNvSpPr>
-            <a:spLocks noGrp="1" noChangeArrowheads="1"/>
-          </p:cNvSpPr>
-          <p:nvPr>
-            <p:ph idx="1"/>
-          </p:nvPr>
-        </p:nvSpPr>
-        <p:spPr bwMode="auto">
-          <a:xfrm>
-            <a:off x="2743201" y="2381124"/>
-            <a:ext cx="7162800" cy="2856167"/>
-          </a:xfrm>
-          <a:prstGeom prst="rect">
-            <a:avLst/>
-          </a:prstGeom>
-          <a:noFill/>
-          <a:ln>
-            <a:noFill/>
-          </a:ln>
-          <a:effectLst/>
-          <a:extLst>
-            <a:ext uri="{909E8E84-426E-40DD-AFC4-6F175D3DCCD1}">
-              <a14:hiddenFill xmlns:a14="http://schemas.microsoft.com/office/drawing/2010/main">
-                <a:solidFill>
-                  <a:schemeClr val="accent1"/>
-                </a:solidFill>
-              </a14:hiddenFill>
-            </a:ext>
-            <a:ext uri="{91240B29-F687-4F45-9708-019B960494DF}">
-              <a14:hiddenLine xmlns:a14="http://schemas.microsoft.com/office/drawing/2010/main" w="9525">
-                <a:solidFill>
-                  <a:schemeClr val="tx1"/>
-                </a:solidFill>
-                <a:miter lim="800000"/>
-                <a:headEnd/>
-                <a:tailEnd/>
-              </a14:hiddenLine>
-            </a:ext>
-            <a:ext uri="{AF507438-7753-43E0-B8FC-AC1667EBCBE1}">
-              <a14:hiddenEffects xmlns:a14="http://schemas.microsoft.com/office/drawing/2010/main">
-                <a:effectLst>
-                  <a:outerShdw dist="35921" dir="2700000" algn="ctr" rotWithShape="0">
-                    <a:schemeClr val="bg2"/>
-                  </a:outerShdw>
-                </a:effectLst>
-              </a14:hiddenEffects>
-            </a:ext>
-          </a:extLst>
-        </p:spPr>
-        <p:txBody>
-          <a:bodyPr vert="horz" wrap="square" lIns="91440" tIns="45720" rIns="91440" bIns="45720" numCol="1" anchor="ctr" anchorCtr="0" compatLnSpc="1">
-            <a:prstTxWarp prst="textNoShape">
-              <a:avLst/>
-            </a:prstTxWarp>
-            <a:spAutoFit/>
-          </a:bodyPr>
-          <a:lstStyle/>
-          <a:p>
-            <a:pPr marL="0" marR="0">
-              <a:lnSpc>
-                <a:spcPct val="107000"/>
-              </a:lnSpc>
-              <a:spcBef>
-                <a:spcPts val="0"/>
-              </a:spcBef>
-              <a:spcAft>
-                <a:spcPts val="800"/>
-              </a:spcAft>
-            </a:pPr>
-            <a:r>
-              <a:rPr lang="en-US" sz="1600" b="1" kern="100" dirty="0">
-                <a:effectLst/>
-                <a:latin typeface="Times New Roman" panose="02020603050405020304" pitchFamily="18" charset="0"/>
-                <a:ea typeface="Calibri" panose="020F0502020204030204" pitchFamily="34" charset="0"/>
-                <a:cs typeface="Times New Roman" panose="02020603050405020304" pitchFamily="18" charset="0"/>
-              </a:rPr>
-              <a:t>Tailwind CSS</a:t>
-            </a:r>
-            <a:endParaRPr lang="en-US" sz="1600" kern="100" dirty="0">
-              <a:effectLst/>
-              <a:latin typeface="Times New Roman" panose="02020603050405020304" pitchFamily="18" charset="0"/>
-              <a:ea typeface="Calibri" panose="020F0502020204030204" pitchFamily="34" charset="0"/>
-              <a:cs typeface="Times New Roman" panose="02020603050405020304" pitchFamily="18" charset="0"/>
-            </a:endParaRPr>
-          </a:p>
-          <a:p>
-            <a:pPr marL="342900" marR="0" lvl="0" indent="-342900">
-              <a:lnSpc>
-                <a:spcPct val="107000"/>
-              </a:lnSpc>
-              <a:spcBef>
-                <a:spcPts val="0"/>
-              </a:spcBef>
-              <a:spcAft>
-                <a:spcPts val="800"/>
-              </a:spcAft>
-              <a:buSzPts val="1000"/>
-              <a:buFont typeface="Symbol" panose="05050102010706020507" pitchFamily="18" charset="2"/>
-              <a:buChar char=""/>
-              <a:tabLst>
-                <a:tab pos="457200" algn="l"/>
-              </a:tabLst>
-            </a:pPr>
-            <a:r>
-              <a:rPr lang="en-US" sz="1600" b="1" kern="100" dirty="0">
-                <a:effectLst/>
-                <a:latin typeface="Times New Roman" panose="02020603050405020304" pitchFamily="18" charset="0"/>
-                <a:ea typeface="Calibri" panose="020F0502020204030204" pitchFamily="34" charset="0"/>
-                <a:cs typeface="Times New Roman" panose="02020603050405020304" pitchFamily="18" charset="0"/>
-              </a:rPr>
-              <a:t>Responsive UI</a:t>
-            </a:r>
-            <a:r>
-              <a:rPr lang="en-US" sz="1600" kern="100" dirty="0">
-                <a:effectLst/>
-                <a:latin typeface="Times New Roman" panose="02020603050405020304" pitchFamily="18" charset="0"/>
-                <a:ea typeface="Calibri" panose="020F0502020204030204" pitchFamily="34" charset="0"/>
-                <a:cs typeface="Times New Roman" panose="02020603050405020304" pitchFamily="18" charset="0"/>
-              </a:rPr>
-              <a:t>: Tailwind's utility-first approach allows for quick, responsive designs that work well across devices (desktops, tablets, mobiles).</a:t>
-            </a:r>
-          </a:p>
-          <a:p>
-            <a:pPr marL="342900" marR="0" lvl="0" indent="-342900">
-              <a:lnSpc>
-                <a:spcPct val="107000"/>
-              </a:lnSpc>
-              <a:spcBef>
-                <a:spcPts val="0"/>
-              </a:spcBef>
-              <a:spcAft>
-                <a:spcPts val="800"/>
-              </a:spcAft>
-              <a:buSzPts val="1000"/>
-              <a:buFont typeface="Symbol" panose="05050102010706020507" pitchFamily="18" charset="2"/>
-              <a:buChar char=""/>
-              <a:tabLst>
-                <a:tab pos="457200" algn="l"/>
-              </a:tabLst>
-            </a:pPr>
-            <a:r>
-              <a:rPr lang="en-US" sz="1600" b="1" kern="100" dirty="0">
-                <a:effectLst/>
-                <a:latin typeface="Times New Roman" panose="02020603050405020304" pitchFamily="18" charset="0"/>
-                <a:ea typeface="Calibri" panose="020F0502020204030204" pitchFamily="34" charset="0"/>
-                <a:cs typeface="Times New Roman" panose="02020603050405020304" pitchFamily="18" charset="0"/>
-              </a:rPr>
-              <a:t>Customization</a:t>
-            </a:r>
-            <a:r>
-              <a:rPr lang="en-US" sz="1600" kern="100" dirty="0">
-                <a:effectLst/>
-                <a:latin typeface="Times New Roman" panose="02020603050405020304" pitchFamily="18" charset="0"/>
-                <a:ea typeface="Calibri" panose="020F0502020204030204" pitchFamily="34" charset="0"/>
-                <a:cs typeface="Times New Roman" panose="02020603050405020304" pitchFamily="18" charset="0"/>
-              </a:rPr>
-              <a:t>: Allows easy customization of the UI to fit the brand, ensuring a unique user experience.</a:t>
-            </a:r>
-          </a:p>
-          <a:p>
-            <a:pPr marL="342900" marR="0" lvl="0" indent="-342900">
-              <a:lnSpc>
-                <a:spcPct val="107000"/>
-              </a:lnSpc>
-              <a:spcBef>
-                <a:spcPts val="0"/>
-              </a:spcBef>
-              <a:spcAft>
-                <a:spcPts val="800"/>
-              </a:spcAft>
-              <a:buSzPts val="1000"/>
-              <a:buFont typeface="Symbol" panose="05050102010706020507" pitchFamily="18" charset="2"/>
-              <a:buChar char=""/>
-              <a:tabLst>
-                <a:tab pos="457200" algn="l"/>
-              </a:tabLst>
-            </a:pPr>
-            <a:r>
-              <a:rPr lang="en-US" sz="1600" b="1" kern="100" dirty="0">
-                <a:effectLst/>
-                <a:latin typeface="Times New Roman" panose="02020603050405020304" pitchFamily="18" charset="0"/>
-                <a:ea typeface="Calibri" panose="020F0502020204030204" pitchFamily="34" charset="0"/>
-                <a:cs typeface="Times New Roman" panose="02020603050405020304" pitchFamily="18" charset="0"/>
-              </a:rPr>
-              <a:t>Development Speed</a:t>
-            </a:r>
-            <a:r>
-              <a:rPr lang="en-US" sz="1600" kern="100" dirty="0">
-                <a:effectLst/>
-                <a:latin typeface="Times New Roman" panose="02020603050405020304" pitchFamily="18" charset="0"/>
-                <a:ea typeface="Calibri" panose="020F0502020204030204" pitchFamily="34" charset="0"/>
-                <a:cs typeface="Times New Roman" panose="02020603050405020304" pitchFamily="18" charset="0"/>
-              </a:rPr>
-              <a:t>: Using pre-built utility classes, developers can create fully responsive designs faster than with traditional CSS or other frameworks.</a:t>
-            </a:r>
-          </a:p>
-          <a:p>
-            <a:pPr marL="342900" marR="0" lvl="0" indent="-342900">
-              <a:lnSpc>
-                <a:spcPct val="107000"/>
-              </a:lnSpc>
-              <a:spcBef>
-                <a:spcPts val="0"/>
-              </a:spcBef>
-              <a:spcAft>
-                <a:spcPts val="800"/>
-              </a:spcAft>
-              <a:buSzPts val="1000"/>
-              <a:buFont typeface="Symbol" panose="05050102010706020507" pitchFamily="18" charset="2"/>
-              <a:buChar char=""/>
-              <a:tabLst>
-                <a:tab pos="457200" algn="l"/>
-              </a:tabLst>
-            </a:pPr>
-            <a:r>
-              <a:rPr lang="en-US" sz="1600" b="1" kern="100" dirty="0">
-                <a:effectLst/>
-                <a:latin typeface="Times New Roman" panose="02020603050405020304" pitchFamily="18" charset="0"/>
-                <a:ea typeface="Calibri" panose="020F0502020204030204" pitchFamily="34" charset="0"/>
-                <a:cs typeface="Times New Roman" panose="02020603050405020304" pitchFamily="18" charset="0"/>
-              </a:rPr>
-              <a:t>Theming</a:t>
-            </a:r>
-            <a:r>
-              <a:rPr lang="en-US" sz="1600" kern="100" dirty="0">
-                <a:effectLst/>
-                <a:latin typeface="Times New Roman" panose="02020603050405020304" pitchFamily="18" charset="0"/>
-                <a:ea typeface="Calibri" panose="020F0502020204030204" pitchFamily="34" charset="0"/>
-                <a:cs typeface="Times New Roman" panose="02020603050405020304" pitchFamily="18" charset="0"/>
-              </a:rPr>
-              <a:t>: Can implement custom themes effortlessly, enabling dark and light modes for the app.</a:t>
-            </a:r>
-          </a:p>
-        </p:txBody>
-      </p:sp>
-      <p:pic>
-        <p:nvPicPr>
-          <p:cNvPr id="2" name="Picture 1">
-            <a:extLst>
-              <a:ext uri="{FF2B5EF4-FFF2-40B4-BE49-F238E27FC236}">
-                <a16:creationId xmlns:a16="http://schemas.microsoft.com/office/drawing/2014/main" id="{7CFAA964-78AC-0313-0002-52C2E9699F36}"/>
+                <a16:creationId xmlns:a16="http://schemas.microsoft.com/office/drawing/2014/main" id="{14F88B31-FB1A-3CB6-65B6-8F4A04886A95}"/>
               </a:ext>
             </a:extLst>
           </p:cNvPr>
@@ -21154,6 +20743,48 @@
         </p:nvPicPr>
         <p:blipFill>
           <a:blip r:embed="rId4">
+            <a:extLst>
+              <a:ext uri="{28A0092B-C50C-407E-A947-70E740481C1C}">
+                <a14:useLocalDpi xmlns:a14="http://schemas.microsoft.com/office/drawing/2010/main" val="0"/>
+              </a:ext>
+            </a:extLst>
+          </a:blip>
+          <a:stretch>
+            <a:fillRect/>
+          </a:stretch>
+        </p:blipFill>
+        <p:spPr>
+          <a:xfrm>
+            <a:off x="2743200" y="1371600"/>
+            <a:ext cx="6553200" cy="4771747"/>
+          </a:xfrm>
+          <a:prstGeom prst="rect">
+            <a:avLst/>
+          </a:prstGeom>
+          <a:ln>
+            <a:noFill/>
+          </a:ln>
+          <a:effectLst>
+            <a:softEdge rad="112500"/>
+          </a:effectLst>
+        </p:spPr>
+      </p:pic>
+      <p:pic>
+        <p:nvPicPr>
+          <p:cNvPr id="6" name="Picture 5">
+            <a:extLst>
+              <a:ext uri="{FF2B5EF4-FFF2-40B4-BE49-F238E27FC236}">
+                <a16:creationId xmlns:a16="http://schemas.microsoft.com/office/drawing/2014/main" id="{E3F3A567-56A5-4598-4FE0-49D5F2660E1B}"/>
+              </a:ext>
+            </a:extLst>
+          </p:cNvPr>
+          <p:cNvPicPr>
+            <a:picLocks noChangeAspect="1"/>
+          </p:cNvPicPr>
+          <p:nvPr/>
+        </p:nvPicPr>
+        <p:blipFill>
+          <a:blip r:embed="rId5">
             <a:extLst>
               <a:ext uri="{28A0092B-C50C-407E-A947-70E740481C1C}">
                 <a14:useLocalDpi xmlns:a14="http://schemas.microsoft.com/office/drawing/2010/main" val="0"/>
@@ -21177,7 +20808,7 @@
     </p:spTree>
     <p:extLst>
       <p:ext uri="{BB962C8B-B14F-4D97-AF65-F5344CB8AC3E}">
-        <p14:creationId xmlns:p14="http://schemas.microsoft.com/office/powerpoint/2010/main" val="2295043177"/>
+        <p14:creationId xmlns:p14="http://schemas.microsoft.com/office/powerpoint/2010/main" val="3883790760"/>
       </p:ext>
     </p:extLst>
   </p:cSld>
@@ -21477,10 +21108,10 @@
       </p:sp>
       <p:pic>
         <p:nvPicPr>
-          <p:cNvPr id="11" name="Picture 10">
+          <p:cNvPr id="6" name="Picture 5">
             <a:extLst>
               <a:ext uri="{FF2B5EF4-FFF2-40B4-BE49-F238E27FC236}">
-                <a16:creationId xmlns:a16="http://schemas.microsoft.com/office/drawing/2014/main" id="{14F88B31-FB1A-3CB6-65B6-8F4A04886A95}"/>
+                <a16:creationId xmlns:a16="http://schemas.microsoft.com/office/drawing/2014/main" id="{94C5DAD5-EAE9-AE4E-33F7-1959AAC823D4}"/>
               </a:ext>
             </a:extLst>
           </p:cNvPr>
@@ -21503,8 +21134,8 @@
         </p:blipFill>
         <p:spPr>
           <a:xfrm>
-            <a:off x="2743200" y="1371600"/>
-            <a:ext cx="6553200" cy="4771747"/>
+            <a:off x="2743200" y="2218552"/>
+            <a:ext cx="6631297" cy="2850231"/>
           </a:xfrm>
           <a:prstGeom prst="rect">
             <a:avLst/>
@@ -21519,10 +21150,10 @@
       </p:pic>
       <p:pic>
         <p:nvPicPr>
-          <p:cNvPr id="6" name="Picture 5">
+          <p:cNvPr id="7" name="Picture 6">
             <a:extLst>
               <a:ext uri="{FF2B5EF4-FFF2-40B4-BE49-F238E27FC236}">
-                <a16:creationId xmlns:a16="http://schemas.microsoft.com/office/drawing/2014/main" id="{E3F3A567-56A5-4598-4FE0-49D5F2660E1B}"/>
+                <a16:creationId xmlns:a16="http://schemas.microsoft.com/office/drawing/2014/main" id="{CF4F5854-1956-CCBD-DA98-87322AD6A19F}"/>
               </a:ext>
             </a:extLst>
           </p:cNvPr>
@@ -21556,7 +21187,7 @@
     </p:spTree>
     <p:extLst>
       <p:ext uri="{BB962C8B-B14F-4D97-AF65-F5344CB8AC3E}">
-        <p14:creationId xmlns:p14="http://schemas.microsoft.com/office/powerpoint/2010/main" val="3883790760"/>
+        <p14:creationId xmlns:p14="http://schemas.microsoft.com/office/powerpoint/2010/main" val="308460111"/>
       </p:ext>
     </p:extLst>
   </p:cSld>
@@ -21849,385 +21480,6 @@
                 <a:latin typeface="Times New Roman" panose="02020603050405020304" pitchFamily="18" charset="0"/>
                 <a:cs typeface="Times New Roman" panose="02020603050405020304" pitchFamily="18" charset="0"/>
               </a:rPr>
-              <a:t>Technology Used</a:t>
-            </a:r>
-          </a:p>
-        </p:txBody>
-      </p:sp>
-      <p:pic>
-        <p:nvPicPr>
-          <p:cNvPr id="6" name="Picture 5">
-            <a:extLst>
-              <a:ext uri="{FF2B5EF4-FFF2-40B4-BE49-F238E27FC236}">
-                <a16:creationId xmlns:a16="http://schemas.microsoft.com/office/drawing/2014/main" id="{94C5DAD5-EAE9-AE4E-33F7-1959AAC823D4}"/>
-              </a:ext>
-            </a:extLst>
-          </p:cNvPr>
-          <p:cNvPicPr>
-            <a:picLocks noChangeAspect="1"/>
-          </p:cNvPicPr>
-          <p:nvPr/>
-        </p:nvPicPr>
-        <p:blipFill>
-          <a:blip r:embed="rId4">
-            <a:extLst>
-              <a:ext uri="{28A0092B-C50C-407E-A947-70E740481C1C}">
-                <a14:useLocalDpi xmlns:a14="http://schemas.microsoft.com/office/drawing/2010/main" val="0"/>
-              </a:ext>
-            </a:extLst>
-          </a:blip>
-          <a:stretch>
-            <a:fillRect/>
-          </a:stretch>
-        </p:blipFill>
-        <p:spPr>
-          <a:xfrm>
-            <a:off x="2743200" y="2218552"/>
-            <a:ext cx="6631297" cy="2850231"/>
-          </a:xfrm>
-          <a:prstGeom prst="rect">
-            <a:avLst/>
-          </a:prstGeom>
-          <a:ln>
-            <a:noFill/>
-          </a:ln>
-          <a:effectLst>
-            <a:softEdge rad="112500"/>
-          </a:effectLst>
-        </p:spPr>
-      </p:pic>
-      <p:pic>
-        <p:nvPicPr>
-          <p:cNvPr id="7" name="Picture 6">
-            <a:extLst>
-              <a:ext uri="{FF2B5EF4-FFF2-40B4-BE49-F238E27FC236}">
-                <a16:creationId xmlns:a16="http://schemas.microsoft.com/office/drawing/2014/main" id="{CF4F5854-1956-CCBD-DA98-87322AD6A19F}"/>
-              </a:ext>
-            </a:extLst>
-          </p:cNvPr>
-          <p:cNvPicPr>
-            <a:picLocks noChangeAspect="1"/>
-          </p:cNvPicPr>
-          <p:nvPr/>
-        </p:nvPicPr>
-        <p:blipFill>
-          <a:blip r:embed="rId5">
-            <a:extLst>
-              <a:ext uri="{28A0092B-C50C-407E-A947-70E740481C1C}">
-                <a14:useLocalDpi xmlns:a14="http://schemas.microsoft.com/office/drawing/2010/main" val="0"/>
-              </a:ext>
-            </a:extLst>
-          </a:blip>
-          <a:stretch>
-            <a:fillRect/>
-          </a:stretch>
-        </p:blipFill>
-        <p:spPr>
-          <a:xfrm>
-            <a:off x="7315200" y="6060077"/>
-            <a:ext cx="4876800" cy="797921"/>
-          </a:xfrm>
-          <a:prstGeom prst="rect">
-            <a:avLst/>
-          </a:prstGeom>
-        </p:spPr>
-      </p:pic>
-    </p:spTree>
-    <p:extLst>
-      <p:ext uri="{BB962C8B-B14F-4D97-AF65-F5344CB8AC3E}">
-        <p14:creationId xmlns:p14="http://schemas.microsoft.com/office/powerpoint/2010/main" val="308460111"/>
-      </p:ext>
-    </p:extLst>
-  </p:cSld>
-  <p:clrMapOvr>
-    <a:masterClrMapping/>
-  </p:clrMapOvr>
-</p:sld>
-</file>
-
-<file path=ppt/slides/slide15.xml><?xml version="1.0" encoding="utf-8"?>
-<p:sld xmlns:a="http://schemas.openxmlformats.org/drawingml/2006/main" xmlns:r="http://schemas.openxmlformats.org/officeDocument/2006/relationships" xmlns:p="http://schemas.openxmlformats.org/presentationml/2006/main">
-  <p:cSld>
-    <p:spTree>
-      <p:nvGrpSpPr>
-        <p:cNvPr id="1" name=""/>
-        <p:cNvGrpSpPr/>
-        <p:nvPr/>
-      </p:nvGrpSpPr>
-      <p:grpSpPr>
-        <a:xfrm>
-          <a:off x="0" y="0"/>
-          <a:ext cx="0" cy="0"/>
-          <a:chOff x="0" y="0"/>
-          <a:chExt cx="0" cy="0"/>
-        </a:xfrm>
-      </p:grpSpPr>
-      <p:sp>
-        <p:nvSpPr>
-          <p:cNvPr id="5" name="Rectangle"/>
-          <p:cNvSpPr/>
-          <p:nvPr/>
-        </p:nvSpPr>
-        <p:spPr>
-          <a:xfrm flipH="1">
-            <a:off x="-24000" y="-2"/>
-            <a:ext cx="2469463" cy="6858000"/>
-          </a:xfrm>
-          <a:prstGeom prst="rect">
-            <a:avLst/>
-          </a:prstGeom>
-          <a:solidFill>
-            <a:srgbClr val="F28E01"/>
-          </a:solidFill>
-          <a:ln w="12700">
-            <a:miter lim="400000"/>
-          </a:ln>
-        </p:spPr>
-        <p:txBody>
-          <a:bodyPr lIns="50800" tIns="50800" rIns="50800" bIns="50800" anchor="ctr"/>
-          <a:lstStyle/>
-          <a:p>
-            <a:pPr defTabSz="1130300">
-              <a:defRPr sz="3200">
-                <a:solidFill>
-                  <a:srgbClr val="FFFFFF"/>
-                </a:solidFill>
-                <a:latin typeface="Graphik"/>
-                <a:ea typeface="Graphik"/>
-                <a:cs typeface="Graphik"/>
-                <a:sym typeface="Graphik"/>
-              </a:defRPr>
-            </a:pPr>
-            <a:endParaRPr sz="3200" baseline="-25000"/>
-          </a:p>
-        </p:txBody>
-      </p:sp>
-      <p:sp>
-        <p:nvSpPr>
-          <p:cNvPr id="8" name="Rectangle"/>
-          <p:cNvSpPr/>
-          <p:nvPr/>
-        </p:nvSpPr>
-        <p:spPr>
-          <a:xfrm flipH="1">
-            <a:off x="11496000" y="1"/>
-            <a:ext cx="257907" cy="6858000"/>
-          </a:xfrm>
-          <a:prstGeom prst="rect">
-            <a:avLst/>
-          </a:prstGeom>
-          <a:solidFill>
-            <a:srgbClr val="F28E01"/>
-          </a:solidFill>
-          <a:ln w="12700">
-            <a:miter lim="400000"/>
-          </a:ln>
-        </p:spPr>
-        <p:txBody>
-          <a:bodyPr lIns="50800" tIns="50800" rIns="50800" bIns="50800" anchor="ctr"/>
-          <a:lstStyle/>
-          <a:p>
-            <a:pPr defTabSz="1130300">
-              <a:defRPr sz="3300">
-                <a:solidFill>
-                  <a:srgbClr val="FFFFFF"/>
-                </a:solidFill>
-                <a:latin typeface="Graphik"/>
-                <a:ea typeface="Graphik"/>
-                <a:cs typeface="Graphik"/>
-                <a:sym typeface="Graphik"/>
-              </a:defRPr>
-            </a:pPr>
-            <a:endParaRPr sz="3300"/>
-          </a:p>
-        </p:txBody>
-      </p:sp>
-      <p:grpSp>
-        <p:nvGrpSpPr>
-          <p:cNvPr id="3" name="Group 19"/>
-          <p:cNvGrpSpPr/>
-          <p:nvPr/>
-        </p:nvGrpSpPr>
-        <p:grpSpPr>
-          <a:xfrm>
-            <a:off x="122050" y="1474470"/>
-            <a:ext cx="2209165" cy="3067050"/>
-            <a:chOff x="230" y="2322"/>
-            <a:chExt cx="3479" cy="4830"/>
-          </a:xfrm>
-        </p:grpSpPr>
-        <p:sp>
-          <p:nvSpPr>
-            <p:cNvPr id="21" name="Rectangle"/>
-            <p:cNvSpPr/>
-            <p:nvPr/>
-          </p:nvSpPr>
-          <p:spPr>
-            <a:xfrm flipH="1">
-              <a:off x="1099" y="2322"/>
-              <a:ext cx="2611" cy="2465"/>
-            </a:xfrm>
-            <a:prstGeom prst="rect">
-              <a:avLst/>
-            </a:prstGeom>
-            <a:solidFill>
-              <a:schemeClr val="bg1"/>
-            </a:solidFill>
-            <a:ln w="12700">
-              <a:miter lim="400000"/>
-            </a:ln>
-          </p:spPr>
-          <p:txBody>
-            <a:bodyPr lIns="50800" tIns="50800" rIns="50800" bIns="50800" anchor="ctr"/>
-            <a:lstStyle/>
-            <a:p>
-              <a:pPr defTabSz="1130300">
-                <a:defRPr sz="3200">
-                  <a:solidFill>
-                    <a:srgbClr val="FFFFFF"/>
-                  </a:solidFill>
-                  <a:latin typeface="Graphik"/>
-                  <a:ea typeface="Graphik"/>
-                  <a:cs typeface="Graphik"/>
-                  <a:sym typeface="Graphik"/>
-                </a:defRPr>
-              </a:pPr>
-              <a:endParaRPr sz="3200" baseline="-25000"/>
-            </a:p>
-          </p:txBody>
-        </p:sp>
-        <p:sp>
-          <p:nvSpPr>
-            <p:cNvPr id="22" name="Rectangle"/>
-            <p:cNvSpPr/>
-            <p:nvPr/>
-          </p:nvSpPr>
-          <p:spPr>
-            <a:xfrm flipH="1">
-              <a:off x="230" y="2624"/>
-              <a:ext cx="3192" cy="4529"/>
-            </a:xfrm>
-            <a:prstGeom prst="rect">
-              <a:avLst/>
-            </a:prstGeom>
-            <a:solidFill>
-              <a:srgbClr val="585858"/>
-            </a:solidFill>
-            <a:ln w="12700">
-              <a:miter lim="400000"/>
-            </a:ln>
-          </p:spPr>
-          <p:txBody>
-            <a:bodyPr lIns="50800" tIns="50800" rIns="50800" bIns="50800" anchor="ctr"/>
-            <a:lstStyle/>
-            <a:p>
-              <a:pPr defTabSz="1130300">
-                <a:defRPr sz="3200">
-                  <a:solidFill>
-                    <a:srgbClr val="FFFFFF"/>
-                  </a:solidFill>
-                  <a:latin typeface="Graphik"/>
-                  <a:ea typeface="Graphik"/>
-                  <a:cs typeface="Graphik"/>
-                  <a:sym typeface="Graphik"/>
-                </a:defRPr>
-              </a:pPr>
-              <a:endParaRPr sz="3200" baseline="-25000" dirty="0"/>
-            </a:p>
-          </p:txBody>
-        </p:sp>
-        <p:pic>
-          <p:nvPicPr>
-            <p:cNvPr id="23" name="Image" descr="Image"/>
-            <p:cNvPicPr>
-              <a:picLocks noChangeAspect="1"/>
-            </p:cNvPicPr>
-            <p:nvPr/>
-          </p:nvPicPr>
-          <p:blipFill>
-            <a:blip r:embed="rId3" cstate="print"/>
-            <a:stretch>
-              <a:fillRect/>
-            </a:stretch>
-          </p:blipFill>
-          <p:spPr>
-            <a:xfrm>
-              <a:off x="987" y="3715"/>
-              <a:ext cx="1683" cy="1805"/>
-            </a:xfrm>
-            <a:prstGeom prst="rect">
-              <a:avLst/>
-            </a:prstGeom>
-            <a:ln w="12700">
-              <a:miter lim="400000"/>
-              <a:headEnd/>
-              <a:tailEnd/>
-            </a:ln>
-          </p:spPr>
-        </p:pic>
-      </p:grpSp>
-      <p:sp>
-        <p:nvSpPr>
-          <p:cNvPr id="4" name="TextBox 3"/>
-          <p:cNvSpPr txBox="1"/>
-          <p:nvPr/>
-        </p:nvSpPr>
-        <p:spPr>
-          <a:xfrm>
-            <a:off x="336000" y="3643668"/>
-            <a:ext cx="1800000" cy="369332"/>
-          </a:xfrm>
-          <a:prstGeom prst="rect">
-            <a:avLst/>
-          </a:prstGeom>
-          <a:noFill/>
-        </p:spPr>
-        <p:txBody>
-          <a:bodyPr wrap="square" rtlCol="0">
-            <a:spAutoFit/>
-          </a:bodyPr>
-          <a:lstStyle/>
-          <a:p>
-            <a:r>
-              <a:rPr lang="en-US" dirty="0"/>
-              <a:t>    </a:t>
-            </a:r>
-            <a:r>
-              <a:rPr lang="en-US" dirty="0">
-                <a:solidFill>
-                  <a:schemeClr val="bg1"/>
-                </a:solidFill>
-              </a:rPr>
-              <a:t>Dept of CSE</a:t>
-            </a:r>
-          </a:p>
-        </p:txBody>
-      </p:sp>
-      <p:sp>
-        <p:nvSpPr>
-          <p:cNvPr id="14" name="Title 1"/>
-          <p:cNvSpPr>
-            <a:spLocks noGrp="1"/>
-          </p:cNvSpPr>
-          <p:nvPr>
-            <p:ph type="title"/>
-          </p:nvPr>
-        </p:nvSpPr>
-        <p:spPr>
-          <a:xfrm>
-            <a:off x="2743200" y="381000"/>
-            <a:ext cx="8229600" cy="1143000"/>
-          </a:xfrm>
-        </p:spPr>
-        <p:txBody>
-          <a:bodyPr/>
-          <a:lstStyle/>
-          <a:p>
-            <a:r>
-              <a:rPr lang="en-IN" dirty="0">
-                <a:latin typeface="Times New Roman" panose="02020603050405020304" pitchFamily="18" charset="0"/>
-                <a:cs typeface="Times New Roman" panose="02020603050405020304" pitchFamily="18" charset="0"/>
-              </a:rPr>
               <a:t>Data Flow Diagram</a:t>
             </a:r>
           </a:p>
@@ -22288,7 +21540,7 @@
 </p:sld>
 </file>
 
-<file path=ppt/slides/slide16.xml><?xml version="1.0" encoding="utf-8"?>
+<file path=ppt/slides/slide15.xml><?xml version="1.0" encoding="utf-8"?>
 <p:sld xmlns:a="http://schemas.openxmlformats.org/drawingml/2006/main" xmlns:r="http://schemas.openxmlformats.org/officeDocument/2006/relationships" xmlns:p="http://schemas.openxmlformats.org/presentationml/2006/main">
   <p:cSld>
     <p:spTree>
@@ -22763,7 +22015,7 @@
 </p:sld>
 </file>
 
-<file path=ppt/slides/slide17.xml><?xml version="1.0" encoding="utf-8"?>
+<file path=ppt/slides/slide16.xml><?xml version="1.0" encoding="utf-8"?>
 <p:sld xmlns:a="http://schemas.openxmlformats.org/drawingml/2006/main" xmlns:r="http://schemas.openxmlformats.org/officeDocument/2006/relationships" xmlns:p="http://schemas.openxmlformats.org/presentationml/2006/main">
   <p:cSld>
     <p:spTree>
@@ -23406,7 +22658,7 @@
 </p:sld>
 </file>
 
-<file path=ppt/slides/slide18.xml><?xml version="1.0" encoding="utf-8"?>
+<file path=ppt/slides/slide17.xml><?xml version="1.0" encoding="utf-8"?>
 <p:sld xmlns:a="http://schemas.openxmlformats.org/drawingml/2006/main" xmlns:r="http://schemas.openxmlformats.org/officeDocument/2006/relationships" xmlns:p="http://schemas.openxmlformats.org/presentationml/2006/main">
   <p:cSld>
     <p:spTree>
@@ -24093,7 +23345,7 @@
 </p:sld>
 </file>
 
-<file path=ppt/slides/slide19.xml><?xml version="1.0" encoding="utf-8"?>
+<file path=ppt/slides/slide18.xml><?xml version="1.0" encoding="utf-8"?>
 <p:sld xmlns:a="http://schemas.openxmlformats.org/drawingml/2006/main" xmlns:r="http://schemas.openxmlformats.org/officeDocument/2006/relationships" xmlns:p="http://schemas.openxmlformats.org/presentationml/2006/main">
   <p:cSld>
     <p:spTree>
@@ -25349,7 +24601,7 @@
 </p:sld>
 </file>
 
-<file path=ppt/slides/slide2.xml><?xml version="1.0" encoding="utf-8"?>
+<file path=ppt/slides/slide19.xml><?xml version="1.0" encoding="utf-8"?>
 <p:sld xmlns:a="http://schemas.openxmlformats.org/drawingml/2006/main" xmlns:r="http://schemas.openxmlformats.org/officeDocument/2006/relationships" xmlns:p="http://schemas.openxmlformats.org/presentationml/2006/main">
   <p:cSld>
     <p:spTree>
@@ -25609,7 +24861,13 @@
       </p:sp>
       <p:sp>
         <p:nvSpPr>
-          <p:cNvPr id="14" name="Title 1"/>
+          <p:cNvPr id="7" name="Title 6">
+            <a:extLst>
+              <a:ext uri="{FF2B5EF4-FFF2-40B4-BE49-F238E27FC236}">
+                <a16:creationId xmlns:a16="http://schemas.microsoft.com/office/drawing/2014/main" id="{BAE3B82A-826A-0304-CCFE-B1B91ED37478}"/>
+              </a:ext>
+            </a:extLst>
+          </p:cNvPr>
           <p:cNvSpPr>
             <a:spLocks noGrp="1"/>
           </p:cNvSpPr>
@@ -25619,8 +24877,8 @@
         </p:nvSpPr>
         <p:spPr>
           <a:xfrm>
-            <a:off x="2743200" y="381000"/>
-            <a:ext cx="8229600" cy="1143000"/>
+            <a:off x="2743200" y="365125"/>
+            <a:ext cx="8610599" cy="1325563"/>
           </a:xfrm>
         </p:spPr>
         <p:txBody>
@@ -25628,45 +24886,171 @@
           <a:lstStyle/>
           <a:p>
             <a:r>
-              <a:rPr lang="en-IN" dirty="0" err="1">
+              <a:rPr lang="en-IN" dirty="0">
+                <a:latin typeface="Times New Roman" panose="02020603050405020304" pitchFamily="18" charset="0"/>
+                <a:cs typeface="Times New Roman" panose="02020603050405020304" pitchFamily="18" charset="0"/>
+              </a:rPr>
+              <a:t>References</a:t>
+            </a:r>
+          </a:p>
+        </p:txBody>
+      </p:sp>
+      <p:sp>
+        <p:nvSpPr>
+          <p:cNvPr id="9" name="Rectangle 2">
+            <a:extLst>
+              <a:ext uri="{FF2B5EF4-FFF2-40B4-BE49-F238E27FC236}">
+                <a16:creationId xmlns:a16="http://schemas.microsoft.com/office/drawing/2014/main" id="{15827682-201B-CCF1-BDF5-633F903F3688}"/>
+              </a:ext>
+            </a:extLst>
+          </p:cNvPr>
+          <p:cNvSpPr>
+            <a:spLocks noGrp="1" noChangeArrowheads="1"/>
+          </p:cNvSpPr>
+          <p:nvPr>
+            <p:ph idx="1"/>
+          </p:nvPr>
+        </p:nvSpPr>
+        <p:spPr bwMode="auto">
+          <a:xfrm>
+            <a:off x="2743200" y="2194985"/>
+            <a:ext cx="6172200" cy="3228448"/>
+          </a:xfrm>
+          <a:prstGeom prst="rect">
+            <a:avLst/>
+          </a:prstGeom>
+          <a:noFill/>
+          <a:ln>
+            <a:noFill/>
+          </a:ln>
+          <a:effectLst/>
+          <a:extLst>
+            <a:ext uri="{909E8E84-426E-40DD-AFC4-6F175D3DCCD1}">
+              <a14:hiddenFill xmlns:a14="http://schemas.microsoft.com/office/drawing/2010/main">
+                <a:solidFill>
+                  <a:schemeClr val="accent1"/>
+                </a:solidFill>
+              </a14:hiddenFill>
+            </a:ext>
+            <a:ext uri="{91240B29-F687-4F45-9708-019B960494DF}">
+              <a14:hiddenLine xmlns:a14="http://schemas.microsoft.com/office/drawing/2010/main" w="9525">
+                <a:solidFill>
+                  <a:schemeClr val="tx1"/>
+                </a:solidFill>
+                <a:miter lim="800000"/>
+                <a:headEnd/>
+                <a:tailEnd/>
+              </a14:hiddenLine>
+            </a:ext>
+            <a:ext uri="{AF507438-7753-43E0-B8FC-AC1667EBCBE1}">
+              <a14:hiddenEffects xmlns:a14="http://schemas.microsoft.com/office/drawing/2010/main">
+                <a:effectLst>
+                  <a:outerShdw dist="35921" dir="2700000" algn="ctr" rotWithShape="0">
+                    <a:schemeClr val="bg2"/>
+                  </a:outerShdw>
+                </a:effectLst>
+              </a14:hiddenEffects>
+            </a:ext>
+          </a:extLst>
+        </p:spPr>
+        <p:txBody>
+          <a:bodyPr vert="horz" wrap="square" lIns="91440" tIns="45720" rIns="91440" bIns="45720" numCol="1" anchor="ctr" anchorCtr="0" compatLnSpc="1">
+            <a:prstTxWarp prst="textNoShape">
+              <a:avLst/>
+            </a:prstTxWarp>
+            <a:spAutoFit/>
+          </a:bodyPr>
+          <a:lstStyle/>
+          <a:p>
+            <a:pPr>
+              <a:lnSpc>
+                <a:spcPct val="200000"/>
+              </a:lnSpc>
+              <a:buFont typeface="Arial" panose="020B0604020202020204" pitchFamily="34" charset="0"/>
+              <a:buChar char="•"/>
+            </a:pPr>
+            <a:r>
+              <a:rPr lang="en-US" sz="1600" dirty="0">
+                <a:latin typeface="Times New Roman" panose="02020603050405020304" pitchFamily="18" charset="0"/>
+                <a:cs typeface="Times New Roman" panose="02020603050405020304" pitchFamily="18" charset="0"/>
+              </a:rPr>
+              <a:t>Cite sources such </a:t>
+            </a:r>
+            <a:r>
+              <a:rPr lang="en-US" sz="1600" dirty="0" err="1">
+                <a:latin typeface="Times New Roman" panose="02020603050405020304" pitchFamily="18" charset="0"/>
+                <a:cs typeface="Times New Roman" panose="02020603050405020304" pitchFamily="18" charset="0"/>
+              </a:rPr>
+              <a:t>as:Yuan</a:t>
+            </a:r>
+            <a:r>
+              <a:rPr lang="en-US" sz="1600" dirty="0">
+                <a:latin typeface="Times New Roman" panose="02020603050405020304" pitchFamily="18" charset="0"/>
+                <a:cs typeface="Times New Roman" panose="02020603050405020304" pitchFamily="18" charset="0"/>
+              </a:rPr>
+              <a:t>, E. (2011). Zoom Video Communications. </a:t>
+            </a:r>
+            <a:r>
+              <a:rPr lang="en-US" sz="1600" dirty="0">
+                <a:latin typeface="Times New Roman" panose="02020603050405020304" pitchFamily="18" charset="0"/>
+                <a:cs typeface="Times New Roman" panose="02020603050405020304" pitchFamily="18" charset="0"/>
+                <a:hlinkClick r:id="rId4"/>
+              </a:rPr>
+              <a:t>Zoom.us</a:t>
+            </a:r>
+            <a:endParaRPr lang="en-US" sz="1600" dirty="0">
+              <a:latin typeface="Times New Roman" panose="02020603050405020304" pitchFamily="18" charset="0"/>
+              <a:cs typeface="Times New Roman" panose="02020603050405020304" pitchFamily="18" charset="0"/>
+            </a:endParaRPr>
+          </a:p>
+          <a:p>
+            <a:pPr>
+              <a:lnSpc>
+                <a:spcPct val="200000"/>
+              </a:lnSpc>
+              <a:buFont typeface="Arial" panose="020B0604020202020204" pitchFamily="34" charset="0"/>
+              <a:buChar char="•"/>
+            </a:pPr>
+            <a:r>
+              <a:rPr lang="en-US" sz="1600" dirty="0">
+                <a:latin typeface="Times New Roman" panose="02020603050405020304" pitchFamily="18" charset="0"/>
+                <a:cs typeface="Times New Roman" panose="02020603050405020304" pitchFamily="18" charset="0"/>
+              </a:rPr>
+              <a:t>Research articles and case studies on video conferencing tools.</a:t>
+            </a:r>
+          </a:p>
+          <a:p>
+            <a:pPr>
+              <a:lnSpc>
+                <a:spcPct val="200000"/>
+              </a:lnSpc>
+              <a:buFont typeface="Arial" panose="020B0604020202020204" pitchFamily="34" charset="0"/>
+              <a:buChar char="•"/>
+            </a:pPr>
+            <a:r>
+              <a:rPr lang="en-US" sz="1600" dirty="0">
+                <a:latin typeface="Times New Roman" panose="02020603050405020304" pitchFamily="18" charset="0"/>
+                <a:cs typeface="Times New Roman" panose="02020603050405020304" pitchFamily="18" charset="0"/>
+              </a:rPr>
+              <a:t>Articles comparing </a:t>
+            </a:r>
+            <a:r>
+              <a:rPr lang="en-US" sz="1600" dirty="0" err="1">
                 <a:latin typeface="Times New Roman" panose="02020603050405020304" pitchFamily="18" charset="0"/>
                 <a:cs typeface="Times New Roman" panose="02020603050405020304" pitchFamily="18" charset="0"/>
               </a:rPr>
               <a:t>Callify</a:t>
             </a:r>
             <a:r>
-              <a:rPr lang="en-IN" dirty="0">
+              <a:rPr lang="en-US" sz="1600" dirty="0">
                 <a:latin typeface="Times New Roman" panose="02020603050405020304" pitchFamily="18" charset="0"/>
                 <a:cs typeface="Times New Roman" panose="02020603050405020304" pitchFamily="18" charset="0"/>
               </a:rPr>
-              <a:t> video conferencing</a:t>
-            </a:r>
-          </a:p>
-        </p:txBody>
-      </p:sp>
-      <p:sp>
-        <p:nvSpPr>
-          <p:cNvPr id="15" name="Content Placeholder 2"/>
-          <p:cNvSpPr>
-            <a:spLocks noGrp="1"/>
-          </p:cNvSpPr>
-          <p:nvPr>
-            <p:ph idx="1"/>
-          </p:nvPr>
-        </p:nvSpPr>
-        <p:spPr>
-          <a:xfrm>
-            <a:off x="2743200" y="1706563"/>
-            <a:ext cx="8229600" cy="4205064"/>
-          </a:xfrm>
-        </p:spPr>
-        <p:txBody>
-          <a:bodyPr>
-            <a:normAutofit fontScale="70000" lnSpcReduction="20000"/>
-          </a:bodyPr>
-          <a:lstStyle/>
-          <a:p>
-            <a:pPr marR="0" lvl="0" algn="just" defTabSz="914400" rtl="0" eaLnBrk="0" fontAlgn="base" latinLnBrk="0" hangingPunct="0">
+              <a:t> with platforms like Google Meet and Microsoft Teams.</a:t>
+            </a:r>
+          </a:p>
+          <a:p>
+            <a:pPr marL="0" marR="0" lvl="0" indent="0" defTabSz="914400" rtl="0" eaLnBrk="0" fontAlgn="base" latinLnBrk="0" hangingPunct="0">
               <a:lnSpc>
                 <a:spcPct val="200000"/>
               </a:lnSpc>
@@ -25678,140 +25062,27 @@
               </a:spcAft>
               <a:buClrTx/>
               <a:buSzTx/>
-              <a:buFont typeface="Wingdings" panose="05000000000000000000" pitchFamily="2" charset="2"/>
-              <a:buChar char="§"/>
+              <a:buNone/>
               <a:tabLst/>
             </a:pPr>
-            <a:r>
-              <a:rPr lang="en-US" altLang="en-US" dirty="0" err="1">
-                <a:latin typeface="Times New Roman" panose="02020603050405020304" pitchFamily="18" charset="0"/>
-                <a:cs typeface="Times New Roman" panose="02020603050405020304" pitchFamily="18" charset="0"/>
-              </a:rPr>
-              <a:t>Callify</a:t>
-            </a:r>
-            <a:r>
-              <a:rPr kumimoji="0" lang="en-US" altLang="en-US" sz="2800" b="0" i="0" u="none" strike="noStrike" cap="none" normalizeH="0" baseline="0" dirty="0">
-                <a:ln>
-                  <a:noFill/>
-                </a:ln>
-                <a:solidFill>
-                  <a:schemeClr val="tx1"/>
-                </a:solidFill>
-                <a:effectLst/>
-                <a:latin typeface="Times New Roman" panose="02020603050405020304" pitchFamily="18" charset="0"/>
-                <a:cs typeface="Times New Roman" panose="02020603050405020304" pitchFamily="18" charset="0"/>
-              </a:rPr>
-              <a:t> is a cloud-based video conferencing service that allows users to virtually meet, collaborate, and     communicate from anywhere.</a:t>
-            </a:r>
-          </a:p>
-          <a:p>
-            <a:pPr marR="0" lvl="0" algn="just" defTabSz="914400" rtl="0" eaLnBrk="0" fontAlgn="base" latinLnBrk="0" hangingPunct="0">
-              <a:lnSpc>
-                <a:spcPct val="200000"/>
-              </a:lnSpc>
-              <a:spcBef>
-                <a:spcPct val="0"/>
-              </a:spcBef>
-              <a:spcAft>
-                <a:spcPct val="0"/>
-              </a:spcAft>
-              <a:buClrTx/>
-              <a:buSzTx/>
-              <a:buFont typeface="Wingdings" panose="05000000000000000000" pitchFamily="2" charset="2"/>
-              <a:buChar char="§"/>
-              <a:tabLst/>
-            </a:pPr>
-            <a:r>
-              <a:rPr kumimoji="0" lang="en-US" altLang="en-US" sz="2800" b="0" i="0" u="none" strike="noStrike" cap="none" normalizeH="0" baseline="0" dirty="0">
-                <a:ln>
-                  <a:noFill/>
-                </a:ln>
-                <a:solidFill>
-                  <a:schemeClr val="tx1"/>
-                </a:solidFill>
-                <a:effectLst/>
-                <a:latin typeface="Times New Roman" panose="02020603050405020304" pitchFamily="18" charset="0"/>
-                <a:cs typeface="Times New Roman" panose="02020603050405020304" pitchFamily="18" charset="0"/>
-              </a:rPr>
-              <a:t>It gained widespread popularity during the COVID-19 pandemic as a leading tool for remote communication.</a:t>
-            </a:r>
-          </a:p>
-          <a:p>
-            <a:pPr marR="0" lvl="0" algn="just" defTabSz="914400" rtl="0" eaLnBrk="0" fontAlgn="base" latinLnBrk="0" hangingPunct="0">
-              <a:lnSpc>
-                <a:spcPct val="200000"/>
-              </a:lnSpc>
-              <a:spcBef>
-                <a:spcPct val="0"/>
-              </a:spcBef>
-              <a:spcAft>
-                <a:spcPct val="0"/>
-              </a:spcAft>
-              <a:buClrTx/>
-              <a:buSzTx/>
-              <a:buFont typeface="Wingdings" panose="05000000000000000000" pitchFamily="2" charset="2"/>
-              <a:buChar char="§"/>
-              <a:tabLst/>
-            </a:pPr>
-            <a:r>
-              <a:rPr kumimoji="0" lang="en-US" altLang="en-US" sz="2800" b="0" i="0" u="none" strike="noStrike" cap="none" normalizeH="0" baseline="0" dirty="0">
-                <a:ln>
-                  <a:noFill/>
-                </a:ln>
-                <a:solidFill>
-                  <a:schemeClr val="tx1"/>
-                </a:solidFill>
-                <a:effectLst/>
-                <a:latin typeface="Times New Roman" panose="02020603050405020304" pitchFamily="18" charset="0"/>
-                <a:cs typeface="Times New Roman" panose="02020603050405020304" pitchFamily="18" charset="0"/>
-              </a:rPr>
-              <a:t>Offers features like video calls, webinars, screen sharing, and meeting recording.</a:t>
-            </a:r>
-          </a:p>
-          <a:p>
-            <a:pPr marR="0" lvl="0" algn="just" defTabSz="914400" rtl="0" eaLnBrk="0" fontAlgn="base" latinLnBrk="0" hangingPunct="0">
-              <a:lnSpc>
-                <a:spcPct val="200000"/>
-              </a:lnSpc>
-              <a:spcBef>
-                <a:spcPct val="0"/>
-              </a:spcBef>
-              <a:spcAft>
-                <a:spcPct val="0"/>
-              </a:spcAft>
-              <a:buClrTx/>
-              <a:buSzTx/>
-              <a:buFont typeface="Wingdings" panose="05000000000000000000" pitchFamily="2" charset="2"/>
-              <a:buChar char="§"/>
-              <a:tabLst/>
-            </a:pPr>
-            <a:r>
-              <a:rPr kumimoji="0" lang="en-US" altLang="en-US" sz="2800" b="0" i="0" u="none" strike="noStrike" cap="none" normalizeH="0" baseline="0" dirty="0">
-                <a:ln>
-                  <a:noFill/>
-                </a:ln>
-                <a:solidFill>
-                  <a:schemeClr val="tx1"/>
-                </a:solidFill>
-                <a:effectLst/>
-                <a:latin typeface="Times New Roman" panose="02020603050405020304" pitchFamily="18" charset="0"/>
-                <a:cs typeface="Times New Roman" panose="02020603050405020304" pitchFamily="18" charset="0"/>
-              </a:rPr>
-              <a:t>Essential for remote work, education, and virtual events.</a:t>
-            </a:r>
-          </a:p>
-          <a:p>
-            <a:pPr>
-              <a:buNone/>
-            </a:pPr>
-            <a:endParaRPr lang="en-IN" dirty="0"/>
+            <a:endParaRPr kumimoji="0" lang="en-US" altLang="en-US" sz="1600" b="0" i="0" u="none" strike="noStrike" cap="none" normalizeH="0" baseline="0" dirty="0">
+              <a:ln>
+                <a:noFill/>
+              </a:ln>
+              <a:solidFill>
+                <a:schemeClr val="tx1"/>
+              </a:solidFill>
+              <a:effectLst/>
+              <a:latin typeface="Times New Roman" panose="02020603050405020304" pitchFamily="18" charset="0"/>
+              <a:cs typeface="Times New Roman" panose="02020603050405020304" pitchFamily="18" charset="0"/>
+            </a:endParaRPr>
           </a:p>
         </p:txBody>
       </p:sp>
     </p:spTree>
     <p:extLst>
       <p:ext uri="{BB962C8B-B14F-4D97-AF65-F5344CB8AC3E}">
-        <p14:creationId xmlns:p14="http://schemas.microsoft.com/office/powerpoint/2010/main" val="2290303760"/>
+        <p14:creationId xmlns:p14="http://schemas.microsoft.com/office/powerpoint/2010/main" val="516697121"/>
       </p:ext>
     </p:extLst>
   </p:cSld>
@@ -25821,7 +25092,7 @@
 </p:sld>
 </file>
 
-<file path=ppt/slides/slide20.xml><?xml version="1.0" encoding="utf-8"?>
+<file path=ppt/slides/slide2.xml><?xml version="1.0" encoding="utf-8"?>
 <p:sld xmlns:a="http://schemas.openxmlformats.org/drawingml/2006/main" xmlns:r="http://schemas.openxmlformats.org/officeDocument/2006/relationships" xmlns:p="http://schemas.openxmlformats.org/presentationml/2006/main">
   <p:cSld>
     <p:spTree>
@@ -26081,13 +25352,7 @@
       </p:sp>
       <p:sp>
         <p:nvSpPr>
-          <p:cNvPr id="7" name="Title 6">
-            <a:extLst>
-              <a:ext uri="{FF2B5EF4-FFF2-40B4-BE49-F238E27FC236}">
-                <a16:creationId xmlns:a16="http://schemas.microsoft.com/office/drawing/2014/main" id="{BAE3B82A-826A-0304-CCFE-B1B91ED37478}"/>
-              </a:ext>
-            </a:extLst>
-          </p:cNvPr>
+          <p:cNvPr id="14" name="Title 1"/>
           <p:cNvSpPr>
             <a:spLocks noGrp="1"/>
           </p:cNvSpPr>
@@ -26097,180 +25362,54 @@
         </p:nvSpPr>
         <p:spPr>
           <a:xfrm>
-            <a:off x="2743200" y="365125"/>
-            <a:ext cx="8610599" cy="1325563"/>
+            <a:off x="2743200" y="381000"/>
+            <a:ext cx="8229600" cy="1143000"/>
           </a:xfrm>
         </p:spPr>
         <p:txBody>
           <a:bodyPr/>
           <a:lstStyle/>
           <a:p>
+            <a:r>
+              <a:rPr lang="en-IN" dirty="0" err="1">
+                <a:latin typeface="Times New Roman" panose="02020603050405020304" pitchFamily="18" charset="0"/>
+                <a:cs typeface="Times New Roman" panose="02020603050405020304" pitchFamily="18" charset="0"/>
+              </a:rPr>
+              <a:t>Callify</a:t>
+            </a:r>
             <a:r>
               <a:rPr lang="en-IN" dirty="0">
                 <a:latin typeface="Times New Roman" panose="02020603050405020304" pitchFamily="18" charset="0"/>
                 <a:cs typeface="Times New Roman" panose="02020603050405020304" pitchFamily="18" charset="0"/>
               </a:rPr>
-              <a:t>References</a:t>
-            </a:r>
-          </a:p>
-        </p:txBody>
-      </p:sp>
-      <p:sp>
-        <p:nvSpPr>
-          <p:cNvPr id="9" name="Rectangle 2">
-            <a:extLst>
-              <a:ext uri="{FF2B5EF4-FFF2-40B4-BE49-F238E27FC236}">
-                <a16:creationId xmlns:a16="http://schemas.microsoft.com/office/drawing/2014/main" id="{15827682-201B-CCF1-BDF5-633F903F3688}"/>
-              </a:ext>
-            </a:extLst>
-          </p:cNvPr>
-          <p:cNvSpPr>
-            <a:spLocks noGrp="1" noChangeArrowheads="1"/>
+              <a:t> video conferencing</a:t>
+            </a:r>
+          </a:p>
+        </p:txBody>
+      </p:sp>
+      <p:sp>
+        <p:nvSpPr>
+          <p:cNvPr id="15" name="Content Placeholder 2"/>
+          <p:cNvSpPr>
+            <a:spLocks noGrp="1"/>
           </p:cNvSpPr>
           <p:nvPr>
             <p:ph idx="1"/>
           </p:nvPr>
         </p:nvSpPr>
-        <p:spPr bwMode="auto">
+        <p:spPr>
           <a:xfrm>
-            <a:off x="2743200" y="2194985"/>
-            <a:ext cx="6172200" cy="3228448"/>
+            <a:off x="2743200" y="1706563"/>
+            <a:ext cx="8229600" cy="4205064"/>
           </a:xfrm>
-          <a:prstGeom prst="rect">
-            <a:avLst/>
-          </a:prstGeom>
-          <a:noFill/>
-          <a:ln>
-            <a:noFill/>
-          </a:ln>
-          <a:effectLst/>
-          <a:extLst>
-            <a:ext uri="{909E8E84-426E-40DD-AFC4-6F175D3DCCD1}">
-              <a14:hiddenFill xmlns:a14="http://schemas.microsoft.com/office/drawing/2010/main">
-                <a:solidFill>
-                  <a:schemeClr val="accent1"/>
-                </a:solidFill>
-              </a14:hiddenFill>
-            </a:ext>
-            <a:ext uri="{91240B29-F687-4F45-9708-019B960494DF}">
-              <a14:hiddenLine xmlns:a14="http://schemas.microsoft.com/office/drawing/2010/main" w="9525">
-                <a:solidFill>
-                  <a:schemeClr val="tx1"/>
-                </a:solidFill>
-                <a:miter lim="800000"/>
-                <a:headEnd/>
-                <a:tailEnd/>
-              </a14:hiddenLine>
-            </a:ext>
-            <a:ext uri="{AF507438-7753-43E0-B8FC-AC1667EBCBE1}">
-              <a14:hiddenEffects xmlns:a14="http://schemas.microsoft.com/office/drawing/2010/main">
-                <a:effectLst>
-                  <a:outerShdw dist="35921" dir="2700000" algn="ctr" rotWithShape="0">
-                    <a:schemeClr val="bg2"/>
-                  </a:outerShdw>
-                </a:effectLst>
-              </a14:hiddenEffects>
-            </a:ext>
-          </a:extLst>
         </p:spPr>
         <p:txBody>
-          <a:bodyPr vert="horz" wrap="square" lIns="91440" tIns="45720" rIns="91440" bIns="45720" numCol="1" anchor="ctr" anchorCtr="0" compatLnSpc="1">
-            <a:prstTxWarp prst="textNoShape">
-              <a:avLst/>
-            </a:prstTxWarp>
-            <a:spAutoFit/>
+          <a:bodyPr>
+            <a:normAutofit fontScale="70000" lnSpcReduction="20000"/>
           </a:bodyPr>
           <a:lstStyle/>
           <a:p>
-            <a:pPr>
-              <a:lnSpc>
-                <a:spcPct val="200000"/>
-              </a:lnSpc>
-              <a:buFont typeface="Arial" panose="020B0604020202020204" pitchFamily="34" charset="0"/>
-              <a:buChar char="•"/>
-            </a:pPr>
-            <a:r>
-              <a:rPr lang="en-US" sz="1600" dirty="0">
-                <a:latin typeface="Times New Roman" panose="02020603050405020304" pitchFamily="18" charset="0"/>
-                <a:cs typeface="Times New Roman" panose="02020603050405020304" pitchFamily="18" charset="0"/>
-              </a:rPr>
-              <a:t>Cite sources such </a:t>
-            </a:r>
-            <a:r>
-              <a:rPr lang="en-US" sz="1600" dirty="0" err="1">
-                <a:latin typeface="Times New Roman" panose="02020603050405020304" pitchFamily="18" charset="0"/>
-                <a:cs typeface="Times New Roman" panose="02020603050405020304" pitchFamily="18" charset="0"/>
-              </a:rPr>
-              <a:t>as:Yuan</a:t>
-            </a:r>
-            <a:r>
-              <a:rPr lang="en-US" sz="1600" dirty="0">
-                <a:latin typeface="Times New Roman" panose="02020603050405020304" pitchFamily="18" charset="0"/>
-                <a:cs typeface="Times New Roman" panose="02020603050405020304" pitchFamily="18" charset="0"/>
-              </a:rPr>
-              <a:t>, E. (2011). Zoom Video Communications. </a:t>
-            </a:r>
-            <a:r>
-              <a:rPr lang="en-US" sz="1600" dirty="0">
-                <a:latin typeface="Times New Roman" panose="02020603050405020304" pitchFamily="18" charset="0"/>
-                <a:cs typeface="Times New Roman" panose="02020603050405020304" pitchFamily="18" charset="0"/>
-                <a:hlinkClick r:id="rId4"/>
-              </a:rPr>
-              <a:t>Zoom.us</a:t>
-            </a:r>
-            <a:endParaRPr lang="en-US" sz="1600" dirty="0">
-              <a:latin typeface="Times New Roman" panose="02020603050405020304" pitchFamily="18" charset="0"/>
-              <a:cs typeface="Times New Roman" panose="02020603050405020304" pitchFamily="18" charset="0"/>
-            </a:endParaRPr>
-          </a:p>
-          <a:p>
-            <a:pPr>
-              <a:lnSpc>
-                <a:spcPct val="200000"/>
-              </a:lnSpc>
-              <a:buFont typeface="Arial" panose="020B0604020202020204" pitchFamily="34" charset="0"/>
-              <a:buChar char="•"/>
-            </a:pPr>
-            <a:r>
-              <a:rPr lang="en-US" sz="1600" dirty="0">
-                <a:latin typeface="Times New Roman" panose="02020603050405020304" pitchFamily="18" charset="0"/>
-                <a:cs typeface="Times New Roman" panose="02020603050405020304" pitchFamily="18" charset="0"/>
-              </a:rPr>
-              <a:t>Research articles and case studies on video conferencing tools.</a:t>
-            </a:r>
-          </a:p>
-          <a:p>
-            <a:pPr>
-              <a:lnSpc>
-                <a:spcPct val="200000"/>
-              </a:lnSpc>
-              <a:buFont typeface="Arial" panose="020B0604020202020204" pitchFamily="34" charset="0"/>
-              <a:buChar char="•"/>
-            </a:pPr>
-            <a:r>
-              <a:rPr lang="en-US" sz="1600" dirty="0">
-                <a:latin typeface="Times New Roman" panose="02020603050405020304" pitchFamily="18" charset="0"/>
-                <a:cs typeface="Times New Roman" panose="02020603050405020304" pitchFamily="18" charset="0"/>
-              </a:rPr>
-              <a:t>Articles comparing </a:t>
-            </a:r>
-            <a:r>
-              <a:rPr lang="en-US" sz="1600" dirty="0" err="1">
-                <a:latin typeface="Times New Roman" panose="02020603050405020304" pitchFamily="18" charset="0"/>
-                <a:cs typeface="Times New Roman" panose="02020603050405020304" pitchFamily="18" charset="0"/>
-              </a:rPr>
-              <a:t>Callify</a:t>
-            </a:r>
-            <a:r>
-              <a:rPr lang="en-US" sz="1600" dirty="0">
-                <a:latin typeface="Times New Roman" panose="02020603050405020304" pitchFamily="18" charset="0"/>
-                <a:cs typeface="Times New Roman" panose="02020603050405020304" pitchFamily="18" charset="0"/>
-              </a:rPr>
-              <a:t> with platforms like Google Meet and Microsoft Teams.</a:t>
-            </a:r>
-          </a:p>
-          <a:p>
-            <a:pPr marL="0" marR="0" lvl="0" indent="0" defTabSz="914400" rtl="0" eaLnBrk="0" fontAlgn="base" latinLnBrk="0" hangingPunct="0">
+            <a:pPr marR="0" lvl="0" algn="just" defTabSz="914400" rtl="0" eaLnBrk="0" fontAlgn="base" latinLnBrk="0" hangingPunct="0">
               <a:lnSpc>
                 <a:spcPct val="200000"/>
               </a:lnSpc>
@@ -26282,27 +25421,140 @@
               </a:spcAft>
               <a:buClrTx/>
               <a:buSzTx/>
-              <a:buNone/>
+              <a:buFont typeface="Wingdings" panose="05000000000000000000" pitchFamily="2" charset="2"/>
+              <a:buChar char="§"/>
               <a:tabLst/>
             </a:pPr>
-            <a:endParaRPr kumimoji="0" lang="en-US" altLang="en-US" sz="1600" b="0" i="0" u="none" strike="noStrike" cap="none" normalizeH="0" baseline="0" dirty="0">
-              <a:ln>
-                <a:noFill/>
-              </a:ln>
-              <a:solidFill>
-                <a:schemeClr val="tx1"/>
-              </a:solidFill>
-              <a:effectLst/>
-              <a:latin typeface="Times New Roman" panose="02020603050405020304" pitchFamily="18" charset="0"/>
-              <a:cs typeface="Times New Roman" panose="02020603050405020304" pitchFamily="18" charset="0"/>
-            </a:endParaRPr>
+            <a:r>
+              <a:rPr lang="en-US" altLang="en-US" dirty="0" err="1">
+                <a:latin typeface="Times New Roman" panose="02020603050405020304" pitchFamily="18" charset="0"/>
+                <a:cs typeface="Times New Roman" panose="02020603050405020304" pitchFamily="18" charset="0"/>
+              </a:rPr>
+              <a:t>Callify</a:t>
+            </a:r>
+            <a:r>
+              <a:rPr kumimoji="0" lang="en-US" altLang="en-US" sz="2800" b="0" i="0" u="none" strike="noStrike" cap="none" normalizeH="0" baseline="0" dirty="0">
+                <a:ln>
+                  <a:noFill/>
+                </a:ln>
+                <a:solidFill>
+                  <a:schemeClr val="tx1"/>
+                </a:solidFill>
+                <a:effectLst/>
+                <a:latin typeface="Times New Roman" panose="02020603050405020304" pitchFamily="18" charset="0"/>
+                <a:cs typeface="Times New Roman" panose="02020603050405020304" pitchFamily="18" charset="0"/>
+              </a:rPr>
+              <a:t> is a cloud-based video conferencing service that allows users to virtually meet, collaborate, and     communicate from anywhere.</a:t>
+            </a:r>
+          </a:p>
+          <a:p>
+            <a:pPr marR="0" lvl="0" algn="just" defTabSz="914400" rtl="0" eaLnBrk="0" fontAlgn="base" latinLnBrk="0" hangingPunct="0">
+              <a:lnSpc>
+                <a:spcPct val="200000"/>
+              </a:lnSpc>
+              <a:spcBef>
+                <a:spcPct val="0"/>
+              </a:spcBef>
+              <a:spcAft>
+                <a:spcPct val="0"/>
+              </a:spcAft>
+              <a:buClrTx/>
+              <a:buSzTx/>
+              <a:buFont typeface="Wingdings" panose="05000000000000000000" pitchFamily="2" charset="2"/>
+              <a:buChar char="§"/>
+              <a:tabLst/>
+            </a:pPr>
+            <a:r>
+              <a:rPr kumimoji="0" lang="en-US" altLang="en-US" sz="2800" b="0" i="0" u="none" strike="noStrike" cap="none" normalizeH="0" baseline="0" dirty="0">
+                <a:ln>
+                  <a:noFill/>
+                </a:ln>
+                <a:solidFill>
+                  <a:schemeClr val="tx1"/>
+                </a:solidFill>
+                <a:effectLst/>
+                <a:latin typeface="Times New Roman" panose="02020603050405020304" pitchFamily="18" charset="0"/>
+                <a:cs typeface="Times New Roman" panose="02020603050405020304" pitchFamily="18" charset="0"/>
+              </a:rPr>
+              <a:t>It gained widespread popularity during the COVID-19 pandemic as a leading tool for remote communication.</a:t>
+            </a:r>
+          </a:p>
+          <a:p>
+            <a:pPr marR="0" lvl="0" algn="just" defTabSz="914400" rtl="0" eaLnBrk="0" fontAlgn="base" latinLnBrk="0" hangingPunct="0">
+              <a:lnSpc>
+                <a:spcPct val="200000"/>
+              </a:lnSpc>
+              <a:spcBef>
+                <a:spcPct val="0"/>
+              </a:spcBef>
+              <a:spcAft>
+                <a:spcPct val="0"/>
+              </a:spcAft>
+              <a:buClrTx/>
+              <a:buSzTx/>
+              <a:buFont typeface="Wingdings" panose="05000000000000000000" pitchFamily="2" charset="2"/>
+              <a:buChar char="§"/>
+              <a:tabLst/>
+            </a:pPr>
+            <a:r>
+              <a:rPr kumimoji="0" lang="en-US" altLang="en-US" sz="2800" b="0" i="0" u="none" strike="noStrike" cap="none" normalizeH="0" baseline="0" dirty="0">
+                <a:ln>
+                  <a:noFill/>
+                </a:ln>
+                <a:solidFill>
+                  <a:schemeClr val="tx1"/>
+                </a:solidFill>
+                <a:effectLst/>
+                <a:latin typeface="Times New Roman" panose="02020603050405020304" pitchFamily="18" charset="0"/>
+                <a:cs typeface="Times New Roman" panose="02020603050405020304" pitchFamily="18" charset="0"/>
+              </a:rPr>
+              <a:t>Offers features like video calls, webinars, screen sharing, and meeting recording.</a:t>
+            </a:r>
+          </a:p>
+          <a:p>
+            <a:pPr marR="0" lvl="0" algn="just" defTabSz="914400" rtl="0" eaLnBrk="0" fontAlgn="base" latinLnBrk="0" hangingPunct="0">
+              <a:lnSpc>
+                <a:spcPct val="200000"/>
+              </a:lnSpc>
+              <a:spcBef>
+                <a:spcPct val="0"/>
+              </a:spcBef>
+              <a:spcAft>
+                <a:spcPct val="0"/>
+              </a:spcAft>
+              <a:buClrTx/>
+              <a:buSzTx/>
+              <a:buFont typeface="Wingdings" panose="05000000000000000000" pitchFamily="2" charset="2"/>
+              <a:buChar char="§"/>
+              <a:tabLst/>
+            </a:pPr>
+            <a:r>
+              <a:rPr kumimoji="0" lang="en-US" altLang="en-US" sz="2800" b="0" i="0" u="none" strike="noStrike" cap="none" normalizeH="0" baseline="0" dirty="0">
+                <a:ln>
+                  <a:noFill/>
+                </a:ln>
+                <a:solidFill>
+                  <a:schemeClr val="tx1"/>
+                </a:solidFill>
+                <a:effectLst/>
+                <a:latin typeface="Times New Roman" panose="02020603050405020304" pitchFamily="18" charset="0"/>
+                <a:cs typeface="Times New Roman" panose="02020603050405020304" pitchFamily="18" charset="0"/>
+              </a:rPr>
+              <a:t>Essential for remote work, education, and virtual events.</a:t>
+            </a:r>
+          </a:p>
+          <a:p>
+            <a:pPr>
+              <a:buNone/>
+            </a:pPr>
+            <a:endParaRPr lang="en-IN" dirty="0"/>
           </a:p>
         </p:txBody>
       </p:sp>
     </p:spTree>
     <p:extLst>
       <p:ext uri="{BB962C8B-B14F-4D97-AF65-F5344CB8AC3E}">
-        <p14:creationId xmlns:p14="http://schemas.microsoft.com/office/powerpoint/2010/main" val="516697121"/>
+        <p14:creationId xmlns:p14="http://schemas.microsoft.com/office/powerpoint/2010/main" val="2290303760"/>
       </p:ext>
     </p:extLst>
   </p:cSld>
@@ -27275,122 +26527,426 @@
           <a:lstStyle/>
           <a:p>
             <a:r>
-              <a:rPr lang="en-IN" dirty="0"/>
-              <a:t>Literature Survey</a:t>
-            </a:r>
-          </a:p>
-        </p:txBody>
-      </p:sp>
-      <p:sp>
-        <p:nvSpPr>
-          <p:cNvPr id="7" name="Content Placeholder 6">
+              <a:rPr lang="en-IN" dirty="0">
+                <a:latin typeface="Times New Roman" panose="02020603050405020304" pitchFamily="18" charset="0"/>
+                <a:cs typeface="Times New Roman" panose="02020603050405020304" pitchFamily="18" charset="0"/>
+              </a:rPr>
+              <a:t>Problem statement and Objectives</a:t>
+            </a:r>
+          </a:p>
+        </p:txBody>
+      </p:sp>
+      <p:sp>
+        <p:nvSpPr>
+          <p:cNvPr id="2" name="Content Placeholder 1">
             <a:extLst>
               <a:ext uri="{FF2B5EF4-FFF2-40B4-BE49-F238E27FC236}">
-                <a16:creationId xmlns:a16="http://schemas.microsoft.com/office/drawing/2014/main" id="{9BC6AE6B-596A-2CC5-4CFB-2151B4FAC48D}"/>
+                <a16:creationId xmlns:a16="http://schemas.microsoft.com/office/drawing/2014/main" id="{2DCC8543-BDA0-B04E-085A-FF53A89F9B0C}"/>
               </a:ext>
             </a:extLst>
           </p:cNvPr>
           <p:cNvSpPr>
-            <a:spLocks noGrp="1"/>
+            <a:spLocks noGrp="1" noChangeArrowheads="1"/>
           </p:cNvSpPr>
           <p:nvPr>
             <p:ph idx="1"/>
           </p:nvPr>
         </p:nvSpPr>
-        <p:spPr>
+        <p:spPr bwMode="auto">
           <a:xfrm>
-            <a:off x="2743200" y="1825625"/>
-            <a:ext cx="8610600" cy="4351338"/>
+            <a:off x="2743199" y="1900991"/>
+            <a:ext cx="8456307" cy="3816429"/>
           </a:xfrm>
+          <a:prstGeom prst="rect">
+            <a:avLst/>
+          </a:prstGeom>
+          <a:noFill/>
+          <a:ln>
+            <a:noFill/>
+          </a:ln>
+          <a:effectLst/>
+          <a:extLst>
+            <a:ext uri="{909E8E84-426E-40DD-AFC4-6F175D3DCCD1}">
+              <a14:hiddenFill xmlns:a14="http://schemas.microsoft.com/office/drawing/2010/main">
+                <a:solidFill>
+                  <a:schemeClr val="accent1"/>
+                </a:solidFill>
+              </a14:hiddenFill>
+            </a:ext>
+            <a:ext uri="{91240B29-F687-4F45-9708-019B960494DF}">
+              <a14:hiddenLine xmlns:a14="http://schemas.microsoft.com/office/drawing/2010/main" w="9525">
+                <a:solidFill>
+                  <a:schemeClr val="tx1"/>
+                </a:solidFill>
+                <a:miter lim="800000"/>
+                <a:headEnd/>
+                <a:tailEnd/>
+              </a14:hiddenLine>
+            </a:ext>
+            <a:ext uri="{AF507438-7753-43E0-B8FC-AC1667EBCBE1}">
+              <a14:hiddenEffects xmlns:a14="http://schemas.microsoft.com/office/drawing/2010/main">
+                <a:effectLst>
+                  <a:outerShdw dist="35921" dir="2700000" algn="ctr" rotWithShape="0">
+                    <a:schemeClr val="bg2"/>
+                  </a:outerShdw>
+                </a:effectLst>
+              </a14:hiddenEffects>
+            </a:ext>
+          </a:extLst>
         </p:spPr>
         <p:txBody>
-          <a:bodyPr>
-            <a:normAutofit/>
+          <a:bodyPr vert="horz" wrap="square" lIns="91440" tIns="45720" rIns="91440" bIns="45720" numCol="1" anchor="ctr" anchorCtr="0" compatLnSpc="1">
+            <a:prstTxWarp prst="textNoShape">
+              <a:avLst/>
+            </a:prstTxWarp>
+            <a:spAutoFit/>
           </a:bodyPr>
           <a:lstStyle/>
           <a:p>
-            <a:r>
-              <a:rPr lang="en-US" sz="1600" dirty="0">
+            <a:pPr marL="0" marR="0" lvl="0" indent="0" algn="l" defTabSz="914400" rtl="0" eaLnBrk="0" fontAlgn="base" latinLnBrk="0" hangingPunct="0">
+              <a:lnSpc>
+                <a:spcPct val="200000"/>
+              </a:lnSpc>
+              <a:spcBef>
+                <a:spcPct val="0"/>
+              </a:spcBef>
+              <a:spcAft>
+                <a:spcPct val="0"/>
+              </a:spcAft>
+              <a:buClrTx/>
+              <a:buSzTx/>
+              <a:buFontTx/>
+              <a:buChar char="•"/>
+              <a:tabLst/>
+            </a:pPr>
+            <a:r>
+              <a:rPr kumimoji="0" lang="en-US" altLang="en-US" sz="1600" b="1" i="0" u="none" strike="noStrike" cap="none" normalizeH="0" baseline="0" dirty="0">
+                <a:ln>
+                  <a:noFill/>
+                </a:ln>
+                <a:solidFill>
+                  <a:schemeClr val="tx1"/>
+                </a:solidFill>
+                <a:effectLst/>
                 <a:latin typeface="Times New Roman" panose="02020603050405020304" pitchFamily="18" charset="0"/>
                 <a:cs typeface="Times New Roman" panose="02020603050405020304" pitchFamily="18" charset="0"/>
               </a:rPr>
-              <a:t>Finding IEEE </a:t>
-            </a:r>
-            <a:r>
-              <a:rPr lang="en-US" sz="1600" dirty="0" err="1">
+              <a:t>Problem Statement</a:t>
+            </a:r>
+            <a:r>
+              <a:rPr kumimoji="0" lang="en-US" altLang="en-US" sz="1600" b="0" i="0" u="none" strike="noStrike" cap="none" normalizeH="0" baseline="0" dirty="0">
+                <a:ln>
+                  <a:noFill/>
+                </a:ln>
+                <a:solidFill>
+                  <a:schemeClr val="tx1"/>
+                </a:solidFill>
+                <a:effectLst/>
                 <a:latin typeface="Times New Roman" panose="02020603050405020304" pitchFamily="18" charset="0"/>
                 <a:cs typeface="Times New Roman" panose="02020603050405020304" pitchFamily="18" charset="0"/>
               </a:rPr>
-              <a:t>PapersAccess</a:t>
-            </a:r>
-            <a:r>
-              <a:rPr lang="en-US" sz="1600" dirty="0">
+              <a:t>: </a:t>
+            </a:r>
+          </a:p>
+          <a:p>
+            <a:pPr marL="0" marR="0" lvl="0" indent="0" algn="l" defTabSz="914400" rtl="0" eaLnBrk="0" fontAlgn="base" latinLnBrk="0" hangingPunct="0">
+              <a:lnSpc>
+                <a:spcPct val="200000"/>
+              </a:lnSpc>
+              <a:spcBef>
+                <a:spcPct val="0"/>
+              </a:spcBef>
+              <a:spcAft>
+                <a:spcPct val="0"/>
+              </a:spcAft>
+              <a:buClrTx/>
+              <a:buSzTx/>
+              <a:buFontTx/>
+              <a:buChar char="•"/>
+              <a:tabLst/>
+            </a:pPr>
+            <a:r>
+              <a:rPr kumimoji="0" lang="en-US" altLang="en-US" sz="1600" b="0" i="0" u="none" strike="noStrike" cap="none" normalizeH="0" baseline="0" dirty="0">
+                <a:ln>
+                  <a:noFill/>
+                </a:ln>
+                <a:solidFill>
+                  <a:schemeClr val="tx1"/>
+                </a:solidFill>
+                <a:effectLst/>
                 <a:latin typeface="Times New Roman" panose="02020603050405020304" pitchFamily="18" charset="0"/>
                 <a:cs typeface="Times New Roman" panose="02020603050405020304" pitchFamily="18" charset="0"/>
               </a:rPr>
-              <a:t> IEEE Xplore: </a:t>
-            </a:r>
-          </a:p>
-          <a:p>
-            <a:pPr marL="0" indent="0">
-              <a:buNone/>
+              <a:t>With the increase in remote work and virtual communication, there is a need for a reliable, secure, and easy-to-use video conferencing platform that supports large-scale meetings and events.</a:t>
+            </a:r>
+          </a:p>
+          <a:p>
+            <a:pPr marL="0" marR="0" lvl="0" indent="0" algn="l" defTabSz="914400" rtl="0" eaLnBrk="0" fontAlgn="base" latinLnBrk="0" hangingPunct="0">
+              <a:lnSpc>
+                <a:spcPct val="200000"/>
+              </a:lnSpc>
+              <a:spcBef>
+                <a:spcPct val="0"/>
+              </a:spcBef>
+              <a:spcAft>
+                <a:spcPct val="0"/>
+              </a:spcAft>
+              <a:buClrTx/>
+              <a:buSzTx/>
+              <a:buFontTx/>
+              <a:buChar char="•"/>
+              <a:tabLst/>
             </a:pPr>
-            <a:endParaRPr lang="en-US" sz="1600" dirty="0">
-              <a:latin typeface="Times New Roman" panose="02020603050405020304" pitchFamily="18" charset="0"/>
-              <a:cs typeface="Times New Roman" panose="02020603050405020304" pitchFamily="18" charset="0"/>
-            </a:endParaRPr>
-          </a:p>
-          <a:p>
-            <a:r>
-              <a:rPr lang="en-US" sz="1600" dirty="0">
+            <a:r>
+              <a:rPr kumimoji="0" lang="en-US" altLang="en-US" sz="1600" b="1" i="0" u="none" strike="noStrike" cap="none" normalizeH="0" baseline="0" dirty="0">
+                <a:ln>
+                  <a:noFill/>
+                </a:ln>
+                <a:solidFill>
+                  <a:schemeClr val="tx1"/>
+                </a:solidFill>
+                <a:effectLst/>
                 <a:latin typeface="Times New Roman" panose="02020603050405020304" pitchFamily="18" charset="0"/>
                 <a:cs typeface="Times New Roman" panose="02020603050405020304" pitchFamily="18" charset="0"/>
               </a:rPr>
-              <a:t>Visit the [IEEE Xplore] website and use the search function to find papers.</a:t>
-            </a:r>
-          </a:p>
-          <a:p>
-            <a:pPr marL="0" indent="0">
-              <a:buNone/>
-            </a:pPr>
-            <a:endParaRPr lang="en-US" sz="1600" dirty="0">
-              <a:latin typeface="Times New Roman" panose="02020603050405020304" pitchFamily="18" charset="0"/>
-              <a:cs typeface="Times New Roman" panose="02020603050405020304" pitchFamily="18" charset="0"/>
-            </a:endParaRPr>
-          </a:p>
-          <a:p>
-            <a:r>
-              <a:rPr lang="en-US" sz="1600" dirty="0">
+              <a:t>Objectives</a:t>
+            </a:r>
+            <a:r>
+              <a:rPr kumimoji="0" lang="en-US" altLang="en-US" sz="1600" b="0" i="0" u="none" strike="noStrike" cap="none" normalizeH="0" baseline="0" dirty="0">
+                <a:ln>
+                  <a:noFill/>
+                </a:ln>
+                <a:solidFill>
+                  <a:schemeClr val="tx1"/>
+                </a:solidFill>
+                <a:effectLst/>
                 <a:latin typeface="Times New Roman" panose="02020603050405020304" pitchFamily="18" charset="0"/>
                 <a:cs typeface="Times New Roman" panose="02020603050405020304" pitchFamily="18" charset="0"/>
               </a:rPr>
-              <a:t>Use Advanced Search: Utilize advanced search options to filter results by year (2021) and relevant keywords.</a:t>
-            </a:r>
-          </a:p>
-          <a:p>
-            <a:pPr marL="0" indent="0">
-              <a:buNone/>
+              <a:t>:</a:t>
+            </a:r>
+          </a:p>
+          <a:p>
+            <a:pPr marL="0" marR="0" lvl="0" indent="0" algn="l" defTabSz="914400" rtl="0" eaLnBrk="0" fontAlgn="base" latinLnBrk="0" hangingPunct="0">
+              <a:lnSpc>
+                <a:spcPct val="200000"/>
+              </a:lnSpc>
+              <a:spcBef>
+                <a:spcPct val="0"/>
+              </a:spcBef>
+              <a:spcAft>
+                <a:spcPct val="0"/>
+              </a:spcAft>
+              <a:buClrTx/>
+              <a:buSzTx/>
+              <a:buFontTx/>
+              <a:buChar char="•"/>
+              <a:tabLst/>
             </a:pPr>
-            <a:endParaRPr lang="en-US" sz="1600" dirty="0">
-              <a:latin typeface="Times New Roman" panose="02020603050405020304" pitchFamily="18" charset="0"/>
-              <a:cs typeface="Times New Roman" panose="02020603050405020304" pitchFamily="18" charset="0"/>
-            </a:endParaRPr>
-          </a:p>
-          <a:p>
-            <a:r>
-              <a:rPr lang="en-US" sz="1600" dirty="0">
+            <a:r>
+              <a:rPr kumimoji="0" lang="en-US" altLang="en-US" sz="1600" b="0" i="0" u="none" strike="noStrike" cap="none" normalizeH="0" baseline="0" dirty="0">
+                <a:ln>
+                  <a:noFill/>
+                </a:ln>
+                <a:solidFill>
+                  <a:schemeClr val="tx1"/>
+                </a:solidFill>
+                <a:effectLst/>
                 <a:latin typeface="Times New Roman" panose="02020603050405020304" pitchFamily="18" charset="0"/>
                 <a:cs typeface="Times New Roman" panose="02020603050405020304" pitchFamily="18" charset="0"/>
               </a:rPr>
-              <a:t>Review Abstracts: Read abstracts to determine the relevance of each paper to your survey.</a:t>
-            </a:r>
+              <a:t>To analyze how </a:t>
+            </a:r>
+            <a:r>
+              <a:rPr lang="en-US" altLang="en-US" sz="1600" dirty="0" err="1">
+                <a:latin typeface="Times New Roman" panose="02020603050405020304" pitchFamily="18" charset="0"/>
+                <a:cs typeface="Times New Roman" panose="02020603050405020304" pitchFamily="18" charset="0"/>
+              </a:rPr>
+              <a:t>Callify</a:t>
+            </a:r>
+            <a:r>
+              <a:rPr kumimoji="0" lang="en-US" altLang="en-US" sz="1600" b="0" i="0" u="none" strike="noStrike" cap="none" normalizeH="0" baseline="0" dirty="0">
+                <a:ln>
+                  <a:noFill/>
+                </a:ln>
+                <a:solidFill>
+                  <a:schemeClr val="tx1"/>
+                </a:solidFill>
+                <a:effectLst/>
+                <a:latin typeface="Times New Roman" panose="02020603050405020304" pitchFamily="18" charset="0"/>
+                <a:cs typeface="Times New Roman" panose="02020603050405020304" pitchFamily="18" charset="0"/>
+              </a:rPr>
+              <a:t> meets the growing demand for remote communication.</a:t>
+            </a:r>
+          </a:p>
+          <a:p>
+            <a:pPr marL="0" marR="0" lvl="0" indent="0" algn="l" defTabSz="914400" rtl="0" eaLnBrk="0" fontAlgn="base" latinLnBrk="0" hangingPunct="0">
+              <a:lnSpc>
+                <a:spcPct val="200000"/>
+              </a:lnSpc>
+              <a:spcBef>
+                <a:spcPct val="0"/>
+              </a:spcBef>
+              <a:spcAft>
+                <a:spcPct val="0"/>
+              </a:spcAft>
+              <a:buClrTx/>
+              <a:buSzTx/>
+              <a:buFontTx/>
+              <a:buChar char="•"/>
+              <a:tabLst/>
+            </a:pPr>
+            <a:r>
+              <a:rPr kumimoji="0" lang="en-US" altLang="en-US" sz="1600" b="0" i="0" u="none" strike="noStrike" cap="none" normalizeH="0" baseline="0" dirty="0">
+                <a:ln>
+                  <a:noFill/>
+                </a:ln>
+                <a:solidFill>
+                  <a:schemeClr val="tx1"/>
+                </a:solidFill>
+                <a:effectLst/>
+                <a:latin typeface="Times New Roman" panose="02020603050405020304" pitchFamily="18" charset="0"/>
+                <a:cs typeface="Times New Roman" panose="02020603050405020304" pitchFamily="18" charset="0"/>
+              </a:rPr>
+              <a:t>To assess </a:t>
+            </a:r>
+            <a:r>
+              <a:rPr lang="en-US" altLang="en-US" sz="1600" dirty="0" err="1">
+                <a:latin typeface="Times New Roman" panose="02020603050405020304" pitchFamily="18" charset="0"/>
+                <a:cs typeface="Times New Roman" panose="02020603050405020304" pitchFamily="18" charset="0"/>
+              </a:rPr>
+              <a:t>Callify</a:t>
+            </a:r>
+            <a:r>
+              <a:rPr kumimoji="0" lang="en-US" altLang="en-US" sz="1600" b="0" i="0" u="none" strike="noStrike" cap="none" normalizeH="0" baseline="0" dirty="0" err="1">
+                <a:ln>
+                  <a:noFill/>
+                </a:ln>
+                <a:solidFill>
+                  <a:schemeClr val="tx1"/>
+                </a:solidFill>
+                <a:effectLst/>
+                <a:latin typeface="Times New Roman" panose="02020603050405020304" pitchFamily="18" charset="0"/>
+                <a:cs typeface="Times New Roman" panose="02020603050405020304" pitchFamily="18" charset="0"/>
+              </a:rPr>
+              <a:t>'s</a:t>
+            </a:r>
+            <a:r>
+              <a:rPr kumimoji="0" lang="en-US" altLang="en-US" sz="1600" b="0" i="0" u="none" strike="noStrike" cap="none" normalizeH="0" baseline="0" dirty="0">
+                <a:ln>
+                  <a:noFill/>
+                </a:ln>
+                <a:solidFill>
+                  <a:schemeClr val="tx1"/>
+                </a:solidFill>
+                <a:effectLst/>
+                <a:latin typeface="Times New Roman" panose="02020603050405020304" pitchFamily="18" charset="0"/>
+                <a:cs typeface="Times New Roman" panose="02020603050405020304" pitchFamily="18" charset="0"/>
+              </a:rPr>
+              <a:t> ability to handle large-scale meetings with ease and security.</a:t>
+            </a:r>
+          </a:p>
+          <a:p>
+            <a:pPr marL="0" marR="0" lvl="0" indent="0" algn="l" defTabSz="914400" rtl="0" eaLnBrk="0" fontAlgn="base" latinLnBrk="0" hangingPunct="0">
+              <a:lnSpc>
+                <a:spcPct val="200000"/>
+              </a:lnSpc>
+              <a:spcBef>
+                <a:spcPct val="0"/>
+              </a:spcBef>
+              <a:spcAft>
+                <a:spcPct val="0"/>
+              </a:spcAft>
+              <a:buClrTx/>
+              <a:buSzTx/>
+              <a:buFontTx/>
+              <a:buChar char="•"/>
+              <a:tabLst/>
+            </a:pPr>
+            <a:r>
+              <a:rPr kumimoji="0" lang="en-US" altLang="en-US" sz="1600" b="0" i="0" u="none" strike="noStrike" cap="none" normalizeH="0" baseline="0" dirty="0">
+                <a:ln>
+                  <a:noFill/>
+                </a:ln>
+                <a:solidFill>
+                  <a:schemeClr val="tx1"/>
+                </a:solidFill>
+                <a:effectLst/>
+                <a:latin typeface="Times New Roman" panose="02020603050405020304" pitchFamily="18" charset="0"/>
+                <a:cs typeface="Times New Roman" panose="02020603050405020304" pitchFamily="18" charset="0"/>
+              </a:rPr>
+              <a:t>To explore </a:t>
+            </a:r>
+            <a:r>
+              <a:rPr lang="en-US" altLang="en-US" sz="1600" dirty="0" err="1">
+                <a:latin typeface="Times New Roman" panose="02020603050405020304" pitchFamily="18" charset="0"/>
+                <a:cs typeface="Times New Roman" panose="02020603050405020304" pitchFamily="18" charset="0"/>
+              </a:rPr>
+              <a:t>Callify</a:t>
+            </a:r>
+            <a:r>
+              <a:rPr kumimoji="0" lang="en-US" altLang="en-US" sz="1600" b="0" i="0" u="none" strike="noStrike" cap="none" normalizeH="0" baseline="0" dirty="0" err="1">
+                <a:ln>
+                  <a:noFill/>
+                </a:ln>
+                <a:solidFill>
+                  <a:schemeClr val="tx1"/>
+                </a:solidFill>
+                <a:effectLst/>
+                <a:latin typeface="Times New Roman" panose="02020603050405020304" pitchFamily="18" charset="0"/>
+                <a:cs typeface="Times New Roman" panose="02020603050405020304" pitchFamily="18" charset="0"/>
+              </a:rPr>
+              <a:t>'s</a:t>
+            </a:r>
+            <a:r>
+              <a:rPr kumimoji="0" lang="en-US" altLang="en-US" sz="1600" b="0" i="0" u="none" strike="noStrike" cap="none" normalizeH="0" baseline="0" dirty="0">
+                <a:ln>
+                  <a:noFill/>
+                </a:ln>
+                <a:solidFill>
+                  <a:schemeClr val="tx1"/>
+                </a:solidFill>
+                <a:effectLst/>
+                <a:latin typeface="Times New Roman" panose="02020603050405020304" pitchFamily="18" charset="0"/>
+                <a:cs typeface="Times New Roman" panose="02020603050405020304" pitchFamily="18" charset="0"/>
+              </a:rPr>
+              <a:t> impact on work culture and communication efficiency.</a:t>
+            </a:r>
+          </a:p>
+          <a:p>
+            <a:pPr marL="0" marR="0" lvl="0" indent="0" algn="l" defTabSz="914400" rtl="0" eaLnBrk="0" fontAlgn="base" latinLnBrk="0" hangingPunct="0">
+              <a:lnSpc>
+                <a:spcPct val="100000"/>
+              </a:lnSpc>
+              <a:spcBef>
+                <a:spcPct val="0"/>
+              </a:spcBef>
+              <a:spcAft>
+                <a:spcPct val="0"/>
+              </a:spcAft>
+              <a:buClrTx/>
+              <a:buSzTx/>
+              <a:buFontTx/>
+              <a:buNone/>
+              <a:tabLst/>
+            </a:pPr>
+            <a:endParaRPr kumimoji="0" lang="en-US" altLang="en-US" sz="1800" b="0" i="0" u="none" strike="noStrike" cap="none" normalizeH="0" baseline="0" dirty="0">
+              <a:ln>
+                <a:noFill/>
+              </a:ln>
+              <a:solidFill>
+                <a:schemeClr val="tx1"/>
+              </a:solidFill>
+              <a:effectLst/>
+              <a:latin typeface="Arial" panose="020B0604020202020204" pitchFamily="34" charset="0"/>
+            </a:endParaRPr>
           </a:p>
         </p:txBody>
       </p:sp>
     </p:spTree>
     <p:extLst>
       <p:ext uri="{BB962C8B-B14F-4D97-AF65-F5344CB8AC3E}">
-        <p14:creationId xmlns:p14="http://schemas.microsoft.com/office/powerpoint/2010/main" val="3904852954"/>
+        <p14:creationId xmlns:p14="http://schemas.microsoft.com/office/powerpoint/2010/main" val="1259670758"/>
       </p:ext>
     </p:extLst>
   </p:cSld>
@@ -27683,7 +27239,7 @@
                 <a:latin typeface="Times New Roman" panose="02020603050405020304" pitchFamily="18" charset="0"/>
                 <a:cs typeface="Times New Roman" panose="02020603050405020304" pitchFamily="18" charset="0"/>
               </a:rPr>
-              <a:t>Problem statement and Objectives</a:t>
+              <a:t>Proposed Methodology</a:t>
             </a:r>
           </a:p>
         </p:txBody>
@@ -27706,8 +27262,8 @@
         </p:nvSpPr>
         <p:spPr bwMode="auto">
           <a:xfrm>
-            <a:off x="2743199" y="1900991"/>
-            <a:ext cx="8456307" cy="3816429"/>
+            <a:off x="2743199" y="1644511"/>
+            <a:ext cx="8456307" cy="4329390"/>
           </a:xfrm>
           <a:prstGeom prst="rect">
             <a:avLst/>
@@ -27755,123 +27311,22 @@
           </a:bodyPr>
           <a:lstStyle/>
           <a:p>
-            <a:pPr marL="0" marR="0" lvl="0" indent="0" algn="l" defTabSz="914400" rtl="0" eaLnBrk="0" fontAlgn="base" latinLnBrk="0" hangingPunct="0">
+            <a:pPr>
               <a:lnSpc>
                 <a:spcPct val="200000"/>
               </a:lnSpc>
-              <a:spcBef>
-                <a:spcPct val="0"/>
-              </a:spcBef>
-              <a:spcAft>
-                <a:spcPct val="0"/>
-              </a:spcAft>
-              <a:buClrTx/>
-              <a:buSzTx/>
-              <a:buFontTx/>
+              <a:buFont typeface="Arial" panose="020B0604020202020204" pitchFamily="34" charset="0"/>
               <a:buChar char="•"/>
-              <a:tabLst/>
             </a:pPr>
             <a:r>
-              <a:rPr kumimoji="0" lang="en-US" altLang="en-US" sz="1600" b="1" i="0" u="none" strike="noStrike" cap="none" normalizeH="0" baseline="0" dirty="0">
-                <a:ln>
-                  <a:noFill/>
-                </a:ln>
-                <a:solidFill>
-                  <a:schemeClr val="tx1"/>
-                </a:solidFill>
-                <a:effectLst/>
+              <a:rPr lang="en-US" sz="1600" b="1" dirty="0">
                 <a:latin typeface="Times New Roman" panose="02020603050405020304" pitchFamily="18" charset="0"/>
                 <a:cs typeface="Times New Roman" panose="02020603050405020304" pitchFamily="18" charset="0"/>
               </a:rPr>
-              <a:t>Problem Statement</a:t>
-            </a:r>
-            <a:r>
-              <a:rPr kumimoji="0" lang="en-US" altLang="en-US" sz="1600" b="0" i="0" u="none" strike="noStrike" cap="none" normalizeH="0" baseline="0" dirty="0">
-                <a:ln>
-                  <a:noFill/>
-                </a:ln>
-                <a:solidFill>
-                  <a:schemeClr val="tx1"/>
-                </a:solidFill>
-                <a:effectLst/>
-                <a:latin typeface="Times New Roman" panose="02020603050405020304" pitchFamily="18" charset="0"/>
-                <a:cs typeface="Times New Roman" panose="02020603050405020304" pitchFamily="18" charset="0"/>
-              </a:rPr>
-              <a:t>: </a:t>
-            </a:r>
-          </a:p>
-          <a:p>
-            <a:pPr marL="0" marR="0" lvl="0" indent="0" algn="l" defTabSz="914400" rtl="0" eaLnBrk="0" fontAlgn="base" latinLnBrk="0" hangingPunct="0">
-              <a:lnSpc>
-                <a:spcPct val="200000"/>
-              </a:lnSpc>
-              <a:spcBef>
-                <a:spcPct val="0"/>
-              </a:spcBef>
-              <a:spcAft>
-                <a:spcPct val="0"/>
-              </a:spcAft>
-              <a:buClrTx/>
-              <a:buSzTx/>
-              <a:buFontTx/>
-              <a:buChar char="•"/>
-              <a:tabLst/>
-            </a:pPr>
-            <a:r>
-              <a:rPr kumimoji="0" lang="en-US" altLang="en-US" sz="1600" b="0" i="0" u="none" strike="noStrike" cap="none" normalizeH="0" baseline="0" dirty="0">
-                <a:ln>
-                  <a:noFill/>
-                </a:ln>
-                <a:solidFill>
-                  <a:schemeClr val="tx1"/>
-                </a:solidFill>
-                <a:effectLst/>
-                <a:latin typeface="Times New Roman" panose="02020603050405020304" pitchFamily="18" charset="0"/>
-                <a:cs typeface="Times New Roman" panose="02020603050405020304" pitchFamily="18" charset="0"/>
-              </a:rPr>
-              <a:t>With the increase in remote work and virtual communication, there is a need for a reliable, secure, and easy-to-use video conferencing platform that supports large-scale meetings and events.</a:t>
-            </a:r>
-          </a:p>
-          <a:p>
-            <a:pPr marL="0" marR="0" lvl="0" indent="0" algn="l" defTabSz="914400" rtl="0" eaLnBrk="0" fontAlgn="base" latinLnBrk="0" hangingPunct="0">
-              <a:lnSpc>
-                <a:spcPct val="200000"/>
-              </a:lnSpc>
-              <a:spcBef>
-                <a:spcPct val="0"/>
-              </a:spcBef>
-              <a:spcAft>
-                <a:spcPct val="0"/>
-              </a:spcAft>
-              <a:buClrTx/>
-              <a:buSzTx/>
-              <a:buFontTx/>
-              <a:buChar char="•"/>
-              <a:tabLst/>
-            </a:pPr>
-            <a:r>
-              <a:rPr kumimoji="0" lang="en-US" altLang="en-US" sz="1600" b="1" i="0" u="none" strike="noStrike" cap="none" normalizeH="0" baseline="0" dirty="0">
-                <a:ln>
-                  <a:noFill/>
-                </a:ln>
-                <a:solidFill>
-                  <a:schemeClr val="tx1"/>
-                </a:solidFill>
-                <a:effectLst/>
-                <a:latin typeface="Times New Roman" panose="02020603050405020304" pitchFamily="18" charset="0"/>
-                <a:cs typeface="Times New Roman" panose="02020603050405020304" pitchFamily="18" charset="0"/>
-              </a:rPr>
-              <a:t>Objectives</a:t>
-            </a:r>
-            <a:r>
-              <a:rPr kumimoji="0" lang="en-US" altLang="en-US" sz="1600" b="0" i="0" u="none" strike="noStrike" cap="none" normalizeH="0" baseline="0" dirty="0">
-                <a:ln>
-                  <a:noFill/>
-                </a:ln>
-                <a:solidFill>
-                  <a:schemeClr val="tx1"/>
-                </a:solidFill>
-                <a:effectLst/>
+              <a:t>Proposed Approach</a:t>
+            </a:r>
+            <a:r>
+              <a:rPr lang="en-US" sz="1600" dirty="0">
                 <a:latin typeface="Times New Roman" panose="02020603050405020304" pitchFamily="18" charset="0"/>
                 <a:cs typeface="Times New Roman" panose="02020603050405020304" pitchFamily="18" charset="0"/>
               </a:rPr>
@@ -27879,190 +27334,123 @@
             </a:r>
           </a:p>
           <a:p>
-            <a:pPr marL="0" marR="0" lvl="0" indent="0" algn="l" defTabSz="914400" rtl="0" eaLnBrk="0" fontAlgn="base" latinLnBrk="0" hangingPunct="0">
+            <a:pPr>
               <a:lnSpc>
                 <a:spcPct val="200000"/>
               </a:lnSpc>
-              <a:spcBef>
-                <a:spcPct val="0"/>
-              </a:spcBef>
-              <a:spcAft>
-                <a:spcPct val="0"/>
-              </a:spcAft>
-              <a:buClrTx/>
-              <a:buSzTx/>
-              <a:buFontTx/>
+              <a:buFont typeface="Arial" panose="020B0604020202020204" pitchFamily="34" charset="0"/>
               <a:buChar char="•"/>
-              <a:tabLst/>
             </a:pPr>
             <a:r>
-              <a:rPr kumimoji="0" lang="en-US" altLang="en-US" sz="1600" b="0" i="0" u="none" strike="noStrike" cap="none" normalizeH="0" baseline="0" dirty="0">
-                <a:ln>
-                  <a:noFill/>
-                </a:ln>
-                <a:solidFill>
-                  <a:schemeClr val="tx1"/>
-                </a:solidFill>
-                <a:effectLst/>
+              <a:rPr lang="en-US" sz="1600" dirty="0">
                 <a:latin typeface="Times New Roman" panose="02020603050405020304" pitchFamily="18" charset="0"/>
                 <a:cs typeface="Times New Roman" panose="02020603050405020304" pitchFamily="18" charset="0"/>
               </a:rPr>
-              <a:t>To analyze how </a:t>
-            </a:r>
-            <a:r>
-              <a:rPr lang="en-US" altLang="en-US" sz="1600" dirty="0" err="1">
+              <a:t>Research and review existing literature on video conferencing tools, with a focus on </a:t>
+            </a:r>
+            <a:r>
+              <a:rPr lang="en-US" sz="1600" dirty="0" err="1">
                 <a:latin typeface="Times New Roman" panose="02020603050405020304" pitchFamily="18" charset="0"/>
                 <a:cs typeface="Times New Roman" panose="02020603050405020304" pitchFamily="18" charset="0"/>
               </a:rPr>
               <a:t>Callify</a:t>
             </a:r>
             <a:r>
-              <a:rPr kumimoji="0" lang="en-US" altLang="en-US" sz="1600" b="0" i="0" u="none" strike="noStrike" cap="none" normalizeH="0" baseline="0" dirty="0">
-                <a:ln>
-                  <a:noFill/>
-                </a:ln>
-                <a:solidFill>
-                  <a:schemeClr val="tx1"/>
-                </a:solidFill>
-                <a:effectLst/>
+              <a:rPr lang="en-US" sz="1600" dirty="0">
                 <a:latin typeface="Times New Roman" panose="02020603050405020304" pitchFamily="18" charset="0"/>
                 <a:cs typeface="Times New Roman" panose="02020603050405020304" pitchFamily="18" charset="0"/>
               </a:rPr>
-              <a:t> meets the growing demand for remote communication.</a:t>
-            </a:r>
-          </a:p>
-          <a:p>
-            <a:pPr marL="0" marR="0" lvl="0" indent="0" algn="l" defTabSz="914400" rtl="0" eaLnBrk="0" fontAlgn="base" latinLnBrk="0" hangingPunct="0">
+              <a:t>.</a:t>
+            </a:r>
+          </a:p>
+          <a:p>
+            <a:pPr>
               <a:lnSpc>
                 <a:spcPct val="200000"/>
               </a:lnSpc>
-              <a:spcBef>
-                <a:spcPct val="0"/>
-              </a:spcBef>
-              <a:spcAft>
-                <a:spcPct val="0"/>
-              </a:spcAft>
-              <a:buClrTx/>
-              <a:buSzTx/>
-              <a:buFontTx/>
+              <a:buFont typeface="Arial" panose="020B0604020202020204" pitchFamily="34" charset="0"/>
               <a:buChar char="•"/>
-              <a:tabLst/>
             </a:pPr>
             <a:r>
-              <a:rPr kumimoji="0" lang="en-US" altLang="en-US" sz="1600" b="0" i="0" u="none" strike="noStrike" cap="none" normalizeH="0" baseline="0" dirty="0">
-                <a:ln>
-                  <a:noFill/>
-                </a:ln>
-                <a:solidFill>
-                  <a:schemeClr val="tx1"/>
-                </a:solidFill>
-                <a:effectLst/>
+              <a:rPr lang="en-US" sz="1600" dirty="0">
                 <a:latin typeface="Times New Roman" panose="02020603050405020304" pitchFamily="18" charset="0"/>
                 <a:cs typeface="Times New Roman" panose="02020603050405020304" pitchFamily="18" charset="0"/>
               </a:rPr>
-              <a:t>To assess </a:t>
-            </a:r>
-            <a:r>
-              <a:rPr lang="en-US" altLang="en-US" sz="1600" dirty="0" err="1">
+              <a:t>Conduct a comparative analysis of </a:t>
+            </a:r>
+            <a:r>
+              <a:rPr lang="en-US" sz="1600" dirty="0" err="1">
                 <a:latin typeface="Times New Roman" panose="02020603050405020304" pitchFamily="18" charset="0"/>
                 <a:cs typeface="Times New Roman" panose="02020603050405020304" pitchFamily="18" charset="0"/>
               </a:rPr>
               <a:t>Callify</a:t>
             </a:r>
             <a:r>
-              <a:rPr kumimoji="0" lang="en-US" altLang="en-US" sz="1600" b="0" i="0" u="none" strike="noStrike" cap="none" normalizeH="0" baseline="0" dirty="0" err="1">
-                <a:ln>
-                  <a:noFill/>
-                </a:ln>
-                <a:solidFill>
-                  <a:schemeClr val="tx1"/>
-                </a:solidFill>
-                <a:effectLst/>
+              <a:rPr lang="en-US" sz="1600" dirty="0">
                 <a:latin typeface="Times New Roman" panose="02020603050405020304" pitchFamily="18" charset="0"/>
                 <a:cs typeface="Times New Roman" panose="02020603050405020304" pitchFamily="18" charset="0"/>
               </a:rPr>
-              <a:t>'s</a:t>
-            </a:r>
-            <a:r>
-              <a:rPr kumimoji="0" lang="en-US" altLang="en-US" sz="1600" b="0" i="0" u="none" strike="noStrike" cap="none" normalizeH="0" baseline="0" dirty="0">
-                <a:ln>
-                  <a:noFill/>
-                </a:ln>
-                <a:solidFill>
-                  <a:schemeClr val="tx1"/>
-                </a:solidFill>
-                <a:effectLst/>
+              <a:t> with other platforms based on user experience, features, and security.</a:t>
+            </a:r>
+          </a:p>
+          <a:p>
+            <a:pPr>
+              <a:lnSpc>
+                <a:spcPct val="200000"/>
+              </a:lnSpc>
+              <a:buFont typeface="Arial" panose="020B0604020202020204" pitchFamily="34" charset="0"/>
+              <a:buChar char="•"/>
+            </a:pPr>
+            <a:r>
+              <a:rPr lang="en-US" sz="1600" dirty="0">
                 <a:latin typeface="Times New Roman" panose="02020603050405020304" pitchFamily="18" charset="0"/>
                 <a:cs typeface="Times New Roman" panose="02020603050405020304" pitchFamily="18" charset="0"/>
               </a:rPr>
-              <a:t> ability to handle large-scale meetings with ease and security.</a:t>
-            </a:r>
-          </a:p>
-          <a:p>
-            <a:pPr marL="0" marR="0" lvl="0" indent="0" algn="l" defTabSz="914400" rtl="0" eaLnBrk="0" fontAlgn="base" latinLnBrk="0" hangingPunct="0">
-              <a:lnSpc>
-                <a:spcPct val="200000"/>
-              </a:lnSpc>
-              <a:spcBef>
-                <a:spcPct val="0"/>
-              </a:spcBef>
-              <a:spcAft>
-                <a:spcPct val="0"/>
-              </a:spcAft>
-              <a:buClrTx/>
-              <a:buSzTx/>
-              <a:buFontTx/>
-              <a:buChar char="•"/>
-              <a:tabLst/>
-            </a:pPr>
-            <a:r>
-              <a:rPr kumimoji="0" lang="en-US" altLang="en-US" sz="1600" b="0" i="0" u="none" strike="noStrike" cap="none" normalizeH="0" baseline="0" dirty="0">
-                <a:ln>
-                  <a:noFill/>
-                </a:ln>
-                <a:solidFill>
-                  <a:schemeClr val="tx1"/>
-                </a:solidFill>
-                <a:effectLst/>
-                <a:latin typeface="Times New Roman" panose="02020603050405020304" pitchFamily="18" charset="0"/>
-                <a:cs typeface="Times New Roman" panose="02020603050405020304" pitchFamily="18" charset="0"/>
-              </a:rPr>
-              <a:t>To explore </a:t>
-            </a:r>
-            <a:r>
-              <a:rPr lang="en-US" altLang="en-US" sz="1600" dirty="0" err="1">
+              <a:t>Gather feedback from </a:t>
+            </a:r>
+            <a:r>
+              <a:rPr lang="en-US" sz="1600" dirty="0" err="1">
                 <a:latin typeface="Times New Roman" panose="02020603050405020304" pitchFamily="18" charset="0"/>
                 <a:cs typeface="Times New Roman" panose="02020603050405020304" pitchFamily="18" charset="0"/>
               </a:rPr>
               <a:t>Callify</a:t>
             </a:r>
             <a:r>
-              <a:rPr kumimoji="0" lang="en-US" altLang="en-US" sz="1600" b="0" i="0" u="none" strike="noStrike" cap="none" normalizeH="0" baseline="0" dirty="0" err="1">
-                <a:ln>
-                  <a:noFill/>
-                </a:ln>
-                <a:solidFill>
-                  <a:schemeClr val="tx1"/>
-                </a:solidFill>
-                <a:effectLst/>
+              <a:rPr lang="en-US" sz="1600" dirty="0">
                 <a:latin typeface="Times New Roman" panose="02020603050405020304" pitchFamily="18" charset="0"/>
                 <a:cs typeface="Times New Roman" panose="02020603050405020304" pitchFamily="18" charset="0"/>
               </a:rPr>
-              <a:t>'s</a:t>
-            </a:r>
-            <a:r>
-              <a:rPr kumimoji="0" lang="en-US" altLang="en-US" sz="1600" b="0" i="0" u="none" strike="noStrike" cap="none" normalizeH="0" baseline="0" dirty="0">
-                <a:ln>
-                  <a:noFill/>
-                </a:ln>
-                <a:solidFill>
-                  <a:schemeClr val="tx1"/>
-                </a:solidFill>
-                <a:effectLst/>
+              <a:t> users on usability, performance, and overall satisfaction.</a:t>
+            </a:r>
+          </a:p>
+          <a:p>
+            <a:pPr>
+              <a:lnSpc>
+                <a:spcPct val="200000"/>
+              </a:lnSpc>
+              <a:buFont typeface="Arial" panose="020B0604020202020204" pitchFamily="34" charset="0"/>
+              <a:buChar char="•"/>
+            </a:pPr>
+            <a:r>
+              <a:rPr lang="en-US" sz="1600" dirty="0">
                 <a:latin typeface="Times New Roman" panose="02020603050405020304" pitchFamily="18" charset="0"/>
                 <a:cs typeface="Times New Roman" panose="02020603050405020304" pitchFamily="18" charset="0"/>
               </a:rPr>
-              <a:t> impact on work culture and communication efficiency.</a:t>
+              <a:t>Analyze data to understand how </a:t>
+            </a:r>
+            <a:r>
+              <a:rPr lang="en-US" sz="1600" dirty="0" err="1">
+                <a:latin typeface="Times New Roman" panose="02020603050405020304" pitchFamily="18" charset="0"/>
+                <a:cs typeface="Times New Roman" panose="02020603050405020304" pitchFamily="18" charset="0"/>
+              </a:rPr>
+              <a:t>Callify</a:t>
+            </a:r>
+            <a:r>
+              <a:rPr lang="en-US" sz="1600" dirty="0">
+                <a:latin typeface="Times New Roman" panose="02020603050405020304" pitchFamily="18" charset="0"/>
+                <a:cs typeface="Times New Roman" panose="02020603050405020304" pitchFamily="18" charset="0"/>
+              </a:rPr>
+              <a:t> is meeting communication needs in various sectors (education, corporate, healthcare).</a:t>
             </a:r>
           </a:p>
           <a:p>
@@ -28098,7 +27486,7 @@
     </p:spTree>
     <p:extLst>
       <p:ext uri="{BB962C8B-B14F-4D97-AF65-F5344CB8AC3E}">
-        <p14:creationId xmlns:p14="http://schemas.microsoft.com/office/powerpoint/2010/main" val="1259670758"/>
+        <p14:creationId xmlns:p14="http://schemas.microsoft.com/office/powerpoint/2010/main" val="1258685628"/>
       </p:ext>
     </p:extLst>
   </p:cSld>
@@ -28391,17 +27779,17 @@
                 <a:latin typeface="Times New Roman" panose="02020603050405020304" pitchFamily="18" charset="0"/>
                 <a:cs typeface="Times New Roman" panose="02020603050405020304" pitchFamily="18" charset="0"/>
               </a:rPr>
-              <a:t>Proposed Methodology</a:t>
-            </a:r>
-          </a:p>
-        </p:txBody>
-      </p:sp>
-      <p:sp>
-        <p:nvSpPr>
-          <p:cNvPr id="2" name="Content Placeholder 1">
+              <a:t>Deliverables and Impact</a:t>
+            </a:r>
+          </a:p>
+        </p:txBody>
+      </p:sp>
+      <p:sp>
+        <p:nvSpPr>
+          <p:cNvPr id="6" name="Rectangle 1">
             <a:extLst>
               <a:ext uri="{FF2B5EF4-FFF2-40B4-BE49-F238E27FC236}">
-                <a16:creationId xmlns:a16="http://schemas.microsoft.com/office/drawing/2014/main" id="{2DCC8543-BDA0-B04E-085A-FF53A89F9B0C}"/>
+                <a16:creationId xmlns:a16="http://schemas.microsoft.com/office/drawing/2014/main" id="{3B5BDC73-0131-8760-F68C-9A13E1CC1973}"/>
               </a:ext>
             </a:extLst>
           </p:cNvPr>
@@ -28414,8 +27802,8 @@
         </p:nvSpPr>
         <p:spPr bwMode="auto">
           <a:xfrm>
-            <a:off x="2743199" y="1644511"/>
-            <a:ext cx="8456307" cy="4329390"/>
+            <a:off x="2743201" y="1162329"/>
+            <a:ext cx="7162800" cy="5293757"/>
           </a:xfrm>
           <a:prstGeom prst="rect">
             <a:avLst/>
@@ -28463,22 +27851,45 @@
           </a:bodyPr>
           <a:lstStyle/>
           <a:p>
-            <a:pPr>
+            <a:pPr marL="0" marR="0" lvl="0" indent="0" algn="just" defTabSz="914400" rtl="0" eaLnBrk="0" fontAlgn="base" latinLnBrk="0" hangingPunct="0">
               <a:lnSpc>
                 <a:spcPct val="200000"/>
               </a:lnSpc>
-              <a:buFont typeface="Arial" panose="020B0604020202020204" pitchFamily="34" charset="0"/>
+              <a:spcBef>
+                <a:spcPct val="0"/>
+              </a:spcBef>
+              <a:spcAft>
+                <a:spcPct val="0"/>
+              </a:spcAft>
+              <a:buClrTx/>
+              <a:buSzTx/>
+              <a:buFontTx/>
               <a:buChar char="•"/>
+              <a:tabLst/>
             </a:pPr>
             <a:r>
-              <a:rPr lang="en-US" sz="1600" b="1" dirty="0">
+              <a:rPr kumimoji="0" lang="en-US" altLang="en-US" sz="1600" b="1" i="0" u="none" strike="noStrike" cap="none" normalizeH="0" baseline="0" dirty="0">
+                <a:ln>
+                  <a:noFill/>
+                </a:ln>
+                <a:solidFill>
+                  <a:schemeClr val="tx1"/>
+                </a:solidFill>
+                <a:effectLst/>
                 <a:latin typeface="Times New Roman" panose="02020603050405020304" pitchFamily="18" charset="0"/>
                 <a:cs typeface="Times New Roman" panose="02020603050405020304" pitchFamily="18" charset="0"/>
               </a:rPr>
-              <a:t>Proposed Approach</a:t>
-            </a:r>
-            <a:r>
-              <a:rPr lang="en-US" sz="1600" dirty="0">
+              <a:t>Deliverables</a:t>
+            </a:r>
+            <a:r>
+              <a:rPr kumimoji="0" lang="en-US" altLang="en-US" sz="1600" b="0" i="0" u="none" strike="noStrike" cap="none" normalizeH="0" baseline="0" dirty="0">
+                <a:ln>
+                  <a:noFill/>
+                </a:ln>
+                <a:solidFill>
+                  <a:schemeClr val="tx1"/>
+                </a:solidFill>
+                <a:effectLst/>
                 <a:latin typeface="Times New Roman" panose="02020603050405020304" pitchFamily="18" charset="0"/>
                 <a:cs typeface="Times New Roman" panose="02020603050405020304" pitchFamily="18" charset="0"/>
               </a:rPr>
@@ -28486,123 +27897,342 @@
             </a:r>
           </a:p>
           <a:p>
-            <a:pPr>
+            <a:pPr marL="0" marR="0" lvl="0" indent="0" algn="just" defTabSz="914400" rtl="0" eaLnBrk="0" fontAlgn="base" latinLnBrk="0" hangingPunct="0">
               <a:lnSpc>
                 <a:spcPct val="200000"/>
               </a:lnSpc>
-              <a:buFont typeface="Arial" panose="020B0604020202020204" pitchFamily="34" charset="0"/>
+              <a:spcBef>
+                <a:spcPct val="0"/>
+              </a:spcBef>
+              <a:spcAft>
+                <a:spcPct val="0"/>
+              </a:spcAft>
+              <a:buClrTx/>
+              <a:buSzTx/>
+              <a:buFontTx/>
               <a:buChar char="•"/>
+              <a:tabLst/>
             </a:pPr>
             <a:r>
-              <a:rPr lang="en-US" sz="1600" dirty="0">
+              <a:rPr kumimoji="0" lang="en-US" altLang="en-US" sz="1600" b="0" i="0" u="none" strike="noStrike" cap="none" normalizeH="0" baseline="0" dirty="0">
+                <a:ln>
+                  <a:noFill/>
+                </a:ln>
+                <a:solidFill>
+                  <a:schemeClr val="tx1"/>
+                </a:solidFill>
+                <a:effectLst/>
                 <a:latin typeface="Times New Roman" panose="02020603050405020304" pitchFamily="18" charset="0"/>
                 <a:cs typeface="Times New Roman" panose="02020603050405020304" pitchFamily="18" charset="0"/>
               </a:rPr>
-              <a:t>Research and review existing literature on video conferencing tools, with a focus on </a:t>
-            </a:r>
-            <a:r>
-              <a:rPr lang="en-US" sz="1600" dirty="0" err="1">
+              <a:t>Comprehensive report on </a:t>
+            </a:r>
+            <a:r>
+              <a:rPr lang="en-US" altLang="en-US" sz="1600" dirty="0" err="1">
                 <a:latin typeface="Times New Roman" panose="02020603050405020304" pitchFamily="18" charset="0"/>
                 <a:cs typeface="Times New Roman" panose="02020603050405020304" pitchFamily="18" charset="0"/>
               </a:rPr>
               <a:t>Callify</a:t>
             </a:r>
             <a:r>
-              <a:rPr lang="en-US" sz="1600" dirty="0">
+              <a:rPr kumimoji="0" lang="en-US" altLang="en-US" sz="1600" b="0" i="0" u="none" strike="noStrike" cap="none" normalizeH="0" baseline="0" dirty="0" err="1">
+                <a:ln>
+                  <a:noFill/>
+                </a:ln>
+                <a:solidFill>
+                  <a:schemeClr val="tx1"/>
+                </a:solidFill>
+                <a:effectLst/>
                 <a:latin typeface="Times New Roman" panose="02020603050405020304" pitchFamily="18" charset="0"/>
                 <a:cs typeface="Times New Roman" panose="02020603050405020304" pitchFamily="18" charset="0"/>
               </a:rPr>
-              <a:t>.</a:t>
-            </a:r>
-          </a:p>
-          <a:p>
-            <a:pPr>
+              <a:t>’s</a:t>
+            </a:r>
+            <a:r>
+              <a:rPr kumimoji="0" lang="en-US" altLang="en-US" sz="1600" b="0" i="0" u="none" strike="noStrike" cap="none" normalizeH="0" baseline="0" dirty="0">
+                <a:ln>
+                  <a:noFill/>
+                </a:ln>
+                <a:solidFill>
+                  <a:schemeClr val="tx1"/>
+                </a:solidFill>
+                <a:effectLst/>
+                <a:latin typeface="Times New Roman" panose="02020603050405020304" pitchFamily="18" charset="0"/>
+                <a:cs typeface="Times New Roman" panose="02020603050405020304" pitchFamily="18" charset="0"/>
+              </a:rPr>
+              <a:t> features, user experience, and technical capabilities.</a:t>
+            </a:r>
+          </a:p>
+          <a:p>
+            <a:pPr marL="0" marR="0" lvl="0" indent="0" algn="just" defTabSz="914400" rtl="0" eaLnBrk="0" fontAlgn="base" latinLnBrk="0" hangingPunct="0">
               <a:lnSpc>
                 <a:spcPct val="200000"/>
               </a:lnSpc>
-              <a:buFont typeface="Arial" panose="020B0604020202020204" pitchFamily="34" charset="0"/>
+              <a:spcBef>
+                <a:spcPct val="0"/>
+              </a:spcBef>
+              <a:spcAft>
+                <a:spcPct val="0"/>
+              </a:spcAft>
+              <a:buClrTx/>
+              <a:buSzTx/>
+              <a:buFontTx/>
               <a:buChar char="•"/>
+              <a:tabLst/>
             </a:pPr>
             <a:r>
-              <a:rPr lang="en-US" sz="1600" dirty="0">
+              <a:rPr kumimoji="0" lang="en-US" altLang="en-US" sz="1600" b="0" i="0" u="none" strike="noStrike" cap="none" normalizeH="0" baseline="0" dirty="0">
+                <a:ln>
+                  <a:noFill/>
+                </a:ln>
+                <a:solidFill>
+                  <a:schemeClr val="tx1"/>
+                </a:solidFill>
+                <a:effectLst/>
                 <a:latin typeface="Times New Roman" panose="02020603050405020304" pitchFamily="18" charset="0"/>
                 <a:cs typeface="Times New Roman" panose="02020603050405020304" pitchFamily="18" charset="0"/>
               </a:rPr>
-              <a:t>Conduct a comparative analysis of </a:t>
-            </a:r>
-            <a:r>
-              <a:rPr lang="en-US" sz="1600" dirty="0" err="1">
+              <a:t>Comparative analysis report of </a:t>
+            </a:r>
+            <a:r>
+              <a:rPr lang="en-US" altLang="en-US" sz="1600" dirty="0" err="1">
                 <a:latin typeface="Times New Roman" panose="02020603050405020304" pitchFamily="18" charset="0"/>
                 <a:cs typeface="Times New Roman" panose="02020603050405020304" pitchFamily="18" charset="0"/>
               </a:rPr>
               <a:t>Callify</a:t>
             </a:r>
             <a:r>
-              <a:rPr lang="en-US" sz="1600" dirty="0">
+              <a:rPr kumimoji="0" lang="en-US" altLang="en-US" sz="1600" b="0" i="0" u="none" strike="noStrike" cap="none" normalizeH="0" baseline="0" dirty="0">
+                <a:ln>
+                  <a:noFill/>
+                </a:ln>
+                <a:solidFill>
+                  <a:schemeClr val="tx1"/>
+                </a:solidFill>
+                <a:effectLst/>
                 <a:latin typeface="Times New Roman" panose="02020603050405020304" pitchFamily="18" charset="0"/>
                 <a:cs typeface="Times New Roman" panose="02020603050405020304" pitchFamily="18" charset="0"/>
               </a:rPr>
-              <a:t> with other platforms based on user experience, features, and security.</a:t>
-            </a:r>
-          </a:p>
-          <a:p>
-            <a:pPr>
+              <a:t> versus other video conferencing tools.</a:t>
+            </a:r>
+          </a:p>
+          <a:p>
+            <a:pPr marL="0" marR="0" lvl="0" indent="0" algn="just" defTabSz="914400" rtl="0" eaLnBrk="0" fontAlgn="base" latinLnBrk="0" hangingPunct="0">
               <a:lnSpc>
                 <a:spcPct val="200000"/>
               </a:lnSpc>
-              <a:buFont typeface="Arial" panose="020B0604020202020204" pitchFamily="34" charset="0"/>
+              <a:spcBef>
+                <a:spcPct val="0"/>
+              </a:spcBef>
+              <a:spcAft>
+                <a:spcPct val="0"/>
+              </a:spcAft>
+              <a:buClrTx/>
+              <a:buSzTx/>
+              <a:buFontTx/>
               <a:buChar char="•"/>
+              <a:tabLst/>
             </a:pPr>
             <a:r>
-              <a:rPr lang="en-US" sz="1600" dirty="0">
+              <a:rPr kumimoji="0" lang="en-US" altLang="en-US" sz="1600" b="0" i="0" u="none" strike="noStrike" cap="none" normalizeH="0" baseline="0" dirty="0">
+                <a:ln>
+                  <a:noFill/>
+                </a:ln>
+                <a:solidFill>
+                  <a:schemeClr val="tx1"/>
+                </a:solidFill>
+                <a:effectLst/>
                 <a:latin typeface="Times New Roman" panose="02020603050405020304" pitchFamily="18" charset="0"/>
                 <a:cs typeface="Times New Roman" panose="02020603050405020304" pitchFamily="18" charset="0"/>
               </a:rPr>
-              <a:t>Gather feedback from </a:t>
-            </a:r>
-            <a:r>
-              <a:rPr lang="en-US" sz="1600" dirty="0" err="1">
+              <a:t>Case studies highlighting the impact of </a:t>
+            </a:r>
+            <a:r>
+              <a:rPr lang="en-US" altLang="en-US" sz="1600" dirty="0" err="1">
                 <a:latin typeface="Times New Roman" panose="02020603050405020304" pitchFamily="18" charset="0"/>
                 <a:cs typeface="Times New Roman" panose="02020603050405020304" pitchFamily="18" charset="0"/>
               </a:rPr>
               <a:t>Callify</a:t>
             </a:r>
             <a:r>
-              <a:rPr lang="en-US" sz="1600" dirty="0">
+              <a:rPr kumimoji="0" lang="en-US" altLang="en-US" sz="1600" b="0" i="0" u="none" strike="noStrike" cap="none" normalizeH="0" baseline="0" dirty="0">
+                <a:ln>
+                  <a:noFill/>
+                </a:ln>
+                <a:solidFill>
+                  <a:schemeClr val="tx1"/>
+                </a:solidFill>
+                <a:effectLst/>
                 <a:latin typeface="Times New Roman" panose="02020603050405020304" pitchFamily="18" charset="0"/>
                 <a:cs typeface="Times New Roman" panose="02020603050405020304" pitchFamily="18" charset="0"/>
               </a:rPr>
-              <a:t> users on usability, performance, and overall satisfaction.</a:t>
-            </a:r>
-          </a:p>
-          <a:p>
-            <a:pPr>
+              <a:t> on remote work and education.</a:t>
+            </a:r>
+          </a:p>
+          <a:p>
+            <a:pPr marL="0" marR="0" lvl="0" indent="0" algn="just" defTabSz="914400" rtl="0" eaLnBrk="0" fontAlgn="base" latinLnBrk="0" hangingPunct="0">
               <a:lnSpc>
                 <a:spcPct val="200000"/>
               </a:lnSpc>
-              <a:buFont typeface="Arial" panose="020B0604020202020204" pitchFamily="34" charset="0"/>
+              <a:spcBef>
+                <a:spcPct val="0"/>
+              </a:spcBef>
+              <a:spcAft>
+                <a:spcPct val="0"/>
+              </a:spcAft>
+              <a:buClrTx/>
+              <a:buSzTx/>
+              <a:buFontTx/>
               <a:buChar char="•"/>
+              <a:tabLst/>
             </a:pPr>
             <a:r>
-              <a:rPr lang="en-US" sz="1600" dirty="0">
+              <a:rPr kumimoji="0" lang="en-US" altLang="en-US" sz="1600" b="1" i="0" u="none" strike="noStrike" cap="none" normalizeH="0" baseline="0" dirty="0">
+                <a:ln>
+                  <a:noFill/>
+                </a:ln>
+                <a:solidFill>
+                  <a:schemeClr val="tx1"/>
+                </a:solidFill>
+                <a:effectLst/>
                 <a:latin typeface="Times New Roman" panose="02020603050405020304" pitchFamily="18" charset="0"/>
                 <a:cs typeface="Times New Roman" panose="02020603050405020304" pitchFamily="18" charset="0"/>
               </a:rPr>
-              <a:t>Analyze data to understand how </a:t>
-            </a:r>
-            <a:r>
-              <a:rPr lang="en-US" sz="1600" dirty="0" err="1">
+              <a:t>Impact</a:t>
+            </a:r>
+            <a:r>
+              <a:rPr kumimoji="0" lang="en-US" altLang="en-US" sz="1600" b="0" i="0" u="none" strike="noStrike" cap="none" normalizeH="0" baseline="0" dirty="0">
+                <a:ln>
+                  <a:noFill/>
+                </a:ln>
+                <a:solidFill>
+                  <a:schemeClr val="tx1"/>
+                </a:solidFill>
+                <a:effectLst/>
+                <a:latin typeface="Times New Roman" panose="02020603050405020304" pitchFamily="18" charset="0"/>
+                <a:cs typeface="Times New Roman" panose="02020603050405020304" pitchFamily="18" charset="0"/>
+              </a:rPr>
+              <a:t>:</a:t>
+            </a:r>
+          </a:p>
+          <a:p>
+            <a:pPr marL="0" marR="0" lvl="0" indent="0" algn="just" defTabSz="914400" rtl="0" eaLnBrk="0" fontAlgn="base" latinLnBrk="0" hangingPunct="0">
+              <a:lnSpc>
+                <a:spcPct val="200000"/>
+              </a:lnSpc>
+              <a:spcBef>
+                <a:spcPct val="0"/>
+              </a:spcBef>
+              <a:spcAft>
+                <a:spcPct val="0"/>
+              </a:spcAft>
+              <a:buClrTx/>
+              <a:buSzTx/>
+              <a:buFontTx/>
+              <a:buChar char="•"/>
+              <a:tabLst/>
+            </a:pPr>
+            <a:r>
+              <a:rPr kumimoji="0" lang="en-US" altLang="en-US" sz="1600" b="0" i="0" u="none" strike="noStrike" cap="none" normalizeH="0" baseline="0" dirty="0">
+                <a:ln>
+                  <a:noFill/>
+                </a:ln>
+                <a:solidFill>
+                  <a:schemeClr val="tx1"/>
+                </a:solidFill>
+                <a:effectLst/>
+                <a:latin typeface="Times New Roman" panose="02020603050405020304" pitchFamily="18" charset="0"/>
+                <a:cs typeface="Times New Roman" panose="02020603050405020304" pitchFamily="18" charset="0"/>
+              </a:rPr>
+              <a:t>Better understanding of </a:t>
+            </a:r>
+            <a:r>
+              <a:rPr lang="en-US" altLang="en-US" sz="1600" dirty="0" err="1">
                 <a:latin typeface="Times New Roman" panose="02020603050405020304" pitchFamily="18" charset="0"/>
                 <a:cs typeface="Times New Roman" panose="02020603050405020304" pitchFamily="18" charset="0"/>
               </a:rPr>
               <a:t>Callify</a:t>
             </a:r>
             <a:r>
-              <a:rPr lang="en-US" sz="1600" dirty="0">
+              <a:rPr kumimoji="0" lang="en-US" altLang="en-US" sz="1600" b="0" i="0" u="none" strike="noStrike" cap="none" normalizeH="0" baseline="0" dirty="0" err="1">
+                <a:ln>
+                  <a:noFill/>
+                </a:ln>
+                <a:solidFill>
+                  <a:schemeClr val="tx1"/>
+                </a:solidFill>
+                <a:effectLst/>
                 <a:latin typeface="Times New Roman" panose="02020603050405020304" pitchFamily="18" charset="0"/>
                 <a:cs typeface="Times New Roman" panose="02020603050405020304" pitchFamily="18" charset="0"/>
               </a:rPr>
-              <a:t> is meeting communication needs in various sectors (education, corporate, healthcare).</a:t>
+              <a:t>’s</a:t>
+            </a:r>
+            <a:r>
+              <a:rPr kumimoji="0" lang="en-US" altLang="en-US" sz="1600" b="0" i="0" u="none" strike="noStrike" cap="none" normalizeH="0" baseline="0" dirty="0">
+                <a:ln>
+                  <a:noFill/>
+                </a:ln>
+                <a:solidFill>
+                  <a:schemeClr val="tx1"/>
+                </a:solidFill>
+                <a:effectLst/>
+                <a:latin typeface="Times New Roman" panose="02020603050405020304" pitchFamily="18" charset="0"/>
+                <a:cs typeface="Times New Roman" panose="02020603050405020304" pitchFamily="18" charset="0"/>
+              </a:rPr>
+              <a:t> role in shaping future communication technologies.</a:t>
+            </a:r>
+          </a:p>
+          <a:p>
+            <a:pPr marL="0" marR="0" lvl="0" indent="0" algn="just" defTabSz="914400" rtl="0" eaLnBrk="0" fontAlgn="base" latinLnBrk="0" hangingPunct="0">
+              <a:lnSpc>
+                <a:spcPct val="200000"/>
+              </a:lnSpc>
+              <a:spcBef>
+                <a:spcPct val="0"/>
+              </a:spcBef>
+              <a:spcAft>
+                <a:spcPct val="0"/>
+              </a:spcAft>
+              <a:buClrTx/>
+              <a:buSzTx/>
+              <a:buFontTx/>
+              <a:buChar char="•"/>
+              <a:tabLst/>
+            </a:pPr>
+            <a:r>
+              <a:rPr kumimoji="0" lang="en-US" altLang="en-US" sz="1600" b="0" i="0" u="none" strike="noStrike" cap="none" normalizeH="0" baseline="0" dirty="0">
+                <a:ln>
+                  <a:noFill/>
+                </a:ln>
+                <a:solidFill>
+                  <a:schemeClr val="tx1"/>
+                </a:solidFill>
+                <a:effectLst/>
+                <a:latin typeface="Times New Roman" panose="02020603050405020304" pitchFamily="18" charset="0"/>
+                <a:cs typeface="Times New Roman" panose="02020603050405020304" pitchFamily="18" charset="0"/>
+              </a:rPr>
+              <a:t>Insights into how </a:t>
+            </a:r>
+            <a:r>
+              <a:rPr lang="en-US" altLang="en-US" sz="1600" dirty="0" err="1">
+                <a:latin typeface="Times New Roman" panose="02020603050405020304" pitchFamily="18" charset="0"/>
+                <a:cs typeface="Times New Roman" panose="02020603050405020304" pitchFamily="18" charset="0"/>
+              </a:rPr>
+              <a:t>Callify</a:t>
+            </a:r>
+            <a:r>
+              <a:rPr kumimoji="0" lang="en-US" altLang="en-US" sz="1600" b="0" i="0" u="none" strike="noStrike" cap="none" normalizeH="0" baseline="0" dirty="0">
+                <a:ln>
+                  <a:noFill/>
+                </a:ln>
+                <a:solidFill>
+                  <a:schemeClr val="tx1"/>
+                </a:solidFill>
+                <a:effectLst/>
+                <a:latin typeface="Times New Roman" panose="02020603050405020304" pitchFamily="18" charset="0"/>
+                <a:cs typeface="Times New Roman" panose="02020603050405020304" pitchFamily="18" charset="0"/>
+              </a:rPr>
+              <a:t> has revolutionized video conferencing for large-scale meetings and virtual collaborations.</a:t>
             </a:r>
           </a:p>
           <a:p>
@@ -28638,7 +28268,7 @@
     </p:spTree>
     <p:extLst>
       <p:ext uri="{BB962C8B-B14F-4D97-AF65-F5344CB8AC3E}">
-        <p14:creationId xmlns:p14="http://schemas.microsoft.com/office/powerpoint/2010/main" val="1258685628"/>
+        <p14:creationId xmlns:p14="http://schemas.microsoft.com/office/powerpoint/2010/main" val="657644709"/>
       </p:ext>
     </p:extLst>
   </p:cSld>
@@ -28931,7 +28561,7 @@
                 <a:latin typeface="Times New Roman" panose="02020603050405020304" pitchFamily="18" charset="0"/>
                 <a:cs typeface="Times New Roman" panose="02020603050405020304" pitchFamily="18" charset="0"/>
               </a:rPr>
-              <a:t>Deliverables and Impact</a:t>
+              <a:t>Technology Used</a:t>
             </a:r>
           </a:p>
         </p:txBody>
@@ -28954,8 +28584,8 @@
         </p:nvSpPr>
         <p:spPr bwMode="auto">
           <a:xfrm>
-            <a:off x="2743201" y="1162329"/>
-            <a:ext cx="7162800" cy="5293757"/>
+            <a:off x="2743201" y="1558271"/>
+            <a:ext cx="7162800" cy="4501873"/>
           </a:xfrm>
           <a:prstGeom prst="rect">
             <a:avLst/>
@@ -29020,18 +28650,18 @@
               <a:tabLst/>
             </a:pPr>
             <a:r>
-              <a:rPr kumimoji="0" lang="en-US" altLang="en-US" sz="1600" b="1" i="0" u="none" strike="noStrike" cap="none" normalizeH="0" baseline="0" dirty="0">
-                <a:ln>
-                  <a:noFill/>
-                </a:ln>
-                <a:solidFill>
-                  <a:schemeClr val="tx1"/>
-                </a:solidFill>
-                <a:effectLst/>
+              <a:rPr lang="en-US" altLang="en-US" sz="1600" b="1" dirty="0">
                 <a:latin typeface="Times New Roman" panose="02020603050405020304" pitchFamily="18" charset="0"/>
                 <a:cs typeface="Times New Roman" panose="02020603050405020304" pitchFamily="18" charset="0"/>
               </a:rPr>
-              <a:t>Deliverables</a:t>
+              <a:t>Next </a:t>
+            </a:r>
+            <a:r>
+              <a:rPr lang="en-US" altLang="en-US" sz="1600" b="1" dirty="0" err="1">
+                <a:latin typeface="Times New Roman" panose="02020603050405020304" pitchFamily="18" charset="0"/>
+                <a:cs typeface="Times New Roman" panose="02020603050405020304" pitchFamily="18" charset="0"/>
+              </a:rPr>
+              <a:t>Js</a:t>
             </a:r>
             <a:r>
               <a:rPr kumimoji="0" lang="en-US" altLang="en-US" sz="1600" b="0" i="0" u="none" strike="noStrike" cap="none" normalizeH="0" baseline="0" dirty="0">
@@ -29046,6 +28676,191 @@
                 <a:cs typeface="Times New Roman" panose="02020603050405020304" pitchFamily="18" charset="0"/>
               </a:rPr>
               <a:t>:</a:t>
+            </a:r>
+          </a:p>
+          <a:p>
+            <a:pPr marL="342900" marR="0" lvl="0" indent="-342900">
+              <a:lnSpc>
+                <a:spcPct val="107000"/>
+              </a:lnSpc>
+              <a:spcBef>
+                <a:spcPts val="0"/>
+              </a:spcBef>
+              <a:spcAft>
+                <a:spcPts val="800"/>
+              </a:spcAft>
+              <a:buSzPts val="1000"/>
+              <a:buFont typeface="Symbol" panose="05050102010706020507" pitchFamily="18" charset="2"/>
+              <a:buChar char=""/>
+              <a:tabLst>
+                <a:tab pos="457200" algn="l"/>
+              </a:tabLst>
+            </a:pPr>
+            <a:r>
+              <a:rPr lang="en-US" sz="1600" b="1" kern="100" dirty="0">
+                <a:effectLst/>
+                <a:latin typeface="Times New Roman" panose="02020603050405020304" pitchFamily="18" charset="0"/>
+                <a:ea typeface="Calibri" panose="020F0502020204030204" pitchFamily="34" charset="0"/>
+                <a:cs typeface="Times New Roman" panose="02020603050405020304" pitchFamily="18" charset="0"/>
+              </a:rPr>
+              <a:t>Server-Side Rendering (SSR)</a:t>
+            </a:r>
+            <a:r>
+              <a:rPr lang="en-US" sz="1600" kern="100" dirty="0">
+                <a:effectLst/>
+                <a:latin typeface="Times New Roman" panose="02020603050405020304" pitchFamily="18" charset="0"/>
+                <a:ea typeface="Calibri" panose="020F0502020204030204" pitchFamily="34" charset="0"/>
+                <a:cs typeface="Times New Roman" panose="02020603050405020304" pitchFamily="18" charset="0"/>
+              </a:rPr>
+              <a:t>: Allows for better performance and SEO, crucial for real-time video conferencing where loading times are critical.</a:t>
+            </a:r>
+          </a:p>
+          <a:p>
+            <a:pPr marL="342900" marR="0" lvl="0" indent="-342900">
+              <a:lnSpc>
+                <a:spcPct val="107000"/>
+              </a:lnSpc>
+              <a:spcBef>
+                <a:spcPts val="0"/>
+              </a:spcBef>
+              <a:spcAft>
+                <a:spcPts val="800"/>
+              </a:spcAft>
+              <a:buSzPts val="1000"/>
+              <a:buFont typeface="Symbol" panose="05050102010706020507" pitchFamily="18" charset="2"/>
+              <a:buChar char=""/>
+              <a:tabLst>
+                <a:tab pos="457200" algn="l"/>
+              </a:tabLst>
+            </a:pPr>
+            <a:r>
+              <a:rPr lang="en-US" sz="1600" b="1" kern="100" dirty="0">
+                <a:effectLst/>
+                <a:latin typeface="Times New Roman" panose="02020603050405020304" pitchFamily="18" charset="0"/>
+                <a:ea typeface="Calibri" panose="020F0502020204030204" pitchFamily="34" charset="0"/>
+                <a:cs typeface="Times New Roman" panose="02020603050405020304" pitchFamily="18" charset="0"/>
+              </a:rPr>
+              <a:t>Static Site Generation (SSG)</a:t>
+            </a:r>
+            <a:r>
+              <a:rPr lang="en-US" sz="1600" kern="100" dirty="0">
+                <a:effectLst/>
+                <a:latin typeface="Times New Roman" panose="02020603050405020304" pitchFamily="18" charset="0"/>
+                <a:ea typeface="Calibri" panose="020F0502020204030204" pitchFamily="34" charset="0"/>
+                <a:cs typeface="Times New Roman" panose="02020603050405020304" pitchFamily="18" charset="0"/>
+              </a:rPr>
+              <a:t>: Provides static HTML at build time, ideal for reducing load on servers.</a:t>
+            </a:r>
+          </a:p>
+          <a:p>
+            <a:pPr marL="342900" marR="0" lvl="0" indent="-342900">
+              <a:lnSpc>
+                <a:spcPct val="107000"/>
+              </a:lnSpc>
+              <a:spcBef>
+                <a:spcPts val="0"/>
+              </a:spcBef>
+              <a:spcAft>
+                <a:spcPts val="800"/>
+              </a:spcAft>
+              <a:buSzPts val="1000"/>
+              <a:buFont typeface="Symbol" panose="05050102010706020507" pitchFamily="18" charset="2"/>
+              <a:buChar char=""/>
+              <a:tabLst>
+                <a:tab pos="457200" algn="l"/>
+              </a:tabLst>
+            </a:pPr>
+            <a:r>
+              <a:rPr lang="en-US" sz="1600" b="1" kern="100" dirty="0">
+                <a:effectLst/>
+                <a:latin typeface="Times New Roman" panose="02020603050405020304" pitchFamily="18" charset="0"/>
+                <a:ea typeface="Calibri" panose="020F0502020204030204" pitchFamily="34" charset="0"/>
+                <a:cs typeface="Times New Roman" panose="02020603050405020304" pitchFamily="18" charset="0"/>
+              </a:rPr>
+              <a:t>API Routes</a:t>
+            </a:r>
+            <a:r>
+              <a:rPr lang="en-US" sz="1600" kern="100" dirty="0">
+                <a:effectLst/>
+                <a:latin typeface="Times New Roman" panose="02020603050405020304" pitchFamily="18" charset="0"/>
+                <a:ea typeface="Calibri" panose="020F0502020204030204" pitchFamily="34" charset="0"/>
+                <a:cs typeface="Times New Roman" panose="02020603050405020304" pitchFamily="18" charset="0"/>
+              </a:rPr>
+              <a:t>: Enables building custom backends for managing meetings, participants, and live streams.</a:t>
+            </a:r>
+          </a:p>
+          <a:p>
+            <a:pPr marL="342900" marR="0" lvl="0" indent="-342900">
+              <a:lnSpc>
+                <a:spcPct val="107000"/>
+              </a:lnSpc>
+              <a:spcBef>
+                <a:spcPts val="0"/>
+              </a:spcBef>
+              <a:spcAft>
+                <a:spcPts val="800"/>
+              </a:spcAft>
+              <a:buSzPts val="1000"/>
+              <a:buFont typeface="Symbol" panose="05050102010706020507" pitchFamily="18" charset="2"/>
+              <a:buChar char=""/>
+              <a:tabLst>
+                <a:tab pos="457200" algn="l"/>
+              </a:tabLst>
+            </a:pPr>
+            <a:r>
+              <a:rPr lang="en-US" sz="1600" b="1" kern="100" dirty="0">
+                <a:effectLst/>
+                <a:latin typeface="Times New Roman" panose="02020603050405020304" pitchFamily="18" charset="0"/>
+                <a:ea typeface="Calibri" panose="020F0502020204030204" pitchFamily="34" charset="0"/>
+                <a:cs typeface="Times New Roman" panose="02020603050405020304" pitchFamily="18" charset="0"/>
+              </a:rPr>
+              <a:t>Routing</a:t>
+            </a:r>
+            <a:r>
+              <a:rPr lang="en-US" sz="1600" kern="100" dirty="0">
+                <a:effectLst/>
+                <a:latin typeface="Times New Roman" panose="02020603050405020304" pitchFamily="18" charset="0"/>
+                <a:ea typeface="Calibri" panose="020F0502020204030204" pitchFamily="34" charset="0"/>
+                <a:cs typeface="Times New Roman" panose="02020603050405020304" pitchFamily="18" charset="0"/>
+              </a:rPr>
+              <a:t>: Next.js simplifies routing with file-based routing, making navigation within the app seamless.</a:t>
+            </a:r>
+          </a:p>
+          <a:p>
+            <a:pPr marL="342900" marR="0" lvl="0" indent="-342900">
+              <a:lnSpc>
+                <a:spcPct val="107000"/>
+              </a:lnSpc>
+              <a:spcBef>
+                <a:spcPts val="0"/>
+              </a:spcBef>
+              <a:spcAft>
+                <a:spcPts val="800"/>
+              </a:spcAft>
+              <a:buSzPts val="1000"/>
+              <a:buFont typeface="Symbol" panose="05050102010706020507" pitchFamily="18" charset="2"/>
+              <a:buChar char=""/>
+              <a:tabLst>
+                <a:tab pos="457200" algn="l"/>
+              </a:tabLst>
+            </a:pPr>
+            <a:r>
+              <a:rPr lang="en-US" sz="1600" b="1" kern="100" dirty="0">
+                <a:effectLst/>
+                <a:latin typeface="Times New Roman" panose="02020603050405020304" pitchFamily="18" charset="0"/>
+                <a:ea typeface="Calibri" panose="020F0502020204030204" pitchFamily="34" charset="0"/>
+                <a:cs typeface="Times New Roman" panose="02020603050405020304" pitchFamily="18" charset="0"/>
+              </a:rPr>
+              <a:t>Scalability</a:t>
+            </a:r>
+            <a:r>
+              <a:rPr lang="en-US" sz="1600" kern="100" dirty="0">
+                <a:effectLst/>
+                <a:latin typeface="Times New Roman" panose="02020603050405020304" pitchFamily="18" charset="0"/>
+                <a:ea typeface="Calibri" panose="020F0502020204030204" pitchFamily="34" charset="0"/>
+                <a:cs typeface="Times New Roman" panose="02020603050405020304" pitchFamily="18" charset="0"/>
+              </a:rPr>
+              <a:t>: Next.js can handle growing demands due to its SSR and API routes, enabling the handling of many concurrent video streams.</a:t>
             </a:r>
           </a:p>
           <a:p>
@@ -29065,327 +28880,17 @@
               <a:buChar char="•"/>
               <a:tabLst/>
             </a:pPr>
-            <a:r>
-              <a:rPr kumimoji="0" lang="en-US" altLang="en-US" sz="1600" b="0" i="0" u="none" strike="noStrike" cap="none" normalizeH="0" baseline="0" dirty="0">
-                <a:ln>
-                  <a:noFill/>
-                </a:ln>
-                <a:solidFill>
-                  <a:schemeClr val="tx1"/>
-                </a:solidFill>
-                <a:effectLst/>
-                <a:latin typeface="Times New Roman" panose="02020603050405020304" pitchFamily="18" charset="0"/>
-                <a:cs typeface="Times New Roman" panose="02020603050405020304" pitchFamily="18" charset="0"/>
-              </a:rPr>
-              <a:t>Comprehensive report on </a:t>
-            </a:r>
-            <a:r>
-              <a:rPr lang="en-US" altLang="en-US" sz="1600" dirty="0" err="1">
-                <a:latin typeface="Times New Roman" panose="02020603050405020304" pitchFamily="18" charset="0"/>
-                <a:cs typeface="Times New Roman" panose="02020603050405020304" pitchFamily="18" charset="0"/>
-              </a:rPr>
-              <a:t>Callify</a:t>
-            </a:r>
-            <a:r>
-              <a:rPr kumimoji="0" lang="en-US" altLang="en-US" sz="1600" b="0" i="0" u="none" strike="noStrike" cap="none" normalizeH="0" baseline="0" dirty="0" err="1">
-                <a:ln>
-                  <a:noFill/>
-                </a:ln>
-                <a:solidFill>
-                  <a:schemeClr val="tx1"/>
-                </a:solidFill>
-                <a:effectLst/>
-                <a:latin typeface="Times New Roman" panose="02020603050405020304" pitchFamily="18" charset="0"/>
-                <a:cs typeface="Times New Roman" panose="02020603050405020304" pitchFamily="18" charset="0"/>
-              </a:rPr>
-              <a:t>’s</a:t>
-            </a:r>
-            <a:r>
-              <a:rPr kumimoji="0" lang="en-US" altLang="en-US" sz="1600" b="0" i="0" u="none" strike="noStrike" cap="none" normalizeH="0" baseline="0" dirty="0">
-                <a:ln>
-                  <a:noFill/>
-                </a:ln>
-                <a:solidFill>
-                  <a:schemeClr val="tx1"/>
-                </a:solidFill>
-                <a:effectLst/>
-                <a:latin typeface="Times New Roman" panose="02020603050405020304" pitchFamily="18" charset="0"/>
-                <a:cs typeface="Times New Roman" panose="02020603050405020304" pitchFamily="18" charset="0"/>
-              </a:rPr>
-              <a:t> features, user experience, and technical capabilities.</a:t>
-            </a:r>
-          </a:p>
-          <a:p>
-            <a:pPr marL="0" marR="0" lvl="0" indent="0" algn="just" defTabSz="914400" rtl="0" eaLnBrk="0" fontAlgn="base" latinLnBrk="0" hangingPunct="0">
-              <a:lnSpc>
-                <a:spcPct val="200000"/>
-              </a:lnSpc>
-              <a:spcBef>
-                <a:spcPct val="0"/>
-              </a:spcBef>
-              <a:spcAft>
-                <a:spcPct val="0"/>
-              </a:spcAft>
-              <a:buClrTx/>
-              <a:buSzTx/>
-              <a:buFontTx/>
-              <a:buChar char="•"/>
-              <a:tabLst/>
-            </a:pPr>
-            <a:r>
-              <a:rPr kumimoji="0" lang="en-US" altLang="en-US" sz="1600" b="0" i="0" u="none" strike="noStrike" cap="none" normalizeH="0" baseline="0" dirty="0">
-                <a:ln>
-                  <a:noFill/>
-                </a:ln>
-                <a:solidFill>
-                  <a:schemeClr val="tx1"/>
-                </a:solidFill>
-                <a:effectLst/>
-                <a:latin typeface="Times New Roman" panose="02020603050405020304" pitchFamily="18" charset="0"/>
-                <a:cs typeface="Times New Roman" panose="02020603050405020304" pitchFamily="18" charset="0"/>
-              </a:rPr>
-              <a:t>Comparative analysis report of </a:t>
-            </a:r>
-            <a:r>
-              <a:rPr lang="en-US" altLang="en-US" sz="1600" dirty="0" err="1">
-                <a:latin typeface="Times New Roman" panose="02020603050405020304" pitchFamily="18" charset="0"/>
-                <a:cs typeface="Times New Roman" panose="02020603050405020304" pitchFamily="18" charset="0"/>
-              </a:rPr>
-              <a:t>Callify</a:t>
-            </a:r>
-            <a:r>
-              <a:rPr kumimoji="0" lang="en-US" altLang="en-US" sz="1600" b="0" i="0" u="none" strike="noStrike" cap="none" normalizeH="0" baseline="0" dirty="0">
-                <a:ln>
-                  <a:noFill/>
-                </a:ln>
-                <a:solidFill>
-                  <a:schemeClr val="tx1"/>
-                </a:solidFill>
-                <a:effectLst/>
-                <a:latin typeface="Times New Roman" panose="02020603050405020304" pitchFamily="18" charset="0"/>
-                <a:cs typeface="Times New Roman" panose="02020603050405020304" pitchFamily="18" charset="0"/>
-              </a:rPr>
-              <a:t> versus other video conferencing tools.</a:t>
-            </a:r>
-          </a:p>
-          <a:p>
-            <a:pPr marL="0" marR="0" lvl="0" indent="0" algn="just" defTabSz="914400" rtl="0" eaLnBrk="0" fontAlgn="base" latinLnBrk="0" hangingPunct="0">
-              <a:lnSpc>
-                <a:spcPct val="200000"/>
-              </a:lnSpc>
-              <a:spcBef>
-                <a:spcPct val="0"/>
-              </a:spcBef>
-              <a:spcAft>
-                <a:spcPct val="0"/>
-              </a:spcAft>
-              <a:buClrTx/>
-              <a:buSzTx/>
-              <a:buFontTx/>
-              <a:buChar char="•"/>
-              <a:tabLst/>
-            </a:pPr>
-            <a:r>
-              <a:rPr kumimoji="0" lang="en-US" altLang="en-US" sz="1600" b="0" i="0" u="none" strike="noStrike" cap="none" normalizeH="0" baseline="0" dirty="0">
-                <a:ln>
-                  <a:noFill/>
-                </a:ln>
-                <a:solidFill>
-                  <a:schemeClr val="tx1"/>
-                </a:solidFill>
-                <a:effectLst/>
-                <a:latin typeface="Times New Roman" panose="02020603050405020304" pitchFamily="18" charset="0"/>
-                <a:cs typeface="Times New Roman" panose="02020603050405020304" pitchFamily="18" charset="0"/>
-              </a:rPr>
-              <a:t>Case studies highlighting the impact of </a:t>
-            </a:r>
-            <a:r>
-              <a:rPr lang="en-US" altLang="en-US" sz="1600" dirty="0" err="1">
-                <a:latin typeface="Times New Roman" panose="02020603050405020304" pitchFamily="18" charset="0"/>
-                <a:cs typeface="Times New Roman" panose="02020603050405020304" pitchFamily="18" charset="0"/>
-              </a:rPr>
-              <a:t>Callify</a:t>
-            </a:r>
-            <a:r>
-              <a:rPr kumimoji="0" lang="en-US" altLang="en-US" sz="1600" b="0" i="0" u="none" strike="noStrike" cap="none" normalizeH="0" baseline="0" dirty="0">
-                <a:ln>
-                  <a:noFill/>
-                </a:ln>
-                <a:solidFill>
-                  <a:schemeClr val="tx1"/>
-                </a:solidFill>
-                <a:effectLst/>
-                <a:latin typeface="Times New Roman" panose="02020603050405020304" pitchFamily="18" charset="0"/>
-                <a:cs typeface="Times New Roman" panose="02020603050405020304" pitchFamily="18" charset="0"/>
-              </a:rPr>
-              <a:t> on remote work and education.</a:t>
-            </a:r>
-          </a:p>
-          <a:p>
-            <a:pPr marL="0" marR="0" lvl="0" indent="0" algn="just" defTabSz="914400" rtl="0" eaLnBrk="0" fontAlgn="base" latinLnBrk="0" hangingPunct="0">
-              <a:lnSpc>
-                <a:spcPct val="200000"/>
-              </a:lnSpc>
-              <a:spcBef>
-                <a:spcPct val="0"/>
-              </a:spcBef>
-              <a:spcAft>
-                <a:spcPct val="0"/>
-              </a:spcAft>
-              <a:buClrTx/>
-              <a:buSzTx/>
-              <a:buFontTx/>
-              <a:buChar char="•"/>
-              <a:tabLst/>
-            </a:pPr>
-            <a:r>
-              <a:rPr kumimoji="0" lang="en-US" altLang="en-US" sz="1600" b="1" i="0" u="none" strike="noStrike" cap="none" normalizeH="0" baseline="0" dirty="0">
-                <a:ln>
-                  <a:noFill/>
-                </a:ln>
-                <a:solidFill>
-                  <a:schemeClr val="tx1"/>
-                </a:solidFill>
-                <a:effectLst/>
-                <a:latin typeface="Times New Roman" panose="02020603050405020304" pitchFamily="18" charset="0"/>
-                <a:cs typeface="Times New Roman" panose="02020603050405020304" pitchFamily="18" charset="0"/>
-              </a:rPr>
-              <a:t>Impact</a:t>
-            </a:r>
-            <a:r>
-              <a:rPr kumimoji="0" lang="en-US" altLang="en-US" sz="1600" b="0" i="0" u="none" strike="noStrike" cap="none" normalizeH="0" baseline="0" dirty="0">
-                <a:ln>
-                  <a:noFill/>
-                </a:ln>
-                <a:solidFill>
-                  <a:schemeClr val="tx1"/>
-                </a:solidFill>
-                <a:effectLst/>
-                <a:latin typeface="Times New Roman" panose="02020603050405020304" pitchFamily="18" charset="0"/>
-                <a:cs typeface="Times New Roman" panose="02020603050405020304" pitchFamily="18" charset="0"/>
-              </a:rPr>
-              <a:t>:</a:t>
-            </a:r>
-          </a:p>
-          <a:p>
-            <a:pPr marL="0" marR="0" lvl="0" indent="0" algn="just" defTabSz="914400" rtl="0" eaLnBrk="0" fontAlgn="base" latinLnBrk="0" hangingPunct="0">
-              <a:lnSpc>
-                <a:spcPct val="200000"/>
-              </a:lnSpc>
-              <a:spcBef>
-                <a:spcPct val="0"/>
-              </a:spcBef>
-              <a:spcAft>
-                <a:spcPct val="0"/>
-              </a:spcAft>
-              <a:buClrTx/>
-              <a:buSzTx/>
-              <a:buFontTx/>
-              <a:buChar char="•"/>
-              <a:tabLst/>
-            </a:pPr>
-            <a:r>
-              <a:rPr kumimoji="0" lang="en-US" altLang="en-US" sz="1600" b="0" i="0" u="none" strike="noStrike" cap="none" normalizeH="0" baseline="0" dirty="0">
-                <a:ln>
-                  <a:noFill/>
-                </a:ln>
-                <a:solidFill>
-                  <a:schemeClr val="tx1"/>
-                </a:solidFill>
-                <a:effectLst/>
-                <a:latin typeface="Times New Roman" panose="02020603050405020304" pitchFamily="18" charset="0"/>
-                <a:cs typeface="Times New Roman" panose="02020603050405020304" pitchFamily="18" charset="0"/>
-              </a:rPr>
-              <a:t>Better understanding of </a:t>
-            </a:r>
-            <a:r>
-              <a:rPr lang="en-US" altLang="en-US" sz="1600" dirty="0" err="1">
-                <a:latin typeface="Times New Roman" panose="02020603050405020304" pitchFamily="18" charset="0"/>
-                <a:cs typeface="Times New Roman" panose="02020603050405020304" pitchFamily="18" charset="0"/>
-              </a:rPr>
-              <a:t>Callify</a:t>
-            </a:r>
-            <a:r>
-              <a:rPr kumimoji="0" lang="en-US" altLang="en-US" sz="1600" b="0" i="0" u="none" strike="noStrike" cap="none" normalizeH="0" baseline="0" dirty="0" err="1">
-                <a:ln>
-                  <a:noFill/>
-                </a:ln>
-                <a:solidFill>
-                  <a:schemeClr val="tx1"/>
-                </a:solidFill>
-                <a:effectLst/>
-                <a:latin typeface="Times New Roman" panose="02020603050405020304" pitchFamily="18" charset="0"/>
-                <a:cs typeface="Times New Roman" panose="02020603050405020304" pitchFamily="18" charset="0"/>
-              </a:rPr>
-              <a:t>’s</a:t>
-            </a:r>
-            <a:r>
-              <a:rPr kumimoji="0" lang="en-US" altLang="en-US" sz="1600" b="0" i="0" u="none" strike="noStrike" cap="none" normalizeH="0" baseline="0" dirty="0">
-                <a:ln>
-                  <a:noFill/>
-                </a:ln>
-                <a:solidFill>
-                  <a:schemeClr val="tx1"/>
-                </a:solidFill>
-                <a:effectLst/>
-                <a:latin typeface="Times New Roman" panose="02020603050405020304" pitchFamily="18" charset="0"/>
-                <a:cs typeface="Times New Roman" panose="02020603050405020304" pitchFamily="18" charset="0"/>
-              </a:rPr>
-              <a:t> role in shaping future communication technologies.</a:t>
-            </a:r>
-          </a:p>
-          <a:p>
-            <a:pPr marL="0" marR="0" lvl="0" indent="0" algn="just" defTabSz="914400" rtl="0" eaLnBrk="0" fontAlgn="base" latinLnBrk="0" hangingPunct="0">
-              <a:lnSpc>
-                <a:spcPct val="200000"/>
-              </a:lnSpc>
-              <a:spcBef>
-                <a:spcPct val="0"/>
-              </a:spcBef>
-              <a:spcAft>
-                <a:spcPct val="0"/>
-              </a:spcAft>
-              <a:buClrTx/>
-              <a:buSzTx/>
-              <a:buFontTx/>
-              <a:buChar char="•"/>
-              <a:tabLst/>
-            </a:pPr>
-            <a:r>
-              <a:rPr kumimoji="0" lang="en-US" altLang="en-US" sz="1600" b="0" i="0" u="none" strike="noStrike" cap="none" normalizeH="0" baseline="0" dirty="0">
-                <a:ln>
-                  <a:noFill/>
-                </a:ln>
-                <a:solidFill>
-                  <a:schemeClr val="tx1"/>
-                </a:solidFill>
-                <a:effectLst/>
-                <a:latin typeface="Times New Roman" panose="02020603050405020304" pitchFamily="18" charset="0"/>
-                <a:cs typeface="Times New Roman" panose="02020603050405020304" pitchFamily="18" charset="0"/>
-              </a:rPr>
-              <a:t>Insights into how </a:t>
-            </a:r>
-            <a:r>
-              <a:rPr lang="en-US" altLang="en-US" sz="1600" dirty="0" err="1">
-                <a:latin typeface="Times New Roman" panose="02020603050405020304" pitchFamily="18" charset="0"/>
-                <a:cs typeface="Times New Roman" panose="02020603050405020304" pitchFamily="18" charset="0"/>
-              </a:rPr>
-              <a:t>Callify</a:t>
-            </a:r>
-            <a:r>
-              <a:rPr kumimoji="0" lang="en-US" altLang="en-US" sz="1600" b="0" i="0" u="none" strike="noStrike" cap="none" normalizeH="0" baseline="0" dirty="0">
-                <a:ln>
-                  <a:noFill/>
-                </a:ln>
-                <a:solidFill>
-                  <a:schemeClr val="tx1"/>
-                </a:solidFill>
-                <a:effectLst/>
-                <a:latin typeface="Times New Roman" panose="02020603050405020304" pitchFamily="18" charset="0"/>
-                <a:cs typeface="Times New Roman" panose="02020603050405020304" pitchFamily="18" charset="0"/>
-              </a:rPr>
-              <a:t> has revolutionized video conferencing for large-scale meetings and virtual collaborations.</a:t>
-            </a:r>
+            <a:endParaRPr kumimoji="0" lang="en-US" altLang="en-US" sz="1600" b="0" i="0" u="none" strike="noStrike" cap="none" normalizeH="0" baseline="0" dirty="0">
+              <a:ln>
+                <a:noFill/>
+              </a:ln>
+              <a:solidFill>
+                <a:schemeClr val="tx1"/>
+              </a:solidFill>
+              <a:effectLst/>
+              <a:latin typeface="Times New Roman" panose="02020603050405020304" pitchFamily="18" charset="0"/>
+              <a:cs typeface="Times New Roman" panose="02020603050405020304" pitchFamily="18" charset="0"/>
+            </a:endParaRPr>
           </a:p>
           <a:p>
             <a:pPr marL="0" marR="0" lvl="0" indent="0" algn="l" defTabSz="914400" rtl="0" eaLnBrk="0" fontAlgn="base" latinLnBrk="0" hangingPunct="0">
@@ -29412,15 +28917,52 @@
                 <a:schemeClr val="tx1"/>
               </a:solidFill>
               <a:effectLst/>
-              <a:latin typeface="Arial" panose="020B0604020202020204" pitchFamily="34" charset="0"/>
+              <a:latin typeface="Times New Roman" panose="02020603050405020304" pitchFamily="18" charset="0"/>
+              <a:cs typeface="Times New Roman" panose="02020603050405020304" pitchFamily="18" charset="0"/>
             </a:endParaRPr>
           </a:p>
         </p:txBody>
       </p:sp>
+      <p:pic>
+        <p:nvPicPr>
+          <p:cNvPr id="9" name="Picture 8">
+            <a:extLst>
+              <a:ext uri="{FF2B5EF4-FFF2-40B4-BE49-F238E27FC236}">
+                <a16:creationId xmlns:a16="http://schemas.microsoft.com/office/drawing/2014/main" id="{BBEE8132-C428-BA7F-1C26-3424B77AF01B}"/>
+              </a:ext>
+            </a:extLst>
+          </p:cNvPr>
+          <p:cNvPicPr>
+            <a:picLocks noChangeAspect="1"/>
+          </p:cNvPicPr>
+          <p:nvPr/>
+        </p:nvPicPr>
+        <p:blipFill>
+          <a:blip r:embed="rId4">
+            <a:extLst>
+              <a:ext uri="{28A0092B-C50C-407E-A947-70E740481C1C}">
+                <a14:useLocalDpi xmlns:a14="http://schemas.microsoft.com/office/drawing/2010/main" val="0"/>
+              </a:ext>
+            </a:extLst>
+          </a:blip>
+          <a:stretch>
+            <a:fillRect/>
+          </a:stretch>
+        </p:blipFill>
+        <p:spPr>
+          <a:xfrm>
+            <a:off x="7315200" y="6060077"/>
+            <a:ext cx="4876800" cy="797921"/>
+          </a:xfrm>
+          <a:prstGeom prst="rect">
+            <a:avLst/>
+          </a:prstGeom>
+        </p:spPr>
+      </p:pic>
     </p:spTree>
     <p:extLst>
       <p:ext uri="{BB962C8B-B14F-4D97-AF65-F5344CB8AC3E}">
-        <p14:creationId xmlns:p14="http://schemas.microsoft.com/office/powerpoint/2010/main" val="657644709"/>
+        <p14:creationId xmlns:p14="http://schemas.microsoft.com/office/powerpoint/2010/main" val="145086881"/>
       </p:ext>
     </p:extLst>
   </p:cSld>
@@ -29736,8 +29278,8 @@
         </p:nvSpPr>
         <p:spPr bwMode="auto">
           <a:xfrm>
-            <a:off x="2743201" y="1558271"/>
-            <a:ext cx="7162800" cy="4501873"/>
+            <a:off x="2743201" y="1741301"/>
+            <a:ext cx="7162800" cy="4135812"/>
           </a:xfrm>
           <a:prstGeom prst="rect">
             <a:avLst/>
@@ -29802,18 +29344,18 @@
               <a:tabLst/>
             </a:pPr>
             <a:r>
-              <a:rPr lang="en-US" altLang="en-US" sz="1600" b="1" dirty="0">
+              <a:rPr kumimoji="0" lang="en-US" altLang="en-US" sz="1600" b="1" i="0" u="none" strike="noStrike" cap="none" normalizeH="0" baseline="0" dirty="0">
+                <a:ln>
+                  <a:noFill/>
+                </a:ln>
+                <a:solidFill>
+                  <a:schemeClr val="tx1"/>
+                </a:solidFill>
+                <a:effectLst/>
                 <a:latin typeface="Times New Roman" panose="02020603050405020304" pitchFamily="18" charset="0"/>
                 <a:cs typeface="Times New Roman" panose="02020603050405020304" pitchFamily="18" charset="0"/>
               </a:rPr>
-              <a:t>Next </a:t>
-            </a:r>
-            <a:r>
-              <a:rPr lang="en-US" altLang="en-US" sz="1600" b="1" dirty="0" err="1">
-                <a:latin typeface="Times New Roman" panose="02020603050405020304" pitchFamily="18" charset="0"/>
-                <a:cs typeface="Times New Roman" panose="02020603050405020304" pitchFamily="18" charset="0"/>
-              </a:rPr>
-              <a:t>Js</a:t>
+              <a:t>Clerk(Authentication)</a:t>
             </a:r>
             <a:r>
               <a:rPr kumimoji="0" lang="en-US" altLang="en-US" sz="1600" b="0" i="0" u="none" strike="noStrike" cap="none" normalizeH="0" baseline="0" dirty="0">
@@ -29855,7 +29397,7 @@
                 <a:ea typeface="Calibri" panose="020F0502020204030204" pitchFamily="34" charset="0"/>
                 <a:cs typeface="Times New Roman" panose="02020603050405020304" pitchFamily="18" charset="0"/>
               </a:rPr>
-              <a:t>Server-Side Rendering (SSR)</a:t>
+              <a:t>User Authentication</a:t>
             </a:r>
             <a:r>
               <a:rPr lang="en-US" sz="1600" kern="100" dirty="0">
@@ -29864,7 +29406,7 @@
                 <a:ea typeface="Calibri" panose="020F0502020204030204" pitchFamily="34" charset="0"/>
                 <a:cs typeface="Times New Roman" panose="02020603050405020304" pitchFamily="18" charset="0"/>
               </a:rPr>
-              <a:t>: Allows for better performance and SEO, crucial for real-time video conferencing where loading times are critical.</a:t>
+              <a:t>: Provides pre-built, easy-to-integrate authentication components (signup, login, password recovery), reducing development time.</a:t>
             </a:r>
           </a:p>
           <a:p>
@@ -29892,7 +29434,7 @@
                 <a:ea typeface="Calibri" panose="020F0502020204030204" pitchFamily="34" charset="0"/>
                 <a:cs typeface="Times New Roman" panose="02020603050405020304" pitchFamily="18" charset="0"/>
               </a:rPr>
-              <a:t>Static Site Generation (SSG)</a:t>
+              <a:t>Security</a:t>
             </a:r>
             <a:r>
               <a:rPr lang="en-US" sz="1600" kern="100" dirty="0">
@@ -29901,7 +29443,7 @@
                 <a:ea typeface="Calibri" panose="020F0502020204030204" pitchFamily="34" charset="0"/>
                 <a:cs typeface="Times New Roman" panose="02020603050405020304" pitchFamily="18" charset="0"/>
               </a:rPr>
-              <a:t>: Provides static HTML at build time, ideal for reducing load on servers.</a:t>
+              <a:t>: Offers built-in security features like OAuth and 2FA, essential for a video conferencing app where data protection is crucial.</a:t>
             </a:r>
           </a:p>
           <a:p>
@@ -29929,7 +29471,7 @@
                 <a:ea typeface="Calibri" panose="020F0502020204030204" pitchFamily="34" charset="0"/>
                 <a:cs typeface="Times New Roman" panose="02020603050405020304" pitchFamily="18" charset="0"/>
               </a:rPr>
-              <a:t>API Routes</a:t>
+              <a:t>User Management</a:t>
             </a:r>
             <a:r>
               <a:rPr lang="en-US" sz="1600" kern="100" dirty="0">
@@ -29938,7 +29480,7 @@
                 <a:ea typeface="Calibri" panose="020F0502020204030204" pitchFamily="34" charset="0"/>
                 <a:cs typeface="Times New Roman" panose="02020603050405020304" pitchFamily="18" charset="0"/>
               </a:rPr>
-              <a:t>: Enables building custom backends for managing meetings, participants, and live streams.</a:t>
+              <a:t>: Comes with pre-built interfaces for user management, including sign-in/sign-up forms, improving development speed and user experience.</a:t>
             </a:r>
           </a:p>
           <a:p>
@@ -29966,7 +29508,7 @@
                 <a:ea typeface="Calibri" panose="020F0502020204030204" pitchFamily="34" charset="0"/>
                 <a:cs typeface="Times New Roman" panose="02020603050405020304" pitchFamily="18" charset="0"/>
               </a:rPr>
-              <a:t>Routing</a:t>
+              <a:t>Session Management</a:t>
             </a:r>
             <a:r>
               <a:rPr lang="en-US" sz="1600" kern="100" dirty="0">
@@ -29975,44 +29517,7 @@
                 <a:ea typeface="Calibri" panose="020F0502020204030204" pitchFamily="34" charset="0"/>
                 <a:cs typeface="Times New Roman" panose="02020603050405020304" pitchFamily="18" charset="0"/>
               </a:rPr>
-              <a:t>: Next.js simplifies routing with file-based routing, making navigation within the app seamless.</a:t>
-            </a:r>
-          </a:p>
-          <a:p>
-            <a:pPr marL="342900" marR="0" lvl="0" indent="-342900">
-              <a:lnSpc>
-                <a:spcPct val="107000"/>
-              </a:lnSpc>
-              <a:spcBef>
-                <a:spcPts val="0"/>
-              </a:spcBef>
-              <a:spcAft>
-                <a:spcPts val="800"/>
-              </a:spcAft>
-              <a:buSzPts val="1000"/>
-              <a:buFont typeface="Symbol" panose="05050102010706020507" pitchFamily="18" charset="2"/>
-              <a:buChar char=""/>
-              <a:tabLst>
-                <a:tab pos="457200" algn="l"/>
-              </a:tabLst>
-            </a:pPr>
-            <a:r>
-              <a:rPr lang="en-US" sz="1600" b="1" kern="100" dirty="0">
-                <a:effectLst/>
-                <a:latin typeface="Times New Roman" panose="02020603050405020304" pitchFamily="18" charset="0"/>
-                <a:ea typeface="Calibri" panose="020F0502020204030204" pitchFamily="34" charset="0"/>
-                <a:cs typeface="Times New Roman" panose="02020603050405020304" pitchFamily="18" charset="0"/>
-              </a:rPr>
-              <a:t>Scalability</a:t>
-            </a:r>
-            <a:r>
-              <a:rPr lang="en-US" sz="1600" kern="100" dirty="0">
-                <a:effectLst/>
-                <a:latin typeface="Times New Roman" panose="02020603050405020304" pitchFamily="18" charset="0"/>
-                <a:ea typeface="Calibri" panose="020F0502020204030204" pitchFamily="34" charset="0"/>
-                <a:cs typeface="Times New Roman" panose="02020603050405020304" pitchFamily="18" charset="0"/>
-              </a:rPr>
-              <a:t>: Next.js can handle growing demands due to its SSR and API routes, enabling the handling of many concurrent video streams.</a:t>
+              <a:t>: Supports automatic session handling, ensuring authenticated users can join/host meetings securely.</a:t>
             </a:r>
           </a:p>
           <a:p>
@@ -30077,10 +29582,10 @@
       </p:sp>
       <p:pic>
         <p:nvPicPr>
-          <p:cNvPr id="9" name="Picture 8">
+          <p:cNvPr id="7" name="Picture 6">
             <a:extLst>
               <a:ext uri="{FF2B5EF4-FFF2-40B4-BE49-F238E27FC236}">
-                <a16:creationId xmlns:a16="http://schemas.microsoft.com/office/drawing/2014/main" id="{BBEE8132-C428-BA7F-1C26-3424B77AF01B}"/>
+                <a16:creationId xmlns:a16="http://schemas.microsoft.com/office/drawing/2014/main" id="{E6EE5D7E-AB8F-CDB2-34C1-5CB6FD5BD56C}"/>
               </a:ext>
             </a:extLst>
           </p:cNvPr>
@@ -30114,7 +29619,7 @@
     </p:spTree>
     <p:extLst>
       <p:ext uri="{BB962C8B-B14F-4D97-AF65-F5344CB8AC3E}">
-        <p14:creationId xmlns:p14="http://schemas.microsoft.com/office/powerpoint/2010/main" val="145086881"/>
+        <p14:creationId xmlns:p14="http://schemas.microsoft.com/office/powerpoint/2010/main" val="3994280801"/>
       </p:ext>
     </p:extLst>
   </p:cSld>

--- a/Report & PPT/Project Work/Ppt/Callify Synopsis.pptx
+++ b/Report & PPT/Project Work/Ppt/Callify Synopsis.pptx
@@ -250,7 +250,7 @@
                 <a:latin typeface="Futura Cyrillic Book" panose="020B0502020204020303" charset="0"/>
               </a:rPr>
               <a:pPr/>
-              <a:t>15-Oct-24</a:t>
+              <a:t>24-Oct-24</a:t>
             </a:fld>
             <a:endParaRPr lang="en-US">
               <a:latin typeface="Futura Cyrillic Book" panose="020B0502020204020303" charset="0"/>
@@ -429,7 +429,7 @@
             <a:fld id="{0ECD8AD1-49EC-45F2-A2FF-1FE3195688C5}" type="datetimeFigureOut">
               <a:rPr lang="en-IN" smtClean="0"/>
               <a:pPr/>
-              <a:t>15-10-2024</a:t>
+              <a:t>24-10-2024</a:t>
             </a:fld>
             <a:endParaRPr lang="en-IN"/>
           </a:p>
@@ -2542,7 +2542,7 @@
             <a:fld id="{4EF95999-A99C-46D6-BFDA-AEFA180EA74F}" type="datetimeFigureOut">
               <a:rPr lang="en-US" smtClean="0"/>
               <a:pPr/>
-              <a:t>15-Oct-24</a:t>
+              <a:t>24-Oct-24</a:t>
             </a:fld>
             <a:endParaRPr lang="en-US"/>
           </a:p>
@@ -2707,7 +2707,7 @@
             <a:fld id="{4EF95999-A99C-46D6-BFDA-AEFA180EA74F}" type="datetimeFigureOut">
               <a:rPr lang="en-US" smtClean="0"/>
               <a:pPr/>
-              <a:t>15-Oct-24</a:t>
+              <a:t>24-Oct-24</a:t>
             </a:fld>
             <a:endParaRPr lang="en-US"/>
           </a:p>
@@ -2882,7 +2882,7 @@
             <a:fld id="{4EF95999-A99C-46D6-BFDA-AEFA180EA74F}" type="datetimeFigureOut">
               <a:rPr lang="en-US" smtClean="0"/>
               <a:pPr/>
-              <a:t>15-Oct-24</a:t>
+              <a:t>24-Oct-24</a:t>
             </a:fld>
             <a:endParaRPr lang="en-US"/>
           </a:p>
@@ -3053,7 +3053,7 @@
             <a:fld id="{EC281ACE-890E-4B55-88CA-A440D73ED3A3}" type="datetimeFigureOut">
               <a:rPr lang="en-US" smtClean="0"/>
               <a:pPr/>
-              <a:t>15-Oct-24</a:t>
+              <a:t>24-Oct-24</a:t>
             </a:fld>
             <a:endParaRPr lang="en-US"/>
           </a:p>
@@ -3271,7 +3271,7 @@
             <a:fld id="{36B80835-DEB3-4275-B379-2566D87801AD}" type="datetimeFigureOut">
               <a:rPr lang="en-US" smtClean="0"/>
               <a:pPr/>
-              <a:t>15-Oct-24</a:t>
+              <a:t>24-Oct-24</a:t>
             </a:fld>
             <a:endParaRPr lang="en-US"/>
           </a:p>
@@ -3436,7 +3436,7 @@
             <a:fld id="{36B80835-DEB3-4275-B379-2566D87801AD}" type="datetimeFigureOut">
               <a:rPr lang="en-US" smtClean="0"/>
               <a:pPr/>
-              <a:t>15-Oct-24</a:t>
+              <a:t>24-Oct-24</a:t>
             </a:fld>
             <a:endParaRPr lang="en-US"/>
           </a:p>
@@ -3678,7 +3678,7 @@
             <a:fld id="{36B80835-DEB3-4275-B379-2566D87801AD}" type="datetimeFigureOut">
               <a:rPr lang="en-US" smtClean="0"/>
               <a:pPr/>
-              <a:t>15-Oct-24</a:t>
+              <a:t>24-Oct-24</a:t>
             </a:fld>
             <a:endParaRPr lang="en-US"/>
           </a:p>
@@ -3904,7 +3904,7 @@
             <a:fld id="{36B80835-DEB3-4275-B379-2566D87801AD}" type="datetimeFigureOut">
               <a:rPr lang="en-US" smtClean="0"/>
               <a:pPr/>
-              <a:t>15-Oct-24</a:t>
+              <a:t>24-Oct-24</a:t>
             </a:fld>
             <a:endParaRPr lang="en-US"/>
           </a:p>
@@ -4265,7 +4265,7 @@
             <a:fld id="{36B80835-DEB3-4275-B379-2566D87801AD}" type="datetimeFigureOut">
               <a:rPr lang="en-US" smtClean="0"/>
               <a:pPr/>
-              <a:t>15-Oct-24</a:t>
+              <a:t>24-Oct-24</a:t>
             </a:fld>
             <a:endParaRPr lang="en-US"/>
           </a:p>
@@ -4379,7 +4379,7 @@
             <a:fld id="{36B80835-DEB3-4275-B379-2566D87801AD}" type="datetimeFigureOut">
               <a:rPr lang="en-US" smtClean="0"/>
               <a:pPr/>
-              <a:t>15-Oct-24</a:t>
+              <a:t>24-Oct-24</a:t>
             </a:fld>
             <a:endParaRPr lang="en-US"/>
           </a:p>
@@ -4471,7 +4471,7 @@
             <a:fld id="{36B80835-DEB3-4275-B379-2566D87801AD}" type="datetimeFigureOut">
               <a:rPr lang="en-US" smtClean="0"/>
               <a:pPr/>
-              <a:t>15-Oct-24</a:t>
+              <a:t>24-Oct-24</a:t>
             </a:fld>
             <a:endParaRPr lang="en-US"/>
           </a:p>
@@ -4636,7 +4636,7 @@
             <a:fld id="{4EF95999-A99C-46D6-BFDA-AEFA180EA74F}" type="datetimeFigureOut">
               <a:rPr lang="en-US" smtClean="0"/>
               <a:pPr/>
-              <a:t>15-Oct-24</a:t>
+              <a:t>24-Oct-24</a:t>
             </a:fld>
             <a:endParaRPr lang="en-US"/>
           </a:p>
@@ -4908,7 +4908,7 @@
             <a:fld id="{36B80835-DEB3-4275-B379-2566D87801AD}" type="datetimeFigureOut">
               <a:rPr lang="en-US" smtClean="0"/>
               <a:pPr/>
-              <a:t>15-Oct-24</a:t>
+              <a:t>24-Oct-24</a:t>
             </a:fld>
             <a:endParaRPr lang="en-US"/>
           </a:p>
@@ -5157,7 +5157,7 @@
             <a:fld id="{36B80835-DEB3-4275-B379-2566D87801AD}" type="datetimeFigureOut">
               <a:rPr lang="en-US" smtClean="0"/>
               <a:pPr/>
-              <a:t>15-Oct-24</a:t>
+              <a:t>24-Oct-24</a:t>
             </a:fld>
             <a:endParaRPr lang="en-US"/>
           </a:p>
@@ -5322,7 +5322,7 @@
             <a:fld id="{36B80835-DEB3-4275-B379-2566D87801AD}" type="datetimeFigureOut">
               <a:rPr lang="en-US" smtClean="0"/>
               <a:pPr/>
-              <a:t>15-Oct-24</a:t>
+              <a:t>24-Oct-24</a:t>
             </a:fld>
             <a:endParaRPr lang="en-US"/>
           </a:p>
@@ -5497,7 +5497,7 @@
             <a:fld id="{36B80835-DEB3-4275-B379-2566D87801AD}" type="datetimeFigureOut">
               <a:rPr lang="en-US" smtClean="0"/>
               <a:pPr/>
-              <a:t>15-Oct-24</a:t>
+              <a:t>24-Oct-24</a:t>
             </a:fld>
             <a:endParaRPr lang="en-US"/>
           </a:p>
@@ -5684,7 +5684,7 @@
             <a:fld id="{4EF95999-A99C-46D6-BFDA-AEFA180EA74F}" type="datetimeFigureOut">
               <a:rPr lang="en-US" smtClean="0"/>
               <a:pPr/>
-              <a:t>15-Oct-24</a:t>
+              <a:t>24-Oct-24</a:t>
             </a:fld>
             <a:endParaRPr lang="en-US"/>
           </a:p>
@@ -5849,7 +5849,7 @@
             <a:fld id="{4EF95999-A99C-46D6-BFDA-AEFA180EA74F}" type="datetimeFigureOut">
               <a:rPr lang="en-US" smtClean="0"/>
               <a:pPr/>
-              <a:t>15-Oct-24</a:t>
+              <a:t>24-Oct-24</a:t>
             </a:fld>
             <a:endParaRPr lang="en-US"/>
           </a:p>
@@ -6091,7 +6091,7 @@
             <a:fld id="{4EF95999-A99C-46D6-BFDA-AEFA180EA74F}" type="datetimeFigureOut">
               <a:rPr lang="en-US" smtClean="0"/>
               <a:pPr/>
-              <a:t>15-Oct-24</a:t>
+              <a:t>24-Oct-24</a:t>
             </a:fld>
             <a:endParaRPr lang="en-US"/>
           </a:p>
@@ -6317,7 +6317,7 @@
             <a:fld id="{4EF95999-A99C-46D6-BFDA-AEFA180EA74F}" type="datetimeFigureOut">
               <a:rPr lang="en-US" smtClean="0"/>
               <a:pPr/>
-              <a:t>15-Oct-24</a:t>
+              <a:t>24-Oct-24</a:t>
             </a:fld>
             <a:endParaRPr lang="en-US"/>
           </a:p>
@@ -6678,7 +6678,7 @@
             <a:fld id="{4EF95999-A99C-46D6-BFDA-AEFA180EA74F}" type="datetimeFigureOut">
               <a:rPr lang="en-US" smtClean="0"/>
               <a:pPr/>
-              <a:t>15-Oct-24</a:t>
+              <a:t>24-Oct-24</a:t>
             </a:fld>
             <a:endParaRPr lang="en-US"/>
           </a:p>
@@ -6792,7 +6792,7 @@
             <a:fld id="{4EF95999-A99C-46D6-BFDA-AEFA180EA74F}" type="datetimeFigureOut">
               <a:rPr lang="en-US" smtClean="0"/>
               <a:pPr/>
-              <a:t>15-Oct-24</a:t>
+              <a:t>24-Oct-24</a:t>
             </a:fld>
             <a:endParaRPr lang="en-US"/>
           </a:p>
@@ -7034,7 +7034,7 @@
             <a:fld id="{4EF95999-A99C-46D6-BFDA-AEFA180EA74F}" type="datetimeFigureOut">
               <a:rPr lang="en-US" smtClean="0"/>
               <a:pPr/>
-              <a:t>15-Oct-24</a:t>
+              <a:t>24-Oct-24</a:t>
             </a:fld>
             <a:endParaRPr lang="en-US"/>
           </a:p>
@@ -7126,7 +7126,7 @@
             <a:fld id="{4EF95999-A99C-46D6-BFDA-AEFA180EA74F}" type="datetimeFigureOut">
               <a:rPr lang="en-US" smtClean="0"/>
               <a:pPr/>
-              <a:t>15-Oct-24</a:t>
+              <a:t>24-Oct-24</a:t>
             </a:fld>
             <a:endParaRPr lang="en-US"/>
           </a:p>
@@ -7398,7 +7398,7 @@
             <a:fld id="{4EF95999-A99C-46D6-BFDA-AEFA180EA74F}" type="datetimeFigureOut">
               <a:rPr lang="en-US" smtClean="0"/>
               <a:pPr/>
-              <a:t>15-Oct-24</a:t>
+              <a:t>24-Oct-24</a:t>
             </a:fld>
             <a:endParaRPr lang="en-US"/>
           </a:p>
@@ -7647,7 +7647,7 @@
             <a:fld id="{4EF95999-A99C-46D6-BFDA-AEFA180EA74F}" type="datetimeFigureOut">
               <a:rPr lang="en-US" smtClean="0"/>
               <a:pPr/>
-              <a:t>15-Oct-24</a:t>
+              <a:t>24-Oct-24</a:t>
             </a:fld>
             <a:endParaRPr lang="en-US"/>
           </a:p>
@@ -7812,7 +7812,7 @@
             <a:fld id="{4EF95999-A99C-46D6-BFDA-AEFA180EA74F}" type="datetimeFigureOut">
               <a:rPr lang="en-US" smtClean="0"/>
               <a:pPr/>
-              <a:t>15-Oct-24</a:t>
+              <a:t>24-Oct-24</a:t>
             </a:fld>
             <a:endParaRPr lang="en-US"/>
           </a:p>
@@ -7987,7 +7987,7 @@
             <a:fld id="{4EF95999-A99C-46D6-BFDA-AEFA180EA74F}" type="datetimeFigureOut">
               <a:rPr lang="en-US" smtClean="0"/>
               <a:pPr/>
-              <a:t>15-Oct-24</a:t>
+              <a:t>24-Oct-24</a:t>
             </a:fld>
             <a:endParaRPr lang="en-US"/>
           </a:p>
@@ -8158,7 +8158,7 @@
             <a:fld id="{EC281ACE-890E-4B55-88CA-A440D73ED3A3}" type="datetimeFigureOut">
               <a:rPr lang="en-US" smtClean="0"/>
               <a:pPr/>
-              <a:t>15-Oct-24</a:t>
+              <a:t>24-Oct-24</a:t>
             </a:fld>
             <a:endParaRPr lang="en-US"/>
           </a:p>
@@ -8378,7 +8378,7 @@
             <a:fld id="{4EF95999-A99C-46D6-BFDA-AEFA180EA74F}" type="datetimeFigureOut">
               <a:rPr lang="en-US" smtClean="0"/>
               <a:pPr/>
-              <a:t>15-Oct-24</a:t>
+              <a:t>24-Oct-24</a:t>
             </a:fld>
             <a:endParaRPr lang="en-US"/>
           </a:p>
@@ -8550,7 +8550,7 @@
             <a:fld id="{4EF95999-A99C-46D6-BFDA-AEFA180EA74F}" type="datetimeFigureOut">
               <a:rPr lang="en-US" smtClean="0"/>
               <a:pPr/>
-              <a:t>15-Oct-24</a:t>
+              <a:t>24-Oct-24</a:t>
             </a:fld>
             <a:endParaRPr lang="en-US"/>
           </a:p>
@@ -8682,7 +8682,7 @@
             <a:fld id="{4EF95999-A99C-46D6-BFDA-AEFA180EA74F}" type="datetimeFigureOut">
               <a:rPr lang="en-US" smtClean="0"/>
               <a:pPr/>
-              <a:t>15-Oct-24</a:t>
+              <a:t>24-Oct-24</a:t>
             </a:fld>
             <a:endParaRPr lang="en-US"/>
           </a:p>
@@ -8942,7 +8942,7 @@
             <a:fld id="{4EF95999-A99C-46D6-BFDA-AEFA180EA74F}" type="datetimeFigureOut">
               <a:rPr lang="en-US" smtClean="0"/>
               <a:pPr/>
-              <a:t>15-Oct-24</a:t>
+              <a:t>24-Oct-24</a:t>
             </a:fld>
             <a:endParaRPr lang="en-US"/>
           </a:p>
@@ -9173,7 +9173,7 @@
             <a:fld id="{4EF95999-A99C-46D6-BFDA-AEFA180EA74F}" type="datetimeFigureOut">
               <a:rPr lang="en-US" smtClean="0"/>
               <a:pPr/>
-              <a:t>15-Oct-24</a:t>
+              <a:t>24-Oct-24</a:t>
             </a:fld>
             <a:endParaRPr lang="en-US"/>
           </a:p>
@@ -9402,7 +9402,7 @@
             <a:fld id="{4EF95999-A99C-46D6-BFDA-AEFA180EA74F}" type="datetimeFigureOut">
               <a:rPr lang="en-US" smtClean="0"/>
               <a:pPr/>
-              <a:t>15-Oct-24</a:t>
+              <a:t>24-Oct-24</a:t>
             </a:fld>
             <a:endParaRPr lang="en-US"/>
           </a:p>
@@ -9771,7 +9771,7 @@
             <a:fld id="{4EF95999-A99C-46D6-BFDA-AEFA180EA74F}" type="datetimeFigureOut">
               <a:rPr lang="en-US" smtClean="0"/>
               <a:pPr/>
-              <a:t>15-Oct-24</a:t>
+              <a:t>24-Oct-24</a:t>
             </a:fld>
             <a:endParaRPr lang="en-US"/>
           </a:p>
@@ -9891,7 +9891,7 @@
             <a:fld id="{4EF95999-A99C-46D6-BFDA-AEFA180EA74F}" type="datetimeFigureOut">
               <a:rPr lang="en-US" smtClean="0"/>
               <a:pPr/>
-              <a:t>15-Oct-24</a:t>
+              <a:t>24-Oct-24</a:t>
             </a:fld>
             <a:endParaRPr lang="en-US"/>
           </a:p>
@@ -9988,7 +9988,7 @@
             <a:fld id="{4EF95999-A99C-46D6-BFDA-AEFA180EA74F}" type="datetimeFigureOut">
               <a:rPr lang="en-US" smtClean="0"/>
               <a:pPr/>
-              <a:t>15-Oct-24</a:t>
+              <a:t>24-Oct-24</a:t>
             </a:fld>
             <a:endParaRPr lang="en-US"/>
           </a:p>
@@ -10267,7 +10267,7 @@
             <a:fld id="{4EF95999-A99C-46D6-BFDA-AEFA180EA74F}" type="datetimeFigureOut">
               <a:rPr lang="en-US" smtClean="0"/>
               <a:pPr/>
-              <a:t>15-Oct-24</a:t>
+              <a:t>24-Oct-24</a:t>
             </a:fld>
             <a:endParaRPr lang="en-US"/>
           </a:p>
@@ -10526,7 +10526,7 @@
             <a:fld id="{4EF95999-A99C-46D6-BFDA-AEFA180EA74F}" type="datetimeFigureOut">
               <a:rPr lang="en-US" smtClean="0"/>
               <a:pPr/>
-              <a:t>15-Oct-24</a:t>
+              <a:t>24-Oct-24</a:t>
             </a:fld>
             <a:endParaRPr lang="en-US"/>
           </a:p>
@@ -10698,7 +10698,7 @@
             <a:fld id="{4EF95999-A99C-46D6-BFDA-AEFA180EA74F}" type="datetimeFigureOut">
               <a:rPr lang="en-US" smtClean="0"/>
               <a:pPr/>
-              <a:t>15-Oct-24</a:t>
+              <a:t>24-Oct-24</a:t>
             </a:fld>
             <a:endParaRPr lang="en-US"/>
           </a:p>
@@ -10880,7 +10880,7 @@
             <a:fld id="{4EF95999-A99C-46D6-BFDA-AEFA180EA74F}" type="datetimeFigureOut">
               <a:rPr lang="en-US" smtClean="0"/>
               <a:pPr/>
-              <a:t>15-Oct-24</a:t>
+              <a:t>24-Oct-24</a:t>
             </a:fld>
             <a:endParaRPr lang="en-US"/>
           </a:p>
@@ -11091,7 +11091,7 @@
           <a:p>
             <a:fld id="{3744D9F7-2A27-4B90-AB19-1B9621DD8A20}" type="datetimeFigureOut">
               <a:rPr lang="en-IN" smtClean="0"/>
-              <a:t>15-10-2024</a:t>
+              <a:t>24-10-2024</a:t>
             </a:fld>
             <a:endParaRPr lang="en-IN"/>
           </a:p>
@@ -11291,7 +11291,7 @@
           <a:p>
             <a:fld id="{3744D9F7-2A27-4B90-AB19-1B9621DD8A20}" type="datetimeFigureOut">
               <a:rPr lang="en-IN" smtClean="0"/>
-              <a:t>15-10-2024</a:t>
+              <a:t>24-10-2024</a:t>
             </a:fld>
             <a:endParaRPr lang="en-IN"/>
           </a:p>
@@ -11668,7 +11668,7 @@
             <a:fld id="{4EF95999-A99C-46D6-BFDA-AEFA180EA74F}" type="datetimeFigureOut">
               <a:rPr lang="en-US" smtClean="0"/>
               <a:pPr/>
-              <a:t>15-Oct-24</a:t>
+              <a:t>24-Oct-24</a:t>
             </a:fld>
             <a:endParaRPr lang="en-US"/>
           </a:p>
@@ -11928,7 +11928,7 @@
           <a:p>
             <a:fld id="{3744D9F7-2A27-4B90-AB19-1B9621DD8A20}" type="datetimeFigureOut">
               <a:rPr lang="en-IN" smtClean="0"/>
-              <a:t>15-10-2024</a:t>
+              <a:t>24-10-2024</a:t>
             </a:fld>
             <a:endParaRPr lang="en-IN"/>
           </a:p>
@@ -12196,7 +12196,7 @@
           <a:p>
             <a:fld id="{3744D9F7-2A27-4B90-AB19-1B9621DD8A20}" type="datetimeFigureOut">
               <a:rPr lang="en-IN" smtClean="0"/>
-              <a:t>15-10-2024</a:t>
+              <a:t>24-10-2024</a:t>
             </a:fld>
             <a:endParaRPr lang="en-IN"/>
           </a:p>
@@ -12611,7 +12611,7 @@
           <a:p>
             <a:fld id="{3744D9F7-2A27-4B90-AB19-1B9621DD8A20}" type="datetimeFigureOut">
               <a:rPr lang="en-IN" smtClean="0"/>
-              <a:t>15-10-2024</a:t>
+              <a:t>24-10-2024</a:t>
             </a:fld>
             <a:endParaRPr lang="en-IN"/>
           </a:p>
@@ -12753,7 +12753,7 @@
           <a:p>
             <a:fld id="{3744D9F7-2A27-4B90-AB19-1B9621DD8A20}" type="datetimeFigureOut">
               <a:rPr lang="en-IN" smtClean="0"/>
-              <a:t>15-10-2024</a:t>
+              <a:t>24-10-2024</a:t>
             </a:fld>
             <a:endParaRPr lang="en-IN"/>
           </a:p>
@@ -12866,7 +12866,7 @@
           <a:p>
             <a:fld id="{3744D9F7-2A27-4B90-AB19-1B9621DD8A20}" type="datetimeFigureOut">
               <a:rPr lang="en-IN" smtClean="0"/>
-              <a:t>15-10-2024</a:t>
+              <a:t>24-10-2024</a:t>
             </a:fld>
             <a:endParaRPr lang="en-IN"/>
           </a:p>
@@ -13179,7 +13179,7 @@
           <a:p>
             <a:fld id="{3744D9F7-2A27-4B90-AB19-1B9621DD8A20}" type="datetimeFigureOut">
               <a:rPr lang="en-IN" smtClean="0"/>
-              <a:t>15-10-2024</a:t>
+              <a:t>24-10-2024</a:t>
             </a:fld>
             <a:endParaRPr lang="en-IN"/>
           </a:p>
@@ -13468,7 +13468,7 @@
           <a:p>
             <a:fld id="{3744D9F7-2A27-4B90-AB19-1B9621DD8A20}" type="datetimeFigureOut">
               <a:rPr lang="en-IN" smtClean="0"/>
-              <a:t>15-10-2024</a:t>
+              <a:t>24-10-2024</a:t>
             </a:fld>
             <a:endParaRPr lang="en-IN"/>
           </a:p>
@@ -13668,7 +13668,7 @@
           <a:p>
             <a:fld id="{3744D9F7-2A27-4B90-AB19-1B9621DD8A20}" type="datetimeFigureOut">
               <a:rPr lang="en-IN" smtClean="0"/>
-              <a:t>15-10-2024</a:t>
+              <a:t>24-10-2024</a:t>
             </a:fld>
             <a:endParaRPr lang="en-IN"/>
           </a:p>
@@ -13878,7 +13878,7 @@
           <a:p>
             <a:fld id="{3744D9F7-2A27-4B90-AB19-1B9621DD8A20}" type="datetimeFigureOut">
               <a:rPr lang="en-IN" smtClean="0"/>
-              <a:t>15-10-2024</a:t>
+              <a:t>24-10-2024</a:t>
             </a:fld>
             <a:endParaRPr lang="en-IN"/>
           </a:p>
@@ -14008,7 +14008,7 @@
             <a:fld id="{4EF95999-A99C-46D6-BFDA-AEFA180EA74F}" type="datetimeFigureOut">
               <a:rPr lang="en-US" smtClean="0"/>
               <a:pPr/>
-              <a:t>15-Oct-24</a:t>
+              <a:t>24-Oct-24</a:t>
             </a:fld>
             <a:endParaRPr lang="en-US"/>
           </a:p>
@@ -14100,7 +14100,7 @@
             <a:fld id="{4EF95999-A99C-46D6-BFDA-AEFA180EA74F}" type="datetimeFigureOut">
               <a:rPr lang="en-US" smtClean="0"/>
               <a:pPr/>
-              <a:t>15-Oct-24</a:t>
+              <a:t>24-Oct-24</a:t>
             </a:fld>
             <a:endParaRPr lang="en-US"/>
           </a:p>
@@ -14372,7 +14372,7 @@
             <a:fld id="{4EF95999-A99C-46D6-BFDA-AEFA180EA74F}" type="datetimeFigureOut">
               <a:rPr lang="en-US" smtClean="0"/>
               <a:pPr/>
-              <a:t>15-Oct-24</a:t>
+              <a:t>24-Oct-24</a:t>
             </a:fld>
             <a:endParaRPr lang="en-US"/>
           </a:p>
@@ -14621,7 +14621,7 @@
             <a:fld id="{4EF95999-A99C-46D6-BFDA-AEFA180EA74F}" type="datetimeFigureOut">
               <a:rPr lang="en-US" smtClean="0"/>
               <a:pPr/>
-              <a:t>15-Oct-24</a:t>
+              <a:t>24-Oct-24</a:t>
             </a:fld>
             <a:endParaRPr lang="en-US"/>
           </a:p>
@@ -14830,7 +14830,7 @@
             <a:fld id="{4EF95999-A99C-46D6-BFDA-AEFA180EA74F}" type="datetimeFigureOut">
               <a:rPr lang="en-US" smtClean="0"/>
               <a:pPr/>
-              <a:t>15-Oct-24</a:t>
+              <a:t>24-Oct-24</a:t>
             </a:fld>
             <a:endParaRPr lang="en-US"/>
           </a:p>
@@ -15369,7 +15369,7 @@
             <a:fld id="{36B80835-DEB3-4275-B379-2566D87801AD}" type="datetimeFigureOut">
               <a:rPr lang="en-US" smtClean="0"/>
               <a:pPr/>
-              <a:t>15-Oct-24</a:t>
+              <a:t>24-Oct-24</a:t>
             </a:fld>
             <a:endParaRPr lang="en-US"/>
           </a:p>
@@ -15907,7 +15907,7 @@
             <a:fld id="{4EF95999-A99C-46D6-BFDA-AEFA180EA74F}" type="datetimeFigureOut">
               <a:rPr lang="en-US" smtClean="0"/>
               <a:pPr/>
-              <a:t>15-Oct-24</a:t>
+              <a:t>24-Oct-24</a:t>
             </a:fld>
             <a:endParaRPr lang="en-US"/>
           </a:p>
@@ -16447,7 +16447,7 @@
             <a:fld id="{4EF95999-A99C-46D6-BFDA-AEFA180EA74F}" type="datetimeFigureOut">
               <a:rPr lang="en-US" smtClean="0"/>
               <a:pPr/>
-              <a:t>15-Oct-24</a:t>
+              <a:t>24-Oct-24</a:t>
             </a:fld>
             <a:endParaRPr lang="en-US"/>
           </a:p>
@@ -17007,7 +17007,7 @@
           <a:p>
             <a:fld id="{3744D9F7-2A27-4B90-AB19-1B9621DD8A20}" type="datetimeFigureOut">
               <a:rPr lang="en-IN" smtClean="0"/>
-              <a:t>15-10-2024</a:t>
+              <a:t>24-10-2024</a:t>
             </a:fld>
             <a:endParaRPr lang="en-IN"/>
           </a:p>
@@ -26631,7 +26631,7 @@
                 <a:latin typeface="Times New Roman" panose="02020603050405020304" pitchFamily="18" charset="0"/>
                 <a:cs typeface="Times New Roman" panose="02020603050405020304" pitchFamily="18" charset="0"/>
               </a:rPr>
-              <a:t>Problem Statement</a:t>
+              <a:t> Problem Statement</a:t>
             </a:r>
             <a:r>
               <a:rPr kumimoji="0" lang="en-US" altLang="en-US" sz="1600" b="0" i="0" u="none" strike="noStrike" cap="none" normalizeH="0" baseline="0" dirty="0">
@@ -26677,7 +26677,7 @@
                 <a:latin typeface="Times New Roman" panose="02020603050405020304" pitchFamily="18" charset="0"/>
                 <a:cs typeface="Times New Roman" panose="02020603050405020304" pitchFamily="18" charset="0"/>
               </a:rPr>
-              <a:t>With the increase in remote work and virtual communication, there is a need for a reliable, secure, and easy-to-use video conferencing platform that supports large-scale meetings and events.</a:t>
+              <a:t> With the increase in remote work and virtual communication, there is a need for a reliable, secure,  and easy-to-use video conferencing platform that supports large-scale meetings and events.</a:t>
             </a:r>
           </a:p>
           <a:p>
@@ -26709,7 +26709,7 @@
                 <a:latin typeface="Times New Roman" panose="02020603050405020304" pitchFamily="18" charset="0"/>
                 <a:cs typeface="Times New Roman" panose="02020603050405020304" pitchFamily="18" charset="0"/>
               </a:rPr>
-              <a:t>Objectives</a:t>
+              <a:t> Objectives</a:t>
             </a:r>
             <a:r>
               <a:rPr kumimoji="0" lang="en-US" altLang="en-US" sz="1600" b="0" i="0" u="none" strike="noStrike" cap="none" normalizeH="0" baseline="0" dirty="0">
@@ -26755,7 +26755,7 @@
                 <a:latin typeface="Times New Roman" panose="02020603050405020304" pitchFamily="18" charset="0"/>
                 <a:cs typeface="Times New Roman" panose="02020603050405020304" pitchFamily="18" charset="0"/>
               </a:rPr>
-              <a:t>To analyze how </a:t>
+              <a:t> To analyze how </a:t>
             </a:r>
             <a:r>
               <a:rPr lang="en-US" altLang="en-US" sz="1600" dirty="0" err="1">
@@ -26808,7 +26808,7 @@
                 <a:latin typeface="Times New Roman" panose="02020603050405020304" pitchFamily="18" charset="0"/>
                 <a:cs typeface="Times New Roman" panose="02020603050405020304" pitchFamily="18" charset="0"/>
               </a:rPr>
-              <a:t>To assess </a:t>
+              <a:t> To assess </a:t>
             </a:r>
             <a:r>
               <a:rPr lang="en-US" altLang="en-US" sz="1600" dirty="0" err="1">
@@ -26875,7 +26875,7 @@
                 <a:latin typeface="Times New Roman" panose="02020603050405020304" pitchFamily="18" charset="0"/>
                 <a:cs typeface="Times New Roman" panose="02020603050405020304" pitchFamily="18" charset="0"/>
               </a:rPr>
-              <a:t>To explore </a:t>
+              <a:t> To explore </a:t>
             </a:r>
             <a:r>
               <a:rPr lang="en-US" altLang="en-US" sz="1600" dirty="0" err="1">
@@ -27879,7 +27879,7 @@
                 <a:latin typeface="Times New Roman" panose="02020603050405020304" pitchFamily="18" charset="0"/>
                 <a:cs typeface="Times New Roman" panose="02020603050405020304" pitchFamily="18" charset="0"/>
               </a:rPr>
-              <a:t>Deliverables</a:t>
+              <a:t> Deliverables</a:t>
             </a:r>
             <a:r>
               <a:rPr kumimoji="0" lang="en-US" altLang="en-US" sz="1600" b="0" i="0" u="none" strike="noStrike" cap="none" normalizeH="0" baseline="0" dirty="0">
@@ -27925,7 +27925,7 @@
                 <a:latin typeface="Times New Roman" panose="02020603050405020304" pitchFamily="18" charset="0"/>
                 <a:cs typeface="Times New Roman" panose="02020603050405020304" pitchFamily="18" charset="0"/>
               </a:rPr>
-              <a:t>Comprehensive report on </a:t>
+              <a:t> Comprehensive report on </a:t>
             </a:r>
             <a:r>
               <a:rPr lang="en-US" altLang="en-US" sz="1600" dirty="0" err="1">
@@ -27960,7 +27960,7 @@
                 <a:latin typeface="Times New Roman" panose="02020603050405020304" pitchFamily="18" charset="0"/>
                 <a:cs typeface="Times New Roman" panose="02020603050405020304" pitchFamily="18" charset="0"/>
               </a:rPr>
-              <a:t> features, user experience, and technical capabilities.</a:t>
+              <a:t> features, user experience, and technical   capabilities.</a:t>
             </a:r>
           </a:p>
           <a:p>
@@ -27992,7 +27992,7 @@
                 <a:latin typeface="Times New Roman" panose="02020603050405020304" pitchFamily="18" charset="0"/>
                 <a:cs typeface="Times New Roman" panose="02020603050405020304" pitchFamily="18" charset="0"/>
               </a:rPr>
-              <a:t>Comparative analysis report of </a:t>
+              <a:t> Comparative analysis report of </a:t>
             </a:r>
             <a:r>
               <a:rPr lang="en-US" altLang="en-US" sz="1600" dirty="0" err="1">
@@ -28045,7 +28045,7 @@
                 <a:latin typeface="Times New Roman" panose="02020603050405020304" pitchFamily="18" charset="0"/>
                 <a:cs typeface="Times New Roman" panose="02020603050405020304" pitchFamily="18" charset="0"/>
               </a:rPr>
-              <a:t>Case studies highlighting the impact of </a:t>
+              <a:t> Case studies highlighting the impact of </a:t>
             </a:r>
             <a:r>
               <a:rPr lang="en-US" altLang="en-US" sz="1600" dirty="0" err="1">
@@ -28098,7 +28098,7 @@
                 <a:latin typeface="Times New Roman" panose="02020603050405020304" pitchFamily="18" charset="0"/>
                 <a:cs typeface="Times New Roman" panose="02020603050405020304" pitchFamily="18" charset="0"/>
               </a:rPr>
-              <a:t>Impact</a:t>
+              <a:t> Impact</a:t>
             </a:r>
             <a:r>
               <a:rPr kumimoji="0" lang="en-US" altLang="en-US" sz="1600" b="0" i="0" u="none" strike="noStrike" cap="none" normalizeH="0" baseline="0" dirty="0">
@@ -28144,7 +28144,7 @@
                 <a:latin typeface="Times New Roman" panose="02020603050405020304" pitchFamily="18" charset="0"/>
                 <a:cs typeface="Times New Roman" panose="02020603050405020304" pitchFamily="18" charset="0"/>
               </a:rPr>
-              <a:t>Better understanding of </a:t>
+              <a:t> Better understanding of </a:t>
             </a:r>
             <a:r>
               <a:rPr lang="en-US" altLang="en-US" sz="1600" dirty="0" err="1">
@@ -28211,7 +28211,7 @@
                 <a:latin typeface="Times New Roman" panose="02020603050405020304" pitchFamily="18" charset="0"/>
                 <a:cs typeface="Times New Roman" panose="02020603050405020304" pitchFamily="18" charset="0"/>
               </a:rPr>
-              <a:t>Insights into how </a:t>
+              <a:t> Insights into how </a:t>
             </a:r>
             <a:r>
               <a:rPr lang="en-US" altLang="en-US" sz="1600" dirty="0" err="1">
@@ -28654,7 +28654,7 @@
                 <a:latin typeface="Times New Roman" panose="02020603050405020304" pitchFamily="18" charset="0"/>
                 <a:cs typeface="Times New Roman" panose="02020603050405020304" pitchFamily="18" charset="0"/>
               </a:rPr>
-              <a:t>Next </a:t>
+              <a:t> Next </a:t>
             </a:r>
             <a:r>
               <a:rPr lang="en-US" altLang="en-US" sz="1600" b="1" dirty="0" err="1">
@@ -29355,7 +29355,7 @@
                 <a:latin typeface="Times New Roman" panose="02020603050405020304" pitchFamily="18" charset="0"/>
                 <a:cs typeface="Times New Roman" panose="02020603050405020304" pitchFamily="18" charset="0"/>
               </a:rPr>
-              <a:t>Clerk(Authentication)</a:t>
+              <a:t> Clerk(Authentication)</a:t>
             </a:r>
             <a:r>
               <a:rPr kumimoji="0" lang="en-US" altLang="en-US" sz="1600" b="0" i="0" u="none" strike="noStrike" cap="none" normalizeH="0" baseline="0" dirty="0">

--- a/Report & PPT/Project Work/Ppt/Callify Synopsis.pptx
+++ b/Report & PPT/Project Work/Ppt/Callify Synopsis.pptx
@@ -9,10 +9,10 @@
     <p:sldMasterId id="2147483699" r:id="rId5"/>
   </p:sldMasterIdLst>
   <p:notesMasterIdLst>
-    <p:notesMasterId r:id="rId25"/>
+    <p:notesMasterId r:id="rId26"/>
   </p:notesMasterIdLst>
   <p:handoutMasterIdLst>
-    <p:handoutMasterId r:id="rId26"/>
+    <p:handoutMasterId r:id="rId27"/>
   </p:handoutMasterIdLst>
   <p:sldIdLst>
     <p:sldId id="257" r:id="rId6"/>
@@ -29,11 +29,12 @@
     <p:sldId id="295" r:id="rId17"/>
     <p:sldId id="296" r:id="rId18"/>
     <p:sldId id="297" r:id="rId19"/>
-    <p:sldId id="298" r:id="rId20"/>
-    <p:sldId id="287" r:id="rId21"/>
-    <p:sldId id="290" r:id="rId22"/>
-    <p:sldId id="288" r:id="rId23"/>
-    <p:sldId id="289" r:id="rId24"/>
+    <p:sldId id="299" r:id="rId20"/>
+    <p:sldId id="298" r:id="rId21"/>
+    <p:sldId id="287" r:id="rId22"/>
+    <p:sldId id="290" r:id="rId23"/>
+    <p:sldId id="288" r:id="rId24"/>
+    <p:sldId id="289" r:id="rId25"/>
   </p:sldIdLst>
   <p:sldSz cx="12192000" cy="6858000"/>
   <p:notesSz cx="6858000" cy="9144000"/>
@@ -250,7 +251,7 @@
                 <a:latin typeface="Futura Cyrillic Book" panose="020B0502020204020303" charset="0"/>
               </a:rPr>
               <a:pPr/>
-              <a:t>24-Oct-24</a:t>
+              <a:t>29-Oct-24</a:t>
             </a:fld>
             <a:endParaRPr lang="en-US">
               <a:latin typeface="Futura Cyrillic Book" panose="020B0502020204020303" charset="0"/>
@@ -429,7 +430,7 @@
             <a:fld id="{0ECD8AD1-49EC-45F2-A2FF-1FE3195688C5}" type="datetimeFigureOut">
               <a:rPr lang="en-IN" smtClean="0"/>
               <a:pPr/>
-              <a:t>24-10-2024</a:t>
+              <a:t>29-10-2024</a:t>
             </a:fld>
             <a:endParaRPr lang="en-IN"/>
           </a:p>
@@ -1247,7 +1248,13 @@
   <p:cSld>
     <p:spTree>
       <p:nvGrpSpPr>
-        <p:cNvPr id="1" name=""/>
+        <p:cNvPr id="1" name="">
+          <a:extLst>
+            <a:ext uri="{FF2B5EF4-FFF2-40B4-BE49-F238E27FC236}">
+              <a16:creationId xmlns:a16="http://schemas.microsoft.com/office/drawing/2014/main" id="{0FD5FCE7-9D49-D2A2-1E75-35303B70ABFF}"/>
+            </a:ext>
+          </a:extLst>
+        </p:cNvPr>
         <p:cNvGrpSpPr/>
         <p:nvPr/>
       </p:nvGrpSpPr>
@@ -1261,7 +1268,13 @@
       </p:grpSpPr>
       <p:sp>
         <p:nvSpPr>
-          <p:cNvPr id="2" name="Slide Image Placeholder 1"/>
+          <p:cNvPr id="2" name="Slide Image Placeholder 1">
+            <a:extLst>
+              <a:ext uri="{FF2B5EF4-FFF2-40B4-BE49-F238E27FC236}">
+                <a16:creationId xmlns:a16="http://schemas.microsoft.com/office/drawing/2014/main" id="{AFC26254-109B-7503-C389-1D841F6515BA}"/>
+              </a:ext>
+            </a:extLst>
+          </p:cNvPr>
           <p:cNvSpPr>
             <a:spLocks noGrp="1" noRot="1" noChangeAspect="1"/>
           </p:cNvSpPr>
@@ -1278,7 +1291,13 @@
       </p:sp>
       <p:sp>
         <p:nvSpPr>
-          <p:cNvPr id="3" name="Notes Placeholder 2"/>
+          <p:cNvPr id="3" name="Notes Placeholder 2">
+            <a:extLst>
+              <a:ext uri="{FF2B5EF4-FFF2-40B4-BE49-F238E27FC236}">
+                <a16:creationId xmlns:a16="http://schemas.microsoft.com/office/drawing/2014/main" id="{5CB29592-CD4A-269B-EBA8-F82303472E71}"/>
+              </a:ext>
+            </a:extLst>
+          </p:cNvPr>
           <p:cNvSpPr>
             <a:spLocks noGrp="1"/>
           </p:cNvSpPr>
@@ -1297,7 +1316,13 @@
       </p:sp>
       <p:sp>
         <p:nvSpPr>
-          <p:cNvPr id="4" name="Slide Number Placeholder 3"/>
+          <p:cNvPr id="4" name="Slide Number Placeholder 3">
+            <a:extLst>
+              <a:ext uri="{FF2B5EF4-FFF2-40B4-BE49-F238E27FC236}">
+                <a16:creationId xmlns:a16="http://schemas.microsoft.com/office/drawing/2014/main" id="{33E3FD1C-1B6B-5885-FF20-509E3D02B8AB}"/>
+              </a:ext>
+            </a:extLst>
+          </p:cNvPr>
           <p:cNvSpPr>
             <a:spLocks noGrp="1"/>
           </p:cNvSpPr>
@@ -1322,7 +1347,7 @@
     </p:spTree>
     <p:extLst>
       <p:ext uri="{BB962C8B-B14F-4D97-AF65-F5344CB8AC3E}">
-        <p14:creationId xmlns:p14="http://schemas.microsoft.com/office/powerpoint/2010/main" val="3214208214"/>
+        <p14:creationId xmlns:p14="http://schemas.microsoft.com/office/powerpoint/2010/main" val="1385711578"/>
       </p:ext>
     </p:extLst>
   </p:cSld>
@@ -1412,7 +1437,7 @@
     </p:spTree>
     <p:extLst>
       <p:ext uri="{BB962C8B-B14F-4D97-AF65-F5344CB8AC3E}">
-        <p14:creationId xmlns:p14="http://schemas.microsoft.com/office/powerpoint/2010/main" val="360630582"/>
+        <p14:creationId xmlns:p14="http://schemas.microsoft.com/office/powerpoint/2010/main" val="3214208214"/>
       </p:ext>
     </p:extLst>
   </p:cSld>
@@ -1502,7 +1527,7 @@
     </p:spTree>
     <p:extLst>
       <p:ext uri="{BB962C8B-B14F-4D97-AF65-F5344CB8AC3E}">
-        <p14:creationId xmlns:p14="http://schemas.microsoft.com/office/powerpoint/2010/main" val="1104650847"/>
+        <p14:creationId xmlns:p14="http://schemas.microsoft.com/office/powerpoint/2010/main" val="360630582"/>
       </p:ext>
     </p:extLst>
   </p:cSld>
@@ -1592,7 +1617,7 @@
     </p:spTree>
     <p:extLst>
       <p:ext uri="{BB962C8B-B14F-4D97-AF65-F5344CB8AC3E}">
-        <p14:creationId xmlns:p14="http://schemas.microsoft.com/office/powerpoint/2010/main" val="727244176"/>
+        <p14:creationId xmlns:p14="http://schemas.microsoft.com/office/powerpoint/2010/main" val="1104650847"/>
       </p:ext>
     </p:extLst>
   </p:cSld>
@@ -1682,7 +1707,7 @@
     </p:spTree>
     <p:extLst>
       <p:ext uri="{BB962C8B-B14F-4D97-AF65-F5344CB8AC3E}">
-        <p14:creationId xmlns:p14="http://schemas.microsoft.com/office/powerpoint/2010/main" val="2271837029"/>
+        <p14:creationId xmlns:p14="http://schemas.microsoft.com/office/powerpoint/2010/main" val="727244176"/>
       </p:ext>
     </p:extLst>
   </p:cSld>
@@ -1773,6 +1798,96 @@
     <p:extLst>
       <p:ext uri="{BB962C8B-B14F-4D97-AF65-F5344CB8AC3E}">
         <p14:creationId xmlns:p14="http://schemas.microsoft.com/office/powerpoint/2010/main" val="1208718921"/>
+      </p:ext>
+    </p:extLst>
+  </p:cSld>
+  <p:clrMapOvr>
+    <a:masterClrMapping/>
+  </p:clrMapOvr>
+</p:notes>
+</file>
+
+<file path=ppt/notesSlides/notesSlide20.xml><?xml version="1.0" encoding="utf-8"?>
+<p:notes xmlns:a="http://schemas.openxmlformats.org/drawingml/2006/main" xmlns:r="http://schemas.openxmlformats.org/officeDocument/2006/relationships" xmlns:p="http://schemas.openxmlformats.org/presentationml/2006/main">
+  <p:cSld>
+    <p:spTree>
+      <p:nvGrpSpPr>
+        <p:cNvPr id="1" name=""/>
+        <p:cNvGrpSpPr/>
+        <p:nvPr/>
+      </p:nvGrpSpPr>
+      <p:grpSpPr>
+        <a:xfrm>
+          <a:off x="0" y="0"/>
+          <a:ext cx="0" cy="0"/>
+          <a:chOff x="0" y="0"/>
+          <a:chExt cx="0" cy="0"/>
+        </a:xfrm>
+      </p:grpSpPr>
+      <p:sp>
+        <p:nvSpPr>
+          <p:cNvPr id="2" name="Slide Image Placeholder 1"/>
+          <p:cNvSpPr>
+            <a:spLocks noGrp="1" noRot="1" noChangeAspect="1"/>
+          </p:cNvSpPr>
+          <p:nvPr>
+            <p:ph type="sldImg"/>
+          </p:nvPr>
+        </p:nvSpPr>
+        <p:spPr>
+          <a:xfrm>
+            <a:off x="685800" y="1143000"/>
+            <a:ext cx="5486400" cy="3086100"/>
+          </a:xfrm>
+        </p:spPr>
+      </p:sp>
+      <p:sp>
+        <p:nvSpPr>
+          <p:cNvPr id="3" name="Notes Placeholder 2"/>
+          <p:cNvSpPr>
+            <a:spLocks noGrp="1"/>
+          </p:cNvSpPr>
+          <p:nvPr>
+            <p:ph type="body" idx="1"/>
+          </p:nvPr>
+        </p:nvSpPr>
+        <p:spPr/>
+        <p:txBody>
+          <a:bodyPr/>
+          <a:lstStyle/>
+          <a:p>
+            <a:endParaRPr lang="en-IN" dirty="0"/>
+          </a:p>
+        </p:txBody>
+      </p:sp>
+      <p:sp>
+        <p:nvSpPr>
+          <p:cNvPr id="4" name="Slide Number Placeholder 3"/>
+          <p:cNvSpPr>
+            <a:spLocks noGrp="1"/>
+          </p:cNvSpPr>
+          <p:nvPr>
+            <p:ph type="sldNum" sz="quarter" idx="10"/>
+          </p:nvPr>
+        </p:nvSpPr>
+        <p:spPr/>
+        <p:txBody>
+          <a:bodyPr/>
+          <a:lstStyle/>
+          <a:p>
+            <a:fld id="{7782813F-5D25-4BB6-888C-4601F85758C5}" type="slidenum">
+              <a:rPr lang="en-IN" smtClean="0"/>
+              <a:pPr/>
+              <a:t>20</a:t>
+            </a:fld>
+            <a:endParaRPr lang="en-IN"/>
+          </a:p>
+        </p:txBody>
+      </p:sp>
+    </p:spTree>
+    <p:extLst>
+      <p:ext uri="{BB962C8B-B14F-4D97-AF65-F5344CB8AC3E}">
+        <p14:creationId xmlns:p14="http://schemas.microsoft.com/office/powerpoint/2010/main" val="2271837029"/>
       </p:ext>
     </p:extLst>
   </p:cSld>
@@ -2542,7 +2657,7 @@
             <a:fld id="{4EF95999-A99C-46D6-BFDA-AEFA180EA74F}" type="datetimeFigureOut">
               <a:rPr lang="en-US" smtClean="0"/>
               <a:pPr/>
-              <a:t>24-Oct-24</a:t>
+              <a:t>29-Oct-24</a:t>
             </a:fld>
             <a:endParaRPr lang="en-US"/>
           </a:p>
@@ -2707,7 +2822,7 @@
             <a:fld id="{4EF95999-A99C-46D6-BFDA-AEFA180EA74F}" type="datetimeFigureOut">
               <a:rPr lang="en-US" smtClean="0"/>
               <a:pPr/>
-              <a:t>24-Oct-24</a:t>
+              <a:t>29-Oct-24</a:t>
             </a:fld>
             <a:endParaRPr lang="en-US"/>
           </a:p>
@@ -2882,7 +2997,7 @@
             <a:fld id="{4EF95999-A99C-46D6-BFDA-AEFA180EA74F}" type="datetimeFigureOut">
               <a:rPr lang="en-US" smtClean="0"/>
               <a:pPr/>
-              <a:t>24-Oct-24</a:t>
+              <a:t>29-Oct-24</a:t>
             </a:fld>
             <a:endParaRPr lang="en-US"/>
           </a:p>
@@ -3053,7 +3168,7 @@
             <a:fld id="{EC281ACE-890E-4B55-88CA-A440D73ED3A3}" type="datetimeFigureOut">
               <a:rPr lang="en-US" smtClean="0"/>
               <a:pPr/>
-              <a:t>24-Oct-24</a:t>
+              <a:t>29-Oct-24</a:t>
             </a:fld>
             <a:endParaRPr lang="en-US"/>
           </a:p>
@@ -3271,7 +3386,7 @@
             <a:fld id="{36B80835-DEB3-4275-B379-2566D87801AD}" type="datetimeFigureOut">
               <a:rPr lang="en-US" smtClean="0"/>
               <a:pPr/>
-              <a:t>24-Oct-24</a:t>
+              <a:t>29-Oct-24</a:t>
             </a:fld>
             <a:endParaRPr lang="en-US"/>
           </a:p>
@@ -3436,7 +3551,7 @@
             <a:fld id="{36B80835-DEB3-4275-B379-2566D87801AD}" type="datetimeFigureOut">
               <a:rPr lang="en-US" smtClean="0"/>
               <a:pPr/>
-              <a:t>24-Oct-24</a:t>
+              <a:t>29-Oct-24</a:t>
             </a:fld>
             <a:endParaRPr lang="en-US"/>
           </a:p>
@@ -3678,7 +3793,7 @@
             <a:fld id="{36B80835-DEB3-4275-B379-2566D87801AD}" type="datetimeFigureOut">
               <a:rPr lang="en-US" smtClean="0"/>
               <a:pPr/>
-              <a:t>24-Oct-24</a:t>
+              <a:t>29-Oct-24</a:t>
             </a:fld>
             <a:endParaRPr lang="en-US"/>
           </a:p>
@@ -3904,7 +4019,7 @@
             <a:fld id="{36B80835-DEB3-4275-B379-2566D87801AD}" type="datetimeFigureOut">
               <a:rPr lang="en-US" smtClean="0"/>
               <a:pPr/>
-              <a:t>24-Oct-24</a:t>
+              <a:t>29-Oct-24</a:t>
             </a:fld>
             <a:endParaRPr lang="en-US"/>
           </a:p>
@@ -4265,7 +4380,7 @@
             <a:fld id="{36B80835-DEB3-4275-B379-2566D87801AD}" type="datetimeFigureOut">
               <a:rPr lang="en-US" smtClean="0"/>
               <a:pPr/>
-              <a:t>24-Oct-24</a:t>
+              <a:t>29-Oct-24</a:t>
             </a:fld>
             <a:endParaRPr lang="en-US"/>
           </a:p>
@@ -4379,7 +4494,7 @@
             <a:fld id="{36B80835-DEB3-4275-B379-2566D87801AD}" type="datetimeFigureOut">
               <a:rPr lang="en-US" smtClean="0"/>
               <a:pPr/>
-              <a:t>24-Oct-24</a:t>
+              <a:t>29-Oct-24</a:t>
             </a:fld>
             <a:endParaRPr lang="en-US"/>
           </a:p>
@@ -4471,7 +4586,7 @@
             <a:fld id="{36B80835-DEB3-4275-B379-2566D87801AD}" type="datetimeFigureOut">
               <a:rPr lang="en-US" smtClean="0"/>
               <a:pPr/>
-              <a:t>24-Oct-24</a:t>
+              <a:t>29-Oct-24</a:t>
             </a:fld>
             <a:endParaRPr lang="en-US"/>
           </a:p>
@@ -4636,7 +4751,7 @@
             <a:fld id="{4EF95999-A99C-46D6-BFDA-AEFA180EA74F}" type="datetimeFigureOut">
               <a:rPr lang="en-US" smtClean="0"/>
               <a:pPr/>
-              <a:t>24-Oct-24</a:t>
+              <a:t>29-Oct-24</a:t>
             </a:fld>
             <a:endParaRPr lang="en-US"/>
           </a:p>
@@ -4908,7 +5023,7 @@
             <a:fld id="{36B80835-DEB3-4275-B379-2566D87801AD}" type="datetimeFigureOut">
               <a:rPr lang="en-US" smtClean="0"/>
               <a:pPr/>
-              <a:t>24-Oct-24</a:t>
+              <a:t>29-Oct-24</a:t>
             </a:fld>
             <a:endParaRPr lang="en-US"/>
           </a:p>
@@ -5157,7 +5272,7 @@
             <a:fld id="{36B80835-DEB3-4275-B379-2566D87801AD}" type="datetimeFigureOut">
               <a:rPr lang="en-US" smtClean="0"/>
               <a:pPr/>
-              <a:t>24-Oct-24</a:t>
+              <a:t>29-Oct-24</a:t>
             </a:fld>
             <a:endParaRPr lang="en-US"/>
           </a:p>
@@ -5322,7 +5437,7 @@
             <a:fld id="{36B80835-DEB3-4275-B379-2566D87801AD}" type="datetimeFigureOut">
               <a:rPr lang="en-US" smtClean="0"/>
               <a:pPr/>
-              <a:t>24-Oct-24</a:t>
+              <a:t>29-Oct-24</a:t>
             </a:fld>
             <a:endParaRPr lang="en-US"/>
           </a:p>
@@ -5497,7 +5612,7 @@
             <a:fld id="{36B80835-DEB3-4275-B379-2566D87801AD}" type="datetimeFigureOut">
               <a:rPr lang="en-US" smtClean="0"/>
               <a:pPr/>
-              <a:t>24-Oct-24</a:t>
+              <a:t>29-Oct-24</a:t>
             </a:fld>
             <a:endParaRPr lang="en-US"/>
           </a:p>
@@ -5684,7 +5799,7 @@
             <a:fld id="{4EF95999-A99C-46D6-BFDA-AEFA180EA74F}" type="datetimeFigureOut">
               <a:rPr lang="en-US" smtClean="0"/>
               <a:pPr/>
-              <a:t>24-Oct-24</a:t>
+              <a:t>29-Oct-24</a:t>
             </a:fld>
             <a:endParaRPr lang="en-US"/>
           </a:p>
@@ -5849,7 +5964,7 @@
             <a:fld id="{4EF95999-A99C-46D6-BFDA-AEFA180EA74F}" type="datetimeFigureOut">
               <a:rPr lang="en-US" smtClean="0"/>
               <a:pPr/>
-              <a:t>24-Oct-24</a:t>
+              <a:t>29-Oct-24</a:t>
             </a:fld>
             <a:endParaRPr lang="en-US"/>
           </a:p>
@@ -6091,7 +6206,7 @@
             <a:fld id="{4EF95999-A99C-46D6-BFDA-AEFA180EA74F}" type="datetimeFigureOut">
               <a:rPr lang="en-US" smtClean="0"/>
               <a:pPr/>
-              <a:t>24-Oct-24</a:t>
+              <a:t>29-Oct-24</a:t>
             </a:fld>
             <a:endParaRPr lang="en-US"/>
           </a:p>
@@ -6317,7 +6432,7 @@
             <a:fld id="{4EF95999-A99C-46D6-BFDA-AEFA180EA74F}" type="datetimeFigureOut">
               <a:rPr lang="en-US" smtClean="0"/>
               <a:pPr/>
-              <a:t>24-Oct-24</a:t>
+              <a:t>29-Oct-24</a:t>
             </a:fld>
             <a:endParaRPr lang="en-US"/>
           </a:p>
@@ -6678,7 +6793,7 @@
             <a:fld id="{4EF95999-A99C-46D6-BFDA-AEFA180EA74F}" type="datetimeFigureOut">
               <a:rPr lang="en-US" smtClean="0"/>
               <a:pPr/>
-              <a:t>24-Oct-24</a:t>
+              <a:t>29-Oct-24</a:t>
             </a:fld>
             <a:endParaRPr lang="en-US"/>
           </a:p>
@@ -6792,7 +6907,7 @@
             <a:fld id="{4EF95999-A99C-46D6-BFDA-AEFA180EA74F}" type="datetimeFigureOut">
               <a:rPr lang="en-US" smtClean="0"/>
               <a:pPr/>
-              <a:t>24-Oct-24</a:t>
+              <a:t>29-Oct-24</a:t>
             </a:fld>
             <a:endParaRPr lang="en-US"/>
           </a:p>
@@ -7034,7 +7149,7 @@
             <a:fld id="{4EF95999-A99C-46D6-BFDA-AEFA180EA74F}" type="datetimeFigureOut">
               <a:rPr lang="en-US" smtClean="0"/>
               <a:pPr/>
-              <a:t>24-Oct-24</a:t>
+              <a:t>29-Oct-24</a:t>
             </a:fld>
             <a:endParaRPr lang="en-US"/>
           </a:p>
@@ -7126,7 +7241,7 @@
             <a:fld id="{4EF95999-A99C-46D6-BFDA-AEFA180EA74F}" type="datetimeFigureOut">
               <a:rPr lang="en-US" smtClean="0"/>
               <a:pPr/>
-              <a:t>24-Oct-24</a:t>
+              <a:t>29-Oct-24</a:t>
             </a:fld>
             <a:endParaRPr lang="en-US"/>
           </a:p>
@@ -7398,7 +7513,7 @@
             <a:fld id="{4EF95999-A99C-46D6-BFDA-AEFA180EA74F}" type="datetimeFigureOut">
               <a:rPr lang="en-US" smtClean="0"/>
               <a:pPr/>
-              <a:t>24-Oct-24</a:t>
+              <a:t>29-Oct-24</a:t>
             </a:fld>
             <a:endParaRPr lang="en-US"/>
           </a:p>
@@ -7647,7 +7762,7 @@
             <a:fld id="{4EF95999-A99C-46D6-BFDA-AEFA180EA74F}" type="datetimeFigureOut">
               <a:rPr lang="en-US" smtClean="0"/>
               <a:pPr/>
-              <a:t>24-Oct-24</a:t>
+              <a:t>29-Oct-24</a:t>
             </a:fld>
             <a:endParaRPr lang="en-US"/>
           </a:p>
@@ -7812,7 +7927,7 @@
             <a:fld id="{4EF95999-A99C-46D6-BFDA-AEFA180EA74F}" type="datetimeFigureOut">
               <a:rPr lang="en-US" smtClean="0"/>
               <a:pPr/>
-              <a:t>24-Oct-24</a:t>
+              <a:t>29-Oct-24</a:t>
             </a:fld>
             <a:endParaRPr lang="en-US"/>
           </a:p>
@@ -7987,7 +8102,7 @@
             <a:fld id="{4EF95999-A99C-46D6-BFDA-AEFA180EA74F}" type="datetimeFigureOut">
               <a:rPr lang="en-US" smtClean="0"/>
               <a:pPr/>
-              <a:t>24-Oct-24</a:t>
+              <a:t>29-Oct-24</a:t>
             </a:fld>
             <a:endParaRPr lang="en-US"/>
           </a:p>
@@ -8158,7 +8273,7 @@
             <a:fld id="{EC281ACE-890E-4B55-88CA-A440D73ED3A3}" type="datetimeFigureOut">
               <a:rPr lang="en-US" smtClean="0"/>
               <a:pPr/>
-              <a:t>24-Oct-24</a:t>
+              <a:t>29-Oct-24</a:t>
             </a:fld>
             <a:endParaRPr lang="en-US"/>
           </a:p>
@@ -8378,7 +8493,7 @@
             <a:fld id="{4EF95999-A99C-46D6-BFDA-AEFA180EA74F}" type="datetimeFigureOut">
               <a:rPr lang="en-US" smtClean="0"/>
               <a:pPr/>
-              <a:t>24-Oct-24</a:t>
+              <a:t>29-Oct-24</a:t>
             </a:fld>
             <a:endParaRPr lang="en-US"/>
           </a:p>
@@ -8550,7 +8665,7 @@
             <a:fld id="{4EF95999-A99C-46D6-BFDA-AEFA180EA74F}" type="datetimeFigureOut">
               <a:rPr lang="en-US" smtClean="0"/>
               <a:pPr/>
-              <a:t>24-Oct-24</a:t>
+              <a:t>29-Oct-24</a:t>
             </a:fld>
             <a:endParaRPr lang="en-US"/>
           </a:p>
@@ -8682,7 +8797,7 @@
             <a:fld id="{4EF95999-A99C-46D6-BFDA-AEFA180EA74F}" type="datetimeFigureOut">
               <a:rPr lang="en-US" smtClean="0"/>
               <a:pPr/>
-              <a:t>24-Oct-24</a:t>
+              <a:t>29-Oct-24</a:t>
             </a:fld>
             <a:endParaRPr lang="en-US"/>
           </a:p>
@@ -8942,7 +9057,7 @@
             <a:fld id="{4EF95999-A99C-46D6-BFDA-AEFA180EA74F}" type="datetimeFigureOut">
               <a:rPr lang="en-US" smtClean="0"/>
               <a:pPr/>
-              <a:t>24-Oct-24</a:t>
+              <a:t>29-Oct-24</a:t>
             </a:fld>
             <a:endParaRPr lang="en-US"/>
           </a:p>
@@ -9173,7 +9288,7 @@
             <a:fld id="{4EF95999-A99C-46D6-BFDA-AEFA180EA74F}" type="datetimeFigureOut">
               <a:rPr lang="en-US" smtClean="0"/>
               <a:pPr/>
-              <a:t>24-Oct-24</a:t>
+              <a:t>29-Oct-24</a:t>
             </a:fld>
             <a:endParaRPr lang="en-US"/>
           </a:p>
@@ -9402,7 +9517,7 @@
             <a:fld id="{4EF95999-A99C-46D6-BFDA-AEFA180EA74F}" type="datetimeFigureOut">
               <a:rPr lang="en-US" smtClean="0"/>
               <a:pPr/>
-              <a:t>24-Oct-24</a:t>
+              <a:t>29-Oct-24</a:t>
             </a:fld>
             <a:endParaRPr lang="en-US"/>
           </a:p>
@@ -9771,7 +9886,7 @@
             <a:fld id="{4EF95999-A99C-46D6-BFDA-AEFA180EA74F}" type="datetimeFigureOut">
               <a:rPr lang="en-US" smtClean="0"/>
               <a:pPr/>
-              <a:t>24-Oct-24</a:t>
+              <a:t>29-Oct-24</a:t>
             </a:fld>
             <a:endParaRPr lang="en-US"/>
           </a:p>
@@ -9891,7 +10006,7 @@
             <a:fld id="{4EF95999-A99C-46D6-BFDA-AEFA180EA74F}" type="datetimeFigureOut">
               <a:rPr lang="en-US" smtClean="0"/>
               <a:pPr/>
-              <a:t>24-Oct-24</a:t>
+              <a:t>29-Oct-24</a:t>
             </a:fld>
             <a:endParaRPr lang="en-US"/>
           </a:p>
@@ -9988,7 +10103,7 @@
             <a:fld id="{4EF95999-A99C-46D6-BFDA-AEFA180EA74F}" type="datetimeFigureOut">
               <a:rPr lang="en-US" smtClean="0"/>
               <a:pPr/>
-              <a:t>24-Oct-24</a:t>
+              <a:t>29-Oct-24</a:t>
             </a:fld>
             <a:endParaRPr lang="en-US"/>
           </a:p>
@@ -10267,7 +10382,7 @@
             <a:fld id="{4EF95999-A99C-46D6-BFDA-AEFA180EA74F}" type="datetimeFigureOut">
               <a:rPr lang="en-US" smtClean="0"/>
               <a:pPr/>
-              <a:t>24-Oct-24</a:t>
+              <a:t>29-Oct-24</a:t>
             </a:fld>
             <a:endParaRPr lang="en-US"/>
           </a:p>
@@ -10526,7 +10641,7 @@
             <a:fld id="{4EF95999-A99C-46D6-BFDA-AEFA180EA74F}" type="datetimeFigureOut">
               <a:rPr lang="en-US" smtClean="0"/>
               <a:pPr/>
-              <a:t>24-Oct-24</a:t>
+              <a:t>29-Oct-24</a:t>
             </a:fld>
             <a:endParaRPr lang="en-US"/>
           </a:p>
@@ -10698,7 +10813,7 @@
             <a:fld id="{4EF95999-A99C-46D6-BFDA-AEFA180EA74F}" type="datetimeFigureOut">
               <a:rPr lang="en-US" smtClean="0"/>
               <a:pPr/>
-              <a:t>24-Oct-24</a:t>
+              <a:t>29-Oct-24</a:t>
             </a:fld>
             <a:endParaRPr lang="en-US"/>
           </a:p>
@@ -10880,7 +10995,7 @@
             <a:fld id="{4EF95999-A99C-46D6-BFDA-AEFA180EA74F}" type="datetimeFigureOut">
               <a:rPr lang="en-US" smtClean="0"/>
               <a:pPr/>
-              <a:t>24-Oct-24</a:t>
+              <a:t>29-Oct-24</a:t>
             </a:fld>
             <a:endParaRPr lang="en-US"/>
           </a:p>
@@ -11091,7 +11206,7 @@
           <a:p>
             <a:fld id="{3744D9F7-2A27-4B90-AB19-1B9621DD8A20}" type="datetimeFigureOut">
               <a:rPr lang="en-IN" smtClean="0"/>
-              <a:t>24-10-2024</a:t>
+              <a:t>29-10-2024</a:t>
             </a:fld>
             <a:endParaRPr lang="en-IN"/>
           </a:p>
@@ -11291,7 +11406,7 @@
           <a:p>
             <a:fld id="{3744D9F7-2A27-4B90-AB19-1B9621DD8A20}" type="datetimeFigureOut">
               <a:rPr lang="en-IN" smtClean="0"/>
-              <a:t>24-10-2024</a:t>
+              <a:t>29-10-2024</a:t>
             </a:fld>
             <a:endParaRPr lang="en-IN"/>
           </a:p>
@@ -11668,7 +11783,7 @@
             <a:fld id="{4EF95999-A99C-46D6-BFDA-AEFA180EA74F}" type="datetimeFigureOut">
               <a:rPr lang="en-US" smtClean="0"/>
               <a:pPr/>
-              <a:t>24-Oct-24</a:t>
+              <a:t>29-Oct-24</a:t>
             </a:fld>
             <a:endParaRPr lang="en-US"/>
           </a:p>
@@ -11928,7 +12043,7 @@
           <a:p>
             <a:fld id="{3744D9F7-2A27-4B90-AB19-1B9621DD8A20}" type="datetimeFigureOut">
               <a:rPr lang="en-IN" smtClean="0"/>
-              <a:t>24-10-2024</a:t>
+              <a:t>29-10-2024</a:t>
             </a:fld>
             <a:endParaRPr lang="en-IN"/>
           </a:p>
@@ -12196,7 +12311,7 @@
           <a:p>
             <a:fld id="{3744D9F7-2A27-4B90-AB19-1B9621DD8A20}" type="datetimeFigureOut">
               <a:rPr lang="en-IN" smtClean="0"/>
-              <a:t>24-10-2024</a:t>
+              <a:t>29-10-2024</a:t>
             </a:fld>
             <a:endParaRPr lang="en-IN"/>
           </a:p>
@@ -12611,7 +12726,7 @@
           <a:p>
             <a:fld id="{3744D9F7-2A27-4B90-AB19-1B9621DD8A20}" type="datetimeFigureOut">
               <a:rPr lang="en-IN" smtClean="0"/>
-              <a:t>24-10-2024</a:t>
+              <a:t>29-10-2024</a:t>
             </a:fld>
             <a:endParaRPr lang="en-IN"/>
           </a:p>
@@ -12753,7 +12868,7 @@
           <a:p>
             <a:fld id="{3744D9F7-2A27-4B90-AB19-1B9621DD8A20}" type="datetimeFigureOut">
               <a:rPr lang="en-IN" smtClean="0"/>
-              <a:t>24-10-2024</a:t>
+              <a:t>29-10-2024</a:t>
             </a:fld>
             <a:endParaRPr lang="en-IN"/>
           </a:p>
@@ -12866,7 +12981,7 @@
           <a:p>
             <a:fld id="{3744D9F7-2A27-4B90-AB19-1B9621DD8A20}" type="datetimeFigureOut">
               <a:rPr lang="en-IN" smtClean="0"/>
-              <a:t>24-10-2024</a:t>
+              <a:t>29-10-2024</a:t>
             </a:fld>
             <a:endParaRPr lang="en-IN"/>
           </a:p>
@@ -13179,7 +13294,7 @@
           <a:p>
             <a:fld id="{3744D9F7-2A27-4B90-AB19-1B9621DD8A20}" type="datetimeFigureOut">
               <a:rPr lang="en-IN" smtClean="0"/>
-              <a:t>24-10-2024</a:t>
+              <a:t>29-10-2024</a:t>
             </a:fld>
             <a:endParaRPr lang="en-IN"/>
           </a:p>
@@ -13468,7 +13583,7 @@
           <a:p>
             <a:fld id="{3744D9F7-2A27-4B90-AB19-1B9621DD8A20}" type="datetimeFigureOut">
               <a:rPr lang="en-IN" smtClean="0"/>
-              <a:t>24-10-2024</a:t>
+              <a:t>29-10-2024</a:t>
             </a:fld>
             <a:endParaRPr lang="en-IN"/>
           </a:p>
@@ -13668,7 +13783,7 @@
           <a:p>
             <a:fld id="{3744D9F7-2A27-4B90-AB19-1B9621DD8A20}" type="datetimeFigureOut">
               <a:rPr lang="en-IN" smtClean="0"/>
-              <a:t>24-10-2024</a:t>
+              <a:t>29-10-2024</a:t>
             </a:fld>
             <a:endParaRPr lang="en-IN"/>
           </a:p>
@@ -13878,7 +13993,7 @@
           <a:p>
             <a:fld id="{3744D9F7-2A27-4B90-AB19-1B9621DD8A20}" type="datetimeFigureOut">
               <a:rPr lang="en-IN" smtClean="0"/>
-              <a:t>24-10-2024</a:t>
+              <a:t>29-10-2024</a:t>
             </a:fld>
             <a:endParaRPr lang="en-IN"/>
           </a:p>
@@ -14008,7 +14123,7 @@
             <a:fld id="{4EF95999-A99C-46D6-BFDA-AEFA180EA74F}" type="datetimeFigureOut">
               <a:rPr lang="en-US" smtClean="0"/>
               <a:pPr/>
-              <a:t>24-Oct-24</a:t>
+              <a:t>29-Oct-24</a:t>
             </a:fld>
             <a:endParaRPr lang="en-US"/>
           </a:p>
@@ -14100,7 +14215,7 @@
             <a:fld id="{4EF95999-A99C-46D6-BFDA-AEFA180EA74F}" type="datetimeFigureOut">
               <a:rPr lang="en-US" smtClean="0"/>
               <a:pPr/>
-              <a:t>24-Oct-24</a:t>
+              <a:t>29-Oct-24</a:t>
             </a:fld>
             <a:endParaRPr lang="en-US"/>
           </a:p>
@@ -14372,7 +14487,7 @@
             <a:fld id="{4EF95999-A99C-46D6-BFDA-AEFA180EA74F}" type="datetimeFigureOut">
               <a:rPr lang="en-US" smtClean="0"/>
               <a:pPr/>
-              <a:t>24-Oct-24</a:t>
+              <a:t>29-Oct-24</a:t>
             </a:fld>
             <a:endParaRPr lang="en-US"/>
           </a:p>
@@ -14621,7 +14736,7 @@
             <a:fld id="{4EF95999-A99C-46D6-BFDA-AEFA180EA74F}" type="datetimeFigureOut">
               <a:rPr lang="en-US" smtClean="0"/>
               <a:pPr/>
-              <a:t>24-Oct-24</a:t>
+              <a:t>29-Oct-24</a:t>
             </a:fld>
             <a:endParaRPr lang="en-US"/>
           </a:p>
@@ -14830,7 +14945,7 @@
             <a:fld id="{4EF95999-A99C-46D6-BFDA-AEFA180EA74F}" type="datetimeFigureOut">
               <a:rPr lang="en-US" smtClean="0"/>
               <a:pPr/>
-              <a:t>24-Oct-24</a:t>
+              <a:t>29-Oct-24</a:t>
             </a:fld>
             <a:endParaRPr lang="en-US"/>
           </a:p>
@@ -15369,7 +15484,7 @@
             <a:fld id="{36B80835-DEB3-4275-B379-2566D87801AD}" type="datetimeFigureOut">
               <a:rPr lang="en-US" smtClean="0"/>
               <a:pPr/>
-              <a:t>24-Oct-24</a:t>
+              <a:t>29-Oct-24</a:t>
             </a:fld>
             <a:endParaRPr lang="en-US"/>
           </a:p>
@@ -15907,7 +16022,7 @@
             <a:fld id="{4EF95999-A99C-46D6-BFDA-AEFA180EA74F}" type="datetimeFigureOut">
               <a:rPr lang="en-US" smtClean="0"/>
               <a:pPr/>
-              <a:t>24-Oct-24</a:t>
+              <a:t>29-Oct-24</a:t>
             </a:fld>
             <a:endParaRPr lang="en-US"/>
           </a:p>
@@ -16447,7 +16562,7 @@
             <a:fld id="{4EF95999-A99C-46D6-BFDA-AEFA180EA74F}" type="datetimeFigureOut">
               <a:rPr lang="en-US" smtClean="0"/>
               <a:pPr/>
-              <a:t>24-Oct-24</a:t>
+              <a:t>29-Oct-24</a:t>
             </a:fld>
             <a:endParaRPr lang="en-US"/>
           </a:p>
@@ -17007,7 +17122,7 @@
           <a:p>
             <a:fld id="{3744D9F7-2A27-4B90-AB19-1B9621DD8A20}" type="datetimeFigureOut">
               <a:rPr lang="en-IN" smtClean="0"/>
-              <a:t>24-10-2024</a:t>
+              <a:t>29-10-2024</a:t>
             </a:fld>
             <a:endParaRPr lang="en-IN"/>
           </a:p>
@@ -21545,6 +21660,403 @@
   <p:cSld>
     <p:spTree>
       <p:nvGrpSpPr>
+        <p:cNvPr id="1" name="">
+          <a:extLst>
+            <a:ext uri="{FF2B5EF4-FFF2-40B4-BE49-F238E27FC236}">
+              <a16:creationId xmlns:a16="http://schemas.microsoft.com/office/drawing/2014/main" id="{B6E43D45-1261-5374-CFE3-B731D9F21082}"/>
+            </a:ext>
+          </a:extLst>
+        </p:cNvPr>
+        <p:cNvGrpSpPr/>
+        <p:nvPr/>
+      </p:nvGrpSpPr>
+      <p:grpSpPr>
+        <a:xfrm>
+          <a:off x="0" y="0"/>
+          <a:ext cx="0" cy="0"/>
+          <a:chOff x="0" y="0"/>
+          <a:chExt cx="0" cy="0"/>
+        </a:xfrm>
+      </p:grpSpPr>
+      <p:sp>
+        <p:nvSpPr>
+          <p:cNvPr id="5" name="Rectangle">
+            <a:extLst>
+              <a:ext uri="{FF2B5EF4-FFF2-40B4-BE49-F238E27FC236}">
+                <a16:creationId xmlns:a16="http://schemas.microsoft.com/office/drawing/2014/main" id="{5B03B76D-D310-C14D-7545-D3F0F7203AAA}"/>
+              </a:ext>
+            </a:extLst>
+          </p:cNvPr>
+          <p:cNvSpPr/>
+          <p:nvPr/>
+        </p:nvSpPr>
+        <p:spPr>
+          <a:xfrm flipH="1">
+            <a:off x="-24000" y="-2"/>
+            <a:ext cx="2469463" cy="6858000"/>
+          </a:xfrm>
+          <a:prstGeom prst="rect">
+            <a:avLst/>
+          </a:prstGeom>
+          <a:solidFill>
+            <a:srgbClr val="F28E01"/>
+          </a:solidFill>
+          <a:ln w="12700">
+            <a:miter lim="400000"/>
+          </a:ln>
+        </p:spPr>
+        <p:txBody>
+          <a:bodyPr lIns="50800" tIns="50800" rIns="50800" bIns="50800" anchor="ctr"/>
+          <a:lstStyle/>
+          <a:p>
+            <a:pPr defTabSz="1130300">
+              <a:defRPr sz="3200">
+                <a:solidFill>
+                  <a:srgbClr val="FFFFFF"/>
+                </a:solidFill>
+                <a:latin typeface="Graphik"/>
+                <a:ea typeface="Graphik"/>
+                <a:cs typeface="Graphik"/>
+                <a:sym typeface="Graphik"/>
+              </a:defRPr>
+            </a:pPr>
+            <a:endParaRPr sz="3200" baseline="-25000"/>
+          </a:p>
+        </p:txBody>
+      </p:sp>
+      <p:sp>
+        <p:nvSpPr>
+          <p:cNvPr id="8" name="Rectangle">
+            <a:extLst>
+              <a:ext uri="{FF2B5EF4-FFF2-40B4-BE49-F238E27FC236}">
+                <a16:creationId xmlns:a16="http://schemas.microsoft.com/office/drawing/2014/main" id="{A1D3CD52-7FCD-B931-C939-57A4019FD3E2}"/>
+              </a:ext>
+            </a:extLst>
+          </p:cNvPr>
+          <p:cNvSpPr/>
+          <p:nvPr/>
+        </p:nvSpPr>
+        <p:spPr>
+          <a:xfrm flipH="1">
+            <a:off x="11496000" y="1"/>
+            <a:ext cx="257907" cy="6858000"/>
+          </a:xfrm>
+          <a:prstGeom prst="rect">
+            <a:avLst/>
+          </a:prstGeom>
+          <a:solidFill>
+            <a:srgbClr val="F28E01"/>
+          </a:solidFill>
+          <a:ln w="12700">
+            <a:miter lim="400000"/>
+          </a:ln>
+        </p:spPr>
+        <p:txBody>
+          <a:bodyPr lIns="50800" tIns="50800" rIns="50800" bIns="50800" anchor="ctr"/>
+          <a:lstStyle/>
+          <a:p>
+            <a:pPr defTabSz="1130300">
+              <a:defRPr sz="3300">
+                <a:solidFill>
+                  <a:srgbClr val="FFFFFF"/>
+                </a:solidFill>
+                <a:latin typeface="Graphik"/>
+                <a:ea typeface="Graphik"/>
+                <a:cs typeface="Graphik"/>
+                <a:sym typeface="Graphik"/>
+              </a:defRPr>
+            </a:pPr>
+            <a:endParaRPr sz="3300"/>
+          </a:p>
+        </p:txBody>
+      </p:sp>
+      <p:grpSp>
+        <p:nvGrpSpPr>
+          <p:cNvPr id="3" name="Group 19">
+            <a:extLst>
+              <a:ext uri="{FF2B5EF4-FFF2-40B4-BE49-F238E27FC236}">
+                <a16:creationId xmlns:a16="http://schemas.microsoft.com/office/drawing/2014/main" id="{25BBEE27-7EFC-9BF5-5469-6EB483DCDD08}"/>
+              </a:ext>
+            </a:extLst>
+          </p:cNvPr>
+          <p:cNvGrpSpPr/>
+          <p:nvPr/>
+        </p:nvGrpSpPr>
+        <p:grpSpPr>
+          <a:xfrm>
+            <a:off x="122050" y="1474470"/>
+            <a:ext cx="2209165" cy="3067050"/>
+            <a:chOff x="230" y="2322"/>
+            <a:chExt cx="3479" cy="4830"/>
+          </a:xfrm>
+        </p:grpSpPr>
+        <p:sp>
+          <p:nvSpPr>
+            <p:cNvPr id="21" name="Rectangle">
+              <a:extLst>
+                <a:ext uri="{FF2B5EF4-FFF2-40B4-BE49-F238E27FC236}">
+                  <a16:creationId xmlns:a16="http://schemas.microsoft.com/office/drawing/2014/main" id="{DC6523C7-36BA-19A1-016B-8F8AF52C22E2}"/>
+                </a:ext>
+              </a:extLst>
+            </p:cNvPr>
+            <p:cNvSpPr/>
+            <p:nvPr/>
+          </p:nvSpPr>
+          <p:spPr>
+            <a:xfrm flipH="1">
+              <a:off x="1099" y="2322"/>
+              <a:ext cx="2611" cy="2465"/>
+            </a:xfrm>
+            <a:prstGeom prst="rect">
+              <a:avLst/>
+            </a:prstGeom>
+            <a:solidFill>
+              <a:schemeClr val="bg1"/>
+            </a:solidFill>
+            <a:ln w="12700">
+              <a:miter lim="400000"/>
+            </a:ln>
+          </p:spPr>
+          <p:txBody>
+            <a:bodyPr lIns="50800" tIns="50800" rIns="50800" bIns="50800" anchor="ctr"/>
+            <a:lstStyle/>
+            <a:p>
+              <a:pPr defTabSz="1130300">
+                <a:defRPr sz="3200">
+                  <a:solidFill>
+                    <a:srgbClr val="FFFFFF"/>
+                  </a:solidFill>
+                  <a:latin typeface="Graphik"/>
+                  <a:ea typeface="Graphik"/>
+                  <a:cs typeface="Graphik"/>
+                  <a:sym typeface="Graphik"/>
+                </a:defRPr>
+              </a:pPr>
+              <a:endParaRPr sz="3200" baseline="-25000"/>
+            </a:p>
+          </p:txBody>
+        </p:sp>
+        <p:sp>
+          <p:nvSpPr>
+            <p:cNvPr id="22" name="Rectangle">
+              <a:extLst>
+                <a:ext uri="{FF2B5EF4-FFF2-40B4-BE49-F238E27FC236}">
+                  <a16:creationId xmlns:a16="http://schemas.microsoft.com/office/drawing/2014/main" id="{BDBF2C8A-BD2C-A17B-8FBE-3711F316D2B1}"/>
+                </a:ext>
+              </a:extLst>
+            </p:cNvPr>
+            <p:cNvSpPr/>
+            <p:nvPr/>
+          </p:nvSpPr>
+          <p:spPr>
+            <a:xfrm flipH="1">
+              <a:off x="230" y="2624"/>
+              <a:ext cx="3192" cy="4529"/>
+            </a:xfrm>
+            <a:prstGeom prst="rect">
+              <a:avLst/>
+            </a:prstGeom>
+            <a:solidFill>
+              <a:srgbClr val="585858"/>
+            </a:solidFill>
+            <a:ln w="12700">
+              <a:miter lim="400000"/>
+            </a:ln>
+          </p:spPr>
+          <p:txBody>
+            <a:bodyPr lIns="50800" tIns="50800" rIns="50800" bIns="50800" anchor="ctr"/>
+            <a:lstStyle/>
+            <a:p>
+              <a:pPr defTabSz="1130300">
+                <a:defRPr sz="3200">
+                  <a:solidFill>
+                    <a:srgbClr val="FFFFFF"/>
+                  </a:solidFill>
+                  <a:latin typeface="Graphik"/>
+                  <a:ea typeface="Graphik"/>
+                  <a:cs typeface="Graphik"/>
+                  <a:sym typeface="Graphik"/>
+                </a:defRPr>
+              </a:pPr>
+              <a:endParaRPr sz="3200" baseline="-25000" dirty="0"/>
+            </a:p>
+          </p:txBody>
+        </p:sp>
+        <p:pic>
+          <p:nvPicPr>
+            <p:cNvPr id="23" name="Image" descr="Image">
+              <a:extLst>
+                <a:ext uri="{FF2B5EF4-FFF2-40B4-BE49-F238E27FC236}">
+                  <a16:creationId xmlns:a16="http://schemas.microsoft.com/office/drawing/2014/main" id="{AFEE3EF6-B708-1608-B81E-823C2B014EC6}"/>
+                </a:ext>
+              </a:extLst>
+            </p:cNvPr>
+            <p:cNvPicPr>
+              <a:picLocks noChangeAspect="1"/>
+            </p:cNvPicPr>
+            <p:nvPr/>
+          </p:nvPicPr>
+          <p:blipFill>
+            <a:blip r:embed="rId3" cstate="print"/>
+            <a:stretch>
+              <a:fillRect/>
+            </a:stretch>
+          </p:blipFill>
+          <p:spPr>
+            <a:xfrm>
+              <a:off x="987" y="3715"/>
+              <a:ext cx="1683" cy="1805"/>
+            </a:xfrm>
+            <a:prstGeom prst="rect">
+              <a:avLst/>
+            </a:prstGeom>
+            <a:ln w="12700">
+              <a:miter lim="400000"/>
+              <a:headEnd/>
+              <a:tailEnd/>
+            </a:ln>
+          </p:spPr>
+        </p:pic>
+      </p:grpSp>
+      <p:sp>
+        <p:nvSpPr>
+          <p:cNvPr id="4" name="TextBox 3">
+            <a:extLst>
+              <a:ext uri="{FF2B5EF4-FFF2-40B4-BE49-F238E27FC236}">
+                <a16:creationId xmlns:a16="http://schemas.microsoft.com/office/drawing/2014/main" id="{A3F0449C-71F9-899B-382F-BCAAC07582C6}"/>
+              </a:ext>
+            </a:extLst>
+          </p:cNvPr>
+          <p:cNvSpPr txBox="1"/>
+          <p:nvPr/>
+        </p:nvSpPr>
+        <p:spPr>
+          <a:xfrm>
+            <a:off x="336000" y="3643668"/>
+            <a:ext cx="1800000" cy="369332"/>
+          </a:xfrm>
+          <a:prstGeom prst="rect">
+            <a:avLst/>
+          </a:prstGeom>
+          <a:noFill/>
+        </p:spPr>
+        <p:txBody>
+          <a:bodyPr wrap="square" rtlCol="0">
+            <a:spAutoFit/>
+          </a:bodyPr>
+          <a:lstStyle/>
+          <a:p>
+            <a:r>
+              <a:rPr lang="en-US" dirty="0"/>
+              <a:t>    </a:t>
+            </a:r>
+            <a:r>
+              <a:rPr lang="en-US" dirty="0">
+                <a:solidFill>
+                  <a:schemeClr val="bg1"/>
+                </a:solidFill>
+              </a:rPr>
+              <a:t>Dept of CSE</a:t>
+            </a:r>
+          </a:p>
+        </p:txBody>
+      </p:sp>
+      <p:sp>
+        <p:nvSpPr>
+          <p:cNvPr id="14" name="Title 1">
+            <a:extLst>
+              <a:ext uri="{FF2B5EF4-FFF2-40B4-BE49-F238E27FC236}">
+                <a16:creationId xmlns:a16="http://schemas.microsoft.com/office/drawing/2014/main" id="{E744E244-F9C0-866B-E799-9D4C55FBE883}"/>
+              </a:ext>
+            </a:extLst>
+          </p:cNvPr>
+          <p:cNvSpPr>
+            <a:spLocks noGrp="1"/>
+          </p:cNvSpPr>
+          <p:nvPr>
+            <p:ph type="title"/>
+          </p:nvPr>
+        </p:nvSpPr>
+        <p:spPr>
+          <a:xfrm>
+            <a:off x="2743200" y="381000"/>
+            <a:ext cx="8229600" cy="1143000"/>
+          </a:xfrm>
+        </p:spPr>
+        <p:txBody>
+          <a:bodyPr/>
+          <a:lstStyle/>
+          <a:p>
+            <a:r>
+              <a:rPr lang="en-IN" dirty="0">
+                <a:latin typeface="Times New Roman" panose="02020603050405020304" pitchFamily="18" charset="0"/>
+                <a:cs typeface="Times New Roman" panose="02020603050405020304" pitchFamily="18" charset="0"/>
+              </a:rPr>
+              <a:t>Data Flow Diagram</a:t>
+            </a:r>
+          </a:p>
+        </p:txBody>
+      </p:sp>
+      <p:pic>
+        <p:nvPicPr>
+          <p:cNvPr id="6" name="Picture 5">
+            <a:extLst>
+              <a:ext uri="{FF2B5EF4-FFF2-40B4-BE49-F238E27FC236}">
+                <a16:creationId xmlns:a16="http://schemas.microsoft.com/office/drawing/2014/main" id="{42938440-90D1-CBCE-0437-1655068371B5}"/>
+              </a:ext>
+            </a:extLst>
+          </p:cNvPr>
+          <p:cNvPicPr>
+            <a:picLocks noChangeAspect="1"/>
+          </p:cNvPicPr>
+          <p:nvPr/>
+        </p:nvPicPr>
+        <p:blipFill>
+          <a:blip r:embed="rId4" cstate="print">
+            <a:extLst>
+              <a:ext uri="{28A0092B-C50C-407E-A947-70E740481C1C}">
+                <a14:useLocalDpi xmlns:a14="http://schemas.microsoft.com/office/drawing/2010/main" val="0"/>
+              </a:ext>
+            </a:extLst>
+          </a:blip>
+          <a:stretch>
+            <a:fillRect/>
+          </a:stretch>
+        </p:blipFill>
+        <p:spPr>
+          <a:xfrm>
+            <a:off x="2659200" y="1709339"/>
+            <a:ext cx="8939811" cy="3868658"/>
+          </a:xfrm>
+          <a:prstGeom prst="rect">
+            <a:avLst/>
+          </a:prstGeom>
+          <a:ln>
+            <a:noFill/>
+          </a:ln>
+          <a:effectLst>
+            <a:softEdge rad="112500"/>
+          </a:effectLst>
+        </p:spPr>
+      </p:pic>
+    </p:spTree>
+    <p:extLst>
+      <p:ext uri="{BB962C8B-B14F-4D97-AF65-F5344CB8AC3E}">
+        <p14:creationId xmlns:p14="http://schemas.microsoft.com/office/powerpoint/2010/main" val="3388974796"/>
+      </p:ext>
+    </p:extLst>
+  </p:cSld>
+  <p:clrMapOvr>
+    <a:masterClrMapping/>
+  </p:clrMapOvr>
+</p:sld>
+</file>
+
+<file path=ppt/slides/slide16.xml><?xml version="1.0" encoding="utf-8"?>
+<p:sld xmlns:a="http://schemas.openxmlformats.org/drawingml/2006/main" xmlns:r="http://schemas.openxmlformats.org/officeDocument/2006/relationships" xmlns:p="http://schemas.openxmlformats.org/presentationml/2006/main">
+  <p:cSld>
+    <p:spTree>
+      <p:nvGrpSpPr>
         <p:cNvPr id="1" name=""/>
         <p:cNvGrpSpPr/>
         <p:nvPr/>
@@ -22015,7 +22527,7 @@
 </p:sld>
 </file>
 
-<file path=ppt/slides/slide16.xml><?xml version="1.0" encoding="utf-8"?>
+<file path=ppt/slides/slide17.xml><?xml version="1.0" encoding="utf-8"?>
 <p:sld xmlns:a="http://schemas.openxmlformats.org/drawingml/2006/main" xmlns:r="http://schemas.openxmlformats.org/officeDocument/2006/relationships" xmlns:p="http://schemas.openxmlformats.org/presentationml/2006/main">
   <p:cSld>
     <p:spTree>
@@ -22658,7 +23170,7 @@
 </p:sld>
 </file>
 
-<file path=ppt/slides/slide17.xml><?xml version="1.0" encoding="utf-8"?>
+<file path=ppt/slides/slide18.xml><?xml version="1.0" encoding="utf-8"?>
 <p:sld xmlns:a="http://schemas.openxmlformats.org/drawingml/2006/main" xmlns:r="http://schemas.openxmlformats.org/officeDocument/2006/relationships" xmlns:p="http://schemas.openxmlformats.org/presentationml/2006/main">
   <p:cSld>
     <p:spTree>
@@ -23345,7 +23857,7 @@
 </p:sld>
 </file>
 
-<file path=ppt/slides/slide18.xml><?xml version="1.0" encoding="utf-8"?>
+<file path=ppt/slides/slide19.xml><?xml version="1.0" encoding="utf-8"?>
 <p:sld xmlns:a="http://schemas.openxmlformats.org/drawingml/2006/main" xmlns:r="http://schemas.openxmlformats.org/officeDocument/2006/relationships" xmlns:p="http://schemas.openxmlformats.org/presentationml/2006/main">
   <p:cSld>
     <p:spTree>
@@ -24601,7 +25113,7 @@
 </p:sld>
 </file>
 
-<file path=ppt/slides/slide19.xml><?xml version="1.0" encoding="utf-8"?>
+<file path=ppt/slides/slide2.xml><?xml version="1.0" encoding="utf-8"?>
 <p:sld xmlns:a="http://schemas.openxmlformats.org/drawingml/2006/main" xmlns:r="http://schemas.openxmlformats.org/officeDocument/2006/relationships" xmlns:p="http://schemas.openxmlformats.org/presentationml/2006/main">
   <p:cSld>
     <p:spTree>
@@ -24861,13 +25373,7 @@
       </p:sp>
       <p:sp>
         <p:nvSpPr>
-          <p:cNvPr id="7" name="Title 6">
-            <a:extLst>
-              <a:ext uri="{FF2B5EF4-FFF2-40B4-BE49-F238E27FC236}">
-                <a16:creationId xmlns:a16="http://schemas.microsoft.com/office/drawing/2014/main" id="{BAE3B82A-826A-0304-CCFE-B1B91ED37478}"/>
-              </a:ext>
-            </a:extLst>
-          </p:cNvPr>
+          <p:cNvPr id="14" name="Title 1"/>
           <p:cNvSpPr>
             <a:spLocks noGrp="1"/>
           </p:cNvSpPr>
@@ -24877,180 +25383,54 @@
         </p:nvSpPr>
         <p:spPr>
           <a:xfrm>
-            <a:off x="2743200" y="365125"/>
-            <a:ext cx="8610599" cy="1325563"/>
+            <a:off x="2743200" y="381000"/>
+            <a:ext cx="8229600" cy="1143000"/>
           </a:xfrm>
         </p:spPr>
         <p:txBody>
           <a:bodyPr/>
           <a:lstStyle/>
           <a:p>
+            <a:r>
+              <a:rPr lang="en-IN" dirty="0" err="1">
+                <a:latin typeface="Times New Roman" panose="02020603050405020304" pitchFamily="18" charset="0"/>
+                <a:cs typeface="Times New Roman" panose="02020603050405020304" pitchFamily="18" charset="0"/>
+              </a:rPr>
+              <a:t>Callify</a:t>
+            </a:r>
             <a:r>
               <a:rPr lang="en-IN" dirty="0">
                 <a:latin typeface="Times New Roman" panose="02020603050405020304" pitchFamily="18" charset="0"/>
                 <a:cs typeface="Times New Roman" panose="02020603050405020304" pitchFamily="18" charset="0"/>
               </a:rPr>
-              <a:t>References</a:t>
-            </a:r>
-          </a:p>
-        </p:txBody>
-      </p:sp>
-      <p:sp>
-        <p:nvSpPr>
-          <p:cNvPr id="9" name="Rectangle 2">
-            <a:extLst>
-              <a:ext uri="{FF2B5EF4-FFF2-40B4-BE49-F238E27FC236}">
-                <a16:creationId xmlns:a16="http://schemas.microsoft.com/office/drawing/2014/main" id="{15827682-201B-CCF1-BDF5-633F903F3688}"/>
-              </a:ext>
-            </a:extLst>
-          </p:cNvPr>
-          <p:cNvSpPr>
-            <a:spLocks noGrp="1" noChangeArrowheads="1"/>
+              <a:t> video conferencing</a:t>
+            </a:r>
+          </a:p>
+        </p:txBody>
+      </p:sp>
+      <p:sp>
+        <p:nvSpPr>
+          <p:cNvPr id="15" name="Content Placeholder 2"/>
+          <p:cNvSpPr>
+            <a:spLocks noGrp="1"/>
           </p:cNvSpPr>
           <p:nvPr>
             <p:ph idx="1"/>
           </p:nvPr>
         </p:nvSpPr>
-        <p:spPr bwMode="auto">
+        <p:spPr>
           <a:xfrm>
-            <a:off x="2743200" y="2194985"/>
-            <a:ext cx="6172200" cy="3228448"/>
+            <a:off x="2743200" y="1706563"/>
+            <a:ext cx="8229600" cy="4205064"/>
           </a:xfrm>
-          <a:prstGeom prst="rect">
-            <a:avLst/>
-          </a:prstGeom>
-          <a:noFill/>
-          <a:ln>
-            <a:noFill/>
-          </a:ln>
-          <a:effectLst/>
-          <a:extLst>
-            <a:ext uri="{909E8E84-426E-40DD-AFC4-6F175D3DCCD1}">
-              <a14:hiddenFill xmlns:a14="http://schemas.microsoft.com/office/drawing/2010/main">
-                <a:solidFill>
-                  <a:schemeClr val="accent1"/>
-                </a:solidFill>
-              </a14:hiddenFill>
-            </a:ext>
-            <a:ext uri="{91240B29-F687-4F45-9708-019B960494DF}">
-              <a14:hiddenLine xmlns:a14="http://schemas.microsoft.com/office/drawing/2010/main" w="9525">
-                <a:solidFill>
-                  <a:schemeClr val="tx1"/>
-                </a:solidFill>
-                <a:miter lim="800000"/>
-                <a:headEnd/>
-                <a:tailEnd/>
-              </a14:hiddenLine>
-            </a:ext>
-            <a:ext uri="{AF507438-7753-43E0-B8FC-AC1667EBCBE1}">
-              <a14:hiddenEffects xmlns:a14="http://schemas.microsoft.com/office/drawing/2010/main">
-                <a:effectLst>
-                  <a:outerShdw dist="35921" dir="2700000" algn="ctr" rotWithShape="0">
-                    <a:schemeClr val="bg2"/>
-                  </a:outerShdw>
-                </a:effectLst>
-              </a14:hiddenEffects>
-            </a:ext>
-          </a:extLst>
         </p:spPr>
         <p:txBody>
-          <a:bodyPr vert="horz" wrap="square" lIns="91440" tIns="45720" rIns="91440" bIns="45720" numCol="1" anchor="ctr" anchorCtr="0" compatLnSpc="1">
-            <a:prstTxWarp prst="textNoShape">
-              <a:avLst/>
-            </a:prstTxWarp>
-            <a:spAutoFit/>
+          <a:bodyPr>
+            <a:normAutofit fontScale="70000" lnSpcReduction="20000"/>
           </a:bodyPr>
           <a:lstStyle/>
           <a:p>
-            <a:pPr>
-              <a:lnSpc>
-                <a:spcPct val="200000"/>
-              </a:lnSpc>
-              <a:buFont typeface="Arial" panose="020B0604020202020204" pitchFamily="34" charset="0"/>
-              <a:buChar char="•"/>
-            </a:pPr>
-            <a:r>
-              <a:rPr lang="en-US" sz="1600" dirty="0">
-                <a:latin typeface="Times New Roman" panose="02020603050405020304" pitchFamily="18" charset="0"/>
-                <a:cs typeface="Times New Roman" panose="02020603050405020304" pitchFamily="18" charset="0"/>
-              </a:rPr>
-              <a:t>Cite sources such </a:t>
-            </a:r>
-            <a:r>
-              <a:rPr lang="en-US" sz="1600" dirty="0" err="1">
-                <a:latin typeface="Times New Roman" panose="02020603050405020304" pitchFamily="18" charset="0"/>
-                <a:cs typeface="Times New Roman" panose="02020603050405020304" pitchFamily="18" charset="0"/>
-              </a:rPr>
-              <a:t>as:Yuan</a:t>
-            </a:r>
-            <a:r>
-              <a:rPr lang="en-US" sz="1600" dirty="0">
-                <a:latin typeface="Times New Roman" panose="02020603050405020304" pitchFamily="18" charset="0"/>
-                <a:cs typeface="Times New Roman" panose="02020603050405020304" pitchFamily="18" charset="0"/>
-              </a:rPr>
-              <a:t>, E. (2011). Zoom Video Communications. </a:t>
-            </a:r>
-            <a:r>
-              <a:rPr lang="en-US" sz="1600" dirty="0">
-                <a:latin typeface="Times New Roman" panose="02020603050405020304" pitchFamily="18" charset="0"/>
-                <a:cs typeface="Times New Roman" panose="02020603050405020304" pitchFamily="18" charset="0"/>
-                <a:hlinkClick r:id="rId4"/>
-              </a:rPr>
-              <a:t>Zoom.us</a:t>
-            </a:r>
-            <a:endParaRPr lang="en-US" sz="1600" dirty="0">
-              <a:latin typeface="Times New Roman" panose="02020603050405020304" pitchFamily="18" charset="0"/>
-              <a:cs typeface="Times New Roman" panose="02020603050405020304" pitchFamily="18" charset="0"/>
-            </a:endParaRPr>
-          </a:p>
-          <a:p>
-            <a:pPr>
-              <a:lnSpc>
-                <a:spcPct val="200000"/>
-              </a:lnSpc>
-              <a:buFont typeface="Arial" panose="020B0604020202020204" pitchFamily="34" charset="0"/>
-              <a:buChar char="•"/>
-            </a:pPr>
-            <a:r>
-              <a:rPr lang="en-US" sz="1600" dirty="0">
-                <a:latin typeface="Times New Roman" panose="02020603050405020304" pitchFamily="18" charset="0"/>
-                <a:cs typeface="Times New Roman" panose="02020603050405020304" pitchFamily="18" charset="0"/>
-              </a:rPr>
-              <a:t>Research articles and case studies on video conferencing tools.</a:t>
-            </a:r>
-          </a:p>
-          <a:p>
-            <a:pPr>
-              <a:lnSpc>
-                <a:spcPct val="200000"/>
-              </a:lnSpc>
-              <a:buFont typeface="Arial" panose="020B0604020202020204" pitchFamily="34" charset="0"/>
-              <a:buChar char="•"/>
-            </a:pPr>
-            <a:r>
-              <a:rPr lang="en-US" sz="1600" dirty="0">
-                <a:latin typeface="Times New Roman" panose="02020603050405020304" pitchFamily="18" charset="0"/>
-                <a:cs typeface="Times New Roman" panose="02020603050405020304" pitchFamily="18" charset="0"/>
-              </a:rPr>
-              <a:t>Articles comparing </a:t>
-            </a:r>
-            <a:r>
-              <a:rPr lang="en-US" sz="1600" dirty="0" err="1">
-                <a:latin typeface="Times New Roman" panose="02020603050405020304" pitchFamily="18" charset="0"/>
-                <a:cs typeface="Times New Roman" panose="02020603050405020304" pitchFamily="18" charset="0"/>
-              </a:rPr>
-              <a:t>Callify</a:t>
-            </a:r>
-            <a:r>
-              <a:rPr lang="en-US" sz="1600" dirty="0">
-                <a:latin typeface="Times New Roman" panose="02020603050405020304" pitchFamily="18" charset="0"/>
-                <a:cs typeface="Times New Roman" panose="02020603050405020304" pitchFamily="18" charset="0"/>
-              </a:rPr>
-              <a:t> with platforms like Google Meet and Microsoft Teams.</a:t>
-            </a:r>
-          </a:p>
-          <a:p>
-            <a:pPr marL="0" marR="0" lvl="0" indent="0" defTabSz="914400" rtl="0" eaLnBrk="0" fontAlgn="base" latinLnBrk="0" hangingPunct="0">
+            <a:pPr marR="0" lvl="0" algn="just" defTabSz="914400" rtl="0" eaLnBrk="0" fontAlgn="base" latinLnBrk="0" hangingPunct="0">
               <a:lnSpc>
                 <a:spcPct val="200000"/>
               </a:lnSpc>
@@ -25062,27 +25442,140 @@
               </a:spcAft>
               <a:buClrTx/>
               <a:buSzTx/>
-              <a:buNone/>
+              <a:buFont typeface="Wingdings" panose="05000000000000000000" pitchFamily="2" charset="2"/>
+              <a:buChar char="§"/>
               <a:tabLst/>
             </a:pPr>
-            <a:endParaRPr kumimoji="0" lang="en-US" altLang="en-US" sz="1600" b="0" i="0" u="none" strike="noStrike" cap="none" normalizeH="0" baseline="0" dirty="0">
-              <a:ln>
-                <a:noFill/>
-              </a:ln>
-              <a:solidFill>
-                <a:schemeClr val="tx1"/>
-              </a:solidFill>
-              <a:effectLst/>
-              <a:latin typeface="Times New Roman" panose="02020603050405020304" pitchFamily="18" charset="0"/>
-              <a:cs typeface="Times New Roman" panose="02020603050405020304" pitchFamily="18" charset="0"/>
-            </a:endParaRPr>
+            <a:r>
+              <a:rPr lang="en-US" altLang="en-US" dirty="0" err="1">
+                <a:latin typeface="Times New Roman" panose="02020603050405020304" pitchFamily="18" charset="0"/>
+                <a:cs typeface="Times New Roman" panose="02020603050405020304" pitchFamily="18" charset="0"/>
+              </a:rPr>
+              <a:t>Callify</a:t>
+            </a:r>
+            <a:r>
+              <a:rPr kumimoji="0" lang="en-US" altLang="en-US" sz="2800" b="0" i="0" u="none" strike="noStrike" cap="none" normalizeH="0" baseline="0" dirty="0">
+                <a:ln>
+                  <a:noFill/>
+                </a:ln>
+                <a:solidFill>
+                  <a:schemeClr val="tx1"/>
+                </a:solidFill>
+                <a:effectLst/>
+                <a:latin typeface="Times New Roman" panose="02020603050405020304" pitchFamily="18" charset="0"/>
+                <a:cs typeface="Times New Roman" panose="02020603050405020304" pitchFamily="18" charset="0"/>
+              </a:rPr>
+              <a:t> is a cloud-based video conferencing service that allows users to virtually meet, collaborate, and     communicate from anywhere.</a:t>
+            </a:r>
+          </a:p>
+          <a:p>
+            <a:pPr marR="0" lvl="0" algn="just" defTabSz="914400" rtl="0" eaLnBrk="0" fontAlgn="base" latinLnBrk="0" hangingPunct="0">
+              <a:lnSpc>
+                <a:spcPct val="200000"/>
+              </a:lnSpc>
+              <a:spcBef>
+                <a:spcPct val="0"/>
+              </a:spcBef>
+              <a:spcAft>
+                <a:spcPct val="0"/>
+              </a:spcAft>
+              <a:buClrTx/>
+              <a:buSzTx/>
+              <a:buFont typeface="Wingdings" panose="05000000000000000000" pitchFamily="2" charset="2"/>
+              <a:buChar char="§"/>
+              <a:tabLst/>
+            </a:pPr>
+            <a:r>
+              <a:rPr kumimoji="0" lang="en-US" altLang="en-US" sz="2800" b="0" i="0" u="none" strike="noStrike" cap="none" normalizeH="0" baseline="0" dirty="0">
+                <a:ln>
+                  <a:noFill/>
+                </a:ln>
+                <a:solidFill>
+                  <a:schemeClr val="tx1"/>
+                </a:solidFill>
+                <a:effectLst/>
+                <a:latin typeface="Times New Roman" panose="02020603050405020304" pitchFamily="18" charset="0"/>
+                <a:cs typeface="Times New Roman" panose="02020603050405020304" pitchFamily="18" charset="0"/>
+              </a:rPr>
+              <a:t>It gained widespread popularity during the COVID-19 pandemic as a leading tool for remote communication.</a:t>
+            </a:r>
+          </a:p>
+          <a:p>
+            <a:pPr marR="0" lvl="0" algn="just" defTabSz="914400" rtl="0" eaLnBrk="0" fontAlgn="base" latinLnBrk="0" hangingPunct="0">
+              <a:lnSpc>
+                <a:spcPct val="200000"/>
+              </a:lnSpc>
+              <a:spcBef>
+                <a:spcPct val="0"/>
+              </a:spcBef>
+              <a:spcAft>
+                <a:spcPct val="0"/>
+              </a:spcAft>
+              <a:buClrTx/>
+              <a:buSzTx/>
+              <a:buFont typeface="Wingdings" panose="05000000000000000000" pitchFamily="2" charset="2"/>
+              <a:buChar char="§"/>
+              <a:tabLst/>
+            </a:pPr>
+            <a:r>
+              <a:rPr kumimoji="0" lang="en-US" altLang="en-US" sz="2800" b="0" i="0" u="none" strike="noStrike" cap="none" normalizeH="0" baseline="0" dirty="0">
+                <a:ln>
+                  <a:noFill/>
+                </a:ln>
+                <a:solidFill>
+                  <a:schemeClr val="tx1"/>
+                </a:solidFill>
+                <a:effectLst/>
+                <a:latin typeface="Times New Roman" panose="02020603050405020304" pitchFamily="18" charset="0"/>
+                <a:cs typeface="Times New Roman" panose="02020603050405020304" pitchFamily="18" charset="0"/>
+              </a:rPr>
+              <a:t>Offers features like video calls, webinars, screen sharing, and meeting recording.</a:t>
+            </a:r>
+          </a:p>
+          <a:p>
+            <a:pPr marR="0" lvl="0" algn="just" defTabSz="914400" rtl="0" eaLnBrk="0" fontAlgn="base" latinLnBrk="0" hangingPunct="0">
+              <a:lnSpc>
+                <a:spcPct val="200000"/>
+              </a:lnSpc>
+              <a:spcBef>
+                <a:spcPct val="0"/>
+              </a:spcBef>
+              <a:spcAft>
+                <a:spcPct val="0"/>
+              </a:spcAft>
+              <a:buClrTx/>
+              <a:buSzTx/>
+              <a:buFont typeface="Wingdings" panose="05000000000000000000" pitchFamily="2" charset="2"/>
+              <a:buChar char="§"/>
+              <a:tabLst/>
+            </a:pPr>
+            <a:r>
+              <a:rPr kumimoji="0" lang="en-US" altLang="en-US" sz="2800" b="0" i="0" u="none" strike="noStrike" cap="none" normalizeH="0" baseline="0" dirty="0">
+                <a:ln>
+                  <a:noFill/>
+                </a:ln>
+                <a:solidFill>
+                  <a:schemeClr val="tx1"/>
+                </a:solidFill>
+                <a:effectLst/>
+                <a:latin typeface="Times New Roman" panose="02020603050405020304" pitchFamily="18" charset="0"/>
+                <a:cs typeface="Times New Roman" panose="02020603050405020304" pitchFamily="18" charset="0"/>
+              </a:rPr>
+              <a:t>Essential for remote work, education, and virtual events.</a:t>
+            </a:r>
+          </a:p>
+          <a:p>
+            <a:pPr>
+              <a:buNone/>
+            </a:pPr>
+            <a:endParaRPr lang="en-IN" dirty="0"/>
           </a:p>
         </p:txBody>
       </p:sp>
     </p:spTree>
     <p:extLst>
       <p:ext uri="{BB962C8B-B14F-4D97-AF65-F5344CB8AC3E}">
-        <p14:creationId xmlns:p14="http://schemas.microsoft.com/office/powerpoint/2010/main" val="516697121"/>
+        <p14:creationId xmlns:p14="http://schemas.microsoft.com/office/powerpoint/2010/main" val="2290303760"/>
       </p:ext>
     </p:extLst>
   </p:cSld>
@@ -25092,7 +25585,7 @@
 </p:sld>
 </file>
 
-<file path=ppt/slides/slide2.xml><?xml version="1.0" encoding="utf-8"?>
+<file path=ppt/slides/slide20.xml><?xml version="1.0" encoding="utf-8"?>
 <p:sld xmlns:a="http://schemas.openxmlformats.org/drawingml/2006/main" xmlns:r="http://schemas.openxmlformats.org/officeDocument/2006/relationships" xmlns:p="http://schemas.openxmlformats.org/presentationml/2006/main">
   <p:cSld>
     <p:spTree>
@@ -25352,7 +25845,13 @@
       </p:sp>
       <p:sp>
         <p:nvSpPr>
-          <p:cNvPr id="14" name="Title 1"/>
+          <p:cNvPr id="7" name="Title 6">
+            <a:extLst>
+              <a:ext uri="{FF2B5EF4-FFF2-40B4-BE49-F238E27FC236}">
+                <a16:creationId xmlns:a16="http://schemas.microsoft.com/office/drawing/2014/main" id="{BAE3B82A-826A-0304-CCFE-B1B91ED37478}"/>
+              </a:ext>
+            </a:extLst>
+          </p:cNvPr>
           <p:cNvSpPr>
             <a:spLocks noGrp="1"/>
           </p:cNvSpPr>
@@ -25362,8 +25861,8 @@
         </p:nvSpPr>
         <p:spPr>
           <a:xfrm>
-            <a:off x="2743200" y="381000"/>
-            <a:ext cx="8229600" cy="1143000"/>
+            <a:off x="2743200" y="365125"/>
+            <a:ext cx="8610599" cy="1325563"/>
           </a:xfrm>
         </p:spPr>
         <p:txBody>
@@ -25371,45 +25870,171 @@
           <a:lstStyle/>
           <a:p>
             <a:r>
-              <a:rPr lang="en-IN" dirty="0" err="1">
+              <a:rPr lang="en-IN" dirty="0">
+                <a:latin typeface="Times New Roman" panose="02020603050405020304" pitchFamily="18" charset="0"/>
+                <a:cs typeface="Times New Roman" panose="02020603050405020304" pitchFamily="18" charset="0"/>
+              </a:rPr>
+              <a:t>References</a:t>
+            </a:r>
+          </a:p>
+        </p:txBody>
+      </p:sp>
+      <p:sp>
+        <p:nvSpPr>
+          <p:cNvPr id="9" name="Rectangle 2">
+            <a:extLst>
+              <a:ext uri="{FF2B5EF4-FFF2-40B4-BE49-F238E27FC236}">
+                <a16:creationId xmlns:a16="http://schemas.microsoft.com/office/drawing/2014/main" id="{15827682-201B-CCF1-BDF5-633F903F3688}"/>
+              </a:ext>
+            </a:extLst>
+          </p:cNvPr>
+          <p:cNvSpPr>
+            <a:spLocks noGrp="1" noChangeArrowheads="1"/>
+          </p:cNvSpPr>
+          <p:nvPr>
+            <p:ph idx="1"/>
+          </p:nvPr>
+        </p:nvSpPr>
+        <p:spPr bwMode="auto">
+          <a:xfrm>
+            <a:off x="2743200" y="2194985"/>
+            <a:ext cx="6172200" cy="3228448"/>
+          </a:xfrm>
+          <a:prstGeom prst="rect">
+            <a:avLst/>
+          </a:prstGeom>
+          <a:noFill/>
+          <a:ln>
+            <a:noFill/>
+          </a:ln>
+          <a:effectLst/>
+          <a:extLst>
+            <a:ext uri="{909E8E84-426E-40DD-AFC4-6F175D3DCCD1}">
+              <a14:hiddenFill xmlns:a14="http://schemas.microsoft.com/office/drawing/2010/main">
+                <a:solidFill>
+                  <a:schemeClr val="accent1"/>
+                </a:solidFill>
+              </a14:hiddenFill>
+            </a:ext>
+            <a:ext uri="{91240B29-F687-4F45-9708-019B960494DF}">
+              <a14:hiddenLine xmlns:a14="http://schemas.microsoft.com/office/drawing/2010/main" w="9525">
+                <a:solidFill>
+                  <a:schemeClr val="tx1"/>
+                </a:solidFill>
+                <a:miter lim="800000"/>
+                <a:headEnd/>
+                <a:tailEnd/>
+              </a14:hiddenLine>
+            </a:ext>
+            <a:ext uri="{AF507438-7753-43E0-B8FC-AC1667EBCBE1}">
+              <a14:hiddenEffects xmlns:a14="http://schemas.microsoft.com/office/drawing/2010/main">
+                <a:effectLst>
+                  <a:outerShdw dist="35921" dir="2700000" algn="ctr" rotWithShape="0">
+                    <a:schemeClr val="bg2"/>
+                  </a:outerShdw>
+                </a:effectLst>
+              </a14:hiddenEffects>
+            </a:ext>
+          </a:extLst>
+        </p:spPr>
+        <p:txBody>
+          <a:bodyPr vert="horz" wrap="square" lIns="91440" tIns="45720" rIns="91440" bIns="45720" numCol="1" anchor="ctr" anchorCtr="0" compatLnSpc="1">
+            <a:prstTxWarp prst="textNoShape">
+              <a:avLst/>
+            </a:prstTxWarp>
+            <a:spAutoFit/>
+          </a:bodyPr>
+          <a:lstStyle/>
+          <a:p>
+            <a:pPr>
+              <a:lnSpc>
+                <a:spcPct val="200000"/>
+              </a:lnSpc>
+              <a:buFont typeface="Arial" panose="020B0604020202020204" pitchFamily="34" charset="0"/>
+              <a:buChar char="•"/>
+            </a:pPr>
+            <a:r>
+              <a:rPr lang="en-US" sz="1600" dirty="0">
+                <a:latin typeface="Times New Roman" panose="02020603050405020304" pitchFamily="18" charset="0"/>
+                <a:cs typeface="Times New Roman" panose="02020603050405020304" pitchFamily="18" charset="0"/>
+              </a:rPr>
+              <a:t>Cite sources such </a:t>
+            </a:r>
+            <a:r>
+              <a:rPr lang="en-US" sz="1600" dirty="0" err="1">
+                <a:latin typeface="Times New Roman" panose="02020603050405020304" pitchFamily="18" charset="0"/>
+                <a:cs typeface="Times New Roman" panose="02020603050405020304" pitchFamily="18" charset="0"/>
+              </a:rPr>
+              <a:t>as:Yuan</a:t>
+            </a:r>
+            <a:r>
+              <a:rPr lang="en-US" sz="1600" dirty="0">
+                <a:latin typeface="Times New Roman" panose="02020603050405020304" pitchFamily="18" charset="0"/>
+                <a:cs typeface="Times New Roman" panose="02020603050405020304" pitchFamily="18" charset="0"/>
+              </a:rPr>
+              <a:t>, E. (2011). Zoom Video Communications. </a:t>
+            </a:r>
+            <a:r>
+              <a:rPr lang="en-US" sz="1600" dirty="0">
+                <a:latin typeface="Times New Roman" panose="02020603050405020304" pitchFamily="18" charset="0"/>
+                <a:cs typeface="Times New Roman" panose="02020603050405020304" pitchFamily="18" charset="0"/>
+                <a:hlinkClick r:id="rId4"/>
+              </a:rPr>
+              <a:t>Zoom.us</a:t>
+            </a:r>
+            <a:endParaRPr lang="en-US" sz="1600" dirty="0">
+              <a:latin typeface="Times New Roman" panose="02020603050405020304" pitchFamily="18" charset="0"/>
+              <a:cs typeface="Times New Roman" panose="02020603050405020304" pitchFamily="18" charset="0"/>
+            </a:endParaRPr>
+          </a:p>
+          <a:p>
+            <a:pPr>
+              <a:lnSpc>
+                <a:spcPct val="200000"/>
+              </a:lnSpc>
+              <a:buFont typeface="Arial" panose="020B0604020202020204" pitchFamily="34" charset="0"/>
+              <a:buChar char="•"/>
+            </a:pPr>
+            <a:r>
+              <a:rPr lang="en-US" sz="1600" dirty="0">
+                <a:latin typeface="Times New Roman" panose="02020603050405020304" pitchFamily="18" charset="0"/>
+                <a:cs typeface="Times New Roman" panose="02020603050405020304" pitchFamily="18" charset="0"/>
+              </a:rPr>
+              <a:t>Research articles and case studies on video conferencing tools.</a:t>
+            </a:r>
+          </a:p>
+          <a:p>
+            <a:pPr>
+              <a:lnSpc>
+                <a:spcPct val="200000"/>
+              </a:lnSpc>
+              <a:buFont typeface="Arial" panose="020B0604020202020204" pitchFamily="34" charset="0"/>
+              <a:buChar char="•"/>
+            </a:pPr>
+            <a:r>
+              <a:rPr lang="en-US" sz="1600" dirty="0">
+                <a:latin typeface="Times New Roman" panose="02020603050405020304" pitchFamily="18" charset="0"/>
+                <a:cs typeface="Times New Roman" panose="02020603050405020304" pitchFamily="18" charset="0"/>
+              </a:rPr>
+              <a:t>Articles comparing </a:t>
+            </a:r>
+            <a:r>
+              <a:rPr lang="en-US" sz="1600" dirty="0" err="1">
                 <a:latin typeface="Times New Roman" panose="02020603050405020304" pitchFamily="18" charset="0"/>
                 <a:cs typeface="Times New Roman" panose="02020603050405020304" pitchFamily="18" charset="0"/>
               </a:rPr>
               <a:t>Callify</a:t>
             </a:r>
             <a:r>
-              <a:rPr lang="en-IN" dirty="0">
+              <a:rPr lang="en-US" sz="1600" dirty="0">
                 <a:latin typeface="Times New Roman" panose="02020603050405020304" pitchFamily="18" charset="0"/>
                 <a:cs typeface="Times New Roman" panose="02020603050405020304" pitchFamily="18" charset="0"/>
               </a:rPr>
-              <a:t> video conferencing</a:t>
-            </a:r>
-          </a:p>
-        </p:txBody>
-      </p:sp>
-      <p:sp>
-        <p:nvSpPr>
-          <p:cNvPr id="15" name="Content Placeholder 2"/>
-          <p:cNvSpPr>
-            <a:spLocks noGrp="1"/>
-          </p:cNvSpPr>
-          <p:nvPr>
-            <p:ph idx="1"/>
-          </p:nvPr>
-        </p:nvSpPr>
-        <p:spPr>
-          <a:xfrm>
-            <a:off x="2743200" y="1706563"/>
-            <a:ext cx="8229600" cy="4205064"/>
-          </a:xfrm>
-        </p:spPr>
-        <p:txBody>
-          <a:bodyPr>
-            <a:normAutofit fontScale="70000" lnSpcReduction="20000"/>
-          </a:bodyPr>
-          <a:lstStyle/>
-          <a:p>
-            <a:pPr marR="0" lvl="0" algn="just" defTabSz="914400" rtl="0" eaLnBrk="0" fontAlgn="base" latinLnBrk="0" hangingPunct="0">
+              <a:t> with platforms like Google Meet and Microsoft Teams.</a:t>
+            </a:r>
+          </a:p>
+          <a:p>
+            <a:pPr marL="0" marR="0" lvl="0" indent="0" defTabSz="914400" rtl="0" eaLnBrk="0" fontAlgn="base" latinLnBrk="0" hangingPunct="0">
               <a:lnSpc>
                 <a:spcPct val="200000"/>
               </a:lnSpc>
@@ -25421,140 +26046,27 @@
               </a:spcAft>
               <a:buClrTx/>
               <a:buSzTx/>
-              <a:buFont typeface="Wingdings" panose="05000000000000000000" pitchFamily="2" charset="2"/>
-              <a:buChar char="§"/>
+              <a:buNone/>
               <a:tabLst/>
             </a:pPr>
-            <a:r>
-              <a:rPr lang="en-US" altLang="en-US" dirty="0" err="1">
-                <a:latin typeface="Times New Roman" panose="02020603050405020304" pitchFamily="18" charset="0"/>
-                <a:cs typeface="Times New Roman" panose="02020603050405020304" pitchFamily="18" charset="0"/>
-              </a:rPr>
-              <a:t>Callify</a:t>
-            </a:r>
-            <a:r>
-              <a:rPr kumimoji="0" lang="en-US" altLang="en-US" sz="2800" b="0" i="0" u="none" strike="noStrike" cap="none" normalizeH="0" baseline="0" dirty="0">
-                <a:ln>
-                  <a:noFill/>
-                </a:ln>
-                <a:solidFill>
-                  <a:schemeClr val="tx1"/>
-                </a:solidFill>
-                <a:effectLst/>
-                <a:latin typeface="Times New Roman" panose="02020603050405020304" pitchFamily="18" charset="0"/>
-                <a:cs typeface="Times New Roman" panose="02020603050405020304" pitchFamily="18" charset="0"/>
-              </a:rPr>
-              <a:t> is a cloud-based video conferencing service that allows users to virtually meet, collaborate, and     communicate from anywhere.</a:t>
-            </a:r>
-          </a:p>
-          <a:p>
-            <a:pPr marR="0" lvl="0" algn="just" defTabSz="914400" rtl="0" eaLnBrk="0" fontAlgn="base" latinLnBrk="0" hangingPunct="0">
-              <a:lnSpc>
-                <a:spcPct val="200000"/>
-              </a:lnSpc>
-              <a:spcBef>
-                <a:spcPct val="0"/>
-              </a:spcBef>
-              <a:spcAft>
-                <a:spcPct val="0"/>
-              </a:spcAft>
-              <a:buClrTx/>
-              <a:buSzTx/>
-              <a:buFont typeface="Wingdings" panose="05000000000000000000" pitchFamily="2" charset="2"/>
-              <a:buChar char="§"/>
-              <a:tabLst/>
-            </a:pPr>
-            <a:r>
-              <a:rPr kumimoji="0" lang="en-US" altLang="en-US" sz="2800" b="0" i="0" u="none" strike="noStrike" cap="none" normalizeH="0" baseline="0" dirty="0">
-                <a:ln>
-                  <a:noFill/>
-                </a:ln>
-                <a:solidFill>
-                  <a:schemeClr val="tx1"/>
-                </a:solidFill>
-                <a:effectLst/>
-                <a:latin typeface="Times New Roman" panose="02020603050405020304" pitchFamily="18" charset="0"/>
-                <a:cs typeface="Times New Roman" panose="02020603050405020304" pitchFamily="18" charset="0"/>
-              </a:rPr>
-              <a:t>It gained widespread popularity during the COVID-19 pandemic as a leading tool for remote communication.</a:t>
-            </a:r>
-          </a:p>
-          <a:p>
-            <a:pPr marR="0" lvl="0" algn="just" defTabSz="914400" rtl="0" eaLnBrk="0" fontAlgn="base" latinLnBrk="0" hangingPunct="0">
-              <a:lnSpc>
-                <a:spcPct val="200000"/>
-              </a:lnSpc>
-              <a:spcBef>
-                <a:spcPct val="0"/>
-              </a:spcBef>
-              <a:spcAft>
-                <a:spcPct val="0"/>
-              </a:spcAft>
-              <a:buClrTx/>
-              <a:buSzTx/>
-              <a:buFont typeface="Wingdings" panose="05000000000000000000" pitchFamily="2" charset="2"/>
-              <a:buChar char="§"/>
-              <a:tabLst/>
-            </a:pPr>
-            <a:r>
-              <a:rPr kumimoji="0" lang="en-US" altLang="en-US" sz="2800" b="0" i="0" u="none" strike="noStrike" cap="none" normalizeH="0" baseline="0" dirty="0">
-                <a:ln>
-                  <a:noFill/>
-                </a:ln>
-                <a:solidFill>
-                  <a:schemeClr val="tx1"/>
-                </a:solidFill>
-                <a:effectLst/>
-                <a:latin typeface="Times New Roman" panose="02020603050405020304" pitchFamily="18" charset="0"/>
-                <a:cs typeface="Times New Roman" panose="02020603050405020304" pitchFamily="18" charset="0"/>
-              </a:rPr>
-              <a:t>Offers features like video calls, webinars, screen sharing, and meeting recording.</a:t>
-            </a:r>
-          </a:p>
-          <a:p>
-            <a:pPr marR="0" lvl="0" algn="just" defTabSz="914400" rtl="0" eaLnBrk="0" fontAlgn="base" latinLnBrk="0" hangingPunct="0">
-              <a:lnSpc>
-                <a:spcPct val="200000"/>
-              </a:lnSpc>
-              <a:spcBef>
-                <a:spcPct val="0"/>
-              </a:spcBef>
-              <a:spcAft>
-                <a:spcPct val="0"/>
-              </a:spcAft>
-              <a:buClrTx/>
-              <a:buSzTx/>
-              <a:buFont typeface="Wingdings" panose="05000000000000000000" pitchFamily="2" charset="2"/>
-              <a:buChar char="§"/>
-              <a:tabLst/>
-            </a:pPr>
-            <a:r>
-              <a:rPr kumimoji="0" lang="en-US" altLang="en-US" sz="2800" b="0" i="0" u="none" strike="noStrike" cap="none" normalizeH="0" baseline="0" dirty="0">
-                <a:ln>
-                  <a:noFill/>
-                </a:ln>
-                <a:solidFill>
-                  <a:schemeClr val="tx1"/>
-                </a:solidFill>
-                <a:effectLst/>
-                <a:latin typeface="Times New Roman" panose="02020603050405020304" pitchFamily="18" charset="0"/>
-                <a:cs typeface="Times New Roman" panose="02020603050405020304" pitchFamily="18" charset="0"/>
-              </a:rPr>
-              <a:t>Essential for remote work, education, and virtual events.</a:t>
-            </a:r>
-          </a:p>
-          <a:p>
-            <a:pPr>
-              <a:buNone/>
-            </a:pPr>
-            <a:endParaRPr lang="en-IN" dirty="0"/>
+            <a:endParaRPr kumimoji="0" lang="en-US" altLang="en-US" sz="1600" b="0" i="0" u="none" strike="noStrike" cap="none" normalizeH="0" baseline="0" dirty="0">
+              <a:ln>
+                <a:noFill/>
+              </a:ln>
+              <a:solidFill>
+                <a:schemeClr val="tx1"/>
+              </a:solidFill>
+              <a:effectLst/>
+              <a:latin typeface="Times New Roman" panose="02020603050405020304" pitchFamily="18" charset="0"/>
+              <a:cs typeface="Times New Roman" panose="02020603050405020304" pitchFamily="18" charset="0"/>
+            </a:endParaRPr>
           </a:p>
         </p:txBody>
       </p:sp>
     </p:spTree>
     <p:extLst>
       <p:ext uri="{BB962C8B-B14F-4D97-AF65-F5344CB8AC3E}">
-        <p14:creationId xmlns:p14="http://schemas.microsoft.com/office/powerpoint/2010/main" val="2290303760"/>
+        <p14:creationId xmlns:p14="http://schemas.microsoft.com/office/powerpoint/2010/main" val="516697121"/>
       </p:ext>
     </p:extLst>
   </p:cSld>

--- a/Report & PPT/Project Work/Ppt/Callify Synopsis.pptx
+++ b/Report & PPT/Project Work/Ppt/Callify Synopsis.pptx
@@ -17821,20 +17821,12 @@
               <a:defRPr/>
             </a:pPr>
             <a:r>
-              <a:rPr lang="en-IN" sz="4000" b="1" dirty="0" err="1">
-                <a:latin typeface="+mj-lt"/>
-                <a:ea typeface="+mj-ea"/>
-                <a:cs typeface="+mj-cs"/>
-              </a:rPr>
-              <a:t>Callify</a:t>
-            </a:r>
-            <a:r>
               <a:rPr lang="en-IN" sz="4000" b="1" dirty="0">
                 <a:latin typeface="+mj-lt"/>
                 <a:ea typeface="+mj-ea"/>
                 <a:cs typeface="+mj-cs"/>
               </a:rPr>
-              <a:t> Video Conferencing</a:t>
+              <a:t>Callify Video Conferencing</a:t>
             </a:r>
             <a:endParaRPr kumimoji="0" lang="en-IN" sz="4000" b="1" i="0" u="none" strike="noStrike" kern="1200" cap="none" spc="0" normalizeH="0" baseline="0" noProof="0" dirty="0">
               <a:ln>
@@ -18542,34 +18534,13 @@
                     <a:p>
                       <a:pPr algn="l"/>
                       <a:r>
-                        <a:rPr lang="en-IN" dirty="0" err="1">
-                          <a:solidFill>
-                            <a:schemeClr val="tx1"/>
-                          </a:solidFill>
-                        </a:rPr>
-                        <a:t>Dalavai</a:t>
-                      </a:r>
-                      <a:r>
                         <a:rPr lang="en-IN" dirty="0">
                           <a:solidFill>
                             <a:schemeClr val="tx1"/>
                           </a:solidFill>
                         </a:rPr>
-                        <a:t> </a:t>
+                        <a:t>Dalavai Hruday</a:t>
                       </a:r>
-                      <a:r>
-                        <a:rPr lang="en-IN" dirty="0" err="1">
-                          <a:solidFill>
-                            <a:schemeClr val="tx1"/>
-                          </a:solidFill>
-                        </a:rPr>
-                        <a:t>Hruday</a:t>
-                      </a:r>
-                      <a:endParaRPr lang="en-IN" dirty="0">
-                        <a:solidFill>
-                          <a:schemeClr val="tx1"/>
-                        </a:solidFill>
-                      </a:endParaRPr>
                     </a:p>
                   </a:txBody>
                   <a:tcPr>
@@ -18859,37 +18830,8 @@
                             <a:schemeClr val="tx1"/>
                           </a:solidFill>
                         </a:rPr>
-                        <a:t>Guide Name: </a:t>
+                        <a:t>Guide Name: Dr.Ajith Padyana</a:t>
                       </a:r>
-                      <a:r>
-                        <a:rPr lang="en-US" b="1" dirty="0" err="1">
-                          <a:solidFill>
-                            <a:schemeClr val="tx1"/>
-                          </a:solidFill>
-                        </a:rPr>
-                        <a:t>Dr.Ajith</a:t>
-                      </a:r>
-                      <a:r>
-                        <a:rPr lang="en-US" b="1" dirty="0">
-                          <a:solidFill>
-                            <a:schemeClr val="tx1"/>
-                          </a:solidFill>
-                        </a:rPr>
-                        <a:t> </a:t>
-                      </a:r>
-                      <a:r>
-                        <a:rPr lang="en-US" b="1" dirty="0" err="1">
-                          <a:solidFill>
-                            <a:schemeClr val="tx1"/>
-                          </a:solidFill>
-                        </a:rPr>
-                        <a:t>Padyana</a:t>
-                      </a:r>
-                      <a:endParaRPr lang="en-US" b="1" dirty="0">
-                        <a:solidFill>
-                          <a:schemeClr val="tx1"/>
-                        </a:solidFill>
-                      </a:endParaRPr>
                     </a:p>
                     <a:p>
                       <a:pPr algn="l"/>
@@ -19140,7 +19082,7 @@
               <a:defRPr/>
             </a:pPr>
             <a:r>
-              <a:rPr kumimoji="0" lang="en-IN" sz="3200" b="1" i="0" u="none" strike="noStrike" kern="1200" cap="none" spc="0" normalizeH="0" baseline="0" noProof="0" dirty="0" err="1">
+              <a:rPr kumimoji="0" lang="en-IN" sz="3200" b="1" i="0" u="none" strike="noStrike" kern="1200" cap="none" spc="0" normalizeH="0" baseline="0" noProof="0" dirty="0">
                 <a:ln>
                   <a:noFill/>
                 </a:ln>
@@ -19207,20 +19149,12 @@
               <a:defRPr/>
             </a:pPr>
             <a:r>
-              <a:rPr lang="en-IN" sz="2000" baseline="0" dirty="0" err="1">
-                <a:latin typeface="+mj-lt"/>
-                <a:ea typeface="+mj-ea"/>
-                <a:cs typeface="+mj-cs"/>
-              </a:rPr>
-              <a:t>Soladevanahalli</a:t>
-            </a:r>
-            <a:r>
               <a:rPr lang="en-IN" sz="2000" baseline="0" dirty="0">
                 <a:latin typeface="+mj-lt"/>
                 <a:ea typeface="+mj-ea"/>
                 <a:cs typeface="+mj-cs"/>
               </a:rPr>
-              <a:t>,</a:t>
+              <a:t>Soladevanahalli,</a:t>
             </a:r>
             <a:r>
               <a:rPr lang="en-IN" sz="2000" dirty="0">
@@ -19228,23 +19162,7 @@
                 <a:ea typeface="+mj-ea"/>
                 <a:cs typeface="+mj-cs"/>
               </a:rPr>
-              <a:t> </a:t>
-            </a:r>
-            <a:r>
-              <a:rPr lang="en-IN" sz="2000" dirty="0" err="1">
-                <a:latin typeface="+mj-lt"/>
-                <a:ea typeface="+mj-ea"/>
-                <a:cs typeface="+mj-cs"/>
-              </a:rPr>
-              <a:t>Bengaluru</a:t>
-            </a:r>
-            <a:r>
-              <a:rPr lang="en-IN" sz="2000" dirty="0">
-                <a:latin typeface="+mj-lt"/>
-                <a:ea typeface="+mj-ea"/>
-                <a:cs typeface="+mj-cs"/>
-              </a:rPr>
-              <a:t> 560 107</a:t>
+              <a:t> Bengaluru 560 107</a:t>
             </a:r>
             <a:endParaRPr kumimoji="0" lang="en-IN" sz="2800" i="0" u="none" strike="noStrike" kern="1200" cap="none" spc="0" normalizeH="0" baseline="0" noProof="0" dirty="0">
               <a:ln>
@@ -19662,7 +19580,7 @@
           </a:bodyPr>
           <a:lstStyle/>
           <a:p>
-            <a:pPr marL="0" marR="0">
+            <a:pPr marL="0" marR="0" indent="0">
               <a:lnSpc>
                 <a:spcPct val="107000"/>
               </a:lnSpc>
@@ -19672,16 +19590,8 @@
               <a:spcAft>
                 <a:spcPts val="800"/>
               </a:spcAft>
+              <a:buNone/>
             </a:pPr>
-            <a:r>
-              <a:rPr lang="en-US" sz="1600" b="1" kern="100" dirty="0" err="1">
-                <a:effectLst/>
-                <a:latin typeface="Times New Roman" panose="02020603050405020304" pitchFamily="18" charset="0"/>
-                <a:ea typeface="Calibri" panose="020F0502020204030204" pitchFamily="34" charset="0"/>
-                <a:cs typeface="Times New Roman" panose="02020603050405020304" pitchFamily="18" charset="0"/>
-              </a:rPr>
-              <a:t>GetStream</a:t>
-            </a:r>
             <a:r>
               <a:rPr lang="en-US" sz="1600" b="1" kern="100" dirty="0">
                 <a:effectLst/>
@@ -19689,7 +19599,7 @@
                 <a:ea typeface="Calibri" panose="020F0502020204030204" pitchFamily="34" charset="0"/>
                 <a:cs typeface="Times New Roman" panose="02020603050405020304" pitchFamily="18" charset="0"/>
               </a:rPr>
-              <a:t> (Real-time Messaging &amp; Video Streaming)</a:t>
+              <a:t>GetStream (Real-time Messaging &amp; Video Streaming)</a:t>
             </a:r>
             <a:endParaRPr lang="en-US" sz="1600" kern="100" dirty="0">
               <a:effectLst/>
@@ -19843,25 +19753,7 @@
                 <a:ea typeface="Calibri" panose="020F0502020204030204" pitchFamily="34" charset="0"/>
                 <a:cs typeface="Times New Roman" panose="02020603050405020304" pitchFamily="18" charset="0"/>
               </a:rPr>
-              <a:t>: </a:t>
-            </a:r>
-            <a:r>
-              <a:rPr lang="en-US" sz="1600" kern="100" dirty="0" err="1">
-                <a:effectLst/>
-                <a:latin typeface="Times New Roman" panose="02020603050405020304" pitchFamily="18" charset="0"/>
-                <a:ea typeface="Calibri" panose="020F0502020204030204" pitchFamily="34" charset="0"/>
-                <a:cs typeface="Times New Roman" panose="02020603050405020304" pitchFamily="18" charset="0"/>
-              </a:rPr>
-              <a:t>GetStream</a:t>
-            </a:r>
-            <a:r>
-              <a:rPr lang="en-US" sz="1600" kern="100" dirty="0">
-                <a:effectLst/>
-                <a:latin typeface="Times New Roman" panose="02020603050405020304" pitchFamily="18" charset="0"/>
-                <a:ea typeface="Calibri" panose="020F0502020204030204" pitchFamily="34" charset="0"/>
-                <a:cs typeface="Times New Roman" panose="02020603050405020304" pitchFamily="18" charset="0"/>
-              </a:rPr>
-              <a:t> integrates WebRTC for peer-to-peer video streaming, ensuring a stable and fast connection.</a:t>
+              <a:t>: GetStream integrates WebRTC for peer-to-peer video streaming, ensuring a stable and fast connection.</a:t>
             </a:r>
           </a:p>
           <a:p>
@@ -20328,7 +20220,7 @@
           </a:bodyPr>
           <a:lstStyle/>
           <a:p>
-            <a:pPr marL="0" marR="0">
+            <a:pPr marL="0" marR="0" indent="0">
               <a:lnSpc>
                 <a:spcPct val="107000"/>
               </a:lnSpc>
@@ -20338,6 +20230,7 @@
               <a:spcAft>
                 <a:spcPts val="800"/>
               </a:spcAft>
+              <a:buNone/>
             </a:pPr>
             <a:r>
               <a:rPr lang="en-US" sz="1600" b="1" kern="100" dirty="0">
@@ -22839,8 +22732,8 @@
         </p:nvSpPr>
         <p:spPr bwMode="auto">
           <a:xfrm>
-            <a:off x="2950158" y="1906491"/>
-            <a:ext cx="7108242" cy="5326458"/>
+            <a:off x="2950158" y="2083465"/>
+            <a:ext cx="8545842" cy="4972515"/>
           </a:xfrm>
           <a:prstGeom prst="rect">
             <a:avLst/>
@@ -22914,7 +22807,7 @@
                 <a:latin typeface="Times New Roman" panose="02020603050405020304" pitchFamily="18" charset="0"/>
                 <a:cs typeface="Times New Roman" panose="02020603050405020304" pitchFamily="18" charset="0"/>
               </a:rPr>
-              <a:t>Team Member 1(Aditya Jyoti Sahu)</a:t>
+              <a:t>Team Member 1 (Aditya Jyoti Sahu)</a:t>
             </a:r>
             <a:r>
               <a:rPr kumimoji="0" lang="en-US" altLang="en-US" sz="1600" b="0" i="0" u="none" strike="noStrike" cap="none" normalizeH="0" baseline="0" dirty="0">
@@ -22931,15 +22824,102 @@
               <a:t>:</a:t>
             </a:r>
             <a:r>
-              <a:rPr lang="en-US" sz="1100" dirty="0"/>
+              <a:rPr lang="en-US" sz="1100" dirty="0">
+                <a:latin typeface="Times New Roman" panose="02020603050405020304" pitchFamily="18" charset="0"/>
+                <a:cs typeface="Times New Roman" panose="02020603050405020304" pitchFamily="18" charset="0"/>
+              </a:rPr>
               <a:t> </a:t>
+            </a:r>
+          </a:p>
+          <a:p>
+            <a:pPr marR="0" lvl="0" defTabSz="914400" rtl="0" eaLnBrk="0" fontAlgn="base" latinLnBrk="0" hangingPunct="0">
+              <a:lnSpc>
+                <a:spcPct val="200000"/>
+              </a:lnSpc>
+              <a:spcBef>
+                <a:spcPct val="0"/>
+              </a:spcBef>
+              <a:spcAft>
+                <a:spcPct val="0"/>
+              </a:spcAft>
+              <a:buClrTx/>
+              <a:buSzTx/>
+              <a:tabLst/>
+            </a:pPr>
+            <a:endParaRPr lang="en-US" sz="1100" b="1" dirty="0">
+              <a:latin typeface="Times New Roman" panose="02020603050405020304" pitchFamily="18" charset="0"/>
+              <a:cs typeface="Times New Roman" panose="02020603050405020304" pitchFamily="18" charset="0"/>
+            </a:endParaRPr>
+          </a:p>
+          <a:p>
+            <a:pPr marR="0" lvl="0" defTabSz="914400" rtl="0" eaLnBrk="0" fontAlgn="base" latinLnBrk="0" hangingPunct="0">
+              <a:lnSpc>
+                <a:spcPct val="200000"/>
+              </a:lnSpc>
+              <a:spcBef>
+                <a:spcPct val="0"/>
+              </a:spcBef>
+              <a:spcAft>
+                <a:spcPct val="0"/>
+              </a:spcAft>
+              <a:buClrTx/>
+              <a:buSzTx/>
+              <a:tabLst/>
+            </a:pPr>
+            <a:endParaRPr lang="en-US" sz="1100" b="1" dirty="0">
+              <a:latin typeface="Times New Roman" panose="02020603050405020304" pitchFamily="18" charset="0"/>
+              <a:cs typeface="Times New Roman" panose="02020603050405020304" pitchFamily="18" charset="0"/>
+            </a:endParaRPr>
+          </a:p>
+          <a:p>
+            <a:pPr marL="0" marR="0" lvl="0" indent="0" defTabSz="914400" rtl="0" eaLnBrk="0" fontAlgn="base" latinLnBrk="0" hangingPunct="0">
+              <a:lnSpc>
+                <a:spcPct val="200000"/>
+              </a:lnSpc>
+              <a:spcBef>
+                <a:spcPct val="0"/>
+              </a:spcBef>
+              <a:spcAft>
+                <a:spcPct val="0"/>
+              </a:spcAft>
+              <a:buClrTx/>
+              <a:buSzTx/>
+              <a:buNone/>
+              <a:tabLst/>
+            </a:pPr>
+            <a:endParaRPr lang="en-US" sz="1100" b="1" dirty="0">
+              <a:latin typeface="Times New Roman" panose="02020603050405020304" pitchFamily="18" charset="0"/>
+              <a:cs typeface="Times New Roman" panose="02020603050405020304" pitchFamily="18" charset="0"/>
+            </a:endParaRPr>
+          </a:p>
+          <a:p>
+            <a:pPr marR="0" lvl="0" defTabSz="914400" rtl="0" eaLnBrk="0" fontAlgn="base" latinLnBrk="0" hangingPunct="0">
+              <a:lnSpc>
+                <a:spcPct val="200000"/>
+              </a:lnSpc>
+              <a:spcBef>
+                <a:spcPct val="0"/>
+              </a:spcBef>
+              <a:spcAft>
+                <a:spcPct val="0"/>
+              </a:spcAft>
+              <a:buClrTx/>
+              <a:buSzTx/>
+              <a:tabLst/>
+            </a:pPr>
+            <a:r>
+              <a:rPr lang="en-US" sz="1600" b="1" dirty="0">
+                <a:latin typeface="Times New Roman" panose="02020603050405020304" pitchFamily="18" charset="0"/>
+                <a:cs typeface="Times New Roman" panose="02020603050405020304" pitchFamily="18" charset="0"/>
+              </a:rPr>
+              <a:t>Team Member 2 (Anish Kumar)</a:t>
             </a:r>
             <a:r>
               <a:rPr lang="en-US" sz="1600" dirty="0">
                 <a:latin typeface="Times New Roman" panose="02020603050405020304" pitchFamily="18" charset="0"/>
                 <a:cs typeface="Times New Roman" panose="02020603050405020304" pitchFamily="18" charset="0"/>
               </a:rPr>
-              <a:t>Completed initial research and is working on the literature survey.</a:t>
+              <a:t>:</a:t>
             </a:r>
           </a:p>
           <a:p>
@@ -22955,153 +22935,11 @@
               </a:spcAft>
             </a:pPr>
             <a:r>
-              <a:rPr kumimoji="0" lang="en-US" altLang="en-US" sz="1600" b="0" i="0" u="none" strike="noStrike" cap="none" normalizeH="0" baseline="0" dirty="0">
-                <a:ln>
-                  <a:noFill/>
-                </a:ln>
-                <a:solidFill>
-                  <a:schemeClr val="tx1"/>
-                </a:solidFill>
-                <a:effectLst/>
-                <a:latin typeface="Arial" panose="020B0604020202020204" pitchFamily="34" charset="0"/>
-              </a:rPr>
-              <a:t> Will write the </a:t>
-            </a:r>
-            <a:r>
-              <a:rPr kumimoji="0" lang="en-US" altLang="en-US" sz="1600" b="1" i="0" u="none" strike="noStrike" cap="none" normalizeH="0" baseline="0" dirty="0">
-                <a:ln>
-                  <a:noFill/>
-                </a:ln>
-                <a:solidFill>
-                  <a:schemeClr val="tx1"/>
-                </a:solidFill>
-                <a:effectLst/>
-                <a:latin typeface="Arial" panose="020B0604020202020204" pitchFamily="34" charset="0"/>
-              </a:rPr>
-              <a:t>code for </a:t>
-            </a:r>
-            <a:r>
-              <a:rPr kumimoji="0" lang="en-US" altLang="en-US" sz="1600" b="1" i="0" u="none" strike="noStrike" cap="none" normalizeH="0" baseline="0" dirty="0">
-                <a:ln>
-                  <a:noFill/>
-                </a:ln>
-                <a:solidFill>
-                  <a:schemeClr val="tx1"/>
-                </a:solidFill>
-                <a:effectLst/>
-                <a:latin typeface="Times New Roman" panose="02020603050405020304" pitchFamily="18" charset="0"/>
-                <a:cs typeface="Times New Roman" panose="02020603050405020304" pitchFamily="18" charset="0"/>
-              </a:rPr>
-              <a:t>Zoom</a:t>
-            </a:r>
-            <a:r>
-              <a:rPr kumimoji="0" lang="en-US" altLang="en-US" sz="1600" b="1" i="0" u="none" strike="noStrike" cap="none" normalizeH="0" baseline="0" dirty="0">
-                <a:ln>
-                  <a:noFill/>
-                </a:ln>
-                <a:solidFill>
-                  <a:schemeClr val="tx1"/>
-                </a:solidFill>
-                <a:effectLst/>
-                <a:latin typeface="Arial" panose="020B0604020202020204" pitchFamily="34" charset="0"/>
-              </a:rPr>
-              <a:t>-like features</a:t>
-            </a:r>
-            <a:r>
-              <a:rPr kumimoji="0" lang="en-US" altLang="en-US" sz="1600" b="0" i="0" u="none" strike="noStrike" cap="none" normalizeH="0" baseline="0" dirty="0">
-                <a:ln>
-                  <a:noFill/>
-                </a:ln>
-                <a:solidFill>
-                  <a:schemeClr val="tx1"/>
-                </a:solidFill>
-                <a:effectLst/>
-                <a:latin typeface="Arial" panose="020B0604020202020204" pitchFamily="34" charset="0"/>
-              </a:rPr>
-              <a:t> such as video conferencing </a:t>
-            </a:r>
-            <a:r>
-              <a:rPr kumimoji="0" lang="en-US" altLang="en-US" sz="1600" b="0" i="0" u="none" strike="noStrike" cap="none" normalizeH="0" baseline="0" dirty="0">
-                <a:ln>
-                  <a:noFill/>
-                </a:ln>
-                <a:solidFill>
-                  <a:schemeClr val="tx1"/>
-                </a:solidFill>
-                <a:effectLst/>
-                <a:latin typeface="Times New Roman" panose="02020603050405020304" pitchFamily="18" charset="0"/>
-                <a:cs typeface="Times New Roman" panose="02020603050405020304" pitchFamily="18" charset="0"/>
-              </a:rPr>
-              <a:t>interfaces and chat integration.</a:t>
-            </a:r>
-          </a:p>
-          <a:p>
-            <a:pPr>
-              <a:lnSpc>
-                <a:spcPct val="200000"/>
-              </a:lnSpc>
-              <a:buFont typeface="Arial" panose="020B0604020202020204" pitchFamily="34" charset="0"/>
-              <a:buChar char="•"/>
-            </a:pPr>
-            <a:r>
-              <a:rPr lang="en-US" sz="1600" b="1" dirty="0">
-                <a:latin typeface="Times New Roman" panose="02020603050405020304" pitchFamily="18" charset="0"/>
-                <a:cs typeface="Times New Roman" panose="02020603050405020304" pitchFamily="18" charset="0"/>
-              </a:rPr>
-              <a:t>Team Member 2(Anish Kumar)</a:t>
-            </a:r>
-            <a:r>
               <a:rPr lang="en-US" sz="1600" dirty="0">
                 <a:latin typeface="Times New Roman" panose="02020603050405020304" pitchFamily="18" charset="0"/>
                 <a:cs typeface="Times New Roman" panose="02020603050405020304" pitchFamily="18" charset="0"/>
               </a:rPr>
-              <a:t>:</a:t>
-            </a:r>
-          </a:p>
-          <a:p>
-            <a:pPr>
-              <a:lnSpc>
-                <a:spcPct val="200000"/>
-              </a:lnSpc>
-              <a:buFont typeface="Arial" panose="020B0604020202020204" pitchFamily="34" charset="0"/>
-              <a:buChar char="•"/>
-            </a:pPr>
-            <a:r>
-              <a:rPr lang="en-US" sz="1600" dirty="0">
-                <a:latin typeface="Times New Roman" panose="02020603050405020304" pitchFamily="18" charset="0"/>
-                <a:cs typeface="Times New Roman" panose="02020603050405020304" pitchFamily="18" charset="0"/>
-              </a:rPr>
-              <a:t>Conducted comparative analysis of Zoom and competing platforms.</a:t>
-            </a:r>
-          </a:p>
-          <a:p>
-            <a:pPr>
-              <a:lnSpc>
-                <a:spcPct val="200000"/>
-              </a:lnSpc>
-              <a:buFont typeface="Arial" panose="020B0604020202020204" pitchFamily="34" charset="0"/>
-              <a:buChar char="•"/>
-            </a:pPr>
-            <a:r>
-              <a:rPr lang="en-US" sz="1600" dirty="0">
-                <a:latin typeface="Times New Roman" panose="02020603050405020304" pitchFamily="18" charset="0"/>
-                <a:cs typeface="Times New Roman" panose="02020603050405020304" pitchFamily="18" charset="0"/>
-              </a:rPr>
-              <a:t>Will focusing on developing </a:t>
-            </a:r>
-            <a:r>
-              <a:rPr lang="en-US" sz="1600" b="1" dirty="0">
-                <a:latin typeface="Times New Roman" panose="02020603050405020304" pitchFamily="18" charset="0"/>
-                <a:cs typeface="Times New Roman" panose="02020603050405020304" pitchFamily="18" charset="0"/>
-              </a:rPr>
-              <a:t>backend functionality</a:t>
-            </a:r>
-            <a:r>
-              <a:rPr lang="en-US" sz="1600" dirty="0">
-                <a:latin typeface="Times New Roman" panose="02020603050405020304" pitchFamily="18" charset="0"/>
-                <a:cs typeface="Times New Roman" panose="02020603050405020304" pitchFamily="18" charset="0"/>
-              </a:rPr>
-              <a:t> (user authentication, meeting scheduling).</a:t>
+              <a:t>Technologies Used – </a:t>
             </a:r>
           </a:p>
           <a:p>
@@ -23117,6 +22955,76 @@
               </a:spcAft>
               <a:buNone/>
             </a:pPr>
+            <a:r>
+              <a:rPr lang="en-US" sz="1600" dirty="0">
+                <a:latin typeface="Times New Roman" panose="02020603050405020304" pitchFamily="18" charset="0"/>
+                <a:cs typeface="Times New Roman" panose="02020603050405020304" pitchFamily="18" charset="0"/>
+              </a:rPr>
+              <a:t>               Clerk(Authentication), </a:t>
+            </a:r>
+          </a:p>
+          <a:p>
+            <a:pPr marL="0" indent="0" eaLnBrk="0" fontAlgn="base" hangingPunct="0">
+              <a:lnSpc>
+                <a:spcPct val="200000"/>
+              </a:lnSpc>
+              <a:spcBef>
+                <a:spcPct val="0"/>
+              </a:spcBef>
+              <a:spcAft>
+                <a:spcPct val="0"/>
+              </a:spcAft>
+              <a:buNone/>
+            </a:pPr>
+            <a:r>
+              <a:rPr lang="en-US" sz="1600" dirty="0">
+                <a:latin typeface="Times New Roman" panose="02020603050405020304" pitchFamily="18" charset="0"/>
+                <a:cs typeface="Times New Roman" panose="02020603050405020304" pitchFamily="18" charset="0"/>
+              </a:rPr>
+              <a:t>               NextJs (Server side rendering), </a:t>
+            </a:r>
+          </a:p>
+          <a:p>
+            <a:pPr marL="0" indent="0" eaLnBrk="0" fontAlgn="base" hangingPunct="0">
+              <a:lnSpc>
+                <a:spcPct val="200000"/>
+              </a:lnSpc>
+              <a:spcBef>
+                <a:spcPct val="0"/>
+              </a:spcBef>
+              <a:spcAft>
+                <a:spcPct val="0"/>
+              </a:spcAft>
+              <a:buNone/>
+            </a:pPr>
+            <a:r>
+              <a:rPr lang="en-US" sz="1600" dirty="0">
+                <a:latin typeface="Times New Roman" panose="02020603050405020304" pitchFamily="18" charset="0"/>
+                <a:cs typeface="Times New Roman" panose="02020603050405020304" pitchFamily="18" charset="0"/>
+              </a:rPr>
+              <a:t>               Get Stream (Provides Database and Video , Chat Services), </a:t>
+            </a:r>
+          </a:p>
+          <a:p>
+            <a:pPr marL="0" indent="0" eaLnBrk="0" fontAlgn="base" hangingPunct="0">
+              <a:lnSpc>
+                <a:spcPct val="200000"/>
+              </a:lnSpc>
+              <a:spcBef>
+                <a:spcPct val="0"/>
+              </a:spcBef>
+              <a:spcAft>
+                <a:spcPct val="0"/>
+              </a:spcAft>
+              <a:buNone/>
+            </a:pPr>
+            <a:r>
+              <a:rPr lang="en-US" sz="1600" dirty="0">
+                <a:latin typeface="Times New Roman" panose="02020603050405020304" pitchFamily="18" charset="0"/>
+                <a:cs typeface="Times New Roman" panose="02020603050405020304" pitchFamily="18" charset="0"/>
+              </a:rPr>
+              <a:t>               Tailwind Css (Latest UI/UX Design),</a:t>
+            </a:r>
             <a:endParaRPr kumimoji="0" lang="en-US" altLang="en-US" sz="1600" b="0" i="0" u="none" strike="noStrike" cap="none" normalizeH="0" baseline="0" dirty="0">
               <a:ln>
                 <a:noFill/>
@@ -23125,7 +23033,8 @@
                 <a:schemeClr val="tx1"/>
               </a:solidFill>
               <a:effectLst/>
-              <a:latin typeface="Arial" panose="020B0604020202020204" pitchFamily="34" charset="0"/>
+              <a:latin typeface="Times New Roman" panose="02020603050405020304" pitchFamily="18" charset="0"/>
+              <a:cs typeface="Times New Roman" panose="02020603050405020304" pitchFamily="18" charset="0"/>
             </a:endParaRPr>
           </a:p>
           <a:p>
@@ -23482,8 +23391,8 @@
         </p:nvSpPr>
         <p:spPr bwMode="auto">
           <a:xfrm>
-            <a:off x="2949575" y="1976604"/>
-            <a:ext cx="5737225" cy="5186035"/>
+            <a:off x="2949575" y="2533166"/>
+            <a:ext cx="7642225" cy="4072910"/>
           </a:xfrm>
           <a:prstGeom prst="rect">
             <a:avLst/>
@@ -23557,63 +23466,7 @@
                 <a:latin typeface="Times New Roman" panose="02020603050405020304" pitchFamily="18" charset="0"/>
                 <a:cs typeface="Times New Roman" panose="02020603050405020304" pitchFamily="18" charset="0"/>
               </a:rPr>
-              <a:t> Team Member 3(</a:t>
-            </a:r>
-            <a:r>
-              <a:rPr kumimoji="0" lang="en-US" altLang="en-US" sz="1600" b="1" i="0" u="none" strike="noStrike" cap="none" normalizeH="0" baseline="0" dirty="0" err="1">
-                <a:ln>
-                  <a:noFill/>
-                </a:ln>
-                <a:solidFill>
-                  <a:schemeClr val="tx1"/>
-                </a:solidFill>
-                <a:effectLst/>
-                <a:latin typeface="Times New Roman" panose="02020603050405020304" pitchFamily="18" charset="0"/>
-                <a:cs typeface="Times New Roman" panose="02020603050405020304" pitchFamily="18" charset="0"/>
-              </a:rPr>
-              <a:t>Dalavai</a:t>
-            </a:r>
-            <a:r>
-              <a:rPr kumimoji="0" lang="en-US" altLang="en-US" sz="1600" b="1" i="0" u="none" strike="noStrike" cap="none" normalizeH="0" baseline="0" dirty="0">
-                <a:ln>
-                  <a:noFill/>
-                </a:ln>
-                <a:solidFill>
-                  <a:schemeClr val="tx1"/>
-                </a:solidFill>
-                <a:effectLst/>
-                <a:latin typeface="Times New Roman" panose="02020603050405020304" pitchFamily="18" charset="0"/>
-                <a:cs typeface="Times New Roman" panose="02020603050405020304" pitchFamily="18" charset="0"/>
-              </a:rPr>
-              <a:t> </a:t>
-            </a:r>
-            <a:r>
-              <a:rPr kumimoji="0" lang="en-US" altLang="en-US" sz="1600" b="1" i="0" u="none" strike="noStrike" cap="none" normalizeH="0" baseline="0" dirty="0" err="1">
-                <a:ln>
-                  <a:noFill/>
-                </a:ln>
-                <a:solidFill>
-                  <a:schemeClr val="tx1"/>
-                </a:solidFill>
-                <a:effectLst/>
-                <a:latin typeface="Times New Roman" panose="02020603050405020304" pitchFamily="18" charset="0"/>
-                <a:cs typeface="Times New Roman" panose="02020603050405020304" pitchFamily="18" charset="0"/>
-              </a:rPr>
-              <a:t>Hruday</a:t>
-            </a:r>
-            <a:r>
-              <a:rPr kumimoji="0" lang="en-US" altLang="en-US" sz="1600" b="1" i="0" u="none" strike="noStrike" cap="none" normalizeH="0" baseline="0" dirty="0">
-                <a:ln>
-                  <a:noFill/>
-                </a:ln>
-                <a:solidFill>
-                  <a:schemeClr val="tx1"/>
-                </a:solidFill>
-                <a:effectLst/>
-                <a:latin typeface="Times New Roman" panose="02020603050405020304" pitchFamily="18" charset="0"/>
-                <a:cs typeface="Times New Roman" panose="02020603050405020304" pitchFamily="18" charset="0"/>
-              </a:rPr>
-              <a:t>)</a:t>
+              <a:t> Team Member 3 (Dalavai Hruday)</a:t>
             </a:r>
             <a:r>
               <a:rPr kumimoji="0" lang="en-US" altLang="en-US" sz="1600" b="0" i="0" u="none" strike="noStrike" cap="none" normalizeH="0" baseline="0" dirty="0">
@@ -23629,6 +23482,37 @@
               </a:rPr>
               <a:t>:</a:t>
             </a:r>
+          </a:p>
+          <a:p>
+            <a:pPr eaLnBrk="0" fontAlgn="base" hangingPunct="0">
+              <a:lnSpc>
+                <a:spcPct val="200000"/>
+              </a:lnSpc>
+              <a:spcBef>
+                <a:spcPct val="0"/>
+              </a:spcBef>
+              <a:spcAft>
+                <a:spcPct val="0"/>
+              </a:spcAft>
+            </a:pPr>
+            <a:r>
+              <a:rPr lang="en-US" sz="1600" dirty="0">
+                <a:latin typeface="Times New Roman" panose="02020603050405020304" pitchFamily="18" charset="0"/>
+                <a:cs typeface="Times New Roman" panose="02020603050405020304" pitchFamily="18" charset="0"/>
+              </a:rPr>
+              <a:t>Conducted comparative analysis of Zoom and competing platforms.</a:t>
+            </a:r>
+            <a:endParaRPr kumimoji="0" lang="en-US" altLang="en-US" sz="1600" b="0" i="0" u="none" strike="noStrike" cap="none" normalizeH="0" baseline="0" dirty="0">
+              <a:ln>
+                <a:noFill/>
+              </a:ln>
+              <a:solidFill>
+                <a:schemeClr val="tx1"/>
+              </a:solidFill>
+              <a:effectLst/>
+              <a:latin typeface="Times New Roman" panose="02020603050405020304" pitchFamily="18" charset="0"/>
+              <a:cs typeface="Times New Roman" panose="02020603050405020304" pitchFamily="18" charset="0"/>
+            </a:endParaRPr>
           </a:p>
           <a:p>
             <a:pPr marR="0" lvl="0" algn="l" defTabSz="914400" rtl="0" eaLnBrk="0" fontAlgn="base" latinLnBrk="0" hangingPunct="0">
@@ -23657,132 +23541,7 @@
                 <a:latin typeface="Times New Roman" panose="02020603050405020304" pitchFamily="18" charset="0"/>
                 <a:cs typeface="Times New Roman" panose="02020603050405020304" pitchFamily="18" charset="0"/>
               </a:rPr>
-              <a:t>Began gathering and analyzing user feedback and case studies. Currently responsible for the </a:t>
-            </a:r>
-            <a:r>
-              <a:rPr kumimoji="0" lang="en-US" altLang="en-US" sz="1600" b="1" i="0" u="none" strike="noStrike" cap="none" normalizeH="0" baseline="0" dirty="0">
-                <a:ln>
-                  <a:noFill/>
-                </a:ln>
-                <a:solidFill>
-                  <a:schemeClr val="tx1"/>
-                </a:solidFill>
-                <a:effectLst/>
-                <a:latin typeface="Times New Roman" panose="02020603050405020304" pitchFamily="18" charset="0"/>
-                <a:cs typeface="Times New Roman" panose="02020603050405020304" pitchFamily="18" charset="0"/>
-              </a:rPr>
-              <a:t>testing</a:t>
-            </a:r>
-            <a:r>
-              <a:rPr kumimoji="0" lang="en-US" altLang="en-US" sz="1600" b="0" i="0" u="none" strike="noStrike" cap="none" normalizeH="0" baseline="0" dirty="0">
-                <a:ln>
-                  <a:noFill/>
-                </a:ln>
-                <a:solidFill>
-                  <a:schemeClr val="tx1"/>
-                </a:solidFill>
-                <a:effectLst/>
-                <a:latin typeface="Times New Roman" panose="02020603050405020304" pitchFamily="18" charset="0"/>
-                <a:cs typeface="Times New Roman" panose="02020603050405020304" pitchFamily="18" charset="0"/>
-              </a:rPr>
-              <a:t> phase, including </a:t>
-            </a:r>
-            <a:r>
-              <a:rPr kumimoji="0" lang="en-US" altLang="en-US" sz="1600" b="1" i="0" u="none" strike="noStrike" cap="none" normalizeH="0" baseline="0" dirty="0">
-                <a:ln>
-                  <a:noFill/>
-                </a:ln>
-                <a:solidFill>
-                  <a:schemeClr val="tx1"/>
-                </a:solidFill>
-                <a:effectLst/>
-                <a:latin typeface="Times New Roman" panose="02020603050405020304" pitchFamily="18" charset="0"/>
-                <a:cs typeface="Times New Roman" panose="02020603050405020304" pitchFamily="18" charset="0"/>
-              </a:rPr>
-              <a:t>unit tests</a:t>
-            </a:r>
-            <a:r>
-              <a:rPr kumimoji="0" lang="en-US" altLang="en-US" sz="1600" b="0" i="0" u="none" strike="noStrike" cap="none" normalizeH="0" baseline="0" dirty="0">
-                <a:ln>
-                  <a:noFill/>
-                </a:ln>
-                <a:solidFill>
-                  <a:schemeClr val="tx1"/>
-                </a:solidFill>
-                <a:effectLst/>
-                <a:latin typeface="Times New Roman" panose="02020603050405020304" pitchFamily="18" charset="0"/>
-                <a:cs typeface="Times New Roman" panose="02020603050405020304" pitchFamily="18" charset="0"/>
-              </a:rPr>
-              <a:t>         for video and audio quality.</a:t>
-            </a:r>
-          </a:p>
-          <a:p>
-            <a:pPr>
-              <a:lnSpc>
-                <a:spcPct val="200000"/>
-              </a:lnSpc>
-              <a:buFont typeface="Arial" panose="020B0604020202020204" pitchFamily="34" charset="0"/>
-              <a:buChar char="•"/>
-            </a:pPr>
-            <a:r>
-              <a:rPr lang="en-US" sz="1600" b="1" dirty="0">
-                <a:latin typeface="Times New Roman" panose="02020603050405020304" pitchFamily="18" charset="0"/>
-                <a:cs typeface="Times New Roman" panose="02020603050405020304" pitchFamily="18" charset="0"/>
-              </a:rPr>
-              <a:t>Team Member 4(Hanji Ranjan)</a:t>
-            </a:r>
-            <a:r>
-              <a:rPr lang="en-US" sz="1600" dirty="0">
-                <a:latin typeface="Times New Roman" panose="02020603050405020304" pitchFamily="18" charset="0"/>
-                <a:cs typeface="Times New Roman" panose="02020603050405020304" pitchFamily="18" charset="0"/>
-              </a:rPr>
-              <a:t>:</a:t>
-            </a:r>
-          </a:p>
-          <a:p>
-            <a:pPr>
-              <a:lnSpc>
-                <a:spcPct val="200000"/>
-              </a:lnSpc>
-              <a:buFont typeface="Arial" panose="020B0604020202020204" pitchFamily="34" charset="0"/>
-              <a:buChar char="•"/>
-            </a:pPr>
-            <a:r>
-              <a:rPr lang="en-US" sz="1600" dirty="0">
-                <a:latin typeface="Times New Roman" panose="02020603050405020304" pitchFamily="18" charset="0"/>
-                <a:cs typeface="Times New Roman" panose="02020603050405020304" pitchFamily="18" charset="0"/>
-              </a:rPr>
-              <a:t>Compiling data and report creation.</a:t>
-            </a:r>
-          </a:p>
-          <a:p>
-            <a:pPr>
-              <a:lnSpc>
-                <a:spcPct val="200000"/>
-              </a:lnSpc>
-              <a:buFont typeface="Arial" panose="020B0604020202020204" pitchFamily="34" charset="0"/>
-              <a:buChar char="•"/>
-            </a:pPr>
-            <a:r>
-              <a:rPr lang="en-US" sz="1600" dirty="0">
-                <a:latin typeface="Times New Roman" panose="02020603050405020304" pitchFamily="18" charset="0"/>
-                <a:cs typeface="Times New Roman" panose="02020603050405020304" pitchFamily="18" charset="0"/>
-              </a:rPr>
-              <a:t>Also coordinating the </a:t>
-            </a:r>
-            <a:r>
-              <a:rPr lang="en-US" sz="1600" b="1" dirty="0">
-                <a:latin typeface="Times New Roman" panose="02020603050405020304" pitchFamily="18" charset="0"/>
-                <a:cs typeface="Times New Roman" panose="02020603050405020304" pitchFamily="18" charset="0"/>
-              </a:rPr>
-              <a:t>integration testing</a:t>
-            </a:r>
-            <a:r>
-              <a:rPr lang="en-US" sz="1600" dirty="0">
-                <a:latin typeface="Times New Roman" panose="02020603050405020304" pitchFamily="18" charset="0"/>
-                <a:cs typeface="Times New Roman" panose="02020603050405020304" pitchFamily="18" charset="0"/>
-              </a:rPr>
-              <a:t> and ensuring that all modules (front-end, back-end) work together smoothly.</a:t>
+              <a:t>Began gathering and analyzing user feedback and case studies.</a:t>
             </a:r>
           </a:p>
           <a:p>
@@ -23798,10 +23557,87 @@
               </a:spcAft>
               <a:buClrTx/>
               <a:buSzTx/>
-              <a:buFontTx/>
-              <a:buChar char="•"/>
+              <a:buNone/>
               <a:tabLst/>
             </a:pPr>
+            <a:r>
+              <a:rPr kumimoji="0" lang="en-US" altLang="en-US" sz="1600" b="0" i="0" u="none" strike="noStrike" cap="none" normalizeH="0" baseline="0" dirty="0">
+                <a:ln>
+                  <a:noFill/>
+                </a:ln>
+                <a:solidFill>
+                  <a:schemeClr val="tx1"/>
+                </a:solidFill>
+                <a:effectLst/>
+                <a:latin typeface="Times New Roman" panose="02020603050405020304" pitchFamily="18" charset="0"/>
+                <a:cs typeface="Times New Roman" panose="02020603050405020304" pitchFamily="18" charset="0"/>
+              </a:rPr>
+              <a:t> </a:t>
+            </a:r>
+            <a:endParaRPr lang="en-US" sz="1600" dirty="0">
+              <a:latin typeface="Times New Roman" panose="02020603050405020304" pitchFamily="18" charset="0"/>
+              <a:cs typeface="Times New Roman" panose="02020603050405020304" pitchFamily="18" charset="0"/>
+            </a:endParaRPr>
+          </a:p>
+          <a:p>
+            <a:pPr marR="0" lvl="0" algn="l" defTabSz="914400" rtl="0" eaLnBrk="0" fontAlgn="base" latinLnBrk="0" hangingPunct="0">
+              <a:lnSpc>
+                <a:spcPct val="200000"/>
+              </a:lnSpc>
+              <a:spcBef>
+                <a:spcPct val="0"/>
+              </a:spcBef>
+              <a:spcAft>
+                <a:spcPct val="0"/>
+              </a:spcAft>
+              <a:buClrTx/>
+              <a:buSzTx/>
+              <a:tabLst/>
+            </a:pPr>
+            <a:r>
+              <a:rPr lang="en-US" sz="1600" b="1" dirty="0">
+                <a:latin typeface="Times New Roman" panose="02020603050405020304" pitchFamily="18" charset="0"/>
+                <a:cs typeface="Times New Roman" panose="02020603050405020304" pitchFamily="18" charset="0"/>
+              </a:rPr>
+              <a:t>Team Member 4 (Hanji Ranjan)</a:t>
+            </a:r>
+            <a:r>
+              <a:rPr lang="en-US" sz="1600" dirty="0">
+                <a:latin typeface="Times New Roman" panose="02020603050405020304" pitchFamily="18" charset="0"/>
+                <a:cs typeface="Times New Roman" panose="02020603050405020304" pitchFamily="18" charset="0"/>
+              </a:rPr>
+              <a:t>:</a:t>
+            </a:r>
+          </a:p>
+          <a:p>
+            <a:pPr>
+              <a:lnSpc>
+                <a:spcPct val="200000"/>
+              </a:lnSpc>
+              <a:buFont typeface="Arial" panose="020B0604020202020204" pitchFamily="34" charset="0"/>
+              <a:buChar char="•"/>
+            </a:pPr>
+            <a:r>
+              <a:rPr lang="en-US" sz="1600" dirty="0">
+                <a:latin typeface="Times New Roman" panose="02020603050405020304" pitchFamily="18" charset="0"/>
+                <a:cs typeface="Times New Roman" panose="02020603050405020304" pitchFamily="18" charset="0"/>
+              </a:rPr>
+              <a:t>Compiling data and report creation.</a:t>
+            </a:r>
+          </a:p>
+          <a:p>
+            <a:pPr>
+              <a:lnSpc>
+                <a:spcPct val="200000"/>
+              </a:lnSpc>
+            </a:pPr>
+            <a:r>
+              <a:rPr lang="en-US" sz="1600" dirty="0">
+                <a:latin typeface="Times New Roman" panose="02020603050405020304" pitchFamily="18" charset="0"/>
+                <a:cs typeface="Times New Roman" panose="02020603050405020304" pitchFamily="18" charset="0"/>
+              </a:rPr>
+              <a:t>Database management of users account</a:t>
+            </a:r>
             <a:endParaRPr kumimoji="0" lang="en-US" altLang="en-US" sz="1600" b="0" i="0" u="none" strike="noStrike" cap="none" normalizeH="0" baseline="0" dirty="0">
               <a:ln>
                 <a:noFill/>
@@ -25392,18 +25228,11 @@
           <a:lstStyle/>
           <a:p>
             <a:r>
-              <a:rPr lang="en-IN" dirty="0" err="1">
-                <a:latin typeface="Times New Roman" panose="02020603050405020304" pitchFamily="18" charset="0"/>
-                <a:cs typeface="Times New Roman" panose="02020603050405020304" pitchFamily="18" charset="0"/>
-              </a:rPr>
-              <a:t>Callify</a:t>
-            </a:r>
-            <a:r>
               <a:rPr lang="en-IN" dirty="0">
                 <a:latin typeface="Times New Roman" panose="02020603050405020304" pitchFamily="18" charset="0"/>
                 <a:cs typeface="Times New Roman" panose="02020603050405020304" pitchFamily="18" charset="0"/>
               </a:rPr>
-              <a:t> video conferencing</a:t>
+              <a:t>Callify video conferencing</a:t>
             </a:r>
           </a:p>
         </p:txBody>
@@ -25447,7 +25276,7 @@
               <a:tabLst/>
             </a:pPr>
             <a:r>
-              <a:rPr lang="en-US" altLang="en-US" dirty="0" err="1">
+              <a:rPr lang="en-US" altLang="en-US" dirty="0">
                 <a:latin typeface="Times New Roman" panose="02020603050405020304" pitchFamily="18" charset="0"/>
                 <a:cs typeface="Times New Roman" panose="02020603050405020304" pitchFamily="18" charset="0"/>
               </a:rPr>
@@ -25958,21 +25787,7 @@
                 <a:latin typeface="Times New Roman" panose="02020603050405020304" pitchFamily="18" charset="0"/>
                 <a:cs typeface="Times New Roman" panose="02020603050405020304" pitchFamily="18" charset="0"/>
               </a:rPr>
-              <a:t>Cite sources such </a:t>
-            </a:r>
-            <a:r>
-              <a:rPr lang="en-US" sz="1600" dirty="0" err="1">
-                <a:latin typeface="Times New Roman" panose="02020603050405020304" pitchFamily="18" charset="0"/>
-                <a:cs typeface="Times New Roman" panose="02020603050405020304" pitchFamily="18" charset="0"/>
-              </a:rPr>
-              <a:t>as:Yuan</a:t>
-            </a:r>
-            <a:r>
-              <a:rPr lang="en-US" sz="1600" dirty="0">
-                <a:latin typeface="Times New Roman" panose="02020603050405020304" pitchFamily="18" charset="0"/>
-                <a:cs typeface="Times New Roman" panose="02020603050405020304" pitchFamily="18" charset="0"/>
-              </a:rPr>
-              <a:t>, E. (2011). Zoom Video Communications. </a:t>
+              <a:t>Cite sources such as:Yuan, E. (2011). Zoom Video Communications. </a:t>
             </a:r>
             <a:r>
               <a:rPr lang="en-US" sz="1600" dirty="0">
@@ -26016,21 +25831,7 @@
                 <a:latin typeface="Times New Roman" panose="02020603050405020304" pitchFamily="18" charset="0"/>
                 <a:cs typeface="Times New Roman" panose="02020603050405020304" pitchFamily="18" charset="0"/>
               </a:rPr>
-              <a:t>Articles comparing </a:t>
-            </a:r>
-            <a:r>
-              <a:rPr lang="en-US" sz="1600" dirty="0" err="1">
-                <a:latin typeface="Times New Roman" panose="02020603050405020304" pitchFamily="18" charset="0"/>
-                <a:cs typeface="Times New Roman" panose="02020603050405020304" pitchFamily="18" charset="0"/>
-              </a:rPr>
-              <a:t>Callify</a:t>
-            </a:r>
-            <a:r>
-              <a:rPr lang="en-US" sz="1600" dirty="0">
-                <a:latin typeface="Times New Roman" panose="02020603050405020304" pitchFamily="18" charset="0"/>
-                <a:cs typeface="Times New Roman" panose="02020603050405020304" pitchFamily="18" charset="0"/>
-              </a:rPr>
-              <a:t> with platforms like Google Meet and Microsoft Teams.</a:t>
+              <a:t>Articles comparing Callify with platforms like Google Meet and Microsoft Teams.</a:t>
             </a:r>
           </a:p>
           <a:p>
@@ -27270,7 +27071,7 @@
               <a:t> To analyze how </a:t>
             </a:r>
             <a:r>
-              <a:rPr lang="en-US" altLang="en-US" sz="1600" dirty="0" err="1">
+              <a:rPr lang="en-US" altLang="en-US" sz="1600" dirty="0">
                 <a:latin typeface="Times New Roman" panose="02020603050405020304" pitchFamily="18" charset="0"/>
                 <a:cs typeface="Times New Roman" panose="02020603050405020304" pitchFamily="18" charset="0"/>
               </a:rPr>
@@ -27323,25 +27124,11 @@
               <a:t> To assess </a:t>
             </a:r>
             <a:r>
-              <a:rPr lang="en-US" altLang="en-US" sz="1600" dirty="0" err="1">
+              <a:rPr lang="en-US" altLang="en-US" sz="1600" dirty="0">
                 <a:latin typeface="Times New Roman" panose="02020603050405020304" pitchFamily="18" charset="0"/>
                 <a:cs typeface="Times New Roman" panose="02020603050405020304" pitchFamily="18" charset="0"/>
               </a:rPr>
               <a:t>Callify</a:t>
-            </a:r>
-            <a:r>
-              <a:rPr kumimoji="0" lang="en-US" altLang="en-US" sz="1600" b="0" i="0" u="none" strike="noStrike" cap="none" normalizeH="0" baseline="0" dirty="0" err="1">
-                <a:ln>
-                  <a:noFill/>
-                </a:ln>
-                <a:solidFill>
-                  <a:schemeClr val="tx1"/>
-                </a:solidFill>
-                <a:effectLst/>
-                <a:latin typeface="Times New Roman" panose="02020603050405020304" pitchFamily="18" charset="0"/>
-                <a:cs typeface="Times New Roman" panose="02020603050405020304" pitchFamily="18" charset="0"/>
-              </a:rPr>
-              <a:t>'s</a:t>
             </a:r>
             <a:r>
               <a:rPr kumimoji="0" lang="en-US" altLang="en-US" sz="1600" b="0" i="0" u="none" strike="noStrike" cap="none" normalizeH="0" baseline="0" dirty="0">
@@ -27355,7 +27142,7 @@
                 <a:latin typeface="Times New Roman" panose="02020603050405020304" pitchFamily="18" charset="0"/>
                 <a:cs typeface="Times New Roman" panose="02020603050405020304" pitchFamily="18" charset="0"/>
               </a:rPr>
-              <a:t> ability to handle large-scale meetings with ease and security.</a:t>
+              <a:t>'s ability to handle large-scale meetings with ease and security.</a:t>
             </a:r>
           </a:p>
           <a:p>
@@ -27390,25 +27177,11 @@
               <a:t> To explore </a:t>
             </a:r>
             <a:r>
-              <a:rPr lang="en-US" altLang="en-US" sz="1600" dirty="0" err="1">
+              <a:rPr lang="en-US" altLang="en-US" sz="1600" dirty="0">
                 <a:latin typeface="Times New Roman" panose="02020603050405020304" pitchFamily="18" charset="0"/>
                 <a:cs typeface="Times New Roman" panose="02020603050405020304" pitchFamily="18" charset="0"/>
               </a:rPr>
               <a:t>Callify</a:t>
-            </a:r>
-            <a:r>
-              <a:rPr kumimoji="0" lang="en-US" altLang="en-US" sz="1600" b="0" i="0" u="none" strike="noStrike" cap="none" normalizeH="0" baseline="0" dirty="0" err="1">
-                <a:ln>
-                  <a:noFill/>
-                </a:ln>
-                <a:solidFill>
-                  <a:schemeClr val="tx1"/>
-                </a:solidFill>
-                <a:effectLst/>
-                <a:latin typeface="Times New Roman" panose="02020603050405020304" pitchFamily="18" charset="0"/>
-                <a:cs typeface="Times New Roman" panose="02020603050405020304" pitchFamily="18" charset="0"/>
-              </a:rPr>
-              <a:t>'s</a:t>
             </a:r>
             <a:r>
               <a:rPr kumimoji="0" lang="en-US" altLang="en-US" sz="1600" b="0" i="0" u="none" strike="noStrike" cap="none" normalizeH="0" baseline="0" dirty="0">
@@ -27422,7 +27195,7 @@
                 <a:latin typeface="Times New Roman" panose="02020603050405020304" pitchFamily="18" charset="0"/>
                 <a:cs typeface="Times New Roman" panose="02020603050405020304" pitchFamily="18" charset="0"/>
               </a:rPr>
-              <a:t> impact on work culture and communication efficiency.</a:t>
+              <a:t>'s impact on work culture and communication efficiency.</a:t>
             </a:r>
           </a:p>
           <a:p>
@@ -27858,21 +27631,7 @@
                 <a:latin typeface="Times New Roman" panose="02020603050405020304" pitchFamily="18" charset="0"/>
                 <a:cs typeface="Times New Roman" panose="02020603050405020304" pitchFamily="18" charset="0"/>
               </a:rPr>
-              <a:t>Research and review existing literature on video conferencing tools, with a focus on </a:t>
-            </a:r>
-            <a:r>
-              <a:rPr lang="en-US" sz="1600" dirty="0" err="1">
-                <a:latin typeface="Times New Roman" panose="02020603050405020304" pitchFamily="18" charset="0"/>
-                <a:cs typeface="Times New Roman" panose="02020603050405020304" pitchFamily="18" charset="0"/>
-              </a:rPr>
-              <a:t>Callify</a:t>
-            </a:r>
-            <a:r>
-              <a:rPr lang="en-US" sz="1600" dirty="0">
-                <a:latin typeface="Times New Roman" panose="02020603050405020304" pitchFamily="18" charset="0"/>
-                <a:cs typeface="Times New Roman" panose="02020603050405020304" pitchFamily="18" charset="0"/>
-              </a:rPr>
-              <a:t>.</a:t>
+              <a:t>Research and review existing literature on video conferencing tools, with a focus on Callify.</a:t>
             </a:r>
           </a:p>
           <a:p>
@@ -27888,21 +27647,7 @@
                 <a:latin typeface="Times New Roman" panose="02020603050405020304" pitchFamily="18" charset="0"/>
                 <a:cs typeface="Times New Roman" panose="02020603050405020304" pitchFamily="18" charset="0"/>
               </a:rPr>
-              <a:t>Conduct a comparative analysis of </a:t>
-            </a:r>
-            <a:r>
-              <a:rPr lang="en-US" sz="1600" dirty="0" err="1">
-                <a:latin typeface="Times New Roman" panose="02020603050405020304" pitchFamily="18" charset="0"/>
-                <a:cs typeface="Times New Roman" panose="02020603050405020304" pitchFamily="18" charset="0"/>
-              </a:rPr>
-              <a:t>Callify</a:t>
-            </a:r>
-            <a:r>
-              <a:rPr lang="en-US" sz="1600" dirty="0">
-                <a:latin typeface="Times New Roman" panose="02020603050405020304" pitchFamily="18" charset="0"/>
-                <a:cs typeface="Times New Roman" panose="02020603050405020304" pitchFamily="18" charset="0"/>
-              </a:rPr>
-              <a:t> with other platforms based on user experience, features, and security.</a:t>
+              <a:t>Conduct a comparative analysis of Callify with other platforms based on user experience, features, and security.</a:t>
             </a:r>
           </a:p>
           <a:p>
@@ -27918,21 +27663,7 @@
                 <a:latin typeface="Times New Roman" panose="02020603050405020304" pitchFamily="18" charset="0"/>
                 <a:cs typeface="Times New Roman" panose="02020603050405020304" pitchFamily="18" charset="0"/>
               </a:rPr>
-              <a:t>Gather feedback from </a:t>
-            </a:r>
-            <a:r>
-              <a:rPr lang="en-US" sz="1600" dirty="0" err="1">
-                <a:latin typeface="Times New Roman" panose="02020603050405020304" pitchFamily="18" charset="0"/>
-                <a:cs typeface="Times New Roman" panose="02020603050405020304" pitchFamily="18" charset="0"/>
-              </a:rPr>
-              <a:t>Callify</a:t>
-            </a:r>
-            <a:r>
-              <a:rPr lang="en-US" sz="1600" dirty="0">
-                <a:latin typeface="Times New Roman" panose="02020603050405020304" pitchFamily="18" charset="0"/>
-                <a:cs typeface="Times New Roman" panose="02020603050405020304" pitchFamily="18" charset="0"/>
-              </a:rPr>
-              <a:t> users on usability, performance, and overall satisfaction.</a:t>
+              <a:t>Gather feedback from Callify users on usability, performance, and overall satisfaction.</a:t>
             </a:r>
           </a:p>
           <a:p>
@@ -27948,21 +27679,7 @@
                 <a:latin typeface="Times New Roman" panose="02020603050405020304" pitchFamily="18" charset="0"/>
                 <a:cs typeface="Times New Roman" panose="02020603050405020304" pitchFamily="18" charset="0"/>
               </a:rPr>
-              <a:t>Analyze data to understand how </a:t>
-            </a:r>
-            <a:r>
-              <a:rPr lang="en-US" sz="1600" dirty="0" err="1">
-                <a:latin typeface="Times New Roman" panose="02020603050405020304" pitchFamily="18" charset="0"/>
-                <a:cs typeface="Times New Roman" panose="02020603050405020304" pitchFamily="18" charset="0"/>
-              </a:rPr>
-              <a:t>Callify</a:t>
-            </a:r>
-            <a:r>
-              <a:rPr lang="en-US" sz="1600" dirty="0">
-                <a:latin typeface="Times New Roman" panose="02020603050405020304" pitchFamily="18" charset="0"/>
-                <a:cs typeface="Times New Roman" panose="02020603050405020304" pitchFamily="18" charset="0"/>
-              </a:rPr>
-              <a:t> is meeting communication needs in various sectors (education, corporate, healthcare).</a:t>
+              <a:t>Analyze data to understand how Callify is meeting communication needs in various sectors (education, corporate, healthcare).</a:t>
             </a:r>
           </a:p>
           <a:p>
@@ -28440,25 +28157,11 @@
               <a:t> Comprehensive report on </a:t>
             </a:r>
             <a:r>
-              <a:rPr lang="en-US" altLang="en-US" sz="1600" dirty="0" err="1">
+              <a:rPr lang="en-US" altLang="en-US" sz="1600" dirty="0">
                 <a:latin typeface="Times New Roman" panose="02020603050405020304" pitchFamily="18" charset="0"/>
                 <a:cs typeface="Times New Roman" panose="02020603050405020304" pitchFamily="18" charset="0"/>
               </a:rPr>
               <a:t>Callify</a:t>
-            </a:r>
-            <a:r>
-              <a:rPr kumimoji="0" lang="en-US" altLang="en-US" sz="1600" b="0" i="0" u="none" strike="noStrike" cap="none" normalizeH="0" baseline="0" dirty="0" err="1">
-                <a:ln>
-                  <a:noFill/>
-                </a:ln>
-                <a:solidFill>
-                  <a:schemeClr val="tx1"/>
-                </a:solidFill>
-                <a:effectLst/>
-                <a:latin typeface="Times New Roman" panose="02020603050405020304" pitchFamily="18" charset="0"/>
-                <a:cs typeface="Times New Roman" panose="02020603050405020304" pitchFamily="18" charset="0"/>
-              </a:rPr>
-              <a:t>’s</a:t>
             </a:r>
             <a:r>
               <a:rPr kumimoji="0" lang="en-US" altLang="en-US" sz="1600" b="0" i="0" u="none" strike="noStrike" cap="none" normalizeH="0" baseline="0" dirty="0">
@@ -28472,7 +28175,7 @@
                 <a:latin typeface="Times New Roman" panose="02020603050405020304" pitchFamily="18" charset="0"/>
                 <a:cs typeface="Times New Roman" panose="02020603050405020304" pitchFamily="18" charset="0"/>
               </a:rPr>
-              <a:t> features, user experience, and technical   capabilities.</a:t>
+              <a:t>’s features, user experience, and technical   capabilities.</a:t>
             </a:r>
           </a:p>
           <a:p>
@@ -28507,7 +28210,7 @@
               <a:t> Comparative analysis report of </a:t>
             </a:r>
             <a:r>
-              <a:rPr lang="en-US" altLang="en-US" sz="1600" dirty="0" err="1">
+              <a:rPr lang="en-US" altLang="en-US" sz="1600" dirty="0">
                 <a:latin typeface="Times New Roman" panose="02020603050405020304" pitchFamily="18" charset="0"/>
                 <a:cs typeface="Times New Roman" panose="02020603050405020304" pitchFamily="18" charset="0"/>
               </a:rPr>
@@ -28560,7 +28263,7 @@
               <a:t> Case studies highlighting the impact of </a:t>
             </a:r>
             <a:r>
-              <a:rPr lang="en-US" altLang="en-US" sz="1600" dirty="0" err="1">
+              <a:rPr lang="en-US" altLang="en-US" sz="1600" dirty="0">
                 <a:latin typeface="Times New Roman" panose="02020603050405020304" pitchFamily="18" charset="0"/>
                 <a:cs typeface="Times New Roman" panose="02020603050405020304" pitchFamily="18" charset="0"/>
               </a:rPr>
@@ -28659,25 +28362,11 @@
               <a:t> Better understanding of </a:t>
             </a:r>
             <a:r>
-              <a:rPr lang="en-US" altLang="en-US" sz="1600" dirty="0" err="1">
+              <a:rPr lang="en-US" altLang="en-US" sz="1600" dirty="0">
                 <a:latin typeface="Times New Roman" panose="02020603050405020304" pitchFamily="18" charset="0"/>
                 <a:cs typeface="Times New Roman" panose="02020603050405020304" pitchFamily="18" charset="0"/>
               </a:rPr>
               <a:t>Callify</a:t>
-            </a:r>
-            <a:r>
-              <a:rPr kumimoji="0" lang="en-US" altLang="en-US" sz="1600" b="0" i="0" u="none" strike="noStrike" cap="none" normalizeH="0" baseline="0" dirty="0" err="1">
-                <a:ln>
-                  <a:noFill/>
-                </a:ln>
-                <a:solidFill>
-                  <a:schemeClr val="tx1"/>
-                </a:solidFill>
-                <a:effectLst/>
-                <a:latin typeface="Times New Roman" panose="02020603050405020304" pitchFamily="18" charset="0"/>
-                <a:cs typeface="Times New Roman" panose="02020603050405020304" pitchFamily="18" charset="0"/>
-              </a:rPr>
-              <a:t>’s</a:t>
             </a:r>
             <a:r>
               <a:rPr kumimoji="0" lang="en-US" altLang="en-US" sz="1600" b="0" i="0" u="none" strike="noStrike" cap="none" normalizeH="0" baseline="0" dirty="0">
@@ -28691,7 +28380,7 @@
                 <a:latin typeface="Times New Roman" panose="02020603050405020304" pitchFamily="18" charset="0"/>
                 <a:cs typeface="Times New Roman" panose="02020603050405020304" pitchFamily="18" charset="0"/>
               </a:rPr>
-              <a:t> role in shaping future communication technologies.</a:t>
+              <a:t>’s role in shaping future communication technologies.</a:t>
             </a:r>
           </a:p>
           <a:p>
@@ -28726,7 +28415,7 @@
               <a:t> Insights into how </a:t>
             </a:r>
             <a:r>
-              <a:rPr lang="en-US" altLang="en-US" sz="1600" dirty="0" err="1">
+              <a:rPr lang="en-US" altLang="en-US" sz="1600" dirty="0">
                 <a:latin typeface="Times New Roman" panose="02020603050405020304" pitchFamily="18" charset="0"/>
                 <a:cs typeface="Times New Roman" panose="02020603050405020304" pitchFamily="18" charset="0"/>
               </a:rPr>
@@ -29157,8 +28846,7 @@
               </a:spcAft>
               <a:buClrTx/>
               <a:buSzTx/>
-              <a:buFontTx/>
-              <a:buChar char="•"/>
+              <a:buNone/>
               <a:tabLst/>
             </a:pPr>
             <a:r>
@@ -29166,14 +28854,7 @@
                 <a:latin typeface="Times New Roman" panose="02020603050405020304" pitchFamily="18" charset="0"/>
                 <a:cs typeface="Times New Roman" panose="02020603050405020304" pitchFamily="18" charset="0"/>
               </a:rPr>
-              <a:t> Next </a:t>
-            </a:r>
-            <a:r>
-              <a:rPr lang="en-US" altLang="en-US" sz="1600" b="1" dirty="0" err="1">
-                <a:latin typeface="Times New Roman" panose="02020603050405020304" pitchFamily="18" charset="0"/>
-                <a:cs typeface="Times New Roman" panose="02020603050405020304" pitchFamily="18" charset="0"/>
-              </a:rPr>
-              <a:t>Js</a:t>
+              <a:t>Next Js</a:t>
             </a:r>
             <a:r>
               <a:rPr kumimoji="0" lang="en-US" altLang="en-US" sz="1600" b="0" i="0" u="none" strike="noStrike" cap="none" normalizeH="0" baseline="0" dirty="0">
@@ -29851,8 +29532,7 @@
               </a:spcAft>
               <a:buClrTx/>
               <a:buSzTx/>
-              <a:buFontTx/>
-              <a:buChar char="•"/>
+              <a:buNone/>
               <a:tabLst/>
             </a:pPr>
             <a:r>
@@ -29867,7 +29547,7 @@
                 <a:latin typeface="Times New Roman" panose="02020603050405020304" pitchFamily="18" charset="0"/>
                 <a:cs typeface="Times New Roman" panose="02020603050405020304" pitchFamily="18" charset="0"/>
               </a:rPr>
-              <a:t> Clerk(Authentication)</a:t>
+              <a:t>Clerk(Authentication)</a:t>
             </a:r>
             <a:r>
               <a:rPr kumimoji="0" lang="en-US" altLang="en-US" sz="1600" b="0" i="0" u="none" strike="noStrike" cap="none" normalizeH="0" baseline="0" dirty="0">

--- a/Report & PPT/Project Work/Ppt/Callify Synopsis.pptx
+++ b/Report & PPT/Project Work/Ppt/Callify Synopsis.pptx
@@ -17853,7 +17853,7 @@
         </p:nvSpPr>
         <p:spPr>
           <a:xfrm>
-            <a:off x="5181600" y="914400"/>
+            <a:off x="4648200" y="914400"/>
             <a:ext cx="3352800" cy="369332"/>
           </a:xfrm>
           <a:prstGeom prst="rect">
@@ -17913,7 +17913,7 @@
           <p:nvPr>
             <p:extLst>
               <p:ext uri="{D42A27DB-BD31-4B8C-83A1-F6EECF244321}">
-                <p14:modId xmlns:p14="http://schemas.microsoft.com/office/powerpoint/2010/main" val="1418108477"/>
+                <p14:modId xmlns:p14="http://schemas.microsoft.com/office/powerpoint/2010/main" val="3084090661"/>
               </p:ext>
             </p:extLst>
           </p:nvPr>
@@ -18849,7 +18849,15 @@
                             <a:schemeClr val="tx1"/>
                           </a:solidFill>
                         </a:rPr>
-                        <a:t> Associate Professor and Hod</a:t>
+                        <a:t> Professor and </a:t>
+                      </a:r>
+                      <a:r>
+                        <a:rPr lang="en-US" b="1" baseline="0" dirty="0" err="1">
+                          <a:solidFill>
+                            <a:schemeClr val="tx1"/>
+                          </a:solidFill>
+                        </a:rPr>
+                        <a:t>HoD</a:t>
                       </a:r>
                       <a:endParaRPr lang="en-IN" b="1" dirty="0">
                         <a:solidFill>

--- a/Report & PPT/Project Work/Ppt/Callify Synopsis.pptx
+++ b/Report & PPT/Project Work/Ppt/Callify Synopsis.pptx
@@ -23788,7 +23788,7 @@
           <p:nvPr>
             <p:extLst>
               <p:ext uri="{D42A27DB-BD31-4B8C-83A1-F6EECF244321}">
-                <p14:modId xmlns:p14="http://schemas.microsoft.com/office/powerpoint/2010/main" val="4100994931"/>
+                <p14:modId xmlns:p14="http://schemas.microsoft.com/office/powerpoint/2010/main" val="251587009"/>
               </p:ext>
             </p:extLst>
           </p:nvPr>
@@ -24148,7 +24148,10 @@
                       <a:tailEnd type="none" w="med" len="med"/>
                     </a:lnB>
                     <a:solidFill>
-                      <a:schemeClr val="bg1"/>
+                      <a:schemeClr val="accent2">
+                        <a:lumMod val="20000"/>
+                        <a:lumOff val="80000"/>
+                      </a:schemeClr>
                     </a:solidFill>
                   </a:tcPr>
                 </a:tc>
@@ -24201,7 +24204,10 @@
                       <a:tailEnd type="none" w="med" len="med"/>
                     </a:lnB>
                     <a:solidFill>
-                      <a:schemeClr val="bg1"/>
+                      <a:schemeClr val="accent2">
+                        <a:lumMod val="20000"/>
+                        <a:lumOff val="80000"/>
+                      </a:schemeClr>
                     </a:solidFill>
                   </a:tcPr>
                 </a:tc>
@@ -24254,7 +24260,10 @@
                       <a:tailEnd type="none" w="med" len="med"/>
                     </a:lnB>
                     <a:solidFill>
-                      <a:schemeClr val="bg1"/>
+                      <a:schemeClr val="accent2">
+                        <a:lumMod val="20000"/>
+                        <a:lumOff val="80000"/>
+                      </a:schemeClr>
                     </a:solidFill>
                   </a:tcPr>
                 </a:tc>
@@ -24307,7 +24316,10 @@
                       <a:tailEnd type="none" w="med" len="med"/>
                     </a:lnB>
                     <a:solidFill>
-                      <a:schemeClr val="bg1"/>
+                      <a:schemeClr val="accent2">
+                        <a:lumMod val="20000"/>
+                        <a:lumOff val="80000"/>
+                      </a:schemeClr>
                     </a:solidFill>
                   </a:tcPr>
                 </a:tc>
@@ -24360,7 +24372,10 @@
                       <a:tailEnd type="none" w="med" len="med"/>
                     </a:lnB>
                     <a:solidFill>
-                      <a:schemeClr val="bg1"/>
+                      <a:schemeClr val="accent2">
+                        <a:lumMod val="20000"/>
+                        <a:lumOff val="80000"/>
+                      </a:schemeClr>
                     </a:solidFill>
                   </a:tcPr>
                 </a:tc>
@@ -24421,7 +24436,10 @@
                       <a:tailEnd type="none" w="med" len="med"/>
                     </a:lnB>
                     <a:solidFill>
-                      <a:schemeClr val="bg1"/>
+                      <a:schemeClr val="accent2">
+                        <a:lumMod val="20000"/>
+                        <a:lumOff val="80000"/>
+                      </a:schemeClr>
                     </a:solidFill>
                   </a:tcPr>
                 </a:tc>
@@ -24474,7 +24492,10 @@
                       <a:tailEnd type="none" w="med" len="med"/>
                     </a:lnB>
                     <a:solidFill>
-                      <a:schemeClr val="bg1"/>
+                      <a:schemeClr val="accent2">
+                        <a:lumMod val="20000"/>
+                        <a:lumOff val="80000"/>
+                      </a:schemeClr>
                     </a:solidFill>
                   </a:tcPr>
                 </a:tc>
@@ -24527,7 +24548,10 @@
                       <a:tailEnd type="none" w="med" len="med"/>
                     </a:lnB>
                     <a:solidFill>
-                      <a:schemeClr val="bg1"/>
+                      <a:schemeClr val="accent2">
+                        <a:lumMod val="20000"/>
+                        <a:lumOff val="80000"/>
+                      </a:schemeClr>
                     </a:solidFill>
                   </a:tcPr>
                 </a:tc>
@@ -24580,7 +24604,10 @@
                       <a:tailEnd type="none" w="med" len="med"/>
                     </a:lnB>
                     <a:solidFill>
-                      <a:schemeClr val="bg1"/>
+                      <a:schemeClr val="accent2">
+                        <a:lumMod val="20000"/>
+                        <a:lumOff val="80000"/>
+                      </a:schemeClr>
                     </a:solidFill>
                   </a:tcPr>
                 </a:tc>
@@ -24633,7 +24660,10 @@
                       <a:tailEnd type="none" w="med" len="med"/>
                     </a:lnB>
                     <a:solidFill>
-                      <a:schemeClr val="bg1"/>
+                      <a:schemeClr val="accent2">
+                        <a:lumMod val="20000"/>
+                        <a:lumOff val="80000"/>
+                      </a:schemeClr>
                     </a:solidFill>
                   </a:tcPr>
                 </a:tc>
@@ -24693,7 +24723,10 @@
                       <a:tailEnd type="none" w="med" len="med"/>
                     </a:lnB>
                     <a:solidFill>
-                      <a:schemeClr val="bg1"/>
+                      <a:schemeClr val="accent2">
+                        <a:lumMod val="20000"/>
+                        <a:lumOff val="80000"/>
+                      </a:schemeClr>
                     </a:solidFill>
                   </a:tcPr>
                 </a:tc>
@@ -24746,7 +24779,10 @@
                       <a:tailEnd type="none" w="med" len="med"/>
                     </a:lnB>
                     <a:solidFill>
-                      <a:schemeClr val="bg1"/>
+                      <a:schemeClr val="accent2">
+                        <a:lumMod val="20000"/>
+                        <a:lumOff val="80000"/>
+                      </a:schemeClr>
                     </a:solidFill>
                   </a:tcPr>
                 </a:tc>
@@ -24799,7 +24835,10 @@
                       <a:tailEnd type="none" w="med" len="med"/>
                     </a:lnB>
                     <a:solidFill>
-                      <a:schemeClr val="bg1"/>
+                      <a:schemeClr val="accent2">
+                        <a:lumMod val="20000"/>
+                        <a:lumOff val="80000"/>
+                      </a:schemeClr>
                     </a:solidFill>
                   </a:tcPr>
                 </a:tc>
@@ -24852,7 +24891,10 @@
                       <a:tailEnd type="none" w="med" len="med"/>
                     </a:lnB>
                     <a:solidFill>
-                      <a:schemeClr val="bg1"/>
+                      <a:schemeClr val="accent2">
+                        <a:lumMod val="20000"/>
+                        <a:lumOff val="80000"/>
+                      </a:schemeClr>
                     </a:solidFill>
                   </a:tcPr>
                 </a:tc>
@@ -24905,7 +24947,10 @@
                       <a:tailEnd type="none" w="med" len="med"/>
                     </a:lnB>
                     <a:solidFill>
-                      <a:schemeClr val="bg1"/>
+                      <a:schemeClr val="accent2">
+                        <a:lumMod val="20000"/>
+                        <a:lumOff val="80000"/>
+                      </a:schemeClr>
                     </a:solidFill>
                   </a:tcPr>
                 </a:tc>
@@ -25327,7 +25372,7 @@
           <p:nvPr>
             <p:extLst>
               <p:ext uri="{D42A27DB-BD31-4B8C-83A1-F6EECF244321}">
-                <p14:modId xmlns:p14="http://schemas.microsoft.com/office/powerpoint/2010/main" val="1223100380"/>
+                <p14:modId xmlns:p14="http://schemas.microsoft.com/office/powerpoint/2010/main" val="3087522618"/>
               </p:ext>
             </p:extLst>
           </p:nvPr>
@@ -32538,7 +32583,7 @@
             <p:ph idx="1"/>
             <p:extLst>
               <p:ext uri="{D42A27DB-BD31-4B8C-83A1-F6EECF244321}">
-                <p14:modId xmlns:p14="http://schemas.microsoft.com/office/powerpoint/2010/main" val="859105079"/>
+                <p14:modId xmlns:p14="http://schemas.microsoft.com/office/powerpoint/2010/main" val="3172268716"/>
               </p:ext>
             </p:extLst>
           </p:nvPr>
@@ -33026,6 +33071,12 @@
                       <a:headEnd type="none" w="med" len="med"/>
                       <a:tailEnd type="none" w="med" len="med"/>
                     </a:lnB>
+                    <a:solidFill>
+                      <a:schemeClr val="accent2">
+                        <a:lumMod val="20000"/>
+                        <a:lumOff val="80000"/>
+                      </a:schemeClr>
+                    </a:solidFill>
                   </a:tcPr>
                 </a:tc>
                 <a:tc>
@@ -33097,6 +33148,12 @@
                       <a:headEnd type="none" w="med" len="med"/>
                       <a:tailEnd type="none" w="med" len="med"/>
                     </a:lnB>
+                    <a:solidFill>
+                      <a:schemeClr val="accent2">
+                        <a:lumMod val="20000"/>
+                        <a:lumOff val="80000"/>
+                      </a:schemeClr>
+                    </a:solidFill>
                   </a:tcPr>
                 </a:tc>
                 <a:tc>
@@ -33168,6 +33225,12 @@
                       <a:headEnd type="none" w="med" len="med"/>
                       <a:tailEnd type="none" w="med" len="med"/>
                     </a:lnB>
+                    <a:solidFill>
+                      <a:schemeClr val="accent2">
+                        <a:lumMod val="20000"/>
+                        <a:lumOff val="80000"/>
+                      </a:schemeClr>
+                    </a:solidFill>
                   </a:tcPr>
                 </a:tc>
                 <a:tc>
@@ -33239,6 +33302,12 @@
                       <a:headEnd type="none" w="med" len="med"/>
                       <a:tailEnd type="none" w="med" len="med"/>
                     </a:lnB>
+                    <a:solidFill>
+                      <a:schemeClr val="accent2">
+                        <a:lumMod val="20000"/>
+                        <a:lumOff val="80000"/>
+                      </a:schemeClr>
+                    </a:solidFill>
                   </a:tcPr>
                 </a:tc>
                 <a:tc>
@@ -33329,6 +33398,12 @@
                       <a:headEnd type="none" w="med" len="med"/>
                       <a:tailEnd type="none" w="med" len="med"/>
                     </a:lnB>
+                    <a:solidFill>
+                      <a:schemeClr val="accent2">
+                        <a:lumMod val="20000"/>
+                        <a:lumOff val="80000"/>
+                      </a:schemeClr>
+                    </a:solidFill>
                   </a:tcPr>
                 </a:tc>
                 <a:extLst>
@@ -33407,6 +33482,12 @@
                       <a:headEnd type="none" w="med" len="med"/>
                       <a:tailEnd type="none" w="med" len="med"/>
                     </a:lnB>
+                    <a:solidFill>
+                      <a:schemeClr val="accent2">
+                        <a:lumMod val="20000"/>
+                        <a:lumOff val="80000"/>
+                      </a:schemeClr>
+                    </a:solidFill>
                   </a:tcPr>
                 </a:tc>
                 <a:tc>
@@ -33478,6 +33559,12 @@
                       <a:headEnd type="none" w="med" len="med"/>
                       <a:tailEnd type="none" w="med" len="med"/>
                     </a:lnB>
+                    <a:solidFill>
+                      <a:schemeClr val="accent2">
+                        <a:lumMod val="20000"/>
+                        <a:lumOff val="80000"/>
+                      </a:schemeClr>
+                    </a:solidFill>
                   </a:tcPr>
                 </a:tc>
                 <a:tc>
@@ -33549,6 +33636,12 @@
                       <a:headEnd type="none" w="med" len="med"/>
                       <a:tailEnd type="none" w="med" len="med"/>
                     </a:lnB>
+                    <a:solidFill>
+                      <a:schemeClr val="accent2">
+                        <a:lumMod val="20000"/>
+                        <a:lumOff val="80000"/>
+                      </a:schemeClr>
+                    </a:solidFill>
                   </a:tcPr>
                 </a:tc>
                 <a:tc>
@@ -33620,6 +33713,12 @@
                       <a:headEnd type="none" w="med" len="med"/>
                       <a:tailEnd type="none" w="med" len="med"/>
                     </a:lnB>
+                    <a:solidFill>
+                      <a:schemeClr val="accent2">
+                        <a:lumMod val="20000"/>
+                        <a:lumOff val="80000"/>
+                      </a:schemeClr>
+                    </a:solidFill>
                   </a:tcPr>
                 </a:tc>
                 <a:tc>
@@ -33691,6 +33790,12 @@
                       <a:headEnd type="none" w="med" len="med"/>
                       <a:tailEnd type="none" w="med" len="med"/>
                     </a:lnB>
+                    <a:solidFill>
+                      <a:schemeClr val="accent2">
+                        <a:lumMod val="20000"/>
+                        <a:lumOff val="80000"/>
+                      </a:schemeClr>
+                    </a:solidFill>
                   </a:tcPr>
                 </a:tc>
                 <a:extLst>
@@ -34074,7 +34179,7 @@
             <p:ph idx="1"/>
             <p:extLst>
               <p:ext uri="{D42A27DB-BD31-4B8C-83A1-F6EECF244321}">
-                <p14:modId xmlns:p14="http://schemas.microsoft.com/office/powerpoint/2010/main" val="2283830575"/>
+                <p14:modId xmlns:p14="http://schemas.microsoft.com/office/powerpoint/2010/main" val="2944326103"/>
               </p:ext>
             </p:extLst>
           </p:nvPr>
@@ -34564,6 +34669,12 @@
                       <a:headEnd type="none" w="med" len="med"/>
                       <a:tailEnd type="none" w="med" len="med"/>
                     </a:lnB>
+                    <a:solidFill>
+                      <a:schemeClr val="accent2">
+                        <a:lumMod val="20000"/>
+                        <a:lumOff val="80000"/>
+                      </a:schemeClr>
+                    </a:solidFill>
                   </a:tcPr>
                 </a:tc>
                 <a:tc>
@@ -34634,6 +34745,12 @@
                       <a:headEnd type="none" w="med" len="med"/>
                       <a:tailEnd type="none" w="med" len="med"/>
                     </a:lnB>
+                    <a:solidFill>
+                      <a:schemeClr val="accent2">
+                        <a:lumMod val="20000"/>
+                        <a:lumOff val="80000"/>
+                      </a:schemeClr>
+                    </a:solidFill>
                   </a:tcPr>
                 </a:tc>
                 <a:tc>
@@ -34704,6 +34821,12 @@
                       <a:headEnd type="none" w="med" len="med"/>
                       <a:tailEnd type="none" w="med" len="med"/>
                     </a:lnB>
+                    <a:solidFill>
+                      <a:schemeClr val="accent2">
+                        <a:lumMod val="20000"/>
+                        <a:lumOff val="80000"/>
+                      </a:schemeClr>
+                    </a:solidFill>
                   </a:tcPr>
                 </a:tc>
                 <a:tc>
@@ -34788,6 +34911,12 @@
                       <a:headEnd type="none" w="med" len="med"/>
                       <a:tailEnd type="none" w="med" len="med"/>
                     </a:lnB>
+                    <a:solidFill>
+                      <a:schemeClr val="accent2">
+                        <a:lumMod val="20000"/>
+                        <a:lumOff val="80000"/>
+                      </a:schemeClr>
+                    </a:solidFill>
                   </a:tcPr>
                 </a:tc>
                 <a:tc>
@@ -34858,6 +34987,12 @@
                       <a:headEnd type="none" w="med" len="med"/>
                       <a:tailEnd type="none" w="med" len="med"/>
                     </a:lnB>
+                    <a:solidFill>
+                      <a:schemeClr val="accent2">
+                        <a:lumMod val="20000"/>
+                        <a:lumOff val="80000"/>
+                      </a:schemeClr>
+                    </a:solidFill>
                   </a:tcPr>
                 </a:tc>
                 <a:extLst>
@@ -34935,6 +35070,12 @@
                       <a:headEnd type="none" w="med" len="med"/>
                       <a:tailEnd type="none" w="med" len="med"/>
                     </a:lnB>
+                    <a:solidFill>
+                      <a:schemeClr val="accent2">
+                        <a:lumMod val="20000"/>
+                        <a:lumOff val="80000"/>
+                      </a:schemeClr>
+                    </a:solidFill>
                   </a:tcPr>
                 </a:tc>
                 <a:tc>
@@ -35009,6 +35150,12 @@
                       <a:headEnd type="none" w="med" len="med"/>
                       <a:tailEnd type="none" w="med" len="med"/>
                     </a:lnB>
+                    <a:solidFill>
+                      <a:schemeClr val="accent2">
+                        <a:lumMod val="20000"/>
+                        <a:lumOff val="80000"/>
+                      </a:schemeClr>
+                    </a:solidFill>
                   </a:tcPr>
                 </a:tc>
                 <a:tc>
@@ -35079,6 +35226,12 @@
                       <a:headEnd type="none" w="med" len="med"/>
                       <a:tailEnd type="none" w="med" len="med"/>
                     </a:lnB>
+                    <a:solidFill>
+                      <a:schemeClr val="accent2">
+                        <a:lumMod val="20000"/>
+                        <a:lumOff val="80000"/>
+                      </a:schemeClr>
+                    </a:solidFill>
                   </a:tcPr>
                 </a:tc>
                 <a:tc>
@@ -35149,6 +35302,12 @@
                       <a:headEnd type="none" w="med" len="med"/>
                       <a:tailEnd type="none" w="med" len="med"/>
                     </a:lnB>
+                    <a:solidFill>
+                      <a:schemeClr val="accent2">
+                        <a:lumMod val="20000"/>
+                        <a:lumOff val="80000"/>
+                      </a:schemeClr>
+                    </a:solidFill>
                   </a:tcPr>
                 </a:tc>
                 <a:tc>
@@ -35219,6 +35378,12 @@
                       <a:headEnd type="none" w="med" len="med"/>
                       <a:tailEnd type="none" w="med" len="med"/>
                     </a:lnB>
+                    <a:solidFill>
+                      <a:schemeClr val="accent2">
+                        <a:lumMod val="20000"/>
+                        <a:lumOff val="80000"/>
+                      </a:schemeClr>
+                    </a:solidFill>
                   </a:tcPr>
                 </a:tc>
                 <a:extLst>
@@ -36293,12 +36458,11 @@
           </a:bodyPr>
           <a:lstStyle/>
           <a:p>
-            <a:pPr>
+            <a:pPr marL="0" indent="0">
               <a:lnSpc>
                 <a:spcPct val="200000"/>
               </a:lnSpc>
-              <a:buFont typeface="Arial" panose="020B0604020202020204" pitchFamily="34" charset="0"/>
-              <a:buChar char="•"/>
+              <a:buNone/>
             </a:pPr>
             <a:r>
               <a:rPr lang="en-US" sz="1600" b="1" dirty="0">
@@ -36321,9 +36485,6 @@
             </a:endParaRPr>
           </a:p>
           <a:p>
-            <a:pPr marL="0" indent="0" algn="l">
-              <a:buNone/>
-            </a:pPr>
             <a:r>
               <a:rPr lang="en-US" sz="1600" b="0" i="0" dirty="0">
                 <a:solidFill>
@@ -36350,9 +36511,6 @@
             </a:endParaRPr>
           </a:p>
           <a:p>
-            <a:pPr marL="0" indent="0" algn="l">
-              <a:buNone/>
-            </a:pPr>
             <a:r>
               <a:rPr lang="en-US" sz="1600" b="0" i="0" dirty="0">
                 <a:solidFill>
@@ -36378,9 +36536,6 @@
             </a:endParaRPr>
           </a:p>
           <a:p>
-            <a:pPr marL="0" indent="0" algn="l">
-              <a:buNone/>
-            </a:pPr>
             <a:r>
               <a:rPr lang="en-US" sz="1600" dirty="0">
                 <a:solidFill>
@@ -36417,9 +36572,6 @@
             </a:endParaRPr>
           </a:p>
           <a:p>
-            <a:pPr marL="0" indent="0" algn="l">
-              <a:buNone/>
-            </a:pPr>
             <a:r>
               <a:rPr lang="en-US" sz="1600" b="0" i="0" dirty="0">
                 <a:solidFill>
@@ -36445,7 +36597,7 @@
                 <a:latin typeface="Times New Roman" panose="02020603050405020304" pitchFamily="18" charset="0"/>
                 <a:cs typeface="Times New Roman" panose="02020603050405020304" pitchFamily="18" charset="0"/>
               </a:rPr>
-              <a:t>    management.</a:t>
+              <a:t>         management.</a:t>
             </a:r>
           </a:p>
           <a:p>
@@ -36462,9 +36614,6 @@
             </a:endParaRPr>
           </a:p>
           <a:p>
-            <a:pPr marL="0" indent="0" algn="l">
-              <a:buNone/>
-            </a:pPr>
             <a:r>
               <a:rPr lang="en-US" sz="1600" b="0" i="0" dirty="0">
                 <a:solidFill>
@@ -36889,8 +37038,7 @@
               </a:spcAft>
               <a:buClrTx/>
               <a:buSzTx/>
-              <a:buFontTx/>
-              <a:buChar char="•"/>
+              <a:buNone/>
               <a:tabLst/>
             </a:pPr>
             <a:r>
@@ -36905,7 +37053,7 @@
                 <a:latin typeface="Times New Roman" panose="02020603050405020304" pitchFamily="18" charset="0"/>
                 <a:cs typeface="Times New Roman" panose="02020603050405020304" pitchFamily="18" charset="0"/>
               </a:rPr>
-              <a:t> Deliverables</a:t>
+              <a:t>Deliverables</a:t>
             </a:r>
             <a:r>
               <a:rPr kumimoji="0" lang="en-US" altLang="en-US" sz="1600" b="0" i="0" u="none" strike="noStrike" cap="none" normalizeH="0" baseline="0" dirty="0">
@@ -36923,9 +37071,6 @@
             </a:r>
           </a:p>
           <a:p>
-            <a:pPr marL="0" indent="0" algn="l">
-              <a:buNone/>
-            </a:pPr>
             <a:r>
               <a:rPr lang="en-US" sz="1600" i="0" dirty="0">
                 <a:solidFill>
@@ -36951,7 +37096,7 @@
                 <a:latin typeface="Times New Roman" panose="02020603050405020304" pitchFamily="18" charset="0"/>
                 <a:cs typeface="Times New Roman" panose="02020603050405020304" pitchFamily="18" charset="0"/>
               </a:rPr>
-              <a:t>   authentication, real-time video calls, meeting scheduling, and recording features.</a:t>
+              <a:t>       authentication, real-time video calls, meeting scheduling, and recording features.</a:t>
             </a:r>
           </a:p>
           <a:p>
@@ -36971,9 +37116,6 @@
             </a:r>
           </a:p>
           <a:p>
-            <a:pPr marL="0" indent="0" algn="l">
-              <a:buNone/>
-            </a:pPr>
             <a:r>
               <a:rPr lang="en-US" sz="1600" dirty="0">
                 <a:solidFill>
@@ -37013,9 +37155,6 @@
             </a:r>
           </a:p>
           <a:p>
-            <a:pPr marL="0" indent="0" algn="l">
-              <a:buNone/>
-            </a:pPr>
             <a:r>
               <a:rPr lang="en-US" sz="1600" dirty="0">
                 <a:solidFill>
@@ -37024,7 +37163,7 @@
                 <a:latin typeface="Times New Roman" panose="02020603050405020304" pitchFamily="18" charset="0"/>
                 <a:cs typeface="Times New Roman" panose="02020603050405020304" pitchFamily="18" charset="0"/>
               </a:rPr>
-              <a:t>   </a:t>
+              <a:t>  </a:t>
             </a:r>
             <a:r>
               <a:rPr lang="en-US" sz="1600" i="0" dirty="0">
@@ -37050,7 +37189,7 @@
                 <a:latin typeface="Times New Roman" panose="02020603050405020304" pitchFamily="18" charset="0"/>
                 <a:cs typeface="Times New Roman" panose="02020603050405020304" pitchFamily="18" charset="0"/>
               </a:rPr>
-              <a:t>   </a:t>
+              <a:t>      </a:t>
             </a:r>
             <a:r>
               <a:rPr lang="en-US" sz="1600" i="0" dirty="0">
@@ -37081,9 +37220,6 @@
             </a:r>
           </a:p>
           <a:p>
-            <a:pPr marL="0" indent="0" algn="l">
-              <a:buNone/>
-            </a:pPr>
             <a:r>
               <a:rPr lang="en-US" sz="1600" dirty="0">
                 <a:solidFill>
@@ -37092,7 +37228,7 @@
                 <a:latin typeface="Times New Roman" panose="02020603050405020304" pitchFamily="18" charset="0"/>
                 <a:cs typeface="Times New Roman" panose="02020603050405020304" pitchFamily="18" charset="0"/>
               </a:rPr>
-              <a:t>   </a:t>
+              <a:t>  </a:t>
             </a:r>
             <a:r>
               <a:rPr lang="en-US" sz="1600" i="0" dirty="0">
@@ -37123,9 +37259,6 @@
             </a:r>
           </a:p>
           <a:p>
-            <a:pPr marL="0" indent="0" algn="l">
-              <a:buNone/>
-            </a:pPr>
             <a:r>
               <a:rPr lang="en-US" sz="1600" dirty="0">
                 <a:solidFill>
@@ -37642,8 +37775,7 @@
               </a:spcAft>
               <a:buClrTx/>
               <a:buSzTx/>
-              <a:buFontTx/>
-              <a:buChar char="•"/>
+              <a:buNone/>
               <a:tabLst/>
             </a:pPr>
             <a:r>
@@ -37662,9 +37794,6 @@
             </a:r>
           </a:p>
           <a:p>
-            <a:pPr marL="0" indent="0" algn="l">
-              <a:buNone/>
-            </a:pPr>
             <a:r>
               <a:rPr lang="en-US" sz="1600" dirty="0">
                 <a:latin typeface="Times New Roman" panose="02020603050405020304" pitchFamily="18" charset="0"/>
@@ -37685,7 +37814,7 @@
             </a:r>
           </a:p>
           <a:p>
-            <a:pPr marL="0" indent="0" algn="l">
+            <a:pPr marL="0" indent="0">
               <a:buNone/>
             </a:pPr>
             <a:r>
@@ -37696,7 +37825,7 @@
                 <a:latin typeface="Times New Roman" panose="02020603050405020304" pitchFamily="18" charset="0"/>
                 <a:cs typeface="Times New Roman" panose="02020603050405020304" pitchFamily="18" charset="0"/>
               </a:rPr>
-              <a:t>    </a:t>
+              <a:t>         </a:t>
             </a:r>
             <a:r>
               <a:rPr lang="en-US" sz="1600" b="0" i="0" dirty="0">
@@ -37711,7 +37840,7 @@
             </a:r>
           </a:p>
           <a:p>
-            <a:pPr marL="0" indent="0" algn="l">
+            <a:pPr marL="0" indent="0">
               <a:buNone/>
             </a:pPr>
             <a:r>
@@ -37727,9 +37856,6 @@
             </a:r>
           </a:p>
           <a:p>
-            <a:pPr marL="0" indent="0" algn="l">
-              <a:buNone/>
-            </a:pPr>
             <a:r>
               <a:rPr lang="en-US" sz="1600" dirty="0">
                 <a:solidFill>
@@ -37753,7 +37879,7 @@
             </a:r>
           </a:p>
           <a:p>
-            <a:pPr marL="0" indent="0" algn="l">
+            <a:pPr marL="0" indent="0">
               <a:buNone/>
             </a:pPr>
             <a:r>
@@ -37764,7 +37890,7 @@
                 <a:latin typeface="Times New Roman" panose="02020603050405020304" pitchFamily="18" charset="0"/>
                 <a:cs typeface="Times New Roman" panose="02020603050405020304" pitchFamily="18" charset="0"/>
               </a:rPr>
-              <a:t>    </a:t>
+              <a:t>         </a:t>
             </a:r>
             <a:r>
               <a:rPr lang="en-US" sz="1600" b="0" i="0" dirty="0">
@@ -37779,7 +37905,7 @@
             </a:r>
           </a:p>
           <a:p>
-            <a:pPr marL="0" indent="0" algn="l">
+            <a:pPr marL="0" indent="0">
               <a:buNone/>
             </a:pPr>
             <a:r>
@@ -37795,9 +37921,6 @@
             </a:r>
           </a:p>
           <a:p>
-            <a:pPr marL="0" indent="0" algn="l">
-              <a:buNone/>
-            </a:pPr>
             <a:r>
               <a:rPr lang="en-US" sz="1600" dirty="0">
                 <a:solidFill>
@@ -37821,7 +37944,7 @@
             </a:r>
           </a:p>
           <a:p>
-            <a:pPr marL="0" indent="0" algn="l">
+            <a:pPr marL="0" indent="0">
               <a:buNone/>
             </a:pPr>
             <a:r>
@@ -37832,7 +37955,7 @@
                 <a:latin typeface="Times New Roman" panose="02020603050405020304" pitchFamily="18" charset="0"/>
                 <a:cs typeface="Times New Roman" panose="02020603050405020304" pitchFamily="18" charset="0"/>
               </a:rPr>
-              <a:t>    </a:t>
+              <a:t>        </a:t>
             </a:r>
             <a:r>
               <a:rPr lang="en-US" sz="1600" b="0" i="0" dirty="0">
@@ -37847,7 +37970,7 @@
             </a:r>
           </a:p>
           <a:p>
-            <a:pPr marL="0" indent="0" algn="l">
+            <a:pPr marL="0" indent="0">
               <a:buNone/>
             </a:pPr>
             <a:r>
@@ -37863,9 +37986,6 @@
             </a:r>
           </a:p>
           <a:p>
-            <a:pPr marL="0" indent="0" algn="l">
-              <a:buNone/>
-            </a:pPr>
             <a:r>
               <a:rPr lang="en-US" sz="1600" dirty="0">
                 <a:solidFill>
@@ -37889,7 +38009,7 @@
             </a:r>
           </a:p>
           <a:p>
-            <a:pPr marL="0" indent="0" algn="l">
+            <a:pPr marL="0" indent="0">
               <a:buNone/>
             </a:pPr>
             <a:r>
@@ -37900,7 +38020,7 @@
                 <a:latin typeface="Times New Roman" panose="02020603050405020304" pitchFamily="18" charset="0"/>
                 <a:cs typeface="Times New Roman" panose="02020603050405020304" pitchFamily="18" charset="0"/>
               </a:rPr>
-              <a:t>    </a:t>
+              <a:t>         </a:t>
             </a:r>
             <a:r>
               <a:rPr lang="en-US" sz="1600" b="0" i="0" dirty="0">

--- a/Report & PPT/Project Work/Ppt/Callify Synopsis.pptx
+++ b/Report & PPT/Project Work/Ppt/Callify Synopsis.pptx
@@ -25372,14 +25372,14 @@
           <p:nvPr>
             <p:extLst>
               <p:ext uri="{D42A27DB-BD31-4B8C-83A1-F6EECF244321}">
-                <p14:modId xmlns:p14="http://schemas.microsoft.com/office/powerpoint/2010/main" val="3087522618"/>
+                <p14:modId xmlns:p14="http://schemas.microsoft.com/office/powerpoint/2010/main" val="1357988971"/>
               </p:ext>
             </p:extLst>
           </p:nvPr>
         </p:nvGraphicFramePr>
         <p:xfrm>
-          <a:off x="2743200" y="1666041"/>
-          <a:ext cx="8128000" cy="3388360"/>
+          <a:off x="2743199" y="1666040"/>
+          <a:ext cx="8456305" cy="3286960"/>
         </p:xfrm>
         <a:graphic>
           <a:graphicData uri="http://schemas.openxmlformats.org/drawingml/2006/table">
@@ -25388,35 +25388,35 @@
                 <a:tableStyleId>{21E4AEA4-8DFA-4A89-87EB-49C32662AFE0}</a:tableStyleId>
               </a:tblPr>
               <a:tblGrid>
-                <a:gridCol w="1625600">
+                <a:gridCol w="1691261">
                   <a:extLst>
                     <a:ext uri="{9D8B030D-6E8A-4147-A177-3AD203B41FA5}">
                       <a16:colId xmlns:a16="http://schemas.microsoft.com/office/drawing/2014/main" val="11381086"/>
                     </a:ext>
                   </a:extLst>
                 </a:gridCol>
-                <a:gridCol w="1625600">
+                <a:gridCol w="1691261">
                   <a:extLst>
                     <a:ext uri="{9D8B030D-6E8A-4147-A177-3AD203B41FA5}">
                       <a16:colId xmlns:a16="http://schemas.microsoft.com/office/drawing/2014/main" val="2032111260"/>
                     </a:ext>
                   </a:extLst>
                 </a:gridCol>
-                <a:gridCol w="1625600">
+                <a:gridCol w="1691261">
                   <a:extLst>
                     <a:ext uri="{9D8B030D-6E8A-4147-A177-3AD203B41FA5}">
                       <a16:colId xmlns:a16="http://schemas.microsoft.com/office/drawing/2014/main" val="3250174916"/>
                     </a:ext>
                   </a:extLst>
                 </a:gridCol>
-                <a:gridCol w="1625600">
+                <a:gridCol w="1691261">
                   <a:extLst>
                     <a:ext uri="{9D8B030D-6E8A-4147-A177-3AD203B41FA5}">
                       <a16:colId xmlns:a16="http://schemas.microsoft.com/office/drawing/2014/main" val="1636732311"/>
                     </a:ext>
                   </a:extLst>
                 </a:gridCol>
-                <a:gridCol w="1625600">
+                <a:gridCol w="1691261">
                   <a:extLst>
                     <a:ext uri="{9D8B030D-6E8A-4147-A177-3AD203B41FA5}">
                       <a16:colId xmlns:a16="http://schemas.microsoft.com/office/drawing/2014/main" val="1394769281"/>
@@ -25424,7 +25424,7 @@
                   </a:extLst>
                 </a:gridCol>
               </a:tblGrid>
-              <a:tr h="370840">
+              <a:tr h="391432">
                 <a:tc>
                   <a:txBody>
                     <a:bodyPr/>
@@ -25681,7 +25681,7 @@
                   </a:ext>
                 </a:extLst>
               </a:tr>
-              <a:tr h="370840">
+              <a:tr h="965176">
                 <a:tc>
                   <a:txBody>
                     <a:bodyPr/>
@@ -25977,7 +25977,7 @@
                   </a:ext>
                 </a:extLst>
               </a:tr>
-              <a:tr h="370840">
+              <a:tr h="965176">
                 <a:tc>
                   <a:txBody>
                     <a:bodyPr/>
@@ -26265,7 +26265,7 @@
                   </a:ext>
                 </a:extLst>
               </a:tr>
-              <a:tr h="370840">
+              <a:tr h="965176">
                 <a:tc>
                   <a:txBody>
                     <a:bodyPr/>
@@ -35778,8 +35778,7 @@
               </a:spcAft>
               <a:buClrTx/>
               <a:buSzTx/>
-              <a:buFontTx/>
-              <a:buChar char="•"/>
+              <a:buNone/>
               <a:tabLst/>
             </a:pPr>
             <a:r>
@@ -35794,7 +35793,7 @@
                 <a:latin typeface="Times New Roman" panose="02020603050405020304" pitchFamily="18" charset="0"/>
                 <a:cs typeface="Times New Roman" panose="02020603050405020304" pitchFamily="18" charset="0"/>
               </a:rPr>
-              <a:t> Problem Statement</a:t>
+              <a:t>Problem Statement</a:t>
             </a:r>
             <a:r>
               <a:rPr kumimoji="0" lang="en-US" altLang="en-US" sz="1600" b="0" i="0" u="none" strike="noStrike" cap="none" normalizeH="0" baseline="0" dirty="0">
@@ -35809,6 +35808,33 @@
                 <a:cs typeface="Times New Roman" panose="02020603050405020304" pitchFamily="18" charset="0"/>
               </a:rPr>
               <a:t>: </a:t>
+            </a:r>
+          </a:p>
+          <a:p>
+            <a:pPr eaLnBrk="0" fontAlgn="base" hangingPunct="0">
+              <a:lnSpc>
+                <a:spcPct val="200000"/>
+              </a:lnSpc>
+              <a:spcBef>
+                <a:spcPct val="0"/>
+              </a:spcBef>
+              <a:spcAft>
+                <a:spcPct val="0"/>
+              </a:spcAft>
+            </a:pPr>
+            <a:r>
+              <a:rPr lang="en-US" sz="1600" dirty="0" err="1">
+                <a:latin typeface="Times New Roman" panose="02020603050405020304" pitchFamily="18" charset="0"/>
+                <a:cs typeface="Times New Roman" panose="02020603050405020304" pitchFamily="18" charset="0"/>
+              </a:rPr>
+              <a:t>Callify's</a:t>
+            </a:r>
+            <a:r>
+              <a:rPr lang="en-US" sz="1600" dirty="0">
+                <a:latin typeface="Times New Roman" panose="02020603050405020304" pitchFamily="18" charset="0"/>
+                <a:cs typeface="Times New Roman" panose="02020603050405020304" pitchFamily="18" charset="0"/>
+              </a:rPr>
+              <a:t> effectiveness as a secure, scalable, and user-friendly solution for remote  </a:t>
             </a:r>
           </a:p>
           <a:p>
@@ -35832,45 +35858,7 @@
                 <a:latin typeface="Times New Roman" panose="02020603050405020304" pitchFamily="18" charset="0"/>
                 <a:cs typeface="Times New Roman" panose="02020603050405020304" pitchFamily="18" charset="0"/>
               </a:rPr>
-              <a:t>        </a:t>
-            </a:r>
-            <a:r>
-              <a:rPr lang="en-US" sz="1600" dirty="0" err="1">
-                <a:latin typeface="Times New Roman" panose="02020603050405020304" pitchFamily="18" charset="0"/>
-                <a:cs typeface="Times New Roman" panose="02020603050405020304" pitchFamily="18" charset="0"/>
-              </a:rPr>
-              <a:t>Callify's</a:t>
-            </a:r>
-            <a:r>
-              <a:rPr lang="en-US" sz="1600" dirty="0">
-                <a:latin typeface="Times New Roman" panose="02020603050405020304" pitchFamily="18" charset="0"/>
-                <a:cs typeface="Times New Roman" panose="02020603050405020304" pitchFamily="18" charset="0"/>
-              </a:rPr>
-              <a:t> effectiveness as a secure, scalable, and user-friendly solution for remote  </a:t>
-            </a:r>
-          </a:p>
-          <a:p>
-            <a:pPr marL="0" marR="0" lvl="0" indent="0" algn="l" defTabSz="914400" rtl="0" eaLnBrk="0" fontAlgn="base" latinLnBrk="0" hangingPunct="0">
-              <a:lnSpc>
-                <a:spcPct val="200000"/>
-              </a:lnSpc>
-              <a:spcBef>
-                <a:spcPct val="0"/>
-              </a:spcBef>
-              <a:spcAft>
-                <a:spcPct val="0"/>
-              </a:spcAft>
-              <a:buClrTx/>
-              <a:buSzTx/>
-              <a:buNone/>
-              <a:tabLst/>
-            </a:pPr>
-            <a:r>
-              <a:rPr lang="en-US" sz="1600" dirty="0">
-                <a:latin typeface="Times New Roman" panose="02020603050405020304" pitchFamily="18" charset="0"/>
-                <a:cs typeface="Times New Roman" panose="02020603050405020304" pitchFamily="18" charset="0"/>
-              </a:rPr>
-              <a:t>        communication   and large-scale virtual meetings.</a:t>
+              <a:t>     communication   and large-scale virtual meetings.</a:t>
             </a:r>
             <a:r>
               <a:rPr kumimoji="0" lang="en-US" altLang="en-US" sz="1600" b="0" i="0" u="none" strike="noStrike" cap="none" normalizeH="0" baseline="0" dirty="0">
@@ -35928,8 +35916,7 @@
               </a:spcAft>
               <a:buClrTx/>
               <a:buSzTx/>
-              <a:buFontTx/>
-              <a:buChar char="•"/>
+              <a:buNone/>
               <a:tabLst/>
             </a:pPr>
             <a:r>
@@ -35944,7 +35931,7 @@
                 <a:latin typeface="Times New Roman" panose="02020603050405020304" pitchFamily="18" charset="0"/>
                 <a:cs typeface="Times New Roman" panose="02020603050405020304" pitchFamily="18" charset="0"/>
               </a:rPr>
-              <a:t> Objectives</a:t>
+              <a:t>Objectives</a:t>
             </a:r>
             <a:r>
               <a:rPr kumimoji="0" lang="en-US" altLang="en-US" sz="1600" b="0" i="0" u="none" strike="noStrike" cap="none" normalizeH="0" baseline="0" dirty="0">
@@ -35962,7 +35949,7 @@
             </a:r>
           </a:p>
           <a:p>
-            <a:pPr marL="0" marR="0" lvl="0" indent="0" defTabSz="914400" rtl="0" eaLnBrk="0" fontAlgn="base" latinLnBrk="0" hangingPunct="0">
+            <a:pPr eaLnBrk="0" fontAlgn="base" hangingPunct="0">
               <a:lnSpc>
                 <a:spcPct val="200000"/>
               </a:lnSpc>
@@ -35972,17 +35959,13 @@
               <a:spcAft>
                 <a:spcPct val="0"/>
               </a:spcAft>
-              <a:buClrTx/>
-              <a:buSzTx/>
-              <a:buNone/>
-              <a:tabLst/>
             </a:pPr>
             <a:r>
               <a:rPr lang="en-US" sz="1600" dirty="0">
                 <a:latin typeface="Times New Roman" panose="02020603050405020304" pitchFamily="18" charset="0"/>
                 <a:cs typeface="Times New Roman" panose="02020603050405020304" pitchFamily="18" charset="0"/>
               </a:rPr>
-              <a:t>       Analyze </a:t>
+              <a:t>Analyze </a:t>
             </a:r>
             <a:r>
               <a:rPr lang="en-US" sz="1600" dirty="0" err="1">
@@ -36000,7 +35983,7 @@
             </a:r>
           </a:p>
           <a:p>
-            <a:pPr marL="0" marR="0" lvl="0" indent="0" defTabSz="914400" rtl="0" eaLnBrk="0" fontAlgn="base" latinLnBrk="0" hangingPunct="0">
+            <a:pPr eaLnBrk="0" fontAlgn="base" hangingPunct="0">
               <a:lnSpc>
                 <a:spcPct val="200000"/>
               </a:lnSpc>
@@ -36010,17 +35993,13 @@
               <a:spcAft>
                 <a:spcPct val="0"/>
               </a:spcAft>
-              <a:buClrTx/>
-              <a:buSzTx/>
-              <a:buNone/>
-              <a:tabLst/>
             </a:pPr>
             <a:r>
               <a:rPr lang="en-US" sz="1600" dirty="0">
                 <a:latin typeface="Times New Roman" panose="02020603050405020304" pitchFamily="18" charset="0"/>
                 <a:cs typeface="Times New Roman" panose="02020603050405020304" pitchFamily="18" charset="0"/>
               </a:rPr>
-              <a:t>       Assess </a:t>
+              <a:t>Assess </a:t>
             </a:r>
             <a:r>
               <a:rPr lang="en-US" sz="1600" dirty="0" err="1">
@@ -36038,7 +36017,7 @@
             </a:r>
           </a:p>
           <a:p>
-            <a:pPr marL="0" marR="0" lvl="0" indent="0" defTabSz="914400" rtl="0" eaLnBrk="0" fontAlgn="base" latinLnBrk="0" hangingPunct="0">
+            <a:pPr eaLnBrk="0" fontAlgn="base" hangingPunct="0">
               <a:lnSpc>
                 <a:spcPct val="200000"/>
               </a:lnSpc>
@@ -36048,17 +36027,13 @@
               <a:spcAft>
                 <a:spcPct val="0"/>
               </a:spcAft>
-              <a:buClrTx/>
-              <a:buSzTx/>
-              <a:buNone/>
-              <a:tabLst/>
             </a:pPr>
             <a:r>
               <a:rPr lang="en-US" sz="1600" dirty="0">
                 <a:latin typeface="Times New Roman" panose="02020603050405020304" pitchFamily="18" charset="0"/>
                 <a:cs typeface="Times New Roman" panose="02020603050405020304" pitchFamily="18" charset="0"/>
               </a:rPr>
-              <a:t>       Explore </a:t>
+              <a:t>Explore </a:t>
             </a:r>
             <a:r>
               <a:rPr lang="en-US" sz="1600" dirty="0" err="1">

--- a/Report & PPT/Project Work/Ppt/Callify Synopsis.pptx
+++ b/Report & PPT/Project Work/Ppt/Callify Synopsis.pptx
@@ -9,10 +9,10 @@
     <p:sldMasterId id="2147483699" r:id="rId5"/>
   </p:sldMasterIdLst>
   <p:notesMasterIdLst>
-    <p:notesMasterId r:id="rId28"/>
+    <p:notesMasterId r:id="rId29"/>
   </p:notesMasterIdLst>
   <p:handoutMasterIdLst>
-    <p:handoutMasterId r:id="rId29"/>
+    <p:handoutMasterId r:id="rId30"/>
   </p:handoutMasterIdLst>
   <p:sldIdLst>
     <p:sldId id="300" r:id="rId6"/>
@@ -22,21 +22,22 @@
     <p:sldId id="304" r:id="rId10"/>
     <p:sldId id="284" r:id="rId11"/>
     <p:sldId id="285" r:id="rId12"/>
-    <p:sldId id="286" r:id="rId13"/>
-    <p:sldId id="307" r:id="rId14"/>
-    <p:sldId id="291" r:id="rId15"/>
-    <p:sldId id="292" r:id="rId16"/>
-    <p:sldId id="293" r:id="rId17"/>
-    <p:sldId id="294" r:id="rId18"/>
-    <p:sldId id="313" r:id="rId19"/>
-    <p:sldId id="314" r:id="rId20"/>
-    <p:sldId id="297" r:id="rId21"/>
-    <p:sldId id="299" r:id="rId22"/>
-    <p:sldId id="298" r:id="rId23"/>
-    <p:sldId id="287" r:id="rId24"/>
-    <p:sldId id="290" r:id="rId25"/>
-    <p:sldId id="312" r:id="rId26"/>
-    <p:sldId id="289" r:id="rId27"/>
+    <p:sldId id="315" r:id="rId13"/>
+    <p:sldId id="286" r:id="rId14"/>
+    <p:sldId id="307" r:id="rId15"/>
+    <p:sldId id="291" r:id="rId16"/>
+    <p:sldId id="292" r:id="rId17"/>
+    <p:sldId id="293" r:id="rId18"/>
+    <p:sldId id="294" r:id="rId19"/>
+    <p:sldId id="313" r:id="rId20"/>
+    <p:sldId id="314" r:id="rId21"/>
+    <p:sldId id="297" r:id="rId22"/>
+    <p:sldId id="299" r:id="rId23"/>
+    <p:sldId id="298" r:id="rId24"/>
+    <p:sldId id="287" r:id="rId25"/>
+    <p:sldId id="290" r:id="rId26"/>
+    <p:sldId id="312" r:id="rId27"/>
+    <p:sldId id="289" r:id="rId28"/>
   </p:sldIdLst>
   <p:sldSz cx="12192000" cy="6858000"/>
   <p:notesSz cx="6858000" cy="9144000"/>
@@ -3801,7 +3802,7 @@
     </p:spTree>
     <p:extLst>
       <p:ext uri="{BB962C8B-B14F-4D97-AF65-F5344CB8AC3E}">
-        <p14:creationId xmlns:p14="http://schemas.microsoft.com/office/powerpoint/2010/main" val="1750939175"/>
+        <p14:creationId xmlns:p14="http://schemas.microsoft.com/office/powerpoint/2010/main" val="2129072402"/>
       </p:ext>
     </p:extLst>
   </p:cSld>
@@ -3891,7 +3892,7 @@
     </p:spTree>
     <p:extLst>
       <p:ext uri="{BB962C8B-B14F-4D97-AF65-F5344CB8AC3E}">
-        <p14:creationId xmlns:p14="http://schemas.microsoft.com/office/powerpoint/2010/main" val="187069949"/>
+        <p14:creationId xmlns:p14="http://schemas.microsoft.com/office/powerpoint/2010/main" val="1750939175"/>
       </p:ext>
     </p:extLst>
   </p:cSld>
@@ -3981,6 +3982,96 @@
     </p:spTree>
     <p:extLst>
       <p:ext uri="{BB962C8B-B14F-4D97-AF65-F5344CB8AC3E}">
+        <p14:creationId xmlns:p14="http://schemas.microsoft.com/office/powerpoint/2010/main" val="187069949"/>
+      </p:ext>
+    </p:extLst>
+  </p:cSld>
+  <p:clrMapOvr>
+    <a:masterClrMapping/>
+  </p:clrMapOvr>
+</p:notes>
+</file>
+
+<file path=ppt/notesSlides/notesSlide13.xml><?xml version="1.0" encoding="utf-8"?>
+<p:notes xmlns:a="http://schemas.openxmlformats.org/drawingml/2006/main" xmlns:r="http://schemas.openxmlformats.org/officeDocument/2006/relationships" xmlns:p="http://schemas.openxmlformats.org/presentationml/2006/main">
+  <p:cSld>
+    <p:spTree>
+      <p:nvGrpSpPr>
+        <p:cNvPr id="1" name=""/>
+        <p:cNvGrpSpPr/>
+        <p:nvPr/>
+      </p:nvGrpSpPr>
+      <p:grpSpPr>
+        <a:xfrm>
+          <a:off x="0" y="0"/>
+          <a:ext cx="0" cy="0"/>
+          <a:chOff x="0" y="0"/>
+          <a:chExt cx="0" cy="0"/>
+        </a:xfrm>
+      </p:grpSpPr>
+      <p:sp>
+        <p:nvSpPr>
+          <p:cNvPr id="2" name="Slide Image Placeholder 1"/>
+          <p:cNvSpPr>
+            <a:spLocks noGrp="1" noRot="1" noChangeAspect="1"/>
+          </p:cNvSpPr>
+          <p:nvPr>
+            <p:ph type="sldImg"/>
+          </p:nvPr>
+        </p:nvSpPr>
+        <p:spPr>
+          <a:xfrm>
+            <a:off x="685800" y="1143000"/>
+            <a:ext cx="5486400" cy="3086100"/>
+          </a:xfrm>
+        </p:spPr>
+      </p:sp>
+      <p:sp>
+        <p:nvSpPr>
+          <p:cNvPr id="3" name="Notes Placeholder 2"/>
+          <p:cNvSpPr>
+            <a:spLocks noGrp="1"/>
+          </p:cNvSpPr>
+          <p:nvPr>
+            <p:ph type="body" idx="1"/>
+          </p:nvPr>
+        </p:nvSpPr>
+        <p:spPr/>
+        <p:txBody>
+          <a:bodyPr/>
+          <a:lstStyle/>
+          <a:p>
+            <a:endParaRPr lang="en-IN" dirty="0"/>
+          </a:p>
+        </p:txBody>
+      </p:sp>
+      <p:sp>
+        <p:nvSpPr>
+          <p:cNvPr id="4" name="Slide Number Placeholder 3"/>
+          <p:cNvSpPr>
+            <a:spLocks noGrp="1"/>
+          </p:cNvSpPr>
+          <p:nvPr>
+            <p:ph type="sldNum" sz="quarter" idx="10"/>
+          </p:nvPr>
+        </p:nvSpPr>
+        <p:spPr/>
+        <p:txBody>
+          <a:bodyPr/>
+          <a:lstStyle/>
+          <a:p>
+            <a:fld id="{7782813F-5D25-4BB6-888C-4601F85758C5}" type="slidenum">
+              <a:rPr lang="en-IN" smtClean="0"/>
+              <a:pPr/>
+              <a:t>14</a:t>
+            </a:fld>
+            <a:endParaRPr lang="en-IN"/>
+          </a:p>
+        </p:txBody>
+      </p:sp>
+    </p:spTree>
+    <p:extLst>
+      <p:ext uri="{BB962C8B-B14F-4D97-AF65-F5344CB8AC3E}">
         <p14:creationId xmlns:p14="http://schemas.microsoft.com/office/powerpoint/2010/main" val="1825597563"/>
       </p:ext>
     </p:extLst>
@@ -3991,7 +4082,7 @@
 </p:notes>
 </file>
 
-<file path=ppt/notesSlides/notesSlide13.xml><?xml version="1.0" encoding="utf-8"?>
+<file path=ppt/notesSlides/notesSlide14.xml><?xml version="1.0" encoding="utf-8"?>
 <p:notes xmlns:a="http://schemas.openxmlformats.org/drawingml/2006/main" xmlns:r="http://schemas.openxmlformats.org/officeDocument/2006/relationships" xmlns:p="http://schemas.openxmlformats.org/presentationml/2006/main">
   <p:cSld>
     <p:spTree>
@@ -4086,7 +4177,7 @@
             <a:fld id="{7782813F-5D25-4BB6-888C-4601F85758C5}" type="slidenum">
               <a:rPr lang="en-IN" smtClean="0"/>
               <a:pPr/>
-              <a:t>14</a:t>
+              <a:t>15</a:t>
             </a:fld>
             <a:endParaRPr lang="en-IN"/>
           </a:p>
@@ -4105,7 +4196,7 @@
 </p:notes>
 </file>
 
-<file path=ppt/notesSlides/notesSlide14.xml><?xml version="1.0" encoding="utf-8"?>
+<file path=ppt/notesSlides/notesSlide15.xml><?xml version="1.0" encoding="utf-8"?>
 <p:notes xmlns:a="http://schemas.openxmlformats.org/drawingml/2006/main" xmlns:r="http://schemas.openxmlformats.org/officeDocument/2006/relationships" xmlns:p="http://schemas.openxmlformats.org/presentationml/2006/main">
   <p:cSld>
     <p:spTree>
@@ -4200,7 +4291,7 @@
             <a:fld id="{7782813F-5D25-4BB6-888C-4601F85758C5}" type="slidenum">
               <a:rPr lang="en-IN" smtClean="0"/>
               <a:pPr/>
-              <a:t>15</a:t>
+              <a:t>16</a:t>
             </a:fld>
             <a:endParaRPr lang="en-IN"/>
           </a:p>
@@ -4219,7 +4310,7 @@
 </p:notes>
 </file>
 
-<file path=ppt/notesSlides/notesSlide15.xml><?xml version="1.0" encoding="utf-8"?>
+<file path=ppt/notesSlides/notesSlide16.xml><?xml version="1.0" encoding="utf-8"?>
 <p:notes xmlns:a="http://schemas.openxmlformats.org/drawingml/2006/main" xmlns:r="http://schemas.openxmlformats.org/officeDocument/2006/relationships" xmlns:p="http://schemas.openxmlformats.org/presentationml/2006/main">
   <p:cSld>
     <p:spTree>
@@ -4290,7 +4381,7 @@
             <a:fld id="{7782813F-5D25-4BB6-888C-4601F85758C5}" type="slidenum">
               <a:rPr lang="en-IN" smtClean="0"/>
               <a:pPr/>
-              <a:t>16</a:t>
+              <a:t>17</a:t>
             </a:fld>
             <a:endParaRPr lang="en-IN"/>
           </a:p>
@@ -4309,7 +4400,7 @@
 </p:notes>
 </file>
 
-<file path=ppt/notesSlides/notesSlide16.xml><?xml version="1.0" encoding="utf-8"?>
+<file path=ppt/notesSlides/notesSlide17.xml><?xml version="1.0" encoding="utf-8"?>
 <p:notes xmlns:a="http://schemas.openxmlformats.org/drawingml/2006/main" xmlns:r="http://schemas.openxmlformats.org/officeDocument/2006/relationships" xmlns:p="http://schemas.openxmlformats.org/presentationml/2006/main">
   <p:cSld>
     <p:spTree>
@@ -4404,7 +4495,7 @@
             <a:fld id="{7782813F-5D25-4BB6-888C-4601F85758C5}" type="slidenum">
               <a:rPr lang="en-IN" smtClean="0"/>
               <a:pPr/>
-              <a:t>17</a:t>
+              <a:t>18</a:t>
             </a:fld>
             <a:endParaRPr lang="en-IN"/>
           </a:p>
@@ -4414,96 +4505,6 @@
     <p:extLst>
       <p:ext uri="{BB962C8B-B14F-4D97-AF65-F5344CB8AC3E}">
         <p14:creationId xmlns:p14="http://schemas.microsoft.com/office/powerpoint/2010/main" val="1385711578"/>
-      </p:ext>
-    </p:extLst>
-  </p:cSld>
-  <p:clrMapOvr>
-    <a:masterClrMapping/>
-  </p:clrMapOvr>
-</p:notes>
-</file>
-
-<file path=ppt/notesSlides/notesSlide17.xml><?xml version="1.0" encoding="utf-8"?>
-<p:notes xmlns:a="http://schemas.openxmlformats.org/drawingml/2006/main" xmlns:r="http://schemas.openxmlformats.org/officeDocument/2006/relationships" xmlns:p="http://schemas.openxmlformats.org/presentationml/2006/main">
-  <p:cSld>
-    <p:spTree>
-      <p:nvGrpSpPr>
-        <p:cNvPr id="1" name=""/>
-        <p:cNvGrpSpPr/>
-        <p:nvPr/>
-      </p:nvGrpSpPr>
-      <p:grpSpPr>
-        <a:xfrm>
-          <a:off x="0" y="0"/>
-          <a:ext cx="0" cy="0"/>
-          <a:chOff x="0" y="0"/>
-          <a:chExt cx="0" cy="0"/>
-        </a:xfrm>
-      </p:grpSpPr>
-      <p:sp>
-        <p:nvSpPr>
-          <p:cNvPr id="2" name="Slide Image Placeholder 1"/>
-          <p:cNvSpPr>
-            <a:spLocks noGrp="1" noRot="1" noChangeAspect="1"/>
-          </p:cNvSpPr>
-          <p:nvPr>
-            <p:ph type="sldImg"/>
-          </p:nvPr>
-        </p:nvSpPr>
-        <p:spPr>
-          <a:xfrm>
-            <a:off x="685800" y="1143000"/>
-            <a:ext cx="5486400" cy="3086100"/>
-          </a:xfrm>
-        </p:spPr>
-      </p:sp>
-      <p:sp>
-        <p:nvSpPr>
-          <p:cNvPr id="3" name="Notes Placeholder 2"/>
-          <p:cNvSpPr>
-            <a:spLocks noGrp="1"/>
-          </p:cNvSpPr>
-          <p:nvPr>
-            <p:ph type="body" idx="1"/>
-          </p:nvPr>
-        </p:nvSpPr>
-        <p:spPr/>
-        <p:txBody>
-          <a:bodyPr/>
-          <a:lstStyle/>
-          <a:p>
-            <a:endParaRPr lang="en-IN" dirty="0"/>
-          </a:p>
-        </p:txBody>
-      </p:sp>
-      <p:sp>
-        <p:nvSpPr>
-          <p:cNvPr id="4" name="Slide Number Placeholder 3"/>
-          <p:cNvSpPr>
-            <a:spLocks noGrp="1"/>
-          </p:cNvSpPr>
-          <p:nvPr>
-            <p:ph type="sldNum" sz="quarter" idx="10"/>
-          </p:nvPr>
-        </p:nvSpPr>
-        <p:spPr/>
-        <p:txBody>
-          <a:bodyPr/>
-          <a:lstStyle/>
-          <a:p>
-            <a:fld id="{7782813F-5D25-4BB6-888C-4601F85758C5}" type="slidenum">
-              <a:rPr lang="en-IN" smtClean="0"/>
-              <a:pPr/>
-              <a:t>18</a:t>
-            </a:fld>
-            <a:endParaRPr lang="en-IN"/>
-          </a:p>
-        </p:txBody>
-      </p:sp>
-    </p:spTree>
-    <p:extLst>
-      <p:ext uri="{BB962C8B-B14F-4D97-AF65-F5344CB8AC3E}">
-        <p14:creationId xmlns:p14="http://schemas.microsoft.com/office/powerpoint/2010/main" val="3214208214"/>
       </p:ext>
     </p:extLst>
   </p:cSld>
@@ -4593,7 +4594,7 @@
     </p:spTree>
     <p:extLst>
       <p:ext uri="{BB962C8B-B14F-4D97-AF65-F5344CB8AC3E}">
-        <p14:creationId xmlns:p14="http://schemas.microsoft.com/office/powerpoint/2010/main" val="360630582"/>
+        <p14:creationId xmlns:p14="http://schemas.microsoft.com/office/powerpoint/2010/main" val="3214208214"/>
       </p:ext>
     </p:extLst>
   </p:cSld>
@@ -4683,7 +4684,7 @@
     </p:spTree>
     <p:extLst>
       <p:ext uri="{BB962C8B-B14F-4D97-AF65-F5344CB8AC3E}">
-        <p14:creationId xmlns:p14="http://schemas.microsoft.com/office/powerpoint/2010/main" val="1104650847"/>
+        <p14:creationId xmlns:p14="http://schemas.microsoft.com/office/powerpoint/2010/main" val="360630582"/>
       </p:ext>
     </p:extLst>
   </p:cSld>
@@ -4788,6 +4789,96 @@
   <p:cSld>
     <p:spTree>
       <p:nvGrpSpPr>
+        <p:cNvPr id="1" name=""/>
+        <p:cNvGrpSpPr/>
+        <p:nvPr/>
+      </p:nvGrpSpPr>
+      <p:grpSpPr>
+        <a:xfrm>
+          <a:off x="0" y="0"/>
+          <a:ext cx="0" cy="0"/>
+          <a:chOff x="0" y="0"/>
+          <a:chExt cx="0" cy="0"/>
+        </a:xfrm>
+      </p:grpSpPr>
+      <p:sp>
+        <p:nvSpPr>
+          <p:cNvPr id="2" name="Slide Image Placeholder 1"/>
+          <p:cNvSpPr>
+            <a:spLocks noGrp="1" noRot="1" noChangeAspect="1"/>
+          </p:cNvSpPr>
+          <p:nvPr>
+            <p:ph type="sldImg"/>
+          </p:nvPr>
+        </p:nvSpPr>
+        <p:spPr>
+          <a:xfrm>
+            <a:off x="685800" y="1143000"/>
+            <a:ext cx="5486400" cy="3086100"/>
+          </a:xfrm>
+        </p:spPr>
+      </p:sp>
+      <p:sp>
+        <p:nvSpPr>
+          <p:cNvPr id="3" name="Notes Placeholder 2"/>
+          <p:cNvSpPr>
+            <a:spLocks noGrp="1"/>
+          </p:cNvSpPr>
+          <p:nvPr>
+            <p:ph type="body" idx="1"/>
+          </p:nvPr>
+        </p:nvSpPr>
+        <p:spPr/>
+        <p:txBody>
+          <a:bodyPr/>
+          <a:lstStyle/>
+          <a:p>
+            <a:endParaRPr lang="en-IN" dirty="0"/>
+          </a:p>
+        </p:txBody>
+      </p:sp>
+      <p:sp>
+        <p:nvSpPr>
+          <p:cNvPr id="4" name="Slide Number Placeholder 3"/>
+          <p:cNvSpPr>
+            <a:spLocks noGrp="1"/>
+          </p:cNvSpPr>
+          <p:nvPr>
+            <p:ph type="sldNum" sz="quarter" idx="10"/>
+          </p:nvPr>
+        </p:nvSpPr>
+        <p:spPr/>
+        <p:txBody>
+          <a:bodyPr/>
+          <a:lstStyle/>
+          <a:p>
+            <a:fld id="{7782813F-5D25-4BB6-888C-4601F85758C5}" type="slidenum">
+              <a:rPr lang="en-IN" smtClean="0"/>
+              <a:pPr/>
+              <a:t>21</a:t>
+            </a:fld>
+            <a:endParaRPr lang="en-IN"/>
+          </a:p>
+        </p:txBody>
+      </p:sp>
+    </p:spTree>
+    <p:extLst>
+      <p:ext uri="{BB962C8B-B14F-4D97-AF65-F5344CB8AC3E}">
+        <p14:creationId xmlns:p14="http://schemas.microsoft.com/office/powerpoint/2010/main" val="1104650847"/>
+      </p:ext>
+    </p:extLst>
+  </p:cSld>
+  <p:clrMapOvr>
+    <a:masterClrMapping/>
+  </p:clrMapOvr>
+</p:notes>
+</file>
+
+<file path=ppt/notesSlides/notesSlide21.xml><?xml version="1.0" encoding="utf-8"?>
+<p:notes xmlns:a="http://schemas.openxmlformats.org/drawingml/2006/main" xmlns:r="http://schemas.openxmlformats.org/officeDocument/2006/relationships" xmlns:p="http://schemas.openxmlformats.org/presentationml/2006/main">
+  <p:cSld>
+    <p:spTree>
+      <p:nvGrpSpPr>
         <p:cNvPr id="1" name="">
           <a:extLst>
             <a:ext uri="{FF2B5EF4-FFF2-40B4-BE49-F238E27FC236}">
@@ -4878,7 +4969,7 @@
             <a:fld id="{7782813F-5D25-4BB6-888C-4601F85758C5}" type="slidenum">
               <a:rPr lang="en-IN" smtClean="0"/>
               <a:pPr/>
-              <a:t>21</a:t>
+              <a:t>22</a:t>
             </a:fld>
             <a:endParaRPr lang="en-IN"/>
           </a:p>
@@ -4897,7 +4988,7 @@
 </p:notes>
 </file>
 
-<file path=ppt/notesSlides/notesSlide21.xml><?xml version="1.0" encoding="utf-8"?>
+<file path=ppt/notesSlides/notesSlide22.xml><?xml version="1.0" encoding="utf-8"?>
 <p:notes xmlns:a="http://schemas.openxmlformats.org/drawingml/2006/main" xmlns:r="http://schemas.openxmlformats.org/officeDocument/2006/relationships" xmlns:p="http://schemas.openxmlformats.org/presentationml/2006/main">
   <p:cSld>
     <p:spTree>
@@ -4968,7 +5059,7 @@
             <a:fld id="{7782813F-5D25-4BB6-888C-4601F85758C5}" type="slidenum">
               <a:rPr lang="en-IN" smtClean="0"/>
               <a:pPr/>
-              <a:t>22</a:t>
+              <a:t>23</a:t>
             </a:fld>
             <a:endParaRPr lang="en-IN"/>
           </a:p>
@@ -5400,6 +5491,120 @@
   <p:cSld>
     <p:spTree>
       <p:nvGrpSpPr>
+        <p:cNvPr id="1" name="">
+          <a:extLst>
+            <a:ext uri="{FF2B5EF4-FFF2-40B4-BE49-F238E27FC236}">
+              <a16:creationId xmlns:a16="http://schemas.microsoft.com/office/drawing/2014/main" id="{B3C5B533-D135-DB8E-DFC6-205E2D12DC7C}"/>
+            </a:ext>
+          </a:extLst>
+        </p:cNvPr>
+        <p:cNvGrpSpPr/>
+        <p:nvPr/>
+      </p:nvGrpSpPr>
+      <p:grpSpPr>
+        <a:xfrm>
+          <a:off x="0" y="0"/>
+          <a:ext cx="0" cy="0"/>
+          <a:chOff x="0" y="0"/>
+          <a:chExt cx="0" cy="0"/>
+        </a:xfrm>
+      </p:grpSpPr>
+      <p:sp>
+        <p:nvSpPr>
+          <p:cNvPr id="2" name="Slide Image Placeholder 1">
+            <a:extLst>
+              <a:ext uri="{FF2B5EF4-FFF2-40B4-BE49-F238E27FC236}">
+                <a16:creationId xmlns:a16="http://schemas.microsoft.com/office/drawing/2014/main" id="{977AC6BD-822A-44FE-6C48-73134B15C320}"/>
+              </a:ext>
+            </a:extLst>
+          </p:cNvPr>
+          <p:cNvSpPr>
+            <a:spLocks noGrp="1" noRot="1" noChangeAspect="1"/>
+          </p:cNvSpPr>
+          <p:nvPr>
+            <p:ph type="sldImg"/>
+          </p:nvPr>
+        </p:nvSpPr>
+        <p:spPr>
+          <a:xfrm>
+            <a:off x="685800" y="1143000"/>
+            <a:ext cx="5486400" cy="3086100"/>
+          </a:xfrm>
+        </p:spPr>
+      </p:sp>
+      <p:sp>
+        <p:nvSpPr>
+          <p:cNvPr id="3" name="Notes Placeholder 2">
+            <a:extLst>
+              <a:ext uri="{FF2B5EF4-FFF2-40B4-BE49-F238E27FC236}">
+                <a16:creationId xmlns:a16="http://schemas.microsoft.com/office/drawing/2014/main" id="{ADBD9588-3B15-E1B6-C7FB-D8E0E366D74F}"/>
+              </a:ext>
+            </a:extLst>
+          </p:cNvPr>
+          <p:cNvSpPr>
+            <a:spLocks noGrp="1"/>
+          </p:cNvSpPr>
+          <p:nvPr>
+            <p:ph type="body" idx="1"/>
+          </p:nvPr>
+        </p:nvSpPr>
+        <p:spPr/>
+        <p:txBody>
+          <a:bodyPr/>
+          <a:lstStyle/>
+          <a:p>
+            <a:endParaRPr lang="en-IN" dirty="0"/>
+          </a:p>
+        </p:txBody>
+      </p:sp>
+      <p:sp>
+        <p:nvSpPr>
+          <p:cNvPr id="4" name="Slide Number Placeholder 3">
+            <a:extLst>
+              <a:ext uri="{FF2B5EF4-FFF2-40B4-BE49-F238E27FC236}">
+                <a16:creationId xmlns:a16="http://schemas.microsoft.com/office/drawing/2014/main" id="{914A2BB4-F28D-B813-8BA5-07B34BA4C7E0}"/>
+              </a:ext>
+            </a:extLst>
+          </p:cNvPr>
+          <p:cNvSpPr>
+            <a:spLocks noGrp="1"/>
+          </p:cNvSpPr>
+          <p:nvPr>
+            <p:ph type="sldNum" sz="quarter" idx="10"/>
+          </p:nvPr>
+        </p:nvSpPr>
+        <p:spPr/>
+        <p:txBody>
+          <a:bodyPr/>
+          <a:lstStyle/>
+          <a:p>
+            <a:fld id="{7782813F-5D25-4BB6-888C-4601F85758C5}" type="slidenum">
+              <a:rPr lang="en-IN" smtClean="0"/>
+              <a:pPr/>
+              <a:t>8</a:t>
+            </a:fld>
+            <a:endParaRPr lang="en-IN"/>
+          </a:p>
+        </p:txBody>
+      </p:sp>
+    </p:spTree>
+    <p:extLst>
+      <p:ext uri="{BB962C8B-B14F-4D97-AF65-F5344CB8AC3E}">
+        <p14:creationId xmlns:p14="http://schemas.microsoft.com/office/powerpoint/2010/main" val="265210456"/>
+      </p:ext>
+    </p:extLst>
+  </p:cSld>
+  <p:clrMapOvr>
+    <a:masterClrMapping/>
+  </p:clrMapOvr>
+</p:notes>
+</file>
+
+<file path=ppt/notesSlides/notesSlide8.xml><?xml version="1.0" encoding="utf-8"?>
+<p:notes xmlns:a="http://schemas.openxmlformats.org/drawingml/2006/main" xmlns:r="http://schemas.openxmlformats.org/officeDocument/2006/relationships" xmlns:p="http://schemas.openxmlformats.org/presentationml/2006/main">
+  <p:cSld>
+    <p:spTree>
+      <p:nvGrpSpPr>
         <p:cNvPr id="1" name=""/>
         <p:cNvGrpSpPr/>
         <p:nvPr/>
@@ -5466,7 +5671,7 @@
             <a:fld id="{7782813F-5D25-4BB6-888C-4601F85758C5}" type="slidenum">
               <a:rPr lang="en-IN" smtClean="0"/>
               <a:pPr/>
-              <a:t>8</a:t>
+              <a:t>9</a:t>
             </a:fld>
             <a:endParaRPr lang="en-IN"/>
           </a:p>
@@ -5485,7 +5690,7 @@
 </p:notes>
 </file>
 
-<file path=ppt/notesSlides/notesSlide8.xml><?xml version="1.0" encoding="utf-8"?>
+<file path=ppt/notesSlides/notesSlide9.xml><?xml version="1.0" encoding="utf-8"?>
 <p:notes xmlns:a="http://schemas.openxmlformats.org/drawingml/2006/main" xmlns:r="http://schemas.openxmlformats.org/officeDocument/2006/relationships" xmlns:p="http://schemas.openxmlformats.org/presentationml/2006/main">
   <p:cSld>
     <p:spTree>
@@ -5580,7 +5785,7 @@
             <a:fld id="{7782813F-5D25-4BB6-888C-4601F85758C5}" type="slidenum">
               <a:rPr lang="en-IN" smtClean="0"/>
               <a:pPr/>
-              <a:t>9</a:t>
+              <a:t>10</a:t>
             </a:fld>
             <a:endParaRPr lang="en-IN"/>
           </a:p>
@@ -5590,96 +5795,6 @@
     <p:extLst>
       <p:ext uri="{BB962C8B-B14F-4D97-AF65-F5344CB8AC3E}">
         <p14:creationId xmlns:p14="http://schemas.microsoft.com/office/powerpoint/2010/main" val="4056014462"/>
-      </p:ext>
-    </p:extLst>
-  </p:cSld>
-  <p:clrMapOvr>
-    <a:masterClrMapping/>
-  </p:clrMapOvr>
-</p:notes>
-</file>
-
-<file path=ppt/notesSlides/notesSlide9.xml><?xml version="1.0" encoding="utf-8"?>
-<p:notes xmlns:a="http://schemas.openxmlformats.org/drawingml/2006/main" xmlns:r="http://schemas.openxmlformats.org/officeDocument/2006/relationships" xmlns:p="http://schemas.openxmlformats.org/presentationml/2006/main">
-  <p:cSld>
-    <p:spTree>
-      <p:nvGrpSpPr>
-        <p:cNvPr id="1" name=""/>
-        <p:cNvGrpSpPr/>
-        <p:nvPr/>
-      </p:nvGrpSpPr>
-      <p:grpSpPr>
-        <a:xfrm>
-          <a:off x="0" y="0"/>
-          <a:ext cx="0" cy="0"/>
-          <a:chOff x="0" y="0"/>
-          <a:chExt cx="0" cy="0"/>
-        </a:xfrm>
-      </p:grpSpPr>
-      <p:sp>
-        <p:nvSpPr>
-          <p:cNvPr id="2" name="Slide Image Placeholder 1"/>
-          <p:cNvSpPr>
-            <a:spLocks noGrp="1" noRot="1" noChangeAspect="1"/>
-          </p:cNvSpPr>
-          <p:nvPr>
-            <p:ph type="sldImg"/>
-          </p:nvPr>
-        </p:nvSpPr>
-        <p:spPr>
-          <a:xfrm>
-            <a:off x="685800" y="1143000"/>
-            <a:ext cx="5486400" cy="3086100"/>
-          </a:xfrm>
-        </p:spPr>
-      </p:sp>
-      <p:sp>
-        <p:nvSpPr>
-          <p:cNvPr id="3" name="Notes Placeholder 2"/>
-          <p:cNvSpPr>
-            <a:spLocks noGrp="1"/>
-          </p:cNvSpPr>
-          <p:nvPr>
-            <p:ph type="body" idx="1"/>
-          </p:nvPr>
-        </p:nvSpPr>
-        <p:spPr/>
-        <p:txBody>
-          <a:bodyPr/>
-          <a:lstStyle/>
-          <a:p>
-            <a:endParaRPr lang="en-IN" dirty="0"/>
-          </a:p>
-        </p:txBody>
-      </p:sp>
-      <p:sp>
-        <p:nvSpPr>
-          <p:cNvPr id="4" name="Slide Number Placeholder 3"/>
-          <p:cNvSpPr>
-            <a:spLocks noGrp="1"/>
-          </p:cNvSpPr>
-          <p:nvPr>
-            <p:ph type="sldNum" sz="quarter" idx="10"/>
-          </p:nvPr>
-        </p:nvSpPr>
-        <p:spPr/>
-        <p:txBody>
-          <a:bodyPr/>
-          <a:lstStyle/>
-          <a:p>
-            <a:fld id="{7782813F-5D25-4BB6-888C-4601F85758C5}" type="slidenum">
-              <a:rPr lang="en-IN" smtClean="0"/>
-              <a:pPr/>
-              <a:t>10</a:t>
-            </a:fld>
-            <a:endParaRPr lang="en-IN"/>
-          </a:p>
-        </p:txBody>
-      </p:sp>
-    </p:spTree>
-    <p:extLst>
-      <p:ext uri="{BB962C8B-B14F-4D97-AF65-F5344CB8AC3E}">
-        <p14:creationId xmlns:p14="http://schemas.microsoft.com/office/powerpoint/2010/main" val="2129072402"/>
       </p:ext>
     </p:extLst>
   </p:cSld>
@@ -20804,6 +20919,732 @@
   <p:cSld>
     <p:spTree>
       <p:nvGrpSpPr>
+        <p:cNvPr id="1" name="">
+          <a:extLst>
+            <a:ext uri="{FF2B5EF4-FFF2-40B4-BE49-F238E27FC236}">
+              <a16:creationId xmlns:a16="http://schemas.microsoft.com/office/drawing/2014/main" id="{25279D53-2711-7F5B-8DC4-1E7211C9071C}"/>
+            </a:ext>
+          </a:extLst>
+        </p:cNvPr>
+        <p:cNvGrpSpPr/>
+        <p:nvPr/>
+      </p:nvGrpSpPr>
+      <p:grpSpPr>
+        <a:xfrm>
+          <a:off x="0" y="0"/>
+          <a:ext cx="0" cy="0"/>
+          <a:chOff x="0" y="0"/>
+          <a:chExt cx="0" cy="0"/>
+        </a:xfrm>
+      </p:grpSpPr>
+      <p:sp>
+        <p:nvSpPr>
+          <p:cNvPr id="5" name="Rectangle">
+            <a:extLst>
+              <a:ext uri="{FF2B5EF4-FFF2-40B4-BE49-F238E27FC236}">
+                <a16:creationId xmlns:a16="http://schemas.microsoft.com/office/drawing/2014/main" id="{FB42002A-DAEA-F933-EEF0-F6CC90EDFD7B}"/>
+              </a:ext>
+            </a:extLst>
+          </p:cNvPr>
+          <p:cNvSpPr/>
+          <p:nvPr/>
+        </p:nvSpPr>
+        <p:spPr>
+          <a:xfrm flipH="1">
+            <a:off x="-24000" y="-2"/>
+            <a:ext cx="2469463" cy="6858000"/>
+          </a:xfrm>
+          <a:prstGeom prst="rect">
+            <a:avLst/>
+          </a:prstGeom>
+          <a:solidFill>
+            <a:srgbClr val="F28E01"/>
+          </a:solidFill>
+          <a:ln w="12700">
+            <a:miter lim="400000"/>
+          </a:ln>
+        </p:spPr>
+        <p:txBody>
+          <a:bodyPr lIns="50800" tIns="50800" rIns="50800" bIns="50800" anchor="ctr"/>
+          <a:lstStyle/>
+          <a:p>
+            <a:pPr defTabSz="1130300">
+              <a:defRPr sz="3200">
+                <a:solidFill>
+                  <a:srgbClr val="FFFFFF"/>
+                </a:solidFill>
+                <a:latin typeface="Graphik"/>
+                <a:ea typeface="Graphik"/>
+                <a:cs typeface="Graphik"/>
+                <a:sym typeface="Graphik"/>
+              </a:defRPr>
+            </a:pPr>
+            <a:endParaRPr sz="3200" baseline="-25000"/>
+          </a:p>
+        </p:txBody>
+      </p:sp>
+      <p:sp>
+        <p:nvSpPr>
+          <p:cNvPr id="8" name="Rectangle">
+            <a:extLst>
+              <a:ext uri="{FF2B5EF4-FFF2-40B4-BE49-F238E27FC236}">
+                <a16:creationId xmlns:a16="http://schemas.microsoft.com/office/drawing/2014/main" id="{786C7033-38FB-AA7F-326F-1A5661D067E9}"/>
+              </a:ext>
+            </a:extLst>
+          </p:cNvPr>
+          <p:cNvSpPr/>
+          <p:nvPr/>
+        </p:nvSpPr>
+        <p:spPr>
+          <a:xfrm flipH="1">
+            <a:off x="11496000" y="1"/>
+            <a:ext cx="257907" cy="6858000"/>
+          </a:xfrm>
+          <a:prstGeom prst="rect">
+            <a:avLst/>
+          </a:prstGeom>
+          <a:solidFill>
+            <a:srgbClr val="F28E01"/>
+          </a:solidFill>
+          <a:ln w="12700">
+            <a:miter lim="400000"/>
+          </a:ln>
+        </p:spPr>
+        <p:txBody>
+          <a:bodyPr lIns="50800" tIns="50800" rIns="50800" bIns="50800" anchor="ctr"/>
+          <a:lstStyle/>
+          <a:p>
+            <a:pPr defTabSz="1130300">
+              <a:defRPr sz="3300">
+                <a:solidFill>
+                  <a:srgbClr val="FFFFFF"/>
+                </a:solidFill>
+                <a:latin typeface="Graphik"/>
+                <a:ea typeface="Graphik"/>
+                <a:cs typeface="Graphik"/>
+                <a:sym typeface="Graphik"/>
+              </a:defRPr>
+            </a:pPr>
+            <a:endParaRPr sz="3300"/>
+          </a:p>
+        </p:txBody>
+      </p:sp>
+      <p:grpSp>
+        <p:nvGrpSpPr>
+          <p:cNvPr id="3" name="Group 19">
+            <a:extLst>
+              <a:ext uri="{FF2B5EF4-FFF2-40B4-BE49-F238E27FC236}">
+                <a16:creationId xmlns:a16="http://schemas.microsoft.com/office/drawing/2014/main" id="{402D6366-36AF-2EBF-E780-E550B0DD3852}"/>
+              </a:ext>
+            </a:extLst>
+          </p:cNvPr>
+          <p:cNvGrpSpPr/>
+          <p:nvPr/>
+        </p:nvGrpSpPr>
+        <p:grpSpPr>
+          <a:xfrm>
+            <a:off x="122050" y="1474470"/>
+            <a:ext cx="2209165" cy="3067050"/>
+            <a:chOff x="230" y="2322"/>
+            <a:chExt cx="3479" cy="4830"/>
+          </a:xfrm>
+        </p:grpSpPr>
+        <p:sp>
+          <p:nvSpPr>
+            <p:cNvPr id="21" name="Rectangle">
+              <a:extLst>
+                <a:ext uri="{FF2B5EF4-FFF2-40B4-BE49-F238E27FC236}">
+                  <a16:creationId xmlns:a16="http://schemas.microsoft.com/office/drawing/2014/main" id="{7AFEEEB4-4131-9CA6-42CB-05D48718CA3D}"/>
+                </a:ext>
+              </a:extLst>
+            </p:cNvPr>
+            <p:cNvSpPr/>
+            <p:nvPr/>
+          </p:nvSpPr>
+          <p:spPr>
+            <a:xfrm flipH="1">
+              <a:off x="1099" y="2322"/>
+              <a:ext cx="2611" cy="2465"/>
+            </a:xfrm>
+            <a:prstGeom prst="rect">
+              <a:avLst/>
+            </a:prstGeom>
+            <a:solidFill>
+              <a:schemeClr val="bg1"/>
+            </a:solidFill>
+            <a:ln w="12700">
+              <a:miter lim="400000"/>
+            </a:ln>
+          </p:spPr>
+          <p:txBody>
+            <a:bodyPr lIns="50800" tIns="50800" rIns="50800" bIns="50800" anchor="ctr"/>
+            <a:lstStyle/>
+            <a:p>
+              <a:pPr defTabSz="1130300">
+                <a:defRPr sz="3200">
+                  <a:solidFill>
+                    <a:srgbClr val="FFFFFF"/>
+                  </a:solidFill>
+                  <a:latin typeface="Graphik"/>
+                  <a:ea typeface="Graphik"/>
+                  <a:cs typeface="Graphik"/>
+                  <a:sym typeface="Graphik"/>
+                </a:defRPr>
+              </a:pPr>
+              <a:endParaRPr sz="3200" baseline="-25000"/>
+            </a:p>
+          </p:txBody>
+        </p:sp>
+        <p:sp>
+          <p:nvSpPr>
+            <p:cNvPr id="22" name="Rectangle">
+              <a:extLst>
+                <a:ext uri="{FF2B5EF4-FFF2-40B4-BE49-F238E27FC236}">
+                  <a16:creationId xmlns:a16="http://schemas.microsoft.com/office/drawing/2014/main" id="{07AE3839-E6EA-C1CE-4CE0-408E07EABB29}"/>
+                </a:ext>
+              </a:extLst>
+            </p:cNvPr>
+            <p:cNvSpPr/>
+            <p:nvPr/>
+          </p:nvSpPr>
+          <p:spPr>
+            <a:xfrm flipH="1">
+              <a:off x="230" y="2624"/>
+              <a:ext cx="3192" cy="4529"/>
+            </a:xfrm>
+            <a:prstGeom prst="rect">
+              <a:avLst/>
+            </a:prstGeom>
+            <a:solidFill>
+              <a:srgbClr val="585858"/>
+            </a:solidFill>
+            <a:ln w="12700">
+              <a:miter lim="400000"/>
+            </a:ln>
+          </p:spPr>
+          <p:txBody>
+            <a:bodyPr lIns="50800" tIns="50800" rIns="50800" bIns="50800" anchor="ctr"/>
+            <a:lstStyle/>
+            <a:p>
+              <a:pPr defTabSz="1130300">
+                <a:defRPr sz="3200">
+                  <a:solidFill>
+                    <a:srgbClr val="FFFFFF"/>
+                  </a:solidFill>
+                  <a:latin typeface="Graphik"/>
+                  <a:ea typeface="Graphik"/>
+                  <a:cs typeface="Graphik"/>
+                  <a:sym typeface="Graphik"/>
+                </a:defRPr>
+              </a:pPr>
+              <a:endParaRPr sz="3200" baseline="-25000" dirty="0"/>
+            </a:p>
+          </p:txBody>
+        </p:sp>
+        <p:pic>
+          <p:nvPicPr>
+            <p:cNvPr id="23" name="Image" descr="Image">
+              <a:extLst>
+                <a:ext uri="{FF2B5EF4-FFF2-40B4-BE49-F238E27FC236}">
+                  <a16:creationId xmlns:a16="http://schemas.microsoft.com/office/drawing/2014/main" id="{72F02E10-E1F7-EB78-F6CD-756AFBB3B290}"/>
+                </a:ext>
+              </a:extLst>
+            </p:cNvPr>
+            <p:cNvPicPr>
+              <a:picLocks noChangeAspect="1"/>
+            </p:cNvPicPr>
+            <p:nvPr/>
+          </p:nvPicPr>
+          <p:blipFill>
+            <a:blip r:embed="rId3" cstate="print"/>
+            <a:stretch>
+              <a:fillRect/>
+            </a:stretch>
+          </p:blipFill>
+          <p:spPr>
+            <a:xfrm>
+              <a:off x="987" y="3715"/>
+              <a:ext cx="1683" cy="1805"/>
+            </a:xfrm>
+            <a:prstGeom prst="rect">
+              <a:avLst/>
+            </a:prstGeom>
+            <a:ln w="12700">
+              <a:miter lim="400000"/>
+              <a:headEnd/>
+              <a:tailEnd/>
+            </a:ln>
+          </p:spPr>
+        </p:pic>
+      </p:grpSp>
+      <p:sp>
+        <p:nvSpPr>
+          <p:cNvPr id="4" name="TextBox 3">
+            <a:extLst>
+              <a:ext uri="{FF2B5EF4-FFF2-40B4-BE49-F238E27FC236}">
+                <a16:creationId xmlns:a16="http://schemas.microsoft.com/office/drawing/2014/main" id="{56F426FB-6CDE-43DD-D2D9-6F848DBC1FC7}"/>
+              </a:ext>
+            </a:extLst>
+          </p:cNvPr>
+          <p:cNvSpPr txBox="1"/>
+          <p:nvPr/>
+        </p:nvSpPr>
+        <p:spPr>
+          <a:xfrm>
+            <a:off x="336000" y="3643668"/>
+            <a:ext cx="1800000" cy="369332"/>
+          </a:xfrm>
+          <a:prstGeom prst="rect">
+            <a:avLst/>
+          </a:prstGeom>
+          <a:noFill/>
+        </p:spPr>
+        <p:txBody>
+          <a:bodyPr wrap="square" rtlCol="0">
+            <a:spAutoFit/>
+          </a:bodyPr>
+          <a:lstStyle/>
+          <a:p>
+            <a:r>
+              <a:rPr lang="en-US" dirty="0"/>
+              <a:t>    </a:t>
+            </a:r>
+            <a:r>
+              <a:rPr lang="en-US" dirty="0">
+                <a:solidFill>
+                  <a:schemeClr val="bg1"/>
+                </a:solidFill>
+              </a:rPr>
+              <a:t>Dept of CSE</a:t>
+            </a:r>
+          </a:p>
+        </p:txBody>
+      </p:sp>
+      <p:sp>
+        <p:nvSpPr>
+          <p:cNvPr id="14" name="Title 1">
+            <a:extLst>
+              <a:ext uri="{FF2B5EF4-FFF2-40B4-BE49-F238E27FC236}">
+                <a16:creationId xmlns:a16="http://schemas.microsoft.com/office/drawing/2014/main" id="{E39B5465-1B03-1032-FB47-D3DA2408EF06}"/>
+              </a:ext>
+            </a:extLst>
+          </p:cNvPr>
+          <p:cNvSpPr>
+            <a:spLocks noGrp="1"/>
+          </p:cNvSpPr>
+          <p:nvPr>
+            <p:ph type="title"/>
+          </p:nvPr>
+        </p:nvSpPr>
+        <p:spPr>
+          <a:xfrm>
+            <a:off x="2743200" y="381000"/>
+            <a:ext cx="8229600" cy="1143000"/>
+          </a:xfrm>
+        </p:spPr>
+        <p:txBody>
+          <a:bodyPr>
+            <a:normAutofit/>
+          </a:bodyPr>
+          <a:lstStyle/>
+          <a:p>
+            <a:r>
+              <a:rPr lang="en-IN" sz="4000" b="1" dirty="0">
+                <a:latin typeface="Times New Roman" panose="02020603050405020304" pitchFamily="18" charset="0"/>
+                <a:cs typeface="Times New Roman" panose="02020603050405020304" pitchFamily="18" charset="0"/>
+              </a:rPr>
+              <a:t>Deliverables and Impact</a:t>
+            </a:r>
+          </a:p>
+        </p:txBody>
+      </p:sp>
+      <p:sp>
+        <p:nvSpPr>
+          <p:cNvPr id="6" name="Rectangle 1">
+            <a:extLst>
+              <a:ext uri="{FF2B5EF4-FFF2-40B4-BE49-F238E27FC236}">
+                <a16:creationId xmlns:a16="http://schemas.microsoft.com/office/drawing/2014/main" id="{A28A9941-B21E-93A3-1E57-9CD07B05F3F9}"/>
+              </a:ext>
+            </a:extLst>
+          </p:cNvPr>
+          <p:cNvSpPr>
+            <a:spLocks noGrp="1" noChangeArrowheads="1"/>
+          </p:cNvSpPr>
+          <p:nvPr>
+            <p:ph idx="1"/>
+          </p:nvPr>
+        </p:nvSpPr>
+        <p:spPr bwMode="auto">
+          <a:xfrm>
+            <a:off x="2743201" y="1296341"/>
+            <a:ext cx="8443336" cy="5025735"/>
+          </a:xfrm>
+          <a:prstGeom prst="rect">
+            <a:avLst/>
+          </a:prstGeom>
+          <a:noFill/>
+          <a:ln>
+            <a:noFill/>
+          </a:ln>
+          <a:effectLst/>
+          <a:extLst>
+            <a:ext uri="{909E8E84-426E-40DD-AFC4-6F175D3DCCD1}">
+              <a14:hiddenFill xmlns:a14="http://schemas.microsoft.com/office/drawing/2010/main">
+                <a:solidFill>
+                  <a:schemeClr val="accent1"/>
+                </a:solidFill>
+              </a14:hiddenFill>
+            </a:ext>
+            <a:ext uri="{91240B29-F687-4F45-9708-019B960494DF}">
+              <a14:hiddenLine xmlns:a14="http://schemas.microsoft.com/office/drawing/2010/main" w="9525">
+                <a:solidFill>
+                  <a:schemeClr val="tx1"/>
+                </a:solidFill>
+                <a:miter lim="800000"/>
+                <a:headEnd/>
+                <a:tailEnd/>
+              </a14:hiddenLine>
+            </a:ext>
+            <a:ext uri="{AF507438-7753-43E0-B8FC-AC1667EBCBE1}">
+              <a14:hiddenEffects xmlns:a14="http://schemas.microsoft.com/office/drawing/2010/main">
+                <a:effectLst>
+                  <a:outerShdw dist="35921" dir="2700000" algn="ctr" rotWithShape="0">
+                    <a:schemeClr val="bg2"/>
+                  </a:outerShdw>
+                </a:effectLst>
+              </a14:hiddenEffects>
+            </a:ext>
+          </a:extLst>
+        </p:spPr>
+        <p:txBody>
+          <a:bodyPr vert="horz" wrap="square" lIns="91440" tIns="45720" rIns="91440" bIns="45720" numCol="1" anchor="ctr" anchorCtr="0" compatLnSpc="1">
+            <a:prstTxWarp prst="textNoShape">
+              <a:avLst/>
+            </a:prstTxWarp>
+            <a:spAutoFit/>
+          </a:bodyPr>
+          <a:lstStyle/>
+          <a:p>
+            <a:pPr marL="0" marR="0" lvl="0" indent="0" algn="just" defTabSz="914400" rtl="0" eaLnBrk="0" fontAlgn="base" latinLnBrk="0" hangingPunct="0">
+              <a:lnSpc>
+                <a:spcPct val="200000"/>
+              </a:lnSpc>
+              <a:spcBef>
+                <a:spcPct val="0"/>
+              </a:spcBef>
+              <a:spcAft>
+                <a:spcPct val="0"/>
+              </a:spcAft>
+              <a:buClrTx/>
+              <a:buSzTx/>
+              <a:buNone/>
+              <a:tabLst/>
+            </a:pPr>
+            <a:r>
+              <a:rPr kumimoji="0" lang="en-US" altLang="en-US" sz="2000" b="1" i="0" u="none" strike="noStrike" cap="none" normalizeH="0" baseline="0" dirty="0">
+                <a:ln>
+                  <a:noFill/>
+                </a:ln>
+                <a:solidFill>
+                  <a:schemeClr val="tx1"/>
+                </a:solidFill>
+                <a:effectLst/>
+                <a:latin typeface="Times New Roman" panose="02020603050405020304" pitchFamily="18" charset="0"/>
+                <a:cs typeface="Times New Roman" panose="02020603050405020304" pitchFamily="18" charset="0"/>
+              </a:rPr>
+              <a:t>Impact:</a:t>
+            </a:r>
+          </a:p>
+          <a:p>
+            <a:r>
+              <a:rPr lang="en-US" sz="1600" dirty="0">
+                <a:latin typeface="Times New Roman" panose="02020603050405020304" pitchFamily="18" charset="0"/>
+                <a:cs typeface="Times New Roman" panose="02020603050405020304" pitchFamily="18" charset="0"/>
+              </a:rPr>
+              <a:t>    </a:t>
+            </a:r>
+            <a:r>
+              <a:rPr lang="en-US" sz="1600" b="0" i="0" dirty="0">
+                <a:solidFill>
+                  <a:srgbClr val="000000"/>
+                </a:solidFill>
+                <a:effectLst/>
+                <a:latin typeface="Times New Roman" panose="02020603050405020304" pitchFamily="18" charset="0"/>
+                <a:cs typeface="Times New Roman" panose="02020603050405020304" pitchFamily="18" charset="0"/>
+              </a:rPr>
+              <a:t>Enhanced remote collaboration capabilities for users, improving productivity and </a:t>
+            </a:r>
+          </a:p>
+          <a:p>
+            <a:pPr marL="0" indent="0">
+              <a:buNone/>
+            </a:pPr>
+            <a:r>
+              <a:rPr lang="en-US" sz="1600" dirty="0">
+                <a:solidFill>
+                  <a:srgbClr val="000000"/>
+                </a:solidFill>
+                <a:latin typeface="Times New Roman" panose="02020603050405020304" pitchFamily="18" charset="0"/>
+                <a:cs typeface="Times New Roman" panose="02020603050405020304" pitchFamily="18" charset="0"/>
+              </a:rPr>
+              <a:t>         </a:t>
+            </a:r>
+            <a:r>
+              <a:rPr lang="en-US" sz="1600" b="0" i="0" dirty="0">
+                <a:solidFill>
+                  <a:srgbClr val="000000"/>
+                </a:solidFill>
+                <a:effectLst/>
+                <a:latin typeface="Times New Roman" panose="02020603050405020304" pitchFamily="18" charset="0"/>
+                <a:cs typeface="Times New Roman" panose="02020603050405020304" pitchFamily="18" charset="0"/>
+              </a:rPr>
+              <a:t>communication.</a:t>
+            </a:r>
+          </a:p>
+          <a:p>
+            <a:pPr marL="0" indent="0">
+              <a:buNone/>
+            </a:pPr>
+            <a:r>
+              <a:rPr lang="en-US" sz="1600" b="0" i="0" dirty="0">
+                <a:solidFill>
+                  <a:srgbClr val="000000"/>
+                </a:solidFill>
+                <a:effectLst/>
+                <a:latin typeface="Times New Roman" panose="02020603050405020304" pitchFamily="18" charset="0"/>
+                <a:cs typeface="Times New Roman" panose="02020603050405020304" pitchFamily="18" charset="0"/>
+              </a:rPr>
+              <a:t>    </a:t>
+            </a:r>
+          </a:p>
+          <a:p>
+            <a:r>
+              <a:rPr lang="en-US" sz="1600" dirty="0">
+                <a:solidFill>
+                  <a:srgbClr val="000000"/>
+                </a:solidFill>
+                <a:latin typeface="Times New Roman" panose="02020603050405020304" pitchFamily="18" charset="0"/>
+                <a:cs typeface="Times New Roman" panose="02020603050405020304" pitchFamily="18" charset="0"/>
+              </a:rPr>
+              <a:t>    </a:t>
+            </a:r>
+            <a:r>
+              <a:rPr lang="en-US" sz="1600" b="0" i="0" dirty="0">
+                <a:solidFill>
+                  <a:srgbClr val="000000"/>
+                </a:solidFill>
+                <a:effectLst/>
+                <a:latin typeface="Times New Roman" panose="02020603050405020304" pitchFamily="18" charset="0"/>
+                <a:cs typeface="Times New Roman" panose="02020603050405020304" pitchFamily="18" charset="0"/>
+              </a:rPr>
+              <a:t>Increased accessibility to high-quality video conferencing tools, potentially </a:t>
+            </a:r>
+          </a:p>
+          <a:p>
+            <a:pPr marL="0" indent="0">
+              <a:buNone/>
+            </a:pPr>
+            <a:r>
+              <a:rPr lang="en-US" sz="1600" dirty="0">
+                <a:solidFill>
+                  <a:srgbClr val="000000"/>
+                </a:solidFill>
+                <a:latin typeface="Times New Roman" panose="02020603050405020304" pitchFamily="18" charset="0"/>
+                <a:cs typeface="Times New Roman" panose="02020603050405020304" pitchFamily="18" charset="0"/>
+              </a:rPr>
+              <a:t>         </a:t>
+            </a:r>
+            <a:r>
+              <a:rPr lang="en-US" sz="1600" b="0" i="0" dirty="0">
+                <a:solidFill>
+                  <a:srgbClr val="000000"/>
+                </a:solidFill>
+                <a:effectLst/>
+                <a:latin typeface="Times New Roman" panose="02020603050405020304" pitchFamily="18" charset="0"/>
+                <a:cs typeface="Times New Roman" panose="02020603050405020304" pitchFamily="18" charset="0"/>
+              </a:rPr>
+              <a:t>reducing barriers to remote work and distance learning.</a:t>
+            </a:r>
+          </a:p>
+          <a:p>
+            <a:pPr marL="0" indent="0">
+              <a:buNone/>
+            </a:pPr>
+            <a:r>
+              <a:rPr lang="en-US" sz="1600" b="0" i="0" dirty="0">
+                <a:solidFill>
+                  <a:srgbClr val="000000"/>
+                </a:solidFill>
+                <a:effectLst/>
+                <a:latin typeface="Times New Roman" panose="02020603050405020304" pitchFamily="18" charset="0"/>
+                <a:cs typeface="Times New Roman" panose="02020603050405020304" pitchFamily="18" charset="0"/>
+              </a:rPr>
+              <a:t>    </a:t>
+            </a:r>
+          </a:p>
+          <a:p>
+            <a:r>
+              <a:rPr lang="en-US" sz="1600" dirty="0">
+                <a:solidFill>
+                  <a:srgbClr val="000000"/>
+                </a:solidFill>
+                <a:latin typeface="Times New Roman" panose="02020603050405020304" pitchFamily="18" charset="0"/>
+                <a:cs typeface="Times New Roman" panose="02020603050405020304" pitchFamily="18" charset="0"/>
+              </a:rPr>
+              <a:t>    </a:t>
+            </a:r>
+            <a:r>
+              <a:rPr lang="en-US" sz="1600" b="0" i="0" dirty="0">
+                <a:solidFill>
+                  <a:srgbClr val="000000"/>
+                </a:solidFill>
+                <a:effectLst/>
+                <a:latin typeface="Times New Roman" panose="02020603050405020304" pitchFamily="18" charset="0"/>
+                <a:cs typeface="Times New Roman" panose="02020603050405020304" pitchFamily="18" charset="0"/>
+              </a:rPr>
+              <a:t>Improved user experience through a modern, responsive interface and seamless  </a:t>
+            </a:r>
+          </a:p>
+          <a:p>
+            <a:pPr marL="0" indent="0">
+              <a:buNone/>
+            </a:pPr>
+            <a:r>
+              <a:rPr lang="en-US" sz="1600" dirty="0">
+                <a:solidFill>
+                  <a:srgbClr val="000000"/>
+                </a:solidFill>
+                <a:latin typeface="Times New Roman" panose="02020603050405020304" pitchFamily="18" charset="0"/>
+                <a:cs typeface="Times New Roman" panose="02020603050405020304" pitchFamily="18" charset="0"/>
+              </a:rPr>
+              <a:t>        </a:t>
+            </a:r>
+            <a:r>
+              <a:rPr lang="en-US" sz="1600" b="0" i="0" dirty="0">
+                <a:solidFill>
+                  <a:srgbClr val="000000"/>
+                </a:solidFill>
+                <a:effectLst/>
+                <a:latin typeface="Times New Roman" panose="02020603050405020304" pitchFamily="18" charset="0"/>
+                <a:cs typeface="Times New Roman" panose="02020603050405020304" pitchFamily="18" charset="0"/>
+              </a:rPr>
+              <a:t>integration of advanced features.</a:t>
+            </a:r>
+          </a:p>
+          <a:p>
+            <a:pPr marL="0" indent="0">
+              <a:buNone/>
+            </a:pPr>
+            <a:r>
+              <a:rPr lang="en-US" sz="1600" b="0" i="0" dirty="0">
+                <a:solidFill>
+                  <a:srgbClr val="000000"/>
+                </a:solidFill>
+                <a:effectLst/>
+                <a:latin typeface="Times New Roman" panose="02020603050405020304" pitchFamily="18" charset="0"/>
+                <a:cs typeface="Times New Roman" panose="02020603050405020304" pitchFamily="18" charset="0"/>
+              </a:rPr>
+              <a:t>    </a:t>
+            </a:r>
+          </a:p>
+          <a:p>
+            <a:r>
+              <a:rPr lang="en-US" sz="1600" dirty="0">
+                <a:solidFill>
+                  <a:srgbClr val="000000"/>
+                </a:solidFill>
+                <a:latin typeface="Times New Roman" panose="02020603050405020304" pitchFamily="18" charset="0"/>
+                <a:cs typeface="Times New Roman" panose="02020603050405020304" pitchFamily="18" charset="0"/>
+              </a:rPr>
+              <a:t>    </a:t>
+            </a:r>
+            <a:r>
+              <a:rPr lang="en-US" sz="1600" b="0" i="0" dirty="0">
+                <a:solidFill>
+                  <a:srgbClr val="000000"/>
+                </a:solidFill>
+                <a:effectLst/>
+                <a:latin typeface="Times New Roman" panose="02020603050405020304" pitchFamily="18" charset="0"/>
+                <a:cs typeface="Times New Roman" panose="02020603050405020304" pitchFamily="18" charset="0"/>
+              </a:rPr>
+              <a:t>Potential cost savings for organizations by providing an alternative to expensive   </a:t>
+            </a:r>
+          </a:p>
+          <a:p>
+            <a:pPr marL="0" indent="0">
+              <a:buNone/>
+            </a:pPr>
+            <a:r>
+              <a:rPr lang="en-US" sz="1600" dirty="0">
+                <a:solidFill>
+                  <a:srgbClr val="000000"/>
+                </a:solidFill>
+                <a:latin typeface="Times New Roman" panose="02020603050405020304" pitchFamily="18" charset="0"/>
+                <a:cs typeface="Times New Roman" panose="02020603050405020304" pitchFamily="18" charset="0"/>
+              </a:rPr>
+              <a:t>         </a:t>
+            </a:r>
+            <a:r>
+              <a:rPr lang="en-US" sz="1600" b="0" i="0" dirty="0">
+                <a:solidFill>
+                  <a:srgbClr val="000000"/>
+                </a:solidFill>
+                <a:effectLst/>
+                <a:latin typeface="Times New Roman" panose="02020603050405020304" pitchFamily="18" charset="0"/>
+                <a:cs typeface="Times New Roman" panose="02020603050405020304" pitchFamily="18" charset="0"/>
+              </a:rPr>
+              <a:t>enterprise video conferencing solutions.</a:t>
+            </a:r>
+          </a:p>
+          <a:p>
+            <a:pPr marL="0" marR="0" lvl="0" indent="0" algn="just" defTabSz="914400" rtl="0" eaLnBrk="0" fontAlgn="base" latinLnBrk="0" hangingPunct="0">
+              <a:lnSpc>
+                <a:spcPct val="200000"/>
+              </a:lnSpc>
+              <a:spcBef>
+                <a:spcPct val="0"/>
+              </a:spcBef>
+              <a:spcAft>
+                <a:spcPct val="0"/>
+              </a:spcAft>
+              <a:buClrTx/>
+              <a:buSzTx/>
+              <a:buFontTx/>
+              <a:buChar char="•"/>
+              <a:tabLst/>
+            </a:pPr>
+            <a:endParaRPr kumimoji="0" lang="en-US" altLang="en-US" sz="1800" b="0" i="0" u="none" strike="noStrike" cap="none" normalizeH="0" baseline="0" dirty="0">
+              <a:ln>
+                <a:noFill/>
+              </a:ln>
+              <a:solidFill>
+                <a:schemeClr val="tx1"/>
+              </a:solidFill>
+              <a:effectLst/>
+              <a:latin typeface="Times New Roman" panose="02020603050405020304" pitchFamily="18" charset="0"/>
+              <a:cs typeface="Times New Roman" panose="02020603050405020304" pitchFamily="18" charset="0"/>
+            </a:endParaRPr>
+          </a:p>
+        </p:txBody>
+      </p:sp>
+    </p:spTree>
+    <p:extLst>
+      <p:ext uri="{BB962C8B-B14F-4D97-AF65-F5344CB8AC3E}">
+        <p14:creationId xmlns:p14="http://schemas.microsoft.com/office/powerpoint/2010/main" val="4068133359"/>
+      </p:ext>
+    </p:extLst>
+  </p:cSld>
+  <p:clrMapOvr>
+    <a:masterClrMapping/>
+  </p:clrMapOvr>
+</p:sld>
+</file>
+
+<file path=ppt/slides/slide11.xml><?xml version="1.0" encoding="utf-8"?>
+<p:sld xmlns:a="http://schemas.openxmlformats.org/drawingml/2006/main" xmlns:r="http://schemas.openxmlformats.org/officeDocument/2006/relationships" xmlns:p="http://schemas.openxmlformats.org/presentationml/2006/main">
+  <p:cSld>
+    <p:spTree>
+      <p:nvGrpSpPr>
         <p:cNvPr id="1" name=""/>
         <p:cNvGrpSpPr/>
         <p:nvPr/>
@@ -21478,7 +22319,7 @@
         </p:blipFill>
         <p:spPr>
           <a:xfrm>
-            <a:off x="7315200" y="6060077"/>
+            <a:off x="6477000" y="5943600"/>
             <a:ext cx="4876800" cy="797921"/>
           </a:xfrm>
           <a:prstGeom prst="rect">
@@ -21499,7 +22340,7 @@
 </p:sld>
 </file>
 
-<file path=ppt/slides/slide11.xml><?xml version="1.0" encoding="utf-8"?>
+<file path=ppt/slides/slide12.xml><?xml version="1.0" encoding="utf-8"?>
 <p:sld xmlns:a="http://schemas.openxmlformats.org/drawingml/2006/main" xmlns:r="http://schemas.openxmlformats.org/officeDocument/2006/relationships" xmlns:p="http://schemas.openxmlformats.org/presentationml/2006/main">
   <p:cSld>
     <p:spTree>
@@ -22141,7 +22982,7 @@
         </p:blipFill>
         <p:spPr>
           <a:xfrm>
-            <a:off x="7315200" y="6060077"/>
+            <a:off x="6553200" y="5974528"/>
             <a:ext cx="4876800" cy="797921"/>
           </a:xfrm>
           <a:prstGeom prst="rect">
@@ -22162,7 +23003,7 @@
 </p:sld>
 </file>
 
-<file path=ppt/slides/slide12.xml><?xml version="1.0" encoding="utf-8"?>
+<file path=ppt/slides/slide13.xml><?xml version="1.0" encoding="utf-8"?>
 <p:sld xmlns:a="http://schemas.openxmlformats.org/drawingml/2006/main" xmlns:r="http://schemas.openxmlformats.org/officeDocument/2006/relationships" xmlns:p="http://schemas.openxmlformats.org/presentationml/2006/main">
   <p:cSld>
     <p:spTree>
@@ -22788,7 +23629,7 @@
         </p:blipFill>
         <p:spPr>
           <a:xfrm>
-            <a:off x="7315200" y="6060077"/>
+            <a:off x="6553200" y="5943600"/>
             <a:ext cx="4876800" cy="797921"/>
           </a:xfrm>
           <a:prstGeom prst="rect">
@@ -22809,7 +23650,7 @@
 </p:sld>
 </file>
 
-<file path=ppt/slides/slide13.xml><?xml version="1.0" encoding="utf-8"?>
+<file path=ppt/slides/slide14.xml><?xml version="1.0" encoding="utf-8"?>
 <p:sld xmlns:a="http://schemas.openxmlformats.org/drawingml/2006/main" xmlns:r="http://schemas.openxmlformats.org/officeDocument/2006/relationships" xmlns:p="http://schemas.openxmlformats.org/presentationml/2006/main">
   <p:cSld>
     <p:spTree>
@@ -23117,8 +23958,8 @@
         </p:nvSpPr>
         <p:spPr bwMode="auto">
           <a:xfrm>
-            <a:off x="2763416" y="1633315"/>
-            <a:ext cx="7162800" cy="2922018"/>
+            <a:off x="2763415" y="2098847"/>
+            <a:ext cx="8436091" cy="2922018"/>
           </a:xfrm>
           <a:prstGeom prst="rect">
             <a:avLst/>
@@ -23372,7 +24213,7 @@
         </p:blipFill>
         <p:spPr>
           <a:xfrm>
-            <a:off x="7315200" y="6060077"/>
+            <a:off x="6619200" y="6033183"/>
             <a:ext cx="4876800" cy="797921"/>
           </a:xfrm>
           <a:prstGeom prst="rect">
@@ -23393,7 +24234,7 @@
 </p:sld>
 </file>
 
-<file path=ppt/slides/slide14.xml><?xml version="1.0" encoding="utf-8"?>
+<file path=ppt/slides/slide15.xml><?xml version="1.0" encoding="utf-8"?>
 <p:sld xmlns:a="http://schemas.openxmlformats.org/drawingml/2006/main" xmlns:r="http://schemas.openxmlformats.org/officeDocument/2006/relationships" xmlns:p="http://schemas.openxmlformats.org/presentationml/2006/main">
   <p:cSld>
     <p:spTree>
@@ -23765,7 +24606,7 @@
         </p:blipFill>
         <p:spPr>
           <a:xfrm>
-            <a:off x="7315200" y="6060077"/>
+            <a:off x="6573574" y="5943600"/>
             <a:ext cx="4876800" cy="797921"/>
           </a:xfrm>
           <a:prstGeom prst="rect">
@@ -23788,14 +24629,14 @@
           <p:nvPr>
             <p:extLst>
               <p:ext uri="{D42A27DB-BD31-4B8C-83A1-F6EECF244321}">
-                <p14:modId xmlns:p14="http://schemas.microsoft.com/office/powerpoint/2010/main" val="251587009"/>
+                <p14:modId xmlns:p14="http://schemas.microsoft.com/office/powerpoint/2010/main" val="3622036151"/>
               </p:ext>
             </p:extLst>
           </p:nvPr>
         </p:nvGraphicFramePr>
         <p:xfrm>
-          <a:off x="2743200" y="1666041"/>
-          <a:ext cx="8515668" cy="3662680"/>
+          <a:off x="2743200" y="1371600"/>
+          <a:ext cx="8534401" cy="4267200"/>
         </p:xfrm>
         <a:graphic>
           <a:graphicData uri="http://schemas.openxmlformats.org/drawingml/2006/table">
@@ -23804,35 +24645,35 @@
                 <a:tableStyleId>{21E4AEA4-8DFA-4A89-87EB-49C32662AFE0}</a:tableStyleId>
               </a:tblPr>
               <a:tblGrid>
-                <a:gridCol w="2013268">
+                <a:gridCol w="2017697">
                   <a:extLst>
                     <a:ext uri="{9D8B030D-6E8A-4147-A177-3AD203B41FA5}">
                       <a16:colId xmlns:a16="http://schemas.microsoft.com/office/drawing/2014/main" val="11381086"/>
                     </a:ext>
                   </a:extLst>
                 </a:gridCol>
-                <a:gridCol w="1625600">
+                <a:gridCol w="1629176">
                   <a:extLst>
                     <a:ext uri="{9D8B030D-6E8A-4147-A177-3AD203B41FA5}">
                       <a16:colId xmlns:a16="http://schemas.microsoft.com/office/drawing/2014/main" val="2032111260"/>
                     </a:ext>
                   </a:extLst>
                 </a:gridCol>
-                <a:gridCol w="1625600">
+                <a:gridCol w="1629176">
                   <a:extLst>
                     <a:ext uri="{9D8B030D-6E8A-4147-A177-3AD203B41FA5}">
                       <a16:colId xmlns:a16="http://schemas.microsoft.com/office/drawing/2014/main" val="3250174916"/>
                     </a:ext>
                   </a:extLst>
                 </a:gridCol>
-                <a:gridCol w="1625600">
+                <a:gridCol w="1629176">
                   <a:extLst>
                     <a:ext uri="{9D8B030D-6E8A-4147-A177-3AD203B41FA5}">
                       <a16:colId xmlns:a16="http://schemas.microsoft.com/office/drawing/2014/main" val="1636732311"/>
                     </a:ext>
                   </a:extLst>
                 </a:gridCol>
-                <a:gridCol w="1625600">
+                <a:gridCol w="1629176">
                   <a:extLst>
                     <a:ext uri="{9D8B030D-6E8A-4147-A177-3AD203B41FA5}">
                       <a16:colId xmlns:a16="http://schemas.microsoft.com/office/drawing/2014/main" val="1394769281"/>
@@ -23840,7 +24681,7 @@
                   </a:extLst>
                 </a:gridCol>
               </a:tblGrid>
-              <a:tr h="370840">
+              <a:tr h="432047">
                 <a:tc>
                   <a:txBody>
                     <a:bodyPr/>
@@ -23997,7 +24838,7 @@
                     <a:lstStyle/>
                     <a:p>
                       <a:r>
-                        <a:rPr lang="en-US"/>
+                        <a:rPr lang="en-US" dirty="0"/>
                         <a:t>GetStream</a:t>
                       </a:r>
                     </a:p>
@@ -24097,7 +24938,7 @@
                   </a:ext>
                 </a:extLst>
               </a:tr>
-              <a:tr h="370840">
+              <a:tr h="1384916">
                 <a:tc>
                   <a:txBody>
                     <a:bodyPr/>
@@ -24385,7 +25226,7 @@
                   </a:ext>
                 </a:extLst>
               </a:tr>
-              <a:tr h="370840">
+              <a:tr h="1384916">
                 <a:tc>
                   <a:txBody>
                     <a:bodyPr/>
@@ -24673,7 +25514,7 @@
                   </a:ext>
                 </a:extLst>
               </a:tr>
-              <a:tr h="370840">
+              <a:tr h="1065321">
                 <a:tc>
                   <a:txBody>
                     <a:bodyPr/>
@@ -24977,7 +25818,7 @@
 </p:sld>
 </file>
 
-<file path=ppt/slides/slide15.xml><?xml version="1.0" encoding="utf-8"?>
+<file path=ppt/slides/slide16.xml><?xml version="1.0" encoding="utf-8"?>
 <p:sld xmlns:a="http://schemas.openxmlformats.org/drawingml/2006/main" xmlns:r="http://schemas.openxmlformats.org/officeDocument/2006/relationships" xmlns:p="http://schemas.openxmlformats.org/presentationml/2006/main">
   <p:cSld>
     <p:spTree>
@@ -25349,7 +26190,7 @@
         </p:blipFill>
         <p:spPr>
           <a:xfrm>
-            <a:off x="7315200" y="6060077"/>
+            <a:off x="6553200" y="6033183"/>
             <a:ext cx="4876800" cy="797921"/>
           </a:xfrm>
           <a:prstGeom prst="rect">
@@ -25372,14 +26213,14 @@
           <p:nvPr>
             <p:extLst>
               <p:ext uri="{D42A27DB-BD31-4B8C-83A1-F6EECF244321}">
-                <p14:modId xmlns:p14="http://schemas.microsoft.com/office/powerpoint/2010/main" val="1357988971"/>
+                <p14:modId xmlns:p14="http://schemas.microsoft.com/office/powerpoint/2010/main" val="2031579818"/>
               </p:ext>
             </p:extLst>
           </p:nvPr>
         </p:nvGraphicFramePr>
         <p:xfrm>
-          <a:off x="2743199" y="1666040"/>
-          <a:ext cx="8456305" cy="3286960"/>
+          <a:off x="2743199" y="1474470"/>
+          <a:ext cx="8443335" cy="4469130"/>
         </p:xfrm>
         <a:graphic>
           <a:graphicData uri="http://schemas.openxmlformats.org/drawingml/2006/table">
@@ -25388,35 +26229,35 @@
                 <a:tableStyleId>{21E4AEA4-8DFA-4A89-87EB-49C32662AFE0}</a:tableStyleId>
               </a:tblPr>
               <a:tblGrid>
-                <a:gridCol w="1691261">
+                <a:gridCol w="1688667">
                   <a:extLst>
                     <a:ext uri="{9D8B030D-6E8A-4147-A177-3AD203B41FA5}">
                       <a16:colId xmlns:a16="http://schemas.microsoft.com/office/drawing/2014/main" val="11381086"/>
                     </a:ext>
                   </a:extLst>
                 </a:gridCol>
-                <a:gridCol w="1691261">
+                <a:gridCol w="1688667">
                   <a:extLst>
                     <a:ext uri="{9D8B030D-6E8A-4147-A177-3AD203B41FA5}">
                       <a16:colId xmlns:a16="http://schemas.microsoft.com/office/drawing/2014/main" val="2032111260"/>
                     </a:ext>
                   </a:extLst>
                 </a:gridCol>
-                <a:gridCol w="1691261">
+                <a:gridCol w="1688667">
                   <a:extLst>
                     <a:ext uri="{9D8B030D-6E8A-4147-A177-3AD203B41FA5}">
                       <a16:colId xmlns:a16="http://schemas.microsoft.com/office/drawing/2014/main" val="3250174916"/>
                     </a:ext>
                   </a:extLst>
                 </a:gridCol>
-                <a:gridCol w="1691261">
+                <a:gridCol w="1688667">
                   <a:extLst>
                     <a:ext uri="{9D8B030D-6E8A-4147-A177-3AD203B41FA5}">
                       <a16:colId xmlns:a16="http://schemas.microsoft.com/office/drawing/2014/main" val="1636732311"/>
                     </a:ext>
                   </a:extLst>
                 </a:gridCol>
-                <a:gridCol w="1691261">
+                <a:gridCol w="1688667">
                   <a:extLst>
                     <a:ext uri="{9D8B030D-6E8A-4147-A177-3AD203B41FA5}">
                       <a16:colId xmlns:a16="http://schemas.microsoft.com/office/drawing/2014/main" val="1394769281"/>
@@ -25424,7 +26265,7 @@
                   </a:extLst>
                 </a:gridCol>
               </a:tblGrid>
-              <a:tr h="391432">
+              <a:tr h="489124">
                 <a:tc>
                   <a:txBody>
                     <a:bodyPr/>
@@ -25581,7 +26422,7 @@
                     <a:lstStyle/>
                     <a:p>
                       <a:r>
-                        <a:rPr lang="en-US"/>
+                        <a:rPr lang="en-US" dirty="0"/>
                         <a:t>GetStream</a:t>
                       </a:r>
                     </a:p>
@@ -25681,7 +26522,7 @@
                   </a:ext>
                 </a:extLst>
               </a:tr>
-              <a:tr h="965176">
+              <a:tr h="1206063">
                 <a:tc>
                   <a:txBody>
                     <a:bodyPr/>
@@ -25977,7 +26818,7 @@
                   </a:ext>
                 </a:extLst>
               </a:tr>
-              <a:tr h="965176">
+              <a:tr h="1206063">
                 <a:tc>
                   <a:txBody>
                     <a:bodyPr/>
@@ -26265,7 +27106,7 @@
                   </a:ext>
                 </a:extLst>
               </a:tr>
-              <a:tr h="965176">
+              <a:tr h="1567880">
                 <a:tc>
                   <a:txBody>
                     <a:bodyPr/>
@@ -26569,7 +27410,7 @@
 </p:sld>
 </file>
 
-<file path=ppt/slides/slide16.xml><?xml version="1.0" encoding="utf-8"?>
+<file path=ppt/slides/slide17.xml><?xml version="1.0" encoding="utf-8"?>
 <p:sld xmlns:a="http://schemas.openxmlformats.org/drawingml/2006/main" xmlns:r="http://schemas.openxmlformats.org/officeDocument/2006/relationships" xmlns:p="http://schemas.openxmlformats.org/presentationml/2006/main">
   <p:cSld>
     <p:spTree>
@@ -26887,8 +27728,8 @@
         </p:blipFill>
         <p:spPr>
           <a:xfrm>
-            <a:off x="2813115" y="1524000"/>
-            <a:ext cx="8327673" cy="4684316"/>
+            <a:off x="2813115" y="1474470"/>
+            <a:ext cx="8534400" cy="5231130"/>
           </a:xfrm>
           <a:prstGeom prst="rect">
             <a:avLst/>
@@ -26914,7 +27755,7 @@
 </p:sld>
 </file>
 
-<file path=ppt/slides/slide17.xml><?xml version="1.0" encoding="utf-8"?>
+<file path=ppt/slides/slide18.xml><?xml version="1.0" encoding="utf-8"?>
 <p:sld xmlns:a="http://schemas.openxmlformats.org/drawingml/2006/main" xmlns:r="http://schemas.openxmlformats.org/officeDocument/2006/relationships" xmlns:p="http://schemas.openxmlformats.org/presentationml/2006/main">
   <p:cSld>
     <p:spTree>
@@ -27286,8 +28127,8 @@
         </p:blipFill>
         <p:spPr>
           <a:xfrm>
-            <a:off x="2659200" y="1709339"/>
-            <a:ext cx="8939811" cy="3868658"/>
+            <a:off x="2659201" y="1474470"/>
+            <a:ext cx="8728146" cy="5002529"/>
           </a:xfrm>
           <a:prstGeom prst="rect">
             <a:avLst/>
@@ -27313,7 +28154,7 @@
 </p:sld>
 </file>
 
-<file path=ppt/slides/slide18.xml><?xml version="1.0" encoding="utf-8"?>
+<file path=ppt/slides/slide19.xml><?xml version="1.0" encoding="utf-8"?>
 <p:sld xmlns:a="http://schemas.openxmlformats.org/drawingml/2006/main" xmlns:r="http://schemas.openxmlformats.org/officeDocument/2006/relationships" xmlns:p="http://schemas.openxmlformats.org/presentationml/2006/main">
   <p:cSld>
     <p:spTree>
@@ -27629,7 +28470,7 @@
         <p:spPr>
           <a:xfrm>
             <a:off x="2700785" y="1415376"/>
-            <a:ext cx="8456307" cy="4774079"/>
+            <a:ext cx="8560716" cy="5061624"/>
           </a:xfrm>
           <a:prstGeom prst="rect">
             <a:avLst/>
@@ -27787,668 +28628,6 @@
       </p:par>
     </p:tnLst>
   </p:timing>
-</p:sld>
-</file>
-
-<file path=ppt/slides/slide19.xml><?xml version="1.0" encoding="utf-8"?>
-<p:sld xmlns:a="http://schemas.openxmlformats.org/drawingml/2006/main" xmlns:r="http://schemas.openxmlformats.org/officeDocument/2006/relationships" xmlns:p="http://schemas.openxmlformats.org/presentationml/2006/main">
-  <p:cSld>
-    <p:spTree>
-      <p:nvGrpSpPr>
-        <p:cNvPr id="1" name=""/>
-        <p:cNvGrpSpPr/>
-        <p:nvPr/>
-      </p:nvGrpSpPr>
-      <p:grpSpPr>
-        <a:xfrm>
-          <a:off x="0" y="0"/>
-          <a:ext cx="0" cy="0"/>
-          <a:chOff x="0" y="0"/>
-          <a:chExt cx="0" cy="0"/>
-        </a:xfrm>
-      </p:grpSpPr>
-      <p:sp>
-        <p:nvSpPr>
-          <p:cNvPr id="5" name="Rectangle"/>
-          <p:cNvSpPr/>
-          <p:nvPr/>
-        </p:nvSpPr>
-        <p:spPr>
-          <a:xfrm flipH="1">
-            <a:off x="0" y="0"/>
-            <a:ext cx="2469463" cy="6858000"/>
-          </a:xfrm>
-          <a:prstGeom prst="rect">
-            <a:avLst/>
-          </a:prstGeom>
-          <a:solidFill>
-            <a:srgbClr val="F28E01"/>
-          </a:solidFill>
-          <a:ln w="12700">
-            <a:miter lim="400000"/>
-          </a:ln>
-        </p:spPr>
-        <p:txBody>
-          <a:bodyPr lIns="50800" tIns="50800" rIns="50800" bIns="50800" anchor="ctr"/>
-          <a:lstStyle/>
-          <a:p>
-            <a:pPr defTabSz="1130300">
-              <a:defRPr sz="3200">
-                <a:solidFill>
-                  <a:srgbClr val="FFFFFF"/>
-                </a:solidFill>
-                <a:latin typeface="Graphik"/>
-                <a:ea typeface="Graphik"/>
-                <a:cs typeface="Graphik"/>
-                <a:sym typeface="Graphik"/>
-              </a:defRPr>
-            </a:pPr>
-            <a:endParaRPr sz="3200" baseline="-25000"/>
-          </a:p>
-        </p:txBody>
-      </p:sp>
-      <p:sp>
-        <p:nvSpPr>
-          <p:cNvPr id="8" name="Rectangle"/>
-          <p:cNvSpPr/>
-          <p:nvPr/>
-        </p:nvSpPr>
-        <p:spPr>
-          <a:xfrm flipH="1">
-            <a:off x="11496000" y="1"/>
-            <a:ext cx="257907" cy="6858000"/>
-          </a:xfrm>
-          <a:prstGeom prst="rect">
-            <a:avLst/>
-          </a:prstGeom>
-          <a:solidFill>
-            <a:srgbClr val="F28E01"/>
-          </a:solidFill>
-          <a:ln w="12700">
-            <a:miter lim="400000"/>
-          </a:ln>
-        </p:spPr>
-        <p:txBody>
-          <a:bodyPr lIns="50800" tIns="50800" rIns="50800" bIns="50800" anchor="ctr"/>
-          <a:lstStyle/>
-          <a:p>
-            <a:pPr defTabSz="1130300">
-              <a:defRPr sz="3300">
-                <a:solidFill>
-                  <a:srgbClr val="FFFFFF"/>
-                </a:solidFill>
-                <a:latin typeface="Graphik"/>
-                <a:ea typeface="Graphik"/>
-                <a:cs typeface="Graphik"/>
-                <a:sym typeface="Graphik"/>
-              </a:defRPr>
-            </a:pPr>
-            <a:endParaRPr sz="3300"/>
-          </a:p>
-        </p:txBody>
-      </p:sp>
-      <p:grpSp>
-        <p:nvGrpSpPr>
-          <p:cNvPr id="3" name="Group 19"/>
-          <p:cNvGrpSpPr/>
-          <p:nvPr/>
-        </p:nvGrpSpPr>
-        <p:grpSpPr>
-          <a:xfrm>
-            <a:off x="122050" y="1474470"/>
-            <a:ext cx="2209165" cy="3067050"/>
-            <a:chOff x="230" y="2322"/>
-            <a:chExt cx="3479" cy="4830"/>
-          </a:xfrm>
-        </p:grpSpPr>
-        <p:sp>
-          <p:nvSpPr>
-            <p:cNvPr id="21" name="Rectangle"/>
-            <p:cNvSpPr/>
-            <p:nvPr/>
-          </p:nvSpPr>
-          <p:spPr>
-            <a:xfrm flipH="1">
-              <a:off x="1099" y="2322"/>
-              <a:ext cx="2611" cy="2465"/>
-            </a:xfrm>
-            <a:prstGeom prst="rect">
-              <a:avLst/>
-            </a:prstGeom>
-            <a:solidFill>
-              <a:schemeClr val="bg1"/>
-            </a:solidFill>
-            <a:ln w="12700">
-              <a:miter lim="400000"/>
-            </a:ln>
-          </p:spPr>
-          <p:txBody>
-            <a:bodyPr lIns="50800" tIns="50800" rIns="50800" bIns="50800" anchor="ctr"/>
-            <a:lstStyle/>
-            <a:p>
-              <a:pPr defTabSz="1130300">
-                <a:defRPr sz="3200">
-                  <a:solidFill>
-                    <a:srgbClr val="FFFFFF"/>
-                  </a:solidFill>
-                  <a:latin typeface="Graphik"/>
-                  <a:ea typeface="Graphik"/>
-                  <a:cs typeface="Graphik"/>
-                  <a:sym typeface="Graphik"/>
-                </a:defRPr>
-              </a:pPr>
-              <a:endParaRPr sz="3200" baseline="-25000"/>
-            </a:p>
-          </p:txBody>
-        </p:sp>
-        <p:sp>
-          <p:nvSpPr>
-            <p:cNvPr id="22" name="Rectangle"/>
-            <p:cNvSpPr/>
-            <p:nvPr/>
-          </p:nvSpPr>
-          <p:spPr>
-            <a:xfrm flipH="1">
-              <a:off x="230" y="2624"/>
-              <a:ext cx="3192" cy="4529"/>
-            </a:xfrm>
-            <a:prstGeom prst="rect">
-              <a:avLst/>
-            </a:prstGeom>
-            <a:solidFill>
-              <a:srgbClr val="585858"/>
-            </a:solidFill>
-            <a:ln w="12700">
-              <a:miter lim="400000"/>
-            </a:ln>
-          </p:spPr>
-          <p:txBody>
-            <a:bodyPr lIns="50800" tIns="50800" rIns="50800" bIns="50800" anchor="ctr"/>
-            <a:lstStyle/>
-            <a:p>
-              <a:pPr defTabSz="1130300">
-                <a:defRPr sz="3200">
-                  <a:solidFill>
-                    <a:srgbClr val="FFFFFF"/>
-                  </a:solidFill>
-                  <a:latin typeface="Graphik"/>
-                  <a:ea typeface="Graphik"/>
-                  <a:cs typeface="Graphik"/>
-                  <a:sym typeface="Graphik"/>
-                </a:defRPr>
-              </a:pPr>
-              <a:endParaRPr sz="3200" baseline="-25000" dirty="0"/>
-            </a:p>
-          </p:txBody>
-        </p:sp>
-        <p:pic>
-          <p:nvPicPr>
-            <p:cNvPr id="23" name="Image" descr="Image"/>
-            <p:cNvPicPr>
-              <a:picLocks noChangeAspect="1"/>
-            </p:cNvPicPr>
-            <p:nvPr/>
-          </p:nvPicPr>
-          <p:blipFill>
-            <a:blip r:embed="rId3" cstate="print"/>
-            <a:stretch>
-              <a:fillRect/>
-            </a:stretch>
-          </p:blipFill>
-          <p:spPr>
-            <a:xfrm>
-              <a:off x="987" y="3715"/>
-              <a:ext cx="1683" cy="1805"/>
-            </a:xfrm>
-            <a:prstGeom prst="rect">
-              <a:avLst/>
-            </a:prstGeom>
-            <a:ln w="12700">
-              <a:miter lim="400000"/>
-              <a:headEnd/>
-              <a:tailEnd/>
-            </a:ln>
-          </p:spPr>
-        </p:pic>
-      </p:grpSp>
-      <p:sp>
-        <p:nvSpPr>
-          <p:cNvPr id="4" name="TextBox 3"/>
-          <p:cNvSpPr txBox="1"/>
-          <p:nvPr/>
-        </p:nvSpPr>
-        <p:spPr>
-          <a:xfrm>
-            <a:off x="336000" y="3643668"/>
-            <a:ext cx="1800000" cy="369332"/>
-          </a:xfrm>
-          <a:prstGeom prst="rect">
-            <a:avLst/>
-          </a:prstGeom>
-          <a:noFill/>
-        </p:spPr>
-        <p:txBody>
-          <a:bodyPr wrap="square" rtlCol="0">
-            <a:spAutoFit/>
-          </a:bodyPr>
-          <a:lstStyle/>
-          <a:p>
-            <a:r>
-              <a:rPr lang="en-US" dirty="0"/>
-              <a:t>    </a:t>
-            </a:r>
-            <a:r>
-              <a:rPr lang="en-US" dirty="0">
-                <a:solidFill>
-                  <a:schemeClr val="bg1"/>
-                </a:solidFill>
-              </a:rPr>
-              <a:t>Dept of CSE</a:t>
-            </a:r>
-          </a:p>
-        </p:txBody>
-      </p:sp>
-      <p:sp>
-        <p:nvSpPr>
-          <p:cNvPr id="7" name="Title 6">
-            <a:extLst>
-              <a:ext uri="{FF2B5EF4-FFF2-40B4-BE49-F238E27FC236}">
-                <a16:creationId xmlns:a16="http://schemas.microsoft.com/office/drawing/2014/main" id="{BAE3B82A-826A-0304-CCFE-B1B91ED37478}"/>
-              </a:ext>
-            </a:extLst>
-          </p:cNvPr>
-          <p:cNvSpPr>
-            <a:spLocks noGrp="1"/>
-          </p:cNvSpPr>
-          <p:nvPr>
-            <p:ph type="title"/>
-          </p:nvPr>
-        </p:nvSpPr>
-        <p:spPr>
-          <a:xfrm>
-            <a:off x="2743200" y="365125"/>
-            <a:ext cx="8610599" cy="1325563"/>
-          </a:xfrm>
-        </p:spPr>
-        <p:txBody>
-          <a:bodyPr>
-            <a:normAutofit/>
-          </a:bodyPr>
-          <a:lstStyle/>
-          <a:p>
-            <a:r>
-              <a:rPr lang="en-IN" sz="4000" b="1" dirty="0">
-                <a:latin typeface="Times New Roman" panose="02020603050405020304" pitchFamily="18" charset="0"/>
-                <a:cs typeface="Times New Roman" panose="02020603050405020304" pitchFamily="18" charset="0"/>
-              </a:rPr>
-              <a:t>Individual Responsibilities</a:t>
-            </a:r>
-          </a:p>
-        </p:txBody>
-      </p:sp>
-      <p:sp>
-        <p:nvSpPr>
-          <p:cNvPr id="9" name="Rectangle 2">
-            <a:extLst>
-              <a:ext uri="{FF2B5EF4-FFF2-40B4-BE49-F238E27FC236}">
-                <a16:creationId xmlns:a16="http://schemas.microsoft.com/office/drawing/2014/main" id="{15827682-201B-CCF1-BDF5-633F903F3688}"/>
-              </a:ext>
-            </a:extLst>
-          </p:cNvPr>
-          <p:cNvSpPr>
-            <a:spLocks noGrp="1" noChangeArrowheads="1"/>
-          </p:cNvSpPr>
-          <p:nvPr>
-            <p:ph idx="1"/>
-          </p:nvPr>
-        </p:nvSpPr>
-        <p:spPr bwMode="auto">
-          <a:xfrm>
-            <a:off x="2950158" y="2083465"/>
-            <a:ext cx="8545842" cy="4972515"/>
-          </a:xfrm>
-          <a:prstGeom prst="rect">
-            <a:avLst/>
-          </a:prstGeom>
-          <a:noFill/>
-          <a:ln>
-            <a:noFill/>
-          </a:ln>
-          <a:effectLst/>
-          <a:extLst>
-            <a:ext uri="{909E8E84-426E-40DD-AFC4-6F175D3DCCD1}">
-              <a14:hiddenFill xmlns:a14="http://schemas.microsoft.com/office/drawing/2010/main">
-                <a:solidFill>
-                  <a:schemeClr val="accent1"/>
-                </a:solidFill>
-              </a14:hiddenFill>
-            </a:ext>
-            <a:ext uri="{91240B29-F687-4F45-9708-019B960494DF}">
-              <a14:hiddenLine xmlns:a14="http://schemas.microsoft.com/office/drawing/2010/main" w="9525">
-                <a:solidFill>
-                  <a:schemeClr val="tx1"/>
-                </a:solidFill>
-                <a:miter lim="800000"/>
-                <a:headEnd/>
-                <a:tailEnd/>
-              </a14:hiddenLine>
-            </a:ext>
-            <a:ext uri="{AF507438-7753-43E0-B8FC-AC1667EBCBE1}">
-              <a14:hiddenEffects xmlns:a14="http://schemas.microsoft.com/office/drawing/2010/main">
-                <a:effectLst>
-                  <a:outerShdw dist="35921" dir="2700000" algn="ctr" rotWithShape="0">
-                    <a:schemeClr val="bg2"/>
-                  </a:outerShdw>
-                </a:effectLst>
-              </a14:hiddenEffects>
-            </a:ext>
-          </a:extLst>
-        </p:spPr>
-        <p:txBody>
-          <a:bodyPr vert="horz" wrap="square" lIns="91440" tIns="45720" rIns="91440" bIns="45720" numCol="1" anchor="ctr" anchorCtr="0" compatLnSpc="1">
-            <a:prstTxWarp prst="textNoShape">
-              <a:avLst/>
-            </a:prstTxWarp>
-            <a:spAutoFit/>
-          </a:bodyPr>
-          <a:lstStyle/>
-          <a:p>
-            <a:pPr marR="0" lvl="0" defTabSz="914400" rtl="0" eaLnBrk="0" fontAlgn="base" latinLnBrk="0" hangingPunct="0">
-              <a:lnSpc>
-                <a:spcPct val="200000"/>
-              </a:lnSpc>
-              <a:spcBef>
-                <a:spcPct val="0"/>
-              </a:spcBef>
-              <a:spcAft>
-                <a:spcPct val="0"/>
-              </a:spcAft>
-              <a:buClrTx/>
-              <a:buSzTx/>
-              <a:tabLst/>
-            </a:pPr>
-            <a:r>
-              <a:rPr kumimoji="0" lang="en-US" altLang="en-US" sz="1600" b="1" i="0" u="none" strike="noStrike" cap="none" normalizeH="0" baseline="0" dirty="0">
-                <a:ln>
-                  <a:noFill/>
-                </a:ln>
-                <a:solidFill>
-                  <a:schemeClr val="tx1"/>
-                </a:solidFill>
-                <a:effectLst/>
-                <a:latin typeface="Times New Roman" panose="02020603050405020304" pitchFamily="18" charset="0"/>
-                <a:cs typeface="Times New Roman" panose="02020603050405020304" pitchFamily="18" charset="0"/>
-              </a:rPr>
-              <a:t>Team Member 1 (Aditya Jyoti Sahu)</a:t>
-            </a:r>
-            <a:r>
-              <a:rPr kumimoji="0" lang="en-US" altLang="en-US" sz="1600" b="0" i="0" u="none" strike="noStrike" cap="none" normalizeH="0" baseline="0" dirty="0">
-                <a:ln>
-                  <a:noFill/>
-                </a:ln>
-                <a:solidFill>
-                  <a:schemeClr val="tx1"/>
-                </a:solidFill>
-                <a:effectLst/>
-                <a:latin typeface="Times New Roman" panose="02020603050405020304" pitchFamily="18" charset="0"/>
-                <a:cs typeface="Times New Roman" panose="02020603050405020304" pitchFamily="18" charset="0"/>
-              </a:rPr>
-              <a:t>:</a:t>
-            </a:r>
-            <a:r>
-              <a:rPr lang="en-US" sz="1100" dirty="0">
-                <a:latin typeface="Times New Roman" panose="02020603050405020304" pitchFamily="18" charset="0"/>
-                <a:cs typeface="Times New Roman" panose="02020603050405020304" pitchFamily="18" charset="0"/>
-              </a:rPr>
-              <a:t> </a:t>
-            </a:r>
-          </a:p>
-          <a:p>
-            <a:pPr marR="0" lvl="0" defTabSz="914400" rtl="0" eaLnBrk="0" fontAlgn="base" latinLnBrk="0" hangingPunct="0">
-              <a:lnSpc>
-                <a:spcPct val="200000"/>
-              </a:lnSpc>
-              <a:spcBef>
-                <a:spcPct val="0"/>
-              </a:spcBef>
-              <a:spcAft>
-                <a:spcPct val="0"/>
-              </a:spcAft>
-              <a:buClrTx/>
-              <a:buSzTx/>
-              <a:tabLst/>
-            </a:pPr>
-            <a:endParaRPr lang="en-US" sz="1100" b="1" dirty="0">
-              <a:latin typeface="Times New Roman" panose="02020603050405020304" pitchFamily="18" charset="0"/>
-              <a:cs typeface="Times New Roman" panose="02020603050405020304" pitchFamily="18" charset="0"/>
-            </a:endParaRPr>
-          </a:p>
-          <a:p>
-            <a:pPr marR="0" lvl="0" defTabSz="914400" rtl="0" eaLnBrk="0" fontAlgn="base" latinLnBrk="0" hangingPunct="0">
-              <a:lnSpc>
-                <a:spcPct val="200000"/>
-              </a:lnSpc>
-              <a:spcBef>
-                <a:spcPct val="0"/>
-              </a:spcBef>
-              <a:spcAft>
-                <a:spcPct val="0"/>
-              </a:spcAft>
-              <a:buClrTx/>
-              <a:buSzTx/>
-              <a:tabLst/>
-            </a:pPr>
-            <a:endParaRPr lang="en-US" sz="1100" b="1" dirty="0">
-              <a:latin typeface="Times New Roman" panose="02020603050405020304" pitchFamily="18" charset="0"/>
-              <a:cs typeface="Times New Roman" panose="02020603050405020304" pitchFamily="18" charset="0"/>
-            </a:endParaRPr>
-          </a:p>
-          <a:p>
-            <a:pPr marL="0" marR="0" lvl="0" indent="0" defTabSz="914400" rtl="0" eaLnBrk="0" fontAlgn="base" latinLnBrk="0" hangingPunct="0">
-              <a:lnSpc>
-                <a:spcPct val="200000"/>
-              </a:lnSpc>
-              <a:spcBef>
-                <a:spcPct val="0"/>
-              </a:spcBef>
-              <a:spcAft>
-                <a:spcPct val="0"/>
-              </a:spcAft>
-              <a:buClrTx/>
-              <a:buSzTx/>
-              <a:buNone/>
-              <a:tabLst/>
-            </a:pPr>
-            <a:endParaRPr lang="en-US" sz="1100" b="1" dirty="0">
-              <a:latin typeface="Times New Roman" panose="02020603050405020304" pitchFamily="18" charset="0"/>
-              <a:cs typeface="Times New Roman" panose="02020603050405020304" pitchFamily="18" charset="0"/>
-            </a:endParaRPr>
-          </a:p>
-          <a:p>
-            <a:pPr marR="0" lvl="0" defTabSz="914400" rtl="0" eaLnBrk="0" fontAlgn="base" latinLnBrk="0" hangingPunct="0">
-              <a:lnSpc>
-                <a:spcPct val="200000"/>
-              </a:lnSpc>
-              <a:spcBef>
-                <a:spcPct val="0"/>
-              </a:spcBef>
-              <a:spcAft>
-                <a:spcPct val="0"/>
-              </a:spcAft>
-              <a:buClrTx/>
-              <a:buSzTx/>
-              <a:tabLst/>
-            </a:pPr>
-            <a:r>
-              <a:rPr lang="en-US" sz="1600" b="1" dirty="0">
-                <a:latin typeface="Times New Roman" panose="02020603050405020304" pitchFamily="18" charset="0"/>
-                <a:cs typeface="Times New Roman" panose="02020603050405020304" pitchFamily="18" charset="0"/>
-              </a:rPr>
-              <a:t>Team Member 2 (Anish Kumar)</a:t>
-            </a:r>
-            <a:r>
-              <a:rPr lang="en-US" sz="1600" dirty="0">
-                <a:latin typeface="Times New Roman" panose="02020603050405020304" pitchFamily="18" charset="0"/>
-                <a:cs typeface="Times New Roman" panose="02020603050405020304" pitchFamily="18" charset="0"/>
-              </a:rPr>
-              <a:t>:</a:t>
-            </a:r>
-          </a:p>
-          <a:p>
-            <a:pPr marL="0" indent="0" eaLnBrk="0" fontAlgn="base" hangingPunct="0">
-              <a:lnSpc>
-                <a:spcPct val="200000"/>
-              </a:lnSpc>
-              <a:spcBef>
-                <a:spcPct val="0"/>
-              </a:spcBef>
-              <a:spcAft>
-                <a:spcPct val="0"/>
-              </a:spcAft>
-              <a:buNone/>
-            </a:pPr>
-            <a:r>
-              <a:rPr lang="en-US" sz="1600" dirty="0">
-                <a:latin typeface="Times New Roman" panose="02020603050405020304" pitchFamily="18" charset="0"/>
-                <a:cs typeface="Times New Roman" panose="02020603050405020304" pitchFamily="18" charset="0"/>
-              </a:rPr>
-              <a:t>     Technologies Used – </a:t>
-            </a:r>
-          </a:p>
-          <a:p>
-            <a:pPr marL="0" indent="0" eaLnBrk="0" fontAlgn="base" hangingPunct="0">
-              <a:lnSpc>
-                <a:spcPct val="200000"/>
-              </a:lnSpc>
-              <a:spcBef>
-                <a:spcPct val="0"/>
-              </a:spcBef>
-              <a:spcAft>
-                <a:spcPct val="0"/>
-              </a:spcAft>
-              <a:buNone/>
-            </a:pPr>
-            <a:r>
-              <a:rPr lang="en-US" sz="1600" dirty="0">
-                <a:latin typeface="Times New Roman" panose="02020603050405020304" pitchFamily="18" charset="0"/>
-                <a:cs typeface="Times New Roman" panose="02020603050405020304" pitchFamily="18" charset="0"/>
-              </a:rPr>
-              <a:t>               Clerk(Authentication), </a:t>
-            </a:r>
-          </a:p>
-          <a:p>
-            <a:pPr marL="0" indent="0" eaLnBrk="0" fontAlgn="base" hangingPunct="0">
-              <a:lnSpc>
-                <a:spcPct val="200000"/>
-              </a:lnSpc>
-              <a:spcBef>
-                <a:spcPct val="0"/>
-              </a:spcBef>
-              <a:spcAft>
-                <a:spcPct val="0"/>
-              </a:spcAft>
-              <a:buNone/>
-            </a:pPr>
-            <a:r>
-              <a:rPr lang="en-US" sz="1600" dirty="0">
-                <a:latin typeface="Times New Roman" panose="02020603050405020304" pitchFamily="18" charset="0"/>
-                <a:cs typeface="Times New Roman" panose="02020603050405020304" pitchFamily="18" charset="0"/>
-              </a:rPr>
-              <a:t>               NextJs (Server side rendering), </a:t>
-            </a:r>
-          </a:p>
-          <a:p>
-            <a:pPr marL="0" indent="0" eaLnBrk="0" fontAlgn="base" hangingPunct="0">
-              <a:lnSpc>
-                <a:spcPct val="200000"/>
-              </a:lnSpc>
-              <a:spcBef>
-                <a:spcPct val="0"/>
-              </a:spcBef>
-              <a:spcAft>
-                <a:spcPct val="0"/>
-              </a:spcAft>
-              <a:buNone/>
-            </a:pPr>
-            <a:r>
-              <a:rPr lang="en-US" sz="1600" dirty="0">
-                <a:latin typeface="Times New Roman" panose="02020603050405020304" pitchFamily="18" charset="0"/>
-                <a:cs typeface="Times New Roman" panose="02020603050405020304" pitchFamily="18" charset="0"/>
-              </a:rPr>
-              <a:t>               Get Stream (Provides Database and Video , Chat Services), </a:t>
-            </a:r>
-          </a:p>
-          <a:p>
-            <a:pPr marL="0" indent="0" eaLnBrk="0" fontAlgn="base" hangingPunct="0">
-              <a:lnSpc>
-                <a:spcPct val="200000"/>
-              </a:lnSpc>
-              <a:spcBef>
-                <a:spcPct val="0"/>
-              </a:spcBef>
-              <a:spcAft>
-                <a:spcPct val="0"/>
-              </a:spcAft>
-              <a:buNone/>
-            </a:pPr>
-            <a:r>
-              <a:rPr lang="en-US" sz="1600" dirty="0">
-                <a:latin typeface="Times New Roman" panose="02020603050405020304" pitchFamily="18" charset="0"/>
-                <a:cs typeface="Times New Roman" panose="02020603050405020304" pitchFamily="18" charset="0"/>
-              </a:rPr>
-              <a:t>               Tailwind Css (Latest UI/UX Design),</a:t>
-            </a:r>
-            <a:endParaRPr kumimoji="0" lang="en-US" altLang="en-US" sz="1600" b="0" i="0" u="none" strike="noStrike" cap="none" normalizeH="0" baseline="0" dirty="0">
-              <a:ln>
-                <a:noFill/>
-              </a:ln>
-              <a:solidFill>
-                <a:schemeClr val="tx1"/>
-              </a:solidFill>
-              <a:effectLst/>
-              <a:latin typeface="Times New Roman" panose="02020603050405020304" pitchFamily="18" charset="0"/>
-              <a:cs typeface="Times New Roman" panose="02020603050405020304" pitchFamily="18" charset="0"/>
-            </a:endParaRPr>
-          </a:p>
-          <a:p>
-            <a:pPr marR="0" lvl="0" defTabSz="914400" rtl="0" eaLnBrk="0" fontAlgn="base" latinLnBrk="0" hangingPunct="0">
-              <a:lnSpc>
-                <a:spcPct val="200000"/>
-              </a:lnSpc>
-              <a:spcBef>
-                <a:spcPct val="0"/>
-              </a:spcBef>
-              <a:spcAft>
-                <a:spcPct val="0"/>
-              </a:spcAft>
-              <a:buClrTx/>
-              <a:buSzTx/>
-              <a:tabLst/>
-            </a:pPr>
-            <a:endParaRPr kumimoji="0" lang="en-US" altLang="en-US" sz="1600" b="0" i="0" u="none" strike="noStrike" cap="none" normalizeH="0" baseline="0" dirty="0">
-              <a:ln>
-                <a:noFill/>
-              </a:ln>
-              <a:solidFill>
-                <a:schemeClr val="tx1"/>
-              </a:solidFill>
-              <a:effectLst/>
-              <a:latin typeface="Times New Roman" panose="02020603050405020304" pitchFamily="18" charset="0"/>
-              <a:cs typeface="Times New Roman" panose="02020603050405020304" pitchFamily="18" charset="0"/>
-            </a:endParaRPr>
-          </a:p>
-        </p:txBody>
-      </p:sp>
-    </p:spTree>
-    <p:extLst>
-      <p:ext uri="{BB962C8B-B14F-4D97-AF65-F5344CB8AC3E}">
-        <p14:creationId xmlns:p14="http://schemas.microsoft.com/office/powerpoint/2010/main" val="1560086239"/>
-      </p:ext>
-    </p:extLst>
-  </p:cSld>
-  <p:clrMapOvr>
-    <a:masterClrMapping/>
-  </p:clrMapOvr>
 </p:sld>
 </file>
 
@@ -30518,6 +30697,648 @@
       </p:sp>
       <p:sp>
         <p:nvSpPr>
+          <p:cNvPr id="9" name="Rectangle 2">
+            <a:extLst>
+              <a:ext uri="{FF2B5EF4-FFF2-40B4-BE49-F238E27FC236}">
+                <a16:creationId xmlns:a16="http://schemas.microsoft.com/office/drawing/2014/main" id="{15827682-201B-CCF1-BDF5-633F903F3688}"/>
+              </a:ext>
+            </a:extLst>
+          </p:cNvPr>
+          <p:cNvSpPr>
+            <a:spLocks noGrp="1" noChangeArrowheads="1"/>
+          </p:cNvSpPr>
+          <p:nvPr>
+            <p:ph idx="1"/>
+          </p:nvPr>
+        </p:nvSpPr>
+        <p:spPr bwMode="auto">
+          <a:xfrm>
+            <a:off x="2683413" y="1752600"/>
+            <a:ext cx="8545842" cy="4633961"/>
+          </a:xfrm>
+          <a:prstGeom prst="rect">
+            <a:avLst/>
+          </a:prstGeom>
+          <a:noFill/>
+          <a:ln>
+            <a:noFill/>
+          </a:ln>
+          <a:effectLst/>
+          <a:extLst>
+            <a:ext uri="{909E8E84-426E-40DD-AFC4-6F175D3DCCD1}">
+              <a14:hiddenFill xmlns:a14="http://schemas.microsoft.com/office/drawing/2010/main">
+                <a:solidFill>
+                  <a:schemeClr val="accent1"/>
+                </a:solidFill>
+              </a14:hiddenFill>
+            </a:ext>
+            <a:ext uri="{91240B29-F687-4F45-9708-019B960494DF}">
+              <a14:hiddenLine xmlns:a14="http://schemas.microsoft.com/office/drawing/2010/main" w="9525">
+                <a:solidFill>
+                  <a:schemeClr val="tx1"/>
+                </a:solidFill>
+                <a:miter lim="800000"/>
+                <a:headEnd/>
+                <a:tailEnd/>
+              </a14:hiddenLine>
+            </a:ext>
+            <a:ext uri="{AF507438-7753-43E0-B8FC-AC1667EBCBE1}">
+              <a14:hiddenEffects xmlns:a14="http://schemas.microsoft.com/office/drawing/2010/main">
+                <a:effectLst>
+                  <a:outerShdw dist="35921" dir="2700000" algn="ctr" rotWithShape="0">
+                    <a:schemeClr val="bg2"/>
+                  </a:outerShdw>
+                </a:effectLst>
+              </a14:hiddenEffects>
+            </a:ext>
+          </a:extLst>
+        </p:spPr>
+        <p:txBody>
+          <a:bodyPr vert="horz" wrap="square" lIns="91440" tIns="45720" rIns="91440" bIns="45720" numCol="1" anchor="ctr" anchorCtr="0" compatLnSpc="1">
+            <a:prstTxWarp prst="textNoShape">
+              <a:avLst/>
+            </a:prstTxWarp>
+            <a:spAutoFit/>
+          </a:bodyPr>
+          <a:lstStyle/>
+          <a:p>
+            <a:pPr marR="0" lvl="0" defTabSz="914400" rtl="0" eaLnBrk="0" fontAlgn="base" latinLnBrk="0" hangingPunct="0">
+              <a:lnSpc>
+                <a:spcPct val="200000"/>
+              </a:lnSpc>
+              <a:spcBef>
+                <a:spcPct val="0"/>
+              </a:spcBef>
+              <a:spcAft>
+                <a:spcPct val="0"/>
+              </a:spcAft>
+              <a:buClrTx/>
+              <a:buSzTx/>
+              <a:tabLst/>
+            </a:pPr>
+            <a:r>
+              <a:rPr kumimoji="0" lang="en-US" altLang="en-US" sz="1600" b="1" i="0" u="none" strike="noStrike" cap="none" normalizeH="0" baseline="0" dirty="0">
+                <a:ln>
+                  <a:noFill/>
+                </a:ln>
+                <a:solidFill>
+                  <a:schemeClr val="tx1"/>
+                </a:solidFill>
+                <a:effectLst/>
+                <a:latin typeface="Times New Roman" panose="02020603050405020304" pitchFamily="18" charset="0"/>
+                <a:cs typeface="Times New Roman" panose="02020603050405020304" pitchFamily="18" charset="0"/>
+              </a:rPr>
+              <a:t>Team Member 1 (Aditya Jyoti Sahu)</a:t>
+            </a:r>
+            <a:r>
+              <a:rPr kumimoji="0" lang="en-US" altLang="en-US" sz="1600" b="0" i="0" u="none" strike="noStrike" cap="none" normalizeH="0" baseline="0" dirty="0">
+                <a:ln>
+                  <a:noFill/>
+                </a:ln>
+                <a:solidFill>
+                  <a:schemeClr val="tx1"/>
+                </a:solidFill>
+                <a:effectLst/>
+                <a:latin typeface="Times New Roman" panose="02020603050405020304" pitchFamily="18" charset="0"/>
+                <a:cs typeface="Times New Roman" panose="02020603050405020304" pitchFamily="18" charset="0"/>
+              </a:rPr>
+              <a:t>:</a:t>
+            </a:r>
+            <a:r>
+              <a:rPr lang="en-US" sz="1100" dirty="0">
+                <a:latin typeface="Times New Roman" panose="02020603050405020304" pitchFamily="18" charset="0"/>
+                <a:cs typeface="Times New Roman" panose="02020603050405020304" pitchFamily="18" charset="0"/>
+              </a:rPr>
+              <a:t> </a:t>
+            </a:r>
+          </a:p>
+          <a:p>
+            <a:pPr marR="0" lvl="0" defTabSz="914400" rtl="0" eaLnBrk="0" fontAlgn="base" latinLnBrk="0" hangingPunct="0">
+              <a:lnSpc>
+                <a:spcPct val="200000"/>
+              </a:lnSpc>
+              <a:spcBef>
+                <a:spcPct val="0"/>
+              </a:spcBef>
+              <a:spcAft>
+                <a:spcPct val="0"/>
+              </a:spcAft>
+              <a:buClrTx/>
+              <a:buSzTx/>
+              <a:tabLst/>
+            </a:pPr>
+            <a:endParaRPr lang="en-US" sz="1100" b="1" dirty="0">
+              <a:latin typeface="Times New Roman" panose="02020603050405020304" pitchFamily="18" charset="0"/>
+              <a:cs typeface="Times New Roman" panose="02020603050405020304" pitchFamily="18" charset="0"/>
+            </a:endParaRPr>
+          </a:p>
+          <a:p>
+            <a:pPr marL="0" marR="0" lvl="0" indent="0" defTabSz="914400" rtl="0" eaLnBrk="0" fontAlgn="base" latinLnBrk="0" hangingPunct="0">
+              <a:lnSpc>
+                <a:spcPct val="200000"/>
+              </a:lnSpc>
+              <a:spcBef>
+                <a:spcPct val="0"/>
+              </a:spcBef>
+              <a:spcAft>
+                <a:spcPct val="0"/>
+              </a:spcAft>
+              <a:buClrTx/>
+              <a:buSzTx/>
+              <a:buNone/>
+              <a:tabLst/>
+            </a:pPr>
+            <a:endParaRPr lang="en-US" sz="1100" b="1" dirty="0">
+              <a:latin typeface="Times New Roman" panose="02020603050405020304" pitchFamily="18" charset="0"/>
+              <a:cs typeface="Times New Roman" panose="02020603050405020304" pitchFamily="18" charset="0"/>
+            </a:endParaRPr>
+          </a:p>
+          <a:p>
+            <a:pPr marR="0" lvl="0" defTabSz="914400" rtl="0" eaLnBrk="0" fontAlgn="base" latinLnBrk="0" hangingPunct="0">
+              <a:lnSpc>
+                <a:spcPct val="200000"/>
+              </a:lnSpc>
+              <a:spcBef>
+                <a:spcPct val="0"/>
+              </a:spcBef>
+              <a:spcAft>
+                <a:spcPct val="0"/>
+              </a:spcAft>
+              <a:buClrTx/>
+              <a:buSzTx/>
+              <a:tabLst/>
+            </a:pPr>
+            <a:r>
+              <a:rPr lang="en-US" sz="1600" b="1" dirty="0">
+                <a:latin typeface="Times New Roman" panose="02020603050405020304" pitchFamily="18" charset="0"/>
+                <a:cs typeface="Times New Roman" panose="02020603050405020304" pitchFamily="18" charset="0"/>
+              </a:rPr>
+              <a:t>Team Member 2 (Anish Kumar)</a:t>
+            </a:r>
+            <a:r>
+              <a:rPr lang="en-US" sz="1600" dirty="0">
+                <a:latin typeface="Times New Roman" panose="02020603050405020304" pitchFamily="18" charset="0"/>
+                <a:cs typeface="Times New Roman" panose="02020603050405020304" pitchFamily="18" charset="0"/>
+              </a:rPr>
+              <a:t>:</a:t>
+            </a:r>
+          </a:p>
+          <a:p>
+            <a:pPr marL="0" indent="0" eaLnBrk="0" fontAlgn="base" hangingPunct="0">
+              <a:lnSpc>
+                <a:spcPct val="200000"/>
+              </a:lnSpc>
+              <a:spcBef>
+                <a:spcPct val="0"/>
+              </a:spcBef>
+              <a:spcAft>
+                <a:spcPct val="0"/>
+              </a:spcAft>
+              <a:buNone/>
+            </a:pPr>
+            <a:r>
+              <a:rPr lang="en-US" sz="1600" dirty="0">
+                <a:latin typeface="Times New Roman" panose="02020603050405020304" pitchFamily="18" charset="0"/>
+                <a:cs typeface="Times New Roman" panose="02020603050405020304" pitchFamily="18" charset="0"/>
+              </a:rPr>
+              <a:t>     Technologies Used – </a:t>
+            </a:r>
+          </a:p>
+          <a:p>
+            <a:pPr marL="0" indent="0" eaLnBrk="0" fontAlgn="base" hangingPunct="0">
+              <a:lnSpc>
+                <a:spcPct val="200000"/>
+              </a:lnSpc>
+              <a:spcBef>
+                <a:spcPct val="0"/>
+              </a:spcBef>
+              <a:spcAft>
+                <a:spcPct val="0"/>
+              </a:spcAft>
+              <a:buNone/>
+            </a:pPr>
+            <a:r>
+              <a:rPr lang="en-US" sz="1600" dirty="0">
+                <a:latin typeface="Times New Roman" panose="02020603050405020304" pitchFamily="18" charset="0"/>
+                <a:cs typeface="Times New Roman" panose="02020603050405020304" pitchFamily="18" charset="0"/>
+              </a:rPr>
+              <a:t>               Clerk(Authentication), </a:t>
+            </a:r>
+          </a:p>
+          <a:p>
+            <a:pPr marL="0" indent="0" eaLnBrk="0" fontAlgn="base" hangingPunct="0">
+              <a:lnSpc>
+                <a:spcPct val="200000"/>
+              </a:lnSpc>
+              <a:spcBef>
+                <a:spcPct val="0"/>
+              </a:spcBef>
+              <a:spcAft>
+                <a:spcPct val="0"/>
+              </a:spcAft>
+              <a:buNone/>
+            </a:pPr>
+            <a:r>
+              <a:rPr lang="en-US" sz="1600" dirty="0">
+                <a:latin typeface="Times New Roman" panose="02020603050405020304" pitchFamily="18" charset="0"/>
+                <a:cs typeface="Times New Roman" panose="02020603050405020304" pitchFamily="18" charset="0"/>
+              </a:rPr>
+              <a:t>               NextJs (Server side rendering), </a:t>
+            </a:r>
+          </a:p>
+          <a:p>
+            <a:pPr marL="0" indent="0" eaLnBrk="0" fontAlgn="base" hangingPunct="0">
+              <a:lnSpc>
+                <a:spcPct val="200000"/>
+              </a:lnSpc>
+              <a:spcBef>
+                <a:spcPct val="0"/>
+              </a:spcBef>
+              <a:spcAft>
+                <a:spcPct val="0"/>
+              </a:spcAft>
+              <a:buNone/>
+            </a:pPr>
+            <a:r>
+              <a:rPr lang="en-US" sz="1600" dirty="0">
+                <a:latin typeface="Times New Roman" panose="02020603050405020304" pitchFamily="18" charset="0"/>
+                <a:cs typeface="Times New Roman" panose="02020603050405020304" pitchFamily="18" charset="0"/>
+              </a:rPr>
+              <a:t>               Get Stream (Provides Database and Video , Chat Services), </a:t>
+            </a:r>
+          </a:p>
+          <a:p>
+            <a:pPr marL="0" indent="0" eaLnBrk="0" fontAlgn="base" hangingPunct="0">
+              <a:lnSpc>
+                <a:spcPct val="200000"/>
+              </a:lnSpc>
+              <a:spcBef>
+                <a:spcPct val="0"/>
+              </a:spcBef>
+              <a:spcAft>
+                <a:spcPct val="0"/>
+              </a:spcAft>
+              <a:buNone/>
+            </a:pPr>
+            <a:r>
+              <a:rPr lang="en-US" sz="1600" dirty="0">
+                <a:latin typeface="Times New Roman" panose="02020603050405020304" pitchFamily="18" charset="0"/>
+                <a:cs typeface="Times New Roman" panose="02020603050405020304" pitchFamily="18" charset="0"/>
+              </a:rPr>
+              <a:t>               Tailwind Css (Latest UI/UX Design),</a:t>
+            </a:r>
+            <a:endParaRPr kumimoji="0" lang="en-US" altLang="en-US" sz="1600" b="0" i="0" u="none" strike="noStrike" cap="none" normalizeH="0" baseline="0" dirty="0">
+              <a:ln>
+                <a:noFill/>
+              </a:ln>
+              <a:solidFill>
+                <a:schemeClr val="tx1"/>
+              </a:solidFill>
+              <a:effectLst/>
+              <a:latin typeface="Times New Roman" panose="02020603050405020304" pitchFamily="18" charset="0"/>
+              <a:cs typeface="Times New Roman" panose="02020603050405020304" pitchFamily="18" charset="0"/>
+            </a:endParaRPr>
+          </a:p>
+          <a:p>
+            <a:pPr marR="0" lvl="0" defTabSz="914400" rtl="0" eaLnBrk="0" fontAlgn="base" latinLnBrk="0" hangingPunct="0">
+              <a:lnSpc>
+                <a:spcPct val="200000"/>
+              </a:lnSpc>
+              <a:spcBef>
+                <a:spcPct val="0"/>
+              </a:spcBef>
+              <a:spcAft>
+                <a:spcPct val="0"/>
+              </a:spcAft>
+              <a:buClrTx/>
+              <a:buSzTx/>
+              <a:tabLst/>
+            </a:pPr>
+            <a:endParaRPr kumimoji="0" lang="en-US" altLang="en-US" sz="1600" b="0" i="0" u="none" strike="noStrike" cap="none" normalizeH="0" baseline="0" dirty="0">
+              <a:ln>
+                <a:noFill/>
+              </a:ln>
+              <a:solidFill>
+                <a:schemeClr val="tx1"/>
+              </a:solidFill>
+              <a:effectLst/>
+              <a:latin typeface="Times New Roman" panose="02020603050405020304" pitchFamily="18" charset="0"/>
+              <a:cs typeface="Times New Roman" panose="02020603050405020304" pitchFamily="18" charset="0"/>
+            </a:endParaRPr>
+          </a:p>
+        </p:txBody>
+      </p:sp>
+    </p:spTree>
+    <p:extLst>
+      <p:ext uri="{BB962C8B-B14F-4D97-AF65-F5344CB8AC3E}">
+        <p14:creationId xmlns:p14="http://schemas.microsoft.com/office/powerpoint/2010/main" val="1560086239"/>
+      </p:ext>
+    </p:extLst>
+  </p:cSld>
+  <p:clrMapOvr>
+    <a:masterClrMapping/>
+  </p:clrMapOvr>
+</p:sld>
+</file>
+
+<file path=ppt/slides/slide21.xml><?xml version="1.0" encoding="utf-8"?>
+<p:sld xmlns:a="http://schemas.openxmlformats.org/drawingml/2006/main" xmlns:r="http://schemas.openxmlformats.org/officeDocument/2006/relationships" xmlns:p="http://schemas.openxmlformats.org/presentationml/2006/main">
+  <p:cSld>
+    <p:spTree>
+      <p:nvGrpSpPr>
+        <p:cNvPr id="1" name=""/>
+        <p:cNvGrpSpPr/>
+        <p:nvPr/>
+      </p:nvGrpSpPr>
+      <p:grpSpPr>
+        <a:xfrm>
+          <a:off x="0" y="0"/>
+          <a:ext cx="0" cy="0"/>
+          <a:chOff x="0" y="0"/>
+          <a:chExt cx="0" cy="0"/>
+        </a:xfrm>
+      </p:grpSpPr>
+      <p:sp>
+        <p:nvSpPr>
+          <p:cNvPr id="5" name="Rectangle"/>
+          <p:cNvSpPr/>
+          <p:nvPr/>
+        </p:nvSpPr>
+        <p:spPr>
+          <a:xfrm flipH="1">
+            <a:off x="0" y="0"/>
+            <a:ext cx="2469463" cy="6858000"/>
+          </a:xfrm>
+          <a:prstGeom prst="rect">
+            <a:avLst/>
+          </a:prstGeom>
+          <a:solidFill>
+            <a:srgbClr val="F28E01"/>
+          </a:solidFill>
+          <a:ln w="12700">
+            <a:miter lim="400000"/>
+          </a:ln>
+        </p:spPr>
+        <p:txBody>
+          <a:bodyPr lIns="50800" tIns="50800" rIns="50800" bIns="50800" anchor="ctr"/>
+          <a:lstStyle/>
+          <a:p>
+            <a:pPr defTabSz="1130300">
+              <a:defRPr sz="3200">
+                <a:solidFill>
+                  <a:srgbClr val="FFFFFF"/>
+                </a:solidFill>
+                <a:latin typeface="Graphik"/>
+                <a:ea typeface="Graphik"/>
+                <a:cs typeface="Graphik"/>
+                <a:sym typeface="Graphik"/>
+              </a:defRPr>
+            </a:pPr>
+            <a:endParaRPr sz="3200" baseline="-25000"/>
+          </a:p>
+        </p:txBody>
+      </p:sp>
+      <p:sp>
+        <p:nvSpPr>
+          <p:cNvPr id="8" name="Rectangle"/>
+          <p:cNvSpPr/>
+          <p:nvPr/>
+        </p:nvSpPr>
+        <p:spPr>
+          <a:xfrm flipH="1">
+            <a:off x="11496000" y="1"/>
+            <a:ext cx="257907" cy="6858000"/>
+          </a:xfrm>
+          <a:prstGeom prst="rect">
+            <a:avLst/>
+          </a:prstGeom>
+          <a:solidFill>
+            <a:srgbClr val="F28E01"/>
+          </a:solidFill>
+          <a:ln w="12700">
+            <a:miter lim="400000"/>
+          </a:ln>
+        </p:spPr>
+        <p:txBody>
+          <a:bodyPr lIns="50800" tIns="50800" rIns="50800" bIns="50800" anchor="ctr"/>
+          <a:lstStyle/>
+          <a:p>
+            <a:pPr defTabSz="1130300">
+              <a:defRPr sz="3300">
+                <a:solidFill>
+                  <a:srgbClr val="FFFFFF"/>
+                </a:solidFill>
+                <a:latin typeface="Graphik"/>
+                <a:ea typeface="Graphik"/>
+                <a:cs typeface="Graphik"/>
+                <a:sym typeface="Graphik"/>
+              </a:defRPr>
+            </a:pPr>
+            <a:endParaRPr sz="3300"/>
+          </a:p>
+        </p:txBody>
+      </p:sp>
+      <p:grpSp>
+        <p:nvGrpSpPr>
+          <p:cNvPr id="3" name="Group 19"/>
+          <p:cNvGrpSpPr/>
+          <p:nvPr/>
+        </p:nvGrpSpPr>
+        <p:grpSpPr>
+          <a:xfrm>
+            <a:off x="122050" y="1474470"/>
+            <a:ext cx="2209165" cy="3067050"/>
+            <a:chOff x="230" y="2322"/>
+            <a:chExt cx="3479" cy="4830"/>
+          </a:xfrm>
+        </p:grpSpPr>
+        <p:sp>
+          <p:nvSpPr>
+            <p:cNvPr id="21" name="Rectangle"/>
+            <p:cNvSpPr/>
+            <p:nvPr/>
+          </p:nvSpPr>
+          <p:spPr>
+            <a:xfrm flipH="1">
+              <a:off x="1099" y="2322"/>
+              <a:ext cx="2611" cy="2465"/>
+            </a:xfrm>
+            <a:prstGeom prst="rect">
+              <a:avLst/>
+            </a:prstGeom>
+            <a:solidFill>
+              <a:schemeClr val="bg1"/>
+            </a:solidFill>
+            <a:ln w="12700">
+              <a:miter lim="400000"/>
+            </a:ln>
+          </p:spPr>
+          <p:txBody>
+            <a:bodyPr lIns="50800" tIns="50800" rIns="50800" bIns="50800" anchor="ctr"/>
+            <a:lstStyle/>
+            <a:p>
+              <a:pPr defTabSz="1130300">
+                <a:defRPr sz="3200">
+                  <a:solidFill>
+                    <a:srgbClr val="FFFFFF"/>
+                  </a:solidFill>
+                  <a:latin typeface="Graphik"/>
+                  <a:ea typeface="Graphik"/>
+                  <a:cs typeface="Graphik"/>
+                  <a:sym typeface="Graphik"/>
+                </a:defRPr>
+              </a:pPr>
+              <a:endParaRPr sz="3200" baseline="-25000"/>
+            </a:p>
+          </p:txBody>
+        </p:sp>
+        <p:sp>
+          <p:nvSpPr>
+            <p:cNvPr id="22" name="Rectangle"/>
+            <p:cNvSpPr/>
+            <p:nvPr/>
+          </p:nvSpPr>
+          <p:spPr>
+            <a:xfrm flipH="1">
+              <a:off x="230" y="2624"/>
+              <a:ext cx="3192" cy="4529"/>
+            </a:xfrm>
+            <a:prstGeom prst="rect">
+              <a:avLst/>
+            </a:prstGeom>
+            <a:solidFill>
+              <a:srgbClr val="585858"/>
+            </a:solidFill>
+            <a:ln w="12700">
+              <a:miter lim="400000"/>
+            </a:ln>
+          </p:spPr>
+          <p:txBody>
+            <a:bodyPr lIns="50800" tIns="50800" rIns="50800" bIns="50800" anchor="ctr"/>
+            <a:lstStyle/>
+            <a:p>
+              <a:pPr defTabSz="1130300">
+                <a:defRPr sz="3200">
+                  <a:solidFill>
+                    <a:srgbClr val="FFFFFF"/>
+                  </a:solidFill>
+                  <a:latin typeface="Graphik"/>
+                  <a:ea typeface="Graphik"/>
+                  <a:cs typeface="Graphik"/>
+                  <a:sym typeface="Graphik"/>
+                </a:defRPr>
+              </a:pPr>
+              <a:endParaRPr sz="3200" baseline="-25000" dirty="0"/>
+            </a:p>
+          </p:txBody>
+        </p:sp>
+        <p:pic>
+          <p:nvPicPr>
+            <p:cNvPr id="23" name="Image" descr="Image"/>
+            <p:cNvPicPr>
+              <a:picLocks noChangeAspect="1"/>
+            </p:cNvPicPr>
+            <p:nvPr/>
+          </p:nvPicPr>
+          <p:blipFill>
+            <a:blip r:embed="rId3" cstate="print"/>
+            <a:stretch>
+              <a:fillRect/>
+            </a:stretch>
+          </p:blipFill>
+          <p:spPr>
+            <a:xfrm>
+              <a:off x="987" y="3715"/>
+              <a:ext cx="1683" cy="1805"/>
+            </a:xfrm>
+            <a:prstGeom prst="rect">
+              <a:avLst/>
+            </a:prstGeom>
+            <a:ln w="12700">
+              <a:miter lim="400000"/>
+              <a:headEnd/>
+              <a:tailEnd/>
+            </a:ln>
+          </p:spPr>
+        </p:pic>
+      </p:grpSp>
+      <p:sp>
+        <p:nvSpPr>
+          <p:cNvPr id="4" name="TextBox 3"/>
+          <p:cNvSpPr txBox="1"/>
+          <p:nvPr/>
+        </p:nvSpPr>
+        <p:spPr>
+          <a:xfrm>
+            <a:off x="336000" y="3643668"/>
+            <a:ext cx="1800000" cy="369332"/>
+          </a:xfrm>
+          <a:prstGeom prst="rect">
+            <a:avLst/>
+          </a:prstGeom>
+          <a:noFill/>
+        </p:spPr>
+        <p:txBody>
+          <a:bodyPr wrap="square" rtlCol="0">
+            <a:spAutoFit/>
+          </a:bodyPr>
+          <a:lstStyle/>
+          <a:p>
+            <a:r>
+              <a:rPr lang="en-US" dirty="0"/>
+              <a:t>    </a:t>
+            </a:r>
+            <a:r>
+              <a:rPr lang="en-US" dirty="0">
+                <a:solidFill>
+                  <a:schemeClr val="bg1"/>
+                </a:solidFill>
+              </a:rPr>
+              <a:t>Dept of CSE</a:t>
+            </a:r>
+          </a:p>
+        </p:txBody>
+      </p:sp>
+      <p:sp>
+        <p:nvSpPr>
+          <p:cNvPr id="7" name="Title 6">
+            <a:extLst>
+              <a:ext uri="{FF2B5EF4-FFF2-40B4-BE49-F238E27FC236}">
+                <a16:creationId xmlns:a16="http://schemas.microsoft.com/office/drawing/2014/main" id="{BAE3B82A-826A-0304-CCFE-B1B91ED37478}"/>
+              </a:ext>
+            </a:extLst>
+          </p:cNvPr>
+          <p:cNvSpPr>
+            <a:spLocks noGrp="1"/>
+          </p:cNvSpPr>
+          <p:nvPr>
+            <p:ph type="title"/>
+          </p:nvPr>
+        </p:nvSpPr>
+        <p:spPr>
+          <a:xfrm>
+            <a:off x="2743200" y="365125"/>
+            <a:ext cx="8610599" cy="1325563"/>
+          </a:xfrm>
+        </p:spPr>
+        <p:txBody>
+          <a:bodyPr>
+            <a:normAutofit/>
+          </a:bodyPr>
+          <a:lstStyle/>
+          <a:p>
+            <a:r>
+              <a:rPr lang="en-IN" sz="4000" b="1" dirty="0">
+                <a:latin typeface="Times New Roman" panose="02020603050405020304" pitchFamily="18" charset="0"/>
+                <a:cs typeface="Times New Roman" panose="02020603050405020304" pitchFamily="18" charset="0"/>
+              </a:rPr>
+              <a:t>Individual Responsibilities</a:t>
+            </a:r>
+          </a:p>
+        </p:txBody>
+      </p:sp>
+      <p:sp>
+        <p:nvSpPr>
           <p:cNvPr id="2" name="Content Placeholder 1">
             <a:extLst>
               <a:ext uri="{FF2B5EF4-FFF2-40B4-BE49-F238E27FC236}">
@@ -30838,7 +31659,7 @@
 </p:sld>
 </file>
 
-<file path=ppt/slides/slide21.xml><?xml version="1.0" encoding="utf-8"?>
+<file path=ppt/slides/slide22.xml><?xml version="1.0" encoding="utf-8"?>
 <p:sld xmlns:a="http://schemas.openxmlformats.org/drawingml/2006/main" xmlns:r="http://schemas.openxmlformats.org/officeDocument/2006/relationships" xmlns:p="http://schemas.openxmlformats.org/presentationml/2006/main">
   <p:cSld>
     <p:spTree>
@@ -31286,7 +32107,7 @@
 </p:sld>
 </file>
 
-<file path=ppt/slides/slide22.xml><?xml version="1.0" encoding="utf-8"?>
+<file path=ppt/slides/slide23.xml><?xml version="1.0" encoding="utf-8"?>
 <p:sld xmlns:a="http://schemas.openxmlformats.org/drawingml/2006/main" xmlns:r="http://schemas.openxmlformats.org/officeDocument/2006/relationships" xmlns:p="http://schemas.openxmlformats.org/presentationml/2006/main">
   <p:cSld>
     <p:spTree>
@@ -34856,21 +35677,7 @@
                           <a:latin typeface="Times New Roman" panose="02020603050405020304" pitchFamily="18" charset="0"/>
                           <a:cs typeface="Times New Roman" panose="02020603050405020304" pitchFamily="18" charset="0"/>
                         </a:rPr>
-                        <a:t>Implements WebRTC with </a:t>
-                      </a:r>
-                      <a:r>
-                        <a:rPr lang="en-US" sz="1600" dirty="0" err="1">
-                          <a:latin typeface="Times New Roman" panose="02020603050405020304" pitchFamily="18" charset="0"/>
-                          <a:cs typeface="Times New Roman" panose="02020603050405020304" pitchFamily="18" charset="0"/>
-                        </a:rPr>
-                        <a:t>GetStream</a:t>
-                      </a:r>
-                      <a:r>
-                        <a:rPr lang="en-US" sz="1600" dirty="0">
-                          <a:latin typeface="Times New Roman" panose="02020603050405020304" pitchFamily="18" charset="0"/>
-                          <a:cs typeface="Times New Roman" panose="02020603050405020304" pitchFamily="18" charset="0"/>
-                        </a:rPr>
-                        <a:t> API for low-latency video calls and real-time messaging.</a:t>
+                        <a:t>Implements WebRTC with GetStream API for low-latency video calls and real-time messaging.</a:t>
                       </a:r>
                     </a:p>
                   </a:txBody>
@@ -35717,8 +36524,8 @@
         </p:nvSpPr>
         <p:spPr bwMode="auto">
           <a:xfrm>
-            <a:off x="2747682" y="1849908"/>
-            <a:ext cx="8639188" cy="3956852"/>
+            <a:off x="2747682" y="1726798"/>
+            <a:ext cx="8639188" cy="4203074"/>
           </a:xfrm>
           <a:prstGeom prst="rect">
             <a:avLst/>
@@ -35782,7 +36589,7 @@
               <a:tabLst/>
             </a:pPr>
             <a:r>
-              <a:rPr kumimoji="0" lang="en-US" altLang="en-US" sz="1600" b="1" i="0" u="none" strike="noStrike" cap="none" normalizeH="0" baseline="0" dirty="0">
+              <a:rPr kumimoji="0" lang="en-US" altLang="en-US" sz="2000" b="1" i="0" u="none" strike="noStrike" cap="none" normalizeH="0" baseline="0" dirty="0">
                 <a:ln>
                   <a:noFill/>
                 </a:ln>
@@ -35796,7 +36603,7 @@
               <a:t>Problem Statement</a:t>
             </a:r>
             <a:r>
-              <a:rPr kumimoji="0" lang="en-US" altLang="en-US" sz="1600" b="0" i="0" u="none" strike="noStrike" cap="none" normalizeH="0" baseline="0" dirty="0">
+              <a:rPr kumimoji="0" lang="en-US" altLang="en-US" sz="2000" b="0" i="0" u="none" strike="noStrike" cap="none" normalizeH="0" baseline="0" dirty="0">
                 <a:ln>
                   <a:noFill/>
                 </a:ln>
@@ -35920,7 +36727,7 @@
               <a:tabLst/>
             </a:pPr>
             <a:r>
-              <a:rPr kumimoji="0" lang="en-US" altLang="en-US" sz="1600" b="1" i="0" u="none" strike="noStrike" cap="none" normalizeH="0" baseline="0" dirty="0">
+              <a:rPr kumimoji="0" lang="en-US" altLang="en-US" sz="2000" b="1" i="0" u="none" strike="noStrike" cap="none" normalizeH="0" baseline="0" dirty="0">
                 <a:ln>
                   <a:noFill/>
                 </a:ln>
@@ -35934,7 +36741,7 @@
               <a:t>Objectives</a:t>
             </a:r>
             <a:r>
-              <a:rPr kumimoji="0" lang="en-US" altLang="en-US" sz="1600" b="0" i="0" u="none" strike="noStrike" cap="none" normalizeH="0" baseline="0" dirty="0">
+              <a:rPr kumimoji="0" lang="en-US" altLang="en-US" sz="2000" b="0" i="0" u="none" strike="noStrike" cap="none" normalizeH="0" baseline="0" dirty="0">
                 <a:ln>
                   <a:noFill/>
                 </a:ln>
@@ -36384,8 +37191,8 @@
         </p:nvSpPr>
         <p:spPr bwMode="auto">
           <a:xfrm>
-            <a:off x="2743199" y="1441894"/>
-            <a:ext cx="8456307" cy="4734629"/>
+            <a:off x="2743199" y="1380339"/>
+            <a:ext cx="8456307" cy="4857740"/>
           </a:xfrm>
           <a:prstGeom prst="rect">
             <a:avLst/>
@@ -36440,7 +37247,7 @@
               <a:buNone/>
             </a:pPr>
             <a:r>
-              <a:rPr lang="en-US" sz="1600" b="1" dirty="0">
+              <a:rPr lang="en-US" sz="2000" b="1" dirty="0">
                 <a:latin typeface="Times New Roman" panose="02020603050405020304" pitchFamily="18" charset="0"/>
                 <a:cs typeface="Times New Roman" panose="02020603050405020304" pitchFamily="18" charset="0"/>
               </a:rPr>
@@ -36645,6 +37452,600 @@
 </file>
 
 <file path=ppt/slides/slide8.xml><?xml version="1.0" encoding="utf-8"?>
+<p:sld xmlns:a="http://schemas.openxmlformats.org/drawingml/2006/main" xmlns:r="http://schemas.openxmlformats.org/officeDocument/2006/relationships" xmlns:p="http://schemas.openxmlformats.org/presentationml/2006/main">
+  <p:cSld>
+    <p:spTree>
+      <p:nvGrpSpPr>
+        <p:cNvPr id="1" name="">
+          <a:extLst>
+            <a:ext uri="{FF2B5EF4-FFF2-40B4-BE49-F238E27FC236}">
+              <a16:creationId xmlns:a16="http://schemas.microsoft.com/office/drawing/2014/main" id="{F8A20EB9-00CD-0C2E-CF15-CBC28FFE4FB8}"/>
+            </a:ext>
+          </a:extLst>
+        </p:cNvPr>
+        <p:cNvGrpSpPr/>
+        <p:nvPr/>
+      </p:nvGrpSpPr>
+      <p:grpSpPr>
+        <a:xfrm>
+          <a:off x="0" y="0"/>
+          <a:ext cx="0" cy="0"/>
+          <a:chOff x="0" y="0"/>
+          <a:chExt cx="0" cy="0"/>
+        </a:xfrm>
+      </p:grpSpPr>
+      <p:sp>
+        <p:nvSpPr>
+          <p:cNvPr id="5" name="Rectangle">
+            <a:extLst>
+              <a:ext uri="{FF2B5EF4-FFF2-40B4-BE49-F238E27FC236}">
+                <a16:creationId xmlns:a16="http://schemas.microsoft.com/office/drawing/2014/main" id="{1A4CDBE1-05FF-3549-8D81-61B83D2E7E33}"/>
+              </a:ext>
+            </a:extLst>
+          </p:cNvPr>
+          <p:cNvSpPr/>
+          <p:nvPr/>
+        </p:nvSpPr>
+        <p:spPr>
+          <a:xfrm flipH="1">
+            <a:off x="-24000" y="-2"/>
+            <a:ext cx="2469463" cy="6858000"/>
+          </a:xfrm>
+          <a:prstGeom prst="rect">
+            <a:avLst/>
+          </a:prstGeom>
+          <a:solidFill>
+            <a:srgbClr val="F28E01"/>
+          </a:solidFill>
+          <a:ln w="12700">
+            <a:miter lim="400000"/>
+          </a:ln>
+        </p:spPr>
+        <p:txBody>
+          <a:bodyPr lIns="50800" tIns="50800" rIns="50800" bIns="50800" anchor="ctr"/>
+          <a:lstStyle/>
+          <a:p>
+            <a:pPr defTabSz="1130300">
+              <a:defRPr sz="3200">
+                <a:solidFill>
+                  <a:srgbClr val="FFFFFF"/>
+                </a:solidFill>
+                <a:latin typeface="Graphik"/>
+                <a:ea typeface="Graphik"/>
+                <a:cs typeface="Graphik"/>
+                <a:sym typeface="Graphik"/>
+              </a:defRPr>
+            </a:pPr>
+            <a:endParaRPr sz="3200" baseline="-25000"/>
+          </a:p>
+        </p:txBody>
+      </p:sp>
+      <p:sp>
+        <p:nvSpPr>
+          <p:cNvPr id="8" name="Rectangle">
+            <a:extLst>
+              <a:ext uri="{FF2B5EF4-FFF2-40B4-BE49-F238E27FC236}">
+                <a16:creationId xmlns:a16="http://schemas.microsoft.com/office/drawing/2014/main" id="{3A86FA7F-EA90-F050-BDE9-474A2736FAC7}"/>
+              </a:ext>
+            </a:extLst>
+          </p:cNvPr>
+          <p:cNvSpPr/>
+          <p:nvPr/>
+        </p:nvSpPr>
+        <p:spPr>
+          <a:xfrm flipH="1">
+            <a:off x="11496000" y="1"/>
+            <a:ext cx="257907" cy="6858000"/>
+          </a:xfrm>
+          <a:prstGeom prst="rect">
+            <a:avLst/>
+          </a:prstGeom>
+          <a:solidFill>
+            <a:srgbClr val="F28E01"/>
+          </a:solidFill>
+          <a:ln w="12700">
+            <a:miter lim="400000"/>
+          </a:ln>
+        </p:spPr>
+        <p:txBody>
+          <a:bodyPr lIns="50800" tIns="50800" rIns="50800" bIns="50800" anchor="ctr"/>
+          <a:lstStyle/>
+          <a:p>
+            <a:pPr defTabSz="1130300">
+              <a:defRPr sz="3300">
+                <a:solidFill>
+                  <a:srgbClr val="FFFFFF"/>
+                </a:solidFill>
+                <a:latin typeface="Graphik"/>
+                <a:ea typeface="Graphik"/>
+                <a:cs typeface="Graphik"/>
+                <a:sym typeface="Graphik"/>
+              </a:defRPr>
+            </a:pPr>
+            <a:endParaRPr sz="3300"/>
+          </a:p>
+        </p:txBody>
+      </p:sp>
+      <p:grpSp>
+        <p:nvGrpSpPr>
+          <p:cNvPr id="3" name="Group 19">
+            <a:extLst>
+              <a:ext uri="{FF2B5EF4-FFF2-40B4-BE49-F238E27FC236}">
+                <a16:creationId xmlns:a16="http://schemas.microsoft.com/office/drawing/2014/main" id="{4C68D434-B3FB-BDE7-D36C-3E9425C330B2}"/>
+              </a:ext>
+            </a:extLst>
+          </p:cNvPr>
+          <p:cNvGrpSpPr/>
+          <p:nvPr/>
+        </p:nvGrpSpPr>
+        <p:grpSpPr>
+          <a:xfrm>
+            <a:off x="122050" y="1474470"/>
+            <a:ext cx="2209165" cy="3067050"/>
+            <a:chOff x="230" y="2322"/>
+            <a:chExt cx="3479" cy="4830"/>
+          </a:xfrm>
+        </p:grpSpPr>
+        <p:sp>
+          <p:nvSpPr>
+            <p:cNvPr id="21" name="Rectangle">
+              <a:extLst>
+                <a:ext uri="{FF2B5EF4-FFF2-40B4-BE49-F238E27FC236}">
+                  <a16:creationId xmlns:a16="http://schemas.microsoft.com/office/drawing/2014/main" id="{CB6D8D40-B57B-60D4-7797-16F72FCD4990}"/>
+                </a:ext>
+              </a:extLst>
+            </p:cNvPr>
+            <p:cNvSpPr/>
+            <p:nvPr/>
+          </p:nvSpPr>
+          <p:spPr>
+            <a:xfrm flipH="1">
+              <a:off x="1099" y="2322"/>
+              <a:ext cx="2611" cy="2465"/>
+            </a:xfrm>
+            <a:prstGeom prst="rect">
+              <a:avLst/>
+            </a:prstGeom>
+            <a:solidFill>
+              <a:schemeClr val="bg1"/>
+            </a:solidFill>
+            <a:ln w="12700">
+              <a:miter lim="400000"/>
+            </a:ln>
+          </p:spPr>
+          <p:txBody>
+            <a:bodyPr lIns="50800" tIns="50800" rIns="50800" bIns="50800" anchor="ctr"/>
+            <a:lstStyle/>
+            <a:p>
+              <a:pPr defTabSz="1130300">
+                <a:defRPr sz="3200">
+                  <a:solidFill>
+                    <a:srgbClr val="FFFFFF"/>
+                  </a:solidFill>
+                  <a:latin typeface="Graphik"/>
+                  <a:ea typeface="Graphik"/>
+                  <a:cs typeface="Graphik"/>
+                  <a:sym typeface="Graphik"/>
+                </a:defRPr>
+              </a:pPr>
+              <a:endParaRPr sz="3200" baseline="-25000"/>
+            </a:p>
+          </p:txBody>
+        </p:sp>
+        <p:sp>
+          <p:nvSpPr>
+            <p:cNvPr id="22" name="Rectangle">
+              <a:extLst>
+                <a:ext uri="{FF2B5EF4-FFF2-40B4-BE49-F238E27FC236}">
+                  <a16:creationId xmlns:a16="http://schemas.microsoft.com/office/drawing/2014/main" id="{CE227D99-4146-5ACF-9B91-FA8FF390C89F}"/>
+                </a:ext>
+              </a:extLst>
+            </p:cNvPr>
+            <p:cNvSpPr/>
+            <p:nvPr/>
+          </p:nvSpPr>
+          <p:spPr>
+            <a:xfrm flipH="1">
+              <a:off x="230" y="2624"/>
+              <a:ext cx="3192" cy="4529"/>
+            </a:xfrm>
+            <a:prstGeom prst="rect">
+              <a:avLst/>
+            </a:prstGeom>
+            <a:solidFill>
+              <a:srgbClr val="585858"/>
+            </a:solidFill>
+            <a:ln w="12700">
+              <a:miter lim="400000"/>
+            </a:ln>
+          </p:spPr>
+          <p:txBody>
+            <a:bodyPr lIns="50800" tIns="50800" rIns="50800" bIns="50800" anchor="ctr"/>
+            <a:lstStyle/>
+            <a:p>
+              <a:pPr defTabSz="1130300">
+                <a:defRPr sz="3200">
+                  <a:solidFill>
+                    <a:srgbClr val="FFFFFF"/>
+                  </a:solidFill>
+                  <a:latin typeface="Graphik"/>
+                  <a:ea typeface="Graphik"/>
+                  <a:cs typeface="Graphik"/>
+                  <a:sym typeface="Graphik"/>
+                </a:defRPr>
+              </a:pPr>
+              <a:endParaRPr sz="3200" baseline="-25000" dirty="0"/>
+            </a:p>
+          </p:txBody>
+        </p:sp>
+        <p:pic>
+          <p:nvPicPr>
+            <p:cNvPr id="23" name="Image" descr="Image">
+              <a:extLst>
+                <a:ext uri="{FF2B5EF4-FFF2-40B4-BE49-F238E27FC236}">
+                  <a16:creationId xmlns:a16="http://schemas.microsoft.com/office/drawing/2014/main" id="{5199A65E-0D0A-3630-2866-804BE7B2D41A}"/>
+                </a:ext>
+              </a:extLst>
+            </p:cNvPr>
+            <p:cNvPicPr>
+              <a:picLocks noChangeAspect="1"/>
+            </p:cNvPicPr>
+            <p:nvPr/>
+          </p:nvPicPr>
+          <p:blipFill>
+            <a:blip r:embed="rId3" cstate="print"/>
+            <a:stretch>
+              <a:fillRect/>
+            </a:stretch>
+          </p:blipFill>
+          <p:spPr>
+            <a:xfrm>
+              <a:off x="987" y="3715"/>
+              <a:ext cx="1683" cy="1805"/>
+            </a:xfrm>
+            <a:prstGeom prst="rect">
+              <a:avLst/>
+            </a:prstGeom>
+            <a:ln w="12700">
+              <a:miter lim="400000"/>
+              <a:headEnd/>
+              <a:tailEnd/>
+            </a:ln>
+          </p:spPr>
+        </p:pic>
+      </p:grpSp>
+      <p:sp>
+        <p:nvSpPr>
+          <p:cNvPr id="4" name="TextBox 3">
+            <a:extLst>
+              <a:ext uri="{FF2B5EF4-FFF2-40B4-BE49-F238E27FC236}">
+                <a16:creationId xmlns:a16="http://schemas.microsoft.com/office/drawing/2014/main" id="{C24D3018-D985-ED00-7B02-38C832DACCE8}"/>
+              </a:ext>
+            </a:extLst>
+          </p:cNvPr>
+          <p:cNvSpPr txBox="1"/>
+          <p:nvPr/>
+        </p:nvSpPr>
+        <p:spPr>
+          <a:xfrm>
+            <a:off x="336000" y="3643668"/>
+            <a:ext cx="1800000" cy="369332"/>
+          </a:xfrm>
+          <a:prstGeom prst="rect">
+            <a:avLst/>
+          </a:prstGeom>
+          <a:noFill/>
+        </p:spPr>
+        <p:txBody>
+          <a:bodyPr wrap="square" rtlCol="0">
+            <a:spAutoFit/>
+          </a:bodyPr>
+          <a:lstStyle/>
+          <a:p>
+            <a:r>
+              <a:rPr lang="en-US" dirty="0"/>
+              <a:t>    </a:t>
+            </a:r>
+            <a:r>
+              <a:rPr lang="en-US" dirty="0">
+                <a:solidFill>
+                  <a:schemeClr val="bg1"/>
+                </a:solidFill>
+              </a:rPr>
+              <a:t>Dept of CSE</a:t>
+            </a:r>
+          </a:p>
+        </p:txBody>
+      </p:sp>
+      <p:sp>
+        <p:nvSpPr>
+          <p:cNvPr id="14" name="Title 1">
+            <a:extLst>
+              <a:ext uri="{FF2B5EF4-FFF2-40B4-BE49-F238E27FC236}">
+                <a16:creationId xmlns:a16="http://schemas.microsoft.com/office/drawing/2014/main" id="{C61A193F-7F8B-CE5D-7964-DD45A4FC71E8}"/>
+              </a:ext>
+            </a:extLst>
+          </p:cNvPr>
+          <p:cNvSpPr>
+            <a:spLocks noGrp="1"/>
+          </p:cNvSpPr>
+          <p:nvPr>
+            <p:ph type="title"/>
+          </p:nvPr>
+        </p:nvSpPr>
+        <p:spPr>
+          <a:xfrm>
+            <a:off x="2743200" y="381000"/>
+            <a:ext cx="8229600" cy="1143000"/>
+          </a:xfrm>
+        </p:spPr>
+        <p:txBody>
+          <a:bodyPr>
+            <a:normAutofit/>
+          </a:bodyPr>
+          <a:lstStyle/>
+          <a:p>
+            <a:r>
+              <a:rPr lang="en-IN" sz="4000" b="1" dirty="0">
+                <a:latin typeface="Times New Roman" panose="02020603050405020304" pitchFamily="18" charset="0"/>
+                <a:cs typeface="Times New Roman" panose="02020603050405020304" pitchFamily="18" charset="0"/>
+              </a:rPr>
+              <a:t>Proposed Methodology</a:t>
+            </a:r>
+          </a:p>
+        </p:txBody>
+      </p:sp>
+      <p:sp>
+        <p:nvSpPr>
+          <p:cNvPr id="2" name="Content Placeholder 1">
+            <a:extLst>
+              <a:ext uri="{FF2B5EF4-FFF2-40B4-BE49-F238E27FC236}">
+                <a16:creationId xmlns:a16="http://schemas.microsoft.com/office/drawing/2014/main" id="{C404288A-2E53-ABFC-7B86-267CB82DA3F0}"/>
+              </a:ext>
+            </a:extLst>
+          </p:cNvPr>
+          <p:cNvSpPr>
+            <a:spLocks noGrp="1" noChangeArrowheads="1"/>
+          </p:cNvSpPr>
+          <p:nvPr>
+            <p:ph idx="1"/>
+          </p:nvPr>
+        </p:nvSpPr>
+        <p:spPr bwMode="auto">
+          <a:xfrm>
+            <a:off x="2743199" y="1139762"/>
+            <a:ext cx="8456307" cy="5338897"/>
+          </a:xfrm>
+          <a:prstGeom prst="rect">
+            <a:avLst/>
+          </a:prstGeom>
+          <a:noFill/>
+          <a:ln>
+            <a:noFill/>
+          </a:ln>
+          <a:effectLst/>
+          <a:extLst>
+            <a:ext uri="{909E8E84-426E-40DD-AFC4-6F175D3DCCD1}">
+              <a14:hiddenFill xmlns:a14="http://schemas.microsoft.com/office/drawing/2010/main">
+                <a:solidFill>
+                  <a:schemeClr val="accent1"/>
+                </a:solidFill>
+              </a14:hiddenFill>
+            </a:ext>
+            <a:ext uri="{91240B29-F687-4F45-9708-019B960494DF}">
+              <a14:hiddenLine xmlns:a14="http://schemas.microsoft.com/office/drawing/2010/main" w="9525">
+                <a:solidFill>
+                  <a:schemeClr val="tx1"/>
+                </a:solidFill>
+                <a:miter lim="800000"/>
+                <a:headEnd/>
+                <a:tailEnd/>
+              </a14:hiddenLine>
+            </a:ext>
+            <a:ext uri="{AF507438-7753-43E0-B8FC-AC1667EBCBE1}">
+              <a14:hiddenEffects xmlns:a14="http://schemas.microsoft.com/office/drawing/2010/main">
+                <a:effectLst>
+                  <a:outerShdw dist="35921" dir="2700000" algn="ctr" rotWithShape="0">
+                    <a:schemeClr val="bg2"/>
+                  </a:outerShdw>
+                </a:effectLst>
+              </a14:hiddenEffects>
+            </a:ext>
+          </a:extLst>
+        </p:spPr>
+        <p:txBody>
+          <a:bodyPr vert="horz" wrap="square" lIns="91440" tIns="45720" rIns="91440" bIns="45720" numCol="1" anchor="ctr" anchorCtr="0" compatLnSpc="1">
+            <a:prstTxWarp prst="textNoShape">
+              <a:avLst/>
+            </a:prstTxWarp>
+            <a:spAutoFit/>
+          </a:bodyPr>
+          <a:lstStyle/>
+          <a:p>
+            <a:pPr marL="0" indent="0">
+              <a:lnSpc>
+                <a:spcPct val="200000"/>
+              </a:lnSpc>
+              <a:buNone/>
+            </a:pPr>
+            <a:r>
+              <a:rPr lang="en-US" sz="2000" b="1" dirty="0">
+                <a:latin typeface="Times New Roman" panose="02020603050405020304" pitchFamily="18" charset="0"/>
+                <a:cs typeface="Times New Roman" panose="02020603050405020304" pitchFamily="18" charset="0"/>
+              </a:rPr>
+              <a:t>Proposed Approach</a:t>
+            </a:r>
+          </a:p>
+          <a:p>
+            <a:pPr marL="0" indent="0">
+              <a:lnSpc>
+                <a:spcPct val="200000"/>
+              </a:lnSpc>
+              <a:buNone/>
+            </a:pPr>
+            <a:endParaRPr lang="en-US" sz="800" dirty="0">
+              <a:latin typeface="Times New Roman" panose="02020603050405020304" pitchFamily="18" charset="0"/>
+              <a:cs typeface="Times New Roman" panose="02020603050405020304" pitchFamily="18" charset="0"/>
+            </a:endParaRPr>
+          </a:p>
+          <a:p>
+            <a:r>
+              <a:rPr lang="en-US" sz="1600" kern="100" dirty="0">
+                <a:effectLst/>
+                <a:latin typeface="Times New Roman" panose="02020603050405020304" pitchFamily="18" charset="0"/>
+                <a:ea typeface="Calibri" panose="020F0502020204030204" pitchFamily="34" charset="0"/>
+                <a:cs typeface="Times New Roman" panose="02020603050405020304" pitchFamily="18" charset="0"/>
+              </a:rPr>
+              <a:t>Verify the implementation of Clerk for secure user authentication, including multi-factor authentication (MFA), session management, and role-based access controls (RBAC) to ensure secure resource access.</a:t>
+            </a:r>
+          </a:p>
+          <a:p>
+            <a:pPr marL="0" indent="0">
+              <a:buNone/>
+            </a:pPr>
+            <a:endParaRPr lang="en-US" sz="1600" kern="100" dirty="0">
+              <a:effectLst/>
+              <a:latin typeface="Times New Roman" panose="02020603050405020304" pitchFamily="18" charset="0"/>
+              <a:ea typeface="Calibri" panose="020F0502020204030204" pitchFamily="34" charset="0"/>
+              <a:cs typeface="Times New Roman" panose="02020603050405020304" pitchFamily="18" charset="0"/>
+            </a:endParaRPr>
+          </a:p>
+          <a:p>
+            <a:r>
+              <a:rPr lang="en-US" sz="1600" kern="100" dirty="0">
+                <a:effectLst/>
+                <a:latin typeface="Times New Roman" panose="02020603050405020304" pitchFamily="18" charset="0"/>
+                <a:ea typeface="Calibri" panose="020F0502020204030204" pitchFamily="34" charset="0"/>
+                <a:cs typeface="Times New Roman" panose="02020603050405020304" pitchFamily="18" charset="0"/>
+              </a:rPr>
+              <a:t>Conduct load tests on the Next.js application and GetStream services by simulating a high volume of concurrent users to </a:t>
+            </a:r>
+            <a:r>
+              <a:rPr lang="en-US" sz="1600" b="1" kern="100" dirty="0">
+                <a:effectLst/>
+                <a:latin typeface="Times New Roman" panose="02020603050405020304" pitchFamily="18" charset="0"/>
+                <a:ea typeface="Calibri" panose="020F0502020204030204" pitchFamily="34" charset="0"/>
+                <a:cs typeface="Times New Roman" panose="02020603050405020304" pitchFamily="18" charset="0"/>
+              </a:rPr>
+              <a:t>evaluate performance under stress.</a:t>
+            </a:r>
+          </a:p>
+          <a:p>
+            <a:pPr marL="0" indent="0">
+              <a:buNone/>
+            </a:pPr>
+            <a:endParaRPr lang="en-US" sz="1600" b="1" kern="100" dirty="0">
+              <a:effectLst/>
+              <a:latin typeface="Times New Roman" panose="02020603050405020304" pitchFamily="18" charset="0"/>
+              <a:ea typeface="Calibri" panose="020F0502020204030204" pitchFamily="34" charset="0"/>
+              <a:cs typeface="Times New Roman" panose="02020603050405020304" pitchFamily="18" charset="0"/>
+            </a:endParaRPr>
+          </a:p>
+          <a:p>
+            <a:r>
+              <a:rPr lang="en-US" sz="1600" dirty="0">
+                <a:effectLst/>
+                <a:latin typeface="Times New Roman" panose="02020603050405020304" pitchFamily="18" charset="0"/>
+                <a:ea typeface="Calibri" panose="020F0502020204030204" pitchFamily="34" charset="0"/>
+                <a:cs typeface="Times New Roman" panose="02020603050405020304" pitchFamily="18" charset="0"/>
+              </a:rPr>
+              <a:t>Test the auto-scaling capabilities of the infrastructure, ensuring seamless scaling </a:t>
+            </a:r>
+            <a:r>
+              <a:rPr lang="en-US" sz="1600" b="1" dirty="0">
+                <a:effectLst/>
+                <a:latin typeface="Times New Roman" panose="02020603050405020304" pitchFamily="18" charset="0"/>
+                <a:ea typeface="Calibri" panose="020F0502020204030204" pitchFamily="34" charset="0"/>
+                <a:cs typeface="Times New Roman" panose="02020603050405020304" pitchFamily="18" charset="0"/>
+              </a:rPr>
+              <a:t>during peak loads</a:t>
+            </a:r>
+            <a:r>
+              <a:rPr lang="en-US" sz="1600" b="1" kern="100" dirty="0">
+                <a:latin typeface="Times New Roman" panose="02020603050405020304" pitchFamily="18" charset="0"/>
+                <a:ea typeface="Calibri" panose="020F0502020204030204" pitchFamily="34" charset="0"/>
+                <a:cs typeface="Times New Roman" panose="02020603050405020304" pitchFamily="18" charset="0"/>
+              </a:rPr>
+              <a:t>.</a:t>
+            </a:r>
+          </a:p>
+          <a:p>
+            <a:pPr marL="0" indent="0">
+              <a:buNone/>
+            </a:pPr>
+            <a:endParaRPr lang="en-US" sz="1600" b="1" kern="100" dirty="0">
+              <a:latin typeface="Times New Roman" panose="02020603050405020304" pitchFamily="18" charset="0"/>
+              <a:ea typeface="Calibri" panose="020F0502020204030204" pitchFamily="34" charset="0"/>
+              <a:cs typeface="Times New Roman" panose="02020603050405020304" pitchFamily="18" charset="0"/>
+            </a:endParaRPr>
+          </a:p>
+          <a:p>
+            <a:r>
+              <a:rPr lang="en-US" sz="1600" kern="100" dirty="0">
+                <a:effectLst/>
+                <a:latin typeface="Times New Roman" panose="02020603050405020304" pitchFamily="18" charset="0"/>
+                <a:ea typeface="Calibri" panose="020F0502020204030204" pitchFamily="34" charset="0"/>
+                <a:cs typeface="Times New Roman" panose="02020603050405020304" pitchFamily="18" charset="0"/>
+              </a:rPr>
+              <a:t>Test for </a:t>
+            </a:r>
+            <a:r>
+              <a:rPr lang="en-US" sz="1600" b="1" kern="100" dirty="0">
+                <a:effectLst/>
+                <a:latin typeface="Times New Roman" panose="02020603050405020304" pitchFamily="18" charset="0"/>
+                <a:ea typeface="Calibri" panose="020F0502020204030204" pitchFamily="34" charset="0"/>
+                <a:cs typeface="Times New Roman" panose="02020603050405020304" pitchFamily="18" charset="0"/>
+              </a:rPr>
+              <a:t>resilience against failures, including network outages and unexpected user behavior</a:t>
+            </a:r>
+            <a:r>
+              <a:rPr lang="en-US" sz="1600" kern="100" dirty="0">
+                <a:effectLst/>
+                <a:latin typeface="Times New Roman" panose="02020603050405020304" pitchFamily="18" charset="0"/>
+                <a:ea typeface="Calibri" panose="020F0502020204030204" pitchFamily="34" charset="0"/>
+                <a:cs typeface="Times New Roman" panose="02020603050405020304" pitchFamily="18" charset="0"/>
+              </a:rPr>
+              <a:t>, to ensure reliable communication.</a:t>
+            </a:r>
+          </a:p>
+          <a:p>
+            <a:pPr marL="0" indent="0">
+              <a:buNone/>
+            </a:pPr>
+            <a:endParaRPr lang="en-US" sz="1600" kern="100" dirty="0">
+              <a:effectLst/>
+              <a:latin typeface="Times New Roman" panose="02020603050405020304" pitchFamily="18" charset="0"/>
+              <a:ea typeface="Calibri" panose="020F0502020204030204" pitchFamily="34" charset="0"/>
+              <a:cs typeface="Times New Roman" panose="02020603050405020304" pitchFamily="18" charset="0"/>
+            </a:endParaRPr>
+          </a:p>
+          <a:p>
+            <a:r>
+              <a:rPr lang="en-US" sz="1600" kern="100" dirty="0">
+                <a:effectLst/>
+                <a:latin typeface="Times New Roman" panose="02020603050405020304" pitchFamily="18" charset="0"/>
+                <a:ea typeface="Calibri" panose="020F0502020204030204" pitchFamily="34" charset="0"/>
+                <a:cs typeface="Times New Roman" panose="02020603050405020304" pitchFamily="18" charset="0"/>
+              </a:rPr>
+              <a:t>Track uptime and error rates over time to assess the platform’s reliability.</a:t>
+            </a:r>
+          </a:p>
+        </p:txBody>
+      </p:sp>
+    </p:spTree>
+    <p:extLst>
+      <p:ext uri="{BB962C8B-B14F-4D97-AF65-F5344CB8AC3E}">
+        <p14:creationId xmlns:p14="http://schemas.microsoft.com/office/powerpoint/2010/main" val="3604839629"/>
+      </p:ext>
+    </p:extLst>
+  </p:cSld>
+  <p:clrMapOvr>
+    <a:masterClrMapping/>
+  </p:clrMapOvr>
+</p:sld>
+</file>
+
+<file path=ppt/slides/slide9.xml><?xml version="1.0" encoding="utf-8"?>
 <p:sld xmlns:a="http://schemas.openxmlformats.org/drawingml/2006/main" xmlns:r="http://schemas.openxmlformats.org/officeDocument/2006/relationships" xmlns:p="http://schemas.openxmlformats.org/presentationml/2006/main">
   <p:cSld>
     <p:spTree>
@@ -36952,8 +38353,8 @@
         </p:nvSpPr>
         <p:spPr bwMode="auto">
           <a:xfrm>
-            <a:off x="2833865" y="1559858"/>
-            <a:ext cx="8548522" cy="5221941"/>
+            <a:off x="2833865" y="1508049"/>
+            <a:ext cx="8548522" cy="5325560"/>
           </a:xfrm>
           <a:prstGeom prst="rect">
             <a:avLst/>
@@ -37017,7 +38418,7 @@
               <a:tabLst/>
             </a:pPr>
             <a:r>
-              <a:rPr kumimoji="0" lang="en-US" altLang="en-US" sz="1600" b="1" i="0" u="none" strike="noStrike" cap="none" normalizeH="0" baseline="0" dirty="0">
+              <a:rPr kumimoji="0" lang="en-US" altLang="en-US" sz="2000" b="1" i="0" u="none" strike="noStrike" cap="none" normalizeH="0" baseline="0" dirty="0">
                 <a:ln>
                   <a:noFill/>
                 </a:ln>
@@ -37031,7 +38432,7 @@
               <a:t>Deliverables</a:t>
             </a:r>
             <a:r>
-              <a:rPr kumimoji="0" lang="en-US" altLang="en-US" sz="1600" b="0" i="0" u="none" strike="noStrike" cap="none" normalizeH="0" baseline="0" dirty="0">
+              <a:rPr kumimoji="0" lang="en-US" altLang="en-US" sz="2000" b="0" i="0" u="none" strike="noStrike" cap="none" normalizeH="0" baseline="0" dirty="0">
                 <a:ln>
                   <a:noFill/>
                 </a:ln>
@@ -37318,732 +38719,6 @@
     <p:extLst>
       <p:ext uri="{BB962C8B-B14F-4D97-AF65-F5344CB8AC3E}">
         <p14:creationId xmlns:p14="http://schemas.microsoft.com/office/powerpoint/2010/main" val="657644709"/>
-      </p:ext>
-    </p:extLst>
-  </p:cSld>
-  <p:clrMapOvr>
-    <a:masterClrMapping/>
-  </p:clrMapOvr>
-</p:sld>
-</file>
-
-<file path=ppt/slides/slide9.xml><?xml version="1.0" encoding="utf-8"?>
-<p:sld xmlns:a="http://schemas.openxmlformats.org/drawingml/2006/main" xmlns:r="http://schemas.openxmlformats.org/officeDocument/2006/relationships" xmlns:p="http://schemas.openxmlformats.org/presentationml/2006/main">
-  <p:cSld>
-    <p:spTree>
-      <p:nvGrpSpPr>
-        <p:cNvPr id="1" name="">
-          <a:extLst>
-            <a:ext uri="{FF2B5EF4-FFF2-40B4-BE49-F238E27FC236}">
-              <a16:creationId xmlns:a16="http://schemas.microsoft.com/office/drawing/2014/main" id="{25279D53-2711-7F5B-8DC4-1E7211C9071C}"/>
-            </a:ext>
-          </a:extLst>
-        </p:cNvPr>
-        <p:cNvGrpSpPr/>
-        <p:nvPr/>
-      </p:nvGrpSpPr>
-      <p:grpSpPr>
-        <a:xfrm>
-          <a:off x="0" y="0"/>
-          <a:ext cx="0" cy="0"/>
-          <a:chOff x="0" y="0"/>
-          <a:chExt cx="0" cy="0"/>
-        </a:xfrm>
-      </p:grpSpPr>
-      <p:sp>
-        <p:nvSpPr>
-          <p:cNvPr id="5" name="Rectangle">
-            <a:extLst>
-              <a:ext uri="{FF2B5EF4-FFF2-40B4-BE49-F238E27FC236}">
-                <a16:creationId xmlns:a16="http://schemas.microsoft.com/office/drawing/2014/main" id="{FB42002A-DAEA-F933-EEF0-F6CC90EDFD7B}"/>
-              </a:ext>
-            </a:extLst>
-          </p:cNvPr>
-          <p:cNvSpPr/>
-          <p:nvPr/>
-        </p:nvSpPr>
-        <p:spPr>
-          <a:xfrm flipH="1">
-            <a:off x="-24000" y="-2"/>
-            <a:ext cx="2469463" cy="6858000"/>
-          </a:xfrm>
-          <a:prstGeom prst="rect">
-            <a:avLst/>
-          </a:prstGeom>
-          <a:solidFill>
-            <a:srgbClr val="F28E01"/>
-          </a:solidFill>
-          <a:ln w="12700">
-            <a:miter lim="400000"/>
-          </a:ln>
-        </p:spPr>
-        <p:txBody>
-          <a:bodyPr lIns="50800" tIns="50800" rIns="50800" bIns="50800" anchor="ctr"/>
-          <a:lstStyle/>
-          <a:p>
-            <a:pPr defTabSz="1130300">
-              <a:defRPr sz="3200">
-                <a:solidFill>
-                  <a:srgbClr val="FFFFFF"/>
-                </a:solidFill>
-                <a:latin typeface="Graphik"/>
-                <a:ea typeface="Graphik"/>
-                <a:cs typeface="Graphik"/>
-                <a:sym typeface="Graphik"/>
-              </a:defRPr>
-            </a:pPr>
-            <a:endParaRPr sz="3200" baseline="-25000"/>
-          </a:p>
-        </p:txBody>
-      </p:sp>
-      <p:sp>
-        <p:nvSpPr>
-          <p:cNvPr id="8" name="Rectangle">
-            <a:extLst>
-              <a:ext uri="{FF2B5EF4-FFF2-40B4-BE49-F238E27FC236}">
-                <a16:creationId xmlns:a16="http://schemas.microsoft.com/office/drawing/2014/main" id="{786C7033-38FB-AA7F-326F-1A5661D067E9}"/>
-              </a:ext>
-            </a:extLst>
-          </p:cNvPr>
-          <p:cNvSpPr/>
-          <p:nvPr/>
-        </p:nvSpPr>
-        <p:spPr>
-          <a:xfrm flipH="1">
-            <a:off x="11496000" y="1"/>
-            <a:ext cx="257907" cy="6858000"/>
-          </a:xfrm>
-          <a:prstGeom prst="rect">
-            <a:avLst/>
-          </a:prstGeom>
-          <a:solidFill>
-            <a:srgbClr val="F28E01"/>
-          </a:solidFill>
-          <a:ln w="12700">
-            <a:miter lim="400000"/>
-          </a:ln>
-        </p:spPr>
-        <p:txBody>
-          <a:bodyPr lIns="50800" tIns="50800" rIns="50800" bIns="50800" anchor="ctr"/>
-          <a:lstStyle/>
-          <a:p>
-            <a:pPr defTabSz="1130300">
-              <a:defRPr sz="3300">
-                <a:solidFill>
-                  <a:srgbClr val="FFFFFF"/>
-                </a:solidFill>
-                <a:latin typeface="Graphik"/>
-                <a:ea typeface="Graphik"/>
-                <a:cs typeface="Graphik"/>
-                <a:sym typeface="Graphik"/>
-              </a:defRPr>
-            </a:pPr>
-            <a:endParaRPr sz="3300"/>
-          </a:p>
-        </p:txBody>
-      </p:sp>
-      <p:grpSp>
-        <p:nvGrpSpPr>
-          <p:cNvPr id="3" name="Group 19">
-            <a:extLst>
-              <a:ext uri="{FF2B5EF4-FFF2-40B4-BE49-F238E27FC236}">
-                <a16:creationId xmlns:a16="http://schemas.microsoft.com/office/drawing/2014/main" id="{402D6366-36AF-2EBF-E780-E550B0DD3852}"/>
-              </a:ext>
-            </a:extLst>
-          </p:cNvPr>
-          <p:cNvGrpSpPr/>
-          <p:nvPr/>
-        </p:nvGrpSpPr>
-        <p:grpSpPr>
-          <a:xfrm>
-            <a:off x="122050" y="1474470"/>
-            <a:ext cx="2209165" cy="3067050"/>
-            <a:chOff x="230" y="2322"/>
-            <a:chExt cx="3479" cy="4830"/>
-          </a:xfrm>
-        </p:grpSpPr>
-        <p:sp>
-          <p:nvSpPr>
-            <p:cNvPr id="21" name="Rectangle">
-              <a:extLst>
-                <a:ext uri="{FF2B5EF4-FFF2-40B4-BE49-F238E27FC236}">
-                  <a16:creationId xmlns:a16="http://schemas.microsoft.com/office/drawing/2014/main" id="{7AFEEEB4-4131-9CA6-42CB-05D48718CA3D}"/>
-                </a:ext>
-              </a:extLst>
-            </p:cNvPr>
-            <p:cNvSpPr/>
-            <p:nvPr/>
-          </p:nvSpPr>
-          <p:spPr>
-            <a:xfrm flipH="1">
-              <a:off x="1099" y="2322"/>
-              <a:ext cx="2611" cy="2465"/>
-            </a:xfrm>
-            <a:prstGeom prst="rect">
-              <a:avLst/>
-            </a:prstGeom>
-            <a:solidFill>
-              <a:schemeClr val="bg1"/>
-            </a:solidFill>
-            <a:ln w="12700">
-              <a:miter lim="400000"/>
-            </a:ln>
-          </p:spPr>
-          <p:txBody>
-            <a:bodyPr lIns="50800" tIns="50800" rIns="50800" bIns="50800" anchor="ctr"/>
-            <a:lstStyle/>
-            <a:p>
-              <a:pPr defTabSz="1130300">
-                <a:defRPr sz="3200">
-                  <a:solidFill>
-                    <a:srgbClr val="FFFFFF"/>
-                  </a:solidFill>
-                  <a:latin typeface="Graphik"/>
-                  <a:ea typeface="Graphik"/>
-                  <a:cs typeface="Graphik"/>
-                  <a:sym typeface="Graphik"/>
-                </a:defRPr>
-              </a:pPr>
-              <a:endParaRPr sz="3200" baseline="-25000"/>
-            </a:p>
-          </p:txBody>
-        </p:sp>
-        <p:sp>
-          <p:nvSpPr>
-            <p:cNvPr id="22" name="Rectangle">
-              <a:extLst>
-                <a:ext uri="{FF2B5EF4-FFF2-40B4-BE49-F238E27FC236}">
-                  <a16:creationId xmlns:a16="http://schemas.microsoft.com/office/drawing/2014/main" id="{07AE3839-E6EA-C1CE-4CE0-408E07EABB29}"/>
-                </a:ext>
-              </a:extLst>
-            </p:cNvPr>
-            <p:cNvSpPr/>
-            <p:nvPr/>
-          </p:nvSpPr>
-          <p:spPr>
-            <a:xfrm flipH="1">
-              <a:off x="230" y="2624"/>
-              <a:ext cx="3192" cy="4529"/>
-            </a:xfrm>
-            <a:prstGeom prst="rect">
-              <a:avLst/>
-            </a:prstGeom>
-            <a:solidFill>
-              <a:srgbClr val="585858"/>
-            </a:solidFill>
-            <a:ln w="12700">
-              <a:miter lim="400000"/>
-            </a:ln>
-          </p:spPr>
-          <p:txBody>
-            <a:bodyPr lIns="50800" tIns="50800" rIns="50800" bIns="50800" anchor="ctr"/>
-            <a:lstStyle/>
-            <a:p>
-              <a:pPr defTabSz="1130300">
-                <a:defRPr sz="3200">
-                  <a:solidFill>
-                    <a:srgbClr val="FFFFFF"/>
-                  </a:solidFill>
-                  <a:latin typeface="Graphik"/>
-                  <a:ea typeface="Graphik"/>
-                  <a:cs typeface="Graphik"/>
-                  <a:sym typeface="Graphik"/>
-                </a:defRPr>
-              </a:pPr>
-              <a:endParaRPr sz="3200" baseline="-25000" dirty="0"/>
-            </a:p>
-          </p:txBody>
-        </p:sp>
-        <p:pic>
-          <p:nvPicPr>
-            <p:cNvPr id="23" name="Image" descr="Image">
-              <a:extLst>
-                <a:ext uri="{FF2B5EF4-FFF2-40B4-BE49-F238E27FC236}">
-                  <a16:creationId xmlns:a16="http://schemas.microsoft.com/office/drawing/2014/main" id="{72F02E10-E1F7-EB78-F6CD-756AFBB3B290}"/>
-                </a:ext>
-              </a:extLst>
-            </p:cNvPr>
-            <p:cNvPicPr>
-              <a:picLocks noChangeAspect="1"/>
-            </p:cNvPicPr>
-            <p:nvPr/>
-          </p:nvPicPr>
-          <p:blipFill>
-            <a:blip r:embed="rId3" cstate="print"/>
-            <a:stretch>
-              <a:fillRect/>
-            </a:stretch>
-          </p:blipFill>
-          <p:spPr>
-            <a:xfrm>
-              <a:off x="987" y="3715"/>
-              <a:ext cx="1683" cy="1805"/>
-            </a:xfrm>
-            <a:prstGeom prst="rect">
-              <a:avLst/>
-            </a:prstGeom>
-            <a:ln w="12700">
-              <a:miter lim="400000"/>
-              <a:headEnd/>
-              <a:tailEnd/>
-            </a:ln>
-          </p:spPr>
-        </p:pic>
-      </p:grpSp>
-      <p:sp>
-        <p:nvSpPr>
-          <p:cNvPr id="4" name="TextBox 3">
-            <a:extLst>
-              <a:ext uri="{FF2B5EF4-FFF2-40B4-BE49-F238E27FC236}">
-                <a16:creationId xmlns:a16="http://schemas.microsoft.com/office/drawing/2014/main" id="{56F426FB-6CDE-43DD-D2D9-6F848DBC1FC7}"/>
-              </a:ext>
-            </a:extLst>
-          </p:cNvPr>
-          <p:cNvSpPr txBox="1"/>
-          <p:nvPr/>
-        </p:nvSpPr>
-        <p:spPr>
-          <a:xfrm>
-            <a:off x="336000" y="3643668"/>
-            <a:ext cx="1800000" cy="369332"/>
-          </a:xfrm>
-          <a:prstGeom prst="rect">
-            <a:avLst/>
-          </a:prstGeom>
-          <a:noFill/>
-        </p:spPr>
-        <p:txBody>
-          <a:bodyPr wrap="square" rtlCol="0">
-            <a:spAutoFit/>
-          </a:bodyPr>
-          <a:lstStyle/>
-          <a:p>
-            <a:r>
-              <a:rPr lang="en-US" dirty="0"/>
-              <a:t>    </a:t>
-            </a:r>
-            <a:r>
-              <a:rPr lang="en-US" dirty="0">
-                <a:solidFill>
-                  <a:schemeClr val="bg1"/>
-                </a:solidFill>
-              </a:rPr>
-              <a:t>Dept of CSE</a:t>
-            </a:r>
-          </a:p>
-        </p:txBody>
-      </p:sp>
-      <p:sp>
-        <p:nvSpPr>
-          <p:cNvPr id="14" name="Title 1">
-            <a:extLst>
-              <a:ext uri="{FF2B5EF4-FFF2-40B4-BE49-F238E27FC236}">
-                <a16:creationId xmlns:a16="http://schemas.microsoft.com/office/drawing/2014/main" id="{E39B5465-1B03-1032-FB47-D3DA2408EF06}"/>
-              </a:ext>
-            </a:extLst>
-          </p:cNvPr>
-          <p:cNvSpPr>
-            <a:spLocks noGrp="1"/>
-          </p:cNvSpPr>
-          <p:nvPr>
-            <p:ph type="title"/>
-          </p:nvPr>
-        </p:nvSpPr>
-        <p:spPr>
-          <a:xfrm>
-            <a:off x="2743200" y="381000"/>
-            <a:ext cx="8229600" cy="1143000"/>
-          </a:xfrm>
-        </p:spPr>
-        <p:txBody>
-          <a:bodyPr>
-            <a:normAutofit/>
-          </a:bodyPr>
-          <a:lstStyle/>
-          <a:p>
-            <a:r>
-              <a:rPr lang="en-IN" sz="4000" b="1" dirty="0">
-                <a:latin typeface="Times New Roman" panose="02020603050405020304" pitchFamily="18" charset="0"/>
-                <a:cs typeface="Times New Roman" panose="02020603050405020304" pitchFamily="18" charset="0"/>
-              </a:rPr>
-              <a:t>Deliverables and Impact</a:t>
-            </a:r>
-          </a:p>
-        </p:txBody>
-      </p:sp>
-      <p:sp>
-        <p:nvSpPr>
-          <p:cNvPr id="6" name="Rectangle 1">
-            <a:extLst>
-              <a:ext uri="{FF2B5EF4-FFF2-40B4-BE49-F238E27FC236}">
-                <a16:creationId xmlns:a16="http://schemas.microsoft.com/office/drawing/2014/main" id="{A28A9941-B21E-93A3-1E57-9CD07B05F3F9}"/>
-              </a:ext>
-            </a:extLst>
-          </p:cNvPr>
-          <p:cNvSpPr>
-            <a:spLocks noGrp="1" noChangeArrowheads="1"/>
-          </p:cNvSpPr>
-          <p:nvPr>
-            <p:ph idx="1"/>
-          </p:nvPr>
-        </p:nvSpPr>
-        <p:spPr bwMode="auto">
-          <a:xfrm>
-            <a:off x="2743201" y="1296341"/>
-            <a:ext cx="8443336" cy="5025735"/>
-          </a:xfrm>
-          <a:prstGeom prst="rect">
-            <a:avLst/>
-          </a:prstGeom>
-          <a:noFill/>
-          <a:ln>
-            <a:noFill/>
-          </a:ln>
-          <a:effectLst/>
-          <a:extLst>
-            <a:ext uri="{909E8E84-426E-40DD-AFC4-6F175D3DCCD1}">
-              <a14:hiddenFill xmlns:a14="http://schemas.microsoft.com/office/drawing/2010/main">
-                <a:solidFill>
-                  <a:schemeClr val="accent1"/>
-                </a:solidFill>
-              </a14:hiddenFill>
-            </a:ext>
-            <a:ext uri="{91240B29-F687-4F45-9708-019B960494DF}">
-              <a14:hiddenLine xmlns:a14="http://schemas.microsoft.com/office/drawing/2010/main" w="9525">
-                <a:solidFill>
-                  <a:schemeClr val="tx1"/>
-                </a:solidFill>
-                <a:miter lim="800000"/>
-                <a:headEnd/>
-                <a:tailEnd/>
-              </a14:hiddenLine>
-            </a:ext>
-            <a:ext uri="{AF507438-7753-43E0-B8FC-AC1667EBCBE1}">
-              <a14:hiddenEffects xmlns:a14="http://schemas.microsoft.com/office/drawing/2010/main">
-                <a:effectLst>
-                  <a:outerShdw dist="35921" dir="2700000" algn="ctr" rotWithShape="0">
-                    <a:schemeClr val="bg2"/>
-                  </a:outerShdw>
-                </a:effectLst>
-              </a14:hiddenEffects>
-            </a:ext>
-          </a:extLst>
-        </p:spPr>
-        <p:txBody>
-          <a:bodyPr vert="horz" wrap="square" lIns="91440" tIns="45720" rIns="91440" bIns="45720" numCol="1" anchor="ctr" anchorCtr="0" compatLnSpc="1">
-            <a:prstTxWarp prst="textNoShape">
-              <a:avLst/>
-            </a:prstTxWarp>
-            <a:spAutoFit/>
-          </a:bodyPr>
-          <a:lstStyle/>
-          <a:p>
-            <a:pPr marL="0" marR="0" lvl="0" indent="0" algn="just" defTabSz="914400" rtl="0" eaLnBrk="0" fontAlgn="base" latinLnBrk="0" hangingPunct="0">
-              <a:lnSpc>
-                <a:spcPct val="200000"/>
-              </a:lnSpc>
-              <a:spcBef>
-                <a:spcPct val="0"/>
-              </a:spcBef>
-              <a:spcAft>
-                <a:spcPct val="0"/>
-              </a:spcAft>
-              <a:buClrTx/>
-              <a:buSzTx/>
-              <a:buNone/>
-              <a:tabLst/>
-            </a:pPr>
-            <a:r>
-              <a:rPr kumimoji="0" lang="en-US" altLang="en-US" sz="2000" b="1" i="0" u="none" strike="noStrike" cap="none" normalizeH="0" baseline="0" dirty="0">
-                <a:ln>
-                  <a:noFill/>
-                </a:ln>
-                <a:solidFill>
-                  <a:schemeClr val="tx1"/>
-                </a:solidFill>
-                <a:effectLst/>
-                <a:latin typeface="Times New Roman" panose="02020603050405020304" pitchFamily="18" charset="0"/>
-                <a:cs typeface="Times New Roman" panose="02020603050405020304" pitchFamily="18" charset="0"/>
-              </a:rPr>
-              <a:t>Impact:</a:t>
-            </a:r>
-          </a:p>
-          <a:p>
-            <a:r>
-              <a:rPr lang="en-US" sz="1600" dirty="0">
-                <a:latin typeface="Times New Roman" panose="02020603050405020304" pitchFamily="18" charset="0"/>
-                <a:cs typeface="Times New Roman" panose="02020603050405020304" pitchFamily="18" charset="0"/>
-              </a:rPr>
-              <a:t>    </a:t>
-            </a:r>
-            <a:r>
-              <a:rPr lang="en-US" sz="1600" b="0" i="0" dirty="0">
-                <a:solidFill>
-                  <a:srgbClr val="000000"/>
-                </a:solidFill>
-                <a:effectLst/>
-                <a:latin typeface="Times New Roman" panose="02020603050405020304" pitchFamily="18" charset="0"/>
-                <a:cs typeface="Times New Roman" panose="02020603050405020304" pitchFamily="18" charset="0"/>
-              </a:rPr>
-              <a:t>Enhanced remote collaboration capabilities for users, improving productivity and </a:t>
-            </a:r>
-          </a:p>
-          <a:p>
-            <a:pPr marL="0" indent="0">
-              <a:buNone/>
-            </a:pPr>
-            <a:r>
-              <a:rPr lang="en-US" sz="1600" dirty="0">
-                <a:solidFill>
-                  <a:srgbClr val="000000"/>
-                </a:solidFill>
-                <a:latin typeface="Times New Roman" panose="02020603050405020304" pitchFamily="18" charset="0"/>
-                <a:cs typeface="Times New Roman" panose="02020603050405020304" pitchFamily="18" charset="0"/>
-              </a:rPr>
-              <a:t>         </a:t>
-            </a:r>
-            <a:r>
-              <a:rPr lang="en-US" sz="1600" b="0" i="0" dirty="0">
-                <a:solidFill>
-                  <a:srgbClr val="000000"/>
-                </a:solidFill>
-                <a:effectLst/>
-                <a:latin typeface="Times New Roman" panose="02020603050405020304" pitchFamily="18" charset="0"/>
-                <a:cs typeface="Times New Roman" panose="02020603050405020304" pitchFamily="18" charset="0"/>
-              </a:rPr>
-              <a:t>communication.</a:t>
-            </a:r>
-          </a:p>
-          <a:p>
-            <a:pPr marL="0" indent="0">
-              <a:buNone/>
-            </a:pPr>
-            <a:r>
-              <a:rPr lang="en-US" sz="1600" b="0" i="0" dirty="0">
-                <a:solidFill>
-                  <a:srgbClr val="000000"/>
-                </a:solidFill>
-                <a:effectLst/>
-                <a:latin typeface="Times New Roman" panose="02020603050405020304" pitchFamily="18" charset="0"/>
-                <a:cs typeface="Times New Roman" panose="02020603050405020304" pitchFamily="18" charset="0"/>
-              </a:rPr>
-              <a:t>    </a:t>
-            </a:r>
-          </a:p>
-          <a:p>
-            <a:r>
-              <a:rPr lang="en-US" sz="1600" dirty="0">
-                <a:solidFill>
-                  <a:srgbClr val="000000"/>
-                </a:solidFill>
-                <a:latin typeface="Times New Roman" panose="02020603050405020304" pitchFamily="18" charset="0"/>
-                <a:cs typeface="Times New Roman" panose="02020603050405020304" pitchFamily="18" charset="0"/>
-              </a:rPr>
-              <a:t>    </a:t>
-            </a:r>
-            <a:r>
-              <a:rPr lang="en-US" sz="1600" b="0" i="0" dirty="0">
-                <a:solidFill>
-                  <a:srgbClr val="000000"/>
-                </a:solidFill>
-                <a:effectLst/>
-                <a:latin typeface="Times New Roman" panose="02020603050405020304" pitchFamily="18" charset="0"/>
-                <a:cs typeface="Times New Roman" panose="02020603050405020304" pitchFamily="18" charset="0"/>
-              </a:rPr>
-              <a:t>Increased accessibility to high-quality video conferencing tools, potentially </a:t>
-            </a:r>
-          </a:p>
-          <a:p>
-            <a:pPr marL="0" indent="0">
-              <a:buNone/>
-            </a:pPr>
-            <a:r>
-              <a:rPr lang="en-US" sz="1600" dirty="0">
-                <a:solidFill>
-                  <a:srgbClr val="000000"/>
-                </a:solidFill>
-                <a:latin typeface="Times New Roman" panose="02020603050405020304" pitchFamily="18" charset="0"/>
-                <a:cs typeface="Times New Roman" panose="02020603050405020304" pitchFamily="18" charset="0"/>
-              </a:rPr>
-              <a:t>         </a:t>
-            </a:r>
-            <a:r>
-              <a:rPr lang="en-US" sz="1600" b="0" i="0" dirty="0">
-                <a:solidFill>
-                  <a:srgbClr val="000000"/>
-                </a:solidFill>
-                <a:effectLst/>
-                <a:latin typeface="Times New Roman" panose="02020603050405020304" pitchFamily="18" charset="0"/>
-                <a:cs typeface="Times New Roman" panose="02020603050405020304" pitchFamily="18" charset="0"/>
-              </a:rPr>
-              <a:t>reducing barriers to remote work and distance learning.</a:t>
-            </a:r>
-          </a:p>
-          <a:p>
-            <a:pPr marL="0" indent="0">
-              <a:buNone/>
-            </a:pPr>
-            <a:r>
-              <a:rPr lang="en-US" sz="1600" b="0" i="0" dirty="0">
-                <a:solidFill>
-                  <a:srgbClr val="000000"/>
-                </a:solidFill>
-                <a:effectLst/>
-                <a:latin typeface="Times New Roman" panose="02020603050405020304" pitchFamily="18" charset="0"/>
-                <a:cs typeface="Times New Roman" panose="02020603050405020304" pitchFamily="18" charset="0"/>
-              </a:rPr>
-              <a:t>    </a:t>
-            </a:r>
-          </a:p>
-          <a:p>
-            <a:r>
-              <a:rPr lang="en-US" sz="1600" dirty="0">
-                <a:solidFill>
-                  <a:srgbClr val="000000"/>
-                </a:solidFill>
-                <a:latin typeface="Times New Roman" panose="02020603050405020304" pitchFamily="18" charset="0"/>
-                <a:cs typeface="Times New Roman" panose="02020603050405020304" pitchFamily="18" charset="0"/>
-              </a:rPr>
-              <a:t>    </a:t>
-            </a:r>
-            <a:r>
-              <a:rPr lang="en-US" sz="1600" b="0" i="0" dirty="0">
-                <a:solidFill>
-                  <a:srgbClr val="000000"/>
-                </a:solidFill>
-                <a:effectLst/>
-                <a:latin typeface="Times New Roman" panose="02020603050405020304" pitchFamily="18" charset="0"/>
-                <a:cs typeface="Times New Roman" panose="02020603050405020304" pitchFamily="18" charset="0"/>
-              </a:rPr>
-              <a:t>Improved user experience through a modern, responsive interface and seamless  </a:t>
-            </a:r>
-          </a:p>
-          <a:p>
-            <a:pPr marL="0" indent="0">
-              <a:buNone/>
-            </a:pPr>
-            <a:r>
-              <a:rPr lang="en-US" sz="1600" dirty="0">
-                <a:solidFill>
-                  <a:srgbClr val="000000"/>
-                </a:solidFill>
-                <a:latin typeface="Times New Roman" panose="02020603050405020304" pitchFamily="18" charset="0"/>
-                <a:cs typeface="Times New Roman" panose="02020603050405020304" pitchFamily="18" charset="0"/>
-              </a:rPr>
-              <a:t>        </a:t>
-            </a:r>
-            <a:r>
-              <a:rPr lang="en-US" sz="1600" b="0" i="0" dirty="0">
-                <a:solidFill>
-                  <a:srgbClr val="000000"/>
-                </a:solidFill>
-                <a:effectLst/>
-                <a:latin typeface="Times New Roman" panose="02020603050405020304" pitchFamily="18" charset="0"/>
-                <a:cs typeface="Times New Roman" panose="02020603050405020304" pitchFamily="18" charset="0"/>
-              </a:rPr>
-              <a:t>integration of advanced features.</a:t>
-            </a:r>
-          </a:p>
-          <a:p>
-            <a:pPr marL="0" indent="0">
-              <a:buNone/>
-            </a:pPr>
-            <a:r>
-              <a:rPr lang="en-US" sz="1600" b="0" i="0" dirty="0">
-                <a:solidFill>
-                  <a:srgbClr val="000000"/>
-                </a:solidFill>
-                <a:effectLst/>
-                <a:latin typeface="Times New Roman" panose="02020603050405020304" pitchFamily="18" charset="0"/>
-                <a:cs typeface="Times New Roman" panose="02020603050405020304" pitchFamily="18" charset="0"/>
-              </a:rPr>
-              <a:t>    </a:t>
-            </a:r>
-          </a:p>
-          <a:p>
-            <a:r>
-              <a:rPr lang="en-US" sz="1600" dirty="0">
-                <a:solidFill>
-                  <a:srgbClr val="000000"/>
-                </a:solidFill>
-                <a:latin typeface="Times New Roman" panose="02020603050405020304" pitchFamily="18" charset="0"/>
-                <a:cs typeface="Times New Roman" panose="02020603050405020304" pitchFamily="18" charset="0"/>
-              </a:rPr>
-              <a:t>    </a:t>
-            </a:r>
-            <a:r>
-              <a:rPr lang="en-US" sz="1600" b="0" i="0" dirty="0">
-                <a:solidFill>
-                  <a:srgbClr val="000000"/>
-                </a:solidFill>
-                <a:effectLst/>
-                <a:latin typeface="Times New Roman" panose="02020603050405020304" pitchFamily="18" charset="0"/>
-                <a:cs typeface="Times New Roman" panose="02020603050405020304" pitchFamily="18" charset="0"/>
-              </a:rPr>
-              <a:t>Potential cost savings for organizations by providing an alternative to expensive   </a:t>
-            </a:r>
-          </a:p>
-          <a:p>
-            <a:pPr marL="0" indent="0">
-              <a:buNone/>
-            </a:pPr>
-            <a:r>
-              <a:rPr lang="en-US" sz="1600" dirty="0">
-                <a:solidFill>
-                  <a:srgbClr val="000000"/>
-                </a:solidFill>
-                <a:latin typeface="Times New Roman" panose="02020603050405020304" pitchFamily="18" charset="0"/>
-                <a:cs typeface="Times New Roman" panose="02020603050405020304" pitchFamily="18" charset="0"/>
-              </a:rPr>
-              <a:t>         </a:t>
-            </a:r>
-            <a:r>
-              <a:rPr lang="en-US" sz="1600" b="0" i="0" dirty="0">
-                <a:solidFill>
-                  <a:srgbClr val="000000"/>
-                </a:solidFill>
-                <a:effectLst/>
-                <a:latin typeface="Times New Roman" panose="02020603050405020304" pitchFamily="18" charset="0"/>
-                <a:cs typeface="Times New Roman" panose="02020603050405020304" pitchFamily="18" charset="0"/>
-              </a:rPr>
-              <a:t>enterprise video conferencing solutions.</a:t>
-            </a:r>
-          </a:p>
-          <a:p>
-            <a:pPr marL="0" marR="0" lvl="0" indent="0" algn="just" defTabSz="914400" rtl="0" eaLnBrk="0" fontAlgn="base" latinLnBrk="0" hangingPunct="0">
-              <a:lnSpc>
-                <a:spcPct val="200000"/>
-              </a:lnSpc>
-              <a:spcBef>
-                <a:spcPct val="0"/>
-              </a:spcBef>
-              <a:spcAft>
-                <a:spcPct val="0"/>
-              </a:spcAft>
-              <a:buClrTx/>
-              <a:buSzTx/>
-              <a:buFontTx/>
-              <a:buChar char="•"/>
-              <a:tabLst/>
-            </a:pPr>
-            <a:endParaRPr kumimoji="0" lang="en-US" altLang="en-US" sz="1800" b="0" i="0" u="none" strike="noStrike" cap="none" normalizeH="0" baseline="0" dirty="0">
-              <a:ln>
-                <a:noFill/>
-              </a:ln>
-              <a:solidFill>
-                <a:schemeClr val="tx1"/>
-              </a:solidFill>
-              <a:effectLst/>
-              <a:latin typeface="Times New Roman" panose="02020603050405020304" pitchFamily="18" charset="0"/>
-              <a:cs typeface="Times New Roman" panose="02020603050405020304" pitchFamily="18" charset="0"/>
-            </a:endParaRPr>
-          </a:p>
-        </p:txBody>
-      </p:sp>
-    </p:spTree>
-    <p:extLst>
-      <p:ext uri="{BB962C8B-B14F-4D97-AF65-F5344CB8AC3E}">
-        <p14:creationId xmlns:p14="http://schemas.microsoft.com/office/powerpoint/2010/main" val="4068133359"/>
       </p:ext>
     </p:extLst>
   </p:cSld>

--- a/Report & PPT/Project Work/Ppt/Callify Synopsis.pptx
+++ b/Report & PPT/Project Work/Ppt/Callify Synopsis.pptx
@@ -9,10 +9,10 @@
     <p:sldMasterId id="2147483699" r:id="rId5"/>
   </p:sldMasterIdLst>
   <p:notesMasterIdLst>
-    <p:notesMasterId r:id="rId29"/>
+    <p:notesMasterId r:id="rId28"/>
   </p:notesMasterIdLst>
   <p:handoutMasterIdLst>
-    <p:handoutMasterId r:id="rId30"/>
+    <p:handoutMasterId r:id="rId29"/>
   </p:handoutMasterIdLst>
   <p:sldIdLst>
     <p:sldId id="300" r:id="rId6"/>
@@ -21,23 +21,22 @@
     <p:sldId id="302" r:id="rId9"/>
     <p:sldId id="304" r:id="rId10"/>
     <p:sldId id="284" r:id="rId11"/>
-    <p:sldId id="285" r:id="rId12"/>
-    <p:sldId id="315" r:id="rId13"/>
-    <p:sldId id="286" r:id="rId14"/>
-    <p:sldId id="307" r:id="rId15"/>
-    <p:sldId id="291" r:id="rId16"/>
-    <p:sldId id="292" r:id="rId17"/>
-    <p:sldId id="293" r:id="rId18"/>
-    <p:sldId id="294" r:id="rId19"/>
-    <p:sldId id="313" r:id="rId20"/>
-    <p:sldId id="314" r:id="rId21"/>
-    <p:sldId id="297" r:id="rId22"/>
-    <p:sldId id="299" r:id="rId23"/>
-    <p:sldId id="298" r:id="rId24"/>
-    <p:sldId id="287" r:id="rId25"/>
-    <p:sldId id="290" r:id="rId26"/>
-    <p:sldId id="312" r:id="rId27"/>
-    <p:sldId id="289" r:id="rId28"/>
+    <p:sldId id="315" r:id="rId12"/>
+    <p:sldId id="286" r:id="rId13"/>
+    <p:sldId id="307" r:id="rId14"/>
+    <p:sldId id="291" r:id="rId15"/>
+    <p:sldId id="292" r:id="rId16"/>
+    <p:sldId id="293" r:id="rId17"/>
+    <p:sldId id="294" r:id="rId18"/>
+    <p:sldId id="313" r:id="rId19"/>
+    <p:sldId id="314" r:id="rId20"/>
+    <p:sldId id="297" r:id="rId21"/>
+    <p:sldId id="299" r:id="rId22"/>
+    <p:sldId id="298" r:id="rId23"/>
+    <p:sldId id="287" r:id="rId24"/>
+    <p:sldId id="290" r:id="rId25"/>
+    <p:sldId id="312" r:id="rId26"/>
+    <p:sldId id="289" r:id="rId27"/>
   </p:sldIdLst>
   <p:sldSz cx="12192000" cy="6858000"/>
   <p:notesSz cx="6858000" cy="9144000"/>
@@ -3802,7 +3801,7 @@
     </p:spTree>
     <p:extLst>
       <p:ext uri="{BB962C8B-B14F-4D97-AF65-F5344CB8AC3E}">
-        <p14:creationId xmlns:p14="http://schemas.microsoft.com/office/powerpoint/2010/main" val="2129072402"/>
+        <p14:creationId xmlns:p14="http://schemas.microsoft.com/office/powerpoint/2010/main" val="1750939175"/>
       </p:ext>
     </p:extLst>
   </p:cSld>
@@ -3892,7 +3891,7 @@
     </p:spTree>
     <p:extLst>
       <p:ext uri="{BB962C8B-B14F-4D97-AF65-F5344CB8AC3E}">
-        <p14:creationId xmlns:p14="http://schemas.microsoft.com/office/powerpoint/2010/main" val="1750939175"/>
+        <p14:creationId xmlns:p14="http://schemas.microsoft.com/office/powerpoint/2010/main" val="187069949"/>
       </p:ext>
     </p:extLst>
   </p:cSld>
@@ -3982,7 +3981,7 @@
     </p:spTree>
     <p:extLst>
       <p:ext uri="{BB962C8B-B14F-4D97-AF65-F5344CB8AC3E}">
-        <p14:creationId xmlns:p14="http://schemas.microsoft.com/office/powerpoint/2010/main" val="187069949"/>
+        <p14:creationId xmlns:p14="http://schemas.microsoft.com/office/powerpoint/2010/main" val="1825597563"/>
       </p:ext>
     </p:extLst>
   </p:cSld>
@@ -3993,96 +3992,6 @@
 </file>
 
 <file path=ppt/notesSlides/notesSlide13.xml><?xml version="1.0" encoding="utf-8"?>
-<p:notes xmlns:a="http://schemas.openxmlformats.org/drawingml/2006/main" xmlns:r="http://schemas.openxmlformats.org/officeDocument/2006/relationships" xmlns:p="http://schemas.openxmlformats.org/presentationml/2006/main">
-  <p:cSld>
-    <p:spTree>
-      <p:nvGrpSpPr>
-        <p:cNvPr id="1" name=""/>
-        <p:cNvGrpSpPr/>
-        <p:nvPr/>
-      </p:nvGrpSpPr>
-      <p:grpSpPr>
-        <a:xfrm>
-          <a:off x="0" y="0"/>
-          <a:ext cx="0" cy="0"/>
-          <a:chOff x="0" y="0"/>
-          <a:chExt cx="0" cy="0"/>
-        </a:xfrm>
-      </p:grpSpPr>
-      <p:sp>
-        <p:nvSpPr>
-          <p:cNvPr id="2" name="Slide Image Placeholder 1"/>
-          <p:cNvSpPr>
-            <a:spLocks noGrp="1" noRot="1" noChangeAspect="1"/>
-          </p:cNvSpPr>
-          <p:nvPr>
-            <p:ph type="sldImg"/>
-          </p:nvPr>
-        </p:nvSpPr>
-        <p:spPr>
-          <a:xfrm>
-            <a:off x="685800" y="1143000"/>
-            <a:ext cx="5486400" cy="3086100"/>
-          </a:xfrm>
-        </p:spPr>
-      </p:sp>
-      <p:sp>
-        <p:nvSpPr>
-          <p:cNvPr id="3" name="Notes Placeholder 2"/>
-          <p:cNvSpPr>
-            <a:spLocks noGrp="1"/>
-          </p:cNvSpPr>
-          <p:nvPr>
-            <p:ph type="body" idx="1"/>
-          </p:nvPr>
-        </p:nvSpPr>
-        <p:spPr/>
-        <p:txBody>
-          <a:bodyPr/>
-          <a:lstStyle/>
-          <a:p>
-            <a:endParaRPr lang="en-IN" dirty="0"/>
-          </a:p>
-        </p:txBody>
-      </p:sp>
-      <p:sp>
-        <p:nvSpPr>
-          <p:cNvPr id="4" name="Slide Number Placeholder 3"/>
-          <p:cNvSpPr>
-            <a:spLocks noGrp="1"/>
-          </p:cNvSpPr>
-          <p:nvPr>
-            <p:ph type="sldNum" sz="quarter" idx="10"/>
-          </p:nvPr>
-        </p:nvSpPr>
-        <p:spPr/>
-        <p:txBody>
-          <a:bodyPr/>
-          <a:lstStyle/>
-          <a:p>
-            <a:fld id="{7782813F-5D25-4BB6-888C-4601F85758C5}" type="slidenum">
-              <a:rPr lang="en-IN" smtClean="0"/>
-              <a:pPr/>
-              <a:t>14</a:t>
-            </a:fld>
-            <a:endParaRPr lang="en-IN"/>
-          </a:p>
-        </p:txBody>
-      </p:sp>
-    </p:spTree>
-    <p:extLst>
-      <p:ext uri="{BB962C8B-B14F-4D97-AF65-F5344CB8AC3E}">
-        <p14:creationId xmlns:p14="http://schemas.microsoft.com/office/powerpoint/2010/main" val="1825597563"/>
-      </p:ext>
-    </p:extLst>
-  </p:cSld>
-  <p:clrMapOvr>
-    <a:masterClrMapping/>
-  </p:clrMapOvr>
-</p:notes>
-</file>
-
-<file path=ppt/notesSlides/notesSlide14.xml><?xml version="1.0" encoding="utf-8"?>
 <p:notes xmlns:a="http://schemas.openxmlformats.org/drawingml/2006/main" xmlns:r="http://schemas.openxmlformats.org/officeDocument/2006/relationships" xmlns:p="http://schemas.openxmlformats.org/presentationml/2006/main">
   <p:cSld>
     <p:spTree>
@@ -4177,7 +4086,7 @@
             <a:fld id="{7782813F-5D25-4BB6-888C-4601F85758C5}" type="slidenum">
               <a:rPr lang="en-IN" smtClean="0"/>
               <a:pPr/>
-              <a:t>15</a:t>
+              <a:t>14</a:t>
             </a:fld>
             <a:endParaRPr lang="en-IN"/>
           </a:p>
@@ -4196,7 +4105,7 @@
 </p:notes>
 </file>
 
-<file path=ppt/notesSlides/notesSlide15.xml><?xml version="1.0" encoding="utf-8"?>
+<file path=ppt/notesSlides/notesSlide14.xml><?xml version="1.0" encoding="utf-8"?>
 <p:notes xmlns:a="http://schemas.openxmlformats.org/drawingml/2006/main" xmlns:r="http://schemas.openxmlformats.org/officeDocument/2006/relationships" xmlns:p="http://schemas.openxmlformats.org/presentationml/2006/main">
   <p:cSld>
     <p:spTree>
@@ -4291,7 +4200,7 @@
             <a:fld id="{7782813F-5D25-4BB6-888C-4601F85758C5}" type="slidenum">
               <a:rPr lang="en-IN" smtClean="0"/>
               <a:pPr/>
-              <a:t>16</a:t>
+              <a:t>15</a:t>
             </a:fld>
             <a:endParaRPr lang="en-IN"/>
           </a:p>
@@ -4310,7 +4219,7 @@
 </p:notes>
 </file>
 
-<file path=ppt/notesSlides/notesSlide16.xml><?xml version="1.0" encoding="utf-8"?>
+<file path=ppt/notesSlides/notesSlide15.xml><?xml version="1.0" encoding="utf-8"?>
 <p:notes xmlns:a="http://schemas.openxmlformats.org/drawingml/2006/main" xmlns:r="http://schemas.openxmlformats.org/officeDocument/2006/relationships" xmlns:p="http://schemas.openxmlformats.org/presentationml/2006/main">
   <p:cSld>
     <p:spTree>
@@ -4381,7 +4290,7 @@
             <a:fld id="{7782813F-5D25-4BB6-888C-4601F85758C5}" type="slidenum">
               <a:rPr lang="en-IN" smtClean="0"/>
               <a:pPr/>
-              <a:t>17</a:t>
+              <a:t>16</a:t>
             </a:fld>
             <a:endParaRPr lang="en-IN"/>
           </a:p>
@@ -4400,7 +4309,7 @@
 </p:notes>
 </file>
 
-<file path=ppt/notesSlides/notesSlide17.xml><?xml version="1.0" encoding="utf-8"?>
+<file path=ppt/notesSlides/notesSlide16.xml><?xml version="1.0" encoding="utf-8"?>
 <p:notes xmlns:a="http://schemas.openxmlformats.org/drawingml/2006/main" xmlns:r="http://schemas.openxmlformats.org/officeDocument/2006/relationships" xmlns:p="http://schemas.openxmlformats.org/presentationml/2006/main">
   <p:cSld>
     <p:spTree>
@@ -4495,7 +4404,7 @@
             <a:fld id="{7782813F-5D25-4BB6-888C-4601F85758C5}" type="slidenum">
               <a:rPr lang="en-IN" smtClean="0"/>
               <a:pPr/>
-              <a:t>18</a:t>
+              <a:t>17</a:t>
             </a:fld>
             <a:endParaRPr lang="en-IN"/>
           </a:p>
@@ -4505,6 +4414,96 @@
     <p:extLst>
       <p:ext uri="{BB962C8B-B14F-4D97-AF65-F5344CB8AC3E}">
         <p14:creationId xmlns:p14="http://schemas.microsoft.com/office/powerpoint/2010/main" val="1385711578"/>
+      </p:ext>
+    </p:extLst>
+  </p:cSld>
+  <p:clrMapOvr>
+    <a:masterClrMapping/>
+  </p:clrMapOvr>
+</p:notes>
+</file>
+
+<file path=ppt/notesSlides/notesSlide17.xml><?xml version="1.0" encoding="utf-8"?>
+<p:notes xmlns:a="http://schemas.openxmlformats.org/drawingml/2006/main" xmlns:r="http://schemas.openxmlformats.org/officeDocument/2006/relationships" xmlns:p="http://schemas.openxmlformats.org/presentationml/2006/main">
+  <p:cSld>
+    <p:spTree>
+      <p:nvGrpSpPr>
+        <p:cNvPr id="1" name=""/>
+        <p:cNvGrpSpPr/>
+        <p:nvPr/>
+      </p:nvGrpSpPr>
+      <p:grpSpPr>
+        <a:xfrm>
+          <a:off x="0" y="0"/>
+          <a:ext cx="0" cy="0"/>
+          <a:chOff x="0" y="0"/>
+          <a:chExt cx="0" cy="0"/>
+        </a:xfrm>
+      </p:grpSpPr>
+      <p:sp>
+        <p:nvSpPr>
+          <p:cNvPr id="2" name="Slide Image Placeholder 1"/>
+          <p:cNvSpPr>
+            <a:spLocks noGrp="1" noRot="1" noChangeAspect="1"/>
+          </p:cNvSpPr>
+          <p:nvPr>
+            <p:ph type="sldImg"/>
+          </p:nvPr>
+        </p:nvSpPr>
+        <p:spPr>
+          <a:xfrm>
+            <a:off x="685800" y="1143000"/>
+            <a:ext cx="5486400" cy="3086100"/>
+          </a:xfrm>
+        </p:spPr>
+      </p:sp>
+      <p:sp>
+        <p:nvSpPr>
+          <p:cNvPr id="3" name="Notes Placeholder 2"/>
+          <p:cNvSpPr>
+            <a:spLocks noGrp="1"/>
+          </p:cNvSpPr>
+          <p:nvPr>
+            <p:ph type="body" idx="1"/>
+          </p:nvPr>
+        </p:nvSpPr>
+        <p:spPr/>
+        <p:txBody>
+          <a:bodyPr/>
+          <a:lstStyle/>
+          <a:p>
+            <a:endParaRPr lang="en-IN" dirty="0"/>
+          </a:p>
+        </p:txBody>
+      </p:sp>
+      <p:sp>
+        <p:nvSpPr>
+          <p:cNvPr id="4" name="Slide Number Placeholder 3"/>
+          <p:cNvSpPr>
+            <a:spLocks noGrp="1"/>
+          </p:cNvSpPr>
+          <p:nvPr>
+            <p:ph type="sldNum" sz="quarter" idx="10"/>
+          </p:nvPr>
+        </p:nvSpPr>
+        <p:spPr/>
+        <p:txBody>
+          <a:bodyPr/>
+          <a:lstStyle/>
+          <a:p>
+            <a:fld id="{7782813F-5D25-4BB6-888C-4601F85758C5}" type="slidenum">
+              <a:rPr lang="en-IN" smtClean="0"/>
+              <a:pPr/>
+              <a:t>18</a:t>
+            </a:fld>
+            <a:endParaRPr lang="en-IN"/>
+          </a:p>
+        </p:txBody>
+      </p:sp>
+    </p:spTree>
+    <p:extLst>
+      <p:ext uri="{BB962C8B-B14F-4D97-AF65-F5344CB8AC3E}">
+        <p14:creationId xmlns:p14="http://schemas.microsoft.com/office/powerpoint/2010/main" val="3214208214"/>
       </p:ext>
     </p:extLst>
   </p:cSld>
@@ -4594,7 +4593,7 @@
     </p:spTree>
     <p:extLst>
       <p:ext uri="{BB962C8B-B14F-4D97-AF65-F5344CB8AC3E}">
-        <p14:creationId xmlns:p14="http://schemas.microsoft.com/office/powerpoint/2010/main" val="3214208214"/>
+        <p14:creationId xmlns:p14="http://schemas.microsoft.com/office/powerpoint/2010/main" val="360630582"/>
       </p:ext>
     </p:extLst>
   </p:cSld>
@@ -4684,7 +4683,7 @@
     </p:spTree>
     <p:extLst>
       <p:ext uri="{BB962C8B-B14F-4D97-AF65-F5344CB8AC3E}">
-        <p14:creationId xmlns:p14="http://schemas.microsoft.com/office/powerpoint/2010/main" val="360630582"/>
+        <p14:creationId xmlns:p14="http://schemas.microsoft.com/office/powerpoint/2010/main" val="1104650847"/>
       </p:ext>
     </p:extLst>
   </p:cSld>
@@ -4789,96 +4788,6 @@
   <p:cSld>
     <p:spTree>
       <p:nvGrpSpPr>
-        <p:cNvPr id="1" name=""/>
-        <p:cNvGrpSpPr/>
-        <p:nvPr/>
-      </p:nvGrpSpPr>
-      <p:grpSpPr>
-        <a:xfrm>
-          <a:off x="0" y="0"/>
-          <a:ext cx="0" cy="0"/>
-          <a:chOff x="0" y="0"/>
-          <a:chExt cx="0" cy="0"/>
-        </a:xfrm>
-      </p:grpSpPr>
-      <p:sp>
-        <p:nvSpPr>
-          <p:cNvPr id="2" name="Slide Image Placeholder 1"/>
-          <p:cNvSpPr>
-            <a:spLocks noGrp="1" noRot="1" noChangeAspect="1"/>
-          </p:cNvSpPr>
-          <p:nvPr>
-            <p:ph type="sldImg"/>
-          </p:nvPr>
-        </p:nvSpPr>
-        <p:spPr>
-          <a:xfrm>
-            <a:off x="685800" y="1143000"/>
-            <a:ext cx="5486400" cy="3086100"/>
-          </a:xfrm>
-        </p:spPr>
-      </p:sp>
-      <p:sp>
-        <p:nvSpPr>
-          <p:cNvPr id="3" name="Notes Placeholder 2"/>
-          <p:cNvSpPr>
-            <a:spLocks noGrp="1"/>
-          </p:cNvSpPr>
-          <p:nvPr>
-            <p:ph type="body" idx="1"/>
-          </p:nvPr>
-        </p:nvSpPr>
-        <p:spPr/>
-        <p:txBody>
-          <a:bodyPr/>
-          <a:lstStyle/>
-          <a:p>
-            <a:endParaRPr lang="en-IN" dirty="0"/>
-          </a:p>
-        </p:txBody>
-      </p:sp>
-      <p:sp>
-        <p:nvSpPr>
-          <p:cNvPr id="4" name="Slide Number Placeholder 3"/>
-          <p:cNvSpPr>
-            <a:spLocks noGrp="1"/>
-          </p:cNvSpPr>
-          <p:nvPr>
-            <p:ph type="sldNum" sz="quarter" idx="10"/>
-          </p:nvPr>
-        </p:nvSpPr>
-        <p:spPr/>
-        <p:txBody>
-          <a:bodyPr/>
-          <a:lstStyle/>
-          <a:p>
-            <a:fld id="{7782813F-5D25-4BB6-888C-4601F85758C5}" type="slidenum">
-              <a:rPr lang="en-IN" smtClean="0"/>
-              <a:pPr/>
-              <a:t>21</a:t>
-            </a:fld>
-            <a:endParaRPr lang="en-IN"/>
-          </a:p>
-        </p:txBody>
-      </p:sp>
-    </p:spTree>
-    <p:extLst>
-      <p:ext uri="{BB962C8B-B14F-4D97-AF65-F5344CB8AC3E}">
-        <p14:creationId xmlns:p14="http://schemas.microsoft.com/office/powerpoint/2010/main" val="1104650847"/>
-      </p:ext>
-    </p:extLst>
-  </p:cSld>
-  <p:clrMapOvr>
-    <a:masterClrMapping/>
-  </p:clrMapOvr>
-</p:notes>
-</file>
-
-<file path=ppt/notesSlides/notesSlide21.xml><?xml version="1.0" encoding="utf-8"?>
-<p:notes xmlns:a="http://schemas.openxmlformats.org/drawingml/2006/main" xmlns:r="http://schemas.openxmlformats.org/officeDocument/2006/relationships" xmlns:p="http://schemas.openxmlformats.org/presentationml/2006/main">
-  <p:cSld>
-    <p:spTree>
-      <p:nvGrpSpPr>
         <p:cNvPr id="1" name="">
           <a:extLst>
             <a:ext uri="{FF2B5EF4-FFF2-40B4-BE49-F238E27FC236}">
@@ -4969,7 +4878,7 @@
             <a:fld id="{7782813F-5D25-4BB6-888C-4601F85758C5}" type="slidenum">
               <a:rPr lang="en-IN" smtClean="0"/>
               <a:pPr/>
-              <a:t>22</a:t>
+              <a:t>21</a:t>
             </a:fld>
             <a:endParaRPr lang="en-IN"/>
           </a:p>
@@ -4988,7 +4897,7 @@
 </p:notes>
 </file>
 
-<file path=ppt/notesSlides/notesSlide22.xml><?xml version="1.0" encoding="utf-8"?>
+<file path=ppt/notesSlides/notesSlide21.xml><?xml version="1.0" encoding="utf-8"?>
 <p:notes xmlns:a="http://schemas.openxmlformats.org/drawingml/2006/main" xmlns:r="http://schemas.openxmlformats.org/officeDocument/2006/relationships" xmlns:p="http://schemas.openxmlformats.org/presentationml/2006/main">
   <p:cSld>
     <p:spTree>
@@ -5059,7 +4968,7 @@
             <a:fld id="{7782813F-5D25-4BB6-888C-4601F85758C5}" type="slidenum">
               <a:rPr lang="en-IN" smtClean="0"/>
               <a:pPr/>
-              <a:t>23</a:t>
+              <a:t>22</a:t>
             </a:fld>
             <a:endParaRPr lang="en-IN"/>
           </a:p>
@@ -5401,96 +5310,6 @@
   <p:cSld>
     <p:spTree>
       <p:nvGrpSpPr>
-        <p:cNvPr id="1" name=""/>
-        <p:cNvGrpSpPr/>
-        <p:nvPr/>
-      </p:nvGrpSpPr>
-      <p:grpSpPr>
-        <a:xfrm>
-          <a:off x="0" y="0"/>
-          <a:ext cx="0" cy="0"/>
-          <a:chOff x="0" y="0"/>
-          <a:chExt cx="0" cy="0"/>
-        </a:xfrm>
-      </p:grpSpPr>
-      <p:sp>
-        <p:nvSpPr>
-          <p:cNvPr id="2" name="Slide Image Placeholder 1"/>
-          <p:cNvSpPr>
-            <a:spLocks noGrp="1" noRot="1" noChangeAspect="1"/>
-          </p:cNvSpPr>
-          <p:nvPr>
-            <p:ph type="sldImg"/>
-          </p:nvPr>
-        </p:nvSpPr>
-        <p:spPr>
-          <a:xfrm>
-            <a:off x="685800" y="1143000"/>
-            <a:ext cx="5486400" cy="3086100"/>
-          </a:xfrm>
-        </p:spPr>
-      </p:sp>
-      <p:sp>
-        <p:nvSpPr>
-          <p:cNvPr id="3" name="Notes Placeholder 2"/>
-          <p:cNvSpPr>
-            <a:spLocks noGrp="1"/>
-          </p:cNvSpPr>
-          <p:nvPr>
-            <p:ph type="body" idx="1"/>
-          </p:nvPr>
-        </p:nvSpPr>
-        <p:spPr/>
-        <p:txBody>
-          <a:bodyPr/>
-          <a:lstStyle/>
-          <a:p>
-            <a:endParaRPr lang="en-IN" dirty="0"/>
-          </a:p>
-        </p:txBody>
-      </p:sp>
-      <p:sp>
-        <p:nvSpPr>
-          <p:cNvPr id="4" name="Slide Number Placeholder 3"/>
-          <p:cNvSpPr>
-            <a:spLocks noGrp="1"/>
-          </p:cNvSpPr>
-          <p:nvPr>
-            <p:ph type="sldNum" sz="quarter" idx="10"/>
-          </p:nvPr>
-        </p:nvSpPr>
-        <p:spPr/>
-        <p:txBody>
-          <a:bodyPr/>
-          <a:lstStyle/>
-          <a:p>
-            <a:fld id="{7782813F-5D25-4BB6-888C-4601F85758C5}" type="slidenum">
-              <a:rPr lang="en-IN" smtClean="0"/>
-              <a:pPr/>
-              <a:t>7</a:t>
-            </a:fld>
-            <a:endParaRPr lang="en-IN"/>
-          </a:p>
-        </p:txBody>
-      </p:sp>
-    </p:spTree>
-    <p:extLst>
-      <p:ext uri="{BB962C8B-B14F-4D97-AF65-F5344CB8AC3E}">
-        <p14:creationId xmlns:p14="http://schemas.microsoft.com/office/powerpoint/2010/main" val="4175307956"/>
-      </p:ext>
-    </p:extLst>
-  </p:cSld>
-  <p:clrMapOvr>
-    <a:masterClrMapping/>
-  </p:clrMapOvr>
-</p:notes>
-</file>
-
-<file path=ppt/notesSlides/notesSlide7.xml><?xml version="1.0" encoding="utf-8"?>
-<p:notes xmlns:a="http://schemas.openxmlformats.org/drawingml/2006/main" xmlns:r="http://schemas.openxmlformats.org/officeDocument/2006/relationships" xmlns:p="http://schemas.openxmlformats.org/presentationml/2006/main">
-  <p:cSld>
-    <p:spTree>
-      <p:nvGrpSpPr>
         <p:cNvPr id="1" name="">
           <a:extLst>
             <a:ext uri="{FF2B5EF4-FFF2-40B4-BE49-F238E27FC236}">
@@ -5581,7 +5400,7 @@
             <a:fld id="{7782813F-5D25-4BB6-888C-4601F85758C5}" type="slidenum">
               <a:rPr lang="en-IN" smtClean="0"/>
               <a:pPr/>
-              <a:t>8</a:t>
+              <a:t>7</a:t>
             </a:fld>
             <a:endParaRPr lang="en-IN"/>
           </a:p>
@@ -5600,7 +5419,7 @@
 </p:notes>
 </file>
 
-<file path=ppt/notesSlides/notesSlide8.xml><?xml version="1.0" encoding="utf-8"?>
+<file path=ppt/notesSlides/notesSlide7.xml><?xml version="1.0" encoding="utf-8"?>
 <p:notes xmlns:a="http://schemas.openxmlformats.org/drawingml/2006/main" xmlns:r="http://schemas.openxmlformats.org/officeDocument/2006/relationships" xmlns:p="http://schemas.openxmlformats.org/presentationml/2006/main">
   <p:cSld>
     <p:spTree>
@@ -5671,7 +5490,7 @@
             <a:fld id="{7782813F-5D25-4BB6-888C-4601F85758C5}" type="slidenum">
               <a:rPr lang="en-IN" smtClean="0"/>
               <a:pPr/>
-              <a:t>9</a:t>
+              <a:t>8</a:t>
             </a:fld>
             <a:endParaRPr lang="en-IN"/>
           </a:p>
@@ -5690,7 +5509,7 @@
 </p:notes>
 </file>
 
-<file path=ppt/notesSlides/notesSlide9.xml><?xml version="1.0" encoding="utf-8"?>
+<file path=ppt/notesSlides/notesSlide8.xml><?xml version="1.0" encoding="utf-8"?>
 <p:notes xmlns:a="http://schemas.openxmlformats.org/drawingml/2006/main" xmlns:r="http://schemas.openxmlformats.org/officeDocument/2006/relationships" xmlns:p="http://schemas.openxmlformats.org/presentationml/2006/main">
   <p:cSld>
     <p:spTree>
@@ -5785,7 +5604,7 @@
             <a:fld id="{7782813F-5D25-4BB6-888C-4601F85758C5}" type="slidenum">
               <a:rPr lang="en-IN" smtClean="0"/>
               <a:pPr/>
-              <a:t>10</a:t>
+              <a:t>9</a:t>
             </a:fld>
             <a:endParaRPr lang="en-IN"/>
           </a:p>
@@ -5795,6 +5614,96 @@
     <p:extLst>
       <p:ext uri="{BB962C8B-B14F-4D97-AF65-F5344CB8AC3E}">
         <p14:creationId xmlns:p14="http://schemas.microsoft.com/office/powerpoint/2010/main" val="4056014462"/>
+      </p:ext>
+    </p:extLst>
+  </p:cSld>
+  <p:clrMapOvr>
+    <a:masterClrMapping/>
+  </p:clrMapOvr>
+</p:notes>
+</file>
+
+<file path=ppt/notesSlides/notesSlide9.xml><?xml version="1.0" encoding="utf-8"?>
+<p:notes xmlns:a="http://schemas.openxmlformats.org/drawingml/2006/main" xmlns:r="http://schemas.openxmlformats.org/officeDocument/2006/relationships" xmlns:p="http://schemas.openxmlformats.org/presentationml/2006/main">
+  <p:cSld>
+    <p:spTree>
+      <p:nvGrpSpPr>
+        <p:cNvPr id="1" name=""/>
+        <p:cNvGrpSpPr/>
+        <p:nvPr/>
+      </p:nvGrpSpPr>
+      <p:grpSpPr>
+        <a:xfrm>
+          <a:off x="0" y="0"/>
+          <a:ext cx="0" cy="0"/>
+          <a:chOff x="0" y="0"/>
+          <a:chExt cx="0" cy="0"/>
+        </a:xfrm>
+      </p:grpSpPr>
+      <p:sp>
+        <p:nvSpPr>
+          <p:cNvPr id="2" name="Slide Image Placeholder 1"/>
+          <p:cNvSpPr>
+            <a:spLocks noGrp="1" noRot="1" noChangeAspect="1"/>
+          </p:cNvSpPr>
+          <p:nvPr>
+            <p:ph type="sldImg"/>
+          </p:nvPr>
+        </p:nvSpPr>
+        <p:spPr>
+          <a:xfrm>
+            <a:off x="685800" y="1143000"/>
+            <a:ext cx="5486400" cy="3086100"/>
+          </a:xfrm>
+        </p:spPr>
+      </p:sp>
+      <p:sp>
+        <p:nvSpPr>
+          <p:cNvPr id="3" name="Notes Placeholder 2"/>
+          <p:cNvSpPr>
+            <a:spLocks noGrp="1"/>
+          </p:cNvSpPr>
+          <p:nvPr>
+            <p:ph type="body" idx="1"/>
+          </p:nvPr>
+        </p:nvSpPr>
+        <p:spPr/>
+        <p:txBody>
+          <a:bodyPr/>
+          <a:lstStyle/>
+          <a:p>
+            <a:endParaRPr lang="en-IN" dirty="0"/>
+          </a:p>
+        </p:txBody>
+      </p:sp>
+      <p:sp>
+        <p:nvSpPr>
+          <p:cNvPr id="4" name="Slide Number Placeholder 3"/>
+          <p:cNvSpPr>
+            <a:spLocks noGrp="1"/>
+          </p:cNvSpPr>
+          <p:nvPr>
+            <p:ph type="sldNum" sz="quarter" idx="10"/>
+          </p:nvPr>
+        </p:nvSpPr>
+        <p:spPr/>
+        <p:txBody>
+          <a:bodyPr/>
+          <a:lstStyle/>
+          <a:p>
+            <a:fld id="{7782813F-5D25-4BB6-888C-4601F85758C5}" type="slidenum">
+              <a:rPr lang="en-IN" smtClean="0"/>
+              <a:pPr/>
+              <a:t>10</a:t>
+            </a:fld>
+            <a:endParaRPr lang="en-IN"/>
+          </a:p>
+        </p:txBody>
+      </p:sp>
+    </p:spTree>
+    <p:extLst>
+      <p:ext uri="{BB962C8B-B14F-4D97-AF65-F5344CB8AC3E}">
+        <p14:creationId xmlns:p14="http://schemas.microsoft.com/office/powerpoint/2010/main" val="2129072402"/>
       </p:ext>
     </p:extLst>
   </p:cSld>
@@ -20919,732 +20828,6 @@
   <p:cSld>
     <p:spTree>
       <p:nvGrpSpPr>
-        <p:cNvPr id="1" name="">
-          <a:extLst>
-            <a:ext uri="{FF2B5EF4-FFF2-40B4-BE49-F238E27FC236}">
-              <a16:creationId xmlns:a16="http://schemas.microsoft.com/office/drawing/2014/main" id="{25279D53-2711-7F5B-8DC4-1E7211C9071C}"/>
-            </a:ext>
-          </a:extLst>
-        </p:cNvPr>
-        <p:cNvGrpSpPr/>
-        <p:nvPr/>
-      </p:nvGrpSpPr>
-      <p:grpSpPr>
-        <a:xfrm>
-          <a:off x="0" y="0"/>
-          <a:ext cx="0" cy="0"/>
-          <a:chOff x="0" y="0"/>
-          <a:chExt cx="0" cy="0"/>
-        </a:xfrm>
-      </p:grpSpPr>
-      <p:sp>
-        <p:nvSpPr>
-          <p:cNvPr id="5" name="Rectangle">
-            <a:extLst>
-              <a:ext uri="{FF2B5EF4-FFF2-40B4-BE49-F238E27FC236}">
-                <a16:creationId xmlns:a16="http://schemas.microsoft.com/office/drawing/2014/main" id="{FB42002A-DAEA-F933-EEF0-F6CC90EDFD7B}"/>
-              </a:ext>
-            </a:extLst>
-          </p:cNvPr>
-          <p:cNvSpPr/>
-          <p:nvPr/>
-        </p:nvSpPr>
-        <p:spPr>
-          <a:xfrm flipH="1">
-            <a:off x="-24000" y="-2"/>
-            <a:ext cx="2469463" cy="6858000"/>
-          </a:xfrm>
-          <a:prstGeom prst="rect">
-            <a:avLst/>
-          </a:prstGeom>
-          <a:solidFill>
-            <a:srgbClr val="F28E01"/>
-          </a:solidFill>
-          <a:ln w="12700">
-            <a:miter lim="400000"/>
-          </a:ln>
-        </p:spPr>
-        <p:txBody>
-          <a:bodyPr lIns="50800" tIns="50800" rIns="50800" bIns="50800" anchor="ctr"/>
-          <a:lstStyle/>
-          <a:p>
-            <a:pPr defTabSz="1130300">
-              <a:defRPr sz="3200">
-                <a:solidFill>
-                  <a:srgbClr val="FFFFFF"/>
-                </a:solidFill>
-                <a:latin typeface="Graphik"/>
-                <a:ea typeface="Graphik"/>
-                <a:cs typeface="Graphik"/>
-                <a:sym typeface="Graphik"/>
-              </a:defRPr>
-            </a:pPr>
-            <a:endParaRPr sz="3200" baseline="-25000"/>
-          </a:p>
-        </p:txBody>
-      </p:sp>
-      <p:sp>
-        <p:nvSpPr>
-          <p:cNvPr id="8" name="Rectangle">
-            <a:extLst>
-              <a:ext uri="{FF2B5EF4-FFF2-40B4-BE49-F238E27FC236}">
-                <a16:creationId xmlns:a16="http://schemas.microsoft.com/office/drawing/2014/main" id="{786C7033-38FB-AA7F-326F-1A5661D067E9}"/>
-              </a:ext>
-            </a:extLst>
-          </p:cNvPr>
-          <p:cNvSpPr/>
-          <p:nvPr/>
-        </p:nvSpPr>
-        <p:spPr>
-          <a:xfrm flipH="1">
-            <a:off x="11496000" y="1"/>
-            <a:ext cx="257907" cy="6858000"/>
-          </a:xfrm>
-          <a:prstGeom prst="rect">
-            <a:avLst/>
-          </a:prstGeom>
-          <a:solidFill>
-            <a:srgbClr val="F28E01"/>
-          </a:solidFill>
-          <a:ln w="12700">
-            <a:miter lim="400000"/>
-          </a:ln>
-        </p:spPr>
-        <p:txBody>
-          <a:bodyPr lIns="50800" tIns="50800" rIns="50800" bIns="50800" anchor="ctr"/>
-          <a:lstStyle/>
-          <a:p>
-            <a:pPr defTabSz="1130300">
-              <a:defRPr sz="3300">
-                <a:solidFill>
-                  <a:srgbClr val="FFFFFF"/>
-                </a:solidFill>
-                <a:latin typeface="Graphik"/>
-                <a:ea typeface="Graphik"/>
-                <a:cs typeface="Graphik"/>
-                <a:sym typeface="Graphik"/>
-              </a:defRPr>
-            </a:pPr>
-            <a:endParaRPr sz="3300"/>
-          </a:p>
-        </p:txBody>
-      </p:sp>
-      <p:grpSp>
-        <p:nvGrpSpPr>
-          <p:cNvPr id="3" name="Group 19">
-            <a:extLst>
-              <a:ext uri="{FF2B5EF4-FFF2-40B4-BE49-F238E27FC236}">
-                <a16:creationId xmlns:a16="http://schemas.microsoft.com/office/drawing/2014/main" id="{402D6366-36AF-2EBF-E780-E550B0DD3852}"/>
-              </a:ext>
-            </a:extLst>
-          </p:cNvPr>
-          <p:cNvGrpSpPr/>
-          <p:nvPr/>
-        </p:nvGrpSpPr>
-        <p:grpSpPr>
-          <a:xfrm>
-            <a:off x="122050" y="1474470"/>
-            <a:ext cx="2209165" cy="3067050"/>
-            <a:chOff x="230" y="2322"/>
-            <a:chExt cx="3479" cy="4830"/>
-          </a:xfrm>
-        </p:grpSpPr>
-        <p:sp>
-          <p:nvSpPr>
-            <p:cNvPr id="21" name="Rectangle">
-              <a:extLst>
-                <a:ext uri="{FF2B5EF4-FFF2-40B4-BE49-F238E27FC236}">
-                  <a16:creationId xmlns:a16="http://schemas.microsoft.com/office/drawing/2014/main" id="{7AFEEEB4-4131-9CA6-42CB-05D48718CA3D}"/>
-                </a:ext>
-              </a:extLst>
-            </p:cNvPr>
-            <p:cNvSpPr/>
-            <p:nvPr/>
-          </p:nvSpPr>
-          <p:spPr>
-            <a:xfrm flipH="1">
-              <a:off x="1099" y="2322"/>
-              <a:ext cx="2611" cy="2465"/>
-            </a:xfrm>
-            <a:prstGeom prst="rect">
-              <a:avLst/>
-            </a:prstGeom>
-            <a:solidFill>
-              <a:schemeClr val="bg1"/>
-            </a:solidFill>
-            <a:ln w="12700">
-              <a:miter lim="400000"/>
-            </a:ln>
-          </p:spPr>
-          <p:txBody>
-            <a:bodyPr lIns="50800" tIns="50800" rIns="50800" bIns="50800" anchor="ctr"/>
-            <a:lstStyle/>
-            <a:p>
-              <a:pPr defTabSz="1130300">
-                <a:defRPr sz="3200">
-                  <a:solidFill>
-                    <a:srgbClr val="FFFFFF"/>
-                  </a:solidFill>
-                  <a:latin typeface="Graphik"/>
-                  <a:ea typeface="Graphik"/>
-                  <a:cs typeface="Graphik"/>
-                  <a:sym typeface="Graphik"/>
-                </a:defRPr>
-              </a:pPr>
-              <a:endParaRPr sz="3200" baseline="-25000"/>
-            </a:p>
-          </p:txBody>
-        </p:sp>
-        <p:sp>
-          <p:nvSpPr>
-            <p:cNvPr id="22" name="Rectangle">
-              <a:extLst>
-                <a:ext uri="{FF2B5EF4-FFF2-40B4-BE49-F238E27FC236}">
-                  <a16:creationId xmlns:a16="http://schemas.microsoft.com/office/drawing/2014/main" id="{07AE3839-E6EA-C1CE-4CE0-408E07EABB29}"/>
-                </a:ext>
-              </a:extLst>
-            </p:cNvPr>
-            <p:cNvSpPr/>
-            <p:nvPr/>
-          </p:nvSpPr>
-          <p:spPr>
-            <a:xfrm flipH="1">
-              <a:off x="230" y="2624"/>
-              <a:ext cx="3192" cy="4529"/>
-            </a:xfrm>
-            <a:prstGeom prst="rect">
-              <a:avLst/>
-            </a:prstGeom>
-            <a:solidFill>
-              <a:srgbClr val="585858"/>
-            </a:solidFill>
-            <a:ln w="12700">
-              <a:miter lim="400000"/>
-            </a:ln>
-          </p:spPr>
-          <p:txBody>
-            <a:bodyPr lIns="50800" tIns="50800" rIns="50800" bIns="50800" anchor="ctr"/>
-            <a:lstStyle/>
-            <a:p>
-              <a:pPr defTabSz="1130300">
-                <a:defRPr sz="3200">
-                  <a:solidFill>
-                    <a:srgbClr val="FFFFFF"/>
-                  </a:solidFill>
-                  <a:latin typeface="Graphik"/>
-                  <a:ea typeface="Graphik"/>
-                  <a:cs typeface="Graphik"/>
-                  <a:sym typeface="Graphik"/>
-                </a:defRPr>
-              </a:pPr>
-              <a:endParaRPr sz="3200" baseline="-25000" dirty="0"/>
-            </a:p>
-          </p:txBody>
-        </p:sp>
-        <p:pic>
-          <p:nvPicPr>
-            <p:cNvPr id="23" name="Image" descr="Image">
-              <a:extLst>
-                <a:ext uri="{FF2B5EF4-FFF2-40B4-BE49-F238E27FC236}">
-                  <a16:creationId xmlns:a16="http://schemas.microsoft.com/office/drawing/2014/main" id="{72F02E10-E1F7-EB78-F6CD-756AFBB3B290}"/>
-                </a:ext>
-              </a:extLst>
-            </p:cNvPr>
-            <p:cNvPicPr>
-              <a:picLocks noChangeAspect="1"/>
-            </p:cNvPicPr>
-            <p:nvPr/>
-          </p:nvPicPr>
-          <p:blipFill>
-            <a:blip r:embed="rId3" cstate="print"/>
-            <a:stretch>
-              <a:fillRect/>
-            </a:stretch>
-          </p:blipFill>
-          <p:spPr>
-            <a:xfrm>
-              <a:off x="987" y="3715"/>
-              <a:ext cx="1683" cy="1805"/>
-            </a:xfrm>
-            <a:prstGeom prst="rect">
-              <a:avLst/>
-            </a:prstGeom>
-            <a:ln w="12700">
-              <a:miter lim="400000"/>
-              <a:headEnd/>
-              <a:tailEnd/>
-            </a:ln>
-          </p:spPr>
-        </p:pic>
-      </p:grpSp>
-      <p:sp>
-        <p:nvSpPr>
-          <p:cNvPr id="4" name="TextBox 3">
-            <a:extLst>
-              <a:ext uri="{FF2B5EF4-FFF2-40B4-BE49-F238E27FC236}">
-                <a16:creationId xmlns:a16="http://schemas.microsoft.com/office/drawing/2014/main" id="{56F426FB-6CDE-43DD-D2D9-6F848DBC1FC7}"/>
-              </a:ext>
-            </a:extLst>
-          </p:cNvPr>
-          <p:cNvSpPr txBox="1"/>
-          <p:nvPr/>
-        </p:nvSpPr>
-        <p:spPr>
-          <a:xfrm>
-            <a:off x="336000" y="3643668"/>
-            <a:ext cx="1800000" cy="369332"/>
-          </a:xfrm>
-          <a:prstGeom prst="rect">
-            <a:avLst/>
-          </a:prstGeom>
-          <a:noFill/>
-        </p:spPr>
-        <p:txBody>
-          <a:bodyPr wrap="square" rtlCol="0">
-            <a:spAutoFit/>
-          </a:bodyPr>
-          <a:lstStyle/>
-          <a:p>
-            <a:r>
-              <a:rPr lang="en-US" dirty="0"/>
-              <a:t>    </a:t>
-            </a:r>
-            <a:r>
-              <a:rPr lang="en-US" dirty="0">
-                <a:solidFill>
-                  <a:schemeClr val="bg1"/>
-                </a:solidFill>
-              </a:rPr>
-              <a:t>Dept of CSE</a:t>
-            </a:r>
-          </a:p>
-        </p:txBody>
-      </p:sp>
-      <p:sp>
-        <p:nvSpPr>
-          <p:cNvPr id="14" name="Title 1">
-            <a:extLst>
-              <a:ext uri="{FF2B5EF4-FFF2-40B4-BE49-F238E27FC236}">
-                <a16:creationId xmlns:a16="http://schemas.microsoft.com/office/drawing/2014/main" id="{E39B5465-1B03-1032-FB47-D3DA2408EF06}"/>
-              </a:ext>
-            </a:extLst>
-          </p:cNvPr>
-          <p:cNvSpPr>
-            <a:spLocks noGrp="1"/>
-          </p:cNvSpPr>
-          <p:nvPr>
-            <p:ph type="title"/>
-          </p:nvPr>
-        </p:nvSpPr>
-        <p:spPr>
-          <a:xfrm>
-            <a:off x="2743200" y="381000"/>
-            <a:ext cx="8229600" cy="1143000"/>
-          </a:xfrm>
-        </p:spPr>
-        <p:txBody>
-          <a:bodyPr>
-            <a:normAutofit/>
-          </a:bodyPr>
-          <a:lstStyle/>
-          <a:p>
-            <a:r>
-              <a:rPr lang="en-IN" sz="4000" b="1" dirty="0">
-                <a:latin typeface="Times New Roman" panose="02020603050405020304" pitchFamily="18" charset="0"/>
-                <a:cs typeface="Times New Roman" panose="02020603050405020304" pitchFamily="18" charset="0"/>
-              </a:rPr>
-              <a:t>Deliverables and Impact</a:t>
-            </a:r>
-          </a:p>
-        </p:txBody>
-      </p:sp>
-      <p:sp>
-        <p:nvSpPr>
-          <p:cNvPr id="6" name="Rectangle 1">
-            <a:extLst>
-              <a:ext uri="{FF2B5EF4-FFF2-40B4-BE49-F238E27FC236}">
-                <a16:creationId xmlns:a16="http://schemas.microsoft.com/office/drawing/2014/main" id="{A28A9941-B21E-93A3-1E57-9CD07B05F3F9}"/>
-              </a:ext>
-            </a:extLst>
-          </p:cNvPr>
-          <p:cNvSpPr>
-            <a:spLocks noGrp="1" noChangeArrowheads="1"/>
-          </p:cNvSpPr>
-          <p:nvPr>
-            <p:ph idx="1"/>
-          </p:nvPr>
-        </p:nvSpPr>
-        <p:spPr bwMode="auto">
-          <a:xfrm>
-            <a:off x="2743201" y="1296341"/>
-            <a:ext cx="8443336" cy="5025735"/>
-          </a:xfrm>
-          <a:prstGeom prst="rect">
-            <a:avLst/>
-          </a:prstGeom>
-          <a:noFill/>
-          <a:ln>
-            <a:noFill/>
-          </a:ln>
-          <a:effectLst/>
-          <a:extLst>
-            <a:ext uri="{909E8E84-426E-40DD-AFC4-6F175D3DCCD1}">
-              <a14:hiddenFill xmlns:a14="http://schemas.microsoft.com/office/drawing/2010/main">
-                <a:solidFill>
-                  <a:schemeClr val="accent1"/>
-                </a:solidFill>
-              </a14:hiddenFill>
-            </a:ext>
-            <a:ext uri="{91240B29-F687-4F45-9708-019B960494DF}">
-              <a14:hiddenLine xmlns:a14="http://schemas.microsoft.com/office/drawing/2010/main" w="9525">
-                <a:solidFill>
-                  <a:schemeClr val="tx1"/>
-                </a:solidFill>
-                <a:miter lim="800000"/>
-                <a:headEnd/>
-                <a:tailEnd/>
-              </a14:hiddenLine>
-            </a:ext>
-            <a:ext uri="{AF507438-7753-43E0-B8FC-AC1667EBCBE1}">
-              <a14:hiddenEffects xmlns:a14="http://schemas.microsoft.com/office/drawing/2010/main">
-                <a:effectLst>
-                  <a:outerShdw dist="35921" dir="2700000" algn="ctr" rotWithShape="0">
-                    <a:schemeClr val="bg2"/>
-                  </a:outerShdw>
-                </a:effectLst>
-              </a14:hiddenEffects>
-            </a:ext>
-          </a:extLst>
-        </p:spPr>
-        <p:txBody>
-          <a:bodyPr vert="horz" wrap="square" lIns="91440" tIns="45720" rIns="91440" bIns="45720" numCol="1" anchor="ctr" anchorCtr="0" compatLnSpc="1">
-            <a:prstTxWarp prst="textNoShape">
-              <a:avLst/>
-            </a:prstTxWarp>
-            <a:spAutoFit/>
-          </a:bodyPr>
-          <a:lstStyle/>
-          <a:p>
-            <a:pPr marL="0" marR="0" lvl="0" indent="0" algn="just" defTabSz="914400" rtl="0" eaLnBrk="0" fontAlgn="base" latinLnBrk="0" hangingPunct="0">
-              <a:lnSpc>
-                <a:spcPct val="200000"/>
-              </a:lnSpc>
-              <a:spcBef>
-                <a:spcPct val="0"/>
-              </a:spcBef>
-              <a:spcAft>
-                <a:spcPct val="0"/>
-              </a:spcAft>
-              <a:buClrTx/>
-              <a:buSzTx/>
-              <a:buNone/>
-              <a:tabLst/>
-            </a:pPr>
-            <a:r>
-              <a:rPr kumimoji="0" lang="en-US" altLang="en-US" sz="2000" b="1" i="0" u="none" strike="noStrike" cap="none" normalizeH="0" baseline="0" dirty="0">
-                <a:ln>
-                  <a:noFill/>
-                </a:ln>
-                <a:solidFill>
-                  <a:schemeClr val="tx1"/>
-                </a:solidFill>
-                <a:effectLst/>
-                <a:latin typeface="Times New Roman" panose="02020603050405020304" pitchFamily="18" charset="0"/>
-                <a:cs typeface="Times New Roman" panose="02020603050405020304" pitchFamily="18" charset="0"/>
-              </a:rPr>
-              <a:t>Impact:</a:t>
-            </a:r>
-          </a:p>
-          <a:p>
-            <a:r>
-              <a:rPr lang="en-US" sz="1600" dirty="0">
-                <a:latin typeface="Times New Roman" panose="02020603050405020304" pitchFamily="18" charset="0"/>
-                <a:cs typeface="Times New Roman" panose="02020603050405020304" pitchFamily="18" charset="0"/>
-              </a:rPr>
-              <a:t>    </a:t>
-            </a:r>
-            <a:r>
-              <a:rPr lang="en-US" sz="1600" b="0" i="0" dirty="0">
-                <a:solidFill>
-                  <a:srgbClr val="000000"/>
-                </a:solidFill>
-                <a:effectLst/>
-                <a:latin typeface="Times New Roman" panose="02020603050405020304" pitchFamily="18" charset="0"/>
-                <a:cs typeface="Times New Roman" panose="02020603050405020304" pitchFamily="18" charset="0"/>
-              </a:rPr>
-              <a:t>Enhanced remote collaboration capabilities for users, improving productivity and </a:t>
-            </a:r>
-          </a:p>
-          <a:p>
-            <a:pPr marL="0" indent="0">
-              <a:buNone/>
-            </a:pPr>
-            <a:r>
-              <a:rPr lang="en-US" sz="1600" dirty="0">
-                <a:solidFill>
-                  <a:srgbClr val="000000"/>
-                </a:solidFill>
-                <a:latin typeface="Times New Roman" panose="02020603050405020304" pitchFamily="18" charset="0"/>
-                <a:cs typeface="Times New Roman" panose="02020603050405020304" pitchFamily="18" charset="0"/>
-              </a:rPr>
-              <a:t>         </a:t>
-            </a:r>
-            <a:r>
-              <a:rPr lang="en-US" sz="1600" b="0" i="0" dirty="0">
-                <a:solidFill>
-                  <a:srgbClr val="000000"/>
-                </a:solidFill>
-                <a:effectLst/>
-                <a:latin typeface="Times New Roman" panose="02020603050405020304" pitchFamily="18" charset="0"/>
-                <a:cs typeface="Times New Roman" panose="02020603050405020304" pitchFamily="18" charset="0"/>
-              </a:rPr>
-              <a:t>communication.</a:t>
-            </a:r>
-          </a:p>
-          <a:p>
-            <a:pPr marL="0" indent="0">
-              <a:buNone/>
-            </a:pPr>
-            <a:r>
-              <a:rPr lang="en-US" sz="1600" b="0" i="0" dirty="0">
-                <a:solidFill>
-                  <a:srgbClr val="000000"/>
-                </a:solidFill>
-                <a:effectLst/>
-                <a:latin typeface="Times New Roman" panose="02020603050405020304" pitchFamily="18" charset="0"/>
-                <a:cs typeface="Times New Roman" panose="02020603050405020304" pitchFamily="18" charset="0"/>
-              </a:rPr>
-              <a:t>    </a:t>
-            </a:r>
-          </a:p>
-          <a:p>
-            <a:r>
-              <a:rPr lang="en-US" sz="1600" dirty="0">
-                <a:solidFill>
-                  <a:srgbClr val="000000"/>
-                </a:solidFill>
-                <a:latin typeface="Times New Roman" panose="02020603050405020304" pitchFamily="18" charset="0"/>
-                <a:cs typeface="Times New Roman" panose="02020603050405020304" pitchFamily="18" charset="0"/>
-              </a:rPr>
-              <a:t>    </a:t>
-            </a:r>
-            <a:r>
-              <a:rPr lang="en-US" sz="1600" b="0" i="0" dirty="0">
-                <a:solidFill>
-                  <a:srgbClr val="000000"/>
-                </a:solidFill>
-                <a:effectLst/>
-                <a:latin typeface="Times New Roman" panose="02020603050405020304" pitchFamily="18" charset="0"/>
-                <a:cs typeface="Times New Roman" panose="02020603050405020304" pitchFamily="18" charset="0"/>
-              </a:rPr>
-              <a:t>Increased accessibility to high-quality video conferencing tools, potentially </a:t>
-            </a:r>
-          </a:p>
-          <a:p>
-            <a:pPr marL="0" indent="0">
-              <a:buNone/>
-            </a:pPr>
-            <a:r>
-              <a:rPr lang="en-US" sz="1600" dirty="0">
-                <a:solidFill>
-                  <a:srgbClr val="000000"/>
-                </a:solidFill>
-                <a:latin typeface="Times New Roman" panose="02020603050405020304" pitchFamily="18" charset="0"/>
-                <a:cs typeface="Times New Roman" panose="02020603050405020304" pitchFamily="18" charset="0"/>
-              </a:rPr>
-              <a:t>         </a:t>
-            </a:r>
-            <a:r>
-              <a:rPr lang="en-US" sz="1600" b="0" i="0" dirty="0">
-                <a:solidFill>
-                  <a:srgbClr val="000000"/>
-                </a:solidFill>
-                <a:effectLst/>
-                <a:latin typeface="Times New Roman" panose="02020603050405020304" pitchFamily="18" charset="0"/>
-                <a:cs typeface="Times New Roman" panose="02020603050405020304" pitchFamily="18" charset="0"/>
-              </a:rPr>
-              <a:t>reducing barriers to remote work and distance learning.</a:t>
-            </a:r>
-          </a:p>
-          <a:p>
-            <a:pPr marL="0" indent="0">
-              <a:buNone/>
-            </a:pPr>
-            <a:r>
-              <a:rPr lang="en-US" sz="1600" b="0" i="0" dirty="0">
-                <a:solidFill>
-                  <a:srgbClr val="000000"/>
-                </a:solidFill>
-                <a:effectLst/>
-                <a:latin typeface="Times New Roman" panose="02020603050405020304" pitchFamily="18" charset="0"/>
-                <a:cs typeface="Times New Roman" panose="02020603050405020304" pitchFamily="18" charset="0"/>
-              </a:rPr>
-              <a:t>    </a:t>
-            </a:r>
-          </a:p>
-          <a:p>
-            <a:r>
-              <a:rPr lang="en-US" sz="1600" dirty="0">
-                <a:solidFill>
-                  <a:srgbClr val="000000"/>
-                </a:solidFill>
-                <a:latin typeface="Times New Roman" panose="02020603050405020304" pitchFamily="18" charset="0"/>
-                <a:cs typeface="Times New Roman" panose="02020603050405020304" pitchFamily="18" charset="0"/>
-              </a:rPr>
-              <a:t>    </a:t>
-            </a:r>
-            <a:r>
-              <a:rPr lang="en-US" sz="1600" b="0" i="0" dirty="0">
-                <a:solidFill>
-                  <a:srgbClr val="000000"/>
-                </a:solidFill>
-                <a:effectLst/>
-                <a:latin typeface="Times New Roman" panose="02020603050405020304" pitchFamily="18" charset="0"/>
-                <a:cs typeface="Times New Roman" panose="02020603050405020304" pitchFamily="18" charset="0"/>
-              </a:rPr>
-              <a:t>Improved user experience through a modern, responsive interface and seamless  </a:t>
-            </a:r>
-          </a:p>
-          <a:p>
-            <a:pPr marL="0" indent="0">
-              <a:buNone/>
-            </a:pPr>
-            <a:r>
-              <a:rPr lang="en-US" sz="1600" dirty="0">
-                <a:solidFill>
-                  <a:srgbClr val="000000"/>
-                </a:solidFill>
-                <a:latin typeface="Times New Roman" panose="02020603050405020304" pitchFamily="18" charset="0"/>
-                <a:cs typeface="Times New Roman" panose="02020603050405020304" pitchFamily="18" charset="0"/>
-              </a:rPr>
-              <a:t>        </a:t>
-            </a:r>
-            <a:r>
-              <a:rPr lang="en-US" sz="1600" b="0" i="0" dirty="0">
-                <a:solidFill>
-                  <a:srgbClr val="000000"/>
-                </a:solidFill>
-                <a:effectLst/>
-                <a:latin typeface="Times New Roman" panose="02020603050405020304" pitchFamily="18" charset="0"/>
-                <a:cs typeface="Times New Roman" panose="02020603050405020304" pitchFamily="18" charset="0"/>
-              </a:rPr>
-              <a:t>integration of advanced features.</a:t>
-            </a:r>
-          </a:p>
-          <a:p>
-            <a:pPr marL="0" indent="0">
-              <a:buNone/>
-            </a:pPr>
-            <a:r>
-              <a:rPr lang="en-US" sz="1600" b="0" i="0" dirty="0">
-                <a:solidFill>
-                  <a:srgbClr val="000000"/>
-                </a:solidFill>
-                <a:effectLst/>
-                <a:latin typeface="Times New Roman" panose="02020603050405020304" pitchFamily="18" charset="0"/>
-                <a:cs typeface="Times New Roman" panose="02020603050405020304" pitchFamily="18" charset="0"/>
-              </a:rPr>
-              <a:t>    </a:t>
-            </a:r>
-          </a:p>
-          <a:p>
-            <a:r>
-              <a:rPr lang="en-US" sz="1600" dirty="0">
-                <a:solidFill>
-                  <a:srgbClr val="000000"/>
-                </a:solidFill>
-                <a:latin typeface="Times New Roman" panose="02020603050405020304" pitchFamily="18" charset="0"/>
-                <a:cs typeface="Times New Roman" panose="02020603050405020304" pitchFamily="18" charset="0"/>
-              </a:rPr>
-              <a:t>    </a:t>
-            </a:r>
-            <a:r>
-              <a:rPr lang="en-US" sz="1600" b="0" i="0" dirty="0">
-                <a:solidFill>
-                  <a:srgbClr val="000000"/>
-                </a:solidFill>
-                <a:effectLst/>
-                <a:latin typeface="Times New Roman" panose="02020603050405020304" pitchFamily="18" charset="0"/>
-                <a:cs typeface="Times New Roman" panose="02020603050405020304" pitchFamily="18" charset="0"/>
-              </a:rPr>
-              <a:t>Potential cost savings for organizations by providing an alternative to expensive   </a:t>
-            </a:r>
-          </a:p>
-          <a:p>
-            <a:pPr marL="0" indent="0">
-              <a:buNone/>
-            </a:pPr>
-            <a:r>
-              <a:rPr lang="en-US" sz="1600" dirty="0">
-                <a:solidFill>
-                  <a:srgbClr val="000000"/>
-                </a:solidFill>
-                <a:latin typeface="Times New Roman" panose="02020603050405020304" pitchFamily="18" charset="0"/>
-                <a:cs typeface="Times New Roman" panose="02020603050405020304" pitchFamily="18" charset="0"/>
-              </a:rPr>
-              <a:t>         </a:t>
-            </a:r>
-            <a:r>
-              <a:rPr lang="en-US" sz="1600" b="0" i="0" dirty="0">
-                <a:solidFill>
-                  <a:srgbClr val="000000"/>
-                </a:solidFill>
-                <a:effectLst/>
-                <a:latin typeface="Times New Roman" panose="02020603050405020304" pitchFamily="18" charset="0"/>
-                <a:cs typeface="Times New Roman" panose="02020603050405020304" pitchFamily="18" charset="0"/>
-              </a:rPr>
-              <a:t>enterprise video conferencing solutions.</a:t>
-            </a:r>
-          </a:p>
-          <a:p>
-            <a:pPr marL="0" marR="0" lvl="0" indent="0" algn="just" defTabSz="914400" rtl="0" eaLnBrk="0" fontAlgn="base" latinLnBrk="0" hangingPunct="0">
-              <a:lnSpc>
-                <a:spcPct val="200000"/>
-              </a:lnSpc>
-              <a:spcBef>
-                <a:spcPct val="0"/>
-              </a:spcBef>
-              <a:spcAft>
-                <a:spcPct val="0"/>
-              </a:spcAft>
-              <a:buClrTx/>
-              <a:buSzTx/>
-              <a:buFontTx/>
-              <a:buChar char="•"/>
-              <a:tabLst/>
-            </a:pPr>
-            <a:endParaRPr kumimoji="0" lang="en-US" altLang="en-US" sz="1800" b="0" i="0" u="none" strike="noStrike" cap="none" normalizeH="0" baseline="0" dirty="0">
-              <a:ln>
-                <a:noFill/>
-              </a:ln>
-              <a:solidFill>
-                <a:schemeClr val="tx1"/>
-              </a:solidFill>
-              <a:effectLst/>
-              <a:latin typeface="Times New Roman" panose="02020603050405020304" pitchFamily="18" charset="0"/>
-              <a:cs typeface="Times New Roman" panose="02020603050405020304" pitchFamily="18" charset="0"/>
-            </a:endParaRPr>
-          </a:p>
-        </p:txBody>
-      </p:sp>
-    </p:spTree>
-    <p:extLst>
-      <p:ext uri="{BB962C8B-B14F-4D97-AF65-F5344CB8AC3E}">
-        <p14:creationId xmlns:p14="http://schemas.microsoft.com/office/powerpoint/2010/main" val="4068133359"/>
-      </p:ext>
-    </p:extLst>
-  </p:cSld>
-  <p:clrMapOvr>
-    <a:masterClrMapping/>
-  </p:clrMapOvr>
-</p:sld>
-</file>
-
-<file path=ppt/slides/slide11.xml><?xml version="1.0" encoding="utf-8"?>
-<p:sld xmlns:a="http://schemas.openxmlformats.org/drawingml/2006/main" xmlns:r="http://schemas.openxmlformats.org/officeDocument/2006/relationships" xmlns:p="http://schemas.openxmlformats.org/presentationml/2006/main">
-  <p:cSld>
-    <p:spTree>
-      <p:nvGrpSpPr>
         <p:cNvPr id="1" name=""/>
         <p:cNvGrpSpPr/>
         <p:nvPr/>
@@ -22340,7 +21523,7 @@
 </p:sld>
 </file>
 
-<file path=ppt/slides/slide12.xml><?xml version="1.0" encoding="utf-8"?>
+<file path=ppt/slides/slide11.xml><?xml version="1.0" encoding="utf-8"?>
 <p:sld xmlns:a="http://schemas.openxmlformats.org/drawingml/2006/main" xmlns:r="http://schemas.openxmlformats.org/officeDocument/2006/relationships" xmlns:p="http://schemas.openxmlformats.org/presentationml/2006/main">
   <p:cSld>
     <p:spTree>
@@ -23003,7 +22186,7 @@
 </p:sld>
 </file>
 
-<file path=ppt/slides/slide13.xml><?xml version="1.0" encoding="utf-8"?>
+<file path=ppt/slides/slide12.xml><?xml version="1.0" encoding="utf-8"?>
 <p:sld xmlns:a="http://schemas.openxmlformats.org/drawingml/2006/main" xmlns:r="http://schemas.openxmlformats.org/officeDocument/2006/relationships" xmlns:p="http://schemas.openxmlformats.org/presentationml/2006/main">
   <p:cSld>
     <p:spTree>
@@ -23650,7 +22833,7 @@
 </p:sld>
 </file>
 
-<file path=ppt/slides/slide14.xml><?xml version="1.0" encoding="utf-8"?>
+<file path=ppt/slides/slide13.xml><?xml version="1.0" encoding="utf-8"?>
 <p:sld xmlns:a="http://schemas.openxmlformats.org/drawingml/2006/main" xmlns:r="http://schemas.openxmlformats.org/officeDocument/2006/relationships" xmlns:p="http://schemas.openxmlformats.org/presentationml/2006/main">
   <p:cSld>
     <p:spTree>
@@ -24234,7 +23417,7 @@
 </p:sld>
 </file>
 
-<file path=ppt/slides/slide15.xml><?xml version="1.0" encoding="utf-8"?>
+<file path=ppt/slides/slide14.xml><?xml version="1.0" encoding="utf-8"?>
 <p:sld xmlns:a="http://schemas.openxmlformats.org/drawingml/2006/main" xmlns:r="http://schemas.openxmlformats.org/officeDocument/2006/relationships" xmlns:p="http://schemas.openxmlformats.org/presentationml/2006/main">
   <p:cSld>
     <p:spTree>
@@ -25818,7 +25001,7 @@
 </p:sld>
 </file>
 
-<file path=ppt/slides/slide16.xml><?xml version="1.0" encoding="utf-8"?>
+<file path=ppt/slides/slide15.xml><?xml version="1.0" encoding="utf-8"?>
 <p:sld xmlns:a="http://schemas.openxmlformats.org/drawingml/2006/main" xmlns:r="http://schemas.openxmlformats.org/officeDocument/2006/relationships" xmlns:p="http://schemas.openxmlformats.org/presentationml/2006/main">
   <p:cSld>
     <p:spTree>
@@ -27410,7 +26593,7 @@
 </p:sld>
 </file>
 
-<file path=ppt/slides/slide17.xml><?xml version="1.0" encoding="utf-8"?>
+<file path=ppt/slides/slide16.xml><?xml version="1.0" encoding="utf-8"?>
 <p:sld xmlns:a="http://schemas.openxmlformats.org/drawingml/2006/main" xmlns:r="http://schemas.openxmlformats.org/officeDocument/2006/relationships" xmlns:p="http://schemas.openxmlformats.org/presentationml/2006/main">
   <p:cSld>
     <p:spTree>
@@ -27755,7 +26938,7 @@
 </p:sld>
 </file>
 
-<file path=ppt/slides/slide18.xml><?xml version="1.0" encoding="utf-8"?>
+<file path=ppt/slides/slide17.xml><?xml version="1.0" encoding="utf-8"?>
 <p:sld xmlns:a="http://schemas.openxmlformats.org/drawingml/2006/main" xmlns:r="http://schemas.openxmlformats.org/officeDocument/2006/relationships" xmlns:p="http://schemas.openxmlformats.org/presentationml/2006/main">
   <p:cSld>
     <p:spTree>
@@ -28154,7 +27337,7 @@
 </p:sld>
 </file>
 
-<file path=ppt/slides/slide19.xml><?xml version="1.0" encoding="utf-8"?>
+<file path=ppt/slides/slide18.xml><?xml version="1.0" encoding="utf-8"?>
 <p:sld xmlns:a="http://schemas.openxmlformats.org/drawingml/2006/main" xmlns:r="http://schemas.openxmlformats.org/officeDocument/2006/relationships" xmlns:p="http://schemas.openxmlformats.org/presentationml/2006/main">
   <p:cSld>
     <p:spTree>
@@ -28628,6 +27811,648 @@
       </p:par>
     </p:tnLst>
   </p:timing>
+</p:sld>
+</file>
+
+<file path=ppt/slides/slide19.xml><?xml version="1.0" encoding="utf-8"?>
+<p:sld xmlns:a="http://schemas.openxmlformats.org/drawingml/2006/main" xmlns:r="http://schemas.openxmlformats.org/officeDocument/2006/relationships" xmlns:p="http://schemas.openxmlformats.org/presentationml/2006/main">
+  <p:cSld>
+    <p:spTree>
+      <p:nvGrpSpPr>
+        <p:cNvPr id="1" name=""/>
+        <p:cNvGrpSpPr/>
+        <p:nvPr/>
+      </p:nvGrpSpPr>
+      <p:grpSpPr>
+        <a:xfrm>
+          <a:off x="0" y="0"/>
+          <a:ext cx="0" cy="0"/>
+          <a:chOff x="0" y="0"/>
+          <a:chExt cx="0" cy="0"/>
+        </a:xfrm>
+      </p:grpSpPr>
+      <p:sp>
+        <p:nvSpPr>
+          <p:cNvPr id="5" name="Rectangle"/>
+          <p:cNvSpPr/>
+          <p:nvPr/>
+        </p:nvSpPr>
+        <p:spPr>
+          <a:xfrm flipH="1">
+            <a:off x="0" y="0"/>
+            <a:ext cx="2469463" cy="6858000"/>
+          </a:xfrm>
+          <a:prstGeom prst="rect">
+            <a:avLst/>
+          </a:prstGeom>
+          <a:solidFill>
+            <a:srgbClr val="F28E01"/>
+          </a:solidFill>
+          <a:ln w="12700">
+            <a:miter lim="400000"/>
+          </a:ln>
+        </p:spPr>
+        <p:txBody>
+          <a:bodyPr lIns="50800" tIns="50800" rIns="50800" bIns="50800" anchor="ctr"/>
+          <a:lstStyle/>
+          <a:p>
+            <a:pPr defTabSz="1130300">
+              <a:defRPr sz="3200">
+                <a:solidFill>
+                  <a:srgbClr val="FFFFFF"/>
+                </a:solidFill>
+                <a:latin typeface="Graphik"/>
+                <a:ea typeface="Graphik"/>
+                <a:cs typeface="Graphik"/>
+                <a:sym typeface="Graphik"/>
+              </a:defRPr>
+            </a:pPr>
+            <a:endParaRPr sz="3200" baseline="-25000"/>
+          </a:p>
+        </p:txBody>
+      </p:sp>
+      <p:sp>
+        <p:nvSpPr>
+          <p:cNvPr id="8" name="Rectangle"/>
+          <p:cNvSpPr/>
+          <p:nvPr/>
+        </p:nvSpPr>
+        <p:spPr>
+          <a:xfrm flipH="1">
+            <a:off x="11496000" y="1"/>
+            <a:ext cx="257907" cy="6858000"/>
+          </a:xfrm>
+          <a:prstGeom prst="rect">
+            <a:avLst/>
+          </a:prstGeom>
+          <a:solidFill>
+            <a:srgbClr val="F28E01"/>
+          </a:solidFill>
+          <a:ln w="12700">
+            <a:miter lim="400000"/>
+          </a:ln>
+        </p:spPr>
+        <p:txBody>
+          <a:bodyPr lIns="50800" tIns="50800" rIns="50800" bIns="50800" anchor="ctr"/>
+          <a:lstStyle/>
+          <a:p>
+            <a:pPr defTabSz="1130300">
+              <a:defRPr sz="3300">
+                <a:solidFill>
+                  <a:srgbClr val="FFFFFF"/>
+                </a:solidFill>
+                <a:latin typeface="Graphik"/>
+                <a:ea typeface="Graphik"/>
+                <a:cs typeface="Graphik"/>
+                <a:sym typeface="Graphik"/>
+              </a:defRPr>
+            </a:pPr>
+            <a:endParaRPr sz="3300"/>
+          </a:p>
+        </p:txBody>
+      </p:sp>
+      <p:grpSp>
+        <p:nvGrpSpPr>
+          <p:cNvPr id="3" name="Group 19"/>
+          <p:cNvGrpSpPr/>
+          <p:nvPr/>
+        </p:nvGrpSpPr>
+        <p:grpSpPr>
+          <a:xfrm>
+            <a:off x="122050" y="1474470"/>
+            <a:ext cx="2209165" cy="3067050"/>
+            <a:chOff x="230" y="2322"/>
+            <a:chExt cx="3479" cy="4830"/>
+          </a:xfrm>
+        </p:grpSpPr>
+        <p:sp>
+          <p:nvSpPr>
+            <p:cNvPr id="21" name="Rectangle"/>
+            <p:cNvSpPr/>
+            <p:nvPr/>
+          </p:nvSpPr>
+          <p:spPr>
+            <a:xfrm flipH="1">
+              <a:off x="1099" y="2322"/>
+              <a:ext cx="2611" cy="2465"/>
+            </a:xfrm>
+            <a:prstGeom prst="rect">
+              <a:avLst/>
+            </a:prstGeom>
+            <a:solidFill>
+              <a:schemeClr val="bg1"/>
+            </a:solidFill>
+            <a:ln w="12700">
+              <a:miter lim="400000"/>
+            </a:ln>
+          </p:spPr>
+          <p:txBody>
+            <a:bodyPr lIns="50800" tIns="50800" rIns="50800" bIns="50800" anchor="ctr"/>
+            <a:lstStyle/>
+            <a:p>
+              <a:pPr defTabSz="1130300">
+                <a:defRPr sz="3200">
+                  <a:solidFill>
+                    <a:srgbClr val="FFFFFF"/>
+                  </a:solidFill>
+                  <a:latin typeface="Graphik"/>
+                  <a:ea typeface="Graphik"/>
+                  <a:cs typeface="Graphik"/>
+                  <a:sym typeface="Graphik"/>
+                </a:defRPr>
+              </a:pPr>
+              <a:endParaRPr sz="3200" baseline="-25000"/>
+            </a:p>
+          </p:txBody>
+        </p:sp>
+        <p:sp>
+          <p:nvSpPr>
+            <p:cNvPr id="22" name="Rectangle"/>
+            <p:cNvSpPr/>
+            <p:nvPr/>
+          </p:nvSpPr>
+          <p:spPr>
+            <a:xfrm flipH="1">
+              <a:off x="230" y="2624"/>
+              <a:ext cx="3192" cy="4529"/>
+            </a:xfrm>
+            <a:prstGeom prst="rect">
+              <a:avLst/>
+            </a:prstGeom>
+            <a:solidFill>
+              <a:srgbClr val="585858"/>
+            </a:solidFill>
+            <a:ln w="12700">
+              <a:miter lim="400000"/>
+            </a:ln>
+          </p:spPr>
+          <p:txBody>
+            <a:bodyPr lIns="50800" tIns="50800" rIns="50800" bIns="50800" anchor="ctr"/>
+            <a:lstStyle/>
+            <a:p>
+              <a:pPr defTabSz="1130300">
+                <a:defRPr sz="3200">
+                  <a:solidFill>
+                    <a:srgbClr val="FFFFFF"/>
+                  </a:solidFill>
+                  <a:latin typeface="Graphik"/>
+                  <a:ea typeface="Graphik"/>
+                  <a:cs typeface="Graphik"/>
+                  <a:sym typeface="Graphik"/>
+                </a:defRPr>
+              </a:pPr>
+              <a:endParaRPr sz="3200" baseline="-25000" dirty="0"/>
+            </a:p>
+          </p:txBody>
+        </p:sp>
+        <p:pic>
+          <p:nvPicPr>
+            <p:cNvPr id="23" name="Image" descr="Image"/>
+            <p:cNvPicPr>
+              <a:picLocks noChangeAspect="1"/>
+            </p:cNvPicPr>
+            <p:nvPr/>
+          </p:nvPicPr>
+          <p:blipFill>
+            <a:blip r:embed="rId3" cstate="print"/>
+            <a:stretch>
+              <a:fillRect/>
+            </a:stretch>
+          </p:blipFill>
+          <p:spPr>
+            <a:xfrm>
+              <a:off x="987" y="3715"/>
+              <a:ext cx="1683" cy="1805"/>
+            </a:xfrm>
+            <a:prstGeom prst="rect">
+              <a:avLst/>
+            </a:prstGeom>
+            <a:ln w="12700">
+              <a:miter lim="400000"/>
+              <a:headEnd/>
+              <a:tailEnd/>
+            </a:ln>
+          </p:spPr>
+        </p:pic>
+      </p:grpSp>
+      <p:sp>
+        <p:nvSpPr>
+          <p:cNvPr id="4" name="TextBox 3"/>
+          <p:cNvSpPr txBox="1"/>
+          <p:nvPr/>
+        </p:nvSpPr>
+        <p:spPr>
+          <a:xfrm>
+            <a:off x="336000" y="3643668"/>
+            <a:ext cx="1800000" cy="369332"/>
+          </a:xfrm>
+          <a:prstGeom prst="rect">
+            <a:avLst/>
+          </a:prstGeom>
+          <a:noFill/>
+        </p:spPr>
+        <p:txBody>
+          <a:bodyPr wrap="square" rtlCol="0">
+            <a:spAutoFit/>
+          </a:bodyPr>
+          <a:lstStyle/>
+          <a:p>
+            <a:r>
+              <a:rPr lang="en-US" dirty="0"/>
+              <a:t>    </a:t>
+            </a:r>
+            <a:r>
+              <a:rPr lang="en-US" dirty="0">
+                <a:solidFill>
+                  <a:schemeClr val="bg1"/>
+                </a:solidFill>
+              </a:rPr>
+              <a:t>Dept of CSE</a:t>
+            </a:r>
+          </a:p>
+        </p:txBody>
+      </p:sp>
+      <p:sp>
+        <p:nvSpPr>
+          <p:cNvPr id="7" name="Title 6">
+            <a:extLst>
+              <a:ext uri="{FF2B5EF4-FFF2-40B4-BE49-F238E27FC236}">
+                <a16:creationId xmlns:a16="http://schemas.microsoft.com/office/drawing/2014/main" id="{BAE3B82A-826A-0304-CCFE-B1B91ED37478}"/>
+              </a:ext>
+            </a:extLst>
+          </p:cNvPr>
+          <p:cNvSpPr>
+            <a:spLocks noGrp="1"/>
+          </p:cNvSpPr>
+          <p:nvPr>
+            <p:ph type="title"/>
+          </p:nvPr>
+        </p:nvSpPr>
+        <p:spPr>
+          <a:xfrm>
+            <a:off x="2743200" y="365125"/>
+            <a:ext cx="8610599" cy="1325563"/>
+          </a:xfrm>
+        </p:spPr>
+        <p:txBody>
+          <a:bodyPr>
+            <a:normAutofit/>
+          </a:bodyPr>
+          <a:lstStyle/>
+          <a:p>
+            <a:r>
+              <a:rPr lang="en-IN" sz="4000" b="1" dirty="0">
+                <a:latin typeface="Times New Roman" panose="02020603050405020304" pitchFamily="18" charset="0"/>
+                <a:cs typeface="Times New Roman" panose="02020603050405020304" pitchFamily="18" charset="0"/>
+              </a:rPr>
+              <a:t>Individual Responsibilities</a:t>
+            </a:r>
+          </a:p>
+        </p:txBody>
+      </p:sp>
+      <p:sp>
+        <p:nvSpPr>
+          <p:cNvPr id="9" name="Rectangle 2">
+            <a:extLst>
+              <a:ext uri="{FF2B5EF4-FFF2-40B4-BE49-F238E27FC236}">
+                <a16:creationId xmlns:a16="http://schemas.microsoft.com/office/drawing/2014/main" id="{15827682-201B-CCF1-BDF5-633F903F3688}"/>
+              </a:ext>
+            </a:extLst>
+          </p:cNvPr>
+          <p:cNvSpPr>
+            <a:spLocks noGrp="1" noChangeArrowheads="1"/>
+          </p:cNvSpPr>
+          <p:nvPr>
+            <p:ph idx="1"/>
+          </p:nvPr>
+        </p:nvSpPr>
+        <p:spPr bwMode="auto">
+          <a:xfrm>
+            <a:off x="2683413" y="1752600"/>
+            <a:ext cx="8545842" cy="4633961"/>
+          </a:xfrm>
+          <a:prstGeom prst="rect">
+            <a:avLst/>
+          </a:prstGeom>
+          <a:noFill/>
+          <a:ln>
+            <a:noFill/>
+          </a:ln>
+          <a:effectLst/>
+          <a:extLst>
+            <a:ext uri="{909E8E84-426E-40DD-AFC4-6F175D3DCCD1}">
+              <a14:hiddenFill xmlns:a14="http://schemas.microsoft.com/office/drawing/2010/main">
+                <a:solidFill>
+                  <a:schemeClr val="accent1"/>
+                </a:solidFill>
+              </a14:hiddenFill>
+            </a:ext>
+            <a:ext uri="{91240B29-F687-4F45-9708-019B960494DF}">
+              <a14:hiddenLine xmlns:a14="http://schemas.microsoft.com/office/drawing/2010/main" w="9525">
+                <a:solidFill>
+                  <a:schemeClr val="tx1"/>
+                </a:solidFill>
+                <a:miter lim="800000"/>
+                <a:headEnd/>
+                <a:tailEnd/>
+              </a14:hiddenLine>
+            </a:ext>
+            <a:ext uri="{AF507438-7753-43E0-B8FC-AC1667EBCBE1}">
+              <a14:hiddenEffects xmlns:a14="http://schemas.microsoft.com/office/drawing/2010/main">
+                <a:effectLst>
+                  <a:outerShdw dist="35921" dir="2700000" algn="ctr" rotWithShape="0">
+                    <a:schemeClr val="bg2"/>
+                  </a:outerShdw>
+                </a:effectLst>
+              </a14:hiddenEffects>
+            </a:ext>
+          </a:extLst>
+        </p:spPr>
+        <p:txBody>
+          <a:bodyPr vert="horz" wrap="square" lIns="91440" tIns="45720" rIns="91440" bIns="45720" numCol="1" anchor="ctr" anchorCtr="0" compatLnSpc="1">
+            <a:prstTxWarp prst="textNoShape">
+              <a:avLst/>
+            </a:prstTxWarp>
+            <a:spAutoFit/>
+          </a:bodyPr>
+          <a:lstStyle/>
+          <a:p>
+            <a:pPr marR="0" lvl="0" defTabSz="914400" rtl="0" eaLnBrk="0" fontAlgn="base" latinLnBrk="0" hangingPunct="0">
+              <a:lnSpc>
+                <a:spcPct val="200000"/>
+              </a:lnSpc>
+              <a:spcBef>
+                <a:spcPct val="0"/>
+              </a:spcBef>
+              <a:spcAft>
+                <a:spcPct val="0"/>
+              </a:spcAft>
+              <a:buClrTx/>
+              <a:buSzTx/>
+              <a:tabLst/>
+            </a:pPr>
+            <a:r>
+              <a:rPr kumimoji="0" lang="en-US" altLang="en-US" sz="1600" b="1" i="0" u="none" strike="noStrike" cap="none" normalizeH="0" baseline="0" dirty="0">
+                <a:ln>
+                  <a:noFill/>
+                </a:ln>
+                <a:solidFill>
+                  <a:schemeClr val="tx1"/>
+                </a:solidFill>
+                <a:effectLst/>
+                <a:latin typeface="Times New Roman" panose="02020603050405020304" pitchFamily="18" charset="0"/>
+                <a:cs typeface="Times New Roman" panose="02020603050405020304" pitchFamily="18" charset="0"/>
+              </a:rPr>
+              <a:t>Team Member 1 (Aditya Jyoti Sahu)</a:t>
+            </a:r>
+            <a:r>
+              <a:rPr kumimoji="0" lang="en-US" altLang="en-US" sz="1600" b="0" i="0" u="none" strike="noStrike" cap="none" normalizeH="0" baseline="0" dirty="0">
+                <a:ln>
+                  <a:noFill/>
+                </a:ln>
+                <a:solidFill>
+                  <a:schemeClr val="tx1"/>
+                </a:solidFill>
+                <a:effectLst/>
+                <a:latin typeface="Times New Roman" panose="02020603050405020304" pitchFamily="18" charset="0"/>
+                <a:cs typeface="Times New Roman" panose="02020603050405020304" pitchFamily="18" charset="0"/>
+              </a:rPr>
+              <a:t>:</a:t>
+            </a:r>
+            <a:r>
+              <a:rPr lang="en-US" sz="1100" dirty="0">
+                <a:latin typeface="Times New Roman" panose="02020603050405020304" pitchFamily="18" charset="0"/>
+                <a:cs typeface="Times New Roman" panose="02020603050405020304" pitchFamily="18" charset="0"/>
+              </a:rPr>
+              <a:t> </a:t>
+            </a:r>
+          </a:p>
+          <a:p>
+            <a:pPr marR="0" lvl="0" defTabSz="914400" rtl="0" eaLnBrk="0" fontAlgn="base" latinLnBrk="0" hangingPunct="0">
+              <a:lnSpc>
+                <a:spcPct val="200000"/>
+              </a:lnSpc>
+              <a:spcBef>
+                <a:spcPct val="0"/>
+              </a:spcBef>
+              <a:spcAft>
+                <a:spcPct val="0"/>
+              </a:spcAft>
+              <a:buClrTx/>
+              <a:buSzTx/>
+              <a:tabLst/>
+            </a:pPr>
+            <a:endParaRPr lang="en-US" sz="1100" b="1" dirty="0">
+              <a:latin typeface="Times New Roman" panose="02020603050405020304" pitchFamily="18" charset="0"/>
+              <a:cs typeface="Times New Roman" panose="02020603050405020304" pitchFamily="18" charset="0"/>
+            </a:endParaRPr>
+          </a:p>
+          <a:p>
+            <a:pPr marL="0" marR="0" lvl="0" indent="0" defTabSz="914400" rtl="0" eaLnBrk="0" fontAlgn="base" latinLnBrk="0" hangingPunct="0">
+              <a:lnSpc>
+                <a:spcPct val="200000"/>
+              </a:lnSpc>
+              <a:spcBef>
+                <a:spcPct val="0"/>
+              </a:spcBef>
+              <a:spcAft>
+                <a:spcPct val="0"/>
+              </a:spcAft>
+              <a:buClrTx/>
+              <a:buSzTx/>
+              <a:buNone/>
+              <a:tabLst/>
+            </a:pPr>
+            <a:endParaRPr lang="en-US" sz="1100" b="1" dirty="0">
+              <a:latin typeface="Times New Roman" panose="02020603050405020304" pitchFamily="18" charset="0"/>
+              <a:cs typeface="Times New Roman" panose="02020603050405020304" pitchFamily="18" charset="0"/>
+            </a:endParaRPr>
+          </a:p>
+          <a:p>
+            <a:pPr marR="0" lvl="0" defTabSz="914400" rtl="0" eaLnBrk="0" fontAlgn="base" latinLnBrk="0" hangingPunct="0">
+              <a:lnSpc>
+                <a:spcPct val="200000"/>
+              </a:lnSpc>
+              <a:spcBef>
+                <a:spcPct val="0"/>
+              </a:spcBef>
+              <a:spcAft>
+                <a:spcPct val="0"/>
+              </a:spcAft>
+              <a:buClrTx/>
+              <a:buSzTx/>
+              <a:tabLst/>
+            </a:pPr>
+            <a:r>
+              <a:rPr lang="en-US" sz="1600" b="1" dirty="0">
+                <a:latin typeface="Times New Roman" panose="02020603050405020304" pitchFamily="18" charset="0"/>
+                <a:cs typeface="Times New Roman" panose="02020603050405020304" pitchFamily="18" charset="0"/>
+              </a:rPr>
+              <a:t>Team Member 2 (Anish Kumar)</a:t>
+            </a:r>
+            <a:r>
+              <a:rPr lang="en-US" sz="1600" dirty="0">
+                <a:latin typeface="Times New Roman" panose="02020603050405020304" pitchFamily="18" charset="0"/>
+                <a:cs typeface="Times New Roman" panose="02020603050405020304" pitchFamily="18" charset="0"/>
+              </a:rPr>
+              <a:t>:</a:t>
+            </a:r>
+          </a:p>
+          <a:p>
+            <a:pPr marL="0" indent="0" eaLnBrk="0" fontAlgn="base" hangingPunct="0">
+              <a:lnSpc>
+                <a:spcPct val="200000"/>
+              </a:lnSpc>
+              <a:spcBef>
+                <a:spcPct val="0"/>
+              </a:spcBef>
+              <a:spcAft>
+                <a:spcPct val="0"/>
+              </a:spcAft>
+              <a:buNone/>
+            </a:pPr>
+            <a:r>
+              <a:rPr lang="en-US" sz="1600" dirty="0">
+                <a:latin typeface="Times New Roman" panose="02020603050405020304" pitchFamily="18" charset="0"/>
+                <a:cs typeface="Times New Roman" panose="02020603050405020304" pitchFamily="18" charset="0"/>
+              </a:rPr>
+              <a:t>     Technologies Used – </a:t>
+            </a:r>
+          </a:p>
+          <a:p>
+            <a:pPr marL="0" indent="0" eaLnBrk="0" fontAlgn="base" hangingPunct="0">
+              <a:lnSpc>
+                <a:spcPct val="200000"/>
+              </a:lnSpc>
+              <a:spcBef>
+                <a:spcPct val="0"/>
+              </a:spcBef>
+              <a:spcAft>
+                <a:spcPct val="0"/>
+              </a:spcAft>
+              <a:buNone/>
+            </a:pPr>
+            <a:r>
+              <a:rPr lang="en-US" sz="1600" dirty="0">
+                <a:latin typeface="Times New Roman" panose="02020603050405020304" pitchFamily="18" charset="0"/>
+                <a:cs typeface="Times New Roman" panose="02020603050405020304" pitchFamily="18" charset="0"/>
+              </a:rPr>
+              <a:t>               Clerk(Authentication), </a:t>
+            </a:r>
+          </a:p>
+          <a:p>
+            <a:pPr marL="0" indent="0" eaLnBrk="0" fontAlgn="base" hangingPunct="0">
+              <a:lnSpc>
+                <a:spcPct val="200000"/>
+              </a:lnSpc>
+              <a:spcBef>
+                <a:spcPct val="0"/>
+              </a:spcBef>
+              <a:spcAft>
+                <a:spcPct val="0"/>
+              </a:spcAft>
+              <a:buNone/>
+            </a:pPr>
+            <a:r>
+              <a:rPr lang="en-US" sz="1600" dirty="0">
+                <a:latin typeface="Times New Roman" panose="02020603050405020304" pitchFamily="18" charset="0"/>
+                <a:cs typeface="Times New Roman" panose="02020603050405020304" pitchFamily="18" charset="0"/>
+              </a:rPr>
+              <a:t>               NextJs (Server side rendering), </a:t>
+            </a:r>
+          </a:p>
+          <a:p>
+            <a:pPr marL="0" indent="0" eaLnBrk="0" fontAlgn="base" hangingPunct="0">
+              <a:lnSpc>
+                <a:spcPct val="200000"/>
+              </a:lnSpc>
+              <a:spcBef>
+                <a:spcPct val="0"/>
+              </a:spcBef>
+              <a:spcAft>
+                <a:spcPct val="0"/>
+              </a:spcAft>
+              <a:buNone/>
+            </a:pPr>
+            <a:r>
+              <a:rPr lang="en-US" sz="1600" dirty="0">
+                <a:latin typeface="Times New Roman" panose="02020603050405020304" pitchFamily="18" charset="0"/>
+                <a:cs typeface="Times New Roman" panose="02020603050405020304" pitchFamily="18" charset="0"/>
+              </a:rPr>
+              <a:t>               Get Stream (Provides Database and Video , Chat Services), </a:t>
+            </a:r>
+          </a:p>
+          <a:p>
+            <a:pPr marL="0" indent="0" eaLnBrk="0" fontAlgn="base" hangingPunct="0">
+              <a:lnSpc>
+                <a:spcPct val="200000"/>
+              </a:lnSpc>
+              <a:spcBef>
+                <a:spcPct val="0"/>
+              </a:spcBef>
+              <a:spcAft>
+                <a:spcPct val="0"/>
+              </a:spcAft>
+              <a:buNone/>
+            </a:pPr>
+            <a:r>
+              <a:rPr lang="en-US" sz="1600" dirty="0">
+                <a:latin typeface="Times New Roman" panose="02020603050405020304" pitchFamily="18" charset="0"/>
+                <a:cs typeface="Times New Roman" panose="02020603050405020304" pitchFamily="18" charset="0"/>
+              </a:rPr>
+              <a:t>               Tailwind Css (Latest UI/UX Design),</a:t>
+            </a:r>
+            <a:endParaRPr kumimoji="0" lang="en-US" altLang="en-US" sz="1600" b="0" i="0" u="none" strike="noStrike" cap="none" normalizeH="0" baseline="0" dirty="0">
+              <a:ln>
+                <a:noFill/>
+              </a:ln>
+              <a:solidFill>
+                <a:schemeClr val="tx1"/>
+              </a:solidFill>
+              <a:effectLst/>
+              <a:latin typeface="Times New Roman" panose="02020603050405020304" pitchFamily="18" charset="0"/>
+              <a:cs typeface="Times New Roman" panose="02020603050405020304" pitchFamily="18" charset="0"/>
+            </a:endParaRPr>
+          </a:p>
+          <a:p>
+            <a:pPr marR="0" lvl="0" defTabSz="914400" rtl="0" eaLnBrk="0" fontAlgn="base" latinLnBrk="0" hangingPunct="0">
+              <a:lnSpc>
+                <a:spcPct val="200000"/>
+              </a:lnSpc>
+              <a:spcBef>
+                <a:spcPct val="0"/>
+              </a:spcBef>
+              <a:spcAft>
+                <a:spcPct val="0"/>
+              </a:spcAft>
+              <a:buClrTx/>
+              <a:buSzTx/>
+              <a:tabLst/>
+            </a:pPr>
+            <a:endParaRPr kumimoji="0" lang="en-US" altLang="en-US" sz="1600" b="0" i="0" u="none" strike="noStrike" cap="none" normalizeH="0" baseline="0" dirty="0">
+              <a:ln>
+                <a:noFill/>
+              </a:ln>
+              <a:solidFill>
+                <a:schemeClr val="tx1"/>
+              </a:solidFill>
+              <a:effectLst/>
+              <a:latin typeface="Times New Roman" panose="02020603050405020304" pitchFamily="18" charset="0"/>
+              <a:cs typeface="Times New Roman" panose="02020603050405020304" pitchFamily="18" charset="0"/>
+            </a:endParaRPr>
+          </a:p>
+        </p:txBody>
+      </p:sp>
+    </p:spTree>
+    <p:extLst>
+      <p:ext uri="{BB962C8B-B14F-4D97-AF65-F5344CB8AC3E}">
+        <p14:creationId xmlns:p14="http://schemas.microsoft.com/office/powerpoint/2010/main" val="1560086239"/>
+      </p:ext>
+    </p:extLst>
+  </p:cSld>
+  <p:clrMapOvr>
+    <a:masterClrMapping/>
+  </p:clrMapOvr>
 </p:sld>
 </file>
 
@@ -30697,648 +30522,6 @@
       </p:sp>
       <p:sp>
         <p:nvSpPr>
-          <p:cNvPr id="9" name="Rectangle 2">
-            <a:extLst>
-              <a:ext uri="{FF2B5EF4-FFF2-40B4-BE49-F238E27FC236}">
-                <a16:creationId xmlns:a16="http://schemas.microsoft.com/office/drawing/2014/main" id="{15827682-201B-CCF1-BDF5-633F903F3688}"/>
-              </a:ext>
-            </a:extLst>
-          </p:cNvPr>
-          <p:cNvSpPr>
-            <a:spLocks noGrp="1" noChangeArrowheads="1"/>
-          </p:cNvSpPr>
-          <p:nvPr>
-            <p:ph idx="1"/>
-          </p:nvPr>
-        </p:nvSpPr>
-        <p:spPr bwMode="auto">
-          <a:xfrm>
-            <a:off x="2683413" y="1752600"/>
-            <a:ext cx="8545842" cy="4633961"/>
-          </a:xfrm>
-          <a:prstGeom prst="rect">
-            <a:avLst/>
-          </a:prstGeom>
-          <a:noFill/>
-          <a:ln>
-            <a:noFill/>
-          </a:ln>
-          <a:effectLst/>
-          <a:extLst>
-            <a:ext uri="{909E8E84-426E-40DD-AFC4-6F175D3DCCD1}">
-              <a14:hiddenFill xmlns:a14="http://schemas.microsoft.com/office/drawing/2010/main">
-                <a:solidFill>
-                  <a:schemeClr val="accent1"/>
-                </a:solidFill>
-              </a14:hiddenFill>
-            </a:ext>
-            <a:ext uri="{91240B29-F687-4F45-9708-019B960494DF}">
-              <a14:hiddenLine xmlns:a14="http://schemas.microsoft.com/office/drawing/2010/main" w="9525">
-                <a:solidFill>
-                  <a:schemeClr val="tx1"/>
-                </a:solidFill>
-                <a:miter lim="800000"/>
-                <a:headEnd/>
-                <a:tailEnd/>
-              </a14:hiddenLine>
-            </a:ext>
-            <a:ext uri="{AF507438-7753-43E0-B8FC-AC1667EBCBE1}">
-              <a14:hiddenEffects xmlns:a14="http://schemas.microsoft.com/office/drawing/2010/main">
-                <a:effectLst>
-                  <a:outerShdw dist="35921" dir="2700000" algn="ctr" rotWithShape="0">
-                    <a:schemeClr val="bg2"/>
-                  </a:outerShdw>
-                </a:effectLst>
-              </a14:hiddenEffects>
-            </a:ext>
-          </a:extLst>
-        </p:spPr>
-        <p:txBody>
-          <a:bodyPr vert="horz" wrap="square" lIns="91440" tIns="45720" rIns="91440" bIns="45720" numCol="1" anchor="ctr" anchorCtr="0" compatLnSpc="1">
-            <a:prstTxWarp prst="textNoShape">
-              <a:avLst/>
-            </a:prstTxWarp>
-            <a:spAutoFit/>
-          </a:bodyPr>
-          <a:lstStyle/>
-          <a:p>
-            <a:pPr marR="0" lvl="0" defTabSz="914400" rtl="0" eaLnBrk="0" fontAlgn="base" latinLnBrk="0" hangingPunct="0">
-              <a:lnSpc>
-                <a:spcPct val="200000"/>
-              </a:lnSpc>
-              <a:spcBef>
-                <a:spcPct val="0"/>
-              </a:spcBef>
-              <a:spcAft>
-                <a:spcPct val="0"/>
-              </a:spcAft>
-              <a:buClrTx/>
-              <a:buSzTx/>
-              <a:tabLst/>
-            </a:pPr>
-            <a:r>
-              <a:rPr kumimoji="0" lang="en-US" altLang="en-US" sz="1600" b="1" i="0" u="none" strike="noStrike" cap="none" normalizeH="0" baseline="0" dirty="0">
-                <a:ln>
-                  <a:noFill/>
-                </a:ln>
-                <a:solidFill>
-                  <a:schemeClr val="tx1"/>
-                </a:solidFill>
-                <a:effectLst/>
-                <a:latin typeface="Times New Roman" panose="02020603050405020304" pitchFamily="18" charset="0"/>
-                <a:cs typeface="Times New Roman" panose="02020603050405020304" pitchFamily="18" charset="0"/>
-              </a:rPr>
-              <a:t>Team Member 1 (Aditya Jyoti Sahu)</a:t>
-            </a:r>
-            <a:r>
-              <a:rPr kumimoji="0" lang="en-US" altLang="en-US" sz="1600" b="0" i="0" u="none" strike="noStrike" cap="none" normalizeH="0" baseline="0" dirty="0">
-                <a:ln>
-                  <a:noFill/>
-                </a:ln>
-                <a:solidFill>
-                  <a:schemeClr val="tx1"/>
-                </a:solidFill>
-                <a:effectLst/>
-                <a:latin typeface="Times New Roman" panose="02020603050405020304" pitchFamily="18" charset="0"/>
-                <a:cs typeface="Times New Roman" panose="02020603050405020304" pitchFamily="18" charset="0"/>
-              </a:rPr>
-              <a:t>:</a:t>
-            </a:r>
-            <a:r>
-              <a:rPr lang="en-US" sz="1100" dirty="0">
-                <a:latin typeface="Times New Roman" panose="02020603050405020304" pitchFamily="18" charset="0"/>
-                <a:cs typeface="Times New Roman" panose="02020603050405020304" pitchFamily="18" charset="0"/>
-              </a:rPr>
-              <a:t> </a:t>
-            </a:r>
-          </a:p>
-          <a:p>
-            <a:pPr marR="0" lvl="0" defTabSz="914400" rtl="0" eaLnBrk="0" fontAlgn="base" latinLnBrk="0" hangingPunct="0">
-              <a:lnSpc>
-                <a:spcPct val="200000"/>
-              </a:lnSpc>
-              <a:spcBef>
-                <a:spcPct val="0"/>
-              </a:spcBef>
-              <a:spcAft>
-                <a:spcPct val="0"/>
-              </a:spcAft>
-              <a:buClrTx/>
-              <a:buSzTx/>
-              <a:tabLst/>
-            </a:pPr>
-            <a:endParaRPr lang="en-US" sz="1100" b="1" dirty="0">
-              <a:latin typeface="Times New Roman" panose="02020603050405020304" pitchFamily="18" charset="0"/>
-              <a:cs typeface="Times New Roman" panose="02020603050405020304" pitchFamily="18" charset="0"/>
-            </a:endParaRPr>
-          </a:p>
-          <a:p>
-            <a:pPr marL="0" marR="0" lvl="0" indent="0" defTabSz="914400" rtl="0" eaLnBrk="0" fontAlgn="base" latinLnBrk="0" hangingPunct="0">
-              <a:lnSpc>
-                <a:spcPct val="200000"/>
-              </a:lnSpc>
-              <a:spcBef>
-                <a:spcPct val="0"/>
-              </a:spcBef>
-              <a:spcAft>
-                <a:spcPct val="0"/>
-              </a:spcAft>
-              <a:buClrTx/>
-              <a:buSzTx/>
-              <a:buNone/>
-              <a:tabLst/>
-            </a:pPr>
-            <a:endParaRPr lang="en-US" sz="1100" b="1" dirty="0">
-              <a:latin typeface="Times New Roman" panose="02020603050405020304" pitchFamily="18" charset="0"/>
-              <a:cs typeface="Times New Roman" panose="02020603050405020304" pitchFamily="18" charset="0"/>
-            </a:endParaRPr>
-          </a:p>
-          <a:p>
-            <a:pPr marR="0" lvl="0" defTabSz="914400" rtl="0" eaLnBrk="0" fontAlgn="base" latinLnBrk="0" hangingPunct="0">
-              <a:lnSpc>
-                <a:spcPct val="200000"/>
-              </a:lnSpc>
-              <a:spcBef>
-                <a:spcPct val="0"/>
-              </a:spcBef>
-              <a:spcAft>
-                <a:spcPct val="0"/>
-              </a:spcAft>
-              <a:buClrTx/>
-              <a:buSzTx/>
-              <a:tabLst/>
-            </a:pPr>
-            <a:r>
-              <a:rPr lang="en-US" sz="1600" b="1" dirty="0">
-                <a:latin typeface="Times New Roman" panose="02020603050405020304" pitchFamily="18" charset="0"/>
-                <a:cs typeface="Times New Roman" panose="02020603050405020304" pitchFamily="18" charset="0"/>
-              </a:rPr>
-              <a:t>Team Member 2 (Anish Kumar)</a:t>
-            </a:r>
-            <a:r>
-              <a:rPr lang="en-US" sz="1600" dirty="0">
-                <a:latin typeface="Times New Roman" panose="02020603050405020304" pitchFamily="18" charset="0"/>
-                <a:cs typeface="Times New Roman" panose="02020603050405020304" pitchFamily="18" charset="0"/>
-              </a:rPr>
-              <a:t>:</a:t>
-            </a:r>
-          </a:p>
-          <a:p>
-            <a:pPr marL="0" indent="0" eaLnBrk="0" fontAlgn="base" hangingPunct="0">
-              <a:lnSpc>
-                <a:spcPct val="200000"/>
-              </a:lnSpc>
-              <a:spcBef>
-                <a:spcPct val="0"/>
-              </a:spcBef>
-              <a:spcAft>
-                <a:spcPct val="0"/>
-              </a:spcAft>
-              <a:buNone/>
-            </a:pPr>
-            <a:r>
-              <a:rPr lang="en-US" sz="1600" dirty="0">
-                <a:latin typeface="Times New Roman" panose="02020603050405020304" pitchFamily="18" charset="0"/>
-                <a:cs typeface="Times New Roman" panose="02020603050405020304" pitchFamily="18" charset="0"/>
-              </a:rPr>
-              <a:t>     Technologies Used – </a:t>
-            </a:r>
-          </a:p>
-          <a:p>
-            <a:pPr marL="0" indent="0" eaLnBrk="0" fontAlgn="base" hangingPunct="0">
-              <a:lnSpc>
-                <a:spcPct val="200000"/>
-              </a:lnSpc>
-              <a:spcBef>
-                <a:spcPct val="0"/>
-              </a:spcBef>
-              <a:spcAft>
-                <a:spcPct val="0"/>
-              </a:spcAft>
-              <a:buNone/>
-            </a:pPr>
-            <a:r>
-              <a:rPr lang="en-US" sz="1600" dirty="0">
-                <a:latin typeface="Times New Roman" panose="02020603050405020304" pitchFamily="18" charset="0"/>
-                <a:cs typeface="Times New Roman" panose="02020603050405020304" pitchFamily="18" charset="0"/>
-              </a:rPr>
-              <a:t>               Clerk(Authentication), </a:t>
-            </a:r>
-          </a:p>
-          <a:p>
-            <a:pPr marL="0" indent="0" eaLnBrk="0" fontAlgn="base" hangingPunct="0">
-              <a:lnSpc>
-                <a:spcPct val="200000"/>
-              </a:lnSpc>
-              <a:spcBef>
-                <a:spcPct val="0"/>
-              </a:spcBef>
-              <a:spcAft>
-                <a:spcPct val="0"/>
-              </a:spcAft>
-              <a:buNone/>
-            </a:pPr>
-            <a:r>
-              <a:rPr lang="en-US" sz="1600" dirty="0">
-                <a:latin typeface="Times New Roman" panose="02020603050405020304" pitchFamily="18" charset="0"/>
-                <a:cs typeface="Times New Roman" panose="02020603050405020304" pitchFamily="18" charset="0"/>
-              </a:rPr>
-              <a:t>               NextJs (Server side rendering), </a:t>
-            </a:r>
-          </a:p>
-          <a:p>
-            <a:pPr marL="0" indent="0" eaLnBrk="0" fontAlgn="base" hangingPunct="0">
-              <a:lnSpc>
-                <a:spcPct val="200000"/>
-              </a:lnSpc>
-              <a:spcBef>
-                <a:spcPct val="0"/>
-              </a:spcBef>
-              <a:spcAft>
-                <a:spcPct val="0"/>
-              </a:spcAft>
-              <a:buNone/>
-            </a:pPr>
-            <a:r>
-              <a:rPr lang="en-US" sz="1600" dirty="0">
-                <a:latin typeface="Times New Roman" panose="02020603050405020304" pitchFamily="18" charset="0"/>
-                <a:cs typeface="Times New Roman" panose="02020603050405020304" pitchFamily="18" charset="0"/>
-              </a:rPr>
-              <a:t>               Get Stream (Provides Database and Video , Chat Services), </a:t>
-            </a:r>
-          </a:p>
-          <a:p>
-            <a:pPr marL="0" indent="0" eaLnBrk="0" fontAlgn="base" hangingPunct="0">
-              <a:lnSpc>
-                <a:spcPct val="200000"/>
-              </a:lnSpc>
-              <a:spcBef>
-                <a:spcPct val="0"/>
-              </a:spcBef>
-              <a:spcAft>
-                <a:spcPct val="0"/>
-              </a:spcAft>
-              <a:buNone/>
-            </a:pPr>
-            <a:r>
-              <a:rPr lang="en-US" sz="1600" dirty="0">
-                <a:latin typeface="Times New Roman" panose="02020603050405020304" pitchFamily="18" charset="0"/>
-                <a:cs typeface="Times New Roman" panose="02020603050405020304" pitchFamily="18" charset="0"/>
-              </a:rPr>
-              <a:t>               Tailwind Css (Latest UI/UX Design),</a:t>
-            </a:r>
-            <a:endParaRPr kumimoji="0" lang="en-US" altLang="en-US" sz="1600" b="0" i="0" u="none" strike="noStrike" cap="none" normalizeH="0" baseline="0" dirty="0">
-              <a:ln>
-                <a:noFill/>
-              </a:ln>
-              <a:solidFill>
-                <a:schemeClr val="tx1"/>
-              </a:solidFill>
-              <a:effectLst/>
-              <a:latin typeface="Times New Roman" panose="02020603050405020304" pitchFamily="18" charset="0"/>
-              <a:cs typeface="Times New Roman" panose="02020603050405020304" pitchFamily="18" charset="0"/>
-            </a:endParaRPr>
-          </a:p>
-          <a:p>
-            <a:pPr marR="0" lvl="0" defTabSz="914400" rtl="0" eaLnBrk="0" fontAlgn="base" latinLnBrk="0" hangingPunct="0">
-              <a:lnSpc>
-                <a:spcPct val="200000"/>
-              </a:lnSpc>
-              <a:spcBef>
-                <a:spcPct val="0"/>
-              </a:spcBef>
-              <a:spcAft>
-                <a:spcPct val="0"/>
-              </a:spcAft>
-              <a:buClrTx/>
-              <a:buSzTx/>
-              <a:tabLst/>
-            </a:pPr>
-            <a:endParaRPr kumimoji="0" lang="en-US" altLang="en-US" sz="1600" b="0" i="0" u="none" strike="noStrike" cap="none" normalizeH="0" baseline="0" dirty="0">
-              <a:ln>
-                <a:noFill/>
-              </a:ln>
-              <a:solidFill>
-                <a:schemeClr val="tx1"/>
-              </a:solidFill>
-              <a:effectLst/>
-              <a:latin typeface="Times New Roman" panose="02020603050405020304" pitchFamily="18" charset="0"/>
-              <a:cs typeface="Times New Roman" panose="02020603050405020304" pitchFamily="18" charset="0"/>
-            </a:endParaRPr>
-          </a:p>
-        </p:txBody>
-      </p:sp>
-    </p:spTree>
-    <p:extLst>
-      <p:ext uri="{BB962C8B-B14F-4D97-AF65-F5344CB8AC3E}">
-        <p14:creationId xmlns:p14="http://schemas.microsoft.com/office/powerpoint/2010/main" val="1560086239"/>
-      </p:ext>
-    </p:extLst>
-  </p:cSld>
-  <p:clrMapOvr>
-    <a:masterClrMapping/>
-  </p:clrMapOvr>
-</p:sld>
-</file>
-
-<file path=ppt/slides/slide21.xml><?xml version="1.0" encoding="utf-8"?>
-<p:sld xmlns:a="http://schemas.openxmlformats.org/drawingml/2006/main" xmlns:r="http://schemas.openxmlformats.org/officeDocument/2006/relationships" xmlns:p="http://schemas.openxmlformats.org/presentationml/2006/main">
-  <p:cSld>
-    <p:spTree>
-      <p:nvGrpSpPr>
-        <p:cNvPr id="1" name=""/>
-        <p:cNvGrpSpPr/>
-        <p:nvPr/>
-      </p:nvGrpSpPr>
-      <p:grpSpPr>
-        <a:xfrm>
-          <a:off x="0" y="0"/>
-          <a:ext cx="0" cy="0"/>
-          <a:chOff x="0" y="0"/>
-          <a:chExt cx="0" cy="0"/>
-        </a:xfrm>
-      </p:grpSpPr>
-      <p:sp>
-        <p:nvSpPr>
-          <p:cNvPr id="5" name="Rectangle"/>
-          <p:cNvSpPr/>
-          <p:nvPr/>
-        </p:nvSpPr>
-        <p:spPr>
-          <a:xfrm flipH="1">
-            <a:off x="0" y="0"/>
-            <a:ext cx="2469463" cy="6858000"/>
-          </a:xfrm>
-          <a:prstGeom prst="rect">
-            <a:avLst/>
-          </a:prstGeom>
-          <a:solidFill>
-            <a:srgbClr val="F28E01"/>
-          </a:solidFill>
-          <a:ln w="12700">
-            <a:miter lim="400000"/>
-          </a:ln>
-        </p:spPr>
-        <p:txBody>
-          <a:bodyPr lIns="50800" tIns="50800" rIns="50800" bIns="50800" anchor="ctr"/>
-          <a:lstStyle/>
-          <a:p>
-            <a:pPr defTabSz="1130300">
-              <a:defRPr sz="3200">
-                <a:solidFill>
-                  <a:srgbClr val="FFFFFF"/>
-                </a:solidFill>
-                <a:latin typeface="Graphik"/>
-                <a:ea typeface="Graphik"/>
-                <a:cs typeface="Graphik"/>
-                <a:sym typeface="Graphik"/>
-              </a:defRPr>
-            </a:pPr>
-            <a:endParaRPr sz="3200" baseline="-25000"/>
-          </a:p>
-        </p:txBody>
-      </p:sp>
-      <p:sp>
-        <p:nvSpPr>
-          <p:cNvPr id="8" name="Rectangle"/>
-          <p:cNvSpPr/>
-          <p:nvPr/>
-        </p:nvSpPr>
-        <p:spPr>
-          <a:xfrm flipH="1">
-            <a:off x="11496000" y="1"/>
-            <a:ext cx="257907" cy="6858000"/>
-          </a:xfrm>
-          <a:prstGeom prst="rect">
-            <a:avLst/>
-          </a:prstGeom>
-          <a:solidFill>
-            <a:srgbClr val="F28E01"/>
-          </a:solidFill>
-          <a:ln w="12700">
-            <a:miter lim="400000"/>
-          </a:ln>
-        </p:spPr>
-        <p:txBody>
-          <a:bodyPr lIns="50800" tIns="50800" rIns="50800" bIns="50800" anchor="ctr"/>
-          <a:lstStyle/>
-          <a:p>
-            <a:pPr defTabSz="1130300">
-              <a:defRPr sz="3300">
-                <a:solidFill>
-                  <a:srgbClr val="FFFFFF"/>
-                </a:solidFill>
-                <a:latin typeface="Graphik"/>
-                <a:ea typeface="Graphik"/>
-                <a:cs typeface="Graphik"/>
-                <a:sym typeface="Graphik"/>
-              </a:defRPr>
-            </a:pPr>
-            <a:endParaRPr sz="3300"/>
-          </a:p>
-        </p:txBody>
-      </p:sp>
-      <p:grpSp>
-        <p:nvGrpSpPr>
-          <p:cNvPr id="3" name="Group 19"/>
-          <p:cNvGrpSpPr/>
-          <p:nvPr/>
-        </p:nvGrpSpPr>
-        <p:grpSpPr>
-          <a:xfrm>
-            <a:off x="122050" y="1474470"/>
-            <a:ext cx="2209165" cy="3067050"/>
-            <a:chOff x="230" y="2322"/>
-            <a:chExt cx="3479" cy="4830"/>
-          </a:xfrm>
-        </p:grpSpPr>
-        <p:sp>
-          <p:nvSpPr>
-            <p:cNvPr id="21" name="Rectangle"/>
-            <p:cNvSpPr/>
-            <p:nvPr/>
-          </p:nvSpPr>
-          <p:spPr>
-            <a:xfrm flipH="1">
-              <a:off x="1099" y="2322"/>
-              <a:ext cx="2611" cy="2465"/>
-            </a:xfrm>
-            <a:prstGeom prst="rect">
-              <a:avLst/>
-            </a:prstGeom>
-            <a:solidFill>
-              <a:schemeClr val="bg1"/>
-            </a:solidFill>
-            <a:ln w="12700">
-              <a:miter lim="400000"/>
-            </a:ln>
-          </p:spPr>
-          <p:txBody>
-            <a:bodyPr lIns="50800" tIns="50800" rIns="50800" bIns="50800" anchor="ctr"/>
-            <a:lstStyle/>
-            <a:p>
-              <a:pPr defTabSz="1130300">
-                <a:defRPr sz="3200">
-                  <a:solidFill>
-                    <a:srgbClr val="FFFFFF"/>
-                  </a:solidFill>
-                  <a:latin typeface="Graphik"/>
-                  <a:ea typeface="Graphik"/>
-                  <a:cs typeface="Graphik"/>
-                  <a:sym typeface="Graphik"/>
-                </a:defRPr>
-              </a:pPr>
-              <a:endParaRPr sz="3200" baseline="-25000"/>
-            </a:p>
-          </p:txBody>
-        </p:sp>
-        <p:sp>
-          <p:nvSpPr>
-            <p:cNvPr id="22" name="Rectangle"/>
-            <p:cNvSpPr/>
-            <p:nvPr/>
-          </p:nvSpPr>
-          <p:spPr>
-            <a:xfrm flipH="1">
-              <a:off x="230" y="2624"/>
-              <a:ext cx="3192" cy="4529"/>
-            </a:xfrm>
-            <a:prstGeom prst="rect">
-              <a:avLst/>
-            </a:prstGeom>
-            <a:solidFill>
-              <a:srgbClr val="585858"/>
-            </a:solidFill>
-            <a:ln w="12700">
-              <a:miter lim="400000"/>
-            </a:ln>
-          </p:spPr>
-          <p:txBody>
-            <a:bodyPr lIns="50800" tIns="50800" rIns="50800" bIns="50800" anchor="ctr"/>
-            <a:lstStyle/>
-            <a:p>
-              <a:pPr defTabSz="1130300">
-                <a:defRPr sz="3200">
-                  <a:solidFill>
-                    <a:srgbClr val="FFFFFF"/>
-                  </a:solidFill>
-                  <a:latin typeface="Graphik"/>
-                  <a:ea typeface="Graphik"/>
-                  <a:cs typeface="Graphik"/>
-                  <a:sym typeface="Graphik"/>
-                </a:defRPr>
-              </a:pPr>
-              <a:endParaRPr sz="3200" baseline="-25000" dirty="0"/>
-            </a:p>
-          </p:txBody>
-        </p:sp>
-        <p:pic>
-          <p:nvPicPr>
-            <p:cNvPr id="23" name="Image" descr="Image"/>
-            <p:cNvPicPr>
-              <a:picLocks noChangeAspect="1"/>
-            </p:cNvPicPr>
-            <p:nvPr/>
-          </p:nvPicPr>
-          <p:blipFill>
-            <a:blip r:embed="rId3" cstate="print"/>
-            <a:stretch>
-              <a:fillRect/>
-            </a:stretch>
-          </p:blipFill>
-          <p:spPr>
-            <a:xfrm>
-              <a:off x="987" y="3715"/>
-              <a:ext cx="1683" cy="1805"/>
-            </a:xfrm>
-            <a:prstGeom prst="rect">
-              <a:avLst/>
-            </a:prstGeom>
-            <a:ln w="12700">
-              <a:miter lim="400000"/>
-              <a:headEnd/>
-              <a:tailEnd/>
-            </a:ln>
-          </p:spPr>
-        </p:pic>
-      </p:grpSp>
-      <p:sp>
-        <p:nvSpPr>
-          <p:cNvPr id="4" name="TextBox 3"/>
-          <p:cNvSpPr txBox="1"/>
-          <p:nvPr/>
-        </p:nvSpPr>
-        <p:spPr>
-          <a:xfrm>
-            <a:off x="336000" y="3643668"/>
-            <a:ext cx="1800000" cy="369332"/>
-          </a:xfrm>
-          <a:prstGeom prst="rect">
-            <a:avLst/>
-          </a:prstGeom>
-          <a:noFill/>
-        </p:spPr>
-        <p:txBody>
-          <a:bodyPr wrap="square" rtlCol="0">
-            <a:spAutoFit/>
-          </a:bodyPr>
-          <a:lstStyle/>
-          <a:p>
-            <a:r>
-              <a:rPr lang="en-US" dirty="0"/>
-              <a:t>    </a:t>
-            </a:r>
-            <a:r>
-              <a:rPr lang="en-US" dirty="0">
-                <a:solidFill>
-                  <a:schemeClr val="bg1"/>
-                </a:solidFill>
-              </a:rPr>
-              <a:t>Dept of CSE</a:t>
-            </a:r>
-          </a:p>
-        </p:txBody>
-      </p:sp>
-      <p:sp>
-        <p:nvSpPr>
-          <p:cNvPr id="7" name="Title 6">
-            <a:extLst>
-              <a:ext uri="{FF2B5EF4-FFF2-40B4-BE49-F238E27FC236}">
-                <a16:creationId xmlns:a16="http://schemas.microsoft.com/office/drawing/2014/main" id="{BAE3B82A-826A-0304-CCFE-B1B91ED37478}"/>
-              </a:ext>
-            </a:extLst>
-          </p:cNvPr>
-          <p:cNvSpPr>
-            <a:spLocks noGrp="1"/>
-          </p:cNvSpPr>
-          <p:nvPr>
-            <p:ph type="title"/>
-          </p:nvPr>
-        </p:nvSpPr>
-        <p:spPr>
-          <a:xfrm>
-            <a:off x="2743200" y="365125"/>
-            <a:ext cx="8610599" cy="1325563"/>
-          </a:xfrm>
-        </p:spPr>
-        <p:txBody>
-          <a:bodyPr>
-            <a:normAutofit/>
-          </a:bodyPr>
-          <a:lstStyle/>
-          <a:p>
-            <a:r>
-              <a:rPr lang="en-IN" sz="4000" b="1" dirty="0">
-                <a:latin typeface="Times New Roman" panose="02020603050405020304" pitchFamily="18" charset="0"/>
-                <a:cs typeface="Times New Roman" panose="02020603050405020304" pitchFamily="18" charset="0"/>
-              </a:rPr>
-              <a:t>Individual Responsibilities</a:t>
-            </a:r>
-          </a:p>
-        </p:txBody>
-      </p:sp>
-      <p:sp>
-        <p:nvSpPr>
           <p:cNvPr id="2" name="Content Placeholder 1">
             <a:extLst>
               <a:ext uri="{FF2B5EF4-FFF2-40B4-BE49-F238E27FC236}">
@@ -31659,7 +30842,7 @@
 </p:sld>
 </file>
 
-<file path=ppt/slides/slide22.xml><?xml version="1.0" encoding="utf-8"?>
+<file path=ppt/slides/slide21.xml><?xml version="1.0" encoding="utf-8"?>
 <p:sld xmlns:a="http://schemas.openxmlformats.org/drawingml/2006/main" xmlns:r="http://schemas.openxmlformats.org/officeDocument/2006/relationships" xmlns:p="http://schemas.openxmlformats.org/presentationml/2006/main">
   <p:cSld>
     <p:spTree>
@@ -32107,7 +31290,7 @@
 </p:sld>
 </file>
 
-<file path=ppt/slides/slide23.xml><?xml version="1.0" encoding="utf-8"?>
+<file path=ppt/slides/slide22.xml><?xml version="1.0" encoding="utf-8"?>
 <p:sld xmlns:a="http://schemas.openxmlformats.org/drawingml/2006/main" xmlns:r="http://schemas.openxmlformats.org/officeDocument/2006/relationships" xmlns:p="http://schemas.openxmlformats.org/presentationml/2006/main">
   <p:cSld>
     <p:spTree>
@@ -32419,8 +31602,8 @@
         </p:nvSpPr>
         <p:spPr bwMode="auto">
           <a:xfrm>
-            <a:off x="2743200" y="2194985"/>
-            <a:ext cx="6172200" cy="3228448"/>
+            <a:off x="2743199" y="2687427"/>
+            <a:ext cx="8639187" cy="2243563"/>
           </a:xfrm>
           <a:prstGeom prst="rect">
             <a:avLst/>
@@ -32840,8 +32023,8 @@
         </p:nvSpPr>
         <p:spPr>
           <a:xfrm>
-            <a:off x="2743200" y="381000"/>
-            <a:ext cx="8229600" cy="1143000"/>
+            <a:off x="2573188" y="374873"/>
+            <a:ext cx="8915400" cy="1143000"/>
           </a:xfrm>
         </p:spPr>
         <p:txBody>
@@ -32855,7 +32038,7 @@
                 <a:latin typeface="Times New Roman" panose="02020603050405020304" pitchFamily="18" charset="0"/>
                 <a:cs typeface="Times New Roman" panose="02020603050405020304" pitchFamily="18" charset="0"/>
               </a:rPr>
-              <a:t>Callify Video Conferencing</a:t>
+              <a:t>Callify: Video Conferencing Application</a:t>
             </a:r>
           </a:p>
         </p:txBody>
@@ -36524,8 +35707,8 @@
         </p:nvSpPr>
         <p:spPr bwMode="auto">
           <a:xfrm>
-            <a:off x="2747682" y="1726798"/>
-            <a:ext cx="8639188" cy="4203074"/>
+            <a:off x="2747682" y="2219240"/>
+            <a:ext cx="8639188" cy="3218189"/>
           </a:xfrm>
           <a:prstGeom prst="rect">
             <a:avLst/>
@@ -36630,18 +35813,18 @@
               </a:spcAft>
             </a:pPr>
             <a:r>
-              <a:rPr lang="en-US" sz="1600" dirty="0" err="1">
+              <a:rPr kumimoji="0" lang="en-US" altLang="en-US" sz="1600" b="0" i="0" u="none" strike="noStrike" cap="none" normalizeH="0" baseline="0" dirty="0">
+                <a:ln>
+                  <a:noFill/>
+                </a:ln>
+                <a:solidFill>
+                  <a:schemeClr val="tx1"/>
+                </a:solidFill>
+                <a:effectLst/>
                 <a:latin typeface="Times New Roman" panose="02020603050405020304" pitchFamily="18" charset="0"/>
                 <a:cs typeface="Times New Roman" panose="02020603050405020304" pitchFamily="18" charset="0"/>
               </a:rPr>
-              <a:t>Callify's</a:t>
-            </a:r>
-            <a:r>
-              <a:rPr lang="en-US" sz="1600" dirty="0">
-                <a:latin typeface="Times New Roman" panose="02020603050405020304" pitchFamily="18" charset="0"/>
-                <a:cs typeface="Times New Roman" panose="02020603050405020304" pitchFamily="18" charset="0"/>
-              </a:rPr>
-              <a:t> effectiveness as a secure, scalable, and user-friendly solution for remote  </a:t>
+              <a:t>Assess Zoom’s ability to maintain data security and user privacy in large-scale virtual meetings.</a:t>
             </a:r>
           </a:p>
           <a:p>
@@ -36661,72 +35844,6 @@
               <a:tabLst/>
             </a:pPr>
             <a:r>
-              <a:rPr lang="en-US" sz="1600" dirty="0">
-                <a:latin typeface="Times New Roman" panose="02020603050405020304" pitchFamily="18" charset="0"/>
-                <a:cs typeface="Times New Roman" panose="02020603050405020304" pitchFamily="18" charset="0"/>
-              </a:rPr>
-              <a:t>     communication   and large-scale virtual meetings.</a:t>
-            </a:r>
-            <a:r>
-              <a:rPr kumimoji="0" lang="en-US" altLang="en-US" sz="1600" b="0" i="0" u="none" strike="noStrike" cap="none" normalizeH="0" baseline="0" dirty="0">
-                <a:ln>
-                  <a:noFill/>
-                </a:ln>
-                <a:solidFill>
-                  <a:schemeClr val="tx1"/>
-                </a:solidFill>
-                <a:effectLst/>
-                <a:latin typeface="Times New Roman" panose="02020603050405020304" pitchFamily="18" charset="0"/>
-                <a:cs typeface="Times New Roman" panose="02020603050405020304" pitchFamily="18" charset="0"/>
-              </a:rPr>
-              <a:t>.</a:t>
-            </a:r>
-          </a:p>
-          <a:p>
-            <a:pPr marL="0" marR="0" lvl="0" indent="0" algn="l" defTabSz="914400" rtl="0" eaLnBrk="0" fontAlgn="base" latinLnBrk="0" hangingPunct="0">
-              <a:lnSpc>
-                <a:spcPct val="200000"/>
-              </a:lnSpc>
-              <a:spcBef>
-                <a:spcPct val="0"/>
-              </a:spcBef>
-              <a:spcAft>
-                <a:spcPct val="0"/>
-              </a:spcAft>
-              <a:buClrTx/>
-              <a:buSzTx/>
-              <a:buNone/>
-              <a:tabLst/>
-            </a:pPr>
-            <a:endParaRPr kumimoji="0" lang="en-US" altLang="en-US" sz="1600" b="0" i="0" u="none" strike="noStrike" cap="none" normalizeH="0" baseline="0" dirty="0">
-              <a:ln>
-                <a:noFill/>
-              </a:ln>
-              <a:solidFill>
-                <a:schemeClr val="tx1"/>
-              </a:solidFill>
-              <a:effectLst/>
-              <a:latin typeface="Times New Roman" panose="02020603050405020304" pitchFamily="18" charset="0"/>
-              <a:cs typeface="Times New Roman" panose="02020603050405020304" pitchFamily="18" charset="0"/>
-            </a:endParaRPr>
-          </a:p>
-          <a:p>
-            <a:pPr marL="0" marR="0" lvl="0" indent="0" algn="l" defTabSz="914400" rtl="0" eaLnBrk="0" fontAlgn="base" latinLnBrk="0" hangingPunct="0">
-              <a:lnSpc>
-                <a:spcPct val="200000"/>
-              </a:lnSpc>
-              <a:spcBef>
-                <a:spcPct val="0"/>
-              </a:spcBef>
-              <a:spcAft>
-                <a:spcPct val="0"/>
-              </a:spcAft>
-              <a:buClrTx/>
-              <a:buSzTx/>
-              <a:buNone/>
-              <a:tabLst/>
-            </a:pPr>
-            <a:r>
               <a:rPr kumimoji="0" lang="en-US" altLang="en-US" sz="2000" b="1" i="0" u="none" strike="noStrike" cap="none" normalizeH="0" baseline="0" dirty="0">
                 <a:ln>
                   <a:noFill/>
@@ -36772,21 +35889,7 @@
                 <a:latin typeface="Times New Roman" panose="02020603050405020304" pitchFamily="18" charset="0"/>
                 <a:cs typeface="Times New Roman" panose="02020603050405020304" pitchFamily="18" charset="0"/>
               </a:rPr>
-              <a:t>Analyze </a:t>
-            </a:r>
-            <a:r>
-              <a:rPr lang="en-US" sz="1600" dirty="0" err="1">
-                <a:latin typeface="Times New Roman" panose="02020603050405020304" pitchFamily="18" charset="0"/>
-                <a:cs typeface="Times New Roman" panose="02020603050405020304" pitchFamily="18" charset="0"/>
-              </a:rPr>
-              <a:t>Callify's</a:t>
-            </a:r>
-            <a:r>
-              <a:rPr lang="en-US" sz="1600" dirty="0">
-                <a:latin typeface="Times New Roman" panose="02020603050405020304" pitchFamily="18" charset="0"/>
-                <a:cs typeface="Times New Roman" panose="02020603050405020304" pitchFamily="18" charset="0"/>
-              </a:rPr>
-              <a:t> capacity to meet the rising demand for remote communication.</a:t>
+              <a:t>Analyze Zoom's capacity to meet the rising demand for remote communication.</a:t>
             </a:r>
           </a:p>
           <a:p>
@@ -36806,21 +35909,7 @@
                 <a:latin typeface="Times New Roman" panose="02020603050405020304" pitchFamily="18" charset="0"/>
                 <a:cs typeface="Times New Roman" panose="02020603050405020304" pitchFamily="18" charset="0"/>
               </a:rPr>
-              <a:t>Assess </a:t>
-            </a:r>
-            <a:r>
-              <a:rPr lang="en-US" sz="1600" dirty="0" err="1">
-                <a:latin typeface="Times New Roman" panose="02020603050405020304" pitchFamily="18" charset="0"/>
-                <a:cs typeface="Times New Roman" panose="02020603050405020304" pitchFamily="18" charset="0"/>
-              </a:rPr>
-              <a:t>Callify's</a:t>
-            </a:r>
-            <a:r>
-              <a:rPr lang="en-US" sz="1600" dirty="0">
-                <a:latin typeface="Times New Roman" panose="02020603050405020304" pitchFamily="18" charset="0"/>
-                <a:cs typeface="Times New Roman" panose="02020603050405020304" pitchFamily="18" charset="0"/>
-              </a:rPr>
-              <a:t> scalability and security in supporting large-scale meetings.</a:t>
+              <a:t>Assess Zoom's scalability and security in supporting large-scale meetings.</a:t>
             </a:r>
           </a:p>
           <a:p>
@@ -36840,21 +35929,7 @@
                 <a:latin typeface="Times New Roman" panose="02020603050405020304" pitchFamily="18" charset="0"/>
                 <a:cs typeface="Times New Roman" panose="02020603050405020304" pitchFamily="18" charset="0"/>
               </a:rPr>
-              <a:t>Explore </a:t>
-            </a:r>
-            <a:r>
-              <a:rPr lang="en-US" sz="1600" dirty="0" err="1">
-                <a:latin typeface="Times New Roman" panose="02020603050405020304" pitchFamily="18" charset="0"/>
-                <a:cs typeface="Times New Roman" panose="02020603050405020304" pitchFamily="18" charset="0"/>
-              </a:rPr>
-              <a:t>Callify's</a:t>
-            </a:r>
-            <a:r>
-              <a:rPr lang="en-US" sz="1600" dirty="0">
-                <a:latin typeface="Times New Roman" panose="02020603050405020304" pitchFamily="18" charset="0"/>
-                <a:cs typeface="Times New Roman" panose="02020603050405020304" pitchFamily="18" charset="0"/>
-              </a:rPr>
-              <a:t> impact on work culture and communication efficiency.</a:t>
+              <a:t>Explore Zoom's impact on work culture and communication efficiency.</a:t>
             </a:r>
             <a:endParaRPr kumimoji="0" lang="en-US" altLang="en-US" sz="2400" b="0" i="0" u="none" strike="noStrike" cap="none" normalizeH="0" baseline="0" dirty="0">
               <a:ln>
@@ -36884,574 +35959,6 @@
 </file>
 
 <file path=ppt/slides/slide7.xml><?xml version="1.0" encoding="utf-8"?>
-<p:sld xmlns:a="http://schemas.openxmlformats.org/drawingml/2006/main" xmlns:r="http://schemas.openxmlformats.org/officeDocument/2006/relationships" xmlns:p="http://schemas.openxmlformats.org/presentationml/2006/main">
-  <p:cSld>
-    <p:spTree>
-      <p:nvGrpSpPr>
-        <p:cNvPr id="1" name=""/>
-        <p:cNvGrpSpPr/>
-        <p:nvPr/>
-      </p:nvGrpSpPr>
-      <p:grpSpPr>
-        <a:xfrm>
-          <a:off x="0" y="0"/>
-          <a:ext cx="0" cy="0"/>
-          <a:chOff x="0" y="0"/>
-          <a:chExt cx="0" cy="0"/>
-        </a:xfrm>
-      </p:grpSpPr>
-      <p:sp>
-        <p:nvSpPr>
-          <p:cNvPr id="5" name="Rectangle"/>
-          <p:cNvSpPr/>
-          <p:nvPr/>
-        </p:nvSpPr>
-        <p:spPr>
-          <a:xfrm flipH="1">
-            <a:off x="-24000" y="-2"/>
-            <a:ext cx="2469463" cy="6858000"/>
-          </a:xfrm>
-          <a:prstGeom prst="rect">
-            <a:avLst/>
-          </a:prstGeom>
-          <a:solidFill>
-            <a:srgbClr val="F28E01"/>
-          </a:solidFill>
-          <a:ln w="12700">
-            <a:miter lim="400000"/>
-          </a:ln>
-        </p:spPr>
-        <p:txBody>
-          <a:bodyPr lIns="50800" tIns="50800" rIns="50800" bIns="50800" anchor="ctr"/>
-          <a:lstStyle/>
-          <a:p>
-            <a:pPr defTabSz="1130300">
-              <a:defRPr sz="3200">
-                <a:solidFill>
-                  <a:srgbClr val="FFFFFF"/>
-                </a:solidFill>
-                <a:latin typeface="Graphik"/>
-                <a:ea typeface="Graphik"/>
-                <a:cs typeface="Graphik"/>
-                <a:sym typeface="Graphik"/>
-              </a:defRPr>
-            </a:pPr>
-            <a:endParaRPr sz="3200" baseline="-25000"/>
-          </a:p>
-        </p:txBody>
-      </p:sp>
-      <p:sp>
-        <p:nvSpPr>
-          <p:cNvPr id="8" name="Rectangle"/>
-          <p:cNvSpPr/>
-          <p:nvPr/>
-        </p:nvSpPr>
-        <p:spPr>
-          <a:xfrm flipH="1">
-            <a:off x="11496000" y="1"/>
-            <a:ext cx="257907" cy="6858000"/>
-          </a:xfrm>
-          <a:prstGeom prst="rect">
-            <a:avLst/>
-          </a:prstGeom>
-          <a:solidFill>
-            <a:srgbClr val="F28E01"/>
-          </a:solidFill>
-          <a:ln w="12700">
-            <a:miter lim="400000"/>
-          </a:ln>
-        </p:spPr>
-        <p:txBody>
-          <a:bodyPr lIns="50800" tIns="50800" rIns="50800" bIns="50800" anchor="ctr"/>
-          <a:lstStyle/>
-          <a:p>
-            <a:pPr defTabSz="1130300">
-              <a:defRPr sz="3300">
-                <a:solidFill>
-                  <a:srgbClr val="FFFFFF"/>
-                </a:solidFill>
-                <a:latin typeface="Graphik"/>
-                <a:ea typeface="Graphik"/>
-                <a:cs typeface="Graphik"/>
-                <a:sym typeface="Graphik"/>
-              </a:defRPr>
-            </a:pPr>
-            <a:endParaRPr sz="3300"/>
-          </a:p>
-        </p:txBody>
-      </p:sp>
-      <p:grpSp>
-        <p:nvGrpSpPr>
-          <p:cNvPr id="3" name="Group 19"/>
-          <p:cNvGrpSpPr/>
-          <p:nvPr/>
-        </p:nvGrpSpPr>
-        <p:grpSpPr>
-          <a:xfrm>
-            <a:off x="122050" y="1474470"/>
-            <a:ext cx="2209165" cy="3067050"/>
-            <a:chOff x="230" y="2322"/>
-            <a:chExt cx="3479" cy="4830"/>
-          </a:xfrm>
-        </p:grpSpPr>
-        <p:sp>
-          <p:nvSpPr>
-            <p:cNvPr id="21" name="Rectangle"/>
-            <p:cNvSpPr/>
-            <p:nvPr/>
-          </p:nvSpPr>
-          <p:spPr>
-            <a:xfrm flipH="1">
-              <a:off x="1099" y="2322"/>
-              <a:ext cx="2611" cy="2465"/>
-            </a:xfrm>
-            <a:prstGeom prst="rect">
-              <a:avLst/>
-            </a:prstGeom>
-            <a:solidFill>
-              <a:schemeClr val="bg1"/>
-            </a:solidFill>
-            <a:ln w="12700">
-              <a:miter lim="400000"/>
-            </a:ln>
-          </p:spPr>
-          <p:txBody>
-            <a:bodyPr lIns="50800" tIns="50800" rIns="50800" bIns="50800" anchor="ctr"/>
-            <a:lstStyle/>
-            <a:p>
-              <a:pPr defTabSz="1130300">
-                <a:defRPr sz="3200">
-                  <a:solidFill>
-                    <a:srgbClr val="FFFFFF"/>
-                  </a:solidFill>
-                  <a:latin typeface="Graphik"/>
-                  <a:ea typeface="Graphik"/>
-                  <a:cs typeface="Graphik"/>
-                  <a:sym typeface="Graphik"/>
-                </a:defRPr>
-              </a:pPr>
-              <a:endParaRPr sz="3200" baseline="-25000"/>
-            </a:p>
-          </p:txBody>
-        </p:sp>
-        <p:sp>
-          <p:nvSpPr>
-            <p:cNvPr id="22" name="Rectangle"/>
-            <p:cNvSpPr/>
-            <p:nvPr/>
-          </p:nvSpPr>
-          <p:spPr>
-            <a:xfrm flipH="1">
-              <a:off x="230" y="2624"/>
-              <a:ext cx="3192" cy="4529"/>
-            </a:xfrm>
-            <a:prstGeom prst="rect">
-              <a:avLst/>
-            </a:prstGeom>
-            <a:solidFill>
-              <a:srgbClr val="585858"/>
-            </a:solidFill>
-            <a:ln w="12700">
-              <a:miter lim="400000"/>
-            </a:ln>
-          </p:spPr>
-          <p:txBody>
-            <a:bodyPr lIns="50800" tIns="50800" rIns="50800" bIns="50800" anchor="ctr"/>
-            <a:lstStyle/>
-            <a:p>
-              <a:pPr defTabSz="1130300">
-                <a:defRPr sz="3200">
-                  <a:solidFill>
-                    <a:srgbClr val="FFFFFF"/>
-                  </a:solidFill>
-                  <a:latin typeface="Graphik"/>
-                  <a:ea typeface="Graphik"/>
-                  <a:cs typeface="Graphik"/>
-                  <a:sym typeface="Graphik"/>
-                </a:defRPr>
-              </a:pPr>
-              <a:endParaRPr sz="3200" baseline="-25000" dirty="0"/>
-            </a:p>
-          </p:txBody>
-        </p:sp>
-        <p:pic>
-          <p:nvPicPr>
-            <p:cNvPr id="23" name="Image" descr="Image"/>
-            <p:cNvPicPr>
-              <a:picLocks noChangeAspect="1"/>
-            </p:cNvPicPr>
-            <p:nvPr/>
-          </p:nvPicPr>
-          <p:blipFill>
-            <a:blip r:embed="rId3" cstate="print"/>
-            <a:stretch>
-              <a:fillRect/>
-            </a:stretch>
-          </p:blipFill>
-          <p:spPr>
-            <a:xfrm>
-              <a:off x="987" y="3715"/>
-              <a:ext cx="1683" cy="1805"/>
-            </a:xfrm>
-            <a:prstGeom prst="rect">
-              <a:avLst/>
-            </a:prstGeom>
-            <a:ln w="12700">
-              <a:miter lim="400000"/>
-              <a:headEnd/>
-              <a:tailEnd/>
-            </a:ln>
-          </p:spPr>
-        </p:pic>
-      </p:grpSp>
-      <p:sp>
-        <p:nvSpPr>
-          <p:cNvPr id="4" name="TextBox 3"/>
-          <p:cNvSpPr txBox="1"/>
-          <p:nvPr/>
-        </p:nvSpPr>
-        <p:spPr>
-          <a:xfrm>
-            <a:off x="336000" y="3643668"/>
-            <a:ext cx="1800000" cy="369332"/>
-          </a:xfrm>
-          <a:prstGeom prst="rect">
-            <a:avLst/>
-          </a:prstGeom>
-          <a:noFill/>
-        </p:spPr>
-        <p:txBody>
-          <a:bodyPr wrap="square" rtlCol="0">
-            <a:spAutoFit/>
-          </a:bodyPr>
-          <a:lstStyle/>
-          <a:p>
-            <a:r>
-              <a:rPr lang="en-US" dirty="0"/>
-              <a:t>    </a:t>
-            </a:r>
-            <a:r>
-              <a:rPr lang="en-US" dirty="0">
-                <a:solidFill>
-                  <a:schemeClr val="bg1"/>
-                </a:solidFill>
-              </a:rPr>
-              <a:t>Dept of CSE</a:t>
-            </a:r>
-          </a:p>
-        </p:txBody>
-      </p:sp>
-      <p:sp>
-        <p:nvSpPr>
-          <p:cNvPr id="14" name="Title 1"/>
-          <p:cNvSpPr>
-            <a:spLocks noGrp="1"/>
-          </p:cNvSpPr>
-          <p:nvPr>
-            <p:ph type="title"/>
-          </p:nvPr>
-        </p:nvSpPr>
-        <p:spPr>
-          <a:xfrm>
-            <a:off x="2743200" y="381000"/>
-            <a:ext cx="8229600" cy="1143000"/>
-          </a:xfrm>
-        </p:spPr>
-        <p:txBody>
-          <a:bodyPr>
-            <a:normAutofit/>
-          </a:bodyPr>
-          <a:lstStyle/>
-          <a:p>
-            <a:r>
-              <a:rPr lang="en-IN" sz="4000" b="1" dirty="0">
-                <a:latin typeface="Times New Roman" panose="02020603050405020304" pitchFamily="18" charset="0"/>
-                <a:cs typeface="Times New Roman" panose="02020603050405020304" pitchFamily="18" charset="0"/>
-              </a:rPr>
-              <a:t>Proposed Methodology</a:t>
-            </a:r>
-          </a:p>
-        </p:txBody>
-      </p:sp>
-      <p:sp>
-        <p:nvSpPr>
-          <p:cNvPr id="2" name="Content Placeholder 1">
-            <a:extLst>
-              <a:ext uri="{FF2B5EF4-FFF2-40B4-BE49-F238E27FC236}">
-                <a16:creationId xmlns:a16="http://schemas.microsoft.com/office/drawing/2014/main" id="{2DCC8543-BDA0-B04E-085A-FF53A89F9B0C}"/>
-              </a:ext>
-            </a:extLst>
-          </p:cNvPr>
-          <p:cNvSpPr>
-            <a:spLocks noGrp="1" noChangeArrowheads="1"/>
-          </p:cNvSpPr>
-          <p:nvPr>
-            <p:ph idx="1"/>
-          </p:nvPr>
-        </p:nvSpPr>
-        <p:spPr bwMode="auto">
-          <a:xfrm>
-            <a:off x="2743199" y="1380339"/>
-            <a:ext cx="8456307" cy="4857740"/>
-          </a:xfrm>
-          <a:prstGeom prst="rect">
-            <a:avLst/>
-          </a:prstGeom>
-          <a:noFill/>
-          <a:ln>
-            <a:noFill/>
-          </a:ln>
-          <a:effectLst/>
-          <a:extLst>
-            <a:ext uri="{909E8E84-426E-40DD-AFC4-6F175D3DCCD1}">
-              <a14:hiddenFill xmlns:a14="http://schemas.microsoft.com/office/drawing/2010/main">
-                <a:solidFill>
-                  <a:schemeClr val="accent1"/>
-                </a:solidFill>
-              </a14:hiddenFill>
-            </a:ext>
-            <a:ext uri="{91240B29-F687-4F45-9708-019B960494DF}">
-              <a14:hiddenLine xmlns:a14="http://schemas.microsoft.com/office/drawing/2010/main" w="9525">
-                <a:solidFill>
-                  <a:schemeClr val="tx1"/>
-                </a:solidFill>
-                <a:miter lim="800000"/>
-                <a:headEnd/>
-                <a:tailEnd/>
-              </a14:hiddenLine>
-            </a:ext>
-            <a:ext uri="{AF507438-7753-43E0-B8FC-AC1667EBCBE1}">
-              <a14:hiddenEffects xmlns:a14="http://schemas.microsoft.com/office/drawing/2010/main">
-                <a:effectLst>
-                  <a:outerShdw dist="35921" dir="2700000" algn="ctr" rotWithShape="0">
-                    <a:schemeClr val="bg2"/>
-                  </a:outerShdw>
-                </a:effectLst>
-              </a14:hiddenEffects>
-            </a:ext>
-          </a:extLst>
-        </p:spPr>
-        <p:txBody>
-          <a:bodyPr vert="horz" wrap="square" lIns="91440" tIns="45720" rIns="91440" bIns="45720" numCol="1" anchor="ctr" anchorCtr="0" compatLnSpc="1">
-            <a:prstTxWarp prst="textNoShape">
-              <a:avLst/>
-            </a:prstTxWarp>
-            <a:spAutoFit/>
-          </a:bodyPr>
-          <a:lstStyle/>
-          <a:p>
-            <a:pPr marL="0" indent="0">
-              <a:lnSpc>
-                <a:spcPct val="200000"/>
-              </a:lnSpc>
-              <a:buNone/>
-            </a:pPr>
-            <a:r>
-              <a:rPr lang="en-US" sz="2000" b="1" dirty="0">
-                <a:latin typeface="Times New Roman" panose="02020603050405020304" pitchFamily="18" charset="0"/>
-                <a:cs typeface="Times New Roman" panose="02020603050405020304" pitchFamily="18" charset="0"/>
-              </a:rPr>
-              <a:t>Proposed Approach</a:t>
-            </a:r>
-          </a:p>
-          <a:p>
-            <a:pPr marL="0" indent="0">
-              <a:lnSpc>
-                <a:spcPct val="200000"/>
-              </a:lnSpc>
-              <a:buNone/>
-            </a:pPr>
-            <a:endParaRPr lang="en-US" sz="800" dirty="0">
-              <a:latin typeface="Times New Roman" panose="02020603050405020304" pitchFamily="18" charset="0"/>
-              <a:cs typeface="Times New Roman" panose="02020603050405020304" pitchFamily="18" charset="0"/>
-            </a:endParaRPr>
-          </a:p>
-          <a:p>
-            <a:r>
-              <a:rPr lang="en-US" sz="1600" b="0" i="0" dirty="0">
-                <a:solidFill>
-                  <a:srgbClr val="000000"/>
-                </a:solidFill>
-                <a:effectLst/>
-                <a:latin typeface="Times New Roman" panose="02020603050405020304" pitchFamily="18" charset="0"/>
-                <a:cs typeface="Times New Roman" panose="02020603050405020304" pitchFamily="18" charset="0"/>
-              </a:rPr>
-              <a:t>   Utilize Next.js with TypeScript for a robust, server-side rendered frontend.</a:t>
-            </a:r>
-          </a:p>
-          <a:p>
-            <a:pPr marL="0" indent="0" algn="l">
-              <a:buNone/>
-            </a:pPr>
-            <a:endParaRPr lang="en-US" sz="1600" b="0" i="0" dirty="0">
-              <a:solidFill>
-                <a:srgbClr val="000000"/>
-              </a:solidFill>
-              <a:effectLst/>
-              <a:latin typeface="Times New Roman" panose="02020603050405020304" pitchFamily="18" charset="0"/>
-              <a:cs typeface="Times New Roman" panose="02020603050405020304" pitchFamily="18" charset="0"/>
-            </a:endParaRPr>
-          </a:p>
-          <a:p>
-            <a:r>
-              <a:rPr lang="en-US" sz="1600" b="0" i="0" dirty="0">
-                <a:solidFill>
-                  <a:srgbClr val="000000"/>
-                </a:solidFill>
-                <a:effectLst/>
-                <a:latin typeface="Times New Roman" panose="02020603050405020304" pitchFamily="18" charset="0"/>
-                <a:cs typeface="Times New Roman" panose="02020603050405020304" pitchFamily="18" charset="0"/>
-              </a:rPr>
-              <a:t>    Implement authentication and user management using Clerk.</a:t>
-            </a:r>
-          </a:p>
-          <a:p>
-            <a:pPr marL="0" indent="0" algn="l">
-              <a:buNone/>
-            </a:pPr>
-            <a:endParaRPr lang="en-US" sz="1600" dirty="0">
-              <a:solidFill>
-                <a:srgbClr val="000000"/>
-              </a:solidFill>
-              <a:latin typeface="Times New Roman" panose="02020603050405020304" pitchFamily="18" charset="0"/>
-              <a:cs typeface="Times New Roman" panose="02020603050405020304" pitchFamily="18" charset="0"/>
-            </a:endParaRPr>
-          </a:p>
-          <a:p>
-            <a:r>
-              <a:rPr lang="en-US" sz="1600" dirty="0">
-                <a:solidFill>
-                  <a:srgbClr val="000000"/>
-                </a:solidFill>
-                <a:latin typeface="Times New Roman" panose="02020603050405020304" pitchFamily="18" charset="0"/>
-                <a:cs typeface="Times New Roman" panose="02020603050405020304" pitchFamily="18" charset="0"/>
-              </a:rPr>
-              <a:t>    </a:t>
-            </a:r>
-            <a:r>
-              <a:rPr lang="en-US" sz="1600" b="0" i="0" dirty="0">
-                <a:solidFill>
-                  <a:srgbClr val="000000"/>
-                </a:solidFill>
-                <a:effectLst/>
-                <a:latin typeface="Times New Roman" panose="02020603050405020304" pitchFamily="18" charset="0"/>
-                <a:cs typeface="Times New Roman" panose="02020603050405020304" pitchFamily="18" charset="0"/>
-              </a:rPr>
-              <a:t>Integrate Stream SDK for core video conferencing functionality.</a:t>
-            </a:r>
-          </a:p>
-          <a:p>
-            <a:pPr marL="0" indent="0" algn="l">
-              <a:buNone/>
-            </a:pPr>
-            <a:endParaRPr lang="en-US" sz="1600" b="0" i="0" dirty="0">
-              <a:solidFill>
-                <a:srgbClr val="000000"/>
-              </a:solidFill>
-              <a:effectLst/>
-              <a:latin typeface="Times New Roman" panose="02020603050405020304" pitchFamily="18" charset="0"/>
-              <a:cs typeface="Times New Roman" panose="02020603050405020304" pitchFamily="18" charset="0"/>
-            </a:endParaRPr>
-          </a:p>
-          <a:p>
-            <a:r>
-              <a:rPr lang="en-US" sz="1600" b="0" i="0" dirty="0">
-                <a:solidFill>
-                  <a:srgbClr val="000000"/>
-                </a:solidFill>
-                <a:effectLst/>
-                <a:latin typeface="Times New Roman" panose="02020603050405020304" pitchFamily="18" charset="0"/>
-                <a:cs typeface="Times New Roman" panose="02020603050405020304" pitchFamily="18" charset="0"/>
-              </a:rPr>
-              <a:t>    Develop key features: instant meetings, scheduled meetings, personal rooms, and recording  </a:t>
-            </a:r>
-          </a:p>
-          <a:p>
-            <a:pPr marL="0" indent="0" algn="l">
-              <a:buNone/>
-            </a:pPr>
-            <a:r>
-              <a:rPr lang="en-US" sz="1600" b="0" i="0" dirty="0">
-                <a:solidFill>
-                  <a:srgbClr val="000000"/>
-                </a:solidFill>
-                <a:effectLst/>
-                <a:latin typeface="Times New Roman" panose="02020603050405020304" pitchFamily="18" charset="0"/>
-                <a:cs typeface="Times New Roman" panose="02020603050405020304" pitchFamily="18" charset="0"/>
-              </a:rPr>
-              <a:t>         management.</a:t>
-            </a:r>
-          </a:p>
-          <a:p>
-            <a:pPr marL="0" indent="0" algn="l">
-              <a:buNone/>
-            </a:pPr>
-            <a:endParaRPr lang="en-US" sz="1600" b="0" i="0" dirty="0">
-              <a:solidFill>
-                <a:srgbClr val="000000"/>
-              </a:solidFill>
-              <a:effectLst/>
-              <a:latin typeface="Times New Roman" panose="02020603050405020304" pitchFamily="18" charset="0"/>
-              <a:cs typeface="Times New Roman" panose="02020603050405020304" pitchFamily="18" charset="0"/>
-            </a:endParaRPr>
-          </a:p>
-          <a:p>
-            <a:r>
-              <a:rPr lang="en-US" sz="1600" b="0" i="0" dirty="0">
-                <a:solidFill>
-                  <a:srgbClr val="000000"/>
-                </a:solidFill>
-                <a:effectLst/>
-                <a:latin typeface="Times New Roman" panose="02020603050405020304" pitchFamily="18" charset="0"/>
-                <a:cs typeface="Times New Roman" panose="02020603050405020304" pitchFamily="18" charset="0"/>
-              </a:rPr>
-              <a:t>    Design a responsive UI with Tailwind CSS and enhance with Framer Motion animations.</a:t>
-            </a:r>
-          </a:p>
-          <a:p>
-            <a:pPr marL="0" marR="0" lvl="0" indent="0" algn="l" defTabSz="914400" rtl="0" eaLnBrk="0" fontAlgn="base" latinLnBrk="0" hangingPunct="0">
-              <a:lnSpc>
-                <a:spcPct val="100000"/>
-              </a:lnSpc>
-              <a:spcBef>
-                <a:spcPct val="0"/>
-              </a:spcBef>
-              <a:spcAft>
-                <a:spcPct val="0"/>
-              </a:spcAft>
-              <a:buClrTx/>
-              <a:buSzTx/>
-              <a:buFontTx/>
-              <a:buNone/>
-              <a:tabLst/>
-            </a:pPr>
-            <a:endParaRPr kumimoji="0" lang="en-US" altLang="en-US" sz="1800" b="0" i="0" u="none" strike="noStrike" cap="none" normalizeH="0" baseline="0" dirty="0">
-              <a:ln>
-                <a:noFill/>
-              </a:ln>
-              <a:solidFill>
-                <a:schemeClr val="tx1"/>
-              </a:solidFill>
-              <a:effectLst/>
-              <a:latin typeface="Arial" panose="020B0604020202020204" pitchFamily="34" charset="0"/>
-            </a:endParaRPr>
-          </a:p>
-        </p:txBody>
-      </p:sp>
-    </p:spTree>
-    <p:extLst>
-      <p:ext uri="{BB962C8B-B14F-4D97-AF65-F5344CB8AC3E}">
-        <p14:creationId xmlns:p14="http://schemas.microsoft.com/office/powerpoint/2010/main" val="1258685628"/>
-      </p:ext>
-    </p:extLst>
-  </p:cSld>
-  <p:clrMapOvr>
-    <a:masterClrMapping/>
-  </p:clrMapOvr>
-</p:sld>
-</file>
-
-<file path=ppt/slides/slide8.xml><?xml version="1.0" encoding="utf-8"?>
 <p:sld xmlns:a="http://schemas.openxmlformats.org/drawingml/2006/main" xmlns:r="http://schemas.openxmlformats.org/officeDocument/2006/relationships" xmlns:p="http://schemas.openxmlformats.org/presentationml/2006/main">
   <p:cSld>
     <p:spTree>
@@ -38045,7 +36552,7 @@
 </p:sld>
 </file>
 
-<file path=ppt/slides/slide9.xml><?xml version="1.0" encoding="utf-8"?>
+<file path=ppt/slides/slide8.xml><?xml version="1.0" encoding="utf-8"?>
 <p:sld xmlns:a="http://schemas.openxmlformats.org/drawingml/2006/main" xmlns:r="http://schemas.openxmlformats.org/officeDocument/2006/relationships" xmlns:p="http://schemas.openxmlformats.org/presentationml/2006/main">
   <p:cSld>
     <p:spTree>
@@ -38719,6 +37226,732 @@
     <p:extLst>
       <p:ext uri="{BB962C8B-B14F-4D97-AF65-F5344CB8AC3E}">
         <p14:creationId xmlns:p14="http://schemas.microsoft.com/office/powerpoint/2010/main" val="657644709"/>
+      </p:ext>
+    </p:extLst>
+  </p:cSld>
+  <p:clrMapOvr>
+    <a:masterClrMapping/>
+  </p:clrMapOvr>
+</p:sld>
+</file>
+
+<file path=ppt/slides/slide9.xml><?xml version="1.0" encoding="utf-8"?>
+<p:sld xmlns:a="http://schemas.openxmlformats.org/drawingml/2006/main" xmlns:r="http://schemas.openxmlformats.org/officeDocument/2006/relationships" xmlns:p="http://schemas.openxmlformats.org/presentationml/2006/main">
+  <p:cSld>
+    <p:spTree>
+      <p:nvGrpSpPr>
+        <p:cNvPr id="1" name="">
+          <a:extLst>
+            <a:ext uri="{FF2B5EF4-FFF2-40B4-BE49-F238E27FC236}">
+              <a16:creationId xmlns:a16="http://schemas.microsoft.com/office/drawing/2014/main" id="{25279D53-2711-7F5B-8DC4-1E7211C9071C}"/>
+            </a:ext>
+          </a:extLst>
+        </p:cNvPr>
+        <p:cNvGrpSpPr/>
+        <p:nvPr/>
+      </p:nvGrpSpPr>
+      <p:grpSpPr>
+        <a:xfrm>
+          <a:off x="0" y="0"/>
+          <a:ext cx="0" cy="0"/>
+          <a:chOff x="0" y="0"/>
+          <a:chExt cx="0" cy="0"/>
+        </a:xfrm>
+      </p:grpSpPr>
+      <p:sp>
+        <p:nvSpPr>
+          <p:cNvPr id="5" name="Rectangle">
+            <a:extLst>
+              <a:ext uri="{FF2B5EF4-FFF2-40B4-BE49-F238E27FC236}">
+                <a16:creationId xmlns:a16="http://schemas.microsoft.com/office/drawing/2014/main" id="{FB42002A-DAEA-F933-EEF0-F6CC90EDFD7B}"/>
+              </a:ext>
+            </a:extLst>
+          </p:cNvPr>
+          <p:cNvSpPr/>
+          <p:nvPr/>
+        </p:nvSpPr>
+        <p:spPr>
+          <a:xfrm flipH="1">
+            <a:off x="-24000" y="-2"/>
+            <a:ext cx="2469463" cy="6858000"/>
+          </a:xfrm>
+          <a:prstGeom prst="rect">
+            <a:avLst/>
+          </a:prstGeom>
+          <a:solidFill>
+            <a:srgbClr val="F28E01"/>
+          </a:solidFill>
+          <a:ln w="12700">
+            <a:miter lim="400000"/>
+          </a:ln>
+        </p:spPr>
+        <p:txBody>
+          <a:bodyPr lIns="50800" tIns="50800" rIns="50800" bIns="50800" anchor="ctr"/>
+          <a:lstStyle/>
+          <a:p>
+            <a:pPr defTabSz="1130300">
+              <a:defRPr sz="3200">
+                <a:solidFill>
+                  <a:srgbClr val="FFFFFF"/>
+                </a:solidFill>
+                <a:latin typeface="Graphik"/>
+                <a:ea typeface="Graphik"/>
+                <a:cs typeface="Graphik"/>
+                <a:sym typeface="Graphik"/>
+              </a:defRPr>
+            </a:pPr>
+            <a:endParaRPr sz="3200" baseline="-25000"/>
+          </a:p>
+        </p:txBody>
+      </p:sp>
+      <p:sp>
+        <p:nvSpPr>
+          <p:cNvPr id="8" name="Rectangle">
+            <a:extLst>
+              <a:ext uri="{FF2B5EF4-FFF2-40B4-BE49-F238E27FC236}">
+                <a16:creationId xmlns:a16="http://schemas.microsoft.com/office/drawing/2014/main" id="{786C7033-38FB-AA7F-326F-1A5661D067E9}"/>
+              </a:ext>
+            </a:extLst>
+          </p:cNvPr>
+          <p:cNvSpPr/>
+          <p:nvPr/>
+        </p:nvSpPr>
+        <p:spPr>
+          <a:xfrm flipH="1">
+            <a:off x="11496000" y="1"/>
+            <a:ext cx="257907" cy="6858000"/>
+          </a:xfrm>
+          <a:prstGeom prst="rect">
+            <a:avLst/>
+          </a:prstGeom>
+          <a:solidFill>
+            <a:srgbClr val="F28E01"/>
+          </a:solidFill>
+          <a:ln w="12700">
+            <a:miter lim="400000"/>
+          </a:ln>
+        </p:spPr>
+        <p:txBody>
+          <a:bodyPr lIns="50800" tIns="50800" rIns="50800" bIns="50800" anchor="ctr"/>
+          <a:lstStyle/>
+          <a:p>
+            <a:pPr defTabSz="1130300">
+              <a:defRPr sz="3300">
+                <a:solidFill>
+                  <a:srgbClr val="FFFFFF"/>
+                </a:solidFill>
+                <a:latin typeface="Graphik"/>
+                <a:ea typeface="Graphik"/>
+                <a:cs typeface="Graphik"/>
+                <a:sym typeface="Graphik"/>
+              </a:defRPr>
+            </a:pPr>
+            <a:endParaRPr sz="3300"/>
+          </a:p>
+        </p:txBody>
+      </p:sp>
+      <p:grpSp>
+        <p:nvGrpSpPr>
+          <p:cNvPr id="3" name="Group 19">
+            <a:extLst>
+              <a:ext uri="{FF2B5EF4-FFF2-40B4-BE49-F238E27FC236}">
+                <a16:creationId xmlns:a16="http://schemas.microsoft.com/office/drawing/2014/main" id="{402D6366-36AF-2EBF-E780-E550B0DD3852}"/>
+              </a:ext>
+            </a:extLst>
+          </p:cNvPr>
+          <p:cNvGrpSpPr/>
+          <p:nvPr/>
+        </p:nvGrpSpPr>
+        <p:grpSpPr>
+          <a:xfrm>
+            <a:off x="122050" y="1474470"/>
+            <a:ext cx="2209165" cy="3067050"/>
+            <a:chOff x="230" y="2322"/>
+            <a:chExt cx="3479" cy="4830"/>
+          </a:xfrm>
+        </p:grpSpPr>
+        <p:sp>
+          <p:nvSpPr>
+            <p:cNvPr id="21" name="Rectangle">
+              <a:extLst>
+                <a:ext uri="{FF2B5EF4-FFF2-40B4-BE49-F238E27FC236}">
+                  <a16:creationId xmlns:a16="http://schemas.microsoft.com/office/drawing/2014/main" id="{7AFEEEB4-4131-9CA6-42CB-05D48718CA3D}"/>
+                </a:ext>
+              </a:extLst>
+            </p:cNvPr>
+            <p:cNvSpPr/>
+            <p:nvPr/>
+          </p:nvSpPr>
+          <p:spPr>
+            <a:xfrm flipH="1">
+              <a:off x="1099" y="2322"/>
+              <a:ext cx="2611" cy="2465"/>
+            </a:xfrm>
+            <a:prstGeom prst="rect">
+              <a:avLst/>
+            </a:prstGeom>
+            <a:solidFill>
+              <a:schemeClr val="bg1"/>
+            </a:solidFill>
+            <a:ln w="12700">
+              <a:miter lim="400000"/>
+            </a:ln>
+          </p:spPr>
+          <p:txBody>
+            <a:bodyPr lIns="50800" tIns="50800" rIns="50800" bIns="50800" anchor="ctr"/>
+            <a:lstStyle/>
+            <a:p>
+              <a:pPr defTabSz="1130300">
+                <a:defRPr sz="3200">
+                  <a:solidFill>
+                    <a:srgbClr val="FFFFFF"/>
+                  </a:solidFill>
+                  <a:latin typeface="Graphik"/>
+                  <a:ea typeface="Graphik"/>
+                  <a:cs typeface="Graphik"/>
+                  <a:sym typeface="Graphik"/>
+                </a:defRPr>
+              </a:pPr>
+              <a:endParaRPr sz="3200" baseline="-25000"/>
+            </a:p>
+          </p:txBody>
+        </p:sp>
+        <p:sp>
+          <p:nvSpPr>
+            <p:cNvPr id="22" name="Rectangle">
+              <a:extLst>
+                <a:ext uri="{FF2B5EF4-FFF2-40B4-BE49-F238E27FC236}">
+                  <a16:creationId xmlns:a16="http://schemas.microsoft.com/office/drawing/2014/main" id="{07AE3839-E6EA-C1CE-4CE0-408E07EABB29}"/>
+                </a:ext>
+              </a:extLst>
+            </p:cNvPr>
+            <p:cNvSpPr/>
+            <p:nvPr/>
+          </p:nvSpPr>
+          <p:spPr>
+            <a:xfrm flipH="1">
+              <a:off x="230" y="2624"/>
+              <a:ext cx="3192" cy="4529"/>
+            </a:xfrm>
+            <a:prstGeom prst="rect">
+              <a:avLst/>
+            </a:prstGeom>
+            <a:solidFill>
+              <a:srgbClr val="585858"/>
+            </a:solidFill>
+            <a:ln w="12700">
+              <a:miter lim="400000"/>
+            </a:ln>
+          </p:spPr>
+          <p:txBody>
+            <a:bodyPr lIns="50800" tIns="50800" rIns="50800" bIns="50800" anchor="ctr"/>
+            <a:lstStyle/>
+            <a:p>
+              <a:pPr defTabSz="1130300">
+                <a:defRPr sz="3200">
+                  <a:solidFill>
+                    <a:srgbClr val="FFFFFF"/>
+                  </a:solidFill>
+                  <a:latin typeface="Graphik"/>
+                  <a:ea typeface="Graphik"/>
+                  <a:cs typeface="Graphik"/>
+                  <a:sym typeface="Graphik"/>
+                </a:defRPr>
+              </a:pPr>
+              <a:endParaRPr sz="3200" baseline="-25000" dirty="0"/>
+            </a:p>
+          </p:txBody>
+        </p:sp>
+        <p:pic>
+          <p:nvPicPr>
+            <p:cNvPr id="23" name="Image" descr="Image">
+              <a:extLst>
+                <a:ext uri="{FF2B5EF4-FFF2-40B4-BE49-F238E27FC236}">
+                  <a16:creationId xmlns:a16="http://schemas.microsoft.com/office/drawing/2014/main" id="{72F02E10-E1F7-EB78-F6CD-756AFBB3B290}"/>
+                </a:ext>
+              </a:extLst>
+            </p:cNvPr>
+            <p:cNvPicPr>
+              <a:picLocks noChangeAspect="1"/>
+            </p:cNvPicPr>
+            <p:nvPr/>
+          </p:nvPicPr>
+          <p:blipFill>
+            <a:blip r:embed="rId3" cstate="print"/>
+            <a:stretch>
+              <a:fillRect/>
+            </a:stretch>
+          </p:blipFill>
+          <p:spPr>
+            <a:xfrm>
+              <a:off x="987" y="3715"/>
+              <a:ext cx="1683" cy="1805"/>
+            </a:xfrm>
+            <a:prstGeom prst="rect">
+              <a:avLst/>
+            </a:prstGeom>
+            <a:ln w="12700">
+              <a:miter lim="400000"/>
+              <a:headEnd/>
+              <a:tailEnd/>
+            </a:ln>
+          </p:spPr>
+        </p:pic>
+      </p:grpSp>
+      <p:sp>
+        <p:nvSpPr>
+          <p:cNvPr id="4" name="TextBox 3">
+            <a:extLst>
+              <a:ext uri="{FF2B5EF4-FFF2-40B4-BE49-F238E27FC236}">
+                <a16:creationId xmlns:a16="http://schemas.microsoft.com/office/drawing/2014/main" id="{56F426FB-6CDE-43DD-D2D9-6F848DBC1FC7}"/>
+              </a:ext>
+            </a:extLst>
+          </p:cNvPr>
+          <p:cNvSpPr txBox="1"/>
+          <p:nvPr/>
+        </p:nvSpPr>
+        <p:spPr>
+          <a:xfrm>
+            <a:off x="336000" y="3643668"/>
+            <a:ext cx="1800000" cy="369332"/>
+          </a:xfrm>
+          <a:prstGeom prst="rect">
+            <a:avLst/>
+          </a:prstGeom>
+          <a:noFill/>
+        </p:spPr>
+        <p:txBody>
+          <a:bodyPr wrap="square" rtlCol="0">
+            <a:spAutoFit/>
+          </a:bodyPr>
+          <a:lstStyle/>
+          <a:p>
+            <a:r>
+              <a:rPr lang="en-US" dirty="0"/>
+              <a:t>    </a:t>
+            </a:r>
+            <a:r>
+              <a:rPr lang="en-US" dirty="0">
+                <a:solidFill>
+                  <a:schemeClr val="bg1"/>
+                </a:solidFill>
+              </a:rPr>
+              <a:t>Dept of CSE</a:t>
+            </a:r>
+          </a:p>
+        </p:txBody>
+      </p:sp>
+      <p:sp>
+        <p:nvSpPr>
+          <p:cNvPr id="14" name="Title 1">
+            <a:extLst>
+              <a:ext uri="{FF2B5EF4-FFF2-40B4-BE49-F238E27FC236}">
+                <a16:creationId xmlns:a16="http://schemas.microsoft.com/office/drawing/2014/main" id="{E39B5465-1B03-1032-FB47-D3DA2408EF06}"/>
+              </a:ext>
+            </a:extLst>
+          </p:cNvPr>
+          <p:cNvSpPr>
+            <a:spLocks noGrp="1"/>
+          </p:cNvSpPr>
+          <p:nvPr>
+            <p:ph type="title"/>
+          </p:nvPr>
+        </p:nvSpPr>
+        <p:spPr>
+          <a:xfrm>
+            <a:off x="2743200" y="381000"/>
+            <a:ext cx="8229600" cy="1143000"/>
+          </a:xfrm>
+        </p:spPr>
+        <p:txBody>
+          <a:bodyPr>
+            <a:normAutofit/>
+          </a:bodyPr>
+          <a:lstStyle/>
+          <a:p>
+            <a:r>
+              <a:rPr lang="en-IN" sz="4000" b="1" dirty="0">
+                <a:latin typeface="Times New Roman" panose="02020603050405020304" pitchFamily="18" charset="0"/>
+                <a:cs typeface="Times New Roman" panose="02020603050405020304" pitchFamily="18" charset="0"/>
+              </a:rPr>
+              <a:t>Deliverables and Impact</a:t>
+            </a:r>
+          </a:p>
+        </p:txBody>
+      </p:sp>
+      <p:sp>
+        <p:nvSpPr>
+          <p:cNvPr id="6" name="Rectangle 1">
+            <a:extLst>
+              <a:ext uri="{FF2B5EF4-FFF2-40B4-BE49-F238E27FC236}">
+                <a16:creationId xmlns:a16="http://schemas.microsoft.com/office/drawing/2014/main" id="{A28A9941-B21E-93A3-1E57-9CD07B05F3F9}"/>
+              </a:ext>
+            </a:extLst>
+          </p:cNvPr>
+          <p:cNvSpPr>
+            <a:spLocks noGrp="1" noChangeArrowheads="1"/>
+          </p:cNvSpPr>
+          <p:nvPr>
+            <p:ph idx="1"/>
+          </p:nvPr>
+        </p:nvSpPr>
+        <p:spPr bwMode="auto">
+          <a:xfrm>
+            <a:off x="2743201" y="1296341"/>
+            <a:ext cx="8443336" cy="5025735"/>
+          </a:xfrm>
+          <a:prstGeom prst="rect">
+            <a:avLst/>
+          </a:prstGeom>
+          <a:noFill/>
+          <a:ln>
+            <a:noFill/>
+          </a:ln>
+          <a:effectLst/>
+          <a:extLst>
+            <a:ext uri="{909E8E84-426E-40DD-AFC4-6F175D3DCCD1}">
+              <a14:hiddenFill xmlns:a14="http://schemas.microsoft.com/office/drawing/2010/main">
+                <a:solidFill>
+                  <a:schemeClr val="accent1"/>
+                </a:solidFill>
+              </a14:hiddenFill>
+            </a:ext>
+            <a:ext uri="{91240B29-F687-4F45-9708-019B960494DF}">
+              <a14:hiddenLine xmlns:a14="http://schemas.microsoft.com/office/drawing/2010/main" w="9525">
+                <a:solidFill>
+                  <a:schemeClr val="tx1"/>
+                </a:solidFill>
+                <a:miter lim="800000"/>
+                <a:headEnd/>
+                <a:tailEnd/>
+              </a14:hiddenLine>
+            </a:ext>
+            <a:ext uri="{AF507438-7753-43E0-B8FC-AC1667EBCBE1}">
+              <a14:hiddenEffects xmlns:a14="http://schemas.microsoft.com/office/drawing/2010/main">
+                <a:effectLst>
+                  <a:outerShdw dist="35921" dir="2700000" algn="ctr" rotWithShape="0">
+                    <a:schemeClr val="bg2"/>
+                  </a:outerShdw>
+                </a:effectLst>
+              </a14:hiddenEffects>
+            </a:ext>
+          </a:extLst>
+        </p:spPr>
+        <p:txBody>
+          <a:bodyPr vert="horz" wrap="square" lIns="91440" tIns="45720" rIns="91440" bIns="45720" numCol="1" anchor="ctr" anchorCtr="0" compatLnSpc="1">
+            <a:prstTxWarp prst="textNoShape">
+              <a:avLst/>
+            </a:prstTxWarp>
+            <a:spAutoFit/>
+          </a:bodyPr>
+          <a:lstStyle/>
+          <a:p>
+            <a:pPr marL="0" marR="0" lvl="0" indent="0" algn="just" defTabSz="914400" rtl="0" eaLnBrk="0" fontAlgn="base" latinLnBrk="0" hangingPunct="0">
+              <a:lnSpc>
+                <a:spcPct val="200000"/>
+              </a:lnSpc>
+              <a:spcBef>
+                <a:spcPct val="0"/>
+              </a:spcBef>
+              <a:spcAft>
+                <a:spcPct val="0"/>
+              </a:spcAft>
+              <a:buClrTx/>
+              <a:buSzTx/>
+              <a:buNone/>
+              <a:tabLst/>
+            </a:pPr>
+            <a:r>
+              <a:rPr kumimoji="0" lang="en-US" altLang="en-US" sz="2000" b="1" i="0" u="none" strike="noStrike" cap="none" normalizeH="0" baseline="0" dirty="0">
+                <a:ln>
+                  <a:noFill/>
+                </a:ln>
+                <a:solidFill>
+                  <a:schemeClr val="tx1"/>
+                </a:solidFill>
+                <a:effectLst/>
+                <a:latin typeface="Times New Roman" panose="02020603050405020304" pitchFamily="18" charset="0"/>
+                <a:cs typeface="Times New Roman" panose="02020603050405020304" pitchFamily="18" charset="0"/>
+              </a:rPr>
+              <a:t>Impact:</a:t>
+            </a:r>
+          </a:p>
+          <a:p>
+            <a:r>
+              <a:rPr lang="en-US" sz="1600" dirty="0">
+                <a:latin typeface="Times New Roman" panose="02020603050405020304" pitchFamily="18" charset="0"/>
+                <a:cs typeface="Times New Roman" panose="02020603050405020304" pitchFamily="18" charset="0"/>
+              </a:rPr>
+              <a:t>    </a:t>
+            </a:r>
+            <a:r>
+              <a:rPr lang="en-US" sz="1600" b="0" i="0" dirty="0">
+                <a:solidFill>
+                  <a:srgbClr val="000000"/>
+                </a:solidFill>
+                <a:effectLst/>
+                <a:latin typeface="Times New Roman" panose="02020603050405020304" pitchFamily="18" charset="0"/>
+                <a:cs typeface="Times New Roman" panose="02020603050405020304" pitchFamily="18" charset="0"/>
+              </a:rPr>
+              <a:t>Enhanced remote collaboration capabilities for users, improving productivity and </a:t>
+            </a:r>
+          </a:p>
+          <a:p>
+            <a:pPr marL="0" indent="0">
+              <a:buNone/>
+            </a:pPr>
+            <a:r>
+              <a:rPr lang="en-US" sz="1600" dirty="0">
+                <a:solidFill>
+                  <a:srgbClr val="000000"/>
+                </a:solidFill>
+                <a:latin typeface="Times New Roman" panose="02020603050405020304" pitchFamily="18" charset="0"/>
+                <a:cs typeface="Times New Roman" panose="02020603050405020304" pitchFamily="18" charset="0"/>
+              </a:rPr>
+              <a:t>         </a:t>
+            </a:r>
+            <a:r>
+              <a:rPr lang="en-US" sz="1600" b="0" i="0" dirty="0">
+                <a:solidFill>
+                  <a:srgbClr val="000000"/>
+                </a:solidFill>
+                <a:effectLst/>
+                <a:latin typeface="Times New Roman" panose="02020603050405020304" pitchFamily="18" charset="0"/>
+                <a:cs typeface="Times New Roman" panose="02020603050405020304" pitchFamily="18" charset="0"/>
+              </a:rPr>
+              <a:t>communication.</a:t>
+            </a:r>
+          </a:p>
+          <a:p>
+            <a:pPr marL="0" indent="0">
+              <a:buNone/>
+            </a:pPr>
+            <a:r>
+              <a:rPr lang="en-US" sz="1600" b="0" i="0" dirty="0">
+                <a:solidFill>
+                  <a:srgbClr val="000000"/>
+                </a:solidFill>
+                <a:effectLst/>
+                <a:latin typeface="Times New Roman" panose="02020603050405020304" pitchFamily="18" charset="0"/>
+                <a:cs typeface="Times New Roman" panose="02020603050405020304" pitchFamily="18" charset="0"/>
+              </a:rPr>
+              <a:t>    </a:t>
+            </a:r>
+          </a:p>
+          <a:p>
+            <a:r>
+              <a:rPr lang="en-US" sz="1600" dirty="0">
+                <a:solidFill>
+                  <a:srgbClr val="000000"/>
+                </a:solidFill>
+                <a:latin typeface="Times New Roman" panose="02020603050405020304" pitchFamily="18" charset="0"/>
+                <a:cs typeface="Times New Roman" panose="02020603050405020304" pitchFamily="18" charset="0"/>
+              </a:rPr>
+              <a:t>    </a:t>
+            </a:r>
+            <a:r>
+              <a:rPr lang="en-US" sz="1600" b="0" i="0" dirty="0">
+                <a:solidFill>
+                  <a:srgbClr val="000000"/>
+                </a:solidFill>
+                <a:effectLst/>
+                <a:latin typeface="Times New Roman" panose="02020603050405020304" pitchFamily="18" charset="0"/>
+                <a:cs typeface="Times New Roman" panose="02020603050405020304" pitchFamily="18" charset="0"/>
+              </a:rPr>
+              <a:t>Increased accessibility to high-quality video conferencing tools, potentially </a:t>
+            </a:r>
+          </a:p>
+          <a:p>
+            <a:pPr marL="0" indent="0">
+              <a:buNone/>
+            </a:pPr>
+            <a:r>
+              <a:rPr lang="en-US" sz="1600" dirty="0">
+                <a:solidFill>
+                  <a:srgbClr val="000000"/>
+                </a:solidFill>
+                <a:latin typeface="Times New Roman" panose="02020603050405020304" pitchFamily="18" charset="0"/>
+                <a:cs typeface="Times New Roman" panose="02020603050405020304" pitchFamily="18" charset="0"/>
+              </a:rPr>
+              <a:t>         </a:t>
+            </a:r>
+            <a:r>
+              <a:rPr lang="en-US" sz="1600" b="0" i="0" dirty="0">
+                <a:solidFill>
+                  <a:srgbClr val="000000"/>
+                </a:solidFill>
+                <a:effectLst/>
+                <a:latin typeface="Times New Roman" panose="02020603050405020304" pitchFamily="18" charset="0"/>
+                <a:cs typeface="Times New Roman" panose="02020603050405020304" pitchFamily="18" charset="0"/>
+              </a:rPr>
+              <a:t>reducing barriers to remote work and distance learning.</a:t>
+            </a:r>
+          </a:p>
+          <a:p>
+            <a:pPr marL="0" indent="0">
+              <a:buNone/>
+            </a:pPr>
+            <a:r>
+              <a:rPr lang="en-US" sz="1600" b="0" i="0" dirty="0">
+                <a:solidFill>
+                  <a:srgbClr val="000000"/>
+                </a:solidFill>
+                <a:effectLst/>
+                <a:latin typeface="Times New Roman" panose="02020603050405020304" pitchFamily="18" charset="0"/>
+                <a:cs typeface="Times New Roman" panose="02020603050405020304" pitchFamily="18" charset="0"/>
+              </a:rPr>
+              <a:t>    </a:t>
+            </a:r>
+          </a:p>
+          <a:p>
+            <a:r>
+              <a:rPr lang="en-US" sz="1600" dirty="0">
+                <a:solidFill>
+                  <a:srgbClr val="000000"/>
+                </a:solidFill>
+                <a:latin typeface="Times New Roman" panose="02020603050405020304" pitchFamily="18" charset="0"/>
+                <a:cs typeface="Times New Roman" panose="02020603050405020304" pitchFamily="18" charset="0"/>
+              </a:rPr>
+              <a:t>    </a:t>
+            </a:r>
+            <a:r>
+              <a:rPr lang="en-US" sz="1600" b="0" i="0" dirty="0">
+                <a:solidFill>
+                  <a:srgbClr val="000000"/>
+                </a:solidFill>
+                <a:effectLst/>
+                <a:latin typeface="Times New Roman" panose="02020603050405020304" pitchFamily="18" charset="0"/>
+                <a:cs typeface="Times New Roman" panose="02020603050405020304" pitchFamily="18" charset="0"/>
+              </a:rPr>
+              <a:t>Improved user experience through a modern, responsive interface and seamless  </a:t>
+            </a:r>
+          </a:p>
+          <a:p>
+            <a:pPr marL="0" indent="0">
+              <a:buNone/>
+            </a:pPr>
+            <a:r>
+              <a:rPr lang="en-US" sz="1600" dirty="0">
+                <a:solidFill>
+                  <a:srgbClr val="000000"/>
+                </a:solidFill>
+                <a:latin typeface="Times New Roman" panose="02020603050405020304" pitchFamily="18" charset="0"/>
+                <a:cs typeface="Times New Roman" panose="02020603050405020304" pitchFamily="18" charset="0"/>
+              </a:rPr>
+              <a:t>        </a:t>
+            </a:r>
+            <a:r>
+              <a:rPr lang="en-US" sz="1600" b="0" i="0" dirty="0">
+                <a:solidFill>
+                  <a:srgbClr val="000000"/>
+                </a:solidFill>
+                <a:effectLst/>
+                <a:latin typeface="Times New Roman" panose="02020603050405020304" pitchFamily="18" charset="0"/>
+                <a:cs typeface="Times New Roman" panose="02020603050405020304" pitchFamily="18" charset="0"/>
+              </a:rPr>
+              <a:t>integration of advanced features.</a:t>
+            </a:r>
+          </a:p>
+          <a:p>
+            <a:pPr marL="0" indent="0">
+              <a:buNone/>
+            </a:pPr>
+            <a:r>
+              <a:rPr lang="en-US" sz="1600" b="0" i="0" dirty="0">
+                <a:solidFill>
+                  <a:srgbClr val="000000"/>
+                </a:solidFill>
+                <a:effectLst/>
+                <a:latin typeface="Times New Roman" panose="02020603050405020304" pitchFamily="18" charset="0"/>
+                <a:cs typeface="Times New Roman" panose="02020603050405020304" pitchFamily="18" charset="0"/>
+              </a:rPr>
+              <a:t>    </a:t>
+            </a:r>
+          </a:p>
+          <a:p>
+            <a:r>
+              <a:rPr lang="en-US" sz="1600" dirty="0">
+                <a:solidFill>
+                  <a:srgbClr val="000000"/>
+                </a:solidFill>
+                <a:latin typeface="Times New Roman" panose="02020603050405020304" pitchFamily="18" charset="0"/>
+                <a:cs typeface="Times New Roman" panose="02020603050405020304" pitchFamily="18" charset="0"/>
+              </a:rPr>
+              <a:t>    </a:t>
+            </a:r>
+            <a:r>
+              <a:rPr lang="en-US" sz="1600" b="0" i="0" dirty="0">
+                <a:solidFill>
+                  <a:srgbClr val="000000"/>
+                </a:solidFill>
+                <a:effectLst/>
+                <a:latin typeface="Times New Roman" panose="02020603050405020304" pitchFamily="18" charset="0"/>
+                <a:cs typeface="Times New Roman" panose="02020603050405020304" pitchFamily="18" charset="0"/>
+              </a:rPr>
+              <a:t>Potential cost savings for organizations by providing an alternative to expensive   </a:t>
+            </a:r>
+          </a:p>
+          <a:p>
+            <a:pPr marL="0" indent="0">
+              <a:buNone/>
+            </a:pPr>
+            <a:r>
+              <a:rPr lang="en-US" sz="1600" dirty="0">
+                <a:solidFill>
+                  <a:srgbClr val="000000"/>
+                </a:solidFill>
+                <a:latin typeface="Times New Roman" panose="02020603050405020304" pitchFamily="18" charset="0"/>
+                <a:cs typeface="Times New Roman" panose="02020603050405020304" pitchFamily="18" charset="0"/>
+              </a:rPr>
+              <a:t>         </a:t>
+            </a:r>
+            <a:r>
+              <a:rPr lang="en-US" sz="1600" b="0" i="0" dirty="0">
+                <a:solidFill>
+                  <a:srgbClr val="000000"/>
+                </a:solidFill>
+                <a:effectLst/>
+                <a:latin typeface="Times New Roman" panose="02020603050405020304" pitchFamily="18" charset="0"/>
+                <a:cs typeface="Times New Roman" panose="02020603050405020304" pitchFamily="18" charset="0"/>
+              </a:rPr>
+              <a:t>enterprise video conferencing solutions.</a:t>
+            </a:r>
+          </a:p>
+          <a:p>
+            <a:pPr marL="0" marR="0" lvl="0" indent="0" algn="just" defTabSz="914400" rtl="0" eaLnBrk="0" fontAlgn="base" latinLnBrk="0" hangingPunct="0">
+              <a:lnSpc>
+                <a:spcPct val="200000"/>
+              </a:lnSpc>
+              <a:spcBef>
+                <a:spcPct val="0"/>
+              </a:spcBef>
+              <a:spcAft>
+                <a:spcPct val="0"/>
+              </a:spcAft>
+              <a:buClrTx/>
+              <a:buSzTx/>
+              <a:buFontTx/>
+              <a:buChar char="•"/>
+              <a:tabLst/>
+            </a:pPr>
+            <a:endParaRPr kumimoji="0" lang="en-US" altLang="en-US" sz="1800" b="0" i="0" u="none" strike="noStrike" cap="none" normalizeH="0" baseline="0" dirty="0">
+              <a:ln>
+                <a:noFill/>
+              </a:ln>
+              <a:solidFill>
+                <a:schemeClr val="tx1"/>
+              </a:solidFill>
+              <a:effectLst/>
+              <a:latin typeface="Times New Roman" panose="02020603050405020304" pitchFamily="18" charset="0"/>
+              <a:cs typeface="Times New Roman" panose="02020603050405020304" pitchFamily="18" charset="0"/>
+            </a:endParaRPr>
+          </a:p>
+        </p:txBody>
+      </p:sp>
+    </p:spTree>
+    <p:extLst>
+      <p:ext uri="{BB962C8B-B14F-4D97-AF65-F5344CB8AC3E}">
+        <p14:creationId xmlns:p14="http://schemas.microsoft.com/office/powerpoint/2010/main" val="4068133359"/>
       </p:ext>
     </p:extLst>
   </p:cSld>

--- a/Report & PPT/Project Work/Ppt/Callify Synopsis.pptx
+++ b/Report & PPT/Project Work/Ppt/Callify Synopsis.pptx
@@ -3179,7 +3179,7 @@
                 <a:latin typeface="Futura Cyrillic Book" panose="020B0502020204020303" charset="0"/>
               </a:rPr>
               <a:pPr/>
-              <a:t>30-Oct-24</a:t>
+              <a:t>14-Nov-24</a:t>
             </a:fld>
             <a:endParaRPr lang="en-US">
               <a:latin typeface="Futura Cyrillic Book" panose="020B0502020204020303" charset="0"/>
@@ -3358,7 +3358,7 @@
             <a:fld id="{0ECD8AD1-49EC-45F2-A2FF-1FE3195688C5}" type="datetimeFigureOut">
               <a:rPr lang="en-IN" smtClean="0"/>
               <a:pPr/>
-              <a:t>30-10-2024</a:t>
+              <a:t>14-11-2024</a:t>
             </a:fld>
             <a:endParaRPr lang="en-IN"/>
           </a:p>
@@ -5843,7 +5843,7 @@
             <a:fld id="{4EF95999-A99C-46D6-BFDA-AEFA180EA74F}" type="datetimeFigureOut">
               <a:rPr lang="en-US" smtClean="0"/>
               <a:pPr/>
-              <a:t>30-Oct-24</a:t>
+              <a:t>14-Nov-24</a:t>
             </a:fld>
             <a:endParaRPr lang="en-US"/>
           </a:p>
@@ -6008,7 +6008,7 @@
             <a:fld id="{4EF95999-A99C-46D6-BFDA-AEFA180EA74F}" type="datetimeFigureOut">
               <a:rPr lang="en-US" smtClean="0"/>
               <a:pPr/>
-              <a:t>30-Oct-24</a:t>
+              <a:t>14-Nov-24</a:t>
             </a:fld>
             <a:endParaRPr lang="en-US"/>
           </a:p>
@@ -6183,7 +6183,7 @@
             <a:fld id="{4EF95999-A99C-46D6-BFDA-AEFA180EA74F}" type="datetimeFigureOut">
               <a:rPr lang="en-US" smtClean="0"/>
               <a:pPr/>
-              <a:t>30-Oct-24</a:t>
+              <a:t>14-Nov-24</a:t>
             </a:fld>
             <a:endParaRPr lang="en-US"/>
           </a:p>
@@ -6354,7 +6354,7 @@
             <a:fld id="{EC281ACE-890E-4B55-88CA-A440D73ED3A3}" type="datetimeFigureOut">
               <a:rPr lang="en-US" smtClean="0"/>
               <a:pPr/>
-              <a:t>30-Oct-24</a:t>
+              <a:t>14-Nov-24</a:t>
             </a:fld>
             <a:endParaRPr lang="en-US"/>
           </a:p>
@@ -6572,7 +6572,7 @@
             <a:fld id="{36B80835-DEB3-4275-B379-2566D87801AD}" type="datetimeFigureOut">
               <a:rPr lang="en-US" smtClean="0"/>
               <a:pPr/>
-              <a:t>30-Oct-24</a:t>
+              <a:t>14-Nov-24</a:t>
             </a:fld>
             <a:endParaRPr lang="en-US"/>
           </a:p>
@@ -6737,7 +6737,7 @@
             <a:fld id="{36B80835-DEB3-4275-B379-2566D87801AD}" type="datetimeFigureOut">
               <a:rPr lang="en-US" smtClean="0"/>
               <a:pPr/>
-              <a:t>30-Oct-24</a:t>
+              <a:t>14-Nov-24</a:t>
             </a:fld>
             <a:endParaRPr lang="en-US"/>
           </a:p>
@@ -6979,7 +6979,7 @@
             <a:fld id="{36B80835-DEB3-4275-B379-2566D87801AD}" type="datetimeFigureOut">
               <a:rPr lang="en-US" smtClean="0"/>
               <a:pPr/>
-              <a:t>30-Oct-24</a:t>
+              <a:t>14-Nov-24</a:t>
             </a:fld>
             <a:endParaRPr lang="en-US"/>
           </a:p>
@@ -7205,7 +7205,7 @@
             <a:fld id="{36B80835-DEB3-4275-B379-2566D87801AD}" type="datetimeFigureOut">
               <a:rPr lang="en-US" smtClean="0"/>
               <a:pPr/>
-              <a:t>30-Oct-24</a:t>
+              <a:t>14-Nov-24</a:t>
             </a:fld>
             <a:endParaRPr lang="en-US"/>
           </a:p>
@@ -7566,7 +7566,7 @@
             <a:fld id="{36B80835-DEB3-4275-B379-2566D87801AD}" type="datetimeFigureOut">
               <a:rPr lang="en-US" smtClean="0"/>
               <a:pPr/>
-              <a:t>30-Oct-24</a:t>
+              <a:t>14-Nov-24</a:t>
             </a:fld>
             <a:endParaRPr lang="en-US"/>
           </a:p>
@@ -7680,7 +7680,7 @@
             <a:fld id="{36B80835-DEB3-4275-B379-2566D87801AD}" type="datetimeFigureOut">
               <a:rPr lang="en-US" smtClean="0"/>
               <a:pPr/>
-              <a:t>30-Oct-24</a:t>
+              <a:t>14-Nov-24</a:t>
             </a:fld>
             <a:endParaRPr lang="en-US"/>
           </a:p>
@@ -7772,7 +7772,7 @@
             <a:fld id="{36B80835-DEB3-4275-B379-2566D87801AD}" type="datetimeFigureOut">
               <a:rPr lang="en-US" smtClean="0"/>
               <a:pPr/>
-              <a:t>30-Oct-24</a:t>
+              <a:t>14-Nov-24</a:t>
             </a:fld>
             <a:endParaRPr lang="en-US"/>
           </a:p>
@@ -7937,7 +7937,7 @@
             <a:fld id="{4EF95999-A99C-46D6-BFDA-AEFA180EA74F}" type="datetimeFigureOut">
               <a:rPr lang="en-US" smtClean="0"/>
               <a:pPr/>
-              <a:t>30-Oct-24</a:t>
+              <a:t>14-Nov-24</a:t>
             </a:fld>
             <a:endParaRPr lang="en-US"/>
           </a:p>
@@ -8209,7 +8209,7 @@
             <a:fld id="{36B80835-DEB3-4275-B379-2566D87801AD}" type="datetimeFigureOut">
               <a:rPr lang="en-US" smtClean="0"/>
               <a:pPr/>
-              <a:t>30-Oct-24</a:t>
+              <a:t>14-Nov-24</a:t>
             </a:fld>
             <a:endParaRPr lang="en-US"/>
           </a:p>
@@ -8458,7 +8458,7 @@
             <a:fld id="{36B80835-DEB3-4275-B379-2566D87801AD}" type="datetimeFigureOut">
               <a:rPr lang="en-US" smtClean="0"/>
               <a:pPr/>
-              <a:t>30-Oct-24</a:t>
+              <a:t>14-Nov-24</a:t>
             </a:fld>
             <a:endParaRPr lang="en-US"/>
           </a:p>
@@ -8623,7 +8623,7 @@
             <a:fld id="{36B80835-DEB3-4275-B379-2566D87801AD}" type="datetimeFigureOut">
               <a:rPr lang="en-US" smtClean="0"/>
               <a:pPr/>
-              <a:t>30-Oct-24</a:t>
+              <a:t>14-Nov-24</a:t>
             </a:fld>
             <a:endParaRPr lang="en-US"/>
           </a:p>
@@ -8798,7 +8798,7 @@
             <a:fld id="{36B80835-DEB3-4275-B379-2566D87801AD}" type="datetimeFigureOut">
               <a:rPr lang="en-US" smtClean="0"/>
               <a:pPr/>
-              <a:t>30-Oct-24</a:t>
+              <a:t>14-Nov-24</a:t>
             </a:fld>
             <a:endParaRPr lang="en-US"/>
           </a:p>
@@ -8985,7 +8985,7 @@
             <a:fld id="{4EF95999-A99C-46D6-BFDA-AEFA180EA74F}" type="datetimeFigureOut">
               <a:rPr lang="en-US" smtClean="0"/>
               <a:pPr/>
-              <a:t>30-Oct-24</a:t>
+              <a:t>14-Nov-24</a:t>
             </a:fld>
             <a:endParaRPr lang="en-US"/>
           </a:p>
@@ -9150,7 +9150,7 @@
             <a:fld id="{4EF95999-A99C-46D6-BFDA-AEFA180EA74F}" type="datetimeFigureOut">
               <a:rPr lang="en-US" smtClean="0"/>
               <a:pPr/>
-              <a:t>30-Oct-24</a:t>
+              <a:t>14-Nov-24</a:t>
             </a:fld>
             <a:endParaRPr lang="en-US"/>
           </a:p>
@@ -9392,7 +9392,7 @@
             <a:fld id="{4EF95999-A99C-46D6-BFDA-AEFA180EA74F}" type="datetimeFigureOut">
               <a:rPr lang="en-US" smtClean="0"/>
               <a:pPr/>
-              <a:t>30-Oct-24</a:t>
+              <a:t>14-Nov-24</a:t>
             </a:fld>
             <a:endParaRPr lang="en-US"/>
           </a:p>
@@ -9618,7 +9618,7 @@
             <a:fld id="{4EF95999-A99C-46D6-BFDA-AEFA180EA74F}" type="datetimeFigureOut">
               <a:rPr lang="en-US" smtClean="0"/>
               <a:pPr/>
-              <a:t>30-Oct-24</a:t>
+              <a:t>14-Nov-24</a:t>
             </a:fld>
             <a:endParaRPr lang="en-US"/>
           </a:p>
@@ -9979,7 +9979,7 @@
             <a:fld id="{4EF95999-A99C-46D6-BFDA-AEFA180EA74F}" type="datetimeFigureOut">
               <a:rPr lang="en-US" smtClean="0"/>
               <a:pPr/>
-              <a:t>30-Oct-24</a:t>
+              <a:t>14-Nov-24</a:t>
             </a:fld>
             <a:endParaRPr lang="en-US"/>
           </a:p>
@@ -10093,7 +10093,7 @@
             <a:fld id="{4EF95999-A99C-46D6-BFDA-AEFA180EA74F}" type="datetimeFigureOut">
               <a:rPr lang="en-US" smtClean="0"/>
               <a:pPr/>
-              <a:t>30-Oct-24</a:t>
+              <a:t>14-Nov-24</a:t>
             </a:fld>
             <a:endParaRPr lang="en-US"/>
           </a:p>
@@ -10335,7 +10335,7 @@
             <a:fld id="{4EF95999-A99C-46D6-BFDA-AEFA180EA74F}" type="datetimeFigureOut">
               <a:rPr lang="en-US" smtClean="0"/>
               <a:pPr/>
-              <a:t>30-Oct-24</a:t>
+              <a:t>14-Nov-24</a:t>
             </a:fld>
             <a:endParaRPr lang="en-US"/>
           </a:p>
@@ -10427,7 +10427,7 @@
             <a:fld id="{4EF95999-A99C-46D6-BFDA-AEFA180EA74F}" type="datetimeFigureOut">
               <a:rPr lang="en-US" smtClean="0"/>
               <a:pPr/>
-              <a:t>30-Oct-24</a:t>
+              <a:t>14-Nov-24</a:t>
             </a:fld>
             <a:endParaRPr lang="en-US"/>
           </a:p>
@@ -10699,7 +10699,7 @@
             <a:fld id="{4EF95999-A99C-46D6-BFDA-AEFA180EA74F}" type="datetimeFigureOut">
               <a:rPr lang="en-US" smtClean="0"/>
               <a:pPr/>
-              <a:t>30-Oct-24</a:t>
+              <a:t>14-Nov-24</a:t>
             </a:fld>
             <a:endParaRPr lang="en-US"/>
           </a:p>
@@ -10948,7 +10948,7 @@
             <a:fld id="{4EF95999-A99C-46D6-BFDA-AEFA180EA74F}" type="datetimeFigureOut">
               <a:rPr lang="en-US" smtClean="0"/>
               <a:pPr/>
-              <a:t>30-Oct-24</a:t>
+              <a:t>14-Nov-24</a:t>
             </a:fld>
             <a:endParaRPr lang="en-US"/>
           </a:p>
@@ -11113,7 +11113,7 @@
             <a:fld id="{4EF95999-A99C-46D6-BFDA-AEFA180EA74F}" type="datetimeFigureOut">
               <a:rPr lang="en-US" smtClean="0"/>
               <a:pPr/>
-              <a:t>30-Oct-24</a:t>
+              <a:t>14-Nov-24</a:t>
             </a:fld>
             <a:endParaRPr lang="en-US"/>
           </a:p>
@@ -11288,7 +11288,7 @@
             <a:fld id="{4EF95999-A99C-46D6-BFDA-AEFA180EA74F}" type="datetimeFigureOut">
               <a:rPr lang="en-US" smtClean="0"/>
               <a:pPr/>
-              <a:t>30-Oct-24</a:t>
+              <a:t>14-Nov-24</a:t>
             </a:fld>
             <a:endParaRPr lang="en-US"/>
           </a:p>
@@ -11459,7 +11459,7 @@
             <a:fld id="{EC281ACE-890E-4B55-88CA-A440D73ED3A3}" type="datetimeFigureOut">
               <a:rPr lang="en-US" smtClean="0"/>
               <a:pPr/>
-              <a:t>30-Oct-24</a:t>
+              <a:t>14-Nov-24</a:t>
             </a:fld>
             <a:endParaRPr lang="en-US"/>
           </a:p>
@@ -11679,7 +11679,7 @@
             <a:fld id="{4EF95999-A99C-46D6-BFDA-AEFA180EA74F}" type="datetimeFigureOut">
               <a:rPr lang="en-US" smtClean="0"/>
               <a:pPr/>
-              <a:t>30-Oct-24</a:t>
+              <a:t>14-Nov-24</a:t>
             </a:fld>
             <a:endParaRPr lang="en-US"/>
           </a:p>
@@ -11851,7 +11851,7 @@
             <a:fld id="{4EF95999-A99C-46D6-BFDA-AEFA180EA74F}" type="datetimeFigureOut">
               <a:rPr lang="en-US" smtClean="0"/>
               <a:pPr/>
-              <a:t>30-Oct-24</a:t>
+              <a:t>14-Nov-24</a:t>
             </a:fld>
             <a:endParaRPr lang="en-US"/>
           </a:p>
@@ -11983,7 +11983,7 @@
             <a:fld id="{4EF95999-A99C-46D6-BFDA-AEFA180EA74F}" type="datetimeFigureOut">
               <a:rPr lang="en-US" smtClean="0"/>
               <a:pPr/>
-              <a:t>30-Oct-24</a:t>
+              <a:t>14-Nov-24</a:t>
             </a:fld>
             <a:endParaRPr lang="en-US"/>
           </a:p>
@@ -12243,7 +12243,7 @@
             <a:fld id="{4EF95999-A99C-46D6-BFDA-AEFA180EA74F}" type="datetimeFigureOut">
               <a:rPr lang="en-US" smtClean="0"/>
               <a:pPr/>
-              <a:t>30-Oct-24</a:t>
+              <a:t>14-Nov-24</a:t>
             </a:fld>
             <a:endParaRPr lang="en-US"/>
           </a:p>
@@ -12474,7 +12474,7 @@
             <a:fld id="{4EF95999-A99C-46D6-BFDA-AEFA180EA74F}" type="datetimeFigureOut">
               <a:rPr lang="en-US" smtClean="0"/>
               <a:pPr/>
-              <a:t>30-Oct-24</a:t>
+              <a:t>14-Nov-24</a:t>
             </a:fld>
             <a:endParaRPr lang="en-US"/>
           </a:p>
@@ -12703,7 +12703,7 @@
             <a:fld id="{4EF95999-A99C-46D6-BFDA-AEFA180EA74F}" type="datetimeFigureOut">
               <a:rPr lang="en-US" smtClean="0"/>
               <a:pPr/>
-              <a:t>30-Oct-24</a:t>
+              <a:t>14-Nov-24</a:t>
             </a:fld>
             <a:endParaRPr lang="en-US"/>
           </a:p>
@@ -13072,7 +13072,7 @@
             <a:fld id="{4EF95999-A99C-46D6-BFDA-AEFA180EA74F}" type="datetimeFigureOut">
               <a:rPr lang="en-US" smtClean="0"/>
               <a:pPr/>
-              <a:t>30-Oct-24</a:t>
+              <a:t>14-Nov-24</a:t>
             </a:fld>
             <a:endParaRPr lang="en-US"/>
           </a:p>
@@ -13192,7 +13192,7 @@
             <a:fld id="{4EF95999-A99C-46D6-BFDA-AEFA180EA74F}" type="datetimeFigureOut">
               <a:rPr lang="en-US" smtClean="0"/>
               <a:pPr/>
-              <a:t>30-Oct-24</a:t>
+              <a:t>14-Nov-24</a:t>
             </a:fld>
             <a:endParaRPr lang="en-US"/>
           </a:p>
@@ -13289,7 +13289,7 @@
             <a:fld id="{4EF95999-A99C-46D6-BFDA-AEFA180EA74F}" type="datetimeFigureOut">
               <a:rPr lang="en-US" smtClean="0"/>
               <a:pPr/>
-              <a:t>30-Oct-24</a:t>
+              <a:t>14-Nov-24</a:t>
             </a:fld>
             <a:endParaRPr lang="en-US"/>
           </a:p>
@@ -13568,7 +13568,7 @@
             <a:fld id="{4EF95999-A99C-46D6-BFDA-AEFA180EA74F}" type="datetimeFigureOut">
               <a:rPr lang="en-US" smtClean="0"/>
               <a:pPr/>
-              <a:t>30-Oct-24</a:t>
+              <a:t>14-Nov-24</a:t>
             </a:fld>
             <a:endParaRPr lang="en-US"/>
           </a:p>
@@ -13827,7 +13827,7 @@
             <a:fld id="{4EF95999-A99C-46D6-BFDA-AEFA180EA74F}" type="datetimeFigureOut">
               <a:rPr lang="en-US" smtClean="0"/>
               <a:pPr/>
-              <a:t>30-Oct-24</a:t>
+              <a:t>14-Nov-24</a:t>
             </a:fld>
             <a:endParaRPr lang="en-US"/>
           </a:p>
@@ -13999,7 +13999,7 @@
             <a:fld id="{4EF95999-A99C-46D6-BFDA-AEFA180EA74F}" type="datetimeFigureOut">
               <a:rPr lang="en-US" smtClean="0"/>
               <a:pPr/>
-              <a:t>30-Oct-24</a:t>
+              <a:t>14-Nov-24</a:t>
             </a:fld>
             <a:endParaRPr lang="en-US"/>
           </a:p>
@@ -14181,7 +14181,7 @@
             <a:fld id="{4EF95999-A99C-46D6-BFDA-AEFA180EA74F}" type="datetimeFigureOut">
               <a:rPr lang="en-US" smtClean="0"/>
               <a:pPr/>
-              <a:t>30-Oct-24</a:t>
+              <a:t>14-Nov-24</a:t>
             </a:fld>
             <a:endParaRPr lang="en-US"/>
           </a:p>
@@ -14392,7 +14392,7 @@
           <a:p>
             <a:fld id="{3744D9F7-2A27-4B90-AB19-1B9621DD8A20}" type="datetimeFigureOut">
               <a:rPr lang="en-IN" smtClean="0"/>
-              <a:t>30-10-2024</a:t>
+              <a:t>14-11-2024</a:t>
             </a:fld>
             <a:endParaRPr lang="en-IN"/>
           </a:p>
@@ -14592,7 +14592,7 @@
           <a:p>
             <a:fld id="{3744D9F7-2A27-4B90-AB19-1B9621DD8A20}" type="datetimeFigureOut">
               <a:rPr lang="en-IN" smtClean="0"/>
-              <a:t>30-10-2024</a:t>
+              <a:t>14-11-2024</a:t>
             </a:fld>
             <a:endParaRPr lang="en-IN"/>
           </a:p>
@@ -14969,7 +14969,7 @@
             <a:fld id="{4EF95999-A99C-46D6-BFDA-AEFA180EA74F}" type="datetimeFigureOut">
               <a:rPr lang="en-US" smtClean="0"/>
               <a:pPr/>
-              <a:t>30-Oct-24</a:t>
+              <a:t>14-Nov-24</a:t>
             </a:fld>
             <a:endParaRPr lang="en-US"/>
           </a:p>
@@ -15229,7 +15229,7 @@
           <a:p>
             <a:fld id="{3744D9F7-2A27-4B90-AB19-1B9621DD8A20}" type="datetimeFigureOut">
               <a:rPr lang="en-IN" smtClean="0"/>
-              <a:t>30-10-2024</a:t>
+              <a:t>14-11-2024</a:t>
             </a:fld>
             <a:endParaRPr lang="en-IN"/>
           </a:p>
@@ -15497,7 +15497,7 @@
           <a:p>
             <a:fld id="{3744D9F7-2A27-4B90-AB19-1B9621DD8A20}" type="datetimeFigureOut">
               <a:rPr lang="en-IN" smtClean="0"/>
-              <a:t>30-10-2024</a:t>
+              <a:t>14-11-2024</a:t>
             </a:fld>
             <a:endParaRPr lang="en-IN"/>
           </a:p>
@@ -15912,7 +15912,7 @@
           <a:p>
             <a:fld id="{3744D9F7-2A27-4B90-AB19-1B9621DD8A20}" type="datetimeFigureOut">
               <a:rPr lang="en-IN" smtClean="0"/>
-              <a:t>30-10-2024</a:t>
+              <a:t>14-11-2024</a:t>
             </a:fld>
             <a:endParaRPr lang="en-IN"/>
           </a:p>
@@ -16054,7 +16054,7 @@
           <a:p>
             <a:fld id="{3744D9F7-2A27-4B90-AB19-1B9621DD8A20}" type="datetimeFigureOut">
               <a:rPr lang="en-IN" smtClean="0"/>
-              <a:t>30-10-2024</a:t>
+              <a:t>14-11-2024</a:t>
             </a:fld>
             <a:endParaRPr lang="en-IN"/>
           </a:p>
@@ -16167,7 +16167,7 @@
           <a:p>
             <a:fld id="{3744D9F7-2A27-4B90-AB19-1B9621DD8A20}" type="datetimeFigureOut">
               <a:rPr lang="en-IN" smtClean="0"/>
-              <a:t>30-10-2024</a:t>
+              <a:t>14-11-2024</a:t>
             </a:fld>
             <a:endParaRPr lang="en-IN"/>
           </a:p>
@@ -16480,7 +16480,7 @@
           <a:p>
             <a:fld id="{3744D9F7-2A27-4B90-AB19-1B9621DD8A20}" type="datetimeFigureOut">
               <a:rPr lang="en-IN" smtClean="0"/>
-              <a:t>30-10-2024</a:t>
+              <a:t>14-11-2024</a:t>
             </a:fld>
             <a:endParaRPr lang="en-IN"/>
           </a:p>
@@ -16769,7 +16769,7 @@
           <a:p>
             <a:fld id="{3744D9F7-2A27-4B90-AB19-1B9621DD8A20}" type="datetimeFigureOut">
               <a:rPr lang="en-IN" smtClean="0"/>
-              <a:t>30-10-2024</a:t>
+              <a:t>14-11-2024</a:t>
             </a:fld>
             <a:endParaRPr lang="en-IN"/>
           </a:p>
@@ -16969,7 +16969,7 @@
           <a:p>
             <a:fld id="{3744D9F7-2A27-4B90-AB19-1B9621DD8A20}" type="datetimeFigureOut">
               <a:rPr lang="en-IN" smtClean="0"/>
-              <a:t>30-10-2024</a:t>
+              <a:t>14-11-2024</a:t>
             </a:fld>
             <a:endParaRPr lang="en-IN"/>
           </a:p>
@@ -17179,7 +17179,7 @@
           <a:p>
             <a:fld id="{3744D9F7-2A27-4B90-AB19-1B9621DD8A20}" type="datetimeFigureOut">
               <a:rPr lang="en-IN" smtClean="0"/>
-              <a:t>30-10-2024</a:t>
+              <a:t>14-11-2024</a:t>
             </a:fld>
             <a:endParaRPr lang="en-IN"/>
           </a:p>
@@ -17309,7 +17309,7 @@
             <a:fld id="{4EF95999-A99C-46D6-BFDA-AEFA180EA74F}" type="datetimeFigureOut">
               <a:rPr lang="en-US" smtClean="0"/>
               <a:pPr/>
-              <a:t>30-Oct-24</a:t>
+              <a:t>14-Nov-24</a:t>
             </a:fld>
             <a:endParaRPr lang="en-US"/>
           </a:p>
@@ -17401,7 +17401,7 @@
             <a:fld id="{4EF95999-A99C-46D6-BFDA-AEFA180EA74F}" type="datetimeFigureOut">
               <a:rPr lang="en-US" smtClean="0"/>
               <a:pPr/>
-              <a:t>30-Oct-24</a:t>
+              <a:t>14-Nov-24</a:t>
             </a:fld>
             <a:endParaRPr lang="en-US"/>
           </a:p>
@@ -17673,7 +17673,7 @@
             <a:fld id="{4EF95999-A99C-46D6-BFDA-AEFA180EA74F}" type="datetimeFigureOut">
               <a:rPr lang="en-US" smtClean="0"/>
               <a:pPr/>
-              <a:t>30-Oct-24</a:t>
+              <a:t>14-Nov-24</a:t>
             </a:fld>
             <a:endParaRPr lang="en-US"/>
           </a:p>
@@ -17922,7 +17922,7 @@
             <a:fld id="{4EF95999-A99C-46D6-BFDA-AEFA180EA74F}" type="datetimeFigureOut">
               <a:rPr lang="en-US" smtClean="0"/>
               <a:pPr/>
-              <a:t>30-Oct-24</a:t>
+              <a:t>14-Nov-24</a:t>
             </a:fld>
             <a:endParaRPr lang="en-US"/>
           </a:p>
@@ -18131,7 +18131,7 @@
             <a:fld id="{4EF95999-A99C-46D6-BFDA-AEFA180EA74F}" type="datetimeFigureOut">
               <a:rPr lang="en-US" smtClean="0"/>
               <a:pPr/>
-              <a:t>30-Oct-24</a:t>
+              <a:t>14-Nov-24</a:t>
             </a:fld>
             <a:endParaRPr lang="en-US"/>
           </a:p>
@@ -18670,7 +18670,7 @@
             <a:fld id="{36B80835-DEB3-4275-B379-2566D87801AD}" type="datetimeFigureOut">
               <a:rPr lang="en-US" smtClean="0"/>
               <a:pPr/>
-              <a:t>30-Oct-24</a:t>
+              <a:t>14-Nov-24</a:t>
             </a:fld>
             <a:endParaRPr lang="en-US"/>
           </a:p>
@@ -19208,7 +19208,7 @@
             <a:fld id="{4EF95999-A99C-46D6-BFDA-AEFA180EA74F}" type="datetimeFigureOut">
               <a:rPr lang="en-US" smtClean="0"/>
               <a:pPr/>
-              <a:t>30-Oct-24</a:t>
+              <a:t>14-Nov-24</a:t>
             </a:fld>
             <a:endParaRPr lang="en-US"/>
           </a:p>
@@ -19748,7 +19748,7 @@
             <a:fld id="{4EF95999-A99C-46D6-BFDA-AEFA180EA74F}" type="datetimeFigureOut">
               <a:rPr lang="en-US" smtClean="0"/>
               <a:pPr/>
-              <a:t>30-Oct-24</a:t>
+              <a:t>14-Nov-24</a:t>
             </a:fld>
             <a:endParaRPr lang="en-US"/>
           </a:p>
@@ -20308,7 +20308,7 @@
           <a:p>
             <a:fld id="{3744D9F7-2A27-4B90-AB19-1B9621DD8A20}" type="datetimeFigureOut">
               <a:rPr lang="en-IN" smtClean="0"/>
-              <a:t>30-10-2024</a:t>
+              <a:t>14-11-2024</a:t>
             </a:fld>
             <a:endParaRPr lang="en-IN"/>
           </a:p>
@@ -23812,7 +23812,7 @@
           <p:nvPr>
             <p:extLst>
               <p:ext uri="{D42A27DB-BD31-4B8C-83A1-F6EECF244321}">
-                <p14:modId xmlns:p14="http://schemas.microsoft.com/office/powerpoint/2010/main" val="3622036151"/>
+                <p14:modId xmlns:p14="http://schemas.microsoft.com/office/powerpoint/2010/main" val="4266186345"/>
               </p:ext>
             </p:extLst>
           </p:nvPr>
@@ -23871,7 +23871,10 @@
                     <a:lstStyle/>
                     <a:p>
                       <a:r>
-                        <a:rPr lang="en-US" dirty="0"/>
+                        <a:rPr lang="en-US" dirty="0">
+                          <a:latin typeface="Times New Roman" panose="02020603050405020304" pitchFamily="18" charset="0"/>
+                          <a:cs typeface="Times New Roman" panose="02020603050405020304" pitchFamily="18" charset="0"/>
+                        </a:rPr>
                         <a:t>Feature</a:t>
                       </a:r>
                     </a:p>
@@ -23921,7 +23924,10 @@
                     <a:lstStyle/>
                     <a:p>
                       <a:r>
-                        <a:rPr lang="en-US"/>
+                        <a:rPr lang="en-US">
+                          <a:latin typeface="Times New Roman" panose="02020603050405020304" pitchFamily="18" charset="0"/>
+                          <a:cs typeface="Times New Roman" panose="02020603050405020304" pitchFamily="18" charset="0"/>
+                        </a:rPr>
                         <a:t>Next.js</a:t>
                       </a:r>
                     </a:p>
@@ -23971,7 +23977,10 @@
                     <a:lstStyle/>
                     <a:p>
                       <a:r>
-                        <a:rPr lang="en-US"/>
+                        <a:rPr lang="en-US">
+                          <a:latin typeface="Times New Roman" panose="02020603050405020304" pitchFamily="18" charset="0"/>
+                          <a:cs typeface="Times New Roman" panose="02020603050405020304" pitchFamily="18" charset="0"/>
+                        </a:rPr>
                         <a:t>Clerk</a:t>
                       </a:r>
                     </a:p>
@@ -24021,7 +24030,10 @@
                     <a:lstStyle/>
                     <a:p>
                       <a:r>
-                        <a:rPr lang="en-US" dirty="0"/>
+                        <a:rPr lang="en-US" dirty="0">
+                          <a:latin typeface="Times New Roman" panose="02020603050405020304" pitchFamily="18" charset="0"/>
+                          <a:cs typeface="Times New Roman" panose="02020603050405020304" pitchFamily="18" charset="0"/>
+                        </a:rPr>
                         <a:t>GetStream</a:t>
                       </a:r>
                     </a:p>
@@ -24071,7 +24083,10 @@
                     <a:lstStyle/>
                     <a:p>
                       <a:r>
-                        <a:rPr lang="en-US" dirty="0"/>
+                        <a:rPr lang="en-US" dirty="0">
+                          <a:latin typeface="Times New Roman" panose="02020603050405020304" pitchFamily="18" charset="0"/>
+                          <a:cs typeface="Times New Roman" panose="02020603050405020304" pitchFamily="18" charset="0"/>
+                        </a:rPr>
                         <a:t>Tailwind CSS</a:t>
                       </a:r>
                     </a:p>
@@ -24128,10 +24143,16 @@
                     <a:lstStyle/>
                     <a:p>
                       <a:r>
-                        <a:rPr lang="en-US" b="1" dirty="0"/>
+                        <a:rPr lang="en-US" b="1" dirty="0">
+                          <a:latin typeface="Times New Roman" panose="02020603050405020304" pitchFamily="18" charset="0"/>
+                          <a:cs typeface="Times New Roman" panose="02020603050405020304" pitchFamily="18" charset="0"/>
+                        </a:rPr>
                         <a:t>Main Functionality</a:t>
                       </a:r>
-                      <a:endParaRPr lang="en-US" dirty="0"/>
+                      <a:endParaRPr lang="en-US" dirty="0">
+                        <a:latin typeface="Times New Roman" panose="02020603050405020304" pitchFamily="18" charset="0"/>
+                        <a:cs typeface="Times New Roman" panose="02020603050405020304" pitchFamily="18" charset="0"/>
+                      </a:endParaRPr>
                     </a:p>
                   </a:txBody>
                   <a:tcPr anchor="ctr">
@@ -24185,7 +24206,10 @@
                     <a:lstStyle/>
                     <a:p>
                       <a:r>
-                        <a:rPr lang="en-US" dirty="0"/>
+                        <a:rPr lang="en-US" dirty="0">
+                          <a:latin typeface="Times New Roman" panose="02020603050405020304" pitchFamily="18" charset="0"/>
+                          <a:cs typeface="Times New Roman" panose="02020603050405020304" pitchFamily="18" charset="0"/>
+                        </a:rPr>
                         <a:t>Server-side rendering, API routes</a:t>
                       </a:r>
                     </a:p>
@@ -24241,7 +24265,10 @@
                     <a:lstStyle/>
                     <a:p>
                       <a:r>
-                        <a:rPr lang="en-US" dirty="0"/>
+                        <a:rPr lang="en-US" dirty="0">
+                          <a:latin typeface="Times New Roman" panose="02020603050405020304" pitchFamily="18" charset="0"/>
+                          <a:cs typeface="Times New Roman" panose="02020603050405020304" pitchFamily="18" charset="0"/>
+                        </a:rPr>
                         <a:t>Authentication &amp; user management</a:t>
                       </a:r>
                     </a:p>
@@ -24297,7 +24324,10 @@
                     <a:lstStyle/>
                     <a:p>
                       <a:r>
-                        <a:rPr lang="en-US" dirty="0"/>
+                        <a:rPr lang="en-US" dirty="0">
+                          <a:latin typeface="Times New Roman" panose="02020603050405020304" pitchFamily="18" charset="0"/>
+                          <a:cs typeface="Times New Roman" panose="02020603050405020304" pitchFamily="18" charset="0"/>
+                        </a:rPr>
                         <a:t>Real-time messaging &amp; video streaming</a:t>
                       </a:r>
                     </a:p>
@@ -24353,7 +24383,10 @@
                     <a:lstStyle/>
                     <a:p>
                       <a:r>
-                        <a:rPr lang="en-US" dirty="0"/>
+                        <a:rPr lang="en-US" dirty="0">
+                          <a:latin typeface="Times New Roman" panose="02020603050405020304" pitchFamily="18" charset="0"/>
+                          <a:cs typeface="Times New Roman" panose="02020603050405020304" pitchFamily="18" charset="0"/>
+                        </a:rPr>
                         <a:t>UI design and layout</a:t>
                       </a:r>
                     </a:p>
@@ -24416,10 +24449,16 @@
                     <a:lstStyle/>
                     <a:p>
                       <a:r>
-                        <a:rPr lang="en-US" b="1" dirty="0"/>
+                        <a:rPr lang="en-US" b="1" dirty="0">
+                          <a:latin typeface="Times New Roman" panose="02020603050405020304" pitchFamily="18" charset="0"/>
+                          <a:cs typeface="Times New Roman" panose="02020603050405020304" pitchFamily="18" charset="0"/>
+                        </a:rPr>
                         <a:t>Primary Use Case</a:t>
                       </a:r>
-                      <a:endParaRPr lang="en-US" dirty="0"/>
+                      <a:endParaRPr lang="en-US" dirty="0">
+                        <a:latin typeface="Times New Roman" panose="02020603050405020304" pitchFamily="18" charset="0"/>
+                        <a:cs typeface="Times New Roman" panose="02020603050405020304" pitchFamily="18" charset="0"/>
+                      </a:endParaRPr>
                     </a:p>
                   </a:txBody>
                   <a:tcPr anchor="ctr">
@@ -24473,7 +24512,10 @@
                     <a:lstStyle/>
                     <a:p>
                       <a:r>
-                        <a:rPr lang="en-US" dirty="0"/>
+                        <a:rPr lang="en-US" dirty="0">
+                          <a:latin typeface="Times New Roman" panose="02020603050405020304" pitchFamily="18" charset="0"/>
+                          <a:cs typeface="Times New Roman" panose="02020603050405020304" pitchFamily="18" charset="0"/>
+                        </a:rPr>
                         <a:t>Optimized frontend performance</a:t>
                       </a:r>
                     </a:p>
@@ -24529,7 +24571,10 @@
                     <a:lstStyle/>
                     <a:p>
                       <a:r>
-                        <a:rPr lang="en-US" dirty="0"/>
+                        <a:rPr lang="en-US" dirty="0">
+                          <a:latin typeface="Times New Roman" panose="02020603050405020304" pitchFamily="18" charset="0"/>
+                          <a:cs typeface="Times New Roman" panose="02020603050405020304" pitchFamily="18" charset="0"/>
+                        </a:rPr>
                         <a:t>Secure user authentication</a:t>
                       </a:r>
                     </a:p>
@@ -24585,7 +24630,10 @@
                     <a:lstStyle/>
                     <a:p>
                       <a:r>
-                        <a:rPr lang="en-US" dirty="0"/>
+                        <a:rPr lang="en-US" dirty="0">
+                          <a:latin typeface="Times New Roman" panose="02020603050405020304" pitchFamily="18" charset="0"/>
+                          <a:cs typeface="Times New Roman" panose="02020603050405020304" pitchFamily="18" charset="0"/>
+                        </a:rPr>
                         <a:t>Low-latency video &amp; messaging</a:t>
                       </a:r>
                     </a:p>
@@ -24641,7 +24689,10 @@
                     <a:lstStyle/>
                     <a:p>
                       <a:r>
-                        <a:rPr lang="en-US" dirty="0"/>
+                        <a:rPr lang="en-US" dirty="0">
+                          <a:latin typeface="Times New Roman" panose="02020603050405020304" pitchFamily="18" charset="0"/>
+                          <a:cs typeface="Times New Roman" panose="02020603050405020304" pitchFamily="18" charset="0"/>
+                        </a:rPr>
                         <a:t>Responsive and customizable UI</a:t>
                       </a:r>
                     </a:p>
@@ -24704,7 +24755,10 @@
                     <a:lstStyle/>
                     <a:p>
                       <a:r>
-                        <a:rPr lang="en-US" b="1" dirty="0"/>
+                        <a:rPr lang="en-US" b="1" dirty="0">
+                          <a:latin typeface="Times New Roman" panose="02020603050405020304" pitchFamily="18" charset="0"/>
+                          <a:cs typeface="Times New Roman" panose="02020603050405020304" pitchFamily="18" charset="0"/>
+                        </a:rPr>
                         <a:t>Scalability</a:t>
                       </a:r>
                     </a:p>
@@ -24760,7 +24814,10 @@
                     <a:lstStyle/>
                     <a:p>
                       <a:r>
-                        <a:rPr lang="en-US" b="0" dirty="0"/>
+                        <a:rPr lang="en-US" b="0" dirty="0">
+                          <a:latin typeface="Times New Roman" panose="02020603050405020304" pitchFamily="18" charset="0"/>
+                          <a:cs typeface="Times New Roman" panose="02020603050405020304" pitchFamily="18" charset="0"/>
+                        </a:rPr>
                         <a:t>Highly scalable via SSR &amp; SSG</a:t>
                       </a:r>
                     </a:p>
@@ -24816,7 +24873,10 @@
                     <a:lstStyle/>
                     <a:p>
                       <a:r>
-                        <a:rPr lang="en-US" b="0" dirty="0"/>
+                        <a:rPr lang="en-US" b="0" dirty="0">
+                          <a:latin typeface="Times New Roman" panose="02020603050405020304" pitchFamily="18" charset="0"/>
+                          <a:cs typeface="Times New Roman" panose="02020603050405020304" pitchFamily="18" charset="0"/>
+                        </a:rPr>
                         <a:t>Medium scalability for smaller apps</a:t>
                       </a:r>
                     </a:p>
@@ -24872,7 +24932,10 @@
                     <a:lstStyle/>
                     <a:p>
                       <a:r>
-                        <a:rPr lang="en-US" dirty="0"/>
+                        <a:rPr lang="en-US" dirty="0">
+                          <a:latin typeface="Times New Roman" panose="02020603050405020304" pitchFamily="18" charset="0"/>
+                          <a:cs typeface="Times New Roman" panose="02020603050405020304" pitchFamily="18" charset="0"/>
+                        </a:rPr>
                         <a:t>Highly scalable for real-time applications</a:t>
                       </a:r>
                     </a:p>
@@ -24928,7 +24991,10 @@
                     <a:lstStyle/>
                     <a:p>
                       <a:r>
-                        <a:rPr lang="en-US" dirty="0"/>
+                        <a:rPr lang="en-US" dirty="0">
+                          <a:latin typeface="Times New Roman" panose="02020603050405020304" pitchFamily="18" charset="0"/>
+                          <a:cs typeface="Times New Roman" panose="02020603050405020304" pitchFamily="18" charset="0"/>
+                        </a:rPr>
                         <a:t>Highly scalable for large UI apps</a:t>
                       </a:r>
                     </a:p>
@@ -25396,14 +25462,14 @@
           <p:nvPr>
             <p:extLst>
               <p:ext uri="{D42A27DB-BD31-4B8C-83A1-F6EECF244321}">
-                <p14:modId xmlns:p14="http://schemas.microsoft.com/office/powerpoint/2010/main" val="2031579818"/>
+                <p14:modId xmlns:p14="http://schemas.microsoft.com/office/powerpoint/2010/main" val="2807586535"/>
               </p:ext>
             </p:extLst>
           </p:nvPr>
         </p:nvGraphicFramePr>
         <p:xfrm>
-          <a:off x="2743199" y="1474470"/>
-          <a:ext cx="8443335" cy="4469130"/>
+          <a:off x="2612730" y="1474470"/>
+          <a:ext cx="8741070" cy="4469130"/>
         </p:xfrm>
         <a:graphic>
           <a:graphicData uri="http://schemas.openxmlformats.org/drawingml/2006/table">
@@ -25412,35 +25478,35 @@
                 <a:tableStyleId>{21E4AEA4-8DFA-4A89-87EB-49C32662AFE0}</a:tableStyleId>
               </a:tblPr>
               <a:tblGrid>
-                <a:gridCol w="1688667">
+                <a:gridCol w="1748214">
                   <a:extLst>
                     <a:ext uri="{9D8B030D-6E8A-4147-A177-3AD203B41FA5}">
                       <a16:colId xmlns:a16="http://schemas.microsoft.com/office/drawing/2014/main" val="11381086"/>
                     </a:ext>
                   </a:extLst>
                 </a:gridCol>
-                <a:gridCol w="1688667">
+                <a:gridCol w="1748214">
                   <a:extLst>
                     <a:ext uri="{9D8B030D-6E8A-4147-A177-3AD203B41FA5}">
                       <a16:colId xmlns:a16="http://schemas.microsoft.com/office/drawing/2014/main" val="2032111260"/>
                     </a:ext>
                   </a:extLst>
                 </a:gridCol>
-                <a:gridCol w="1688667">
+                <a:gridCol w="1748214">
                   <a:extLst>
                     <a:ext uri="{9D8B030D-6E8A-4147-A177-3AD203B41FA5}">
                       <a16:colId xmlns:a16="http://schemas.microsoft.com/office/drawing/2014/main" val="3250174916"/>
                     </a:ext>
                   </a:extLst>
                 </a:gridCol>
-                <a:gridCol w="1688667">
+                <a:gridCol w="1748214">
                   <a:extLst>
                     <a:ext uri="{9D8B030D-6E8A-4147-A177-3AD203B41FA5}">
                       <a16:colId xmlns:a16="http://schemas.microsoft.com/office/drawing/2014/main" val="1636732311"/>
                     </a:ext>
                   </a:extLst>
                 </a:gridCol>
-                <a:gridCol w="1688667">
+                <a:gridCol w="1748214">
                   <a:extLst>
                     <a:ext uri="{9D8B030D-6E8A-4147-A177-3AD203B41FA5}">
                       <a16:colId xmlns:a16="http://schemas.microsoft.com/office/drawing/2014/main" val="1394769281"/>
@@ -25455,7 +25521,10 @@
                     <a:lstStyle/>
                     <a:p>
                       <a:r>
-                        <a:rPr lang="en-US" dirty="0"/>
+                        <a:rPr lang="en-US" dirty="0">
+                          <a:latin typeface="Times New Roman" panose="02020603050405020304" pitchFamily="18" charset="0"/>
+                          <a:cs typeface="Times New Roman" panose="02020603050405020304" pitchFamily="18" charset="0"/>
+                        </a:rPr>
                         <a:t>Feature</a:t>
                       </a:r>
                     </a:p>
@@ -25505,7 +25574,10 @@
                     <a:lstStyle/>
                     <a:p>
                       <a:r>
-                        <a:rPr lang="en-US"/>
+                        <a:rPr lang="en-US">
+                          <a:latin typeface="Times New Roman" panose="02020603050405020304" pitchFamily="18" charset="0"/>
+                          <a:cs typeface="Times New Roman" panose="02020603050405020304" pitchFamily="18" charset="0"/>
+                        </a:rPr>
                         <a:t>Next.js</a:t>
                       </a:r>
                     </a:p>
@@ -25555,7 +25627,10 @@
                     <a:lstStyle/>
                     <a:p>
                       <a:r>
-                        <a:rPr lang="en-US"/>
+                        <a:rPr lang="en-US">
+                          <a:latin typeface="Times New Roman" panose="02020603050405020304" pitchFamily="18" charset="0"/>
+                          <a:cs typeface="Times New Roman" panose="02020603050405020304" pitchFamily="18" charset="0"/>
+                        </a:rPr>
                         <a:t>Clerk</a:t>
                       </a:r>
                     </a:p>
@@ -25605,7 +25680,10 @@
                     <a:lstStyle/>
                     <a:p>
                       <a:r>
-                        <a:rPr lang="en-US" dirty="0"/>
+                        <a:rPr lang="en-US" dirty="0">
+                          <a:latin typeface="Times New Roman" panose="02020603050405020304" pitchFamily="18" charset="0"/>
+                          <a:cs typeface="Times New Roman" panose="02020603050405020304" pitchFamily="18" charset="0"/>
+                        </a:rPr>
                         <a:t>GetStream</a:t>
                       </a:r>
                     </a:p>
@@ -25655,7 +25733,10 @@
                     <a:lstStyle/>
                     <a:p>
                       <a:r>
-                        <a:rPr lang="en-US" dirty="0"/>
+                        <a:rPr lang="en-US" dirty="0">
+                          <a:latin typeface="Times New Roman" panose="02020603050405020304" pitchFamily="18" charset="0"/>
+                          <a:cs typeface="Times New Roman" panose="02020603050405020304" pitchFamily="18" charset="0"/>
+                        </a:rPr>
                         <a:t>Tailwind CSS</a:t>
                       </a:r>
                     </a:p>
@@ -25712,10 +25793,16 @@
                     <a:lstStyle/>
                     <a:p>
                       <a:r>
-                        <a:rPr lang="en-US" b="1" dirty="0"/>
+                        <a:rPr lang="en-US" b="1" dirty="0">
+                          <a:latin typeface="Times New Roman" panose="02020603050405020304" pitchFamily="18" charset="0"/>
+                          <a:cs typeface="Times New Roman" panose="02020603050405020304" pitchFamily="18" charset="0"/>
+                        </a:rPr>
                         <a:t>Ease of Integration</a:t>
                       </a:r>
-                      <a:endParaRPr lang="en-US" dirty="0"/>
+                      <a:endParaRPr lang="en-US" dirty="0">
+                        <a:latin typeface="Times New Roman" panose="02020603050405020304" pitchFamily="18" charset="0"/>
+                        <a:cs typeface="Times New Roman" panose="02020603050405020304" pitchFamily="18" charset="0"/>
+                      </a:endParaRPr>
                     </a:p>
                   </a:txBody>
                   <a:tcPr anchor="ctr">
@@ -25777,7 +25864,10 @@
                     <a:lstStyle/>
                     <a:p>
                       <a:r>
-                        <a:rPr lang="en-US" dirty="0"/>
+                        <a:rPr lang="en-US" dirty="0">
+                          <a:latin typeface="Times New Roman" panose="02020603050405020304" pitchFamily="18" charset="0"/>
+                          <a:cs typeface="Times New Roman" panose="02020603050405020304" pitchFamily="18" charset="0"/>
+                        </a:rPr>
                         <a:t>Easy API and routing integration</a:t>
                       </a:r>
                     </a:p>
@@ -25833,7 +25923,10 @@
                     <a:lstStyle/>
                     <a:p>
                       <a:r>
-                        <a:rPr lang="en-US" dirty="0"/>
+                        <a:rPr lang="en-US" dirty="0">
+                          <a:latin typeface="Times New Roman" panose="02020603050405020304" pitchFamily="18" charset="0"/>
+                          <a:cs typeface="Times New Roman" panose="02020603050405020304" pitchFamily="18" charset="0"/>
+                        </a:rPr>
                         <a:t>Simplified, pre-built components</a:t>
                       </a:r>
                     </a:p>
@@ -25889,7 +25982,10 @@
                     <a:lstStyle/>
                     <a:p>
                       <a:r>
-                        <a:rPr lang="en-US"/>
+                        <a:rPr lang="en-US">
+                          <a:latin typeface="Times New Roman" panose="02020603050405020304" pitchFamily="18" charset="0"/>
+                          <a:cs typeface="Times New Roman" panose="02020603050405020304" pitchFamily="18" charset="0"/>
+                        </a:rPr>
                         <a:t>API-based, easy to integrate</a:t>
                       </a:r>
                     </a:p>
@@ -25945,7 +26041,10 @@
                     <a:lstStyle/>
                     <a:p>
                       <a:r>
-                        <a:rPr lang="en-US"/>
+                        <a:rPr lang="en-US">
+                          <a:latin typeface="Times New Roman" panose="02020603050405020304" pitchFamily="18" charset="0"/>
+                          <a:cs typeface="Times New Roman" panose="02020603050405020304" pitchFamily="18" charset="0"/>
+                        </a:rPr>
                         <a:t>Simple utility classes for quick design</a:t>
                       </a:r>
                     </a:p>
@@ -26008,10 +26107,16 @@
                     <a:lstStyle/>
                     <a:p>
                       <a:r>
-                        <a:rPr lang="en-US" b="1" dirty="0"/>
+                        <a:rPr lang="en-US" b="1" dirty="0">
+                          <a:latin typeface="Times New Roman" panose="02020603050405020304" pitchFamily="18" charset="0"/>
+                          <a:cs typeface="Times New Roman" panose="02020603050405020304" pitchFamily="18" charset="0"/>
+                        </a:rPr>
                         <a:t>Customizability</a:t>
                       </a:r>
-                      <a:endParaRPr lang="en-US" dirty="0"/>
+                      <a:endParaRPr lang="en-US" dirty="0">
+                        <a:latin typeface="Times New Roman" panose="02020603050405020304" pitchFamily="18" charset="0"/>
+                        <a:cs typeface="Times New Roman" panose="02020603050405020304" pitchFamily="18" charset="0"/>
+                      </a:endParaRPr>
                     </a:p>
                   </a:txBody>
                   <a:tcPr anchor="ctr">
@@ -26065,7 +26170,10 @@
                     <a:lstStyle/>
                     <a:p>
                       <a:r>
-                        <a:rPr lang="en-US" dirty="0"/>
+                        <a:rPr lang="en-US" dirty="0">
+                          <a:latin typeface="Times New Roman" panose="02020603050405020304" pitchFamily="18" charset="0"/>
+                          <a:cs typeface="Times New Roman" panose="02020603050405020304" pitchFamily="18" charset="0"/>
+                        </a:rPr>
                         <a:t>Full flexibility with JavaScript</a:t>
                       </a:r>
                     </a:p>
@@ -26121,7 +26229,10 @@
                     <a:lstStyle/>
                     <a:p>
                       <a:r>
-                        <a:rPr lang="en-US" dirty="0"/>
+                        <a:rPr lang="en-US" dirty="0">
+                          <a:latin typeface="Times New Roman" panose="02020603050405020304" pitchFamily="18" charset="0"/>
+                          <a:cs typeface="Times New Roman" panose="02020603050405020304" pitchFamily="18" charset="0"/>
+                        </a:rPr>
                         <a:t>Customizable authentication methods</a:t>
                       </a:r>
                     </a:p>
@@ -26177,7 +26288,10 @@
                     <a:lstStyle/>
                     <a:p>
                       <a:r>
-                        <a:rPr lang="en-US" dirty="0"/>
+                        <a:rPr lang="en-US" dirty="0">
+                          <a:latin typeface="Times New Roman" panose="02020603050405020304" pitchFamily="18" charset="0"/>
+                          <a:cs typeface="Times New Roman" panose="02020603050405020304" pitchFamily="18" charset="0"/>
+                        </a:rPr>
                         <a:t>Customizable messaging &amp; streaming APIs</a:t>
                       </a:r>
                     </a:p>
@@ -26233,7 +26347,10 @@
                     <a:lstStyle/>
                     <a:p>
                       <a:r>
-                        <a:rPr lang="en-US" dirty="0"/>
+                        <a:rPr lang="en-US" dirty="0">
+                          <a:latin typeface="Times New Roman" panose="02020603050405020304" pitchFamily="18" charset="0"/>
+                          <a:cs typeface="Times New Roman" panose="02020603050405020304" pitchFamily="18" charset="0"/>
+                        </a:rPr>
                         <a:t>Fully customizable UI components</a:t>
                       </a:r>
                     </a:p>
@@ -26296,7 +26413,10 @@
                     <a:lstStyle/>
                     <a:p>
                       <a:r>
-                        <a:rPr lang="en-US" b="1" dirty="0"/>
+                        <a:rPr lang="en-US" b="1" dirty="0">
+                          <a:latin typeface="Times New Roman" panose="02020603050405020304" pitchFamily="18" charset="0"/>
+                          <a:cs typeface="Times New Roman" panose="02020603050405020304" pitchFamily="18" charset="0"/>
+                        </a:rPr>
                         <a:t>Real-time Capabilities</a:t>
                       </a:r>
                     </a:p>
@@ -26352,7 +26472,10 @@
                     <a:lstStyle/>
                     <a:p>
                       <a:r>
-                        <a:rPr lang="en-US" dirty="0"/>
+                        <a:rPr lang="en-US" dirty="0">
+                          <a:latin typeface="Times New Roman" panose="02020603050405020304" pitchFamily="18" charset="0"/>
+                          <a:cs typeface="Times New Roman" panose="02020603050405020304" pitchFamily="18" charset="0"/>
+                        </a:rPr>
                         <a:t>Supports real-time via API routes</a:t>
                       </a:r>
                     </a:p>
@@ -26408,7 +26531,10 @@
                     <a:lstStyle/>
                     <a:p>
                       <a:r>
-                        <a:rPr lang="en-US" dirty="0"/>
+                        <a:rPr lang="en-US" dirty="0">
+                          <a:latin typeface="Times New Roman" panose="02020603050405020304" pitchFamily="18" charset="0"/>
+                          <a:cs typeface="Times New Roman" panose="02020603050405020304" pitchFamily="18" charset="0"/>
+                        </a:rPr>
                         <a:t>No real-time features</a:t>
                       </a:r>
                     </a:p>
@@ -26464,7 +26590,10 @@
                     <a:lstStyle/>
                     <a:p>
                       <a:r>
-                        <a:rPr lang="en-US" dirty="0"/>
+                        <a:rPr lang="en-US" dirty="0">
+                          <a:latin typeface="Times New Roman" panose="02020603050405020304" pitchFamily="18" charset="0"/>
+                          <a:cs typeface="Times New Roman" panose="02020603050405020304" pitchFamily="18" charset="0"/>
+                        </a:rPr>
                         <a:t>Real-time messaging &amp; video streaming</a:t>
                       </a:r>
                     </a:p>
@@ -26520,7 +26649,10 @@
                     <a:lstStyle/>
                     <a:p>
                       <a:r>
-                        <a:rPr lang="en-US" dirty="0"/>
+                        <a:rPr lang="en-US" dirty="0">
+                          <a:latin typeface="Times New Roman" panose="02020603050405020304" pitchFamily="18" charset="0"/>
+                          <a:cs typeface="Times New Roman" panose="02020603050405020304" pitchFamily="18" charset="0"/>
+                        </a:rPr>
                         <a:t>Not applicable</a:t>
                       </a:r>
                     </a:p>
@@ -31277,6 +31409,88 @@
           </a:prstGeom>
         </p:spPr>
       </p:pic>
+      <p:cxnSp>
+        <p:nvCxnSpPr>
+          <p:cNvPr id="10" name="Straight Arrow Connector 9">
+            <a:extLst>
+              <a:ext uri="{FF2B5EF4-FFF2-40B4-BE49-F238E27FC236}">
+                <a16:creationId xmlns:a16="http://schemas.microsoft.com/office/drawing/2014/main" id="{897DC255-0CC3-F52E-2ABA-FAF92D590E76}"/>
+              </a:ext>
+            </a:extLst>
+          </p:cNvPr>
+          <p:cNvCxnSpPr>
+            <a:cxnSpLocks/>
+          </p:cNvCxnSpPr>
+          <p:nvPr/>
+        </p:nvCxnSpPr>
+        <p:spPr>
+          <a:xfrm flipH="1">
+            <a:off x="3581400" y="2806773"/>
+            <a:ext cx="6324600" cy="469827"/>
+          </a:xfrm>
+          <a:prstGeom prst="straightConnector1">
+            <a:avLst/>
+          </a:prstGeom>
+          <a:ln>
+            <a:tailEnd type="triangle"/>
+          </a:ln>
+        </p:spPr>
+        <p:style>
+          <a:lnRef idx="3">
+            <a:schemeClr val="accent1"/>
+          </a:lnRef>
+          <a:fillRef idx="0">
+            <a:schemeClr val="accent1"/>
+          </a:fillRef>
+          <a:effectRef idx="2">
+            <a:schemeClr val="accent1"/>
+          </a:effectRef>
+          <a:fontRef idx="minor">
+            <a:schemeClr val="tx1"/>
+          </a:fontRef>
+        </p:style>
+      </p:cxnSp>
+      <p:cxnSp>
+        <p:nvCxnSpPr>
+          <p:cNvPr id="12" name="Straight Arrow Connector 11">
+            <a:extLst>
+              <a:ext uri="{FF2B5EF4-FFF2-40B4-BE49-F238E27FC236}">
+                <a16:creationId xmlns:a16="http://schemas.microsoft.com/office/drawing/2014/main" id="{8C799A9A-A190-484B-C058-72CA6030351D}"/>
+              </a:ext>
+            </a:extLst>
+          </p:cNvPr>
+          <p:cNvCxnSpPr>
+            <a:cxnSpLocks/>
+          </p:cNvCxnSpPr>
+          <p:nvPr/>
+        </p:nvCxnSpPr>
+        <p:spPr>
+          <a:xfrm flipH="1">
+            <a:off x="3808431" y="4755822"/>
+            <a:ext cx="6402369" cy="501978"/>
+          </a:xfrm>
+          <a:prstGeom prst="straightConnector1">
+            <a:avLst/>
+          </a:prstGeom>
+          <a:ln>
+            <a:tailEnd type="triangle"/>
+          </a:ln>
+        </p:spPr>
+        <p:style>
+          <a:lnRef idx="3">
+            <a:schemeClr val="accent1"/>
+          </a:lnRef>
+          <a:fillRef idx="0">
+            <a:schemeClr val="accent1"/>
+          </a:fillRef>
+          <a:effectRef idx="2">
+            <a:schemeClr val="accent1"/>
+          </a:effectRef>
+          <a:fontRef idx="minor">
+            <a:schemeClr val="tx1"/>
+          </a:fontRef>
+        </p:style>
+      </p:cxnSp>
     </p:spTree>
     <p:extLst>
       <p:ext uri="{BB962C8B-B14F-4D97-AF65-F5344CB8AC3E}">
@@ -32587,7 +32801,7 @@
             <p:ph idx="1"/>
             <p:extLst>
               <p:ext uri="{D42A27DB-BD31-4B8C-83A1-F6EECF244321}">
-                <p14:modId xmlns:p14="http://schemas.microsoft.com/office/powerpoint/2010/main" val="3172268716"/>
+                <p14:modId xmlns:p14="http://schemas.microsoft.com/office/powerpoint/2010/main" val="3308189559"/>
               </p:ext>
             </p:extLst>
           </p:nvPr>
@@ -32663,13 +32877,12 @@
                         <a:defRPr/>
                       </a:pPr>
                       <a:r>
-                        <a:rPr lang="en-US" sz="1600" dirty="0"/>
+                        <a:rPr lang="en-US" sz="1600" dirty="0">
+                          <a:latin typeface="Times New Roman" panose="02020603050405020304" pitchFamily="18" charset="0"/>
+                          <a:cs typeface="Times New Roman" panose="02020603050405020304" pitchFamily="18" charset="0"/>
+                        </a:rPr>
                         <a:t>S.N</a:t>
                       </a:r>
-                      <a:endParaRPr lang="en-US" sz="1600" dirty="0">
-                        <a:latin typeface="Times New Roman" panose="02020603050405020304" pitchFamily="18" charset="0"/>
-                        <a:cs typeface="Times New Roman" panose="02020603050405020304" pitchFamily="18" charset="0"/>
-                      </a:endParaRPr>
                     </a:p>
                   </a:txBody>
                   <a:tcPr>
@@ -32734,7 +32947,10 @@
                         <a:defRPr/>
                       </a:pPr>
                       <a:r>
-                        <a:rPr lang="en-US" sz="1600" dirty="0"/>
+                        <a:rPr lang="en-US" sz="1600" dirty="0">
+                          <a:latin typeface="Times New Roman" panose="02020603050405020304" pitchFamily="18" charset="0"/>
+                          <a:cs typeface="Times New Roman" panose="02020603050405020304" pitchFamily="18" charset="0"/>
+                        </a:rPr>
                         <a:t>Paper Title &amp; Publication Details</a:t>
                       </a:r>
                     </a:p>
@@ -32807,7 +33023,10 @@
                         <a:defRPr/>
                       </a:pPr>
                       <a:r>
-                        <a:rPr lang="en-US" sz="1600" dirty="0"/>
+                        <a:rPr lang="en-US" sz="1600" dirty="0">
+                          <a:latin typeface="Times New Roman" panose="02020603050405020304" pitchFamily="18" charset="0"/>
+                          <a:cs typeface="Times New Roman" panose="02020603050405020304" pitchFamily="18" charset="0"/>
+                        </a:rPr>
                         <a:t>Name of the Authors</a:t>
                       </a:r>
                     </a:p>
@@ -32880,13 +33099,12 @@
                         <a:defRPr/>
                       </a:pPr>
                       <a:r>
-                        <a:rPr lang="en-US" sz="1600" dirty="0"/>
+                        <a:rPr lang="en-US" sz="1600" dirty="0">
+                          <a:latin typeface="Times New Roman" panose="02020603050405020304" pitchFamily="18" charset="0"/>
+                          <a:cs typeface="Times New Roman" panose="02020603050405020304" pitchFamily="18" charset="0"/>
+                        </a:rPr>
                         <a:t>Technical Ideas / Algorithms Used in the Paper &amp; Advantages</a:t>
                       </a:r>
-                      <a:endParaRPr lang="en-US" sz="1600" dirty="0">
-                        <a:latin typeface="Times New Roman" panose="02020603050405020304" pitchFamily="18" charset="0"/>
-                        <a:cs typeface="Times New Roman" panose="02020603050405020304" pitchFamily="18" charset="0"/>
-                      </a:endParaRPr>
                     </a:p>
                   </a:txBody>
                   <a:tcPr>
@@ -32951,13 +33169,12 @@
                         <a:defRPr/>
                       </a:pPr>
                       <a:r>
-                        <a:rPr lang="en-US" sz="1600" dirty="0"/>
+                        <a:rPr lang="en-US" sz="1600" dirty="0">
+                          <a:latin typeface="Times New Roman" panose="02020603050405020304" pitchFamily="18" charset="0"/>
+                          <a:cs typeface="Times New Roman" panose="02020603050405020304" pitchFamily="18" charset="0"/>
+                        </a:rPr>
                         <a:t>Shortfalls / Disadvantages &amp; Solution Provided by the Proposed System</a:t>
                       </a:r>
-                      <a:endParaRPr lang="en-US" sz="1600" dirty="0">
-                        <a:latin typeface="Times New Roman" panose="02020603050405020304" pitchFamily="18" charset="0"/>
-                        <a:cs typeface="Times New Roman" panose="02020603050405020304" pitchFamily="18" charset="0"/>
-                      </a:endParaRPr>
                     </a:p>
                   </a:txBody>
                   <a:tcPr>
@@ -33029,13 +33246,12 @@
                         <a:defRPr/>
                       </a:pPr>
                       <a:r>
-                        <a:rPr lang="en-US" sz="1600" dirty="0"/>
+                        <a:rPr lang="en-US" sz="1600" dirty="0">
+                          <a:latin typeface="Times New Roman" panose="02020603050405020304" pitchFamily="18" charset="0"/>
+                          <a:cs typeface="Times New Roman" panose="02020603050405020304" pitchFamily="18" charset="0"/>
+                        </a:rPr>
                         <a:t>1</a:t>
                       </a:r>
-                      <a:endParaRPr lang="en-US" sz="1600" dirty="0">
-                        <a:latin typeface="Times New Roman" panose="02020603050405020304" pitchFamily="18" charset="0"/>
-                        <a:cs typeface="Times New Roman" panose="02020603050405020304" pitchFamily="18" charset="0"/>
-                      </a:endParaRPr>
                     </a:p>
                   </a:txBody>
                   <a:tcPr>
@@ -33106,13 +33322,12 @@
                         <a:defRPr/>
                       </a:pPr>
                       <a:r>
-                        <a:rPr lang="en-US" sz="1600" dirty="0"/>
+                        <a:rPr lang="en-US" sz="1600" dirty="0">
+                          <a:latin typeface="Times New Roman" panose="02020603050405020304" pitchFamily="18" charset="0"/>
+                          <a:cs typeface="Times New Roman" panose="02020603050405020304" pitchFamily="18" charset="0"/>
+                        </a:rPr>
                         <a:t>Building Scalable Video Conferencing with Next.js</a:t>
                       </a:r>
-                      <a:endParaRPr lang="en-US" sz="1600" dirty="0">
-                        <a:latin typeface="Times New Roman" panose="02020603050405020304" pitchFamily="18" charset="0"/>
-                        <a:cs typeface="Times New Roman" panose="02020603050405020304" pitchFamily="18" charset="0"/>
-                      </a:endParaRPr>
                     </a:p>
                   </a:txBody>
                   <a:tcPr>
@@ -33183,13 +33398,12 @@
                         <a:defRPr/>
                       </a:pPr>
                       <a:r>
-                        <a:rPr lang="en-US" sz="1600" dirty="0"/>
+                        <a:rPr lang="en-US" sz="1600" dirty="0">
+                          <a:latin typeface="Times New Roman" panose="02020603050405020304" pitchFamily="18" charset="0"/>
+                          <a:cs typeface="Times New Roman" panose="02020603050405020304" pitchFamily="18" charset="0"/>
+                        </a:rPr>
                         <a:t>John Doe et al.</a:t>
                       </a:r>
-                      <a:endParaRPr lang="en-US" sz="1600" dirty="0">
-                        <a:latin typeface="Times New Roman" panose="02020603050405020304" pitchFamily="18" charset="0"/>
-                        <a:cs typeface="Times New Roman" panose="02020603050405020304" pitchFamily="18" charset="0"/>
-                      </a:endParaRPr>
                     </a:p>
                   </a:txBody>
                   <a:tcPr>
@@ -33260,13 +33474,12 @@
                         <a:defRPr/>
                       </a:pPr>
                       <a:r>
-                        <a:rPr lang="en-US" sz="1600" dirty="0"/>
+                        <a:rPr lang="en-US" sz="1600" dirty="0">
+                          <a:latin typeface="Times New Roman" panose="02020603050405020304" pitchFamily="18" charset="0"/>
+                          <a:cs typeface="Times New Roman" panose="02020603050405020304" pitchFamily="18" charset="0"/>
+                        </a:rPr>
                         <a:t>Utilizes SSR and SSG to optimize page load speed and performance for large-scale conferencing.</a:t>
                       </a:r>
-                      <a:endParaRPr lang="en-US" sz="1600" dirty="0">
-                        <a:latin typeface="Times New Roman" panose="02020603050405020304" pitchFamily="18" charset="0"/>
-                        <a:cs typeface="Times New Roman" panose="02020603050405020304" pitchFamily="18" charset="0"/>
-                      </a:endParaRPr>
                     </a:p>
                   </a:txBody>
                   <a:tcPr>
@@ -33337,7 +33550,10 @@
                         <a:defRPr/>
                       </a:pPr>
                       <a:r>
-                        <a:rPr lang="en-US" sz="1600" dirty="0"/>
+                        <a:rPr lang="en-US" sz="1600" dirty="0">
+                          <a:latin typeface="Times New Roman" panose="02020603050405020304" pitchFamily="18" charset="0"/>
+                          <a:cs typeface="Times New Roman" panose="02020603050405020304" pitchFamily="18" charset="0"/>
+                        </a:rPr>
                         <a:t>Addresses slow rendering in conventional apps; proposes Next.js as a faster, scalable alternative.</a:t>
                       </a:r>
                     </a:p>
@@ -33440,13 +33656,12 @@
                         <a:defRPr/>
                       </a:pPr>
                       <a:r>
-                        <a:rPr lang="en-US" sz="1600" dirty="0"/>
+                        <a:rPr lang="en-US" sz="1600" dirty="0">
+                          <a:latin typeface="Times New Roman" panose="02020603050405020304" pitchFamily="18" charset="0"/>
+                          <a:cs typeface="Times New Roman" panose="02020603050405020304" pitchFamily="18" charset="0"/>
+                        </a:rPr>
                         <a:t>2</a:t>
                       </a:r>
-                      <a:endParaRPr lang="en-US" sz="1600" dirty="0">
-                        <a:latin typeface="Times New Roman" panose="02020603050405020304" pitchFamily="18" charset="0"/>
-                        <a:cs typeface="Times New Roman" panose="02020603050405020304" pitchFamily="18" charset="0"/>
-                      </a:endParaRPr>
                     </a:p>
                   </a:txBody>
                   <a:tcPr>
@@ -33517,13 +33732,12 @@
                         <a:defRPr/>
                       </a:pPr>
                       <a:r>
-                        <a:rPr lang="en-US" sz="1600" dirty="0"/>
+                        <a:rPr lang="en-US" sz="1600" dirty="0">
+                          <a:latin typeface="Times New Roman" panose="02020603050405020304" pitchFamily="18" charset="0"/>
+                          <a:cs typeface="Times New Roman" panose="02020603050405020304" pitchFamily="18" charset="0"/>
+                        </a:rPr>
                         <a:t>Simplified Authentication for Video Conferencing</a:t>
                       </a:r>
-                      <a:endParaRPr lang="en-US" sz="1600" dirty="0">
-                        <a:latin typeface="Times New Roman" panose="02020603050405020304" pitchFamily="18" charset="0"/>
-                        <a:cs typeface="Times New Roman" panose="02020603050405020304" pitchFamily="18" charset="0"/>
-                      </a:endParaRPr>
                     </a:p>
                   </a:txBody>
                   <a:tcPr>
@@ -33594,13 +33808,12 @@
                         <a:defRPr/>
                       </a:pPr>
                       <a:r>
-                        <a:rPr lang="en-US" sz="1600" dirty="0"/>
+                        <a:rPr lang="en-US" sz="1600" dirty="0">
+                          <a:latin typeface="Times New Roman" panose="02020603050405020304" pitchFamily="18" charset="0"/>
+                          <a:cs typeface="Times New Roman" panose="02020603050405020304" pitchFamily="18" charset="0"/>
+                        </a:rPr>
                         <a:t>Jane Smith et al.</a:t>
                       </a:r>
-                      <a:endParaRPr lang="en-US" sz="1600" dirty="0">
-                        <a:latin typeface="Times New Roman" panose="02020603050405020304" pitchFamily="18" charset="0"/>
-                        <a:cs typeface="Times New Roman" panose="02020603050405020304" pitchFamily="18" charset="0"/>
-                      </a:endParaRPr>
                     </a:p>
                   </a:txBody>
                   <a:tcPr>
@@ -33671,13 +33884,12 @@
                         <a:defRPr/>
                       </a:pPr>
                       <a:r>
-                        <a:rPr lang="en-US" sz="1600" dirty="0"/>
+                        <a:rPr lang="en-US" sz="1600" dirty="0">
+                          <a:latin typeface="Times New Roman" panose="02020603050405020304" pitchFamily="18" charset="0"/>
+                          <a:cs typeface="Times New Roman" panose="02020603050405020304" pitchFamily="18" charset="0"/>
+                        </a:rPr>
                         <a:t>Clerk's pre-built components simplify login and security management, making user authentication easier.</a:t>
                       </a:r>
-                      <a:endParaRPr lang="en-US" sz="1600" dirty="0">
-                        <a:latin typeface="Times New Roman" panose="02020603050405020304" pitchFamily="18" charset="0"/>
-                        <a:cs typeface="Times New Roman" panose="02020603050405020304" pitchFamily="18" charset="0"/>
-                      </a:endParaRPr>
                     </a:p>
                   </a:txBody>
                   <a:tcPr>
@@ -33748,13 +33960,12 @@
                         <a:defRPr/>
                       </a:pPr>
                       <a:r>
-                        <a:rPr lang="en-US" sz="1600" dirty="0"/>
+                        <a:rPr lang="en-US" sz="1600" dirty="0">
+                          <a:latin typeface="Times New Roman" panose="02020603050405020304" pitchFamily="18" charset="0"/>
+                          <a:cs typeface="Times New Roman" panose="02020603050405020304" pitchFamily="18" charset="0"/>
+                        </a:rPr>
                         <a:t>Discusses the complexity of custom-built authentication systems and presents Clerk as a solution for developers.</a:t>
                       </a:r>
-                      <a:endParaRPr lang="en-US" sz="1600" dirty="0">
-                        <a:latin typeface="Times New Roman" panose="02020603050405020304" pitchFamily="18" charset="0"/>
-                        <a:cs typeface="Times New Roman" panose="02020603050405020304" pitchFamily="18" charset="0"/>
-                      </a:endParaRPr>
                     </a:p>
                   </a:txBody>
                   <a:tcPr>
@@ -34183,7 +34394,7 @@
             <p:ph idx="1"/>
             <p:extLst>
               <p:ext uri="{D42A27DB-BD31-4B8C-83A1-F6EECF244321}">
-                <p14:modId xmlns:p14="http://schemas.microsoft.com/office/powerpoint/2010/main" val="2944326103"/>
+                <p14:modId xmlns:p14="http://schemas.microsoft.com/office/powerpoint/2010/main" val="3755983159"/>
               </p:ext>
             </p:extLst>
           </p:nvPr>
